--- a/プレゼン/桐蔭-事後プレゼン.pptx
+++ b/プレゼン/桐蔭-事後プレゼン.pptx
@@ -234,7 +234,7 @@
           <a:p>
             <a:fld id="{223799DF-96B8-43D8-8A6B-52C1AB8BB99E}" type="datetimeFigureOut">
               <a:rPr kumimoji="1" lang="ja-JP" altLang="en-US" smtClean="0"/>
-              <a:t>2024/6/2</a:t>
+              <a:t>2024/6/15</a:t>
             </a:fld>
             <a:endParaRPr kumimoji="1" lang="ja-JP" altLang="en-US"/>
           </a:p>
@@ -680,7 +680,7 @@
           <a:p>
             <a:fld id="{243F4D90-253E-4FCE-A533-D855872F4E83}" type="datetimeFigureOut">
               <a:rPr kumimoji="1" lang="ja-JP" altLang="en-US" smtClean="0"/>
-              <a:t>2024/6/2</a:t>
+              <a:t>2024/6/15</a:t>
             </a:fld>
             <a:endParaRPr kumimoji="1" lang="ja-JP" altLang="en-US"/>
           </a:p>
@@ -922,7 +922,7 @@
           <a:p>
             <a:fld id="{243F4D90-253E-4FCE-A533-D855872F4E83}" type="datetimeFigureOut">
               <a:rPr kumimoji="1" lang="ja-JP" altLang="en-US" smtClean="0"/>
-              <a:t>2024/6/2</a:t>
+              <a:t>2024/6/15</a:t>
             </a:fld>
             <a:endParaRPr kumimoji="1" lang="ja-JP" altLang="en-US"/>
           </a:p>
@@ -1174,7 +1174,7 @@
           <a:p>
             <a:fld id="{243F4D90-253E-4FCE-A533-D855872F4E83}" type="datetimeFigureOut">
               <a:rPr kumimoji="1" lang="ja-JP" altLang="en-US" smtClean="0"/>
-              <a:t>2024/6/2</a:t>
+              <a:t>2024/6/15</a:t>
             </a:fld>
             <a:endParaRPr kumimoji="1" lang="ja-JP" altLang="en-US"/>
           </a:p>
@@ -1416,7 +1416,7 @@
           <a:p>
             <a:fld id="{243F4D90-253E-4FCE-A533-D855872F4E83}" type="datetimeFigureOut">
               <a:rPr kumimoji="1" lang="ja-JP" altLang="en-US" smtClean="0"/>
-              <a:t>2024/6/2</a:t>
+              <a:t>2024/6/15</a:t>
             </a:fld>
             <a:endParaRPr kumimoji="1" lang="ja-JP" altLang="en-US"/>
           </a:p>
@@ -1703,7 +1703,7 @@
           <a:p>
             <a:fld id="{243F4D90-253E-4FCE-A533-D855872F4E83}" type="datetimeFigureOut">
               <a:rPr kumimoji="1" lang="ja-JP" altLang="en-US" smtClean="0"/>
-              <a:t>2024/6/2</a:t>
+              <a:t>2024/6/15</a:t>
             </a:fld>
             <a:endParaRPr kumimoji="1" lang="ja-JP" altLang="en-US"/>
           </a:p>
@@ -2044,7 +2044,7 @@
           <a:p>
             <a:fld id="{243F4D90-253E-4FCE-A533-D855872F4E83}" type="datetimeFigureOut">
               <a:rPr kumimoji="1" lang="ja-JP" altLang="en-US" smtClean="0"/>
-              <a:t>2024/6/2</a:t>
+              <a:t>2024/6/15</a:t>
             </a:fld>
             <a:endParaRPr kumimoji="1" lang="ja-JP" altLang="en-US"/>
           </a:p>
@@ -2532,7 +2532,7 @@
           <a:p>
             <a:fld id="{243F4D90-253E-4FCE-A533-D855872F4E83}" type="datetimeFigureOut">
               <a:rPr kumimoji="1" lang="ja-JP" altLang="en-US" smtClean="0"/>
-              <a:t>2024/6/2</a:t>
+              <a:t>2024/6/15</a:t>
             </a:fld>
             <a:endParaRPr kumimoji="1" lang="ja-JP" altLang="en-US"/>
           </a:p>
@@ -2685,7 +2685,7 @@
           <a:p>
             <a:fld id="{243F4D90-253E-4FCE-A533-D855872F4E83}" type="datetimeFigureOut">
               <a:rPr kumimoji="1" lang="ja-JP" altLang="en-US" smtClean="0"/>
-              <a:t>2024/6/2</a:t>
+              <a:t>2024/6/15</a:t>
             </a:fld>
             <a:endParaRPr kumimoji="1" lang="ja-JP" altLang="en-US"/>
           </a:p>
@@ -2810,7 +2810,7 @@
           <a:p>
             <a:fld id="{243F4D90-253E-4FCE-A533-D855872F4E83}" type="datetimeFigureOut">
               <a:rPr kumimoji="1" lang="ja-JP" altLang="en-US" smtClean="0"/>
-              <a:t>2024/6/2</a:t>
+              <a:t>2024/6/15</a:t>
             </a:fld>
             <a:endParaRPr kumimoji="1" lang="ja-JP" altLang="en-US"/>
           </a:p>
@@ -3165,7 +3165,7 @@
           <a:p>
             <a:fld id="{243F4D90-253E-4FCE-A533-D855872F4E83}" type="datetimeFigureOut">
               <a:rPr kumimoji="1" lang="ja-JP" altLang="en-US" smtClean="0"/>
-              <a:t>2024/6/2</a:t>
+              <a:t>2024/6/15</a:t>
             </a:fld>
             <a:endParaRPr kumimoji="1" lang="ja-JP" altLang="en-US"/>
           </a:p>
@@ -3465,7 +3465,7 @@
           <a:p>
             <a:fld id="{243F4D90-253E-4FCE-A533-D855872F4E83}" type="datetimeFigureOut">
               <a:rPr kumimoji="1" lang="ja-JP" altLang="en-US" smtClean="0"/>
-              <a:t>2024/6/2</a:t>
+              <a:t>2024/6/15</a:t>
             </a:fld>
             <a:endParaRPr kumimoji="1" lang="ja-JP" altLang="en-US"/>
           </a:p>
@@ -3750,7 +3750,7 @@
           <a:p>
             <a:fld id="{243F4D90-253E-4FCE-A533-D855872F4E83}" type="datetimeFigureOut">
               <a:rPr kumimoji="1" lang="ja-JP" altLang="en-US" smtClean="0"/>
-              <a:t>2024/6/2</a:t>
+              <a:t>2024/6/15</a:t>
             </a:fld>
             <a:endParaRPr kumimoji="1" lang="ja-JP" altLang="en-US"/>
           </a:p>
@@ -19212,8 +19212,8 @@
         </p:nvSpPr>
         <p:spPr>
           <a:xfrm>
-            <a:off x="6287023" y="533486"/>
-            <a:ext cx="5032147" cy="923330"/>
+            <a:off x="6777039" y="598201"/>
+            <a:ext cx="3416320" cy="646331"/>
           </a:xfrm>
           <a:prstGeom prst="rect">
             <a:avLst/>
@@ -19227,491 +19227,879 @@
           <a:lstStyle/>
           <a:p>
             <a:r>
-              <a:rPr kumimoji="1" lang="ja-JP" altLang="en-US" dirty="0"/>
+              <a:rPr kumimoji="1" lang="ja-JP" altLang="en-US" sz="1200" b="1" dirty="0">
+                <a:latin typeface="+mn-ea"/>
+              </a:rPr>
               <a:t>各セクション別にサクセスクライテリアを決定</a:t>
             </a:r>
-            <a:endParaRPr kumimoji="1" lang="en-US" altLang="ja-JP" dirty="0"/>
-          </a:p>
-          <a:p>
-            <a:r>
-              <a:rPr lang="ja-JP" altLang="en-US" dirty="0"/>
+            <a:endParaRPr kumimoji="1" lang="en-US" altLang="ja-JP" sz="1200" b="1" dirty="0">
+              <a:latin typeface="+mn-ea"/>
+            </a:endParaRPr>
+          </a:p>
+          <a:p>
+            <a:r>
+              <a:rPr lang="ja-JP" altLang="en-US" sz="1200" b="1" dirty="0">
+                <a:latin typeface="+mn-ea"/>
+              </a:rPr>
               <a:t>→各々で評価していく</a:t>
             </a:r>
-            <a:endParaRPr lang="en-US" altLang="ja-JP" dirty="0"/>
-          </a:p>
-          <a:p>
-            <a:r>
-              <a:rPr lang="ja-JP" altLang="en-US" dirty="0"/>
+            <a:endParaRPr lang="en-US" altLang="ja-JP" sz="1200" b="1" dirty="0">
+              <a:latin typeface="+mn-ea"/>
+            </a:endParaRPr>
+          </a:p>
+          <a:p>
+            <a:r>
+              <a:rPr lang="ja-JP" altLang="en-US" sz="1200" b="1" dirty="0">
+                <a:latin typeface="+mn-ea"/>
+              </a:rPr>
               <a:t>（最後に総合でまとめなくても大丈夫）</a:t>
             </a:r>
-            <a:endParaRPr lang="en-US" altLang="ja-JP" dirty="0"/>
+            <a:endParaRPr lang="en-US" altLang="ja-JP" sz="1200" b="1" dirty="0">
+              <a:latin typeface="+mn-ea"/>
+            </a:endParaRPr>
           </a:p>
         </p:txBody>
       </p:sp>
       <p:sp>
         <p:nvSpPr>
-          <p:cNvPr id="11" name="テキスト ボックス 10">
+          <p:cNvPr id="24" name="正方形/長方形 23">
             <a:extLst>
               <a:ext uri="{FF2B5EF4-FFF2-40B4-BE49-F238E27FC236}">
-                <a16:creationId xmlns:a16="http://schemas.microsoft.com/office/drawing/2014/main" id="{083A26AF-1895-C00B-E84B-5392FD29701A}"/>
+                <a16:creationId xmlns:a16="http://schemas.microsoft.com/office/drawing/2014/main" id="{7B8A8E53-6E20-F3BA-1B8E-EA5CB70463B6}"/>
               </a:ext>
             </a:extLst>
           </p:cNvPr>
-          <p:cNvSpPr txBox="1"/>
+          <p:cNvSpPr/>
           <p:nvPr/>
         </p:nvSpPr>
         <p:spPr>
           <a:xfrm>
-            <a:off x="1489954" y="3429000"/>
-            <a:ext cx="1184940" cy="369332"/>
+            <a:off x="5706512" y="2520604"/>
+            <a:ext cx="2778907" cy="1099817"/>
           </a:xfrm>
           <a:prstGeom prst="rect">
             <a:avLst/>
           </a:prstGeom>
-          <a:noFill/>
+          <a:solidFill>
+            <a:schemeClr val="accent1">
+              <a:lumMod val="20000"/>
+              <a:lumOff val="80000"/>
+            </a:schemeClr>
+          </a:solidFill>
+          <a:ln>
+            <a:noFill/>
+          </a:ln>
         </p:spPr>
+        <p:style>
+          <a:lnRef idx="2">
+            <a:schemeClr val="accent1">
+              <a:shade val="15000"/>
+            </a:schemeClr>
+          </a:lnRef>
+          <a:fillRef idx="1">
+            <a:schemeClr val="accent1"/>
+          </a:fillRef>
+          <a:effectRef idx="0">
+            <a:schemeClr val="accent1"/>
+          </a:effectRef>
+          <a:fontRef idx="minor">
+            <a:schemeClr val="lt1"/>
+          </a:fontRef>
+        </p:style>
         <p:txBody>
-          <a:bodyPr wrap="none" rtlCol="0" anchor="ctr">
-            <a:spAutoFit/>
-          </a:bodyPr>
+          <a:bodyPr rtlCol="0" anchor="ctr"/>
           <a:lstStyle/>
           <a:p>
-            <a:pPr algn="ctr"/>
-            <a:r>
-              <a:rPr kumimoji="1" lang="en-US" altLang="ja-JP" dirty="0"/>
-              <a:t>Minimum</a:t>
-            </a:r>
-            <a:endParaRPr kumimoji="1" lang="ja-JP" altLang="en-US" dirty="0"/>
+            <a:pPr algn="ctr">
+              <a:lnSpc>
+                <a:spcPct val="130000"/>
+              </a:lnSpc>
+            </a:pPr>
+            <a:r>
+              <a:rPr kumimoji="1" lang="en-US" altLang="ja-JP" b="1" dirty="0">
+                <a:solidFill>
+                  <a:sysClr val="windowText" lastClr="000000"/>
+                </a:solidFill>
+                <a:latin typeface="+mn-ea"/>
+              </a:rPr>
+              <a:t>GPS</a:t>
+            </a:r>
+            <a:r>
+              <a:rPr kumimoji="1" lang="ja-JP" altLang="en-US" b="1" dirty="0">
+                <a:solidFill>
+                  <a:sysClr val="windowText" lastClr="000000"/>
+                </a:solidFill>
+                <a:latin typeface="+mn-ea"/>
+              </a:rPr>
+              <a:t>情報の取得</a:t>
+            </a:r>
           </a:p>
         </p:txBody>
       </p:sp>
       <p:sp>
         <p:nvSpPr>
-          <p:cNvPr id="12" name="テキスト ボックス 11">
+          <p:cNvPr id="27" name="正方形/長方形 26">
             <a:extLst>
               <a:ext uri="{FF2B5EF4-FFF2-40B4-BE49-F238E27FC236}">
-                <a16:creationId xmlns:a16="http://schemas.microsoft.com/office/drawing/2014/main" id="{CD1D9D61-7EAA-942E-7B11-1FB3988992EC}"/>
+                <a16:creationId xmlns:a16="http://schemas.microsoft.com/office/drawing/2014/main" id="{772B2C20-E429-57D6-06A3-9856AEA7B03D}"/>
               </a:ext>
             </a:extLst>
           </p:cNvPr>
-          <p:cNvSpPr txBox="1"/>
+          <p:cNvSpPr/>
           <p:nvPr/>
         </p:nvSpPr>
         <p:spPr>
           <a:xfrm>
-            <a:off x="1791319" y="4327052"/>
-            <a:ext cx="582212" cy="369332"/>
+            <a:off x="5706511" y="3679594"/>
+            <a:ext cx="5611742" cy="1099817"/>
           </a:xfrm>
           <a:prstGeom prst="rect">
             <a:avLst/>
           </a:prstGeom>
-          <a:noFill/>
+          <a:solidFill>
+            <a:schemeClr val="accent1">
+              <a:lumMod val="40000"/>
+              <a:lumOff val="60000"/>
+            </a:schemeClr>
+          </a:solidFill>
+          <a:ln>
+            <a:noFill/>
+          </a:ln>
         </p:spPr>
+        <p:style>
+          <a:lnRef idx="2">
+            <a:schemeClr val="accent1">
+              <a:shade val="15000"/>
+            </a:schemeClr>
+          </a:lnRef>
+          <a:fillRef idx="1">
+            <a:schemeClr val="accent1"/>
+          </a:fillRef>
+          <a:effectRef idx="0">
+            <a:schemeClr val="accent1"/>
+          </a:effectRef>
+          <a:fontRef idx="minor">
+            <a:schemeClr val="lt1"/>
+          </a:fontRef>
+        </p:style>
         <p:txBody>
-          <a:bodyPr wrap="none" rtlCol="0" anchor="ctr">
-            <a:spAutoFit/>
-          </a:bodyPr>
+          <a:bodyPr rtlCol="0" anchor="ctr"/>
           <a:lstStyle/>
           <a:p>
-            <a:pPr algn="ctr"/>
-            <a:r>
-              <a:rPr kumimoji="1" lang="en-US" altLang="ja-JP" dirty="0"/>
-              <a:t>Full</a:t>
-            </a:r>
-            <a:endParaRPr kumimoji="1" lang="ja-JP" altLang="en-US" dirty="0"/>
+            <a:pPr algn="ctr">
+              <a:lnSpc>
+                <a:spcPct val="130000"/>
+              </a:lnSpc>
+            </a:pPr>
+            <a:r>
+              <a:rPr kumimoji="1" lang="en-US" altLang="ja-JP" b="1" dirty="0">
+                <a:solidFill>
+                  <a:sysClr val="windowText" lastClr="000000"/>
+                </a:solidFill>
+                <a:latin typeface="+mn-ea"/>
+              </a:rPr>
+              <a:t>TWE-LITE</a:t>
+            </a:r>
+            <a:r>
+              <a:rPr kumimoji="1" lang="ja-JP" altLang="en-US" b="1" dirty="0">
+                <a:solidFill>
+                  <a:sysClr val="windowText" lastClr="000000"/>
+                </a:solidFill>
+                <a:latin typeface="+mn-ea"/>
+              </a:rPr>
+              <a:t>使用の無線通信で</a:t>
+            </a:r>
+          </a:p>
+          <a:p>
+            <a:pPr algn="ctr">
+              <a:lnSpc>
+                <a:spcPct val="130000"/>
+              </a:lnSpc>
+            </a:pPr>
+            <a:r>
+              <a:rPr kumimoji="1" lang="ja-JP" altLang="en-US" b="1" dirty="0">
+                <a:solidFill>
+                  <a:sysClr val="windowText" lastClr="000000"/>
+                </a:solidFill>
+                <a:latin typeface="+mn-ea"/>
+              </a:rPr>
+              <a:t>遠隔での情報取得</a:t>
+            </a:r>
           </a:p>
         </p:txBody>
       </p:sp>
       <p:sp>
         <p:nvSpPr>
-          <p:cNvPr id="13" name="テキスト ボックス 12">
+          <p:cNvPr id="65" name="正方形/長方形 64">
             <a:extLst>
               <a:ext uri="{FF2B5EF4-FFF2-40B4-BE49-F238E27FC236}">
-                <a16:creationId xmlns:a16="http://schemas.microsoft.com/office/drawing/2014/main" id="{F79B00C9-F5CA-D2B5-229A-5927CB97422D}"/>
+                <a16:creationId xmlns:a16="http://schemas.microsoft.com/office/drawing/2014/main" id="{0E4DD21E-1699-4476-203F-1AC867EC02F6}"/>
               </a:ext>
             </a:extLst>
           </p:cNvPr>
-          <p:cNvSpPr txBox="1"/>
+          <p:cNvSpPr/>
           <p:nvPr/>
         </p:nvSpPr>
         <p:spPr>
           <a:xfrm>
-            <a:off x="1715978" y="5225104"/>
-            <a:ext cx="732893" cy="369332"/>
+            <a:off x="5706511" y="4836816"/>
+            <a:ext cx="5611742" cy="1099817"/>
           </a:xfrm>
           <a:prstGeom prst="rect">
             <a:avLst/>
           </a:prstGeom>
-          <a:noFill/>
+          <a:solidFill>
+            <a:schemeClr val="accent1">
+              <a:lumMod val="60000"/>
+              <a:lumOff val="40000"/>
+            </a:schemeClr>
+          </a:solidFill>
+          <a:ln>
+            <a:noFill/>
+          </a:ln>
         </p:spPr>
+        <p:style>
+          <a:lnRef idx="2">
+            <a:schemeClr val="accent1">
+              <a:shade val="15000"/>
+            </a:schemeClr>
+          </a:lnRef>
+          <a:fillRef idx="1">
+            <a:schemeClr val="accent1"/>
+          </a:fillRef>
+          <a:effectRef idx="0">
+            <a:schemeClr val="accent1"/>
+          </a:effectRef>
+          <a:fontRef idx="minor">
+            <a:schemeClr val="lt1"/>
+          </a:fontRef>
+        </p:style>
         <p:txBody>
-          <a:bodyPr wrap="none" rtlCol="0" anchor="ctr">
-            <a:spAutoFit/>
-          </a:bodyPr>
+          <a:bodyPr rtlCol="0" anchor="ctr"/>
           <a:lstStyle/>
           <a:p>
-            <a:pPr algn="ctr"/>
-            <a:r>
-              <a:rPr kumimoji="1" lang="en-US" altLang="ja-JP" dirty="0"/>
-              <a:t>Extra</a:t>
-            </a:r>
-            <a:endParaRPr kumimoji="1" lang="ja-JP" altLang="en-US" dirty="0"/>
+            <a:pPr algn="ctr">
+              <a:lnSpc>
+                <a:spcPct val="130000"/>
+              </a:lnSpc>
+            </a:pPr>
+            <a:r>
+              <a:rPr kumimoji="1" lang="ja-JP" altLang="en-US" b="1" dirty="0">
+                <a:solidFill>
+                  <a:sysClr val="windowText" lastClr="000000"/>
+                </a:solidFill>
+                <a:latin typeface="+mn-ea"/>
+              </a:rPr>
+              <a:t>アプリやサイトへの</a:t>
+            </a:r>
+          </a:p>
+          <a:p>
+            <a:pPr algn="ctr">
+              <a:lnSpc>
+                <a:spcPct val="130000"/>
+              </a:lnSpc>
+            </a:pPr>
+            <a:r>
+              <a:rPr kumimoji="1" lang="ja-JP" altLang="en-US" b="1" dirty="0">
+                <a:solidFill>
+                  <a:sysClr val="windowText" lastClr="000000"/>
+                </a:solidFill>
+                <a:latin typeface="+mn-ea"/>
+              </a:rPr>
+              <a:t>情報の表示</a:t>
+            </a:r>
+            <a:r>
+              <a:rPr kumimoji="1" lang="en-US" altLang="ja-JP" b="1" dirty="0">
+                <a:solidFill>
+                  <a:sysClr val="windowText" lastClr="000000"/>
+                </a:solidFill>
+                <a:latin typeface="+mn-ea"/>
+              </a:rPr>
+              <a:t>/</a:t>
+            </a:r>
+            <a:r>
+              <a:rPr kumimoji="1" lang="ja-JP" altLang="en-US" b="1" dirty="0">
+                <a:solidFill>
+                  <a:sysClr val="windowText" lastClr="000000"/>
+                </a:solidFill>
+                <a:latin typeface="+mn-ea"/>
+              </a:rPr>
+              <a:t>視覚化</a:t>
+            </a:r>
           </a:p>
         </p:txBody>
       </p:sp>
       <p:sp>
         <p:nvSpPr>
-          <p:cNvPr id="14" name="テキスト ボックス 13">
+          <p:cNvPr id="68" name="正方形/長方形 67">
             <a:extLst>
               <a:ext uri="{FF2B5EF4-FFF2-40B4-BE49-F238E27FC236}">
-                <a16:creationId xmlns:a16="http://schemas.microsoft.com/office/drawing/2014/main" id="{2C5241D7-4897-EA22-A528-D550FD4D8BA7}"/>
+                <a16:creationId xmlns:a16="http://schemas.microsoft.com/office/drawing/2014/main" id="{E11A9833-60C9-4B42-E5B8-48EC67DC42D4}"/>
               </a:ext>
             </a:extLst>
           </p:cNvPr>
-          <p:cNvSpPr txBox="1"/>
+          <p:cNvSpPr/>
           <p:nvPr/>
         </p:nvSpPr>
         <p:spPr>
           <a:xfrm>
-            <a:off x="3517705" y="3290501"/>
-            <a:ext cx="1107996" cy="646331"/>
+            <a:off x="8539346" y="2520604"/>
+            <a:ext cx="2778907" cy="1099817"/>
           </a:xfrm>
           <a:prstGeom prst="rect">
             <a:avLst/>
           </a:prstGeom>
-          <a:noFill/>
+          <a:solidFill>
+            <a:schemeClr val="accent1">
+              <a:lumMod val="20000"/>
+              <a:lumOff val="80000"/>
+            </a:schemeClr>
+          </a:solidFill>
+          <a:ln>
+            <a:noFill/>
+          </a:ln>
         </p:spPr>
+        <p:style>
+          <a:lnRef idx="2">
+            <a:schemeClr val="accent1">
+              <a:shade val="15000"/>
+            </a:schemeClr>
+          </a:lnRef>
+          <a:fillRef idx="1">
+            <a:schemeClr val="accent1"/>
+          </a:fillRef>
+          <a:effectRef idx="0">
+            <a:schemeClr val="accent1"/>
+          </a:effectRef>
+          <a:fontRef idx="minor">
+            <a:schemeClr val="lt1"/>
+          </a:fontRef>
+        </p:style>
         <p:txBody>
-          <a:bodyPr wrap="none" rtlCol="0" anchor="ctr">
-            <a:spAutoFit/>
-          </a:bodyPr>
+          <a:bodyPr rtlCol="0" anchor="ctr"/>
           <a:lstStyle/>
           <a:p>
-            <a:pPr algn="ctr"/>
-            <a:r>
-              <a:rPr kumimoji="1" lang="en-US" altLang="ja-JP" dirty="0"/>
-              <a:t>4</a:t>
-            </a:r>
-            <a:r>
-              <a:rPr lang="ja-JP" altLang="en-US" dirty="0"/>
-              <a:t>基全て</a:t>
-            </a:r>
-            <a:endParaRPr lang="en-US" altLang="ja-JP" dirty="0"/>
-          </a:p>
-          <a:p>
-            <a:pPr algn="ctr"/>
-            <a:r>
-              <a:rPr lang="ja-JP" altLang="en-US" dirty="0"/>
-              <a:t>放出完了</a:t>
-            </a:r>
-            <a:endParaRPr kumimoji="1" lang="ja-JP" altLang="en-US" dirty="0"/>
+            <a:pPr algn="ctr">
+              <a:lnSpc>
+                <a:spcPct val="130000"/>
+              </a:lnSpc>
+            </a:pPr>
+            <a:r>
+              <a:rPr kumimoji="1" lang="ja-JP" altLang="en-US" b="1" dirty="0">
+                <a:solidFill>
+                  <a:sysClr val="windowText" lastClr="000000"/>
+                </a:solidFill>
+                <a:latin typeface="+mn-ea"/>
+              </a:rPr>
+              <a:t>ボタンの押下と</a:t>
+            </a:r>
+            <a:endParaRPr kumimoji="1" lang="en-US" altLang="ja-JP" b="1" dirty="0">
+              <a:solidFill>
+                <a:sysClr val="windowText" lastClr="000000"/>
+              </a:solidFill>
+              <a:latin typeface="+mn-ea"/>
+            </a:endParaRPr>
+          </a:p>
+          <a:p>
+            <a:pPr algn="ctr">
+              <a:lnSpc>
+                <a:spcPct val="130000"/>
+              </a:lnSpc>
+            </a:pPr>
+            <a:r>
+              <a:rPr lang="ja-JP" altLang="en-US" b="1" dirty="0">
+                <a:solidFill>
+                  <a:sysClr val="windowText" lastClr="000000"/>
+                </a:solidFill>
+                <a:latin typeface="+mn-ea"/>
+              </a:rPr>
+              <a:t>ディスプレイのリンク</a:t>
+            </a:r>
+            <a:endParaRPr kumimoji="1" lang="ja-JP" altLang="en-US" b="1" dirty="0">
+              <a:solidFill>
+                <a:sysClr val="windowText" lastClr="000000"/>
+              </a:solidFill>
+              <a:latin typeface="+mn-ea"/>
+            </a:endParaRPr>
           </a:p>
         </p:txBody>
       </p:sp>
       <p:sp>
         <p:nvSpPr>
-          <p:cNvPr id="15" name="テキスト ボックス 14">
+          <p:cNvPr id="2" name="正方形/長方形 1">
             <a:extLst>
               <a:ext uri="{FF2B5EF4-FFF2-40B4-BE49-F238E27FC236}">
-                <a16:creationId xmlns:a16="http://schemas.microsoft.com/office/drawing/2014/main" id="{F25C405A-41AF-A98E-08AB-8A51ACCAE142}"/>
+                <a16:creationId xmlns:a16="http://schemas.microsoft.com/office/drawing/2014/main" id="{246510E1-0125-43F9-3E47-34A00767C1F9}"/>
               </a:ext>
             </a:extLst>
           </p:cNvPr>
-          <p:cNvSpPr txBox="1"/>
+          <p:cNvSpPr/>
           <p:nvPr/>
         </p:nvSpPr>
         <p:spPr>
           <a:xfrm>
-            <a:off x="3230770" y="4188553"/>
-            <a:ext cx="1681871" cy="646331"/>
+            <a:off x="873747" y="2522371"/>
+            <a:ext cx="1940927" cy="1099818"/>
           </a:xfrm>
           <a:prstGeom prst="rect">
             <a:avLst/>
           </a:prstGeom>
-          <a:noFill/>
+          <a:solidFill>
+            <a:schemeClr val="accent1">
+              <a:lumMod val="20000"/>
+              <a:lumOff val="80000"/>
+            </a:schemeClr>
+          </a:solidFill>
+          <a:ln>
+            <a:noFill/>
+          </a:ln>
         </p:spPr>
+        <p:style>
+          <a:lnRef idx="2">
+            <a:schemeClr val="accent1">
+              <a:shade val="15000"/>
+            </a:schemeClr>
+          </a:lnRef>
+          <a:fillRef idx="1">
+            <a:schemeClr val="accent1"/>
+          </a:fillRef>
+          <a:effectRef idx="0">
+            <a:schemeClr val="accent1"/>
+          </a:effectRef>
+          <a:fontRef idx="minor">
+            <a:schemeClr val="lt1"/>
+          </a:fontRef>
+        </p:style>
         <p:txBody>
-          <a:bodyPr wrap="none" rtlCol="0" anchor="ctr">
-            <a:spAutoFit/>
-          </a:bodyPr>
+          <a:bodyPr rtlCol="0" anchor="ctr"/>
           <a:lstStyle/>
           <a:p>
             <a:pPr algn="ctr"/>
             <a:r>
-              <a:rPr kumimoji="1" lang="ja-JP" altLang="en-US" dirty="0"/>
-              <a:t>欠損</a:t>
-            </a:r>
-            <a:r>
-              <a:rPr kumimoji="1" lang="en-US" altLang="ja-JP" dirty="0"/>
-              <a:t>/</a:t>
-            </a:r>
-            <a:r>
-              <a:rPr kumimoji="1" lang="ja-JP" altLang="en-US" dirty="0"/>
-              <a:t>故障なし</a:t>
-            </a:r>
-            <a:endParaRPr kumimoji="1" lang="en-US" altLang="ja-JP" dirty="0"/>
-          </a:p>
-          <a:p>
-            <a:pPr algn="ctr"/>
-            <a:r>
-              <a:rPr lang="ja-JP" altLang="en-US" dirty="0"/>
-              <a:t>→ 再利用</a:t>
-            </a:r>
-            <a:endParaRPr kumimoji="1" lang="ja-JP" altLang="en-US" dirty="0"/>
+              <a:rPr kumimoji="1" lang="en-US" altLang="ja-JP" sz="2400" dirty="0">
+                <a:solidFill>
+                  <a:sysClr val="windowText" lastClr="000000"/>
+                </a:solidFill>
+                <a:latin typeface="Bahnschrift SemiBold" panose="020B0502040204020203" pitchFamily="34" charset="0"/>
+              </a:rPr>
+              <a:t>Minimum</a:t>
+            </a:r>
+            <a:endParaRPr kumimoji="1" lang="ja-JP" altLang="en-US" sz="2400" dirty="0">
+              <a:solidFill>
+                <a:sysClr val="windowText" lastClr="000000"/>
+              </a:solidFill>
+              <a:latin typeface="Bahnschrift SemiBold" panose="020B0502040204020203" pitchFamily="34" charset="0"/>
+            </a:endParaRPr>
           </a:p>
         </p:txBody>
       </p:sp>
       <p:sp>
         <p:nvSpPr>
-          <p:cNvPr id="16" name="テキスト ボックス 15">
+          <p:cNvPr id="3" name="正方形/長方形 2">
             <a:extLst>
               <a:ext uri="{FF2B5EF4-FFF2-40B4-BE49-F238E27FC236}">
-                <a16:creationId xmlns:a16="http://schemas.microsoft.com/office/drawing/2014/main" id="{2467E8CD-0B2A-96D5-6760-1E46AFA8F068}"/>
+                <a16:creationId xmlns:a16="http://schemas.microsoft.com/office/drawing/2014/main" id="{3FECAAA0-83F1-2B05-29A2-FC828BB58831}"/>
               </a:ext>
             </a:extLst>
           </p:cNvPr>
-          <p:cNvSpPr txBox="1"/>
+          <p:cNvSpPr/>
           <p:nvPr/>
         </p:nvSpPr>
         <p:spPr>
           <a:xfrm>
-            <a:off x="3402290" y="5086605"/>
-            <a:ext cx="1338828" cy="646331"/>
+            <a:off x="873746" y="3679593"/>
+            <a:ext cx="1940927" cy="1099818"/>
           </a:xfrm>
           <a:prstGeom prst="rect">
             <a:avLst/>
           </a:prstGeom>
-          <a:noFill/>
+          <a:solidFill>
+            <a:schemeClr val="accent1">
+              <a:lumMod val="40000"/>
+              <a:lumOff val="60000"/>
+            </a:schemeClr>
+          </a:solidFill>
+          <a:ln>
+            <a:noFill/>
+          </a:ln>
         </p:spPr>
+        <p:style>
+          <a:lnRef idx="2">
+            <a:schemeClr val="accent1">
+              <a:shade val="15000"/>
+            </a:schemeClr>
+          </a:lnRef>
+          <a:fillRef idx="1">
+            <a:schemeClr val="accent1"/>
+          </a:fillRef>
+          <a:effectRef idx="0">
+            <a:schemeClr val="accent1"/>
+          </a:effectRef>
+          <a:fontRef idx="minor">
+            <a:schemeClr val="lt1"/>
+          </a:fontRef>
+        </p:style>
         <p:txBody>
-          <a:bodyPr wrap="none" rtlCol="0" anchor="ctr">
-            <a:spAutoFit/>
-          </a:bodyPr>
+          <a:bodyPr rtlCol="0" anchor="ctr"/>
           <a:lstStyle/>
           <a:p>
             <a:pPr algn="ctr"/>
             <a:r>
-              <a:rPr kumimoji="1" lang="ja-JP" altLang="en-US" dirty="0"/>
-              <a:t>落下位置を</a:t>
-            </a:r>
-            <a:endParaRPr kumimoji="1" lang="en-US" altLang="ja-JP" dirty="0"/>
-          </a:p>
-          <a:p>
-            <a:pPr algn="ctr"/>
-            <a:r>
-              <a:rPr kumimoji="1" lang="ja-JP" altLang="en-US" dirty="0"/>
-              <a:t>ばらばらに</a:t>
-            </a:r>
+              <a:rPr kumimoji="1" lang="en-US" altLang="ja-JP" sz="2400" dirty="0">
+                <a:solidFill>
+                  <a:sysClr val="windowText" lastClr="000000"/>
+                </a:solidFill>
+                <a:latin typeface="Bahnschrift SemiBold" panose="020B0502040204020203" pitchFamily="34" charset="0"/>
+              </a:rPr>
+              <a:t>Full</a:t>
+            </a:r>
+            <a:endParaRPr kumimoji="1" lang="ja-JP" altLang="en-US" sz="2400" dirty="0">
+              <a:solidFill>
+                <a:sysClr val="windowText" lastClr="000000"/>
+              </a:solidFill>
+              <a:latin typeface="Bahnschrift SemiBold" panose="020B0502040204020203" pitchFamily="34" charset="0"/>
+            </a:endParaRPr>
           </a:p>
         </p:txBody>
       </p:sp>
       <p:sp>
         <p:nvSpPr>
-          <p:cNvPr id="17" name="テキスト ボックス 16">
+          <p:cNvPr id="4" name="正方形/長方形 3">
             <a:extLst>
               <a:ext uri="{FF2B5EF4-FFF2-40B4-BE49-F238E27FC236}">
-                <a16:creationId xmlns:a16="http://schemas.microsoft.com/office/drawing/2014/main" id="{AA04A0E3-8714-97BA-5513-72B98EF7064C}"/>
+                <a16:creationId xmlns:a16="http://schemas.microsoft.com/office/drawing/2014/main" id="{A7537D6E-214E-E36E-35FC-0069AEE2FF1B}"/>
               </a:ext>
             </a:extLst>
           </p:cNvPr>
-          <p:cNvSpPr txBox="1"/>
+          <p:cNvSpPr/>
           <p:nvPr/>
         </p:nvSpPr>
         <p:spPr>
           <a:xfrm>
-            <a:off x="3402287" y="2530948"/>
-            <a:ext cx="1338828" cy="369332"/>
+            <a:off x="873746" y="4836815"/>
+            <a:ext cx="1940927" cy="1099818"/>
           </a:xfrm>
           <a:prstGeom prst="rect">
             <a:avLst/>
           </a:prstGeom>
-          <a:noFill/>
+          <a:solidFill>
+            <a:schemeClr val="accent1">
+              <a:lumMod val="60000"/>
+              <a:lumOff val="40000"/>
+            </a:schemeClr>
+          </a:solidFill>
+          <a:ln>
+            <a:noFill/>
+          </a:ln>
         </p:spPr>
+        <p:style>
+          <a:lnRef idx="2">
+            <a:schemeClr val="accent1">
+              <a:shade val="15000"/>
+            </a:schemeClr>
+          </a:lnRef>
+          <a:fillRef idx="1">
+            <a:schemeClr val="accent1"/>
+          </a:fillRef>
+          <a:effectRef idx="0">
+            <a:schemeClr val="accent1"/>
+          </a:effectRef>
+          <a:fontRef idx="minor">
+            <a:schemeClr val="lt1"/>
+          </a:fontRef>
+        </p:style>
         <p:txBody>
-          <a:bodyPr wrap="none" rtlCol="0" anchor="ctr">
-            <a:spAutoFit/>
-          </a:bodyPr>
+          <a:bodyPr rtlCol="0" anchor="ctr"/>
           <a:lstStyle/>
           <a:p>
             <a:pPr algn="ctr"/>
             <a:r>
-              <a:rPr kumimoji="1" lang="ja-JP" altLang="en-US" dirty="0"/>
-              <a:t>子機の放出</a:t>
-            </a:r>
+              <a:rPr kumimoji="1" lang="en-US" altLang="ja-JP" sz="2400" dirty="0">
+                <a:solidFill>
+                  <a:sysClr val="windowText" lastClr="000000"/>
+                </a:solidFill>
+                <a:latin typeface="Bahnschrift SemiBold" panose="020B0502040204020203" pitchFamily="34" charset="0"/>
+              </a:rPr>
+              <a:t>Extra</a:t>
+            </a:r>
+            <a:endParaRPr kumimoji="1" lang="ja-JP" altLang="en-US" sz="2400" dirty="0">
+              <a:solidFill>
+                <a:sysClr val="windowText" lastClr="000000"/>
+              </a:solidFill>
+              <a:latin typeface="Bahnschrift SemiBold" panose="020B0502040204020203" pitchFamily="34" charset="0"/>
+            </a:endParaRPr>
           </a:p>
         </p:txBody>
       </p:sp>
       <p:sp>
         <p:nvSpPr>
-          <p:cNvPr id="18" name="テキスト ボックス 17">
+          <p:cNvPr id="5" name="正方形/長方形 4">
             <a:extLst>
               <a:ext uri="{FF2B5EF4-FFF2-40B4-BE49-F238E27FC236}">
-                <a16:creationId xmlns:a16="http://schemas.microsoft.com/office/drawing/2014/main" id="{8D6DC9EC-C1FB-FA2F-0235-70197EA46E64}"/>
+                <a16:creationId xmlns:a16="http://schemas.microsoft.com/office/drawing/2014/main" id="{973200EE-7212-749D-9897-84D7C04DFBD2}"/>
               </a:ext>
             </a:extLst>
           </p:cNvPr>
-          <p:cNvSpPr txBox="1"/>
+          <p:cNvSpPr/>
           <p:nvPr/>
         </p:nvSpPr>
         <p:spPr>
           <a:xfrm>
-            <a:off x="5109501" y="3290501"/>
-            <a:ext cx="1342034" cy="646331"/>
+            <a:off x="873746" y="1969243"/>
+            <a:ext cx="1940927" cy="498192"/>
           </a:xfrm>
           <a:prstGeom prst="rect">
             <a:avLst/>
           </a:prstGeom>
-          <a:noFill/>
+          <a:solidFill>
+            <a:schemeClr val="bg1">
+              <a:lumMod val="95000"/>
+            </a:schemeClr>
+          </a:solidFill>
+          <a:ln>
+            <a:noFill/>
+          </a:ln>
         </p:spPr>
+        <p:style>
+          <a:lnRef idx="2">
+            <a:schemeClr val="accent1">
+              <a:shade val="15000"/>
+            </a:schemeClr>
+          </a:lnRef>
+          <a:fillRef idx="1">
+            <a:schemeClr val="accent1"/>
+          </a:fillRef>
+          <a:effectRef idx="0">
+            <a:schemeClr val="accent1"/>
+          </a:effectRef>
+          <a:fontRef idx="minor">
+            <a:schemeClr val="lt1"/>
+          </a:fontRef>
+        </p:style>
         <p:txBody>
-          <a:bodyPr wrap="none" rtlCol="0" anchor="ctr">
-            <a:spAutoFit/>
-          </a:bodyPr>
+          <a:bodyPr rtlCol="0" anchor="ctr"/>
           <a:lstStyle/>
           <a:p>
             <a:pPr algn="ctr"/>
             <a:r>
-              <a:rPr kumimoji="1" lang="en-US" altLang="ja-JP" dirty="0"/>
-              <a:t>GPS</a:t>
-            </a:r>
-            <a:r>
-              <a:rPr lang="ja-JP" altLang="en-US" dirty="0"/>
-              <a:t>情報の</a:t>
-            </a:r>
-            <a:endParaRPr lang="en-US" altLang="ja-JP" dirty="0"/>
-          </a:p>
-          <a:p>
-            <a:pPr algn="ctr"/>
-            <a:r>
-              <a:rPr kumimoji="1" lang="ja-JP" altLang="en-US" dirty="0"/>
-              <a:t>取得</a:t>
+              <a:rPr kumimoji="1" lang="ja-JP" altLang="en-US" sz="2000" b="1" dirty="0">
+                <a:solidFill>
+                  <a:schemeClr val="bg1">
+                    <a:lumMod val="95000"/>
+                  </a:schemeClr>
+                </a:solidFill>
+                <a:latin typeface="Bahnschrift" panose="020B0502040204020203" pitchFamily="34" charset="0"/>
+              </a:rPr>
+              <a:t>あ</a:t>
             </a:r>
           </a:p>
         </p:txBody>
       </p:sp>
       <p:sp>
         <p:nvSpPr>
-          <p:cNvPr id="21" name="テキスト ボックス 20">
+          <p:cNvPr id="7" name="正方形/長方形 6">
             <a:extLst>
               <a:ext uri="{FF2B5EF4-FFF2-40B4-BE49-F238E27FC236}">
-                <a16:creationId xmlns:a16="http://schemas.microsoft.com/office/drawing/2014/main" id="{DF1D4516-47FF-6F04-4B21-62DE8D75AA36}"/>
+                <a16:creationId xmlns:a16="http://schemas.microsoft.com/office/drawing/2014/main" id="{DF260F49-3A2E-1297-9BEE-1F27C2FA1213}"/>
               </a:ext>
             </a:extLst>
           </p:cNvPr>
-          <p:cNvSpPr txBox="1"/>
+          <p:cNvSpPr/>
           <p:nvPr/>
         </p:nvSpPr>
         <p:spPr>
           <a:xfrm>
-            <a:off x="5455746" y="2530948"/>
-            <a:ext cx="649538" cy="369332"/>
+            <a:off x="2868820" y="1967734"/>
+            <a:ext cx="2778907" cy="498192"/>
           </a:xfrm>
           <a:prstGeom prst="rect">
             <a:avLst/>
           </a:prstGeom>
-          <a:noFill/>
+          <a:solidFill>
+            <a:schemeClr val="bg1">
+              <a:lumMod val="95000"/>
+            </a:schemeClr>
+          </a:solidFill>
+          <a:ln>
+            <a:noFill/>
+          </a:ln>
         </p:spPr>
+        <p:style>
+          <a:lnRef idx="2">
+            <a:schemeClr val="accent1">
+              <a:shade val="15000"/>
+            </a:schemeClr>
+          </a:lnRef>
+          <a:fillRef idx="1">
+            <a:schemeClr val="accent1"/>
+          </a:fillRef>
+          <a:effectRef idx="0">
+            <a:schemeClr val="accent1"/>
+          </a:effectRef>
+          <a:fontRef idx="minor">
+            <a:schemeClr val="lt1"/>
+          </a:fontRef>
+        </p:style>
         <p:txBody>
-          <a:bodyPr wrap="none" rtlCol="0" anchor="ctr">
-            <a:spAutoFit/>
-          </a:bodyPr>
+          <a:bodyPr rtlCol="0" anchor="ctr"/>
           <a:lstStyle/>
           <a:p>
             <a:pPr algn="ctr"/>
             <a:r>
-              <a:rPr kumimoji="1" lang="en-US" altLang="ja-JP" dirty="0"/>
-              <a:t>GPS</a:t>
-            </a:r>
-            <a:endParaRPr kumimoji="1" lang="ja-JP" altLang="en-US" dirty="0"/>
+              <a:rPr kumimoji="1" lang="ja-JP" altLang="en-US" b="1" dirty="0">
+                <a:solidFill>
+                  <a:sysClr val="windowText" lastClr="000000"/>
+                </a:solidFill>
+                <a:latin typeface="Bahnschrift" panose="020B0502040204020203" pitchFamily="34" charset="0"/>
+              </a:rPr>
+              <a:t>子機の放出</a:t>
+            </a:r>
           </a:p>
         </p:txBody>
       </p:sp>
       <p:sp>
         <p:nvSpPr>
-          <p:cNvPr id="22" name="テキスト ボックス 21">
+          <p:cNvPr id="8" name="正方形/長方形 7">
             <a:extLst>
               <a:ext uri="{FF2B5EF4-FFF2-40B4-BE49-F238E27FC236}">
-                <a16:creationId xmlns:a16="http://schemas.microsoft.com/office/drawing/2014/main" id="{513FDDFD-51EE-7571-6AA0-E4A9AEC4A843}"/>
+                <a16:creationId xmlns:a16="http://schemas.microsoft.com/office/drawing/2014/main" id="{D098F013-E451-6CF8-87D6-E30BC4F31509}"/>
               </a:ext>
             </a:extLst>
           </p:cNvPr>
-          <p:cNvSpPr txBox="1"/>
+          <p:cNvSpPr/>
           <p:nvPr/>
         </p:nvSpPr>
         <p:spPr>
           <a:xfrm>
-            <a:off x="6704502" y="3290501"/>
-            <a:ext cx="1569660" cy="646331"/>
+            <a:off x="5706292" y="1967733"/>
+            <a:ext cx="2778907" cy="498192"/>
           </a:xfrm>
           <a:prstGeom prst="rect">
             <a:avLst/>
           </a:prstGeom>
-          <a:noFill/>
+          <a:solidFill>
+            <a:schemeClr val="bg1">
+              <a:lumMod val="95000"/>
+            </a:schemeClr>
+          </a:solidFill>
+          <a:ln>
+            <a:noFill/>
+          </a:ln>
         </p:spPr>
+        <p:style>
+          <a:lnRef idx="2">
+            <a:schemeClr val="accent1">
+              <a:shade val="15000"/>
+            </a:schemeClr>
+          </a:lnRef>
+          <a:fillRef idx="1">
+            <a:schemeClr val="accent1"/>
+          </a:fillRef>
+          <a:effectRef idx="0">
+            <a:schemeClr val="accent1"/>
+          </a:effectRef>
+          <a:fontRef idx="minor">
+            <a:schemeClr val="lt1"/>
+          </a:fontRef>
+        </p:style>
         <p:txBody>
-          <a:bodyPr wrap="none" rtlCol="0" anchor="ctr">
-            <a:spAutoFit/>
-          </a:bodyPr>
+          <a:bodyPr rtlCol="0" anchor="ctr"/>
           <a:lstStyle/>
           <a:p>
             <a:pPr algn="ctr"/>
             <a:r>
-              <a:rPr lang="ja-JP" altLang="en-US" dirty="0"/>
-              <a:t>ボタン押下と</a:t>
-            </a:r>
-            <a:endParaRPr lang="en-US" altLang="ja-JP" dirty="0"/>
-          </a:p>
-          <a:p>
-            <a:pPr algn="ctr"/>
-            <a:r>
-              <a:rPr kumimoji="1" lang="ja-JP" altLang="en-US" dirty="0"/>
-              <a:t>表示のリンク</a:t>
-            </a:r>
+              <a:rPr kumimoji="1" lang="en-US" altLang="ja-JP" b="1" dirty="0">
+                <a:solidFill>
+                  <a:sysClr val="windowText" lastClr="000000"/>
+                </a:solidFill>
+                <a:latin typeface="+mn-ea"/>
+              </a:rPr>
+              <a:t>GPS</a:t>
+            </a:r>
+            <a:endParaRPr kumimoji="1" lang="ja-JP" altLang="en-US" b="1" dirty="0">
+              <a:solidFill>
+                <a:sysClr val="windowText" lastClr="000000"/>
+              </a:solidFill>
+              <a:latin typeface="+mn-ea"/>
+            </a:endParaRPr>
           </a:p>
         </p:txBody>
       </p:sp>
       <p:sp>
         <p:nvSpPr>
-          <p:cNvPr id="28" name="テキスト ボックス 27">
+          <p:cNvPr id="9" name="正方形/長方形 8">
             <a:extLst>
               <a:ext uri="{FF2B5EF4-FFF2-40B4-BE49-F238E27FC236}">
-                <a16:creationId xmlns:a16="http://schemas.microsoft.com/office/drawing/2014/main" id="{B6E52EB6-FD92-A194-D4D5-057AAD031FCF}"/>
+                <a16:creationId xmlns:a16="http://schemas.microsoft.com/office/drawing/2014/main" id="{87C4C353-254C-9FE0-D7BC-31817BEECE85}"/>
               </a:ext>
             </a:extLst>
           </p:cNvPr>
-          <p:cNvSpPr txBox="1"/>
+          <p:cNvSpPr/>
           <p:nvPr/>
         </p:nvSpPr>
         <p:spPr>
           <a:xfrm>
-            <a:off x="6648397" y="2392449"/>
-            <a:ext cx="1681871" cy="646331"/>
+            <a:off x="8539346" y="1967733"/>
+            <a:ext cx="2778907" cy="498192"/>
           </a:xfrm>
           <a:prstGeom prst="rect">
             <a:avLst/>
           </a:prstGeom>
-          <a:noFill/>
+          <a:solidFill>
+            <a:schemeClr val="bg1">
+              <a:lumMod val="95000"/>
+            </a:schemeClr>
+          </a:solidFill>
+          <a:ln>
+            <a:noFill/>
+          </a:ln>
         </p:spPr>
+        <p:style>
+          <a:lnRef idx="2">
+            <a:schemeClr val="accent1">
+              <a:shade val="15000"/>
+            </a:schemeClr>
+          </a:lnRef>
+          <a:fillRef idx="1">
+            <a:schemeClr val="accent1"/>
+          </a:fillRef>
+          <a:effectRef idx="0">
+            <a:schemeClr val="accent1"/>
+          </a:effectRef>
+          <a:fontRef idx="minor">
+            <a:schemeClr val="lt1"/>
+          </a:fontRef>
+        </p:style>
         <p:txBody>
-          <a:bodyPr wrap="none" rtlCol="0" anchor="ctr">
-            <a:spAutoFit/>
-          </a:bodyPr>
+          <a:bodyPr rtlCol="0" anchor="ctr"/>
           <a:lstStyle/>
           <a:p>
             <a:pPr algn="ctr"/>
             <a:r>
-              <a:rPr kumimoji="1" lang="ja-JP" altLang="en-US" dirty="0"/>
+              <a:rPr kumimoji="1" lang="ja-JP" altLang="en-US" b="1" dirty="0">
+                <a:solidFill>
+                  <a:sysClr val="windowText" lastClr="000000"/>
+                </a:solidFill>
+                <a:latin typeface="Bahnschrift" panose="020B0502040204020203" pitchFamily="34" charset="0"/>
+              </a:rPr>
               <a:t>ディスプレイ</a:t>
             </a:r>
             <a:r>
-              <a:rPr lang="en-US" altLang="ja-JP" dirty="0"/>
+              <a:rPr kumimoji="1" lang="en-US" altLang="ja-JP" b="1" dirty="0">
+                <a:solidFill>
+                  <a:sysClr val="windowText" lastClr="000000"/>
+                </a:solidFill>
+                <a:latin typeface="Bahnschrift" panose="020B0502040204020203" pitchFamily="34" charset="0"/>
+              </a:rPr>
               <a:t>/</a:t>
             </a:r>
-          </a:p>
-          <a:p>
-            <a:pPr algn="ctr"/>
-            <a:r>
-              <a:rPr kumimoji="1" lang="ja-JP" altLang="en-US" dirty="0"/>
+            <a:r>
+              <a:rPr kumimoji="1" lang="ja-JP" altLang="en-US" b="1" dirty="0">
+                <a:solidFill>
+                  <a:sysClr val="windowText" lastClr="000000"/>
+                </a:solidFill>
+                <a:latin typeface="Bahnschrift" panose="020B0502040204020203" pitchFamily="34" charset="0"/>
+              </a:rPr>
               <a:t>ボタン</a:t>
             </a:r>
           </a:p>
@@ -19719,254 +20107,261 @@
       </p:sp>
       <p:sp>
         <p:nvSpPr>
-          <p:cNvPr id="29" name="テキスト ボックス 28">
+          <p:cNvPr id="10" name="正方形/長方形 9">
             <a:extLst>
               <a:ext uri="{FF2B5EF4-FFF2-40B4-BE49-F238E27FC236}">
-                <a16:creationId xmlns:a16="http://schemas.microsoft.com/office/drawing/2014/main" id="{7BC0E7E9-C596-4263-A365-3087F630B79D}"/>
+                <a16:creationId xmlns:a16="http://schemas.microsoft.com/office/drawing/2014/main" id="{309A6736-E3A3-8E43-FF96-E00611701324}"/>
               </a:ext>
             </a:extLst>
           </p:cNvPr>
-          <p:cNvSpPr txBox="1"/>
+          <p:cNvSpPr/>
           <p:nvPr/>
         </p:nvSpPr>
         <p:spPr>
           <a:xfrm>
-            <a:off x="8515906" y="3429000"/>
-            <a:ext cx="1364476" cy="369332"/>
+            <a:off x="2868820" y="2520604"/>
+            <a:ext cx="2778907" cy="1099817"/>
           </a:xfrm>
           <a:prstGeom prst="rect">
             <a:avLst/>
           </a:prstGeom>
-          <a:noFill/>
+          <a:solidFill>
+            <a:schemeClr val="accent1">
+              <a:lumMod val="20000"/>
+              <a:lumOff val="80000"/>
+            </a:schemeClr>
+          </a:solidFill>
+          <a:ln>
+            <a:noFill/>
+          </a:ln>
         </p:spPr>
+        <p:style>
+          <a:lnRef idx="2">
+            <a:schemeClr val="accent1">
+              <a:shade val="15000"/>
+            </a:schemeClr>
+          </a:lnRef>
+          <a:fillRef idx="1">
+            <a:schemeClr val="accent1"/>
+          </a:fillRef>
+          <a:effectRef idx="0">
+            <a:schemeClr val="accent1"/>
+          </a:effectRef>
+          <a:fontRef idx="minor">
+            <a:schemeClr val="lt1"/>
+          </a:fontRef>
+        </p:style>
         <p:txBody>
-          <a:bodyPr wrap="none" rtlCol="0" anchor="ctr">
-            <a:spAutoFit/>
-          </a:bodyPr>
+          <a:bodyPr rtlCol="0" anchor="ctr"/>
           <a:lstStyle/>
           <a:p>
-            <a:pPr algn="ctr"/>
-            <a:r>
-              <a:rPr kumimoji="1" lang="en-US" altLang="ja-JP" dirty="0"/>
-              <a:t>[Minimum]</a:t>
-            </a:r>
-            <a:endParaRPr kumimoji="1" lang="ja-JP" altLang="en-US" dirty="0"/>
+            <a:pPr algn="ctr">
+              <a:lnSpc>
+                <a:spcPct val="130000"/>
+              </a:lnSpc>
+            </a:pPr>
+            <a:r>
+              <a:rPr kumimoji="1" lang="en-US" altLang="ja-JP" b="1" dirty="0">
+                <a:solidFill>
+                  <a:sysClr val="windowText" lastClr="000000"/>
+                </a:solidFill>
+                <a:latin typeface="+mn-ea"/>
+              </a:rPr>
+              <a:t>4</a:t>
+            </a:r>
+            <a:r>
+              <a:rPr kumimoji="1" lang="ja-JP" altLang="en-US" b="1" dirty="0">
+                <a:solidFill>
+                  <a:sysClr val="windowText" lastClr="000000"/>
+                </a:solidFill>
+                <a:latin typeface="+mn-ea"/>
+              </a:rPr>
+              <a:t>基すべて放出完了</a:t>
+            </a:r>
           </a:p>
         </p:txBody>
       </p:sp>
       <p:sp>
         <p:nvSpPr>
-          <p:cNvPr id="30" name="テキスト ボックス 29">
+          <p:cNvPr id="19" name="正方形/長方形 18">
             <a:extLst>
               <a:ext uri="{FF2B5EF4-FFF2-40B4-BE49-F238E27FC236}">
-                <a16:creationId xmlns:a16="http://schemas.microsoft.com/office/drawing/2014/main" id="{B4EA70C1-B1B2-3B75-C183-300F6262E582}"/>
+                <a16:creationId xmlns:a16="http://schemas.microsoft.com/office/drawing/2014/main" id="{D35D0B59-BCFF-F602-47A6-425BA1DEE81A}"/>
               </a:ext>
             </a:extLst>
           </p:cNvPr>
-          <p:cNvSpPr txBox="1"/>
+          <p:cNvSpPr/>
           <p:nvPr/>
         </p:nvSpPr>
         <p:spPr>
           <a:xfrm>
-            <a:off x="8817272" y="4327052"/>
-            <a:ext cx="761747" cy="369332"/>
+            <a:off x="2868819" y="3679594"/>
+            <a:ext cx="2778907" cy="1099817"/>
           </a:xfrm>
           <a:prstGeom prst="rect">
             <a:avLst/>
           </a:prstGeom>
-          <a:noFill/>
+          <a:solidFill>
+            <a:schemeClr val="accent1">
+              <a:lumMod val="40000"/>
+              <a:lumOff val="60000"/>
+            </a:schemeClr>
+          </a:solidFill>
+          <a:ln>
+            <a:noFill/>
+          </a:ln>
         </p:spPr>
+        <p:style>
+          <a:lnRef idx="2">
+            <a:schemeClr val="accent1">
+              <a:shade val="15000"/>
+            </a:schemeClr>
+          </a:lnRef>
+          <a:fillRef idx="1">
+            <a:schemeClr val="accent1"/>
+          </a:fillRef>
+          <a:effectRef idx="0">
+            <a:schemeClr val="accent1"/>
+          </a:effectRef>
+          <a:fontRef idx="minor">
+            <a:schemeClr val="lt1"/>
+          </a:fontRef>
+        </p:style>
         <p:txBody>
-          <a:bodyPr wrap="none" rtlCol="0" anchor="ctr">
-            <a:spAutoFit/>
-          </a:bodyPr>
+          <a:bodyPr rtlCol="0" anchor="ctr"/>
           <a:lstStyle/>
           <a:p>
-            <a:pPr algn="ctr"/>
-            <a:r>
-              <a:rPr kumimoji="1" lang="en-US" altLang="ja-JP" dirty="0"/>
-              <a:t>[Full]</a:t>
-            </a:r>
-            <a:endParaRPr kumimoji="1" lang="ja-JP" altLang="en-US" dirty="0"/>
+            <a:pPr algn="ctr">
+              <a:lnSpc>
+                <a:spcPct val="130000"/>
+              </a:lnSpc>
+            </a:pPr>
+            <a:r>
+              <a:rPr kumimoji="1" lang="ja-JP" altLang="en-US" b="1" dirty="0">
+                <a:solidFill>
+                  <a:sysClr val="windowText" lastClr="000000"/>
+                </a:solidFill>
+                <a:latin typeface="+mn-ea"/>
+              </a:rPr>
+              <a:t>欠損や故障なし</a:t>
+            </a:r>
+            <a:endParaRPr kumimoji="1" lang="en-US" altLang="ja-JP" b="1" dirty="0">
+              <a:solidFill>
+                <a:sysClr val="windowText" lastClr="000000"/>
+              </a:solidFill>
+              <a:latin typeface="+mn-ea"/>
+            </a:endParaRPr>
+          </a:p>
+          <a:p>
+            <a:pPr algn="ctr">
+              <a:lnSpc>
+                <a:spcPct val="130000"/>
+              </a:lnSpc>
+            </a:pPr>
+            <a:r>
+              <a:rPr lang="ja-JP" altLang="en-US" b="1" dirty="0">
+                <a:solidFill>
+                  <a:sysClr val="windowText" lastClr="000000"/>
+                </a:solidFill>
+                <a:latin typeface="+mn-ea"/>
+              </a:rPr>
+              <a:t>＝再利用可能な状態</a:t>
+            </a:r>
+            <a:endParaRPr kumimoji="1" lang="ja-JP" altLang="en-US" b="1" dirty="0">
+              <a:solidFill>
+                <a:sysClr val="windowText" lastClr="000000"/>
+              </a:solidFill>
+              <a:latin typeface="+mn-ea"/>
+            </a:endParaRPr>
           </a:p>
         </p:txBody>
       </p:sp>
       <p:sp>
         <p:nvSpPr>
-          <p:cNvPr id="31" name="テキスト ボックス 30">
+          <p:cNvPr id="20" name="正方形/長方形 19">
             <a:extLst>
               <a:ext uri="{FF2B5EF4-FFF2-40B4-BE49-F238E27FC236}">
-                <a16:creationId xmlns:a16="http://schemas.microsoft.com/office/drawing/2014/main" id="{FBCF3CB7-863E-6A60-5F08-A7C649AA4C9A}"/>
+                <a16:creationId xmlns:a16="http://schemas.microsoft.com/office/drawing/2014/main" id="{FD19C4ED-D9CF-B5D3-2193-A966134E50BF}"/>
               </a:ext>
             </a:extLst>
           </p:cNvPr>
-          <p:cNvSpPr txBox="1"/>
+          <p:cNvSpPr/>
           <p:nvPr/>
         </p:nvSpPr>
         <p:spPr>
           <a:xfrm>
-            <a:off x="8741930" y="5225104"/>
-            <a:ext cx="912430" cy="369332"/>
+            <a:off x="2868819" y="4836816"/>
+            <a:ext cx="2778907" cy="1099817"/>
           </a:xfrm>
           <a:prstGeom prst="rect">
             <a:avLst/>
           </a:prstGeom>
-          <a:noFill/>
+          <a:solidFill>
+            <a:schemeClr val="accent1">
+              <a:lumMod val="60000"/>
+              <a:lumOff val="40000"/>
+            </a:schemeClr>
+          </a:solidFill>
+          <a:ln>
+            <a:noFill/>
+          </a:ln>
         </p:spPr>
+        <p:style>
+          <a:lnRef idx="2">
+            <a:schemeClr val="accent1">
+              <a:shade val="15000"/>
+            </a:schemeClr>
+          </a:lnRef>
+          <a:fillRef idx="1">
+            <a:schemeClr val="accent1"/>
+          </a:fillRef>
+          <a:effectRef idx="0">
+            <a:schemeClr val="accent1"/>
+          </a:effectRef>
+          <a:fontRef idx="minor">
+            <a:schemeClr val="lt1"/>
+          </a:fontRef>
+        </p:style>
         <p:txBody>
-          <a:bodyPr wrap="none" rtlCol="0" anchor="ctr">
-            <a:spAutoFit/>
-          </a:bodyPr>
+          <a:bodyPr rtlCol="0" anchor="ctr"/>
           <a:lstStyle/>
           <a:p>
-            <a:pPr algn="ctr"/>
-            <a:r>
-              <a:rPr kumimoji="1" lang="en-US" altLang="ja-JP" dirty="0"/>
-              <a:t>[Extra]</a:t>
-            </a:r>
-            <a:endParaRPr kumimoji="1" lang="ja-JP" altLang="en-US" dirty="0"/>
-          </a:p>
-        </p:txBody>
-      </p:sp>
-      <p:sp>
-        <p:nvSpPr>
-          <p:cNvPr id="64" name="テキスト ボックス 63">
-            <a:extLst>
-              <a:ext uri="{FF2B5EF4-FFF2-40B4-BE49-F238E27FC236}">
-                <a16:creationId xmlns:a16="http://schemas.microsoft.com/office/drawing/2014/main" id="{2C78B584-D1D1-3459-7C39-AE57B155595A}"/>
-              </a:ext>
-            </a:extLst>
-          </p:cNvPr>
-          <p:cNvSpPr txBox="1"/>
-          <p:nvPr/>
-        </p:nvSpPr>
-        <p:spPr>
-          <a:xfrm>
-            <a:off x="8759564" y="2530948"/>
-            <a:ext cx="877163" cy="369332"/>
-          </a:xfrm>
-          <a:prstGeom prst="rect">
-            <a:avLst/>
-          </a:prstGeom>
-          <a:noFill/>
-        </p:spPr>
-        <p:txBody>
-          <a:bodyPr wrap="none" rtlCol="0" anchor="ctr">
-            <a:spAutoFit/>
-          </a:bodyPr>
-          <a:lstStyle/>
-          <a:p>
-            <a:pPr algn="ctr"/>
-            <a:r>
-              <a:rPr kumimoji="1" lang="ja-JP" altLang="en-US" dirty="0"/>
-              <a:t>（？）</a:t>
-            </a:r>
-          </a:p>
-        </p:txBody>
-      </p:sp>
-      <p:sp>
-        <p:nvSpPr>
-          <p:cNvPr id="66" name="テキスト ボックス 65">
-            <a:extLst>
-              <a:ext uri="{FF2B5EF4-FFF2-40B4-BE49-F238E27FC236}">
-                <a16:creationId xmlns:a16="http://schemas.microsoft.com/office/drawing/2014/main" id="{A6B75866-3723-EB7E-DCAD-2E0BC6F37AC2}"/>
-              </a:ext>
-            </a:extLst>
-          </p:cNvPr>
-          <p:cNvSpPr txBox="1"/>
-          <p:nvPr/>
-        </p:nvSpPr>
-        <p:spPr>
-          <a:xfrm>
-            <a:off x="5070235" y="4174346"/>
-            <a:ext cx="3129382" cy="646331"/>
-          </a:xfrm>
-          <a:prstGeom prst="rect">
-            <a:avLst/>
-          </a:prstGeom>
-          <a:noFill/>
-        </p:spPr>
-        <p:txBody>
-          <a:bodyPr wrap="none" rtlCol="0" anchor="ctr">
-            <a:spAutoFit/>
-          </a:bodyPr>
-          <a:lstStyle/>
-          <a:p>
-            <a:pPr algn="ctr"/>
-            <a:r>
-              <a:rPr kumimoji="1" lang="en-US" altLang="ja-JP" dirty="0"/>
-              <a:t>TWE-LITE</a:t>
-            </a:r>
-            <a:r>
-              <a:rPr lang="ja-JP" altLang="en-US" dirty="0"/>
-              <a:t>使用の</a:t>
-            </a:r>
-            <a:r>
-              <a:rPr kumimoji="1" lang="ja-JP" altLang="en-US" dirty="0"/>
-              <a:t>無線通信で</a:t>
-            </a:r>
-            <a:endParaRPr kumimoji="1" lang="en-US" altLang="ja-JP" dirty="0"/>
-          </a:p>
-          <a:p>
-            <a:pPr algn="ctr"/>
-            <a:r>
-              <a:rPr lang="ja-JP" altLang="en-US" dirty="0"/>
-              <a:t>遠隔での情報取得</a:t>
-            </a:r>
-            <a:endParaRPr kumimoji="1" lang="ja-JP" altLang="en-US" dirty="0"/>
-          </a:p>
-        </p:txBody>
-      </p:sp>
-      <p:sp>
-        <p:nvSpPr>
-          <p:cNvPr id="67" name="テキスト ボックス 66">
-            <a:extLst>
-              <a:ext uri="{FF2B5EF4-FFF2-40B4-BE49-F238E27FC236}">
-                <a16:creationId xmlns:a16="http://schemas.microsoft.com/office/drawing/2014/main" id="{25708D29-F5D4-63CE-AB17-CC70CF2F7779}"/>
-              </a:ext>
-            </a:extLst>
-          </p:cNvPr>
-          <p:cNvSpPr txBox="1"/>
-          <p:nvPr/>
-        </p:nvSpPr>
-        <p:spPr>
-          <a:xfrm>
-            <a:off x="5503848" y="5084748"/>
-            <a:ext cx="2262158" cy="646331"/>
-          </a:xfrm>
-          <a:prstGeom prst="rect">
-            <a:avLst/>
-          </a:prstGeom>
-          <a:noFill/>
-        </p:spPr>
-        <p:txBody>
-          <a:bodyPr wrap="none" rtlCol="0" anchor="ctr">
-            <a:spAutoFit/>
-          </a:bodyPr>
-          <a:lstStyle/>
-          <a:p>
-            <a:pPr algn="ctr"/>
-            <a:r>
-              <a:rPr kumimoji="1" lang="ja-JP" altLang="en-US" dirty="0"/>
-              <a:t>アプリやサイトへの</a:t>
-            </a:r>
-            <a:endParaRPr kumimoji="1" lang="en-US" altLang="ja-JP" dirty="0"/>
-          </a:p>
-          <a:p>
-            <a:pPr algn="ctr"/>
-            <a:r>
-              <a:rPr lang="ja-JP" altLang="en-US" dirty="0"/>
-              <a:t>情報の表示</a:t>
-            </a:r>
-            <a:r>
-              <a:rPr lang="en-US" altLang="ja-JP" dirty="0"/>
-              <a:t>/</a:t>
-            </a:r>
-            <a:r>
-              <a:rPr lang="ja-JP" altLang="en-US" dirty="0"/>
-              <a:t>視覚化</a:t>
-            </a:r>
-            <a:endParaRPr kumimoji="1" lang="ja-JP" altLang="en-US" dirty="0"/>
+            <a:pPr algn="ctr">
+              <a:lnSpc>
+                <a:spcPct val="130000"/>
+              </a:lnSpc>
+            </a:pPr>
+            <a:r>
+              <a:rPr kumimoji="1" lang="ja-JP" altLang="en-US" b="1" dirty="0">
+                <a:solidFill>
+                  <a:sysClr val="windowText" lastClr="000000"/>
+                </a:solidFill>
+                <a:latin typeface="+mn-ea"/>
+              </a:rPr>
+              <a:t>落下位置がバラバラ</a:t>
+            </a:r>
+            <a:endParaRPr kumimoji="1" lang="en-US" altLang="ja-JP" b="1" dirty="0">
+              <a:solidFill>
+                <a:sysClr val="windowText" lastClr="000000"/>
+              </a:solidFill>
+              <a:latin typeface="+mn-ea"/>
+            </a:endParaRPr>
+          </a:p>
+          <a:p>
+            <a:pPr algn="ctr">
+              <a:lnSpc>
+                <a:spcPct val="130000"/>
+              </a:lnSpc>
+            </a:pPr>
+            <a:r>
+              <a:rPr kumimoji="1" lang="ja-JP" altLang="en-US" b="1" dirty="0">
+                <a:solidFill>
+                  <a:sysClr val="windowText" lastClr="000000"/>
+                </a:solidFill>
+                <a:latin typeface="+mn-ea"/>
+              </a:rPr>
+              <a:t>＝広範囲をカバー</a:t>
+            </a:r>
           </a:p>
         </p:txBody>
       </p:sp>
@@ -20819,1414 +21214,6 @@
           <a:chExt cx="0" cy="0"/>
         </a:xfrm>
       </p:grpSpPr>
-      <p:sp>
-        <p:nvSpPr>
-          <p:cNvPr id="37" name="フリーフォーム: 図形 36">
-            <a:extLst>
-              <a:ext uri="{FF2B5EF4-FFF2-40B4-BE49-F238E27FC236}">
-                <a16:creationId xmlns:a16="http://schemas.microsoft.com/office/drawing/2014/main" id="{B1F33216-7553-2E7F-2C61-7A1DA3A8A172}"/>
-              </a:ext>
-            </a:extLst>
-          </p:cNvPr>
-          <p:cNvSpPr/>
-          <p:nvPr/>
-        </p:nvSpPr>
-        <p:spPr>
-          <a:xfrm>
-            <a:off x="4024341" y="2629257"/>
-            <a:ext cx="82363" cy="222250"/>
-          </a:xfrm>
-          <a:custGeom>
-            <a:avLst/>
-            <a:gdLst>
-              <a:gd name="connsiteX0" fmla="*/ 45757 w 82363"/>
-              <a:gd name="connsiteY0" fmla="*/ 222250 h 222250"/>
-              <a:gd name="connsiteX1" fmla="*/ 82363 w 82363"/>
-              <a:gd name="connsiteY1" fmla="*/ 185644 h 222250"/>
-              <a:gd name="connsiteX2" fmla="*/ 52294 w 82363"/>
-              <a:gd name="connsiteY2" fmla="*/ 111125 h 222250"/>
-              <a:gd name="connsiteX3" fmla="*/ 82363 w 82363"/>
-              <a:gd name="connsiteY3" fmla="*/ 36606 h 222250"/>
-              <a:gd name="connsiteX4" fmla="*/ 45757 w 82363"/>
-              <a:gd name="connsiteY4" fmla="*/ 0 h 222250"/>
-              <a:gd name="connsiteX5" fmla="*/ 0 w 82363"/>
-              <a:gd name="connsiteY5" fmla="*/ 111125 h 222250"/>
-              <a:gd name="connsiteX6" fmla="*/ 45757 w 82363"/>
-              <a:gd name="connsiteY6" fmla="*/ 222250 h 222250"/>
-            </a:gdLst>
-            <a:ahLst/>
-            <a:cxnLst>
-              <a:cxn ang="0">
-                <a:pos x="connsiteX0" y="connsiteY0"/>
-              </a:cxn>
-              <a:cxn ang="0">
-                <a:pos x="connsiteX1" y="connsiteY1"/>
-              </a:cxn>
-              <a:cxn ang="0">
-                <a:pos x="connsiteX2" y="connsiteY2"/>
-              </a:cxn>
-              <a:cxn ang="0">
-                <a:pos x="connsiteX3" y="connsiteY3"/>
-              </a:cxn>
-              <a:cxn ang="0">
-                <a:pos x="connsiteX4" y="connsiteY4"/>
-              </a:cxn>
-              <a:cxn ang="0">
-                <a:pos x="connsiteX5" y="connsiteY5"/>
-              </a:cxn>
-              <a:cxn ang="0">
-                <a:pos x="connsiteX6" y="connsiteY6"/>
-              </a:cxn>
-            </a:cxnLst>
-            <a:rect l="l" t="t" r="r" b="b"/>
-            <a:pathLst>
-              <a:path w="82363" h="222250">
-                <a:moveTo>
-                  <a:pt x="45757" y="222250"/>
-                </a:moveTo>
-                <a:lnTo>
-                  <a:pt x="82363" y="185644"/>
-                </a:lnTo>
-                <a:cubicBezTo>
-                  <a:pt x="64060" y="166034"/>
-                  <a:pt x="52294" y="139887"/>
-                  <a:pt x="52294" y="111125"/>
-                </a:cubicBezTo>
-                <a:cubicBezTo>
-                  <a:pt x="52294" y="82363"/>
-                  <a:pt x="64060" y="56216"/>
-                  <a:pt x="82363" y="36606"/>
-                </a:cubicBezTo>
-                <a:lnTo>
-                  <a:pt x="45757" y="0"/>
-                </a:lnTo>
-                <a:cubicBezTo>
-                  <a:pt x="16996" y="28762"/>
-                  <a:pt x="0" y="67982"/>
-                  <a:pt x="0" y="111125"/>
-                </a:cubicBezTo>
-                <a:cubicBezTo>
-                  <a:pt x="0" y="154268"/>
-                  <a:pt x="16996" y="193488"/>
-                  <a:pt x="45757" y="222250"/>
-                </a:cubicBezTo>
-                <a:close/>
-              </a:path>
-            </a:pathLst>
-          </a:custGeom>
-          <a:solidFill>
-            <a:schemeClr val="tx2">
-              <a:lumMod val="75000"/>
-            </a:schemeClr>
-          </a:solidFill>
-          <a:ln w="12998" cap="flat">
-            <a:noFill/>
-            <a:prstDash val="solid"/>
-            <a:miter/>
-          </a:ln>
-        </p:spPr>
-        <p:txBody>
-          <a:bodyPr rtlCol="0" anchor="ctr"/>
-          <a:lstStyle/>
-          <a:p>
-            <a:endParaRPr lang="ja-JP" altLang="en-US"/>
-          </a:p>
-        </p:txBody>
-      </p:sp>
-      <p:sp>
-        <p:nvSpPr>
-          <p:cNvPr id="38" name="フリーフォーム: 図形 37">
-            <a:extLst>
-              <a:ext uri="{FF2B5EF4-FFF2-40B4-BE49-F238E27FC236}">
-                <a16:creationId xmlns:a16="http://schemas.microsoft.com/office/drawing/2014/main" id="{1D522CED-A07C-68CC-347B-600358736E27}"/>
-              </a:ext>
-            </a:extLst>
-          </p:cNvPr>
-          <p:cNvSpPr/>
-          <p:nvPr/>
-        </p:nvSpPr>
-        <p:spPr>
-          <a:xfrm>
-            <a:off x="3919752" y="2556045"/>
-            <a:ext cx="113739" cy="368673"/>
-          </a:xfrm>
-          <a:custGeom>
-            <a:avLst/>
-            <a:gdLst>
-              <a:gd name="connsiteX0" fmla="*/ 77134 w 113739"/>
-              <a:gd name="connsiteY0" fmla="*/ 368674 h 368673"/>
-              <a:gd name="connsiteX1" fmla="*/ 113740 w 113739"/>
-              <a:gd name="connsiteY1" fmla="*/ 332068 h 368673"/>
-              <a:gd name="connsiteX2" fmla="*/ 52294 w 113739"/>
-              <a:gd name="connsiteY2" fmla="*/ 184337 h 368673"/>
-              <a:gd name="connsiteX3" fmla="*/ 113740 w 113739"/>
-              <a:gd name="connsiteY3" fmla="*/ 36606 h 368673"/>
-              <a:gd name="connsiteX4" fmla="*/ 77134 w 113739"/>
-              <a:gd name="connsiteY4" fmla="*/ 0 h 368673"/>
-              <a:gd name="connsiteX5" fmla="*/ 0 w 113739"/>
-              <a:gd name="connsiteY5" fmla="*/ 184337 h 368673"/>
-              <a:gd name="connsiteX6" fmla="*/ 77134 w 113739"/>
-              <a:gd name="connsiteY6" fmla="*/ 368674 h 368673"/>
-            </a:gdLst>
-            <a:ahLst/>
-            <a:cxnLst>
-              <a:cxn ang="0">
-                <a:pos x="connsiteX0" y="connsiteY0"/>
-              </a:cxn>
-              <a:cxn ang="0">
-                <a:pos x="connsiteX1" y="connsiteY1"/>
-              </a:cxn>
-              <a:cxn ang="0">
-                <a:pos x="connsiteX2" y="connsiteY2"/>
-              </a:cxn>
-              <a:cxn ang="0">
-                <a:pos x="connsiteX3" y="connsiteY3"/>
-              </a:cxn>
-              <a:cxn ang="0">
-                <a:pos x="connsiteX4" y="connsiteY4"/>
-              </a:cxn>
-              <a:cxn ang="0">
-                <a:pos x="connsiteX5" y="connsiteY5"/>
-              </a:cxn>
-              <a:cxn ang="0">
-                <a:pos x="connsiteX6" y="connsiteY6"/>
-              </a:cxn>
-            </a:cxnLst>
-            <a:rect l="l" t="t" r="r" b="b"/>
-            <a:pathLst>
-              <a:path w="113739" h="368673">
-                <a:moveTo>
-                  <a:pt x="77134" y="368674"/>
-                </a:moveTo>
-                <a:lnTo>
-                  <a:pt x="113740" y="332068"/>
-                </a:lnTo>
-                <a:cubicBezTo>
-                  <a:pt x="75826" y="294154"/>
-                  <a:pt x="52294" y="241860"/>
-                  <a:pt x="52294" y="184337"/>
-                </a:cubicBezTo>
-                <a:cubicBezTo>
-                  <a:pt x="52294" y="126813"/>
-                  <a:pt x="75826" y="74519"/>
-                  <a:pt x="113740" y="36606"/>
-                </a:cubicBezTo>
-                <a:lnTo>
-                  <a:pt x="77134" y="0"/>
-                </a:lnTo>
-                <a:cubicBezTo>
-                  <a:pt x="28762" y="47065"/>
-                  <a:pt x="0" y="112432"/>
-                  <a:pt x="0" y="184337"/>
-                </a:cubicBezTo>
-                <a:cubicBezTo>
-                  <a:pt x="0" y="256241"/>
-                  <a:pt x="28762" y="321609"/>
-                  <a:pt x="77134" y="368674"/>
-                </a:cubicBezTo>
-                <a:close/>
-              </a:path>
-            </a:pathLst>
-          </a:custGeom>
-          <a:solidFill>
-            <a:schemeClr val="tx2">
-              <a:lumMod val="75000"/>
-            </a:schemeClr>
-          </a:solidFill>
-          <a:ln w="12998" cap="flat">
-            <a:noFill/>
-            <a:prstDash val="solid"/>
-            <a:miter/>
-          </a:ln>
-        </p:spPr>
-        <p:txBody>
-          <a:bodyPr rtlCol="0" anchor="ctr"/>
-          <a:lstStyle/>
-          <a:p>
-            <a:endParaRPr lang="ja-JP" altLang="en-US"/>
-          </a:p>
-        </p:txBody>
-      </p:sp>
-      <p:sp>
-        <p:nvSpPr>
-          <p:cNvPr id="39" name="フリーフォーム: 図形 38">
-            <a:extLst>
-              <a:ext uri="{FF2B5EF4-FFF2-40B4-BE49-F238E27FC236}">
-                <a16:creationId xmlns:a16="http://schemas.microsoft.com/office/drawing/2014/main" id="{6A098653-D40D-5AA4-3442-656EC3E14150}"/>
-              </a:ext>
-            </a:extLst>
-          </p:cNvPr>
-          <p:cNvSpPr/>
-          <p:nvPr/>
-        </p:nvSpPr>
-        <p:spPr>
-          <a:xfrm>
-            <a:off x="3815164" y="2481526"/>
-            <a:ext cx="143808" cy="517711"/>
-          </a:xfrm>
-          <a:custGeom>
-            <a:avLst/>
-            <a:gdLst>
-              <a:gd name="connsiteX0" fmla="*/ 143809 w 143808"/>
-              <a:gd name="connsiteY0" fmla="*/ 481106 h 517711"/>
-              <a:gd name="connsiteX1" fmla="*/ 52294 w 143808"/>
-              <a:gd name="connsiteY1" fmla="*/ 258856 h 517711"/>
-              <a:gd name="connsiteX2" fmla="*/ 143809 w 143808"/>
-              <a:gd name="connsiteY2" fmla="*/ 36606 h 517711"/>
-              <a:gd name="connsiteX3" fmla="*/ 107203 w 143808"/>
-              <a:gd name="connsiteY3" fmla="*/ 0 h 517711"/>
-              <a:gd name="connsiteX4" fmla="*/ 0 w 143808"/>
-              <a:gd name="connsiteY4" fmla="*/ 258856 h 517711"/>
-              <a:gd name="connsiteX5" fmla="*/ 107203 w 143808"/>
-              <a:gd name="connsiteY5" fmla="*/ 517712 h 517711"/>
-              <a:gd name="connsiteX6" fmla="*/ 143809 w 143808"/>
-              <a:gd name="connsiteY6" fmla="*/ 481106 h 517711"/>
-            </a:gdLst>
-            <a:ahLst/>
-            <a:cxnLst>
-              <a:cxn ang="0">
-                <a:pos x="connsiteX0" y="connsiteY0"/>
-              </a:cxn>
-              <a:cxn ang="0">
-                <a:pos x="connsiteX1" y="connsiteY1"/>
-              </a:cxn>
-              <a:cxn ang="0">
-                <a:pos x="connsiteX2" y="connsiteY2"/>
-              </a:cxn>
-              <a:cxn ang="0">
-                <a:pos x="connsiteX3" y="connsiteY3"/>
-              </a:cxn>
-              <a:cxn ang="0">
-                <a:pos x="connsiteX4" y="connsiteY4"/>
-              </a:cxn>
-              <a:cxn ang="0">
-                <a:pos x="connsiteX5" y="connsiteY5"/>
-              </a:cxn>
-              <a:cxn ang="0">
-                <a:pos x="connsiteX6" y="connsiteY6"/>
-              </a:cxn>
-            </a:cxnLst>
-            <a:rect l="l" t="t" r="r" b="b"/>
-            <a:pathLst>
-              <a:path w="143808" h="517711">
-                <a:moveTo>
-                  <a:pt x="143809" y="481106"/>
-                </a:moveTo>
-                <a:cubicBezTo>
-                  <a:pt x="87593" y="424890"/>
-                  <a:pt x="52294" y="346449"/>
-                  <a:pt x="52294" y="258856"/>
-                </a:cubicBezTo>
-                <a:cubicBezTo>
-                  <a:pt x="52294" y="171263"/>
-                  <a:pt x="87593" y="94129"/>
-                  <a:pt x="143809" y="36606"/>
-                </a:cubicBezTo>
-                <a:lnTo>
-                  <a:pt x="107203" y="0"/>
-                </a:lnTo>
-                <a:cubicBezTo>
-                  <a:pt x="40528" y="66675"/>
-                  <a:pt x="0" y="158190"/>
-                  <a:pt x="0" y="258856"/>
-                </a:cubicBezTo>
-                <a:cubicBezTo>
-                  <a:pt x="0" y="359522"/>
-                  <a:pt x="40528" y="451037"/>
-                  <a:pt x="107203" y="517712"/>
-                </a:cubicBezTo>
-                <a:lnTo>
-                  <a:pt x="143809" y="481106"/>
-                </a:lnTo>
-                <a:close/>
-              </a:path>
-            </a:pathLst>
-          </a:custGeom>
-          <a:solidFill>
-            <a:schemeClr val="tx2">
-              <a:lumMod val="75000"/>
-            </a:schemeClr>
-          </a:solidFill>
-          <a:ln w="12998" cap="flat">
-            <a:noFill/>
-            <a:prstDash val="solid"/>
-            <a:miter/>
-          </a:ln>
-        </p:spPr>
-        <p:txBody>
-          <a:bodyPr rtlCol="0" anchor="ctr"/>
-          <a:lstStyle/>
-          <a:p>
-            <a:endParaRPr lang="ja-JP" altLang="en-US"/>
-          </a:p>
-        </p:txBody>
-      </p:sp>
-      <p:sp>
-        <p:nvSpPr>
-          <p:cNvPr id="40" name="フリーフォーム: 図形 39">
-            <a:extLst>
-              <a:ext uri="{FF2B5EF4-FFF2-40B4-BE49-F238E27FC236}">
-                <a16:creationId xmlns:a16="http://schemas.microsoft.com/office/drawing/2014/main" id="{BD0D9040-469D-CE93-5353-99E1BAA83F1D}"/>
-              </a:ext>
-            </a:extLst>
-          </p:cNvPr>
-          <p:cNvSpPr/>
-          <p:nvPr/>
-        </p:nvSpPr>
-        <p:spPr>
-          <a:xfrm>
-            <a:off x="4255742" y="2629257"/>
-            <a:ext cx="82363" cy="222250"/>
-          </a:xfrm>
-          <a:custGeom>
-            <a:avLst/>
-            <a:gdLst>
-              <a:gd name="connsiteX0" fmla="*/ 36606 w 82363"/>
-              <a:gd name="connsiteY0" fmla="*/ 222250 h 222250"/>
-              <a:gd name="connsiteX1" fmla="*/ 82363 w 82363"/>
-              <a:gd name="connsiteY1" fmla="*/ 111125 h 222250"/>
-              <a:gd name="connsiteX2" fmla="*/ 36606 w 82363"/>
-              <a:gd name="connsiteY2" fmla="*/ 0 h 222250"/>
-              <a:gd name="connsiteX3" fmla="*/ 0 w 82363"/>
-              <a:gd name="connsiteY3" fmla="*/ 36606 h 222250"/>
-              <a:gd name="connsiteX4" fmla="*/ 30069 w 82363"/>
-              <a:gd name="connsiteY4" fmla="*/ 111125 h 222250"/>
-              <a:gd name="connsiteX5" fmla="*/ 0 w 82363"/>
-              <a:gd name="connsiteY5" fmla="*/ 185644 h 222250"/>
-              <a:gd name="connsiteX6" fmla="*/ 36606 w 82363"/>
-              <a:gd name="connsiteY6" fmla="*/ 222250 h 222250"/>
-            </a:gdLst>
-            <a:ahLst/>
-            <a:cxnLst>
-              <a:cxn ang="0">
-                <a:pos x="connsiteX0" y="connsiteY0"/>
-              </a:cxn>
-              <a:cxn ang="0">
-                <a:pos x="connsiteX1" y="connsiteY1"/>
-              </a:cxn>
-              <a:cxn ang="0">
-                <a:pos x="connsiteX2" y="connsiteY2"/>
-              </a:cxn>
-              <a:cxn ang="0">
-                <a:pos x="connsiteX3" y="connsiteY3"/>
-              </a:cxn>
-              <a:cxn ang="0">
-                <a:pos x="connsiteX4" y="connsiteY4"/>
-              </a:cxn>
-              <a:cxn ang="0">
-                <a:pos x="connsiteX5" y="connsiteY5"/>
-              </a:cxn>
-              <a:cxn ang="0">
-                <a:pos x="connsiteX6" y="connsiteY6"/>
-              </a:cxn>
-            </a:cxnLst>
-            <a:rect l="l" t="t" r="r" b="b"/>
-            <a:pathLst>
-              <a:path w="82363" h="222250">
-                <a:moveTo>
-                  <a:pt x="36606" y="222250"/>
-                </a:moveTo>
-                <a:cubicBezTo>
-                  <a:pt x="65368" y="193488"/>
-                  <a:pt x="82363" y="154268"/>
-                  <a:pt x="82363" y="111125"/>
-                </a:cubicBezTo>
-                <a:cubicBezTo>
-                  <a:pt x="82363" y="67982"/>
-                  <a:pt x="65368" y="28762"/>
-                  <a:pt x="36606" y="0"/>
-                </a:cubicBezTo>
-                <a:lnTo>
-                  <a:pt x="0" y="36606"/>
-                </a:lnTo>
-                <a:cubicBezTo>
-                  <a:pt x="18303" y="54909"/>
-                  <a:pt x="30069" y="81056"/>
-                  <a:pt x="30069" y="111125"/>
-                </a:cubicBezTo>
-                <a:cubicBezTo>
-                  <a:pt x="30069" y="141194"/>
-                  <a:pt x="18303" y="166034"/>
-                  <a:pt x="0" y="185644"/>
-                </a:cubicBezTo>
-                <a:lnTo>
-                  <a:pt x="36606" y="222250"/>
-                </a:lnTo>
-                <a:close/>
-              </a:path>
-            </a:pathLst>
-          </a:custGeom>
-          <a:solidFill>
-            <a:schemeClr val="tx2">
-              <a:lumMod val="75000"/>
-            </a:schemeClr>
-          </a:solidFill>
-          <a:ln w="12998" cap="flat">
-            <a:noFill/>
-            <a:prstDash val="solid"/>
-            <a:miter/>
-          </a:ln>
-        </p:spPr>
-        <p:txBody>
-          <a:bodyPr rtlCol="0" anchor="ctr"/>
-          <a:lstStyle/>
-          <a:p>
-            <a:endParaRPr lang="ja-JP" altLang="en-US"/>
-          </a:p>
-        </p:txBody>
-      </p:sp>
-      <p:sp>
-        <p:nvSpPr>
-          <p:cNvPr id="41" name="フリーフォーム: 図形 40">
-            <a:extLst>
-              <a:ext uri="{FF2B5EF4-FFF2-40B4-BE49-F238E27FC236}">
-                <a16:creationId xmlns:a16="http://schemas.microsoft.com/office/drawing/2014/main" id="{67C33BA5-6B39-3859-D70F-3F3BEBD05F43}"/>
-              </a:ext>
-            </a:extLst>
-          </p:cNvPr>
-          <p:cNvSpPr/>
-          <p:nvPr/>
-        </p:nvSpPr>
-        <p:spPr>
-          <a:xfrm>
-            <a:off x="4328954" y="2556045"/>
-            <a:ext cx="113739" cy="368673"/>
-          </a:xfrm>
-          <a:custGeom>
-            <a:avLst/>
-            <a:gdLst>
-              <a:gd name="connsiteX0" fmla="*/ 0 w 113739"/>
-              <a:gd name="connsiteY0" fmla="*/ 332068 h 368673"/>
-              <a:gd name="connsiteX1" fmla="*/ 36606 w 113739"/>
-              <a:gd name="connsiteY1" fmla="*/ 368674 h 368673"/>
-              <a:gd name="connsiteX2" fmla="*/ 113740 w 113739"/>
-              <a:gd name="connsiteY2" fmla="*/ 184337 h 368673"/>
-              <a:gd name="connsiteX3" fmla="*/ 36606 w 113739"/>
-              <a:gd name="connsiteY3" fmla="*/ 0 h 368673"/>
-              <a:gd name="connsiteX4" fmla="*/ 0 w 113739"/>
-              <a:gd name="connsiteY4" fmla="*/ 36606 h 368673"/>
-              <a:gd name="connsiteX5" fmla="*/ 61446 w 113739"/>
-              <a:gd name="connsiteY5" fmla="*/ 184337 h 368673"/>
-              <a:gd name="connsiteX6" fmla="*/ 0 w 113739"/>
-              <a:gd name="connsiteY6" fmla="*/ 332068 h 368673"/>
-            </a:gdLst>
-            <a:ahLst/>
-            <a:cxnLst>
-              <a:cxn ang="0">
-                <a:pos x="connsiteX0" y="connsiteY0"/>
-              </a:cxn>
-              <a:cxn ang="0">
-                <a:pos x="connsiteX1" y="connsiteY1"/>
-              </a:cxn>
-              <a:cxn ang="0">
-                <a:pos x="connsiteX2" y="connsiteY2"/>
-              </a:cxn>
-              <a:cxn ang="0">
-                <a:pos x="connsiteX3" y="connsiteY3"/>
-              </a:cxn>
-              <a:cxn ang="0">
-                <a:pos x="connsiteX4" y="connsiteY4"/>
-              </a:cxn>
-              <a:cxn ang="0">
-                <a:pos x="connsiteX5" y="connsiteY5"/>
-              </a:cxn>
-              <a:cxn ang="0">
-                <a:pos x="connsiteX6" y="connsiteY6"/>
-              </a:cxn>
-            </a:cxnLst>
-            <a:rect l="l" t="t" r="r" b="b"/>
-            <a:pathLst>
-              <a:path w="113739" h="368673">
-                <a:moveTo>
-                  <a:pt x="0" y="332068"/>
-                </a:moveTo>
-                <a:lnTo>
-                  <a:pt x="36606" y="368674"/>
-                </a:lnTo>
-                <a:cubicBezTo>
-                  <a:pt x="84978" y="321609"/>
-                  <a:pt x="113740" y="256241"/>
-                  <a:pt x="113740" y="184337"/>
-                </a:cubicBezTo>
-                <a:cubicBezTo>
-                  <a:pt x="113740" y="112432"/>
-                  <a:pt x="84978" y="47065"/>
-                  <a:pt x="36606" y="0"/>
-                </a:cubicBezTo>
-                <a:lnTo>
-                  <a:pt x="0" y="36606"/>
-                </a:lnTo>
-                <a:cubicBezTo>
-                  <a:pt x="37913" y="74519"/>
-                  <a:pt x="61446" y="126813"/>
-                  <a:pt x="61446" y="184337"/>
-                </a:cubicBezTo>
-                <a:cubicBezTo>
-                  <a:pt x="61446" y="241860"/>
-                  <a:pt x="37913" y="294154"/>
-                  <a:pt x="0" y="332068"/>
-                </a:cubicBezTo>
-                <a:close/>
-              </a:path>
-            </a:pathLst>
-          </a:custGeom>
-          <a:solidFill>
-            <a:schemeClr val="tx2">
-              <a:lumMod val="75000"/>
-            </a:schemeClr>
-          </a:solidFill>
-          <a:ln w="12998" cap="flat">
-            <a:noFill/>
-            <a:prstDash val="solid"/>
-            <a:miter/>
-          </a:ln>
-        </p:spPr>
-        <p:txBody>
-          <a:bodyPr rtlCol="0" anchor="ctr"/>
-          <a:lstStyle/>
-          <a:p>
-            <a:endParaRPr lang="ja-JP" altLang="en-US"/>
-          </a:p>
-        </p:txBody>
-      </p:sp>
-      <p:sp>
-        <p:nvSpPr>
-          <p:cNvPr id="42" name="フリーフォーム: 図形 41">
-            <a:extLst>
-              <a:ext uri="{FF2B5EF4-FFF2-40B4-BE49-F238E27FC236}">
-                <a16:creationId xmlns:a16="http://schemas.microsoft.com/office/drawing/2014/main" id="{BFDC2C13-A317-0C41-BF17-EFFD73A233F3}"/>
-              </a:ext>
-            </a:extLst>
-          </p:cNvPr>
-          <p:cNvSpPr/>
-          <p:nvPr/>
-        </p:nvSpPr>
-        <p:spPr>
-          <a:xfrm>
-            <a:off x="4403473" y="2481526"/>
-            <a:ext cx="143808" cy="517711"/>
-          </a:xfrm>
-          <a:custGeom>
-            <a:avLst/>
-            <a:gdLst>
-              <a:gd name="connsiteX0" fmla="*/ 0 w 143808"/>
-              <a:gd name="connsiteY0" fmla="*/ 481106 h 517711"/>
-              <a:gd name="connsiteX1" fmla="*/ 36606 w 143808"/>
-              <a:gd name="connsiteY1" fmla="*/ 517712 h 517711"/>
-              <a:gd name="connsiteX2" fmla="*/ 143809 w 143808"/>
-              <a:gd name="connsiteY2" fmla="*/ 258856 h 517711"/>
-              <a:gd name="connsiteX3" fmla="*/ 36606 w 143808"/>
-              <a:gd name="connsiteY3" fmla="*/ 0 h 517711"/>
-              <a:gd name="connsiteX4" fmla="*/ 0 w 143808"/>
-              <a:gd name="connsiteY4" fmla="*/ 36606 h 517711"/>
-              <a:gd name="connsiteX5" fmla="*/ 91515 w 143808"/>
-              <a:gd name="connsiteY5" fmla="*/ 258856 h 517711"/>
-              <a:gd name="connsiteX6" fmla="*/ 0 w 143808"/>
-              <a:gd name="connsiteY6" fmla="*/ 481106 h 517711"/>
-            </a:gdLst>
-            <a:ahLst/>
-            <a:cxnLst>
-              <a:cxn ang="0">
-                <a:pos x="connsiteX0" y="connsiteY0"/>
-              </a:cxn>
-              <a:cxn ang="0">
-                <a:pos x="connsiteX1" y="connsiteY1"/>
-              </a:cxn>
-              <a:cxn ang="0">
-                <a:pos x="connsiteX2" y="connsiteY2"/>
-              </a:cxn>
-              <a:cxn ang="0">
-                <a:pos x="connsiteX3" y="connsiteY3"/>
-              </a:cxn>
-              <a:cxn ang="0">
-                <a:pos x="connsiteX4" y="connsiteY4"/>
-              </a:cxn>
-              <a:cxn ang="0">
-                <a:pos x="connsiteX5" y="connsiteY5"/>
-              </a:cxn>
-              <a:cxn ang="0">
-                <a:pos x="connsiteX6" y="connsiteY6"/>
-              </a:cxn>
-            </a:cxnLst>
-            <a:rect l="l" t="t" r="r" b="b"/>
-            <a:pathLst>
-              <a:path w="143808" h="517711">
-                <a:moveTo>
-                  <a:pt x="0" y="481106"/>
-                </a:moveTo>
-                <a:lnTo>
-                  <a:pt x="36606" y="517712"/>
-                </a:lnTo>
-                <a:cubicBezTo>
-                  <a:pt x="103281" y="451037"/>
-                  <a:pt x="143809" y="359522"/>
-                  <a:pt x="143809" y="258856"/>
-                </a:cubicBezTo>
-                <a:cubicBezTo>
-                  <a:pt x="143809" y="158190"/>
-                  <a:pt x="103281" y="66675"/>
-                  <a:pt x="36606" y="0"/>
-                </a:cubicBezTo>
-                <a:lnTo>
-                  <a:pt x="0" y="36606"/>
-                </a:lnTo>
-                <a:cubicBezTo>
-                  <a:pt x="56216" y="92822"/>
-                  <a:pt x="91515" y="171263"/>
-                  <a:pt x="91515" y="258856"/>
-                </a:cubicBezTo>
-                <a:cubicBezTo>
-                  <a:pt x="91515" y="346449"/>
-                  <a:pt x="56216" y="423582"/>
-                  <a:pt x="0" y="481106"/>
-                </a:cubicBezTo>
-                <a:close/>
-              </a:path>
-            </a:pathLst>
-          </a:custGeom>
-          <a:solidFill>
-            <a:schemeClr val="tx2">
-              <a:lumMod val="75000"/>
-            </a:schemeClr>
-          </a:solidFill>
-          <a:ln w="12998" cap="flat">
-            <a:noFill/>
-            <a:prstDash val="solid"/>
-            <a:miter/>
-          </a:ln>
-        </p:spPr>
-        <p:txBody>
-          <a:bodyPr rtlCol="0" anchor="ctr"/>
-          <a:lstStyle/>
-          <a:p>
-            <a:endParaRPr lang="ja-JP" altLang="en-US"/>
-          </a:p>
-        </p:txBody>
-      </p:sp>
-      <p:sp>
-        <p:nvSpPr>
-          <p:cNvPr id="43" name="フリーフォーム: 図形 42">
-            <a:extLst>
-              <a:ext uri="{FF2B5EF4-FFF2-40B4-BE49-F238E27FC236}">
-                <a16:creationId xmlns:a16="http://schemas.microsoft.com/office/drawing/2014/main" id="{E9E2AFE9-CF25-32AC-EA1C-CCB496DE3BB2}"/>
-              </a:ext>
-            </a:extLst>
-          </p:cNvPr>
-          <p:cNvSpPr/>
-          <p:nvPr/>
-        </p:nvSpPr>
-        <p:spPr>
-          <a:xfrm>
-            <a:off x="3736723" y="2688088"/>
-            <a:ext cx="889000" cy="679823"/>
-          </a:xfrm>
-          <a:custGeom>
-            <a:avLst/>
-            <a:gdLst>
-              <a:gd name="connsiteX0" fmla="*/ 784412 w 889000"/>
-              <a:gd name="connsiteY0" fmla="*/ 575235 h 679823"/>
-              <a:gd name="connsiteX1" fmla="*/ 758265 w 889000"/>
-              <a:gd name="connsiteY1" fmla="*/ 549088 h 679823"/>
-              <a:gd name="connsiteX2" fmla="*/ 784412 w 889000"/>
-              <a:gd name="connsiteY2" fmla="*/ 522941 h 679823"/>
-              <a:gd name="connsiteX3" fmla="*/ 810559 w 889000"/>
-              <a:gd name="connsiteY3" fmla="*/ 549088 h 679823"/>
-              <a:gd name="connsiteX4" fmla="*/ 784412 w 889000"/>
-              <a:gd name="connsiteY4" fmla="*/ 575235 h 679823"/>
-              <a:gd name="connsiteX5" fmla="*/ 653677 w 889000"/>
-              <a:gd name="connsiteY5" fmla="*/ 575235 h 679823"/>
-              <a:gd name="connsiteX6" fmla="*/ 627530 w 889000"/>
-              <a:gd name="connsiteY6" fmla="*/ 549088 h 679823"/>
-              <a:gd name="connsiteX7" fmla="*/ 653677 w 889000"/>
-              <a:gd name="connsiteY7" fmla="*/ 522941 h 679823"/>
-              <a:gd name="connsiteX8" fmla="*/ 679824 w 889000"/>
-              <a:gd name="connsiteY8" fmla="*/ 549088 h 679823"/>
-              <a:gd name="connsiteX9" fmla="*/ 653677 w 889000"/>
-              <a:gd name="connsiteY9" fmla="*/ 575235 h 679823"/>
-              <a:gd name="connsiteX10" fmla="*/ 522941 w 889000"/>
-              <a:gd name="connsiteY10" fmla="*/ 575235 h 679823"/>
-              <a:gd name="connsiteX11" fmla="*/ 496794 w 889000"/>
-              <a:gd name="connsiteY11" fmla="*/ 549088 h 679823"/>
-              <a:gd name="connsiteX12" fmla="*/ 522941 w 889000"/>
-              <a:gd name="connsiteY12" fmla="*/ 522941 h 679823"/>
-              <a:gd name="connsiteX13" fmla="*/ 549088 w 889000"/>
-              <a:gd name="connsiteY13" fmla="*/ 549088 h 679823"/>
-              <a:gd name="connsiteX14" fmla="*/ 522941 w 889000"/>
-              <a:gd name="connsiteY14" fmla="*/ 575235 h 679823"/>
-              <a:gd name="connsiteX15" fmla="*/ 392206 w 889000"/>
-              <a:gd name="connsiteY15" fmla="*/ 575235 h 679823"/>
-              <a:gd name="connsiteX16" fmla="*/ 366059 w 889000"/>
-              <a:gd name="connsiteY16" fmla="*/ 549088 h 679823"/>
-              <a:gd name="connsiteX17" fmla="*/ 392206 w 889000"/>
-              <a:gd name="connsiteY17" fmla="*/ 522941 h 679823"/>
-              <a:gd name="connsiteX18" fmla="*/ 418353 w 889000"/>
-              <a:gd name="connsiteY18" fmla="*/ 549088 h 679823"/>
-              <a:gd name="connsiteX19" fmla="*/ 392206 w 889000"/>
-              <a:gd name="connsiteY19" fmla="*/ 575235 h 679823"/>
-              <a:gd name="connsiteX20" fmla="*/ 130735 w 889000"/>
-              <a:gd name="connsiteY20" fmla="*/ 601382 h 679823"/>
-              <a:gd name="connsiteX21" fmla="*/ 78441 w 889000"/>
-              <a:gd name="connsiteY21" fmla="*/ 549088 h 679823"/>
-              <a:gd name="connsiteX22" fmla="*/ 130735 w 889000"/>
-              <a:gd name="connsiteY22" fmla="*/ 496794 h 679823"/>
-              <a:gd name="connsiteX23" fmla="*/ 183029 w 889000"/>
-              <a:gd name="connsiteY23" fmla="*/ 549088 h 679823"/>
-              <a:gd name="connsiteX24" fmla="*/ 130735 w 889000"/>
-              <a:gd name="connsiteY24" fmla="*/ 601382 h 679823"/>
-              <a:gd name="connsiteX25" fmla="*/ 836706 w 889000"/>
-              <a:gd name="connsiteY25" fmla="*/ 418353 h 679823"/>
-              <a:gd name="connsiteX26" fmla="*/ 470647 w 889000"/>
-              <a:gd name="connsiteY26" fmla="*/ 418353 h 679823"/>
-              <a:gd name="connsiteX27" fmla="*/ 470647 w 889000"/>
-              <a:gd name="connsiteY27" fmla="*/ 96744 h 679823"/>
-              <a:gd name="connsiteX28" fmla="*/ 496794 w 889000"/>
-              <a:gd name="connsiteY28" fmla="*/ 52294 h 679823"/>
-              <a:gd name="connsiteX29" fmla="*/ 444500 w 889000"/>
-              <a:gd name="connsiteY29" fmla="*/ 0 h 679823"/>
-              <a:gd name="connsiteX30" fmla="*/ 392206 w 889000"/>
-              <a:gd name="connsiteY30" fmla="*/ 52294 h 679823"/>
-              <a:gd name="connsiteX31" fmla="*/ 418353 w 889000"/>
-              <a:gd name="connsiteY31" fmla="*/ 96744 h 679823"/>
-              <a:gd name="connsiteX32" fmla="*/ 418353 w 889000"/>
-              <a:gd name="connsiteY32" fmla="*/ 418353 h 679823"/>
-              <a:gd name="connsiteX33" fmla="*/ 52294 w 889000"/>
-              <a:gd name="connsiteY33" fmla="*/ 418353 h 679823"/>
-              <a:gd name="connsiteX34" fmla="*/ 0 w 889000"/>
-              <a:gd name="connsiteY34" fmla="*/ 470647 h 679823"/>
-              <a:gd name="connsiteX35" fmla="*/ 0 w 889000"/>
-              <a:gd name="connsiteY35" fmla="*/ 627530 h 679823"/>
-              <a:gd name="connsiteX36" fmla="*/ 52294 w 889000"/>
-              <a:gd name="connsiteY36" fmla="*/ 679824 h 679823"/>
-              <a:gd name="connsiteX37" fmla="*/ 836706 w 889000"/>
-              <a:gd name="connsiteY37" fmla="*/ 679824 h 679823"/>
-              <a:gd name="connsiteX38" fmla="*/ 889000 w 889000"/>
-              <a:gd name="connsiteY38" fmla="*/ 627530 h 679823"/>
-              <a:gd name="connsiteX39" fmla="*/ 889000 w 889000"/>
-              <a:gd name="connsiteY39" fmla="*/ 470647 h 679823"/>
-              <a:gd name="connsiteX40" fmla="*/ 836706 w 889000"/>
-              <a:gd name="connsiteY40" fmla="*/ 418353 h 679823"/>
-            </a:gdLst>
-            <a:ahLst/>
-            <a:cxnLst>
-              <a:cxn ang="0">
-                <a:pos x="connsiteX0" y="connsiteY0"/>
-              </a:cxn>
-              <a:cxn ang="0">
-                <a:pos x="connsiteX1" y="connsiteY1"/>
-              </a:cxn>
-              <a:cxn ang="0">
-                <a:pos x="connsiteX2" y="connsiteY2"/>
-              </a:cxn>
-              <a:cxn ang="0">
-                <a:pos x="connsiteX3" y="connsiteY3"/>
-              </a:cxn>
-              <a:cxn ang="0">
-                <a:pos x="connsiteX4" y="connsiteY4"/>
-              </a:cxn>
-              <a:cxn ang="0">
-                <a:pos x="connsiteX5" y="connsiteY5"/>
-              </a:cxn>
-              <a:cxn ang="0">
-                <a:pos x="connsiteX6" y="connsiteY6"/>
-              </a:cxn>
-              <a:cxn ang="0">
-                <a:pos x="connsiteX7" y="connsiteY7"/>
-              </a:cxn>
-              <a:cxn ang="0">
-                <a:pos x="connsiteX8" y="connsiteY8"/>
-              </a:cxn>
-              <a:cxn ang="0">
-                <a:pos x="connsiteX9" y="connsiteY9"/>
-              </a:cxn>
-              <a:cxn ang="0">
-                <a:pos x="connsiteX10" y="connsiteY10"/>
-              </a:cxn>
-              <a:cxn ang="0">
-                <a:pos x="connsiteX11" y="connsiteY11"/>
-              </a:cxn>
-              <a:cxn ang="0">
-                <a:pos x="connsiteX12" y="connsiteY12"/>
-              </a:cxn>
-              <a:cxn ang="0">
-                <a:pos x="connsiteX13" y="connsiteY13"/>
-              </a:cxn>
-              <a:cxn ang="0">
-                <a:pos x="connsiteX14" y="connsiteY14"/>
-              </a:cxn>
-              <a:cxn ang="0">
-                <a:pos x="connsiteX15" y="connsiteY15"/>
-              </a:cxn>
-              <a:cxn ang="0">
-                <a:pos x="connsiteX16" y="connsiteY16"/>
-              </a:cxn>
-              <a:cxn ang="0">
-                <a:pos x="connsiteX17" y="connsiteY17"/>
-              </a:cxn>
-              <a:cxn ang="0">
-                <a:pos x="connsiteX18" y="connsiteY18"/>
-              </a:cxn>
-              <a:cxn ang="0">
-                <a:pos x="connsiteX19" y="connsiteY19"/>
-              </a:cxn>
-              <a:cxn ang="0">
-                <a:pos x="connsiteX20" y="connsiteY20"/>
-              </a:cxn>
-              <a:cxn ang="0">
-                <a:pos x="connsiteX21" y="connsiteY21"/>
-              </a:cxn>
-              <a:cxn ang="0">
-                <a:pos x="connsiteX22" y="connsiteY22"/>
-              </a:cxn>
-              <a:cxn ang="0">
-                <a:pos x="connsiteX23" y="connsiteY23"/>
-              </a:cxn>
-              <a:cxn ang="0">
-                <a:pos x="connsiteX24" y="connsiteY24"/>
-              </a:cxn>
-              <a:cxn ang="0">
-                <a:pos x="connsiteX25" y="connsiteY25"/>
-              </a:cxn>
-              <a:cxn ang="0">
-                <a:pos x="connsiteX26" y="connsiteY26"/>
-              </a:cxn>
-              <a:cxn ang="0">
-                <a:pos x="connsiteX27" y="connsiteY27"/>
-              </a:cxn>
-              <a:cxn ang="0">
-                <a:pos x="connsiteX28" y="connsiteY28"/>
-              </a:cxn>
-              <a:cxn ang="0">
-                <a:pos x="connsiteX29" y="connsiteY29"/>
-              </a:cxn>
-              <a:cxn ang="0">
-                <a:pos x="connsiteX30" y="connsiteY30"/>
-              </a:cxn>
-              <a:cxn ang="0">
-                <a:pos x="connsiteX31" y="connsiteY31"/>
-              </a:cxn>
-              <a:cxn ang="0">
-                <a:pos x="connsiteX32" y="connsiteY32"/>
-              </a:cxn>
-              <a:cxn ang="0">
-                <a:pos x="connsiteX33" y="connsiteY33"/>
-              </a:cxn>
-              <a:cxn ang="0">
-                <a:pos x="connsiteX34" y="connsiteY34"/>
-              </a:cxn>
-              <a:cxn ang="0">
-                <a:pos x="connsiteX35" y="connsiteY35"/>
-              </a:cxn>
-              <a:cxn ang="0">
-                <a:pos x="connsiteX36" y="connsiteY36"/>
-              </a:cxn>
-              <a:cxn ang="0">
-                <a:pos x="connsiteX37" y="connsiteY37"/>
-              </a:cxn>
-              <a:cxn ang="0">
-                <a:pos x="connsiteX38" y="connsiteY38"/>
-              </a:cxn>
-              <a:cxn ang="0">
-                <a:pos x="connsiteX39" y="connsiteY39"/>
-              </a:cxn>
-              <a:cxn ang="0">
-                <a:pos x="connsiteX40" y="connsiteY40"/>
-              </a:cxn>
-            </a:cxnLst>
-            <a:rect l="l" t="t" r="r" b="b"/>
-            <a:pathLst>
-              <a:path w="889000" h="679823">
-                <a:moveTo>
-                  <a:pt x="784412" y="575235"/>
-                </a:moveTo>
-                <a:cubicBezTo>
-                  <a:pt x="770031" y="575235"/>
-                  <a:pt x="758265" y="563469"/>
-                  <a:pt x="758265" y="549088"/>
-                </a:cubicBezTo>
-                <a:cubicBezTo>
-                  <a:pt x="758265" y="534708"/>
-                  <a:pt x="770031" y="522941"/>
-                  <a:pt x="784412" y="522941"/>
-                </a:cubicBezTo>
-                <a:cubicBezTo>
-                  <a:pt x="798793" y="522941"/>
-                  <a:pt x="810559" y="534708"/>
-                  <a:pt x="810559" y="549088"/>
-                </a:cubicBezTo>
-                <a:cubicBezTo>
-                  <a:pt x="810559" y="563469"/>
-                  <a:pt x="798793" y="575235"/>
-                  <a:pt x="784412" y="575235"/>
-                </a:cubicBezTo>
-                <a:close/>
-                <a:moveTo>
-                  <a:pt x="653677" y="575235"/>
-                </a:moveTo>
-                <a:cubicBezTo>
-                  <a:pt x="639296" y="575235"/>
-                  <a:pt x="627530" y="563469"/>
-                  <a:pt x="627530" y="549088"/>
-                </a:cubicBezTo>
-                <a:cubicBezTo>
-                  <a:pt x="627530" y="534708"/>
-                  <a:pt x="639296" y="522941"/>
-                  <a:pt x="653677" y="522941"/>
-                </a:cubicBezTo>
-                <a:cubicBezTo>
-                  <a:pt x="668057" y="522941"/>
-                  <a:pt x="679824" y="534708"/>
-                  <a:pt x="679824" y="549088"/>
-                </a:cubicBezTo>
-                <a:cubicBezTo>
-                  <a:pt x="679824" y="563469"/>
-                  <a:pt x="668057" y="575235"/>
-                  <a:pt x="653677" y="575235"/>
-                </a:cubicBezTo>
-                <a:close/>
-                <a:moveTo>
-                  <a:pt x="522941" y="575235"/>
-                </a:moveTo>
-                <a:cubicBezTo>
-                  <a:pt x="508560" y="575235"/>
-                  <a:pt x="496794" y="563469"/>
-                  <a:pt x="496794" y="549088"/>
-                </a:cubicBezTo>
-                <a:cubicBezTo>
-                  <a:pt x="496794" y="534708"/>
-                  <a:pt x="508560" y="522941"/>
-                  <a:pt x="522941" y="522941"/>
-                </a:cubicBezTo>
-                <a:cubicBezTo>
-                  <a:pt x="537322" y="522941"/>
-                  <a:pt x="549088" y="534708"/>
-                  <a:pt x="549088" y="549088"/>
-                </a:cubicBezTo>
-                <a:cubicBezTo>
-                  <a:pt x="549088" y="563469"/>
-                  <a:pt x="537322" y="575235"/>
-                  <a:pt x="522941" y="575235"/>
-                </a:cubicBezTo>
-                <a:close/>
-                <a:moveTo>
-                  <a:pt x="392206" y="575235"/>
-                </a:moveTo>
-                <a:cubicBezTo>
-                  <a:pt x="377825" y="575235"/>
-                  <a:pt x="366059" y="563469"/>
-                  <a:pt x="366059" y="549088"/>
-                </a:cubicBezTo>
-                <a:cubicBezTo>
-                  <a:pt x="366059" y="534708"/>
-                  <a:pt x="377825" y="522941"/>
-                  <a:pt x="392206" y="522941"/>
-                </a:cubicBezTo>
-                <a:cubicBezTo>
-                  <a:pt x="406587" y="522941"/>
-                  <a:pt x="418353" y="534708"/>
-                  <a:pt x="418353" y="549088"/>
-                </a:cubicBezTo>
-                <a:cubicBezTo>
-                  <a:pt x="418353" y="563469"/>
-                  <a:pt x="406587" y="575235"/>
-                  <a:pt x="392206" y="575235"/>
-                </a:cubicBezTo>
-                <a:close/>
-                <a:moveTo>
-                  <a:pt x="130735" y="601382"/>
-                </a:moveTo>
-                <a:cubicBezTo>
-                  <a:pt x="101974" y="601382"/>
-                  <a:pt x="78441" y="577850"/>
-                  <a:pt x="78441" y="549088"/>
-                </a:cubicBezTo>
-                <a:cubicBezTo>
-                  <a:pt x="78441" y="520327"/>
-                  <a:pt x="101974" y="496794"/>
-                  <a:pt x="130735" y="496794"/>
-                </a:cubicBezTo>
-                <a:cubicBezTo>
-                  <a:pt x="159497" y="496794"/>
-                  <a:pt x="183029" y="520327"/>
-                  <a:pt x="183029" y="549088"/>
-                </a:cubicBezTo>
-                <a:cubicBezTo>
-                  <a:pt x="183029" y="577850"/>
-                  <a:pt x="159497" y="601382"/>
-                  <a:pt x="130735" y="601382"/>
-                </a:cubicBezTo>
-                <a:close/>
-                <a:moveTo>
-                  <a:pt x="836706" y="418353"/>
-                </a:moveTo>
-                <a:lnTo>
-                  <a:pt x="470647" y="418353"/>
-                </a:lnTo>
-                <a:lnTo>
-                  <a:pt x="470647" y="96744"/>
-                </a:lnTo>
-                <a:cubicBezTo>
-                  <a:pt x="486335" y="87593"/>
-                  <a:pt x="496794" y="70597"/>
-                  <a:pt x="496794" y="52294"/>
-                </a:cubicBezTo>
-                <a:cubicBezTo>
-                  <a:pt x="496794" y="23532"/>
-                  <a:pt x="473262" y="0"/>
-                  <a:pt x="444500" y="0"/>
-                </a:cubicBezTo>
-                <a:cubicBezTo>
-                  <a:pt x="415738" y="0"/>
-                  <a:pt x="392206" y="23532"/>
-                  <a:pt x="392206" y="52294"/>
-                </a:cubicBezTo>
-                <a:cubicBezTo>
-                  <a:pt x="392206" y="71904"/>
-                  <a:pt x="402665" y="88900"/>
-                  <a:pt x="418353" y="96744"/>
-                </a:cubicBezTo>
-                <a:lnTo>
-                  <a:pt x="418353" y="418353"/>
-                </a:lnTo>
-                <a:lnTo>
-                  <a:pt x="52294" y="418353"/>
-                </a:lnTo>
-                <a:cubicBezTo>
-                  <a:pt x="23532" y="418353"/>
-                  <a:pt x="0" y="441885"/>
-                  <a:pt x="0" y="470647"/>
-                </a:cubicBezTo>
-                <a:lnTo>
-                  <a:pt x="0" y="627530"/>
-                </a:lnTo>
-                <a:cubicBezTo>
-                  <a:pt x="0" y="656291"/>
-                  <a:pt x="23532" y="679824"/>
-                  <a:pt x="52294" y="679824"/>
-                </a:cubicBezTo>
-                <a:lnTo>
-                  <a:pt x="836706" y="679824"/>
-                </a:lnTo>
-                <a:cubicBezTo>
-                  <a:pt x="865468" y="679824"/>
-                  <a:pt x="889000" y="656291"/>
-                  <a:pt x="889000" y="627530"/>
-                </a:cubicBezTo>
-                <a:lnTo>
-                  <a:pt x="889000" y="470647"/>
-                </a:lnTo>
-                <a:cubicBezTo>
-                  <a:pt x="889000" y="441885"/>
-                  <a:pt x="865468" y="418353"/>
-                  <a:pt x="836706" y="418353"/>
-                </a:cubicBezTo>
-                <a:close/>
-              </a:path>
-            </a:pathLst>
-          </a:custGeom>
-          <a:solidFill>
-            <a:schemeClr val="tx2">
-              <a:lumMod val="75000"/>
-            </a:schemeClr>
-          </a:solidFill>
-          <a:ln w="12998" cap="flat">
-            <a:noFill/>
-            <a:prstDash val="solid"/>
-            <a:miter/>
-          </a:ln>
-        </p:spPr>
-        <p:txBody>
-          <a:bodyPr rtlCol="0" anchor="ctr"/>
-          <a:lstStyle/>
-          <a:p>
-            <a:endParaRPr lang="ja-JP" altLang="en-US"/>
-          </a:p>
-        </p:txBody>
-      </p:sp>
-      <p:sp>
-        <p:nvSpPr>
-          <p:cNvPr id="46" name="グラフィックス 7" descr="タブレット">
-            <a:extLst>
-              <a:ext uri="{FF2B5EF4-FFF2-40B4-BE49-F238E27FC236}">
-                <a16:creationId xmlns:a16="http://schemas.microsoft.com/office/drawing/2014/main" id="{C5BB742A-C09E-D342-5C9E-5F0213F6E919}"/>
-              </a:ext>
-            </a:extLst>
-          </p:cNvPr>
-          <p:cNvSpPr/>
-          <p:nvPr/>
-        </p:nvSpPr>
-        <p:spPr>
-          <a:xfrm>
-            <a:off x="3195819" y="4566361"/>
-            <a:ext cx="728382" cy="509867"/>
-          </a:xfrm>
-          <a:custGeom>
-            <a:avLst/>
-            <a:gdLst>
-              <a:gd name="connsiteX0" fmla="*/ 673754 w 728382"/>
-              <a:gd name="connsiteY0" fmla="*/ 455239 h 509867"/>
-              <a:gd name="connsiteX1" fmla="*/ 54629 w 728382"/>
-              <a:gd name="connsiteY1" fmla="*/ 455239 h 509867"/>
-              <a:gd name="connsiteX2" fmla="*/ 54629 w 728382"/>
-              <a:gd name="connsiteY2" fmla="*/ 54629 h 509867"/>
-              <a:gd name="connsiteX3" fmla="*/ 673754 w 728382"/>
-              <a:gd name="connsiteY3" fmla="*/ 54629 h 509867"/>
-              <a:gd name="connsiteX4" fmla="*/ 673754 w 728382"/>
-              <a:gd name="connsiteY4" fmla="*/ 455239 h 509867"/>
-              <a:gd name="connsiteX5" fmla="*/ 409715 w 728382"/>
-              <a:gd name="connsiteY5" fmla="*/ 491658 h 509867"/>
-              <a:gd name="connsiteX6" fmla="*/ 318667 w 728382"/>
-              <a:gd name="connsiteY6" fmla="*/ 491658 h 509867"/>
-              <a:gd name="connsiteX7" fmla="*/ 309563 w 728382"/>
-              <a:gd name="connsiteY7" fmla="*/ 482553 h 509867"/>
-              <a:gd name="connsiteX8" fmla="*/ 318667 w 728382"/>
-              <a:gd name="connsiteY8" fmla="*/ 473449 h 509867"/>
-              <a:gd name="connsiteX9" fmla="*/ 409715 w 728382"/>
-              <a:gd name="connsiteY9" fmla="*/ 473449 h 509867"/>
-              <a:gd name="connsiteX10" fmla="*/ 418820 w 728382"/>
-              <a:gd name="connsiteY10" fmla="*/ 482553 h 509867"/>
-              <a:gd name="connsiteX11" fmla="*/ 409715 w 728382"/>
-              <a:gd name="connsiteY11" fmla="*/ 491658 h 509867"/>
-              <a:gd name="connsiteX12" fmla="*/ 364191 w 728382"/>
-              <a:gd name="connsiteY12" fmla="*/ 18210 h 509867"/>
-              <a:gd name="connsiteX13" fmla="*/ 373296 w 728382"/>
-              <a:gd name="connsiteY13" fmla="*/ 27314 h 509867"/>
-              <a:gd name="connsiteX14" fmla="*/ 364191 w 728382"/>
-              <a:gd name="connsiteY14" fmla="*/ 36419 h 509867"/>
-              <a:gd name="connsiteX15" fmla="*/ 355086 w 728382"/>
-              <a:gd name="connsiteY15" fmla="*/ 27314 h 509867"/>
-              <a:gd name="connsiteX16" fmla="*/ 364191 w 728382"/>
-              <a:gd name="connsiteY16" fmla="*/ 18210 h 509867"/>
-              <a:gd name="connsiteX17" fmla="*/ 691963 w 728382"/>
-              <a:gd name="connsiteY17" fmla="*/ 0 h 509867"/>
-              <a:gd name="connsiteX18" fmla="*/ 36419 w 728382"/>
-              <a:gd name="connsiteY18" fmla="*/ 0 h 509867"/>
-              <a:gd name="connsiteX19" fmla="*/ 0 w 728382"/>
-              <a:gd name="connsiteY19" fmla="*/ 36419 h 509867"/>
-              <a:gd name="connsiteX20" fmla="*/ 0 w 728382"/>
-              <a:gd name="connsiteY20" fmla="*/ 473449 h 509867"/>
-              <a:gd name="connsiteX21" fmla="*/ 36419 w 728382"/>
-              <a:gd name="connsiteY21" fmla="*/ 509868 h 509867"/>
-              <a:gd name="connsiteX22" fmla="*/ 691963 w 728382"/>
-              <a:gd name="connsiteY22" fmla="*/ 509868 h 509867"/>
-              <a:gd name="connsiteX23" fmla="*/ 728383 w 728382"/>
-              <a:gd name="connsiteY23" fmla="*/ 473449 h 509867"/>
-              <a:gd name="connsiteX24" fmla="*/ 728383 w 728382"/>
-              <a:gd name="connsiteY24" fmla="*/ 36419 h 509867"/>
-              <a:gd name="connsiteX25" fmla="*/ 691963 w 728382"/>
-              <a:gd name="connsiteY25" fmla="*/ 0 h 509867"/>
-            </a:gdLst>
-            <a:ahLst/>
-            <a:cxnLst>
-              <a:cxn ang="0">
-                <a:pos x="connsiteX0" y="connsiteY0"/>
-              </a:cxn>
-              <a:cxn ang="0">
-                <a:pos x="connsiteX1" y="connsiteY1"/>
-              </a:cxn>
-              <a:cxn ang="0">
-                <a:pos x="connsiteX2" y="connsiteY2"/>
-              </a:cxn>
-              <a:cxn ang="0">
-                <a:pos x="connsiteX3" y="connsiteY3"/>
-              </a:cxn>
-              <a:cxn ang="0">
-                <a:pos x="connsiteX4" y="connsiteY4"/>
-              </a:cxn>
-              <a:cxn ang="0">
-                <a:pos x="connsiteX5" y="connsiteY5"/>
-              </a:cxn>
-              <a:cxn ang="0">
-                <a:pos x="connsiteX6" y="connsiteY6"/>
-              </a:cxn>
-              <a:cxn ang="0">
-                <a:pos x="connsiteX7" y="connsiteY7"/>
-              </a:cxn>
-              <a:cxn ang="0">
-                <a:pos x="connsiteX8" y="connsiteY8"/>
-              </a:cxn>
-              <a:cxn ang="0">
-                <a:pos x="connsiteX9" y="connsiteY9"/>
-              </a:cxn>
-              <a:cxn ang="0">
-                <a:pos x="connsiteX10" y="connsiteY10"/>
-              </a:cxn>
-              <a:cxn ang="0">
-                <a:pos x="connsiteX11" y="connsiteY11"/>
-              </a:cxn>
-              <a:cxn ang="0">
-                <a:pos x="connsiteX12" y="connsiteY12"/>
-              </a:cxn>
-              <a:cxn ang="0">
-                <a:pos x="connsiteX13" y="connsiteY13"/>
-              </a:cxn>
-              <a:cxn ang="0">
-                <a:pos x="connsiteX14" y="connsiteY14"/>
-              </a:cxn>
-              <a:cxn ang="0">
-                <a:pos x="connsiteX15" y="connsiteY15"/>
-              </a:cxn>
-              <a:cxn ang="0">
-                <a:pos x="connsiteX16" y="connsiteY16"/>
-              </a:cxn>
-              <a:cxn ang="0">
-                <a:pos x="connsiteX17" y="connsiteY17"/>
-              </a:cxn>
-              <a:cxn ang="0">
-                <a:pos x="connsiteX18" y="connsiteY18"/>
-              </a:cxn>
-              <a:cxn ang="0">
-                <a:pos x="connsiteX19" y="connsiteY19"/>
-              </a:cxn>
-              <a:cxn ang="0">
-                <a:pos x="connsiteX20" y="connsiteY20"/>
-              </a:cxn>
-              <a:cxn ang="0">
-                <a:pos x="connsiteX21" y="connsiteY21"/>
-              </a:cxn>
-              <a:cxn ang="0">
-                <a:pos x="connsiteX22" y="connsiteY22"/>
-              </a:cxn>
-              <a:cxn ang="0">
-                <a:pos x="connsiteX23" y="connsiteY23"/>
-              </a:cxn>
-              <a:cxn ang="0">
-                <a:pos x="connsiteX24" y="connsiteY24"/>
-              </a:cxn>
-              <a:cxn ang="0">
-                <a:pos x="connsiteX25" y="connsiteY25"/>
-              </a:cxn>
-            </a:cxnLst>
-            <a:rect l="l" t="t" r="r" b="b"/>
-            <a:pathLst>
-              <a:path w="728382" h="509867">
-                <a:moveTo>
-                  <a:pt x="673754" y="455239"/>
-                </a:moveTo>
-                <a:lnTo>
-                  <a:pt x="54629" y="455239"/>
-                </a:lnTo>
-                <a:lnTo>
-                  <a:pt x="54629" y="54629"/>
-                </a:lnTo>
-                <a:lnTo>
-                  <a:pt x="673754" y="54629"/>
-                </a:lnTo>
-                <a:lnTo>
-                  <a:pt x="673754" y="455239"/>
-                </a:lnTo>
-                <a:close/>
-                <a:moveTo>
-                  <a:pt x="409715" y="491658"/>
-                </a:moveTo>
-                <a:lnTo>
-                  <a:pt x="318667" y="491658"/>
-                </a:lnTo>
-                <a:cubicBezTo>
-                  <a:pt x="313205" y="491658"/>
-                  <a:pt x="309563" y="488016"/>
-                  <a:pt x="309563" y="482553"/>
-                </a:cubicBezTo>
-                <a:cubicBezTo>
-                  <a:pt x="309563" y="477091"/>
-                  <a:pt x="313205" y="473449"/>
-                  <a:pt x="318667" y="473449"/>
-                </a:cubicBezTo>
-                <a:lnTo>
-                  <a:pt x="409715" y="473449"/>
-                </a:lnTo>
-                <a:cubicBezTo>
-                  <a:pt x="415178" y="473449"/>
-                  <a:pt x="418820" y="477091"/>
-                  <a:pt x="418820" y="482553"/>
-                </a:cubicBezTo>
-                <a:cubicBezTo>
-                  <a:pt x="418820" y="488016"/>
-                  <a:pt x="415178" y="491658"/>
-                  <a:pt x="409715" y="491658"/>
-                </a:cubicBezTo>
-                <a:close/>
-                <a:moveTo>
-                  <a:pt x="364191" y="18210"/>
-                </a:moveTo>
-                <a:cubicBezTo>
-                  <a:pt x="369654" y="18210"/>
-                  <a:pt x="373296" y="21851"/>
-                  <a:pt x="373296" y="27314"/>
-                </a:cubicBezTo>
-                <a:cubicBezTo>
-                  <a:pt x="373296" y="32777"/>
-                  <a:pt x="369654" y="36419"/>
-                  <a:pt x="364191" y="36419"/>
-                </a:cubicBezTo>
-                <a:cubicBezTo>
-                  <a:pt x="358728" y="36419"/>
-                  <a:pt x="355086" y="32777"/>
-                  <a:pt x="355086" y="27314"/>
-                </a:cubicBezTo>
-                <a:cubicBezTo>
-                  <a:pt x="355086" y="21851"/>
-                  <a:pt x="358728" y="18210"/>
-                  <a:pt x="364191" y="18210"/>
-                </a:cubicBezTo>
-                <a:close/>
-                <a:moveTo>
-                  <a:pt x="691963" y="0"/>
-                </a:moveTo>
-                <a:lnTo>
-                  <a:pt x="36419" y="0"/>
-                </a:lnTo>
-                <a:cubicBezTo>
-                  <a:pt x="16389" y="0"/>
-                  <a:pt x="0" y="16389"/>
-                  <a:pt x="0" y="36419"/>
-                </a:cubicBezTo>
-                <a:lnTo>
-                  <a:pt x="0" y="473449"/>
-                </a:lnTo>
-                <a:cubicBezTo>
-                  <a:pt x="0" y="493479"/>
-                  <a:pt x="16389" y="509868"/>
-                  <a:pt x="36419" y="509868"/>
-                </a:cubicBezTo>
-                <a:lnTo>
-                  <a:pt x="691963" y="509868"/>
-                </a:lnTo>
-                <a:cubicBezTo>
-                  <a:pt x="711994" y="509868"/>
-                  <a:pt x="728383" y="493479"/>
-                  <a:pt x="728383" y="473449"/>
-                </a:cubicBezTo>
-                <a:lnTo>
-                  <a:pt x="728383" y="36419"/>
-                </a:lnTo>
-                <a:cubicBezTo>
-                  <a:pt x="728383" y="16389"/>
-                  <a:pt x="711994" y="0"/>
-                  <a:pt x="691963" y="0"/>
-                </a:cubicBezTo>
-                <a:close/>
-              </a:path>
-            </a:pathLst>
-          </a:custGeom>
-          <a:solidFill>
-            <a:schemeClr val="tx2">
-              <a:lumMod val="75000"/>
-            </a:schemeClr>
-          </a:solidFill>
-          <a:ln w="9029" cap="flat">
-            <a:noFill/>
-            <a:prstDash val="solid"/>
-            <a:miter/>
-          </a:ln>
-        </p:spPr>
-        <p:txBody>
-          <a:bodyPr rtlCol="0" anchor="ctr"/>
-          <a:lstStyle/>
-          <a:p>
-            <a:endParaRPr lang="ja-JP" altLang="en-US" dirty="0"/>
-          </a:p>
-        </p:txBody>
-      </p:sp>
       <p:pic>
         <p:nvPicPr>
           <p:cNvPr id="12" name="グラフィックス 11" descr="男の人">
@@ -22305,291 +21292,6 @@
           </a:prstGeom>
         </p:spPr>
       </p:pic>
-      <p:sp>
-        <p:nvSpPr>
-          <p:cNvPr id="34" name="グラフィックス 12" descr="タブレット">
-            <a:extLst>
-              <a:ext uri="{FF2B5EF4-FFF2-40B4-BE49-F238E27FC236}">
-                <a16:creationId xmlns:a16="http://schemas.microsoft.com/office/drawing/2014/main" id="{A70B5BE3-E8C5-F6C3-E79F-C0E4DD67D691}"/>
-              </a:ext>
-            </a:extLst>
-          </p:cNvPr>
-          <p:cNvSpPr/>
-          <p:nvPr/>
-        </p:nvSpPr>
-        <p:spPr>
-          <a:xfrm>
-            <a:off x="6303084" y="4566361"/>
-            <a:ext cx="728382" cy="509867"/>
-          </a:xfrm>
-          <a:custGeom>
-            <a:avLst/>
-            <a:gdLst>
-              <a:gd name="connsiteX0" fmla="*/ 673754 w 728382"/>
-              <a:gd name="connsiteY0" fmla="*/ 455239 h 509867"/>
-              <a:gd name="connsiteX1" fmla="*/ 54629 w 728382"/>
-              <a:gd name="connsiteY1" fmla="*/ 455239 h 509867"/>
-              <a:gd name="connsiteX2" fmla="*/ 54629 w 728382"/>
-              <a:gd name="connsiteY2" fmla="*/ 54629 h 509867"/>
-              <a:gd name="connsiteX3" fmla="*/ 673754 w 728382"/>
-              <a:gd name="connsiteY3" fmla="*/ 54629 h 509867"/>
-              <a:gd name="connsiteX4" fmla="*/ 673754 w 728382"/>
-              <a:gd name="connsiteY4" fmla="*/ 455239 h 509867"/>
-              <a:gd name="connsiteX5" fmla="*/ 409715 w 728382"/>
-              <a:gd name="connsiteY5" fmla="*/ 491658 h 509867"/>
-              <a:gd name="connsiteX6" fmla="*/ 318667 w 728382"/>
-              <a:gd name="connsiteY6" fmla="*/ 491658 h 509867"/>
-              <a:gd name="connsiteX7" fmla="*/ 309563 w 728382"/>
-              <a:gd name="connsiteY7" fmla="*/ 482553 h 509867"/>
-              <a:gd name="connsiteX8" fmla="*/ 318667 w 728382"/>
-              <a:gd name="connsiteY8" fmla="*/ 473449 h 509867"/>
-              <a:gd name="connsiteX9" fmla="*/ 409715 w 728382"/>
-              <a:gd name="connsiteY9" fmla="*/ 473449 h 509867"/>
-              <a:gd name="connsiteX10" fmla="*/ 418820 w 728382"/>
-              <a:gd name="connsiteY10" fmla="*/ 482553 h 509867"/>
-              <a:gd name="connsiteX11" fmla="*/ 409715 w 728382"/>
-              <a:gd name="connsiteY11" fmla="*/ 491658 h 509867"/>
-              <a:gd name="connsiteX12" fmla="*/ 364191 w 728382"/>
-              <a:gd name="connsiteY12" fmla="*/ 18210 h 509867"/>
-              <a:gd name="connsiteX13" fmla="*/ 373296 w 728382"/>
-              <a:gd name="connsiteY13" fmla="*/ 27314 h 509867"/>
-              <a:gd name="connsiteX14" fmla="*/ 364191 w 728382"/>
-              <a:gd name="connsiteY14" fmla="*/ 36419 h 509867"/>
-              <a:gd name="connsiteX15" fmla="*/ 355086 w 728382"/>
-              <a:gd name="connsiteY15" fmla="*/ 27314 h 509867"/>
-              <a:gd name="connsiteX16" fmla="*/ 364191 w 728382"/>
-              <a:gd name="connsiteY16" fmla="*/ 18210 h 509867"/>
-              <a:gd name="connsiteX17" fmla="*/ 691963 w 728382"/>
-              <a:gd name="connsiteY17" fmla="*/ 0 h 509867"/>
-              <a:gd name="connsiteX18" fmla="*/ 36419 w 728382"/>
-              <a:gd name="connsiteY18" fmla="*/ 0 h 509867"/>
-              <a:gd name="connsiteX19" fmla="*/ 0 w 728382"/>
-              <a:gd name="connsiteY19" fmla="*/ 36419 h 509867"/>
-              <a:gd name="connsiteX20" fmla="*/ 0 w 728382"/>
-              <a:gd name="connsiteY20" fmla="*/ 473449 h 509867"/>
-              <a:gd name="connsiteX21" fmla="*/ 36419 w 728382"/>
-              <a:gd name="connsiteY21" fmla="*/ 509868 h 509867"/>
-              <a:gd name="connsiteX22" fmla="*/ 691963 w 728382"/>
-              <a:gd name="connsiteY22" fmla="*/ 509868 h 509867"/>
-              <a:gd name="connsiteX23" fmla="*/ 728383 w 728382"/>
-              <a:gd name="connsiteY23" fmla="*/ 473449 h 509867"/>
-              <a:gd name="connsiteX24" fmla="*/ 728383 w 728382"/>
-              <a:gd name="connsiteY24" fmla="*/ 36419 h 509867"/>
-              <a:gd name="connsiteX25" fmla="*/ 691963 w 728382"/>
-              <a:gd name="connsiteY25" fmla="*/ 0 h 509867"/>
-            </a:gdLst>
-            <a:ahLst/>
-            <a:cxnLst>
-              <a:cxn ang="0">
-                <a:pos x="connsiteX0" y="connsiteY0"/>
-              </a:cxn>
-              <a:cxn ang="0">
-                <a:pos x="connsiteX1" y="connsiteY1"/>
-              </a:cxn>
-              <a:cxn ang="0">
-                <a:pos x="connsiteX2" y="connsiteY2"/>
-              </a:cxn>
-              <a:cxn ang="0">
-                <a:pos x="connsiteX3" y="connsiteY3"/>
-              </a:cxn>
-              <a:cxn ang="0">
-                <a:pos x="connsiteX4" y="connsiteY4"/>
-              </a:cxn>
-              <a:cxn ang="0">
-                <a:pos x="connsiteX5" y="connsiteY5"/>
-              </a:cxn>
-              <a:cxn ang="0">
-                <a:pos x="connsiteX6" y="connsiteY6"/>
-              </a:cxn>
-              <a:cxn ang="0">
-                <a:pos x="connsiteX7" y="connsiteY7"/>
-              </a:cxn>
-              <a:cxn ang="0">
-                <a:pos x="connsiteX8" y="connsiteY8"/>
-              </a:cxn>
-              <a:cxn ang="0">
-                <a:pos x="connsiteX9" y="connsiteY9"/>
-              </a:cxn>
-              <a:cxn ang="0">
-                <a:pos x="connsiteX10" y="connsiteY10"/>
-              </a:cxn>
-              <a:cxn ang="0">
-                <a:pos x="connsiteX11" y="connsiteY11"/>
-              </a:cxn>
-              <a:cxn ang="0">
-                <a:pos x="connsiteX12" y="connsiteY12"/>
-              </a:cxn>
-              <a:cxn ang="0">
-                <a:pos x="connsiteX13" y="connsiteY13"/>
-              </a:cxn>
-              <a:cxn ang="0">
-                <a:pos x="connsiteX14" y="connsiteY14"/>
-              </a:cxn>
-              <a:cxn ang="0">
-                <a:pos x="connsiteX15" y="connsiteY15"/>
-              </a:cxn>
-              <a:cxn ang="0">
-                <a:pos x="connsiteX16" y="connsiteY16"/>
-              </a:cxn>
-              <a:cxn ang="0">
-                <a:pos x="connsiteX17" y="connsiteY17"/>
-              </a:cxn>
-              <a:cxn ang="0">
-                <a:pos x="connsiteX18" y="connsiteY18"/>
-              </a:cxn>
-              <a:cxn ang="0">
-                <a:pos x="connsiteX19" y="connsiteY19"/>
-              </a:cxn>
-              <a:cxn ang="0">
-                <a:pos x="connsiteX20" y="connsiteY20"/>
-              </a:cxn>
-              <a:cxn ang="0">
-                <a:pos x="connsiteX21" y="connsiteY21"/>
-              </a:cxn>
-              <a:cxn ang="0">
-                <a:pos x="connsiteX22" y="connsiteY22"/>
-              </a:cxn>
-              <a:cxn ang="0">
-                <a:pos x="connsiteX23" y="connsiteY23"/>
-              </a:cxn>
-              <a:cxn ang="0">
-                <a:pos x="connsiteX24" y="connsiteY24"/>
-              </a:cxn>
-              <a:cxn ang="0">
-                <a:pos x="connsiteX25" y="connsiteY25"/>
-              </a:cxn>
-            </a:cxnLst>
-            <a:rect l="l" t="t" r="r" b="b"/>
-            <a:pathLst>
-              <a:path w="728382" h="509867">
-                <a:moveTo>
-                  <a:pt x="673754" y="455239"/>
-                </a:moveTo>
-                <a:lnTo>
-                  <a:pt x="54629" y="455239"/>
-                </a:lnTo>
-                <a:lnTo>
-                  <a:pt x="54629" y="54629"/>
-                </a:lnTo>
-                <a:lnTo>
-                  <a:pt x="673754" y="54629"/>
-                </a:lnTo>
-                <a:lnTo>
-                  <a:pt x="673754" y="455239"/>
-                </a:lnTo>
-                <a:close/>
-                <a:moveTo>
-                  <a:pt x="409715" y="491658"/>
-                </a:moveTo>
-                <a:lnTo>
-                  <a:pt x="318667" y="491658"/>
-                </a:lnTo>
-                <a:cubicBezTo>
-                  <a:pt x="313205" y="491658"/>
-                  <a:pt x="309563" y="488016"/>
-                  <a:pt x="309563" y="482553"/>
-                </a:cubicBezTo>
-                <a:cubicBezTo>
-                  <a:pt x="309563" y="477091"/>
-                  <a:pt x="313205" y="473449"/>
-                  <a:pt x="318667" y="473449"/>
-                </a:cubicBezTo>
-                <a:lnTo>
-                  <a:pt x="409715" y="473449"/>
-                </a:lnTo>
-                <a:cubicBezTo>
-                  <a:pt x="415178" y="473449"/>
-                  <a:pt x="418820" y="477091"/>
-                  <a:pt x="418820" y="482553"/>
-                </a:cubicBezTo>
-                <a:cubicBezTo>
-                  <a:pt x="418820" y="488016"/>
-                  <a:pt x="415178" y="491658"/>
-                  <a:pt x="409715" y="491658"/>
-                </a:cubicBezTo>
-                <a:close/>
-                <a:moveTo>
-                  <a:pt x="364191" y="18210"/>
-                </a:moveTo>
-                <a:cubicBezTo>
-                  <a:pt x="369654" y="18210"/>
-                  <a:pt x="373296" y="21851"/>
-                  <a:pt x="373296" y="27314"/>
-                </a:cubicBezTo>
-                <a:cubicBezTo>
-                  <a:pt x="373296" y="32777"/>
-                  <a:pt x="369654" y="36419"/>
-                  <a:pt x="364191" y="36419"/>
-                </a:cubicBezTo>
-                <a:cubicBezTo>
-                  <a:pt x="358728" y="36419"/>
-                  <a:pt x="355086" y="32777"/>
-                  <a:pt x="355086" y="27314"/>
-                </a:cubicBezTo>
-                <a:cubicBezTo>
-                  <a:pt x="355086" y="21851"/>
-                  <a:pt x="358728" y="18210"/>
-                  <a:pt x="364191" y="18210"/>
-                </a:cubicBezTo>
-                <a:close/>
-                <a:moveTo>
-                  <a:pt x="691963" y="0"/>
-                </a:moveTo>
-                <a:lnTo>
-                  <a:pt x="36419" y="0"/>
-                </a:lnTo>
-                <a:cubicBezTo>
-                  <a:pt x="16389" y="0"/>
-                  <a:pt x="0" y="16389"/>
-                  <a:pt x="0" y="36419"/>
-                </a:cubicBezTo>
-                <a:lnTo>
-                  <a:pt x="0" y="473449"/>
-                </a:lnTo>
-                <a:cubicBezTo>
-                  <a:pt x="0" y="493479"/>
-                  <a:pt x="16389" y="509868"/>
-                  <a:pt x="36419" y="509868"/>
-                </a:cubicBezTo>
-                <a:lnTo>
-                  <a:pt x="691963" y="509868"/>
-                </a:lnTo>
-                <a:cubicBezTo>
-                  <a:pt x="711994" y="509868"/>
-                  <a:pt x="728383" y="493479"/>
-                  <a:pt x="728383" y="473449"/>
-                </a:cubicBezTo>
-                <a:lnTo>
-                  <a:pt x="728383" y="36419"/>
-                </a:lnTo>
-                <a:cubicBezTo>
-                  <a:pt x="728383" y="16389"/>
-                  <a:pt x="711994" y="0"/>
-                  <a:pt x="691963" y="0"/>
-                </a:cubicBezTo>
-                <a:close/>
-              </a:path>
-            </a:pathLst>
-          </a:custGeom>
-          <a:solidFill>
-            <a:schemeClr val="tx2">
-              <a:lumMod val="75000"/>
-            </a:schemeClr>
-          </a:solidFill>
-          <a:ln w="9029" cap="flat">
-            <a:noFill/>
-            <a:prstDash val="solid"/>
-            <a:miter/>
-          </a:ln>
-        </p:spPr>
-        <p:txBody>
-          <a:bodyPr rtlCol="0" anchor="ctr"/>
-          <a:lstStyle/>
-          <a:p>
-            <a:endParaRPr lang="ja-JP" altLang="en-US"/>
-          </a:p>
-        </p:txBody>
-      </p:sp>
       <p:pic>
         <p:nvPicPr>
           <p:cNvPr id="6" name="グラフィックス 5" descr="男の人">
@@ -22631,491 +21333,6 @@
       </p:pic>
       <p:sp>
         <p:nvSpPr>
-          <p:cNvPr id="52" name="グラフィックス 13" descr="タブレット">
-            <a:extLst>
-              <a:ext uri="{FF2B5EF4-FFF2-40B4-BE49-F238E27FC236}">
-                <a16:creationId xmlns:a16="http://schemas.microsoft.com/office/drawing/2014/main" id="{9B09FBD1-EEA2-EFAB-9CF1-F69CDAEF762C}"/>
-              </a:ext>
-            </a:extLst>
-          </p:cNvPr>
-          <p:cNvSpPr/>
-          <p:nvPr/>
-        </p:nvSpPr>
-        <p:spPr>
-          <a:xfrm>
-            <a:off x="9410349" y="4566361"/>
-            <a:ext cx="728382" cy="509867"/>
-          </a:xfrm>
-          <a:custGeom>
-            <a:avLst/>
-            <a:gdLst>
-              <a:gd name="connsiteX0" fmla="*/ 673754 w 728382"/>
-              <a:gd name="connsiteY0" fmla="*/ 455239 h 509867"/>
-              <a:gd name="connsiteX1" fmla="*/ 54629 w 728382"/>
-              <a:gd name="connsiteY1" fmla="*/ 455239 h 509867"/>
-              <a:gd name="connsiteX2" fmla="*/ 54629 w 728382"/>
-              <a:gd name="connsiteY2" fmla="*/ 54629 h 509867"/>
-              <a:gd name="connsiteX3" fmla="*/ 673754 w 728382"/>
-              <a:gd name="connsiteY3" fmla="*/ 54629 h 509867"/>
-              <a:gd name="connsiteX4" fmla="*/ 673754 w 728382"/>
-              <a:gd name="connsiteY4" fmla="*/ 455239 h 509867"/>
-              <a:gd name="connsiteX5" fmla="*/ 409715 w 728382"/>
-              <a:gd name="connsiteY5" fmla="*/ 491658 h 509867"/>
-              <a:gd name="connsiteX6" fmla="*/ 318667 w 728382"/>
-              <a:gd name="connsiteY6" fmla="*/ 491658 h 509867"/>
-              <a:gd name="connsiteX7" fmla="*/ 309563 w 728382"/>
-              <a:gd name="connsiteY7" fmla="*/ 482553 h 509867"/>
-              <a:gd name="connsiteX8" fmla="*/ 318667 w 728382"/>
-              <a:gd name="connsiteY8" fmla="*/ 473449 h 509867"/>
-              <a:gd name="connsiteX9" fmla="*/ 409715 w 728382"/>
-              <a:gd name="connsiteY9" fmla="*/ 473449 h 509867"/>
-              <a:gd name="connsiteX10" fmla="*/ 418820 w 728382"/>
-              <a:gd name="connsiteY10" fmla="*/ 482553 h 509867"/>
-              <a:gd name="connsiteX11" fmla="*/ 409715 w 728382"/>
-              <a:gd name="connsiteY11" fmla="*/ 491658 h 509867"/>
-              <a:gd name="connsiteX12" fmla="*/ 364191 w 728382"/>
-              <a:gd name="connsiteY12" fmla="*/ 18210 h 509867"/>
-              <a:gd name="connsiteX13" fmla="*/ 373296 w 728382"/>
-              <a:gd name="connsiteY13" fmla="*/ 27314 h 509867"/>
-              <a:gd name="connsiteX14" fmla="*/ 364191 w 728382"/>
-              <a:gd name="connsiteY14" fmla="*/ 36419 h 509867"/>
-              <a:gd name="connsiteX15" fmla="*/ 355086 w 728382"/>
-              <a:gd name="connsiteY15" fmla="*/ 27314 h 509867"/>
-              <a:gd name="connsiteX16" fmla="*/ 364191 w 728382"/>
-              <a:gd name="connsiteY16" fmla="*/ 18210 h 509867"/>
-              <a:gd name="connsiteX17" fmla="*/ 691963 w 728382"/>
-              <a:gd name="connsiteY17" fmla="*/ 0 h 509867"/>
-              <a:gd name="connsiteX18" fmla="*/ 36419 w 728382"/>
-              <a:gd name="connsiteY18" fmla="*/ 0 h 509867"/>
-              <a:gd name="connsiteX19" fmla="*/ 0 w 728382"/>
-              <a:gd name="connsiteY19" fmla="*/ 36419 h 509867"/>
-              <a:gd name="connsiteX20" fmla="*/ 0 w 728382"/>
-              <a:gd name="connsiteY20" fmla="*/ 473449 h 509867"/>
-              <a:gd name="connsiteX21" fmla="*/ 36419 w 728382"/>
-              <a:gd name="connsiteY21" fmla="*/ 509868 h 509867"/>
-              <a:gd name="connsiteX22" fmla="*/ 691963 w 728382"/>
-              <a:gd name="connsiteY22" fmla="*/ 509868 h 509867"/>
-              <a:gd name="connsiteX23" fmla="*/ 728383 w 728382"/>
-              <a:gd name="connsiteY23" fmla="*/ 473449 h 509867"/>
-              <a:gd name="connsiteX24" fmla="*/ 728383 w 728382"/>
-              <a:gd name="connsiteY24" fmla="*/ 36419 h 509867"/>
-              <a:gd name="connsiteX25" fmla="*/ 691963 w 728382"/>
-              <a:gd name="connsiteY25" fmla="*/ 0 h 509867"/>
-            </a:gdLst>
-            <a:ahLst/>
-            <a:cxnLst>
-              <a:cxn ang="0">
-                <a:pos x="connsiteX0" y="connsiteY0"/>
-              </a:cxn>
-              <a:cxn ang="0">
-                <a:pos x="connsiteX1" y="connsiteY1"/>
-              </a:cxn>
-              <a:cxn ang="0">
-                <a:pos x="connsiteX2" y="connsiteY2"/>
-              </a:cxn>
-              <a:cxn ang="0">
-                <a:pos x="connsiteX3" y="connsiteY3"/>
-              </a:cxn>
-              <a:cxn ang="0">
-                <a:pos x="connsiteX4" y="connsiteY4"/>
-              </a:cxn>
-              <a:cxn ang="0">
-                <a:pos x="connsiteX5" y="connsiteY5"/>
-              </a:cxn>
-              <a:cxn ang="0">
-                <a:pos x="connsiteX6" y="connsiteY6"/>
-              </a:cxn>
-              <a:cxn ang="0">
-                <a:pos x="connsiteX7" y="connsiteY7"/>
-              </a:cxn>
-              <a:cxn ang="0">
-                <a:pos x="connsiteX8" y="connsiteY8"/>
-              </a:cxn>
-              <a:cxn ang="0">
-                <a:pos x="connsiteX9" y="connsiteY9"/>
-              </a:cxn>
-              <a:cxn ang="0">
-                <a:pos x="connsiteX10" y="connsiteY10"/>
-              </a:cxn>
-              <a:cxn ang="0">
-                <a:pos x="connsiteX11" y="connsiteY11"/>
-              </a:cxn>
-              <a:cxn ang="0">
-                <a:pos x="connsiteX12" y="connsiteY12"/>
-              </a:cxn>
-              <a:cxn ang="0">
-                <a:pos x="connsiteX13" y="connsiteY13"/>
-              </a:cxn>
-              <a:cxn ang="0">
-                <a:pos x="connsiteX14" y="connsiteY14"/>
-              </a:cxn>
-              <a:cxn ang="0">
-                <a:pos x="connsiteX15" y="connsiteY15"/>
-              </a:cxn>
-              <a:cxn ang="0">
-                <a:pos x="connsiteX16" y="connsiteY16"/>
-              </a:cxn>
-              <a:cxn ang="0">
-                <a:pos x="connsiteX17" y="connsiteY17"/>
-              </a:cxn>
-              <a:cxn ang="0">
-                <a:pos x="connsiteX18" y="connsiteY18"/>
-              </a:cxn>
-              <a:cxn ang="0">
-                <a:pos x="connsiteX19" y="connsiteY19"/>
-              </a:cxn>
-              <a:cxn ang="0">
-                <a:pos x="connsiteX20" y="connsiteY20"/>
-              </a:cxn>
-              <a:cxn ang="0">
-                <a:pos x="connsiteX21" y="connsiteY21"/>
-              </a:cxn>
-              <a:cxn ang="0">
-                <a:pos x="connsiteX22" y="connsiteY22"/>
-              </a:cxn>
-              <a:cxn ang="0">
-                <a:pos x="connsiteX23" y="connsiteY23"/>
-              </a:cxn>
-              <a:cxn ang="0">
-                <a:pos x="connsiteX24" y="connsiteY24"/>
-              </a:cxn>
-              <a:cxn ang="0">
-                <a:pos x="connsiteX25" y="connsiteY25"/>
-              </a:cxn>
-            </a:cxnLst>
-            <a:rect l="l" t="t" r="r" b="b"/>
-            <a:pathLst>
-              <a:path w="728382" h="509867">
-                <a:moveTo>
-                  <a:pt x="673754" y="455239"/>
-                </a:moveTo>
-                <a:lnTo>
-                  <a:pt x="54629" y="455239"/>
-                </a:lnTo>
-                <a:lnTo>
-                  <a:pt x="54629" y="54629"/>
-                </a:lnTo>
-                <a:lnTo>
-                  <a:pt x="673754" y="54629"/>
-                </a:lnTo>
-                <a:lnTo>
-                  <a:pt x="673754" y="455239"/>
-                </a:lnTo>
-                <a:close/>
-                <a:moveTo>
-                  <a:pt x="409715" y="491658"/>
-                </a:moveTo>
-                <a:lnTo>
-                  <a:pt x="318667" y="491658"/>
-                </a:lnTo>
-                <a:cubicBezTo>
-                  <a:pt x="313205" y="491658"/>
-                  <a:pt x="309563" y="488016"/>
-                  <a:pt x="309563" y="482553"/>
-                </a:cubicBezTo>
-                <a:cubicBezTo>
-                  <a:pt x="309563" y="477091"/>
-                  <a:pt x="313205" y="473449"/>
-                  <a:pt x="318667" y="473449"/>
-                </a:cubicBezTo>
-                <a:lnTo>
-                  <a:pt x="409715" y="473449"/>
-                </a:lnTo>
-                <a:cubicBezTo>
-                  <a:pt x="415178" y="473449"/>
-                  <a:pt x="418820" y="477091"/>
-                  <a:pt x="418820" y="482553"/>
-                </a:cubicBezTo>
-                <a:cubicBezTo>
-                  <a:pt x="418820" y="488016"/>
-                  <a:pt x="415178" y="491658"/>
-                  <a:pt x="409715" y="491658"/>
-                </a:cubicBezTo>
-                <a:close/>
-                <a:moveTo>
-                  <a:pt x="364191" y="18210"/>
-                </a:moveTo>
-                <a:cubicBezTo>
-                  <a:pt x="369654" y="18210"/>
-                  <a:pt x="373296" y="21851"/>
-                  <a:pt x="373296" y="27314"/>
-                </a:cubicBezTo>
-                <a:cubicBezTo>
-                  <a:pt x="373296" y="32777"/>
-                  <a:pt x="369654" y="36419"/>
-                  <a:pt x="364191" y="36419"/>
-                </a:cubicBezTo>
-                <a:cubicBezTo>
-                  <a:pt x="358728" y="36419"/>
-                  <a:pt x="355086" y="32777"/>
-                  <a:pt x="355086" y="27314"/>
-                </a:cubicBezTo>
-                <a:cubicBezTo>
-                  <a:pt x="355086" y="21851"/>
-                  <a:pt x="358728" y="18210"/>
-                  <a:pt x="364191" y="18210"/>
-                </a:cubicBezTo>
-                <a:close/>
-                <a:moveTo>
-                  <a:pt x="691963" y="0"/>
-                </a:moveTo>
-                <a:lnTo>
-                  <a:pt x="36419" y="0"/>
-                </a:lnTo>
-                <a:cubicBezTo>
-                  <a:pt x="16389" y="0"/>
-                  <a:pt x="0" y="16389"/>
-                  <a:pt x="0" y="36419"/>
-                </a:cubicBezTo>
-                <a:lnTo>
-                  <a:pt x="0" y="473449"/>
-                </a:lnTo>
-                <a:cubicBezTo>
-                  <a:pt x="0" y="493479"/>
-                  <a:pt x="16389" y="509868"/>
-                  <a:pt x="36419" y="509868"/>
-                </a:cubicBezTo>
-                <a:lnTo>
-                  <a:pt x="691963" y="509868"/>
-                </a:lnTo>
-                <a:cubicBezTo>
-                  <a:pt x="711994" y="509868"/>
-                  <a:pt x="728383" y="493479"/>
-                  <a:pt x="728383" y="473449"/>
-                </a:cubicBezTo>
-                <a:lnTo>
-                  <a:pt x="728383" y="36419"/>
-                </a:lnTo>
-                <a:cubicBezTo>
-                  <a:pt x="728383" y="16389"/>
-                  <a:pt x="711994" y="0"/>
-                  <a:pt x="691963" y="0"/>
-                </a:cubicBezTo>
-                <a:close/>
-              </a:path>
-            </a:pathLst>
-          </a:custGeom>
-          <a:solidFill>
-            <a:schemeClr val="tx2">
-              <a:lumMod val="75000"/>
-            </a:schemeClr>
-          </a:solidFill>
-          <a:ln w="9029" cap="flat">
-            <a:noFill/>
-            <a:prstDash val="solid"/>
-            <a:miter/>
-          </a:ln>
-        </p:spPr>
-        <p:txBody>
-          <a:bodyPr rtlCol="0" anchor="ctr"/>
-          <a:lstStyle/>
-          <a:p>
-            <a:endParaRPr lang="ja-JP" altLang="en-US"/>
-          </a:p>
-        </p:txBody>
-      </p:sp>
-      <p:cxnSp>
-        <p:nvCxnSpPr>
-          <p:cNvPr id="21" name="直線コネクタ 20">
-            <a:extLst>
-              <a:ext uri="{FF2B5EF4-FFF2-40B4-BE49-F238E27FC236}">
-                <a16:creationId xmlns:a16="http://schemas.microsoft.com/office/drawing/2014/main" id="{82088FB7-E56E-1562-DCC3-6BAF8276871B}"/>
-              </a:ext>
-            </a:extLst>
-          </p:cNvPr>
-          <p:cNvCxnSpPr>
-            <a:cxnSpLocks/>
-            <a:stCxn id="46" idx="12"/>
-            <a:endCxn id="43" idx="15"/>
-          </p:cNvCxnSpPr>
-          <p:nvPr/>
-        </p:nvCxnSpPr>
-        <p:spPr>
-          <a:xfrm flipV="1">
-            <a:off x="3560010" y="3263323"/>
-            <a:ext cx="568919" cy="1321248"/>
-          </a:xfrm>
-          <a:prstGeom prst="line">
-            <a:avLst/>
-          </a:prstGeom>
-          <a:ln w="15875" cap="rnd">
-            <a:solidFill>
-              <a:schemeClr val="tx2">
-                <a:lumMod val="75000"/>
-              </a:schemeClr>
-            </a:solidFill>
-            <a:prstDash val="dash"/>
-            <a:round/>
-          </a:ln>
-        </p:spPr>
-        <p:style>
-          <a:lnRef idx="1">
-            <a:schemeClr val="accent1"/>
-          </a:lnRef>
-          <a:fillRef idx="0">
-            <a:schemeClr val="accent1"/>
-          </a:fillRef>
-          <a:effectRef idx="0">
-            <a:schemeClr val="accent1"/>
-          </a:effectRef>
-          <a:fontRef idx="minor">
-            <a:schemeClr val="tx1"/>
-          </a:fontRef>
-        </p:style>
-      </p:cxnSp>
-      <p:cxnSp>
-        <p:nvCxnSpPr>
-          <p:cNvPr id="29" name="直線コネクタ 28">
-            <a:extLst>
-              <a:ext uri="{FF2B5EF4-FFF2-40B4-BE49-F238E27FC236}">
-                <a16:creationId xmlns:a16="http://schemas.microsoft.com/office/drawing/2014/main" id="{C51D818F-29A7-5E92-37DE-AFE04A76E553}"/>
-              </a:ext>
-            </a:extLst>
-          </p:cNvPr>
-          <p:cNvCxnSpPr>
-            <a:cxnSpLocks/>
-            <a:stCxn id="34" idx="12"/>
-            <a:endCxn id="43" idx="15"/>
-          </p:cNvCxnSpPr>
-          <p:nvPr/>
-        </p:nvCxnSpPr>
-        <p:spPr>
-          <a:xfrm flipH="1" flipV="1">
-            <a:off x="4128929" y="3263323"/>
-            <a:ext cx="2538346" cy="1321248"/>
-          </a:xfrm>
-          <a:prstGeom prst="line">
-            <a:avLst/>
-          </a:prstGeom>
-          <a:ln w="15875" cap="rnd">
-            <a:solidFill>
-              <a:schemeClr val="tx2">
-                <a:lumMod val="75000"/>
-              </a:schemeClr>
-            </a:solidFill>
-            <a:prstDash val="dash"/>
-            <a:round/>
-          </a:ln>
-        </p:spPr>
-        <p:style>
-          <a:lnRef idx="1">
-            <a:schemeClr val="accent1"/>
-          </a:lnRef>
-          <a:fillRef idx="0">
-            <a:schemeClr val="accent1"/>
-          </a:fillRef>
-          <a:effectRef idx="0">
-            <a:schemeClr val="accent1"/>
-          </a:effectRef>
-          <a:fontRef idx="minor">
-            <a:schemeClr val="tx1"/>
-          </a:fontRef>
-        </p:style>
-      </p:cxnSp>
-      <p:cxnSp>
-        <p:nvCxnSpPr>
-          <p:cNvPr id="48" name="直線コネクタ 47">
-            <a:extLst>
-              <a:ext uri="{FF2B5EF4-FFF2-40B4-BE49-F238E27FC236}">
-                <a16:creationId xmlns:a16="http://schemas.microsoft.com/office/drawing/2014/main" id="{257AF7C8-AC4D-976B-AAA3-8383D0F6B455}"/>
-              </a:ext>
-            </a:extLst>
-          </p:cNvPr>
-          <p:cNvCxnSpPr>
-            <a:cxnSpLocks/>
-            <a:stCxn id="52" idx="12"/>
-            <a:endCxn id="43" idx="15"/>
-          </p:cNvCxnSpPr>
-          <p:nvPr/>
-        </p:nvCxnSpPr>
-        <p:spPr>
-          <a:xfrm flipH="1" flipV="1">
-            <a:off x="4128929" y="3263323"/>
-            <a:ext cx="5645611" cy="1321248"/>
-          </a:xfrm>
-          <a:prstGeom prst="line">
-            <a:avLst/>
-          </a:prstGeom>
-          <a:ln w="15875" cap="rnd">
-            <a:solidFill>
-              <a:schemeClr val="tx2">
-                <a:lumMod val="75000"/>
-              </a:schemeClr>
-            </a:solidFill>
-            <a:prstDash val="dash"/>
-            <a:round/>
-          </a:ln>
-        </p:spPr>
-        <p:style>
-          <a:lnRef idx="1">
-            <a:schemeClr val="accent1"/>
-          </a:lnRef>
-          <a:fillRef idx="0">
-            <a:schemeClr val="accent1"/>
-          </a:fillRef>
-          <a:effectRef idx="0">
-            <a:schemeClr val="accent1"/>
-          </a:effectRef>
-          <a:fontRef idx="minor">
-            <a:schemeClr val="tx1"/>
-          </a:fontRef>
-        </p:style>
-      </p:cxnSp>
-      <p:sp>
-        <p:nvSpPr>
-          <p:cNvPr id="63" name="テキスト ボックス 62">
-            <a:extLst>
-              <a:ext uri="{FF2B5EF4-FFF2-40B4-BE49-F238E27FC236}">
-                <a16:creationId xmlns:a16="http://schemas.microsoft.com/office/drawing/2014/main" id="{1566F8E3-EFA6-A4DA-6916-97F9FD0DF746}"/>
-              </a:ext>
-            </a:extLst>
-          </p:cNvPr>
-          <p:cNvSpPr txBox="1"/>
-          <p:nvPr/>
-        </p:nvSpPr>
-        <p:spPr>
-          <a:xfrm>
-            <a:off x="3211059" y="3760386"/>
-            <a:ext cx="4196295" cy="369332"/>
-          </a:xfrm>
-          <a:prstGeom prst="rect">
-            <a:avLst/>
-          </a:prstGeom>
-          <a:solidFill>
-            <a:schemeClr val="bg1"/>
-          </a:solidFill>
-        </p:spPr>
-        <p:txBody>
-          <a:bodyPr wrap="square" rtlCol="0">
-            <a:spAutoFit/>
-          </a:bodyPr>
-          <a:lstStyle/>
-          <a:p>
-            <a:pPr algn="ctr"/>
-            <a:r>
-              <a:rPr kumimoji="1" lang="en-US" altLang="ja-JP" spc="300" dirty="0">
-                <a:solidFill>
-                  <a:schemeClr val="tx2">
-                    <a:lumMod val="75000"/>
-                  </a:schemeClr>
-                </a:solidFill>
-                <a:latin typeface="Bahnschrift" panose="020B0502040204020203" pitchFamily="34" charset="0"/>
-              </a:rPr>
-              <a:t>Wireless-Communication</a:t>
-            </a:r>
-            <a:endParaRPr kumimoji="1" lang="ja-JP" altLang="en-US" spc="300" dirty="0">
-              <a:solidFill>
-                <a:schemeClr val="tx2">
-                  <a:lumMod val="75000"/>
-                </a:schemeClr>
-              </a:solidFill>
-              <a:latin typeface="Bahnschrift" panose="020B0502040204020203" pitchFamily="34" charset="0"/>
-            </a:endParaRPr>
-          </a:p>
-        </p:txBody>
-      </p:sp>
-      <p:sp>
-        <p:nvSpPr>
           <p:cNvPr id="64" name="テキスト ボックス 63">
             <a:extLst>
               <a:ext uri="{FF2B5EF4-FFF2-40B4-BE49-F238E27FC236}">
@@ -23128,7 +21345,7 @@
         </p:nvSpPr>
         <p:spPr>
           <a:xfrm>
-            <a:off x="5979162" y="1636809"/>
+            <a:off x="1141420" y="1821034"/>
             <a:ext cx="1557162" cy="369332"/>
           </a:xfrm>
           <a:prstGeom prst="rect">
@@ -23152,7 +21369,7 @@
                 </a:solidFill>
                 <a:latin typeface="Bahnschrift" panose="020B0502040204020203" pitchFamily="34" charset="0"/>
               </a:rPr>
-              <a:t>Cloud</a:t>
+              <a:t>Rocket</a:t>
             </a:r>
             <a:endParaRPr kumimoji="1" lang="ja-JP" altLang="en-US" spc="300" dirty="0">
               <a:solidFill>
@@ -23162,366 +21379,6 @@
               </a:solidFill>
               <a:latin typeface="Bahnschrift" panose="020B0502040204020203" pitchFamily="34" charset="0"/>
             </a:endParaRPr>
-          </a:p>
-        </p:txBody>
-      </p:sp>
-      <p:sp>
-        <p:nvSpPr>
-          <p:cNvPr id="65" name="グラフィックス 9" descr="雲">
-            <a:extLst>
-              <a:ext uri="{FF2B5EF4-FFF2-40B4-BE49-F238E27FC236}">
-                <a16:creationId xmlns:a16="http://schemas.microsoft.com/office/drawing/2014/main" id="{DF1511FF-52BC-F657-21AF-147BA02DB9E9}"/>
-              </a:ext>
-            </a:extLst>
-          </p:cNvPr>
-          <p:cNvSpPr/>
-          <p:nvPr/>
-        </p:nvSpPr>
-        <p:spPr>
-          <a:xfrm>
-            <a:off x="5919899" y="2104280"/>
-            <a:ext cx="1674079" cy="953135"/>
-          </a:xfrm>
-          <a:custGeom>
-            <a:avLst/>
-            <a:gdLst>
-              <a:gd name="connsiteX0" fmla="*/ 1437709 w 1674079"/>
-              <a:gd name="connsiteY0" fmla="*/ 474435 h 953135"/>
-              <a:gd name="connsiteX1" fmla="*/ 1417846 w 1674079"/>
-              <a:gd name="connsiteY1" fmla="*/ 474435 h 953135"/>
-              <a:gd name="connsiteX2" fmla="*/ 1417846 w 1674079"/>
-              <a:gd name="connsiteY2" fmla="*/ 474435 h 953135"/>
-              <a:gd name="connsiteX3" fmla="*/ 1292708 w 1674079"/>
-              <a:gd name="connsiteY3" fmla="*/ 232104 h 953135"/>
-              <a:gd name="connsiteX4" fmla="*/ 1020584 w 1674079"/>
-              <a:gd name="connsiteY4" fmla="*/ 194365 h 953135"/>
-              <a:gd name="connsiteX5" fmla="*/ 619349 w 1674079"/>
-              <a:gd name="connsiteY5" fmla="*/ 9638 h 953135"/>
-              <a:gd name="connsiteX6" fmla="*/ 345238 w 1674079"/>
-              <a:gd name="connsiteY6" fmla="*/ 355256 h 953135"/>
-              <a:gd name="connsiteX7" fmla="*/ 345238 w 1674079"/>
-              <a:gd name="connsiteY7" fmla="*/ 359228 h 953135"/>
-              <a:gd name="connsiteX8" fmla="*/ 59209 w 1674079"/>
-              <a:gd name="connsiteY8" fmla="*/ 474435 h 953135"/>
-              <a:gd name="connsiteX9" fmla="*/ 27428 w 1674079"/>
-              <a:gd name="connsiteY9" fmla="*/ 780326 h 953135"/>
-              <a:gd name="connsiteX10" fmla="*/ 283662 w 1674079"/>
-              <a:gd name="connsiteY10" fmla="*/ 951149 h 953135"/>
-              <a:gd name="connsiteX11" fmla="*/ 283662 w 1674079"/>
-              <a:gd name="connsiteY11" fmla="*/ 953136 h 953135"/>
-              <a:gd name="connsiteX12" fmla="*/ 1435723 w 1674079"/>
-              <a:gd name="connsiteY12" fmla="*/ 953136 h 953135"/>
-              <a:gd name="connsiteX13" fmla="*/ 1674080 w 1674079"/>
-              <a:gd name="connsiteY13" fmla="*/ 714778 h 953135"/>
-              <a:gd name="connsiteX14" fmla="*/ 1437709 w 1674079"/>
-              <a:gd name="connsiteY14" fmla="*/ 474435 h 953135"/>
-            </a:gdLst>
-            <a:ahLst/>
-            <a:cxnLst>
-              <a:cxn ang="0">
-                <a:pos x="connsiteX0" y="connsiteY0"/>
-              </a:cxn>
-              <a:cxn ang="0">
-                <a:pos x="connsiteX1" y="connsiteY1"/>
-              </a:cxn>
-              <a:cxn ang="0">
-                <a:pos x="connsiteX2" y="connsiteY2"/>
-              </a:cxn>
-              <a:cxn ang="0">
-                <a:pos x="connsiteX3" y="connsiteY3"/>
-              </a:cxn>
-              <a:cxn ang="0">
-                <a:pos x="connsiteX4" y="connsiteY4"/>
-              </a:cxn>
-              <a:cxn ang="0">
-                <a:pos x="connsiteX5" y="connsiteY5"/>
-              </a:cxn>
-              <a:cxn ang="0">
-                <a:pos x="connsiteX6" y="connsiteY6"/>
-              </a:cxn>
-              <a:cxn ang="0">
-                <a:pos x="connsiteX7" y="connsiteY7"/>
-              </a:cxn>
-              <a:cxn ang="0">
-                <a:pos x="connsiteX8" y="connsiteY8"/>
-              </a:cxn>
-              <a:cxn ang="0">
-                <a:pos x="connsiteX9" y="connsiteY9"/>
-              </a:cxn>
-              <a:cxn ang="0">
-                <a:pos x="connsiteX10" y="connsiteY10"/>
-              </a:cxn>
-              <a:cxn ang="0">
-                <a:pos x="connsiteX11" y="connsiteY11"/>
-              </a:cxn>
-              <a:cxn ang="0">
-                <a:pos x="connsiteX12" y="connsiteY12"/>
-              </a:cxn>
-              <a:cxn ang="0">
-                <a:pos x="connsiteX13" y="connsiteY13"/>
-              </a:cxn>
-              <a:cxn ang="0">
-                <a:pos x="connsiteX14" y="connsiteY14"/>
-              </a:cxn>
-            </a:cxnLst>
-            <a:rect l="l" t="t" r="r" b="b"/>
-            <a:pathLst>
-              <a:path w="1674079" h="953135">
-                <a:moveTo>
-                  <a:pt x="1437709" y="474435"/>
-                </a:moveTo>
-                <a:cubicBezTo>
-                  <a:pt x="1431750" y="474435"/>
-                  <a:pt x="1423805" y="474435"/>
-                  <a:pt x="1417846" y="474435"/>
-                </a:cubicBezTo>
-                <a:cubicBezTo>
-                  <a:pt x="1417846" y="474435"/>
-                  <a:pt x="1417846" y="474435"/>
-                  <a:pt x="1417846" y="474435"/>
-                </a:cubicBezTo>
-                <a:cubicBezTo>
-                  <a:pt x="1417846" y="377105"/>
-                  <a:pt x="1370174" y="287721"/>
-                  <a:pt x="1292708" y="232104"/>
-                </a:cubicBezTo>
-                <a:cubicBezTo>
-                  <a:pt x="1213256" y="176488"/>
-                  <a:pt x="1111954" y="162584"/>
-                  <a:pt x="1020584" y="194365"/>
-                </a:cubicBezTo>
-                <a:cubicBezTo>
-                  <a:pt x="945104" y="47377"/>
-                  <a:pt x="778254" y="-28102"/>
-                  <a:pt x="619349" y="9638"/>
-                </a:cubicBezTo>
-                <a:cubicBezTo>
-                  <a:pt x="460444" y="47377"/>
-                  <a:pt x="345238" y="190392"/>
-                  <a:pt x="345238" y="355256"/>
-                </a:cubicBezTo>
-                <a:cubicBezTo>
-                  <a:pt x="345238" y="355256"/>
-                  <a:pt x="345238" y="357242"/>
-                  <a:pt x="345238" y="359228"/>
-                </a:cubicBezTo>
-                <a:cubicBezTo>
-                  <a:pt x="235990" y="341352"/>
-                  <a:pt x="126743" y="387037"/>
-                  <a:pt x="59209" y="474435"/>
-                </a:cubicBezTo>
-                <a:cubicBezTo>
-                  <a:pt x="-6340" y="563819"/>
-                  <a:pt x="-18257" y="681011"/>
-                  <a:pt x="27428" y="780326"/>
-                </a:cubicBezTo>
-                <a:cubicBezTo>
-                  <a:pt x="75099" y="879642"/>
-                  <a:pt x="174415" y="945190"/>
-                  <a:pt x="283662" y="951149"/>
-                </a:cubicBezTo>
-                <a:lnTo>
-                  <a:pt x="283662" y="953136"/>
-                </a:lnTo>
-                <a:lnTo>
-                  <a:pt x="1435723" y="953136"/>
-                </a:lnTo>
-                <a:cubicBezTo>
-                  <a:pt x="1566819" y="953136"/>
-                  <a:pt x="1674080" y="845875"/>
-                  <a:pt x="1674080" y="714778"/>
-                </a:cubicBezTo>
-                <a:cubicBezTo>
-                  <a:pt x="1674080" y="583682"/>
-                  <a:pt x="1568806" y="474435"/>
-                  <a:pt x="1437709" y="474435"/>
-                </a:cubicBezTo>
-                <a:close/>
-              </a:path>
-            </a:pathLst>
-          </a:custGeom>
-          <a:solidFill>
-            <a:schemeClr val="tx2">
-              <a:lumMod val="20000"/>
-              <a:lumOff val="80000"/>
-            </a:schemeClr>
-          </a:solidFill>
-          <a:ln w="19844" cap="flat">
-            <a:noFill/>
-            <a:prstDash val="solid"/>
-            <a:miter/>
-          </a:ln>
-        </p:spPr>
-        <p:txBody>
-          <a:bodyPr rtlCol="0" anchor="ctr"/>
-          <a:lstStyle/>
-          <a:p>
-            <a:endParaRPr lang="ja-JP" altLang="en-US"/>
-          </a:p>
-        </p:txBody>
-      </p:sp>
-      <p:sp>
-        <p:nvSpPr>
-          <p:cNvPr id="67" name="二等辺三角形 66">
-            <a:extLst>
-              <a:ext uri="{FF2B5EF4-FFF2-40B4-BE49-F238E27FC236}">
-                <a16:creationId xmlns:a16="http://schemas.microsoft.com/office/drawing/2014/main" id="{65C0F838-5594-5A4E-F6FE-48AA740546D2}"/>
-              </a:ext>
-            </a:extLst>
-          </p:cNvPr>
-          <p:cNvSpPr/>
-          <p:nvPr/>
-        </p:nvSpPr>
-        <p:spPr>
-          <a:xfrm rot="4500000">
-            <a:off x="5177338" y="2838941"/>
-            <a:ext cx="160309" cy="138197"/>
-          </a:xfrm>
-          <a:prstGeom prst="triangle">
-            <a:avLst/>
-          </a:prstGeom>
-          <a:solidFill>
-            <a:schemeClr val="tx2">
-              <a:lumMod val="20000"/>
-              <a:lumOff val="80000"/>
-            </a:schemeClr>
-          </a:solidFill>
-          <a:ln>
-            <a:noFill/>
-          </a:ln>
-        </p:spPr>
-        <p:style>
-          <a:lnRef idx="2">
-            <a:schemeClr val="accent1">
-              <a:shade val="15000"/>
-            </a:schemeClr>
-          </a:lnRef>
-          <a:fillRef idx="1">
-            <a:schemeClr val="accent1"/>
-          </a:fillRef>
-          <a:effectRef idx="0">
-            <a:schemeClr val="accent1"/>
-          </a:effectRef>
-          <a:fontRef idx="minor">
-            <a:schemeClr val="lt1"/>
-          </a:fontRef>
-        </p:style>
-        <p:txBody>
-          <a:bodyPr rtlCol="0" anchor="ctr"/>
-          <a:lstStyle/>
-          <a:p>
-            <a:pPr algn="ctr"/>
-            <a:endParaRPr kumimoji="1" lang="ja-JP" altLang="en-US"/>
-          </a:p>
-        </p:txBody>
-      </p:sp>
-      <p:sp>
-        <p:nvSpPr>
-          <p:cNvPr id="68" name="二等辺三角形 67">
-            <a:extLst>
-              <a:ext uri="{FF2B5EF4-FFF2-40B4-BE49-F238E27FC236}">
-                <a16:creationId xmlns:a16="http://schemas.microsoft.com/office/drawing/2014/main" id="{2F6AD23C-2F3B-FDDC-00F5-DD0C47A597AE}"/>
-              </a:ext>
-            </a:extLst>
-          </p:cNvPr>
-          <p:cNvSpPr/>
-          <p:nvPr/>
-        </p:nvSpPr>
-        <p:spPr>
-          <a:xfrm rot="4500000">
-            <a:off x="5412963" y="2776220"/>
-            <a:ext cx="160309" cy="138197"/>
-          </a:xfrm>
-          <a:prstGeom prst="triangle">
-            <a:avLst/>
-          </a:prstGeom>
-          <a:solidFill>
-            <a:schemeClr val="tx2">
-              <a:lumMod val="20000"/>
-              <a:lumOff val="80000"/>
-            </a:schemeClr>
-          </a:solidFill>
-          <a:ln>
-            <a:noFill/>
-          </a:ln>
-        </p:spPr>
-        <p:style>
-          <a:lnRef idx="2">
-            <a:schemeClr val="accent1">
-              <a:shade val="15000"/>
-            </a:schemeClr>
-          </a:lnRef>
-          <a:fillRef idx="1">
-            <a:schemeClr val="accent1"/>
-          </a:fillRef>
-          <a:effectRef idx="0">
-            <a:schemeClr val="accent1"/>
-          </a:effectRef>
-          <a:fontRef idx="minor">
-            <a:schemeClr val="lt1"/>
-          </a:fontRef>
-        </p:style>
-        <p:txBody>
-          <a:bodyPr rtlCol="0" anchor="ctr"/>
-          <a:lstStyle/>
-          <a:p>
-            <a:pPr algn="ctr"/>
-            <a:endParaRPr kumimoji="1" lang="ja-JP" altLang="en-US"/>
-          </a:p>
-        </p:txBody>
-      </p:sp>
-      <p:sp>
-        <p:nvSpPr>
-          <p:cNvPr id="69" name="二等辺三角形 68">
-            <a:extLst>
-              <a:ext uri="{FF2B5EF4-FFF2-40B4-BE49-F238E27FC236}">
-                <a16:creationId xmlns:a16="http://schemas.microsoft.com/office/drawing/2014/main" id="{7DC6FE4E-4973-7815-2E63-C012479BFDBC}"/>
-              </a:ext>
-            </a:extLst>
-          </p:cNvPr>
-          <p:cNvSpPr/>
-          <p:nvPr/>
-        </p:nvSpPr>
-        <p:spPr>
-          <a:xfrm rot="4500000">
-            <a:off x="4938337" y="2903396"/>
-            <a:ext cx="160309" cy="138197"/>
-          </a:xfrm>
-          <a:prstGeom prst="triangle">
-            <a:avLst/>
-          </a:prstGeom>
-          <a:solidFill>
-            <a:schemeClr val="tx2">
-              <a:lumMod val="20000"/>
-              <a:lumOff val="80000"/>
-            </a:schemeClr>
-          </a:solidFill>
-          <a:ln>
-            <a:noFill/>
-          </a:ln>
-        </p:spPr>
-        <p:style>
-          <a:lnRef idx="2">
-            <a:schemeClr val="accent1">
-              <a:shade val="15000"/>
-            </a:schemeClr>
-          </a:lnRef>
-          <a:fillRef idx="1">
-            <a:schemeClr val="accent1"/>
-          </a:fillRef>
-          <a:effectRef idx="0">
-            <a:schemeClr val="accent1"/>
-          </a:effectRef>
-          <a:fontRef idx="minor">
-            <a:schemeClr val="lt1"/>
-          </a:fontRef>
-        </p:style>
-        <p:txBody>
-          <a:bodyPr rtlCol="0" anchor="ctr"/>
-          <a:lstStyle/>
-          <a:p>
-            <a:pPr algn="ctr"/>
-            <a:endParaRPr kumimoji="1" lang="ja-JP" altLang="en-US"/>
           </a:p>
         </p:txBody>
       </p:sp>
@@ -24146,6 +22003,357 @@
           </a:p>
         </p:txBody>
       </p:sp>
+      <p:grpSp>
+        <p:nvGrpSpPr>
+          <p:cNvPr id="27" name="グループ化 26">
+            <a:extLst>
+              <a:ext uri="{FF2B5EF4-FFF2-40B4-BE49-F238E27FC236}">
+                <a16:creationId xmlns:a16="http://schemas.microsoft.com/office/drawing/2014/main" id="{ECB9B2E0-7D5B-4EC9-5DE8-481A67F8A54D}"/>
+              </a:ext>
+            </a:extLst>
+          </p:cNvPr>
+          <p:cNvGrpSpPr/>
+          <p:nvPr/>
+        </p:nvGrpSpPr>
+        <p:grpSpPr>
+          <a:xfrm rot="2700000">
+            <a:off x="1771743" y="1483514"/>
+            <a:ext cx="914400" cy="2951039"/>
+            <a:chOff x="834514" y="1542337"/>
+            <a:chExt cx="914400" cy="2951039"/>
+          </a:xfrm>
+        </p:grpSpPr>
+        <p:pic>
+          <p:nvPicPr>
+            <p:cNvPr id="14" name="グラフィックス 13" descr="ロケット">
+              <a:extLst>
+                <a:ext uri="{FF2B5EF4-FFF2-40B4-BE49-F238E27FC236}">
+                  <a16:creationId xmlns:a16="http://schemas.microsoft.com/office/drawing/2014/main" id="{BD1C4EF6-689C-307F-A018-DB8FB1D12BD5}"/>
+                </a:ext>
+              </a:extLst>
+            </p:cNvPr>
+            <p:cNvPicPr>
+              <a:picLocks noChangeAspect="1"/>
+            </p:cNvPicPr>
+            <p:nvPr/>
+          </p:nvPicPr>
+          <p:blipFill>
+            <a:blip r:embed="rId5">
+              <a:extLst>
+                <a:ext uri="{28A0092B-C50C-407E-A947-70E740481C1C}">
+                  <a14:useLocalDpi xmlns:a14="http://schemas.microsoft.com/office/drawing/2010/main" val="0"/>
+                </a:ext>
+                <a:ext uri="{96DAC541-7B7A-43D3-8B79-37D633B846F1}">
+                  <asvg:svgBlip xmlns:asvg="http://schemas.microsoft.com/office/drawing/2016/SVG/main" r:embed="rId6"/>
+                </a:ext>
+              </a:extLst>
+            </a:blip>
+            <a:stretch>
+              <a:fillRect/>
+            </a:stretch>
+          </p:blipFill>
+          <p:spPr>
+            <a:xfrm rot="18900000">
+              <a:off x="834514" y="1542337"/>
+              <a:ext cx="914400" cy="914400"/>
+            </a:xfrm>
+            <a:prstGeom prst="rect">
+              <a:avLst/>
+            </a:prstGeom>
+          </p:spPr>
+        </p:pic>
+        <p:grpSp>
+          <p:nvGrpSpPr>
+            <p:cNvPr id="26" name="グループ化 25">
+              <a:extLst>
+                <a:ext uri="{FF2B5EF4-FFF2-40B4-BE49-F238E27FC236}">
+                  <a16:creationId xmlns:a16="http://schemas.microsoft.com/office/drawing/2014/main" id="{741BC7AD-5CCB-BE95-9216-85B0857C4EB3}"/>
+                </a:ext>
+              </a:extLst>
+            </p:cNvPr>
+            <p:cNvGrpSpPr/>
+            <p:nvPr/>
+          </p:nvGrpSpPr>
+          <p:grpSpPr>
+            <a:xfrm>
+              <a:off x="1211561" y="2714671"/>
+              <a:ext cx="160310" cy="1778705"/>
+              <a:chOff x="1211561" y="2714671"/>
+              <a:chExt cx="160310" cy="1778705"/>
+            </a:xfrm>
+          </p:grpSpPr>
+          <p:sp>
+            <p:nvSpPr>
+              <p:cNvPr id="67" name="二等辺三角形 66">
+                <a:extLst>
+                  <a:ext uri="{FF2B5EF4-FFF2-40B4-BE49-F238E27FC236}">
+                    <a16:creationId xmlns:a16="http://schemas.microsoft.com/office/drawing/2014/main" id="{65C0F838-5594-5A4E-F6FE-48AA740546D2}"/>
+                  </a:ext>
+                </a:extLst>
+              </p:cNvPr>
+              <p:cNvSpPr/>
+              <p:nvPr/>
+            </p:nvSpPr>
+            <p:spPr>
+              <a:xfrm>
+                <a:off x="1211562" y="4355179"/>
+                <a:ext cx="160309" cy="138197"/>
+              </a:xfrm>
+              <a:prstGeom prst="triangle">
+                <a:avLst/>
+              </a:prstGeom>
+              <a:solidFill>
+                <a:schemeClr val="tx2">
+                  <a:lumMod val="75000"/>
+                </a:schemeClr>
+              </a:solidFill>
+              <a:ln>
+                <a:noFill/>
+              </a:ln>
+            </p:spPr>
+            <p:style>
+              <a:lnRef idx="2">
+                <a:schemeClr val="accent1">
+                  <a:shade val="15000"/>
+                </a:schemeClr>
+              </a:lnRef>
+              <a:fillRef idx="1">
+                <a:schemeClr val="accent1"/>
+              </a:fillRef>
+              <a:effectRef idx="0">
+                <a:schemeClr val="accent1"/>
+              </a:effectRef>
+              <a:fontRef idx="minor">
+                <a:schemeClr val="lt1"/>
+              </a:fontRef>
+            </p:style>
+            <p:txBody>
+              <a:bodyPr rtlCol="0" anchor="ctr"/>
+              <a:lstStyle/>
+              <a:p>
+                <a:pPr algn="ctr"/>
+                <a:endParaRPr kumimoji="1" lang="ja-JP" altLang="en-US"/>
+              </a:p>
+            </p:txBody>
+          </p:sp>
+          <p:sp>
+            <p:nvSpPr>
+              <p:cNvPr id="22" name="二等辺三角形 21">
+                <a:extLst>
+                  <a:ext uri="{FF2B5EF4-FFF2-40B4-BE49-F238E27FC236}">
+                    <a16:creationId xmlns:a16="http://schemas.microsoft.com/office/drawing/2014/main" id="{C286975D-0152-8711-C05C-C621FCBD3E10}"/>
+                  </a:ext>
+                </a:extLst>
+              </p:cNvPr>
+              <p:cNvSpPr/>
+              <p:nvPr/>
+            </p:nvSpPr>
+            <p:spPr>
+              <a:xfrm>
+                <a:off x="1211562" y="3945052"/>
+                <a:ext cx="160309" cy="138197"/>
+              </a:xfrm>
+              <a:prstGeom prst="triangle">
+                <a:avLst/>
+              </a:prstGeom>
+              <a:solidFill>
+                <a:schemeClr val="tx2">
+                  <a:lumMod val="75000"/>
+                </a:schemeClr>
+              </a:solidFill>
+              <a:ln>
+                <a:noFill/>
+              </a:ln>
+            </p:spPr>
+            <p:style>
+              <a:lnRef idx="2">
+                <a:schemeClr val="accent1">
+                  <a:shade val="15000"/>
+                </a:schemeClr>
+              </a:lnRef>
+              <a:fillRef idx="1">
+                <a:schemeClr val="accent1"/>
+              </a:fillRef>
+              <a:effectRef idx="0">
+                <a:schemeClr val="accent1"/>
+              </a:effectRef>
+              <a:fontRef idx="minor">
+                <a:schemeClr val="lt1"/>
+              </a:fontRef>
+            </p:style>
+            <p:txBody>
+              <a:bodyPr rtlCol="0" anchor="ctr"/>
+              <a:lstStyle/>
+              <a:p>
+                <a:pPr algn="ctr"/>
+                <a:endParaRPr kumimoji="1" lang="ja-JP" altLang="en-US"/>
+              </a:p>
+            </p:txBody>
+          </p:sp>
+          <p:sp>
+            <p:nvSpPr>
+              <p:cNvPr id="23" name="二等辺三角形 22">
+                <a:extLst>
+                  <a:ext uri="{FF2B5EF4-FFF2-40B4-BE49-F238E27FC236}">
+                    <a16:creationId xmlns:a16="http://schemas.microsoft.com/office/drawing/2014/main" id="{24E51224-2FDB-C10B-B9EA-D4FB9BA78D5B}"/>
+                  </a:ext>
+                </a:extLst>
+              </p:cNvPr>
+              <p:cNvSpPr/>
+              <p:nvPr/>
+            </p:nvSpPr>
+            <p:spPr>
+              <a:xfrm>
+                <a:off x="1211562" y="3534925"/>
+                <a:ext cx="160309" cy="138197"/>
+              </a:xfrm>
+              <a:prstGeom prst="triangle">
+                <a:avLst/>
+              </a:prstGeom>
+              <a:solidFill>
+                <a:schemeClr val="tx2">
+                  <a:lumMod val="75000"/>
+                </a:schemeClr>
+              </a:solidFill>
+              <a:ln>
+                <a:noFill/>
+              </a:ln>
+            </p:spPr>
+            <p:style>
+              <a:lnRef idx="2">
+                <a:schemeClr val="accent1">
+                  <a:shade val="15000"/>
+                </a:schemeClr>
+              </a:lnRef>
+              <a:fillRef idx="1">
+                <a:schemeClr val="accent1"/>
+              </a:fillRef>
+              <a:effectRef idx="0">
+                <a:schemeClr val="accent1"/>
+              </a:effectRef>
+              <a:fontRef idx="minor">
+                <a:schemeClr val="lt1"/>
+              </a:fontRef>
+            </p:style>
+            <p:txBody>
+              <a:bodyPr rtlCol="0" anchor="ctr"/>
+              <a:lstStyle/>
+              <a:p>
+                <a:pPr algn="ctr"/>
+                <a:endParaRPr kumimoji="1" lang="ja-JP" altLang="en-US"/>
+              </a:p>
+            </p:txBody>
+          </p:sp>
+          <p:sp>
+            <p:nvSpPr>
+              <p:cNvPr id="24" name="二等辺三角形 23">
+                <a:extLst>
+                  <a:ext uri="{FF2B5EF4-FFF2-40B4-BE49-F238E27FC236}">
+                    <a16:creationId xmlns:a16="http://schemas.microsoft.com/office/drawing/2014/main" id="{84387F73-0601-4A23-8CE2-39AB991336E1}"/>
+                  </a:ext>
+                </a:extLst>
+              </p:cNvPr>
+              <p:cNvSpPr/>
+              <p:nvPr/>
+            </p:nvSpPr>
+            <p:spPr>
+              <a:xfrm>
+                <a:off x="1211562" y="3124798"/>
+                <a:ext cx="160309" cy="138197"/>
+              </a:xfrm>
+              <a:prstGeom prst="triangle">
+                <a:avLst/>
+              </a:prstGeom>
+              <a:solidFill>
+                <a:schemeClr val="tx2">
+                  <a:lumMod val="75000"/>
+                </a:schemeClr>
+              </a:solidFill>
+              <a:ln>
+                <a:noFill/>
+              </a:ln>
+            </p:spPr>
+            <p:style>
+              <a:lnRef idx="2">
+                <a:schemeClr val="accent1">
+                  <a:shade val="15000"/>
+                </a:schemeClr>
+              </a:lnRef>
+              <a:fillRef idx="1">
+                <a:schemeClr val="accent1"/>
+              </a:fillRef>
+              <a:effectRef idx="0">
+                <a:schemeClr val="accent1"/>
+              </a:effectRef>
+              <a:fontRef idx="minor">
+                <a:schemeClr val="lt1"/>
+              </a:fontRef>
+            </p:style>
+            <p:txBody>
+              <a:bodyPr rtlCol="0" anchor="ctr"/>
+              <a:lstStyle/>
+              <a:p>
+                <a:pPr algn="ctr"/>
+                <a:endParaRPr kumimoji="1" lang="ja-JP" altLang="en-US" dirty="0"/>
+              </a:p>
+            </p:txBody>
+          </p:sp>
+          <p:sp>
+            <p:nvSpPr>
+              <p:cNvPr id="25" name="二等辺三角形 24">
+                <a:extLst>
+                  <a:ext uri="{FF2B5EF4-FFF2-40B4-BE49-F238E27FC236}">
+                    <a16:creationId xmlns:a16="http://schemas.microsoft.com/office/drawing/2014/main" id="{42676CAE-5149-F0BC-6925-FC9703DC4EAF}"/>
+                  </a:ext>
+                </a:extLst>
+              </p:cNvPr>
+              <p:cNvSpPr/>
+              <p:nvPr/>
+            </p:nvSpPr>
+            <p:spPr>
+              <a:xfrm>
+                <a:off x="1211561" y="2714671"/>
+                <a:ext cx="160309" cy="138197"/>
+              </a:xfrm>
+              <a:prstGeom prst="triangle">
+                <a:avLst/>
+              </a:prstGeom>
+              <a:solidFill>
+                <a:schemeClr val="tx2">
+                  <a:lumMod val="75000"/>
+                </a:schemeClr>
+              </a:solidFill>
+              <a:ln>
+                <a:noFill/>
+              </a:ln>
+            </p:spPr>
+            <p:style>
+              <a:lnRef idx="2">
+                <a:schemeClr val="accent1">
+                  <a:shade val="15000"/>
+                </a:schemeClr>
+              </a:lnRef>
+              <a:fillRef idx="1">
+                <a:schemeClr val="accent1"/>
+              </a:fillRef>
+              <a:effectRef idx="0">
+                <a:schemeClr val="accent1"/>
+              </a:effectRef>
+              <a:fontRef idx="minor">
+                <a:schemeClr val="lt1"/>
+              </a:fontRef>
+            </p:style>
+            <p:txBody>
+              <a:bodyPr rtlCol="0" anchor="ctr"/>
+              <a:lstStyle/>
+              <a:p>
+                <a:pPr algn="ctr"/>
+                <a:endParaRPr kumimoji="1" lang="ja-JP" altLang="en-US"/>
+              </a:p>
+            </p:txBody>
+          </p:sp>
+        </p:grpSp>
+      </p:grpSp>
     </p:spTree>
     <p:extLst>
       <p:ext uri="{BB962C8B-B14F-4D97-AF65-F5344CB8AC3E}">

--- a/プレゼン/桐蔭-事後プレゼン.pptx
+++ b/プレゼン/桐蔭-事後プレゼン.pptx
@@ -5,7 +5,7 @@
     <p:sldMasterId id="2147483648" r:id="rId1"/>
   </p:sldMasterIdLst>
   <p:notesMasterIdLst>
-    <p:notesMasterId r:id="rId15"/>
+    <p:notesMasterId r:id="rId14"/>
   </p:notesMasterIdLst>
   <p:sldIdLst>
     <p:sldId id="256" r:id="rId2"/>
@@ -15,12 +15,11 @@
     <p:sldId id="261" r:id="rId6"/>
     <p:sldId id="272" r:id="rId7"/>
     <p:sldId id="273" r:id="rId8"/>
-    <p:sldId id="267" r:id="rId9"/>
-    <p:sldId id="263" r:id="rId10"/>
-    <p:sldId id="268" r:id="rId11"/>
-    <p:sldId id="262" r:id="rId12"/>
-    <p:sldId id="269" r:id="rId13"/>
-    <p:sldId id="270" r:id="rId14"/>
+    <p:sldId id="274" r:id="rId9"/>
+    <p:sldId id="267" r:id="rId10"/>
+    <p:sldId id="263" r:id="rId11"/>
+    <p:sldId id="268" r:id="rId12"/>
+    <p:sldId id="262" r:id="rId13"/>
   </p:sldIdLst>
   <p:sldSz cx="12192000" cy="6858000"/>
   <p:notesSz cx="6858000" cy="9144000"/>
@@ -135,12 +134,11 @@
             <p14:sldId id="261"/>
             <p14:sldId id="272"/>
             <p14:sldId id="273"/>
+            <p14:sldId id="274"/>
             <p14:sldId id="267"/>
             <p14:sldId id="263"/>
             <p14:sldId id="268"/>
             <p14:sldId id="262"/>
-            <p14:sldId id="269"/>
-            <p14:sldId id="270"/>
           </p14:sldIdLst>
         </p14:section>
       </p14:sectionLst>
@@ -234,7 +232,7 @@
           <a:p>
             <a:fld id="{223799DF-96B8-43D8-8A6B-52C1AB8BB99E}" type="datetimeFigureOut">
               <a:rPr kumimoji="1" lang="ja-JP" altLang="en-US" smtClean="0"/>
-              <a:t>2024/6/15</a:t>
+              <a:t>2024/7/13</a:t>
             </a:fld>
             <a:endParaRPr kumimoji="1" lang="ja-JP" altLang="en-US"/>
           </a:p>
@@ -680,7 +678,7 @@
           <a:p>
             <a:fld id="{243F4D90-253E-4FCE-A533-D855872F4E83}" type="datetimeFigureOut">
               <a:rPr kumimoji="1" lang="ja-JP" altLang="en-US" smtClean="0"/>
-              <a:t>2024/6/15</a:t>
+              <a:t>2024/7/13</a:t>
             </a:fld>
             <a:endParaRPr kumimoji="1" lang="ja-JP" altLang="en-US"/>
           </a:p>
@@ -922,7 +920,7 @@
           <a:p>
             <a:fld id="{243F4D90-253E-4FCE-A533-D855872F4E83}" type="datetimeFigureOut">
               <a:rPr kumimoji="1" lang="ja-JP" altLang="en-US" smtClean="0"/>
-              <a:t>2024/6/15</a:t>
+              <a:t>2024/7/13</a:t>
             </a:fld>
             <a:endParaRPr kumimoji="1" lang="ja-JP" altLang="en-US"/>
           </a:p>
@@ -1174,7 +1172,7 @@
           <a:p>
             <a:fld id="{243F4D90-253E-4FCE-A533-D855872F4E83}" type="datetimeFigureOut">
               <a:rPr kumimoji="1" lang="ja-JP" altLang="en-US" smtClean="0"/>
-              <a:t>2024/6/15</a:t>
+              <a:t>2024/7/13</a:t>
             </a:fld>
             <a:endParaRPr kumimoji="1" lang="ja-JP" altLang="en-US"/>
           </a:p>
@@ -1416,7 +1414,7 @@
           <a:p>
             <a:fld id="{243F4D90-253E-4FCE-A533-D855872F4E83}" type="datetimeFigureOut">
               <a:rPr kumimoji="1" lang="ja-JP" altLang="en-US" smtClean="0"/>
-              <a:t>2024/6/15</a:t>
+              <a:t>2024/7/13</a:t>
             </a:fld>
             <a:endParaRPr kumimoji="1" lang="ja-JP" altLang="en-US"/>
           </a:p>
@@ -1703,7 +1701,7 @@
           <a:p>
             <a:fld id="{243F4D90-253E-4FCE-A533-D855872F4E83}" type="datetimeFigureOut">
               <a:rPr kumimoji="1" lang="ja-JP" altLang="en-US" smtClean="0"/>
-              <a:t>2024/6/15</a:t>
+              <a:t>2024/7/13</a:t>
             </a:fld>
             <a:endParaRPr kumimoji="1" lang="ja-JP" altLang="en-US"/>
           </a:p>
@@ -2044,7 +2042,7 @@
           <a:p>
             <a:fld id="{243F4D90-253E-4FCE-A533-D855872F4E83}" type="datetimeFigureOut">
               <a:rPr kumimoji="1" lang="ja-JP" altLang="en-US" smtClean="0"/>
-              <a:t>2024/6/15</a:t>
+              <a:t>2024/7/13</a:t>
             </a:fld>
             <a:endParaRPr kumimoji="1" lang="ja-JP" altLang="en-US"/>
           </a:p>
@@ -2532,7 +2530,7 @@
           <a:p>
             <a:fld id="{243F4D90-253E-4FCE-A533-D855872F4E83}" type="datetimeFigureOut">
               <a:rPr kumimoji="1" lang="ja-JP" altLang="en-US" smtClean="0"/>
-              <a:t>2024/6/15</a:t>
+              <a:t>2024/7/13</a:t>
             </a:fld>
             <a:endParaRPr kumimoji="1" lang="ja-JP" altLang="en-US"/>
           </a:p>
@@ -2685,7 +2683,7 @@
           <a:p>
             <a:fld id="{243F4D90-253E-4FCE-A533-D855872F4E83}" type="datetimeFigureOut">
               <a:rPr kumimoji="1" lang="ja-JP" altLang="en-US" smtClean="0"/>
-              <a:t>2024/6/15</a:t>
+              <a:t>2024/7/13</a:t>
             </a:fld>
             <a:endParaRPr kumimoji="1" lang="ja-JP" altLang="en-US"/>
           </a:p>
@@ -2810,7 +2808,7 @@
           <a:p>
             <a:fld id="{243F4D90-253E-4FCE-A533-D855872F4E83}" type="datetimeFigureOut">
               <a:rPr kumimoji="1" lang="ja-JP" altLang="en-US" smtClean="0"/>
-              <a:t>2024/6/15</a:t>
+              <a:t>2024/7/13</a:t>
             </a:fld>
             <a:endParaRPr kumimoji="1" lang="ja-JP" altLang="en-US"/>
           </a:p>
@@ -3165,7 +3163,7 @@
           <a:p>
             <a:fld id="{243F4D90-253E-4FCE-A533-D855872F4E83}" type="datetimeFigureOut">
               <a:rPr kumimoji="1" lang="ja-JP" altLang="en-US" smtClean="0"/>
-              <a:t>2024/6/15</a:t>
+              <a:t>2024/7/13</a:t>
             </a:fld>
             <a:endParaRPr kumimoji="1" lang="ja-JP" altLang="en-US"/>
           </a:p>
@@ -3465,7 +3463,7 @@
           <a:p>
             <a:fld id="{243F4D90-253E-4FCE-A533-D855872F4E83}" type="datetimeFigureOut">
               <a:rPr kumimoji="1" lang="ja-JP" altLang="en-US" smtClean="0"/>
-              <a:t>2024/6/15</a:t>
+              <a:t>2024/7/13</a:t>
             </a:fld>
             <a:endParaRPr kumimoji="1" lang="ja-JP" altLang="en-US"/>
           </a:p>
@@ -3750,7 +3748,7 @@
           <a:p>
             <a:fld id="{243F4D90-253E-4FCE-A533-D855872F4E83}" type="datetimeFigureOut">
               <a:rPr kumimoji="1" lang="ja-JP" altLang="en-US" smtClean="0"/>
-              <a:t>2024/6/15</a:t>
+              <a:t>2024/7/13</a:t>
             </a:fld>
             <a:endParaRPr kumimoji="1" lang="ja-JP" altLang="en-US"/>
           </a:p>
@@ -4699,6 +4697,1188 @@
           <a:chExt cx="0" cy="0"/>
         </a:xfrm>
       </p:grpSpPr>
+      <p:pic>
+        <p:nvPicPr>
+          <p:cNvPr id="12" name="グラフィックス 11" descr="男の人">
+            <a:extLst>
+              <a:ext uri="{FF2B5EF4-FFF2-40B4-BE49-F238E27FC236}">
+                <a16:creationId xmlns:a16="http://schemas.microsoft.com/office/drawing/2014/main" id="{F7DDC222-B467-E05D-763B-871494F987B1}"/>
+              </a:ext>
+            </a:extLst>
+          </p:cNvPr>
+          <p:cNvPicPr>
+            <a:picLocks noChangeAspect="1"/>
+          </p:cNvPicPr>
+          <p:nvPr/>
+        </p:nvPicPr>
+        <p:blipFill>
+          <a:blip r:embed="rId2">
+            <a:extLst>
+              <a:ext uri="{28A0092B-C50C-407E-A947-70E740481C1C}">
+                <a14:useLocalDpi xmlns:a14="http://schemas.microsoft.com/office/drawing/2010/main" val="0"/>
+              </a:ext>
+              <a:ext uri="{96DAC541-7B7A-43D3-8B79-37D633B846F1}">
+                <asvg:svgBlip xmlns:asvg="http://schemas.microsoft.com/office/drawing/2016/SVG/main" r:embed="rId3"/>
+              </a:ext>
+            </a:extLst>
+          </a:blip>
+          <a:stretch>
+            <a:fillRect/>
+          </a:stretch>
+        </p:blipFill>
+        <p:spPr>
+          <a:xfrm>
+            <a:off x="1980429" y="4384268"/>
+            <a:ext cx="1255059" cy="1255059"/>
+          </a:xfrm>
+          <a:prstGeom prst="rect">
+            <a:avLst/>
+          </a:prstGeom>
+        </p:spPr>
+      </p:pic>
+      <p:pic>
+        <p:nvPicPr>
+          <p:cNvPr id="11" name="グラフィックス 10" descr="男の人">
+            <a:extLst>
+              <a:ext uri="{FF2B5EF4-FFF2-40B4-BE49-F238E27FC236}">
+                <a16:creationId xmlns:a16="http://schemas.microsoft.com/office/drawing/2014/main" id="{E5928167-7A76-B9A8-3D1A-81B1E5025BA3}"/>
+              </a:ext>
+            </a:extLst>
+          </p:cNvPr>
+          <p:cNvPicPr>
+            <a:picLocks noChangeAspect="1"/>
+          </p:cNvPicPr>
+          <p:nvPr/>
+        </p:nvPicPr>
+        <p:blipFill>
+          <a:blip r:embed="rId2">
+            <a:extLst>
+              <a:ext uri="{28A0092B-C50C-407E-A947-70E740481C1C}">
+                <a14:useLocalDpi xmlns:a14="http://schemas.microsoft.com/office/drawing/2010/main" val="0"/>
+              </a:ext>
+              <a:ext uri="{96DAC541-7B7A-43D3-8B79-37D633B846F1}">
+                <asvg:svgBlip xmlns:asvg="http://schemas.microsoft.com/office/drawing/2016/SVG/main" r:embed="rId3"/>
+              </a:ext>
+            </a:extLst>
+          </a:blip>
+          <a:stretch>
+            <a:fillRect/>
+          </a:stretch>
+        </p:blipFill>
+        <p:spPr>
+          <a:xfrm>
+            <a:off x="5087694" y="4384267"/>
+            <a:ext cx="1255059" cy="1255059"/>
+          </a:xfrm>
+          <a:prstGeom prst="rect">
+            <a:avLst/>
+          </a:prstGeom>
+        </p:spPr>
+      </p:pic>
+      <p:pic>
+        <p:nvPicPr>
+          <p:cNvPr id="6" name="グラフィックス 5" descr="男の人">
+            <a:extLst>
+              <a:ext uri="{FF2B5EF4-FFF2-40B4-BE49-F238E27FC236}">
+                <a16:creationId xmlns:a16="http://schemas.microsoft.com/office/drawing/2014/main" id="{12A9F86C-3214-86FF-C17C-D38191120B5A}"/>
+              </a:ext>
+            </a:extLst>
+          </p:cNvPr>
+          <p:cNvPicPr>
+            <a:picLocks noChangeAspect="1"/>
+          </p:cNvPicPr>
+          <p:nvPr/>
+        </p:nvPicPr>
+        <p:blipFill>
+          <a:blip r:embed="rId2">
+            <a:extLst>
+              <a:ext uri="{28A0092B-C50C-407E-A947-70E740481C1C}">
+                <a14:useLocalDpi xmlns:a14="http://schemas.microsoft.com/office/drawing/2010/main" val="0"/>
+              </a:ext>
+              <a:ext uri="{96DAC541-7B7A-43D3-8B79-37D633B846F1}">
+                <asvg:svgBlip xmlns:asvg="http://schemas.microsoft.com/office/drawing/2016/SVG/main" r:embed="rId4"/>
+              </a:ext>
+            </a:extLst>
+          </a:blip>
+          <a:stretch>
+            <a:fillRect/>
+          </a:stretch>
+        </p:blipFill>
+        <p:spPr>
+          <a:xfrm>
+            <a:off x="8194959" y="4384267"/>
+            <a:ext cx="1255059" cy="1255059"/>
+          </a:xfrm>
+          <a:prstGeom prst="rect">
+            <a:avLst/>
+          </a:prstGeom>
+        </p:spPr>
+      </p:pic>
+      <p:sp>
+        <p:nvSpPr>
+          <p:cNvPr id="64" name="テキスト ボックス 63">
+            <a:extLst>
+              <a:ext uri="{FF2B5EF4-FFF2-40B4-BE49-F238E27FC236}">
+                <a16:creationId xmlns:a16="http://schemas.microsoft.com/office/drawing/2014/main" id="{892CC80B-0DC1-A36C-4A43-A9FF8EAEBCB6}"/>
+              </a:ext>
+            </a:extLst>
+          </p:cNvPr>
+          <p:cNvSpPr txBox="1"/>
+          <p:nvPr/>
+        </p:nvSpPr>
+        <p:spPr>
+          <a:xfrm>
+            <a:off x="1141420" y="1821034"/>
+            <a:ext cx="1557162" cy="369332"/>
+          </a:xfrm>
+          <a:prstGeom prst="rect">
+            <a:avLst/>
+          </a:prstGeom>
+          <a:noFill/>
+        </p:spPr>
+        <p:txBody>
+          <a:bodyPr wrap="square" rtlCol="0">
+            <a:spAutoFit/>
+          </a:bodyPr>
+          <a:lstStyle/>
+          <a:p>
+            <a:pPr algn="ctr"/>
+            <a:r>
+              <a:rPr kumimoji="1" lang="en-US" altLang="ja-JP" spc="300" dirty="0">
+                <a:solidFill>
+                  <a:schemeClr val="tx2">
+                    <a:lumMod val="75000"/>
+                  </a:schemeClr>
+                </a:solidFill>
+                <a:latin typeface="Bahnschrift" panose="020B0502040204020203" pitchFamily="34" charset="0"/>
+              </a:rPr>
+              <a:t>Rocket</a:t>
+            </a:r>
+            <a:endParaRPr kumimoji="1" lang="ja-JP" altLang="en-US" spc="300" dirty="0">
+              <a:solidFill>
+                <a:schemeClr val="tx2">
+                  <a:lumMod val="75000"/>
+                </a:schemeClr>
+              </a:solidFill>
+              <a:latin typeface="Bahnschrift" panose="020B0502040204020203" pitchFamily="34" charset="0"/>
+            </a:endParaRPr>
+          </a:p>
+        </p:txBody>
+      </p:sp>
+      <p:sp>
+        <p:nvSpPr>
+          <p:cNvPr id="2" name="テキスト ボックス 1">
+            <a:extLst>
+              <a:ext uri="{FF2B5EF4-FFF2-40B4-BE49-F238E27FC236}">
+                <a16:creationId xmlns:a16="http://schemas.microsoft.com/office/drawing/2014/main" id="{252E7F5C-4DDB-833E-9A45-847AAB1CDC88}"/>
+              </a:ext>
+            </a:extLst>
+          </p:cNvPr>
+          <p:cNvSpPr txBox="1"/>
+          <p:nvPr/>
+        </p:nvSpPr>
+        <p:spPr>
+          <a:xfrm>
+            <a:off x="1829377" y="5736210"/>
+            <a:ext cx="1557162" cy="369332"/>
+          </a:xfrm>
+          <a:prstGeom prst="rect">
+            <a:avLst/>
+          </a:prstGeom>
+          <a:noFill/>
+        </p:spPr>
+        <p:txBody>
+          <a:bodyPr wrap="square" rtlCol="0">
+            <a:spAutoFit/>
+          </a:bodyPr>
+          <a:lstStyle/>
+          <a:p>
+            <a:pPr algn="ctr"/>
+            <a:r>
+              <a:rPr kumimoji="1" lang="en-US" altLang="ja-JP" spc="300" dirty="0">
+                <a:solidFill>
+                  <a:schemeClr val="tx2">
+                    <a:lumMod val="75000"/>
+                  </a:schemeClr>
+                </a:solidFill>
+                <a:latin typeface="Bahnschrift" panose="020B0502040204020203" pitchFamily="34" charset="0"/>
+              </a:rPr>
+              <a:t>Victim</a:t>
+            </a:r>
+            <a:endParaRPr kumimoji="1" lang="ja-JP" altLang="en-US" spc="300" dirty="0">
+              <a:solidFill>
+                <a:schemeClr val="tx2">
+                  <a:lumMod val="75000"/>
+                </a:schemeClr>
+              </a:solidFill>
+              <a:latin typeface="Bahnschrift" panose="020B0502040204020203" pitchFamily="34" charset="0"/>
+            </a:endParaRPr>
+          </a:p>
+        </p:txBody>
+      </p:sp>
+      <p:sp>
+        <p:nvSpPr>
+          <p:cNvPr id="3" name="テキスト ボックス 2">
+            <a:extLst>
+              <a:ext uri="{FF2B5EF4-FFF2-40B4-BE49-F238E27FC236}">
+                <a16:creationId xmlns:a16="http://schemas.microsoft.com/office/drawing/2014/main" id="{7BFE9C9A-B47E-05D2-4F69-B4D93C409755}"/>
+              </a:ext>
+            </a:extLst>
+          </p:cNvPr>
+          <p:cNvSpPr txBox="1"/>
+          <p:nvPr/>
+        </p:nvSpPr>
+        <p:spPr>
+          <a:xfrm>
+            <a:off x="4936642" y="5736210"/>
+            <a:ext cx="1557162" cy="369332"/>
+          </a:xfrm>
+          <a:prstGeom prst="rect">
+            <a:avLst/>
+          </a:prstGeom>
+          <a:noFill/>
+        </p:spPr>
+        <p:txBody>
+          <a:bodyPr wrap="square" rtlCol="0">
+            <a:spAutoFit/>
+          </a:bodyPr>
+          <a:lstStyle/>
+          <a:p>
+            <a:pPr algn="ctr"/>
+            <a:r>
+              <a:rPr kumimoji="1" lang="en-US" altLang="ja-JP" spc="300" dirty="0">
+                <a:solidFill>
+                  <a:schemeClr val="tx2">
+                    <a:lumMod val="75000"/>
+                  </a:schemeClr>
+                </a:solidFill>
+                <a:latin typeface="Bahnschrift" panose="020B0502040204020203" pitchFamily="34" charset="0"/>
+              </a:rPr>
+              <a:t>Victim</a:t>
+            </a:r>
+            <a:endParaRPr kumimoji="1" lang="ja-JP" altLang="en-US" spc="300" dirty="0">
+              <a:solidFill>
+                <a:schemeClr val="tx2">
+                  <a:lumMod val="75000"/>
+                </a:schemeClr>
+              </a:solidFill>
+              <a:latin typeface="Bahnschrift" panose="020B0502040204020203" pitchFamily="34" charset="0"/>
+            </a:endParaRPr>
+          </a:p>
+        </p:txBody>
+      </p:sp>
+      <p:sp>
+        <p:nvSpPr>
+          <p:cNvPr id="4" name="テキスト ボックス 3">
+            <a:extLst>
+              <a:ext uri="{FF2B5EF4-FFF2-40B4-BE49-F238E27FC236}">
+                <a16:creationId xmlns:a16="http://schemas.microsoft.com/office/drawing/2014/main" id="{6381F757-A3CF-084E-F187-1B9000B4EF8C}"/>
+              </a:ext>
+            </a:extLst>
+          </p:cNvPr>
+          <p:cNvSpPr txBox="1"/>
+          <p:nvPr/>
+        </p:nvSpPr>
+        <p:spPr>
+          <a:xfrm>
+            <a:off x="8043907" y="5736210"/>
+            <a:ext cx="1557162" cy="369332"/>
+          </a:xfrm>
+          <a:prstGeom prst="rect">
+            <a:avLst/>
+          </a:prstGeom>
+          <a:noFill/>
+        </p:spPr>
+        <p:txBody>
+          <a:bodyPr wrap="square" rtlCol="0">
+            <a:spAutoFit/>
+          </a:bodyPr>
+          <a:lstStyle/>
+          <a:p>
+            <a:pPr algn="ctr"/>
+            <a:r>
+              <a:rPr kumimoji="1" lang="en-US" altLang="ja-JP" spc="300" dirty="0">
+                <a:solidFill>
+                  <a:schemeClr val="tx2">
+                    <a:lumMod val="75000"/>
+                  </a:schemeClr>
+                </a:solidFill>
+                <a:latin typeface="Bahnschrift" panose="020B0502040204020203" pitchFamily="34" charset="0"/>
+              </a:rPr>
+              <a:t>Victim</a:t>
+            </a:r>
+            <a:endParaRPr kumimoji="1" lang="ja-JP" altLang="en-US" spc="300" dirty="0">
+              <a:solidFill>
+                <a:schemeClr val="tx2">
+                  <a:lumMod val="75000"/>
+                </a:schemeClr>
+              </a:solidFill>
+              <a:latin typeface="Bahnschrift" panose="020B0502040204020203" pitchFamily="34" charset="0"/>
+            </a:endParaRPr>
+          </a:p>
+        </p:txBody>
+      </p:sp>
+      <p:sp>
+        <p:nvSpPr>
+          <p:cNvPr id="5" name="フリーフォーム: 図形 4">
+            <a:extLst>
+              <a:ext uri="{FF2B5EF4-FFF2-40B4-BE49-F238E27FC236}">
+                <a16:creationId xmlns:a16="http://schemas.microsoft.com/office/drawing/2014/main" id="{A96D8D4A-2400-B668-492F-2AAED27992A3}"/>
+              </a:ext>
+            </a:extLst>
+          </p:cNvPr>
+          <p:cNvSpPr>
+            <a:spLocks noChangeAspect="1"/>
+          </p:cNvSpPr>
+          <p:nvPr/>
+        </p:nvSpPr>
+        <p:spPr>
+          <a:xfrm rot="2700000">
+            <a:off x="407477" y="654160"/>
+            <a:ext cx="282486" cy="282486"/>
+          </a:xfrm>
+          <a:custGeom>
+            <a:avLst/>
+            <a:gdLst>
+              <a:gd name="connsiteX0" fmla="*/ 0 w 1278000"/>
+              <a:gd name="connsiteY0" fmla="*/ 0 h 1278000"/>
+              <a:gd name="connsiteX1" fmla="*/ 1278000 w 1278000"/>
+              <a:gd name="connsiteY1" fmla="*/ 0 h 1278000"/>
+              <a:gd name="connsiteX2" fmla="*/ 1278000 w 1278000"/>
+              <a:gd name="connsiteY2" fmla="*/ 1278000 h 1278000"/>
+              <a:gd name="connsiteX3" fmla="*/ 1035184 w 1278000"/>
+              <a:gd name="connsiteY3" fmla="*/ 1278000 h 1278000"/>
+              <a:gd name="connsiteX4" fmla="*/ 1035184 w 1278000"/>
+              <a:gd name="connsiteY4" fmla="*/ 242816 h 1278000"/>
+              <a:gd name="connsiteX5" fmla="*/ 0 w 1278000"/>
+              <a:gd name="connsiteY5" fmla="*/ 242816 h 1278000"/>
+            </a:gdLst>
+            <a:ahLst/>
+            <a:cxnLst>
+              <a:cxn ang="0">
+                <a:pos x="connsiteX0" y="connsiteY0"/>
+              </a:cxn>
+              <a:cxn ang="0">
+                <a:pos x="connsiteX1" y="connsiteY1"/>
+              </a:cxn>
+              <a:cxn ang="0">
+                <a:pos x="connsiteX2" y="connsiteY2"/>
+              </a:cxn>
+              <a:cxn ang="0">
+                <a:pos x="connsiteX3" y="connsiteY3"/>
+              </a:cxn>
+              <a:cxn ang="0">
+                <a:pos x="connsiteX4" y="connsiteY4"/>
+              </a:cxn>
+              <a:cxn ang="0">
+                <a:pos x="connsiteX5" y="connsiteY5"/>
+              </a:cxn>
+            </a:cxnLst>
+            <a:rect l="l" t="t" r="r" b="b"/>
+            <a:pathLst>
+              <a:path w="1278000" h="1278000">
+                <a:moveTo>
+                  <a:pt x="0" y="0"/>
+                </a:moveTo>
+                <a:lnTo>
+                  <a:pt x="1278000" y="0"/>
+                </a:lnTo>
+                <a:lnTo>
+                  <a:pt x="1278000" y="1278000"/>
+                </a:lnTo>
+                <a:lnTo>
+                  <a:pt x="1035184" y="1278000"/>
+                </a:lnTo>
+                <a:lnTo>
+                  <a:pt x="1035184" y="242816"/>
+                </a:lnTo>
+                <a:lnTo>
+                  <a:pt x="0" y="242816"/>
+                </a:lnTo>
+                <a:close/>
+              </a:path>
+            </a:pathLst>
+          </a:custGeom>
+          <a:solidFill>
+            <a:schemeClr val="tx2">
+              <a:lumMod val="60000"/>
+              <a:lumOff val="40000"/>
+            </a:schemeClr>
+          </a:solidFill>
+          <a:ln w="25400">
+            <a:noFill/>
+          </a:ln>
+        </p:spPr>
+        <p:style>
+          <a:lnRef idx="2">
+            <a:schemeClr val="accent1">
+              <a:shade val="50000"/>
+            </a:schemeClr>
+          </a:lnRef>
+          <a:fillRef idx="1">
+            <a:schemeClr val="accent1"/>
+          </a:fillRef>
+          <a:effectRef idx="0">
+            <a:schemeClr val="accent1"/>
+          </a:effectRef>
+          <a:fontRef idx="minor">
+            <a:schemeClr val="lt1"/>
+          </a:fontRef>
+        </p:style>
+        <p:txBody>
+          <a:bodyPr wrap="square" rtlCol="0" anchor="ctr">
+            <a:noAutofit/>
+          </a:bodyPr>
+          <a:lstStyle/>
+          <a:p>
+            <a:pPr algn="ctr"/>
+            <a:endParaRPr kumimoji="1" lang="ja-JP" altLang="en-US">
+              <a:solidFill>
+                <a:schemeClr val="tx2">
+                  <a:lumMod val="75000"/>
+                </a:schemeClr>
+              </a:solidFill>
+            </a:endParaRPr>
+          </a:p>
+        </p:txBody>
+      </p:sp>
+      <p:sp>
+        <p:nvSpPr>
+          <p:cNvPr id="7" name="フリーフォーム: 図形 6">
+            <a:extLst>
+              <a:ext uri="{FF2B5EF4-FFF2-40B4-BE49-F238E27FC236}">
+                <a16:creationId xmlns:a16="http://schemas.microsoft.com/office/drawing/2014/main" id="{ACD6712D-793A-3C01-181C-8AB172AF6005}"/>
+              </a:ext>
+            </a:extLst>
+          </p:cNvPr>
+          <p:cNvSpPr>
+            <a:spLocks noChangeAspect="1"/>
+          </p:cNvSpPr>
+          <p:nvPr/>
+        </p:nvSpPr>
+        <p:spPr>
+          <a:xfrm rot="2700000">
+            <a:off x="692723" y="654160"/>
+            <a:ext cx="282486" cy="282486"/>
+          </a:xfrm>
+          <a:custGeom>
+            <a:avLst/>
+            <a:gdLst>
+              <a:gd name="connsiteX0" fmla="*/ 0 w 1278000"/>
+              <a:gd name="connsiteY0" fmla="*/ 0 h 1278000"/>
+              <a:gd name="connsiteX1" fmla="*/ 1278000 w 1278000"/>
+              <a:gd name="connsiteY1" fmla="*/ 0 h 1278000"/>
+              <a:gd name="connsiteX2" fmla="*/ 1278000 w 1278000"/>
+              <a:gd name="connsiteY2" fmla="*/ 1278000 h 1278000"/>
+              <a:gd name="connsiteX3" fmla="*/ 1035184 w 1278000"/>
+              <a:gd name="connsiteY3" fmla="*/ 1278000 h 1278000"/>
+              <a:gd name="connsiteX4" fmla="*/ 1035184 w 1278000"/>
+              <a:gd name="connsiteY4" fmla="*/ 242816 h 1278000"/>
+              <a:gd name="connsiteX5" fmla="*/ 0 w 1278000"/>
+              <a:gd name="connsiteY5" fmla="*/ 242816 h 1278000"/>
+            </a:gdLst>
+            <a:ahLst/>
+            <a:cxnLst>
+              <a:cxn ang="0">
+                <a:pos x="connsiteX0" y="connsiteY0"/>
+              </a:cxn>
+              <a:cxn ang="0">
+                <a:pos x="connsiteX1" y="connsiteY1"/>
+              </a:cxn>
+              <a:cxn ang="0">
+                <a:pos x="connsiteX2" y="connsiteY2"/>
+              </a:cxn>
+              <a:cxn ang="0">
+                <a:pos x="connsiteX3" y="connsiteY3"/>
+              </a:cxn>
+              <a:cxn ang="0">
+                <a:pos x="connsiteX4" y="connsiteY4"/>
+              </a:cxn>
+              <a:cxn ang="0">
+                <a:pos x="connsiteX5" y="connsiteY5"/>
+              </a:cxn>
+            </a:cxnLst>
+            <a:rect l="l" t="t" r="r" b="b"/>
+            <a:pathLst>
+              <a:path w="1278000" h="1278000">
+                <a:moveTo>
+                  <a:pt x="0" y="0"/>
+                </a:moveTo>
+                <a:lnTo>
+                  <a:pt x="1278000" y="0"/>
+                </a:lnTo>
+                <a:lnTo>
+                  <a:pt x="1278000" y="1278000"/>
+                </a:lnTo>
+                <a:lnTo>
+                  <a:pt x="1035184" y="1278000"/>
+                </a:lnTo>
+                <a:lnTo>
+                  <a:pt x="1035184" y="242816"/>
+                </a:lnTo>
+                <a:lnTo>
+                  <a:pt x="0" y="242816"/>
+                </a:lnTo>
+                <a:close/>
+              </a:path>
+            </a:pathLst>
+          </a:custGeom>
+          <a:solidFill>
+            <a:schemeClr val="tx2">
+              <a:lumMod val="60000"/>
+              <a:lumOff val="40000"/>
+            </a:schemeClr>
+          </a:solidFill>
+          <a:ln w="25400">
+            <a:noFill/>
+          </a:ln>
+        </p:spPr>
+        <p:style>
+          <a:lnRef idx="2">
+            <a:schemeClr val="accent1">
+              <a:shade val="50000"/>
+            </a:schemeClr>
+          </a:lnRef>
+          <a:fillRef idx="1">
+            <a:schemeClr val="accent1"/>
+          </a:fillRef>
+          <a:effectRef idx="0">
+            <a:schemeClr val="accent1"/>
+          </a:effectRef>
+          <a:fontRef idx="minor">
+            <a:schemeClr val="lt1"/>
+          </a:fontRef>
+        </p:style>
+        <p:txBody>
+          <a:bodyPr wrap="square" rtlCol="0" anchor="ctr">
+            <a:noAutofit/>
+          </a:bodyPr>
+          <a:lstStyle/>
+          <a:p>
+            <a:pPr algn="ctr"/>
+            <a:endParaRPr kumimoji="1" lang="ja-JP" altLang="en-US">
+              <a:solidFill>
+                <a:schemeClr val="tx2">
+                  <a:lumMod val="75000"/>
+                </a:schemeClr>
+              </a:solidFill>
+            </a:endParaRPr>
+          </a:p>
+        </p:txBody>
+      </p:sp>
+      <p:sp>
+        <p:nvSpPr>
+          <p:cNvPr id="8" name="フリーフォーム: 図形 7">
+            <a:extLst>
+              <a:ext uri="{FF2B5EF4-FFF2-40B4-BE49-F238E27FC236}">
+                <a16:creationId xmlns:a16="http://schemas.microsoft.com/office/drawing/2014/main" id="{16E5A4EA-5C2F-ABFF-06FC-97E780A01126}"/>
+              </a:ext>
+            </a:extLst>
+          </p:cNvPr>
+          <p:cNvSpPr>
+            <a:spLocks noChangeAspect="1"/>
+          </p:cNvSpPr>
+          <p:nvPr/>
+        </p:nvSpPr>
+        <p:spPr>
+          <a:xfrm rot="2700000">
+            <a:off x="977968" y="654160"/>
+            <a:ext cx="282486" cy="282486"/>
+          </a:xfrm>
+          <a:custGeom>
+            <a:avLst/>
+            <a:gdLst>
+              <a:gd name="connsiteX0" fmla="*/ 0 w 1278000"/>
+              <a:gd name="connsiteY0" fmla="*/ 0 h 1278000"/>
+              <a:gd name="connsiteX1" fmla="*/ 1278000 w 1278000"/>
+              <a:gd name="connsiteY1" fmla="*/ 0 h 1278000"/>
+              <a:gd name="connsiteX2" fmla="*/ 1278000 w 1278000"/>
+              <a:gd name="connsiteY2" fmla="*/ 1278000 h 1278000"/>
+              <a:gd name="connsiteX3" fmla="*/ 1035184 w 1278000"/>
+              <a:gd name="connsiteY3" fmla="*/ 1278000 h 1278000"/>
+              <a:gd name="connsiteX4" fmla="*/ 1035184 w 1278000"/>
+              <a:gd name="connsiteY4" fmla="*/ 242816 h 1278000"/>
+              <a:gd name="connsiteX5" fmla="*/ 0 w 1278000"/>
+              <a:gd name="connsiteY5" fmla="*/ 242816 h 1278000"/>
+            </a:gdLst>
+            <a:ahLst/>
+            <a:cxnLst>
+              <a:cxn ang="0">
+                <a:pos x="connsiteX0" y="connsiteY0"/>
+              </a:cxn>
+              <a:cxn ang="0">
+                <a:pos x="connsiteX1" y="connsiteY1"/>
+              </a:cxn>
+              <a:cxn ang="0">
+                <a:pos x="connsiteX2" y="connsiteY2"/>
+              </a:cxn>
+              <a:cxn ang="0">
+                <a:pos x="connsiteX3" y="connsiteY3"/>
+              </a:cxn>
+              <a:cxn ang="0">
+                <a:pos x="connsiteX4" y="connsiteY4"/>
+              </a:cxn>
+              <a:cxn ang="0">
+                <a:pos x="connsiteX5" y="connsiteY5"/>
+              </a:cxn>
+            </a:cxnLst>
+            <a:rect l="l" t="t" r="r" b="b"/>
+            <a:pathLst>
+              <a:path w="1278000" h="1278000">
+                <a:moveTo>
+                  <a:pt x="0" y="0"/>
+                </a:moveTo>
+                <a:lnTo>
+                  <a:pt x="1278000" y="0"/>
+                </a:lnTo>
+                <a:lnTo>
+                  <a:pt x="1278000" y="1278000"/>
+                </a:lnTo>
+                <a:lnTo>
+                  <a:pt x="1035184" y="1278000"/>
+                </a:lnTo>
+                <a:lnTo>
+                  <a:pt x="1035184" y="242816"/>
+                </a:lnTo>
+                <a:lnTo>
+                  <a:pt x="0" y="242816"/>
+                </a:lnTo>
+                <a:close/>
+              </a:path>
+            </a:pathLst>
+          </a:custGeom>
+          <a:solidFill>
+            <a:schemeClr val="tx2">
+              <a:lumMod val="60000"/>
+              <a:lumOff val="40000"/>
+            </a:schemeClr>
+          </a:solidFill>
+          <a:ln w="25400">
+            <a:noFill/>
+          </a:ln>
+        </p:spPr>
+        <p:style>
+          <a:lnRef idx="2">
+            <a:schemeClr val="accent1">
+              <a:shade val="50000"/>
+            </a:schemeClr>
+          </a:lnRef>
+          <a:fillRef idx="1">
+            <a:schemeClr val="accent1"/>
+          </a:fillRef>
+          <a:effectRef idx="0">
+            <a:schemeClr val="accent1"/>
+          </a:effectRef>
+          <a:fontRef idx="minor">
+            <a:schemeClr val="lt1"/>
+          </a:fontRef>
+        </p:style>
+        <p:txBody>
+          <a:bodyPr wrap="square" rtlCol="0" anchor="ctr">
+            <a:noAutofit/>
+          </a:bodyPr>
+          <a:lstStyle/>
+          <a:p>
+            <a:pPr algn="ctr"/>
+            <a:endParaRPr kumimoji="1" lang="ja-JP" altLang="en-US">
+              <a:solidFill>
+                <a:schemeClr val="tx2">
+                  <a:lumMod val="75000"/>
+                </a:schemeClr>
+              </a:solidFill>
+            </a:endParaRPr>
+          </a:p>
+        </p:txBody>
+      </p:sp>
+      <p:sp>
+        <p:nvSpPr>
+          <p:cNvPr id="10" name="正方形/長方形 9">
+            <a:extLst>
+              <a:ext uri="{FF2B5EF4-FFF2-40B4-BE49-F238E27FC236}">
+                <a16:creationId xmlns:a16="http://schemas.microsoft.com/office/drawing/2014/main" id="{B801156B-108A-535D-59E9-7CBCB1A0AD13}"/>
+              </a:ext>
+            </a:extLst>
+          </p:cNvPr>
+          <p:cNvSpPr/>
+          <p:nvPr/>
+        </p:nvSpPr>
+        <p:spPr>
+          <a:xfrm>
+            <a:off x="1489954" y="921367"/>
+            <a:ext cx="3005951" cy="276999"/>
+          </a:xfrm>
+          <a:prstGeom prst="rect">
+            <a:avLst/>
+          </a:prstGeom>
+        </p:spPr>
+        <p:txBody>
+          <a:bodyPr wrap="none">
+            <a:spAutoFit/>
+          </a:bodyPr>
+          <a:lstStyle/>
+          <a:p>
+            <a:r>
+              <a:rPr lang="en-US" altLang="ja-JP" sz="1200" spc="500" dirty="0">
+                <a:solidFill>
+                  <a:schemeClr val="tx2">
+                    <a:lumMod val="75000"/>
+                  </a:schemeClr>
+                </a:solidFill>
+                <a:latin typeface="Bahnschrift" panose="020B0502040204020203" pitchFamily="34" charset="0"/>
+                <a:ea typeface="Lato Black" panose="020F0502020204030203" pitchFamily="34" charset="0"/>
+                <a:cs typeface="Lato Black" panose="020F0502020204030203" pitchFamily="34" charset="0"/>
+              </a:rPr>
+              <a:t>Outline | Distribution</a:t>
+            </a:r>
+            <a:endParaRPr lang="ja-JP" altLang="en-US" sz="1200" spc="500" dirty="0">
+              <a:solidFill>
+                <a:schemeClr val="tx2">
+                  <a:lumMod val="75000"/>
+                </a:schemeClr>
+              </a:solidFill>
+              <a:latin typeface="Bahnschrift" panose="020B0502040204020203" pitchFamily="34" charset="0"/>
+              <a:ea typeface="Lato Black" panose="020F0502020204030203" pitchFamily="34" charset="0"/>
+              <a:cs typeface="Lato Black" panose="020F0502020204030203" pitchFamily="34" charset="0"/>
+            </a:endParaRPr>
+          </a:p>
+        </p:txBody>
+      </p:sp>
+      <p:sp>
+        <p:nvSpPr>
+          <p:cNvPr id="13" name="正方形/長方形 12">
+            <a:extLst>
+              <a:ext uri="{FF2B5EF4-FFF2-40B4-BE49-F238E27FC236}">
+                <a16:creationId xmlns:a16="http://schemas.microsoft.com/office/drawing/2014/main" id="{36E40967-9C6D-DD9B-8C3B-3B572E2382BF}"/>
+              </a:ext>
+            </a:extLst>
+          </p:cNvPr>
+          <p:cNvSpPr/>
+          <p:nvPr/>
+        </p:nvSpPr>
+        <p:spPr>
+          <a:xfrm>
+            <a:off x="1489954" y="459702"/>
+            <a:ext cx="4055919" cy="461665"/>
+          </a:xfrm>
+          <a:prstGeom prst="rect">
+            <a:avLst/>
+          </a:prstGeom>
+        </p:spPr>
+        <p:txBody>
+          <a:bodyPr wrap="none">
+            <a:spAutoFit/>
+          </a:bodyPr>
+          <a:lstStyle/>
+          <a:p>
+            <a:r>
+              <a:rPr lang="ja-JP" altLang="en-US" sz="2400" b="1" spc="500" dirty="0">
+                <a:solidFill>
+                  <a:schemeClr val="tx2">
+                    <a:lumMod val="75000"/>
+                  </a:schemeClr>
+                </a:solidFill>
+                <a:latin typeface="游ゴシック" panose="020B0400000000000000" pitchFamily="50" charset="-128"/>
+                <a:ea typeface="游ゴシック" panose="020B0400000000000000" pitchFamily="50" charset="-128"/>
+                <a:cs typeface="Lato Black" panose="020F0502020204030203" pitchFamily="34" charset="0"/>
+              </a:rPr>
+              <a:t>概要 「散布」について</a:t>
+            </a:r>
+          </a:p>
+        </p:txBody>
+      </p:sp>
+      <p:grpSp>
+        <p:nvGrpSpPr>
+          <p:cNvPr id="27" name="グループ化 26">
+            <a:extLst>
+              <a:ext uri="{FF2B5EF4-FFF2-40B4-BE49-F238E27FC236}">
+                <a16:creationId xmlns:a16="http://schemas.microsoft.com/office/drawing/2014/main" id="{ECB9B2E0-7D5B-4EC9-5DE8-481A67F8A54D}"/>
+              </a:ext>
+            </a:extLst>
+          </p:cNvPr>
+          <p:cNvGrpSpPr/>
+          <p:nvPr/>
+        </p:nvGrpSpPr>
+        <p:grpSpPr>
+          <a:xfrm rot="2700000">
+            <a:off x="1771743" y="1483514"/>
+            <a:ext cx="914400" cy="2951039"/>
+            <a:chOff x="834514" y="1542337"/>
+            <a:chExt cx="914400" cy="2951039"/>
+          </a:xfrm>
+        </p:grpSpPr>
+        <p:pic>
+          <p:nvPicPr>
+            <p:cNvPr id="14" name="グラフィックス 13" descr="ロケット">
+              <a:extLst>
+                <a:ext uri="{FF2B5EF4-FFF2-40B4-BE49-F238E27FC236}">
+                  <a16:creationId xmlns:a16="http://schemas.microsoft.com/office/drawing/2014/main" id="{BD1C4EF6-689C-307F-A018-DB8FB1D12BD5}"/>
+                </a:ext>
+              </a:extLst>
+            </p:cNvPr>
+            <p:cNvPicPr>
+              <a:picLocks noChangeAspect="1"/>
+            </p:cNvPicPr>
+            <p:nvPr/>
+          </p:nvPicPr>
+          <p:blipFill>
+            <a:blip r:embed="rId5">
+              <a:extLst>
+                <a:ext uri="{28A0092B-C50C-407E-A947-70E740481C1C}">
+                  <a14:useLocalDpi xmlns:a14="http://schemas.microsoft.com/office/drawing/2010/main" val="0"/>
+                </a:ext>
+                <a:ext uri="{96DAC541-7B7A-43D3-8B79-37D633B846F1}">
+                  <asvg:svgBlip xmlns:asvg="http://schemas.microsoft.com/office/drawing/2016/SVG/main" r:embed="rId6"/>
+                </a:ext>
+              </a:extLst>
+            </a:blip>
+            <a:stretch>
+              <a:fillRect/>
+            </a:stretch>
+          </p:blipFill>
+          <p:spPr>
+            <a:xfrm rot="18900000">
+              <a:off x="834514" y="1542337"/>
+              <a:ext cx="914400" cy="914400"/>
+            </a:xfrm>
+            <a:prstGeom prst="rect">
+              <a:avLst/>
+            </a:prstGeom>
+          </p:spPr>
+        </p:pic>
+        <p:grpSp>
+          <p:nvGrpSpPr>
+            <p:cNvPr id="26" name="グループ化 25">
+              <a:extLst>
+                <a:ext uri="{FF2B5EF4-FFF2-40B4-BE49-F238E27FC236}">
+                  <a16:creationId xmlns:a16="http://schemas.microsoft.com/office/drawing/2014/main" id="{741BC7AD-5CCB-BE95-9216-85B0857C4EB3}"/>
+                </a:ext>
+              </a:extLst>
+            </p:cNvPr>
+            <p:cNvGrpSpPr/>
+            <p:nvPr/>
+          </p:nvGrpSpPr>
+          <p:grpSpPr>
+            <a:xfrm>
+              <a:off x="1211561" y="2714671"/>
+              <a:ext cx="160310" cy="1778705"/>
+              <a:chOff x="1211561" y="2714671"/>
+              <a:chExt cx="160310" cy="1778705"/>
+            </a:xfrm>
+          </p:grpSpPr>
+          <p:sp>
+            <p:nvSpPr>
+              <p:cNvPr id="67" name="二等辺三角形 66">
+                <a:extLst>
+                  <a:ext uri="{FF2B5EF4-FFF2-40B4-BE49-F238E27FC236}">
+                    <a16:creationId xmlns:a16="http://schemas.microsoft.com/office/drawing/2014/main" id="{65C0F838-5594-5A4E-F6FE-48AA740546D2}"/>
+                  </a:ext>
+                </a:extLst>
+              </p:cNvPr>
+              <p:cNvSpPr/>
+              <p:nvPr/>
+            </p:nvSpPr>
+            <p:spPr>
+              <a:xfrm>
+                <a:off x="1211562" y="4355179"/>
+                <a:ext cx="160309" cy="138197"/>
+              </a:xfrm>
+              <a:prstGeom prst="triangle">
+                <a:avLst/>
+              </a:prstGeom>
+              <a:solidFill>
+                <a:schemeClr val="tx2">
+                  <a:lumMod val="75000"/>
+                </a:schemeClr>
+              </a:solidFill>
+              <a:ln>
+                <a:noFill/>
+              </a:ln>
+            </p:spPr>
+            <p:style>
+              <a:lnRef idx="2">
+                <a:schemeClr val="accent1">
+                  <a:shade val="15000"/>
+                </a:schemeClr>
+              </a:lnRef>
+              <a:fillRef idx="1">
+                <a:schemeClr val="accent1"/>
+              </a:fillRef>
+              <a:effectRef idx="0">
+                <a:schemeClr val="accent1"/>
+              </a:effectRef>
+              <a:fontRef idx="minor">
+                <a:schemeClr val="lt1"/>
+              </a:fontRef>
+            </p:style>
+            <p:txBody>
+              <a:bodyPr rtlCol="0" anchor="ctr"/>
+              <a:lstStyle/>
+              <a:p>
+                <a:pPr algn="ctr"/>
+                <a:endParaRPr kumimoji="1" lang="ja-JP" altLang="en-US"/>
+              </a:p>
+            </p:txBody>
+          </p:sp>
+          <p:sp>
+            <p:nvSpPr>
+              <p:cNvPr id="22" name="二等辺三角形 21">
+                <a:extLst>
+                  <a:ext uri="{FF2B5EF4-FFF2-40B4-BE49-F238E27FC236}">
+                    <a16:creationId xmlns:a16="http://schemas.microsoft.com/office/drawing/2014/main" id="{C286975D-0152-8711-C05C-C621FCBD3E10}"/>
+                  </a:ext>
+                </a:extLst>
+              </p:cNvPr>
+              <p:cNvSpPr/>
+              <p:nvPr/>
+            </p:nvSpPr>
+            <p:spPr>
+              <a:xfrm>
+                <a:off x="1211562" y="3945052"/>
+                <a:ext cx="160309" cy="138197"/>
+              </a:xfrm>
+              <a:prstGeom prst="triangle">
+                <a:avLst/>
+              </a:prstGeom>
+              <a:solidFill>
+                <a:schemeClr val="tx2">
+                  <a:lumMod val="75000"/>
+                </a:schemeClr>
+              </a:solidFill>
+              <a:ln>
+                <a:noFill/>
+              </a:ln>
+            </p:spPr>
+            <p:style>
+              <a:lnRef idx="2">
+                <a:schemeClr val="accent1">
+                  <a:shade val="15000"/>
+                </a:schemeClr>
+              </a:lnRef>
+              <a:fillRef idx="1">
+                <a:schemeClr val="accent1"/>
+              </a:fillRef>
+              <a:effectRef idx="0">
+                <a:schemeClr val="accent1"/>
+              </a:effectRef>
+              <a:fontRef idx="minor">
+                <a:schemeClr val="lt1"/>
+              </a:fontRef>
+            </p:style>
+            <p:txBody>
+              <a:bodyPr rtlCol="0" anchor="ctr"/>
+              <a:lstStyle/>
+              <a:p>
+                <a:pPr algn="ctr"/>
+                <a:endParaRPr kumimoji="1" lang="ja-JP" altLang="en-US"/>
+              </a:p>
+            </p:txBody>
+          </p:sp>
+          <p:sp>
+            <p:nvSpPr>
+              <p:cNvPr id="23" name="二等辺三角形 22">
+                <a:extLst>
+                  <a:ext uri="{FF2B5EF4-FFF2-40B4-BE49-F238E27FC236}">
+                    <a16:creationId xmlns:a16="http://schemas.microsoft.com/office/drawing/2014/main" id="{24E51224-2FDB-C10B-B9EA-D4FB9BA78D5B}"/>
+                  </a:ext>
+                </a:extLst>
+              </p:cNvPr>
+              <p:cNvSpPr/>
+              <p:nvPr/>
+            </p:nvSpPr>
+            <p:spPr>
+              <a:xfrm>
+                <a:off x="1211562" y="3534925"/>
+                <a:ext cx="160309" cy="138197"/>
+              </a:xfrm>
+              <a:prstGeom prst="triangle">
+                <a:avLst/>
+              </a:prstGeom>
+              <a:solidFill>
+                <a:schemeClr val="tx2">
+                  <a:lumMod val="75000"/>
+                </a:schemeClr>
+              </a:solidFill>
+              <a:ln>
+                <a:noFill/>
+              </a:ln>
+            </p:spPr>
+            <p:style>
+              <a:lnRef idx="2">
+                <a:schemeClr val="accent1">
+                  <a:shade val="15000"/>
+                </a:schemeClr>
+              </a:lnRef>
+              <a:fillRef idx="1">
+                <a:schemeClr val="accent1"/>
+              </a:fillRef>
+              <a:effectRef idx="0">
+                <a:schemeClr val="accent1"/>
+              </a:effectRef>
+              <a:fontRef idx="minor">
+                <a:schemeClr val="lt1"/>
+              </a:fontRef>
+            </p:style>
+            <p:txBody>
+              <a:bodyPr rtlCol="0" anchor="ctr"/>
+              <a:lstStyle/>
+              <a:p>
+                <a:pPr algn="ctr"/>
+                <a:endParaRPr kumimoji="1" lang="ja-JP" altLang="en-US"/>
+              </a:p>
+            </p:txBody>
+          </p:sp>
+          <p:sp>
+            <p:nvSpPr>
+              <p:cNvPr id="24" name="二等辺三角形 23">
+                <a:extLst>
+                  <a:ext uri="{FF2B5EF4-FFF2-40B4-BE49-F238E27FC236}">
+                    <a16:creationId xmlns:a16="http://schemas.microsoft.com/office/drawing/2014/main" id="{84387F73-0601-4A23-8CE2-39AB991336E1}"/>
+                  </a:ext>
+                </a:extLst>
+              </p:cNvPr>
+              <p:cNvSpPr/>
+              <p:nvPr/>
+            </p:nvSpPr>
+            <p:spPr>
+              <a:xfrm>
+                <a:off x="1211562" y="3124798"/>
+                <a:ext cx="160309" cy="138197"/>
+              </a:xfrm>
+              <a:prstGeom prst="triangle">
+                <a:avLst/>
+              </a:prstGeom>
+              <a:solidFill>
+                <a:schemeClr val="tx2">
+                  <a:lumMod val="75000"/>
+                </a:schemeClr>
+              </a:solidFill>
+              <a:ln>
+                <a:noFill/>
+              </a:ln>
+            </p:spPr>
+            <p:style>
+              <a:lnRef idx="2">
+                <a:schemeClr val="accent1">
+                  <a:shade val="15000"/>
+                </a:schemeClr>
+              </a:lnRef>
+              <a:fillRef idx="1">
+                <a:schemeClr val="accent1"/>
+              </a:fillRef>
+              <a:effectRef idx="0">
+                <a:schemeClr val="accent1"/>
+              </a:effectRef>
+              <a:fontRef idx="minor">
+                <a:schemeClr val="lt1"/>
+              </a:fontRef>
+            </p:style>
+            <p:txBody>
+              <a:bodyPr rtlCol="0" anchor="ctr"/>
+              <a:lstStyle/>
+              <a:p>
+                <a:pPr algn="ctr"/>
+                <a:endParaRPr kumimoji="1" lang="ja-JP" altLang="en-US" dirty="0"/>
+              </a:p>
+            </p:txBody>
+          </p:sp>
+          <p:sp>
+            <p:nvSpPr>
+              <p:cNvPr id="25" name="二等辺三角形 24">
+                <a:extLst>
+                  <a:ext uri="{FF2B5EF4-FFF2-40B4-BE49-F238E27FC236}">
+                    <a16:creationId xmlns:a16="http://schemas.microsoft.com/office/drawing/2014/main" id="{42676CAE-5149-F0BC-6925-FC9703DC4EAF}"/>
+                  </a:ext>
+                </a:extLst>
+              </p:cNvPr>
+              <p:cNvSpPr/>
+              <p:nvPr/>
+            </p:nvSpPr>
+            <p:spPr>
+              <a:xfrm>
+                <a:off x="1211561" y="2714671"/>
+                <a:ext cx="160309" cy="138197"/>
+              </a:xfrm>
+              <a:prstGeom prst="triangle">
+                <a:avLst/>
+              </a:prstGeom>
+              <a:solidFill>
+                <a:schemeClr val="tx2">
+                  <a:lumMod val="75000"/>
+                </a:schemeClr>
+              </a:solidFill>
+              <a:ln>
+                <a:noFill/>
+              </a:ln>
+            </p:spPr>
+            <p:style>
+              <a:lnRef idx="2">
+                <a:schemeClr val="accent1">
+                  <a:shade val="15000"/>
+                </a:schemeClr>
+              </a:lnRef>
+              <a:fillRef idx="1">
+                <a:schemeClr val="accent1"/>
+              </a:fillRef>
+              <a:effectRef idx="0">
+                <a:schemeClr val="accent1"/>
+              </a:effectRef>
+              <a:fontRef idx="minor">
+                <a:schemeClr val="lt1"/>
+              </a:fontRef>
+            </p:style>
+            <p:txBody>
+              <a:bodyPr rtlCol="0" anchor="ctr"/>
+              <a:lstStyle/>
+              <a:p>
+                <a:pPr algn="ctr"/>
+                <a:endParaRPr kumimoji="1" lang="ja-JP" altLang="en-US"/>
+              </a:p>
+            </p:txBody>
+          </p:sp>
+        </p:grpSp>
+      </p:grpSp>
+    </p:spTree>
+    <p:extLst>
+      <p:ext uri="{BB962C8B-B14F-4D97-AF65-F5344CB8AC3E}">
+        <p14:creationId xmlns:p14="http://schemas.microsoft.com/office/powerpoint/2010/main" val="176038824"/>
+      </p:ext>
+    </p:extLst>
+  </p:cSld>
+  <p:clrMapOvr>
+    <a:masterClrMapping/>
+  </p:clrMapOvr>
+  <mc:AlternateContent xmlns:mc="http://schemas.openxmlformats.org/markup-compatibility/2006" xmlns:p159="http://schemas.microsoft.com/office/powerpoint/2015/09/main">
+    <mc:Choice Requires="p159">
+      <p:transition spd="slow">
+        <p159:morph option="byObject"/>
+      </p:transition>
+    </mc:Choice>
+    <mc:Fallback xmlns="">
+      <p:transition spd="slow">
+        <p:fade/>
+      </p:transition>
+    </mc:Fallback>
+  </mc:AlternateContent>
+</p:sld>
+</file>
+
+<file path=ppt/slides/slide11.xml><?xml version="1.0" encoding="utf-8"?>
+<p:sld xmlns:a="http://schemas.openxmlformats.org/drawingml/2006/main" xmlns:r="http://schemas.openxmlformats.org/officeDocument/2006/relationships" xmlns:p="http://schemas.openxmlformats.org/presentationml/2006/main">
+  <p:cSld>
+    <p:spTree>
+      <p:nvGrpSpPr>
+        <p:cNvPr id="1" name=""/>
+        <p:cNvGrpSpPr/>
+        <p:nvPr/>
+      </p:nvGrpSpPr>
+      <p:grpSpPr>
+        <a:xfrm>
+          <a:off x="0" y="0"/>
+          <a:ext cx="0" cy="0"/>
+          <a:chOff x="0" y="0"/>
+          <a:chExt cx="0" cy="0"/>
+        </a:xfrm>
+      </p:grpSpPr>
       <p:sp>
         <p:nvSpPr>
           <p:cNvPr id="23" name="フリーフォーム: 図形 22">
@@ -5489,7 +6669,7 @@
 </p:sld>
 </file>
 
-<file path=ppt/slides/slide11.xml><?xml version="1.0" encoding="utf-8"?>
+<file path=ppt/slides/slide12.xml><?xml version="1.0" encoding="utf-8"?>
 <p:sld xmlns:a="http://schemas.openxmlformats.org/drawingml/2006/main" xmlns:r="http://schemas.openxmlformats.org/officeDocument/2006/relationships" xmlns:p="http://schemas.openxmlformats.org/presentationml/2006/main">
   <p:cSld>
     <p:spTree>
@@ -8989,4313 +10169,6 @@
 </p:sld>
 </file>
 
-<file path=ppt/slides/slide12.xml><?xml version="1.0" encoding="utf-8"?>
-<p:sld xmlns:a="http://schemas.openxmlformats.org/drawingml/2006/main" xmlns:r="http://schemas.openxmlformats.org/officeDocument/2006/relationships" xmlns:p="http://schemas.openxmlformats.org/presentationml/2006/main">
-  <p:cSld>
-    <p:spTree>
-      <p:nvGrpSpPr>
-        <p:cNvPr id="1" name=""/>
-        <p:cNvGrpSpPr/>
-        <p:nvPr/>
-      </p:nvGrpSpPr>
-      <p:grpSpPr>
-        <a:xfrm>
-          <a:off x="0" y="0"/>
-          <a:ext cx="0" cy="0"/>
-          <a:chOff x="0" y="0"/>
-          <a:chExt cx="0" cy="0"/>
-        </a:xfrm>
-      </p:grpSpPr>
-      <p:sp>
-        <p:nvSpPr>
-          <p:cNvPr id="23" name="フリーフォーム: 図形 22">
-            <a:extLst>
-              <a:ext uri="{FF2B5EF4-FFF2-40B4-BE49-F238E27FC236}">
-                <a16:creationId xmlns:a16="http://schemas.microsoft.com/office/drawing/2014/main" id="{3B424D23-E897-24AB-D339-B0CB52B653D5}"/>
-              </a:ext>
-            </a:extLst>
-          </p:cNvPr>
-          <p:cNvSpPr>
-            <a:spLocks noChangeAspect="1"/>
-          </p:cNvSpPr>
-          <p:nvPr/>
-        </p:nvSpPr>
-        <p:spPr>
-          <a:xfrm rot="2700000">
-            <a:off x="667453" y="3425570"/>
-            <a:ext cx="381295" cy="381295"/>
-          </a:xfrm>
-          <a:custGeom>
-            <a:avLst/>
-            <a:gdLst>
-              <a:gd name="connsiteX0" fmla="*/ 0 w 1278000"/>
-              <a:gd name="connsiteY0" fmla="*/ 0 h 1278000"/>
-              <a:gd name="connsiteX1" fmla="*/ 1278000 w 1278000"/>
-              <a:gd name="connsiteY1" fmla="*/ 0 h 1278000"/>
-              <a:gd name="connsiteX2" fmla="*/ 1278000 w 1278000"/>
-              <a:gd name="connsiteY2" fmla="*/ 1278000 h 1278000"/>
-              <a:gd name="connsiteX3" fmla="*/ 1035184 w 1278000"/>
-              <a:gd name="connsiteY3" fmla="*/ 1278000 h 1278000"/>
-              <a:gd name="connsiteX4" fmla="*/ 1035184 w 1278000"/>
-              <a:gd name="connsiteY4" fmla="*/ 242816 h 1278000"/>
-              <a:gd name="connsiteX5" fmla="*/ 0 w 1278000"/>
-              <a:gd name="connsiteY5" fmla="*/ 242816 h 1278000"/>
-            </a:gdLst>
-            <a:ahLst/>
-            <a:cxnLst>
-              <a:cxn ang="0">
-                <a:pos x="connsiteX0" y="connsiteY0"/>
-              </a:cxn>
-              <a:cxn ang="0">
-                <a:pos x="connsiteX1" y="connsiteY1"/>
-              </a:cxn>
-              <a:cxn ang="0">
-                <a:pos x="connsiteX2" y="connsiteY2"/>
-              </a:cxn>
-              <a:cxn ang="0">
-                <a:pos x="connsiteX3" y="connsiteY3"/>
-              </a:cxn>
-              <a:cxn ang="0">
-                <a:pos x="connsiteX4" y="connsiteY4"/>
-              </a:cxn>
-              <a:cxn ang="0">
-                <a:pos x="connsiteX5" y="connsiteY5"/>
-              </a:cxn>
-            </a:cxnLst>
-            <a:rect l="l" t="t" r="r" b="b"/>
-            <a:pathLst>
-              <a:path w="1278000" h="1278000">
-                <a:moveTo>
-                  <a:pt x="0" y="0"/>
-                </a:moveTo>
-                <a:lnTo>
-                  <a:pt x="1278000" y="0"/>
-                </a:lnTo>
-                <a:lnTo>
-                  <a:pt x="1278000" y="1278000"/>
-                </a:lnTo>
-                <a:lnTo>
-                  <a:pt x="1035184" y="1278000"/>
-                </a:lnTo>
-                <a:lnTo>
-                  <a:pt x="1035184" y="242816"/>
-                </a:lnTo>
-                <a:lnTo>
-                  <a:pt x="0" y="242816"/>
-                </a:lnTo>
-                <a:close/>
-              </a:path>
-            </a:pathLst>
-          </a:custGeom>
-          <a:solidFill>
-            <a:schemeClr val="tx2">
-              <a:lumMod val="60000"/>
-              <a:lumOff val="40000"/>
-            </a:schemeClr>
-          </a:solidFill>
-          <a:ln w="25400">
-            <a:noFill/>
-          </a:ln>
-        </p:spPr>
-        <p:style>
-          <a:lnRef idx="2">
-            <a:schemeClr val="accent1">
-              <a:shade val="50000"/>
-            </a:schemeClr>
-          </a:lnRef>
-          <a:fillRef idx="1">
-            <a:schemeClr val="accent1"/>
-          </a:fillRef>
-          <a:effectRef idx="0">
-            <a:schemeClr val="accent1"/>
-          </a:effectRef>
-          <a:fontRef idx="minor">
-            <a:schemeClr val="lt1"/>
-          </a:fontRef>
-        </p:style>
-        <p:txBody>
-          <a:bodyPr wrap="square" rtlCol="0" anchor="ctr">
-            <a:noAutofit/>
-          </a:bodyPr>
-          <a:lstStyle/>
-          <a:p>
-            <a:pPr algn="ctr"/>
-            <a:endParaRPr kumimoji="1" lang="ja-JP" altLang="en-US">
-              <a:solidFill>
-                <a:schemeClr val="tx2">
-                  <a:lumMod val="75000"/>
-                </a:schemeClr>
-              </a:solidFill>
-            </a:endParaRPr>
-          </a:p>
-        </p:txBody>
-      </p:sp>
-      <p:sp>
-        <p:nvSpPr>
-          <p:cNvPr id="25" name="フリーフォーム: 図形 24">
-            <a:extLst>
-              <a:ext uri="{FF2B5EF4-FFF2-40B4-BE49-F238E27FC236}">
-                <a16:creationId xmlns:a16="http://schemas.microsoft.com/office/drawing/2014/main" id="{7D4747C3-138C-A9A4-EDA1-80D82BA31056}"/>
-              </a:ext>
-            </a:extLst>
-          </p:cNvPr>
-          <p:cNvSpPr>
-            <a:spLocks noChangeAspect="1"/>
-          </p:cNvSpPr>
-          <p:nvPr/>
-        </p:nvSpPr>
-        <p:spPr>
-          <a:xfrm rot="2700000">
-            <a:off x="1052473" y="3425570"/>
-            <a:ext cx="381295" cy="381295"/>
-          </a:xfrm>
-          <a:custGeom>
-            <a:avLst/>
-            <a:gdLst>
-              <a:gd name="connsiteX0" fmla="*/ 0 w 1278000"/>
-              <a:gd name="connsiteY0" fmla="*/ 0 h 1278000"/>
-              <a:gd name="connsiteX1" fmla="*/ 1278000 w 1278000"/>
-              <a:gd name="connsiteY1" fmla="*/ 0 h 1278000"/>
-              <a:gd name="connsiteX2" fmla="*/ 1278000 w 1278000"/>
-              <a:gd name="connsiteY2" fmla="*/ 1278000 h 1278000"/>
-              <a:gd name="connsiteX3" fmla="*/ 1035184 w 1278000"/>
-              <a:gd name="connsiteY3" fmla="*/ 1278000 h 1278000"/>
-              <a:gd name="connsiteX4" fmla="*/ 1035184 w 1278000"/>
-              <a:gd name="connsiteY4" fmla="*/ 242816 h 1278000"/>
-              <a:gd name="connsiteX5" fmla="*/ 0 w 1278000"/>
-              <a:gd name="connsiteY5" fmla="*/ 242816 h 1278000"/>
-            </a:gdLst>
-            <a:ahLst/>
-            <a:cxnLst>
-              <a:cxn ang="0">
-                <a:pos x="connsiteX0" y="connsiteY0"/>
-              </a:cxn>
-              <a:cxn ang="0">
-                <a:pos x="connsiteX1" y="connsiteY1"/>
-              </a:cxn>
-              <a:cxn ang="0">
-                <a:pos x="connsiteX2" y="connsiteY2"/>
-              </a:cxn>
-              <a:cxn ang="0">
-                <a:pos x="connsiteX3" y="connsiteY3"/>
-              </a:cxn>
-              <a:cxn ang="0">
-                <a:pos x="connsiteX4" y="connsiteY4"/>
-              </a:cxn>
-              <a:cxn ang="0">
-                <a:pos x="connsiteX5" y="connsiteY5"/>
-              </a:cxn>
-            </a:cxnLst>
-            <a:rect l="l" t="t" r="r" b="b"/>
-            <a:pathLst>
-              <a:path w="1278000" h="1278000">
-                <a:moveTo>
-                  <a:pt x="0" y="0"/>
-                </a:moveTo>
-                <a:lnTo>
-                  <a:pt x="1278000" y="0"/>
-                </a:lnTo>
-                <a:lnTo>
-                  <a:pt x="1278000" y="1278000"/>
-                </a:lnTo>
-                <a:lnTo>
-                  <a:pt x="1035184" y="1278000"/>
-                </a:lnTo>
-                <a:lnTo>
-                  <a:pt x="1035184" y="242816"/>
-                </a:lnTo>
-                <a:lnTo>
-                  <a:pt x="0" y="242816"/>
-                </a:lnTo>
-                <a:close/>
-              </a:path>
-            </a:pathLst>
-          </a:custGeom>
-          <a:solidFill>
-            <a:schemeClr val="tx2">
-              <a:lumMod val="60000"/>
-              <a:lumOff val="40000"/>
-            </a:schemeClr>
-          </a:solidFill>
-          <a:ln w="25400">
-            <a:noFill/>
-          </a:ln>
-        </p:spPr>
-        <p:style>
-          <a:lnRef idx="2">
-            <a:schemeClr val="accent1">
-              <a:shade val="50000"/>
-            </a:schemeClr>
-          </a:lnRef>
-          <a:fillRef idx="1">
-            <a:schemeClr val="accent1"/>
-          </a:fillRef>
-          <a:effectRef idx="0">
-            <a:schemeClr val="accent1"/>
-          </a:effectRef>
-          <a:fontRef idx="minor">
-            <a:schemeClr val="lt1"/>
-          </a:fontRef>
-        </p:style>
-        <p:txBody>
-          <a:bodyPr wrap="square" rtlCol="0" anchor="ctr">
-            <a:noAutofit/>
-          </a:bodyPr>
-          <a:lstStyle/>
-          <a:p>
-            <a:pPr algn="ctr"/>
-            <a:endParaRPr kumimoji="1" lang="ja-JP" altLang="en-US">
-              <a:solidFill>
-                <a:schemeClr val="tx2">
-                  <a:lumMod val="75000"/>
-                </a:schemeClr>
-              </a:solidFill>
-            </a:endParaRPr>
-          </a:p>
-        </p:txBody>
-      </p:sp>
-      <p:sp>
-        <p:nvSpPr>
-          <p:cNvPr id="26" name="フリーフォーム: 図形 25">
-            <a:extLst>
-              <a:ext uri="{FF2B5EF4-FFF2-40B4-BE49-F238E27FC236}">
-                <a16:creationId xmlns:a16="http://schemas.microsoft.com/office/drawing/2014/main" id="{66E9A37F-AB2A-0F49-B875-1F5DDAA40C40}"/>
-              </a:ext>
-            </a:extLst>
-          </p:cNvPr>
-          <p:cNvSpPr>
-            <a:spLocks noChangeAspect="1"/>
-          </p:cNvSpPr>
-          <p:nvPr/>
-        </p:nvSpPr>
-        <p:spPr>
-          <a:xfrm rot="2700000">
-            <a:off x="1437493" y="3425570"/>
-            <a:ext cx="381295" cy="381295"/>
-          </a:xfrm>
-          <a:custGeom>
-            <a:avLst/>
-            <a:gdLst>
-              <a:gd name="connsiteX0" fmla="*/ 0 w 1278000"/>
-              <a:gd name="connsiteY0" fmla="*/ 0 h 1278000"/>
-              <a:gd name="connsiteX1" fmla="*/ 1278000 w 1278000"/>
-              <a:gd name="connsiteY1" fmla="*/ 0 h 1278000"/>
-              <a:gd name="connsiteX2" fmla="*/ 1278000 w 1278000"/>
-              <a:gd name="connsiteY2" fmla="*/ 1278000 h 1278000"/>
-              <a:gd name="connsiteX3" fmla="*/ 1035184 w 1278000"/>
-              <a:gd name="connsiteY3" fmla="*/ 1278000 h 1278000"/>
-              <a:gd name="connsiteX4" fmla="*/ 1035184 w 1278000"/>
-              <a:gd name="connsiteY4" fmla="*/ 242816 h 1278000"/>
-              <a:gd name="connsiteX5" fmla="*/ 0 w 1278000"/>
-              <a:gd name="connsiteY5" fmla="*/ 242816 h 1278000"/>
-            </a:gdLst>
-            <a:ahLst/>
-            <a:cxnLst>
-              <a:cxn ang="0">
-                <a:pos x="connsiteX0" y="connsiteY0"/>
-              </a:cxn>
-              <a:cxn ang="0">
-                <a:pos x="connsiteX1" y="connsiteY1"/>
-              </a:cxn>
-              <a:cxn ang="0">
-                <a:pos x="connsiteX2" y="connsiteY2"/>
-              </a:cxn>
-              <a:cxn ang="0">
-                <a:pos x="connsiteX3" y="connsiteY3"/>
-              </a:cxn>
-              <a:cxn ang="0">
-                <a:pos x="connsiteX4" y="connsiteY4"/>
-              </a:cxn>
-              <a:cxn ang="0">
-                <a:pos x="connsiteX5" y="connsiteY5"/>
-              </a:cxn>
-            </a:cxnLst>
-            <a:rect l="l" t="t" r="r" b="b"/>
-            <a:pathLst>
-              <a:path w="1278000" h="1278000">
-                <a:moveTo>
-                  <a:pt x="0" y="0"/>
-                </a:moveTo>
-                <a:lnTo>
-                  <a:pt x="1278000" y="0"/>
-                </a:lnTo>
-                <a:lnTo>
-                  <a:pt x="1278000" y="1278000"/>
-                </a:lnTo>
-                <a:lnTo>
-                  <a:pt x="1035184" y="1278000"/>
-                </a:lnTo>
-                <a:lnTo>
-                  <a:pt x="1035184" y="242816"/>
-                </a:lnTo>
-                <a:lnTo>
-                  <a:pt x="0" y="242816"/>
-                </a:lnTo>
-                <a:close/>
-              </a:path>
-            </a:pathLst>
-          </a:custGeom>
-          <a:solidFill>
-            <a:schemeClr val="tx2">
-              <a:lumMod val="60000"/>
-              <a:lumOff val="40000"/>
-            </a:schemeClr>
-          </a:solidFill>
-          <a:ln w="25400">
-            <a:noFill/>
-          </a:ln>
-        </p:spPr>
-        <p:style>
-          <a:lnRef idx="2">
-            <a:schemeClr val="accent1">
-              <a:shade val="50000"/>
-            </a:schemeClr>
-          </a:lnRef>
-          <a:fillRef idx="1">
-            <a:schemeClr val="accent1"/>
-          </a:fillRef>
-          <a:effectRef idx="0">
-            <a:schemeClr val="accent1"/>
-          </a:effectRef>
-          <a:fontRef idx="minor">
-            <a:schemeClr val="lt1"/>
-          </a:fontRef>
-        </p:style>
-        <p:txBody>
-          <a:bodyPr wrap="square" rtlCol="0" anchor="ctr">
-            <a:noAutofit/>
-          </a:bodyPr>
-          <a:lstStyle/>
-          <a:p>
-            <a:pPr algn="ctr"/>
-            <a:endParaRPr kumimoji="1" lang="ja-JP" altLang="en-US">
-              <a:solidFill>
-                <a:schemeClr val="tx2">
-                  <a:lumMod val="75000"/>
-                </a:schemeClr>
-              </a:solidFill>
-            </a:endParaRPr>
-          </a:p>
-        </p:txBody>
-      </p:sp>
-      <p:sp>
-        <p:nvSpPr>
-          <p:cNvPr id="11" name="正方形/長方形 10">
-            <a:extLst>
-              <a:ext uri="{FF2B5EF4-FFF2-40B4-BE49-F238E27FC236}">
-                <a16:creationId xmlns:a16="http://schemas.microsoft.com/office/drawing/2014/main" id="{A1102D9D-7C10-DAE6-FF4E-0517FD757C92}"/>
-              </a:ext>
-            </a:extLst>
-          </p:cNvPr>
-          <p:cNvSpPr/>
-          <p:nvPr/>
-        </p:nvSpPr>
-        <p:spPr>
-          <a:xfrm>
-            <a:off x="2128564" y="3770105"/>
-            <a:ext cx="3695242" cy="400110"/>
-          </a:xfrm>
-          <a:prstGeom prst="rect">
-            <a:avLst/>
-          </a:prstGeom>
-        </p:spPr>
-        <p:txBody>
-          <a:bodyPr wrap="none">
-            <a:spAutoFit/>
-          </a:bodyPr>
-          <a:lstStyle/>
-          <a:p>
-            <a:r>
-              <a:rPr lang="en-US" altLang="ja-JP" sz="2000" spc="500" dirty="0">
-                <a:solidFill>
-                  <a:schemeClr val="tx2">
-                    <a:lumMod val="75000"/>
-                  </a:schemeClr>
-                </a:solidFill>
-                <a:latin typeface="Bahnschrift" panose="020B0502040204020203" pitchFamily="34" charset="0"/>
-                <a:ea typeface="Lato Black" panose="020F0502020204030203" pitchFamily="34" charset="0"/>
-                <a:cs typeface="Lato Black" panose="020F0502020204030203" pitchFamily="34" charset="0"/>
-              </a:rPr>
-              <a:t>Outline | Utilization</a:t>
-            </a:r>
-            <a:endParaRPr lang="ja-JP" altLang="en-US" sz="2000" spc="500" dirty="0">
-              <a:solidFill>
-                <a:schemeClr val="tx2">
-                  <a:lumMod val="75000"/>
-                </a:schemeClr>
-              </a:solidFill>
-              <a:latin typeface="Bahnschrift" panose="020B0502040204020203" pitchFamily="34" charset="0"/>
-              <a:ea typeface="Lato Black" panose="020F0502020204030203" pitchFamily="34" charset="0"/>
-              <a:cs typeface="Lato Black" panose="020F0502020204030203" pitchFamily="34" charset="0"/>
-            </a:endParaRPr>
-          </a:p>
-        </p:txBody>
-      </p:sp>
-      <p:sp>
-        <p:nvSpPr>
-          <p:cNvPr id="12" name="正方形/長方形 11">
-            <a:extLst>
-              <a:ext uri="{FF2B5EF4-FFF2-40B4-BE49-F238E27FC236}">
-                <a16:creationId xmlns:a16="http://schemas.microsoft.com/office/drawing/2014/main" id="{F76B30E8-0E64-4202-AA70-24333AD484B3}"/>
-              </a:ext>
-            </a:extLst>
-          </p:cNvPr>
-          <p:cNvSpPr/>
-          <p:nvPr/>
-        </p:nvSpPr>
-        <p:spPr>
-          <a:xfrm>
-            <a:off x="2128564" y="3062219"/>
-            <a:ext cx="6165470" cy="707886"/>
-          </a:xfrm>
-          <a:prstGeom prst="rect">
-            <a:avLst/>
-          </a:prstGeom>
-        </p:spPr>
-        <p:txBody>
-          <a:bodyPr wrap="none">
-            <a:spAutoFit/>
-          </a:bodyPr>
-          <a:lstStyle/>
-          <a:p>
-            <a:r>
-              <a:rPr lang="ja-JP" altLang="en-US" sz="4000" b="1" spc="500" dirty="0">
-                <a:solidFill>
-                  <a:schemeClr val="tx2">
-                    <a:lumMod val="75000"/>
-                  </a:schemeClr>
-                </a:solidFill>
-                <a:latin typeface="游ゴシック" panose="020B0400000000000000" pitchFamily="50" charset="-128"/>
-                <a:cs typeface="Lato Black" panose="020F0502020204030203" pitchFamily="34" charset="0"/>
-              </a:rPr>
-              <a:t>概要 「活用」について</a:t>
-            </a:r>
-          </a:p>
-        </p:txBody>
-      </p:sp>
-    </p:spTree>
-    <p:extLst>
-      <p:ext uri="{BB962C8B-B14F-4D97-AF65-F5344CB8AC3E}">
-        <p14:creationId xmlns:p14="http://schemas.microsoft.com/office/powerpoint/2010/main" val="66981487"/>
-      </p:ext>
-    </p:extLst>
-  </p:cSld>
-  <p:clrMapOvr>
-    <a:masterClrMapping/>
-  </p:clrMapOvr>
-  <mc:AlternateContent xmlns:mc="http://schemas.openxmlformats.org/markup-compatibility/2006" xmlns:p159="http://schemas.microsoft.com/office/powerpoint/2015/09/main">
-    <mc:Choice Requires="p159">
-      <p:transition spd="slow">
-        <p159:morph option="byObject"/>
-      </p:transition>
-    </mc:Choice>
-    <mc:Fallback xmlns="">
-      <p:transition spd="slow">
-        <p:fade/>
-      </p:transition>
-    </mc:Fallback>
-  </mc:AlternateContent>
-  <p:timing>
-    <p:tnLst>
-      <p:par>
-        <p:cTn id="1" dur="indefinite" restart="never" nodeType="tmRoot">
-          <p:childTnLst>
-            <p:seq concurrent="1" nextAc="seek">
-              <p:cTn id="2" dur="indefinite" nodeType="mainSeq">
-                <p:childTnLst>
-                  <p:par>
-                    <p:cTn id="3" fill="hold">
-                      <p:stCondLst>
-                        <p:cond delay="indefinite"/>
-                      </p:stCondLst>
-                      <p:childTnLst>
-                        <p:par>
-                          <p:cTn id="4" fill="hold">
-                            <p:stCondLst>
-                              <p:cond delay="0"/>
-                            </p:stCondLst>
-                            <p:childTnLst>
-                              <p:par>
-                                <p:cTn id="5" presetID="10" presetClass="entr" presetSubtype="0" fill="hold" grpId="0" nodeType="clickEffect">
-                                  <p:stCondLst>
-                                    <p:cond delay="0"/>
-                                  </p:stCondLst>
-                                  <p:childTnLst>
-                                    <p:set>
-                                      <p:cBhvr>
-                                        <p:cTn id="6" dur="1" fill="hold">
-                                          <p:stCondLst>
-                                            <p:cond delay="0"/>
-                                          </p:stCondLst>
-                                        </p:cTn>
-                                        <p:tgtEl>
-                                          <p:spTgt spid="23"/>
-                                        </p:tgtEl>
-                                        <p:attrNameLst>
-                                          <p:attrName>style.visibility</p:attrName>
-                                        </p:attrNameLst>
-                                      </p:cBhvr>
-                                      <p:to>
-                                        <p:strVal val="visible"/>
-                                      </p:to>
-                                    </p:set>
-                                    <p:animEffect transition="in" filter="fade">
-                                      <p:cBhvr>
-                                        <p:cTn id="7" dur="500"/>
-                                        <p:tgtEl>
-                                          <p:spTgt spid="23"/>
-                                        </p:tgtEl>
-                                      </p:cBhvr>
-                                    </p:animEffect>
-                                  </p:childTnLst>
-                                </p:cTn>
-                              </p:par>
-                              <p:par>
-                                <p:cTn id="8" presetID="63" presetClass="path" presetSubtype="0" accel="4000" decel="96000" fill="hold" grpId="1" nodeType="withEffect">
-                                  <p:stCondLst>
-                                    <p:cond delay="0"/>
-                                  </p:stCondLst>
-                                  <p:childTnLst>
-                                    <p:animMotion origin="layout" path="M -2.5E-6 -4.81481E-6 L 0.0099 -4.81481E-6 " pathEditMode="relative" rAng="0" ptsTypes="AA">
-                                      <p:cBhvr>
-                                        <p:cTn id="9" dur="500" fill="hold"/>
-                                        <p:tgtEl>
-                                          <p:spTgt spid="23"/>
-                                        </p:tgtEl>
-                                        <p:attrNameLst>
-                                          <p:attrName>ppt_x</p:attrName>
-                                          <p:attrName>ppt_y</p:attrName>
-                                        </p:attrNameLst>
-                                      </p:cBhvr>
-                                      <p:rCtr x="495" y="0"/>
-                                    </p:animMotion>
-                                  </p:childTnLst>
-                                </p:cTn>
-                              </p:par>
-                              <p:par>
-                                <p:cTn id="10" presetID="10" presetClass="entr" presetSubtype="0" fill="hold" grpId="0" nodeType="withEffect">
-                                  <p:stCondLst>
-                                    <p:cond delay="100"/>
-                                  </p:stCondLst>
-                                  <p:childTnLst>
-                                    <p:set>
-                                      <p:cBhvr>
-                                        <p:cTn id="11" dur="1" fill="hold">
-                                          <p:stCondLst>
-                                            <p:cond delay="0"/>
-                                          </p:stCondLst>
-                                        </p:cTn>
-                                        <p:tgtEl>
-                                          <p:spTgt spid="25"/>
-                                        </p:tgtEl>
-                                        <p:attrNameLst>
-                                          <p:attrName>style.visibility</p:attrName>
-                                        </p:attrNameLst>
-                                      </p:cBhvr>
-                                      <p:to>
-                                        <p:strVal val="visible"/>
-                                      </p:to>
-                                    </p:set>
-                                    <p:animEffect transition="in" filter="fade">
-                                      <p:cBhvr>
-                                        <p:cTn id="12" dur="500"/>
-                                        <p:tgtEl>
-                                          <p:spTgt spid="25"/>
-                                        </p:tgtEl>
-                                      </p:cBhvr>
-                                    </p:animEffect>
-                                  </p:childTnLst>
-                                </p:cTn>
-                              </p:par>
-                              <p:par>
-                                <p:cTn id="13" presetID="63" presetClass="path" presetSubtype="0" accel="4000" decel="96000" fill="hold" grpId="1" nodeType="withEffect">
-                                  <p:stCondLst>
-                                    <p:cond delay="100"/>
-                                  </p:stCondLst>
-                                  <p:childTnLst>
-                                    <p:animMotion origin="layout" path="M -3.125E-6 -4.81481E-6 L 0.0099 -4.81481E-6 " pathEditMode="relative" rAng="0" ptsTypes="AA">
-                                      <p:cBhvr>
-                                        <p:cTn id="14" dur="500" fill="hold"/>
-                                        <p:tgtEl>
-                                          <p:spTgt spid="25"/>
-                                        </p:tgtEl>
-                                        <p:attrNameLst>
-                                          <p:attrName>ppt_x</p:attrName>
-                                          <p:attrName>ppt_y</p:attrName>
-                                        </p:attrNameLst>
-                                      </p:cBhvr>
-                                      <p:rCtr x="495" y="0"/>
-                                    </p:animMotion>
-                                  </p:childTnLst>
-                                </p:cTn>
-                              </p:par>
-                              <p:par>
-                                <p:cTn id="15" presetID="10" presetClass="entr" presetSubtype="0" fill="hold" grpId="0" nodeType="withEffect">
-                                  <p:stCondLst>
-                                    <p:cond delay="200"/>
-                                  </p:stCondLst>
-                                  <p:childTnLst>
-                                    <p:set>
-                                      <p:cBhvr>
-                                        <p:cTn id="16" dur="1" fill="hold">
-                                          <p:stCondLst>
-                                            <p:cond delay="0"/>
-                                          </p:stCondLst>
-                                        </p:cTn>
-                                        <p:tgtEl>
-                                          <p:spTgt spid="26"/>
-                                        </p:tgtEl>
-                                        <p:attrNameLst>
-                                          <p:attrName>style.visibility</p:attrName>
-                                        </p:attrNameLst>
-                                      </p:cBhvr>
-                                      <p:to>
-                                        <p:strVal val="visible"/>
-                                      </p:to>
-                                    </p:set>
-                                    <p:animEffect transition="in" filter="fade">
-                                      <p:cBhvr>
-                                        <p:cTn id="17" dur="500"/>
-                                        <p:tgtEl>
-                                          <p:spTgt spid="26"/>
-                                        </p:tgtEl>
-                                      </p:cBhvr>
-                                    </p:animEffect>
-                                  </p:childTnLst>
-                                </p:cTn>
-                              </p:par>
-                              <p:par>
-                                <p:cTn id="18" presetID="63" presetClass="path" presetSubtype="0" accel="4000" decel="96000" fill="hold" grpId="1" nodeType="withEffect">
-                                  <p:stCondLst>
-                                    <p:cond delay="200"/>
-                                  </p:stCondLst>
-                                  <p:childTnLst>
-                                    <p:animMotion origin="layout" path="M -3.75E-6 -4.81481E-6 L 0.0099 -4.81481E-6 " pathEditMode="relative" rAng="0" ptsTypes="AA">
-                                      <p:cBhvr>
-                                        <p:cTn id="19" dur="500" fill="hold"/>
-                                        <p:tgtEl>
-                                          <p:spTgt spid="26"/>
-                                        </p:tgtEl>
-                                        <p:attrNameLst>
-                                          <p:attrName>ppt_x</p:attrName>
-                                          <p:attrName>ppt_y</p:attrName>
-                                        </p:attrNameLst>
-                                      </p:cBhvr>
-                                      <p:rCtr x="495" y="0"/>
-                                    </p:animMotion>
-                                  </p:childTnLst>
-                                </p:cTn>
-                              </p:par>
-                            </p:childTnLst>
-                          </p:cTn>
-                        </p:par>
-                        <p:par>
-                          <p:cTn id="20" fill="hold">
-                            <p:stCondLst>
-                              <p:cond delay="700"/>
-                            </p:stCondLst>
-                            <p:childTnLst>
-                              <p:par>
-                                <p:cTn id="21" presetID="1" presetClass="entr" presetSubtype="0" fill="hold" grpId="0" nodeType="afterEffect">
-                                  <p:stCondLst>
-                                    <p:cond delay="0"/>
-                                  </p:stCondLst>
-                                  <p:iterate type="lt">
-                                    <p:tmAbs val="50"/>
-                                  </p:iterate>
-                                  <p:childTnLst>
-                                    <p:set>
-                                      <p:cBhvr>
-                                        <p:cTn id="22" dur="1" fill="hold">
-                                          <p:stCondLst>
-                                            <p:cond delay="0"/>
-                                          </p:stCondLst>
-                                        </p:cTn>
-                                        <p:tgtEl>
-                                          <p:spTgt spid="12"/>
-                                        </p:tgtEl>
-                                        <p:attrNameLst>
-                                          <p:attrName>style.visibility</p:attrName>
-                                        </p:attrNameLst>
-                                      </p:cBhvr>
-                                      <p:to>
-                                        <p:strVal val="visible"/>
-                                      </p:to>
-                                    </p:set>
-                                  </p:childTnLst>
-                                </p:cTn>
-                              </p:par>
-                              <p:par>
-                                <p:cTn id="23" presetID="1" presetClass="entr" presetSubtype="0" fill="hold" grpId="0" nodeType="withEffect">
-                                  <p:stCondLst>
-                                    <p:cond delay="0"/>
-                                  </p:stCondLst>
-                                  <p:iterate type="lt">
-                                    <p:tmAbs val="20"/>
-                                  </p:iterate>
-                                  <p:childTnLst>
-                                    <p:set>
-                                      <p:cBhvr>
-                                        <p:cTn id="24" dur="1" fill="hold">
-                                          <p:stCondLst>
-                                            <p:cond delay="0"/>
-                                          </p:stCondLst>
-                                        </p:cTn>
-                                        <p:tgtEl>
-                                          <p:spTgt spid="11"/>
-                                        </p:tgtEl>
-                                        <p:attrNameLst>
-                                          <p:attrName>style.visibility</p:attrName>
-                                        </p:attrNameLst>
-                                      </p:cBhvr>
-                                      <p:to>
-                                        <p:strVal val="visible"/>
-                                      </p:to>
-                                    </p:set>
-                                  </p:childTnLst>
-                                </p:cTn>
-                              </p:par>
-                            </p:childTnLst>
-                          </p:cTn>
-                        </p:par>
-                      </p:childTnLst>
-                    </p:cTn>
-                  </p:par>
-                </p:childTnLst>
-              </p:cTn>
-              <p:prevCondLst>
-                <p:cond evt="onPrev" delay="0">
-                  <p:tgtEl>
-                    <p:sldTgt/>
-                  </p:tgtEl>
-                </p:cond>
-              </p:prevCondLst>
-              <p:nextCondLst>
-                <p:cond evt="onNext" delay="0">
-                  <p:tgtEl>
-                    <p:sldTgt/>
-                  </p:tgtEl>
-                </p:cond>
-              </p:nextCondLst>
-            </p:seq>
-          </p:childTnLst>
-        </p:cTn>
-      </p:par>
-    </p:tnLst>
-    <p:bldLst>
-      <p:bldP spid="23" grpId="0" animBg="1"/>
-      <p:bldP spid="23" grpId="1" animBg="1"/>
-      <p:bldP spid="25" grpId="0" animBg="1"/>
-      <p:bldP spid="25" grpId="1" animBg="1"/>
-      <p:bldP spid="26" grpId="0" animBg="1"/>
-      <p:bldP spid="26" grpId="1" animBg="1"/>
-      <p:bldP spid="11" grpId="0"/>
-      <p:bldP spid="12" grpId="0"/>
-    </p:bldLst>
-  </p:timing>
-</p:sld>
-</file>
-
-<file path=ppt/slides/slide13.xml><?xml version="1.0" encoding="utf-8"?>
-<p:sld xmlns:a="http://schemas.openxmlformats.org/drawingml/2006/main" xmlns:r="http://schemas.openxmlformats.org/officeDocument/2006/relationships" xmlns:p="http://schemas.openxmlformats.org/presentationml/2006/main">
-  <p:cSld>
-    <p:spTree>
-      <p:nvGrpSpPr>
-        <p:cNvPr id="1" name=""/>
-        <p:cNvGrpSpPr/>
-        <p:nvPr/>
-      </p:nvGrpSpPr>
-      <p:grpSpPr>
-        <a:xfrm>
-          <a:off x="0" y="0"/>
-          <a:ext cx="0" cy="0"/>
-          <a:chOff x="0" y="0"/>
-          <a:chExt cx="0" cy="0"/>
-        </a:xfrm>
-      </p:grpSpPr>
-      <p:grpSp>
-        <p:nvGrpSpPr>
-          <p:cNvPr id="36" name="グラフィックス 3" descr="無線ルーター">
-            <a:extLst>
-              <a:ext uri="{FF2B5EF4-FFF2-40B4-BE49-F238E27FC236}">
-                <a16:creationId xmlns:a16="http://schemas.microsoft.com/office/drawing/2014/main" id="{373DA34B-48F8-6BA4-7B91-8DA69ED5493E}"/>
-              </a:ext>
-            </a:extLst>
-          </p:cNvPr>
-          <p:cNvGrpSpPr/>
-          <p:nvPr/>
-        </p:nvGrpSpPr>
-        <p:grpSpPr>
-          <a:xfrm>
-            <a:off x="3736723" y="2481526"/>
-            <a:ext cx="889000" cy="886385"/>
-            <a:chOff x="3115509" y="2985806"/>
-            <a:chExt cx="889000" cy="886385"/>
-          </a:xfrm>
-          <a:solidFill>
-            <a:schemeClr val="tx2">
-              <a:lumMod val="75000"/>
-            </a:schemeClr>
-          </a:solidFill>
-        </p:grpSpPr>
-        <p:sp>
-          <p:nvSpPr>
-            <p:cNvPr id="37" name="フリーフォーム: 図形 36">
-              <a:extLst>
-                <a:ext uri="{FF2B5EF4-FFF2-40B4-BE49-F238E27FC236}">
-                  <a16:creationId xmlns:a16="http://schemas.microsoft.com/office/drawing/2014/main" id="{B1F33216-7553-2E7F-2C61-7A1DA3A8A172}"/>
-                </a:ext>
-              </a:extLst>
-            </p:cNvPr>
-            <p:cNvSpPr/>
-            <p:nvPr/>
-          </p:nvSpPr>
-          <p:spPr>
-            <a:xfrm>
-              <a:off x="3403127" y="3133537"/>
-              <a:ext cx="82363" cy="222250"/>
-            </a:xfrm>
-            <a:custGeom>
-              <a:avLst/>
-              <a:gdLst>
-                <a:gd name="connsiteX0" fmla="*/ 45757 w 82363"/>
-                <a:gd name="connsiteY0" fmla="*/ 222250 h 222250"/>
-                <a:gd name="connsiteX1" fmla="*/ 82363 w 82363"/>
-                <a:gd name="connsiteY1" fmla="*/ 185644 h 222250"/>
-                <a:gd name="connsiteX2" fmla="*/ 52294 w 82363"/>
-                <a:gd name="connsiteY2" fmla="*/ 111125 h 222250"/>
-                <a:gd name="connsiteX3" fmla="*/ 82363 w 82363"/>
-                <a:gd name="connsiteY3" fmla="*/ 36606 h 222250"/>
-                <a:gd name="connsiteX4" fmla="*/ 45757 w 82363"/>
-                <a:gd name="connsiteY4" fmla="*/ 0 h 222250"/>
-                <a:gd name="connsiteX5" fmla="*/ 0 w 82363"/>
-                <a:gd name="connsiteY5" fmla="*/ 111125 h 222250"/>
-                <a:gd name="connsiteX6" fmla="*/ 45757 w 82363"/>
-                <a:gd name="connsiteY6" fmla="*/ 222250 h 222250"/>
-              </a:gdLst>
-              <a:ahLst/>
-              <a:cxnLst>
-                <a:cxn ang="0">
-                  <a:pos x="connsiteX0" y="connsiteY0"/>
-                </a:cxn>
-                <a:cxn ang="0">
-                  <a:pos x="connsiteX1" y="connsiteY1"/>
-                </a:cxn>
-                <a:cxn ang="0">
-                  <a:pos x="connsiteX2" y="connsiteY2"/>
-                </a:cxn>
-                <a:cxn ang="0">
-                  <a:pos x="connsiteX3" y="connsiteY3"/>
-                </a:cxn>
-                <a:cxn ang="0">
-                  <a:pos x="connsiteX4" y="connsiteY4"/>
-                </a:cxn>
-                <a:cxn ang="0">
-                  <a:pos x="connsiteX5" y="connsiteY5"/>
-                </a:cxn>
-                <a:cxn ang="0">
-                  <a:pos x="connsiteX6" y="connsiteY6"/>
-                </a:cxn>
-              </a:cxnLst>
-              <a:rect l="l" t="t" r="r" b="b"/>
-              <a:pathLst>
-                <a:path w="82363" h="222250">
-                  <a:moveTo>
-                    <a:pt x="45757" y="222250"/>
-                  </a:moveTo>
-                  <a:lnTo>
-                    <a:pt x="82363" y="185644"/>
-                  </a:lnTo>
-                  <a:cubicBezTo>
-                    <a:pt x="64060" y="166034"/>
-                    <a:pt x="52294" y="139887"/>
-                    <a:pt x="52294" y="111125"/>
-                  </a:cubicBezTo>
-                  <a:cubicBezTo>
-                    <a:pt x="52294" y="82363"/>
-                    <a:pt x="64060" y="56216"/>
-                    <a:pt x="82363" y="36606"/>
-                  </a:cubicBezTo>
-                  <a:lnTo>
-                    <a:pt x="45757" y="0"/>
-                  </a:lnTo>
-                  <a:cubicBezTo>
-                    <a:pt x="16996" y="28762"/>
-                    <a:pt x="0" y="67982"/>
-                    <a:pt x="0" y="111125"/>
-                  </a:cubicBezTo>
-                  <a:cubicBezTo>
-                    <a:pt x="0" y="154268"/>
-                    <a:pt x="16996" y="193488"/>
-                    <a:pt x="45757" y="222250"/>
-                  </a:cubicBezTo>
-                  <a:close/>
-                </a:path>
-              </a:pathLst>
-            </a:custGeom>
-            <a:solidFill>
-              <a:schemeClr val="tx2">
-                <a:lumMod val="75000"/>
-              </a:schemeClr>
-            </a:solidFill>
-            <a:ln w="12998" cap="flat">
-              <a:noFill/>
-              <a:prstDash val="solid"/>
-              <a:miter/>
-            </a:ln>
-          </p:spPr>
-          <p:txBody>
-            <a:bodyPr rtlCol="0" anchor="ctr"/>
-            <a:lstStyle/>
-            <a:p>
-              <a:endParaRPr lang="ja-JP" altLang="en-US"/>
-            </a:p>
-          </p:txBody>
-        </p:sp>
-        <p:sp>
-          <p:nvSpPr>
-            <p:cNvPr id="38" name="フリーフォーム: 図形 37">
-              <a:extLst>
-                <a:ext uri="{FF2B5EF4-FFF2-40B4-BE49-F238E27FC236}">
-                  <a16:creationId xmlns:a16="http://schemas.microsoft.com/office/drawing/2014/main" id="{1D522CED-A07C-68CC-347B-600358736E27}"/>
-                </a:ext>
-              </a:extLst>
-            </p:cNvPr>
-            <p:cNvSpPr/>
-            <p:nvPr/>
-          </p:nvSpPr>
-          <p:spPr>
-            <a:xfrm>
-              <a:off x="3298538" y="3060325"/>
-              <a:ext cx="113739" cy="368673"/>
-            </a:xfrm>
-            <a:custGeom>
-              <a:avLst/>
-              <a:gdLst>
-                <a:gd name="connsiteX0" fmla="*/ 77134 w 113739"/>
-                <a:gd name="connsiteY0" fmla="*/ 368674 h 368673"/>
-                <a:gd name="connsiteX1" fmla="*/ 113740 w 113739"/>
-                <a:gd name="connsiteY1" fmla="*/ 332068 h 368673"/>
-                <a:gd name="connsiteX2" fmla="*/ 52294 w 113739"/>
-                <a:gd name="connsiteY2" fmla="*/ 184337 h 368673"/>
-                <a:gd name="connsiteX3" fmla="*/ 113740 w 113739"/>
-                <a:gd name="connsiteY3" fmla="*/ 36606 h 368673"/>
-                <a:gd name="connsiteX4" fmla="*/ 77134 w 113739"/>
-                <a:gd name="connsiteY4" fmla="*/ 0 h 368673"/>
-                <a:gd name="connsiteX5" fmla="*/ 0 w 113739"/>
-                <a:gd name="connsiteY5" fmla="*/ 184337 h 368673"/>
-                <a:gd name="connsiteX6" fmla="*/ 77134 w 113739"/>
-                <a:gd name="connsiteY6" fmla="*/ 368674 h 368673"/>
-              </a:gdLst>
-              <a:ahLst/>
-              <a:cxnLst>
-                <a:cxn ang="0">
-                  <a:pos x="connsiteX0" y="connsiteY0"/>
-                </a:cxn>
-                <a:cxn ang="0">
-                  <a:pos x="connsiteX1" y="connsiteY1"/>
-                </a:cxn>
-                <a:cxn ang="0">
-                  <a:pos x="connsiteX2" y="connsiteY2"/>
-                </a:cxn>
-                <a:cxn ang="0">
-                  <a:pos x="connsiteX3" y="connsiteY3"/>
-                </a:cxn>
-                <a:cxn ang="0">
-                  <a:pos x="connsiteX4" y="connsiteY4"/>
-                </a:cxn>
-                <a:cxn ang="0">
-                  <a:pos x="connsiteX5" y="connsiteY5"/>
-                </a:cxn>
-                <a:cxn ang="0">
-                  <a:pos x="connsiteX6" y="connsiteY6"/>
-                </a:cxn>
-              </a:cxnLst>
-              <a:rect l="l" t="t" r="r" b="b"/>
-              <a:pathLst>
-                <a:path w="113739" h="368673">
-                  <a:moveTo>
-                    <a:pt x="77134" y="368674"/>
-                  </a:moveTo>
-                  <a:lnTo>
-                    <a:pt x="113740" y="332068"/>
-                  </a:lnTo>
-                  <a:cubicBezTo>
-                    <a:pt x="75826" y="294154"/>
-                    <a:pt x="52294" y="241860"/>
-                    <a:pt x="52294" y="184337"/>
-                  </a:cubicBezTo>
-                  <a:cubicBezTo>
-                    <a:pt x="52294" y="126813"/>
-                    <a:pt x="75826" y="74519"/>
-                    <a:pt x="113740" y="36606"/>
-                  </a:cubicBezTo>
-                  <a:lnTo>
-                    <a:pt x="77134" y="0"/>
-                  </a:lnTo>
-                  <a:cubicBezTo>
-                    <a:pt x="28762" y="47065"/>
-                    <a:pt x="0" y="112432"/>
-                    <a:pt x="0" y="184337"/>
-                  </a:cubicBezTo>
-                  <a:cubicBezTo>
-                    <a:pt x="0" y="256241"/>
-                    <a:pt x="28762" y="321609"/>
-                    <a:pt x="77134" y="368674"/>
-                  </a:cubicBezTo>
-                  <a:close/>
-                </a:path>
-              </a:pathLst>
-            </a:custGeom>
-            <a:solidFill>
-              <a:schemeClr val="tx2">
-                <a:lumMod val="75000"/>
-              </a:schemeClr>
-            </a:solidFill>
-            <a:ln w="12998" cap="flat">
-              <a:noFill/>
-              <a:prstDash val="solid"/>
-              <a:miter/>
-            </a:ln>
-          </p:spPr>
-          <p:txBody>
-            <a:bodyPr rtlCol="0" anchor="ctr"/>
-            <a:lstStyle/>
-            <a:p>
-              <a:endParaRPr lang="ja-JP" altLang="en-US"/>
-            </a:p>
-          </p:txBody>
-        </p:sp>
-        <p:sp>
-          <p:nvSpPr>
-            <p:cNvPr id="39" name="フリーフォーム: 図形 38">
-              <a:extLst>
-                <a:ext uri="{FF2B5EF4-FFF2-40B4-BE49-F238E27FC236}">
-                  <a16:creationId xmlns:a16="http://schemas.microsoft.com/office/drawing/2014/main" id="{6A098653-D40D-5AA4-3442-656EC3E14150}"/>
-                </a:ext>
-              </a:extLst>
-            </p:cNvPr>
-            <p:cNvSpPr/>
-            <p:nvPr/>
-          </p:nvSpPr>
-          <p:spPr>
-            <a:xfrm>
-              <a:off x="3193950" y="2985806"/>
-              <a:ext cx="143808" cy="517711"/>
-            </a:xfrm>
-            <a:custGeom>
-              <a:avLst/>
-              <a:gdLst>
-                <a:gd name="connsiteX0" fmla="*/ 143809 w 143808"/>
-                <a:gd name="connsiteY0" fmla="*/ 481106 h 517711"/>
-                <a:gd name="connsiteX1" fmla="*/ 52294 w 143808"/>
-                <a:gd name="connsiteY1" fmla="*/ 258856 h 517711"/>
-                <a:gd name="connsiteX2" fmla="*/ 143809 w 143808"/>
-                <a:gd name="connsiteY2" fmla="*/ 36606 h 517711"/>
-                <a:gd name="connsiteX3" fmla="*/ 107203 w 143808"/>
-                <a:gd name="connsiteY3" fmla="*/ 0 h 517711"/>
-                <a:gd name="connsiteX4" fmla="*/ 0 w 143808"/>
-                <a:gd name="connsiteY4" fmla="*/ 258856 h 517711"/>
-                <a:gd name="connsiteX5" fmla="*/ 107203 w 143808"/>
-                <a:gd name="connsiteY5" fmla="*/ 517712 h 517711"/>
-                <a:gd name="connsiteX6" fmla="*/ 143809 w 143808"/>
-                <a:gd name="connsiteY6" fmla="*/ 481106 h 517711"/>
-              </a:gdLst>
-              <a:ahLst/>
-              <a:cxnLst>
-                <a:cxn ang="0">
-                  <a:pos x="connsiteX0" y="connsiteY0"/>
-                </a:cxn>
-                <a:cxn ang="0">
-                  <a:pos x="connsiteX1" y="connsiteY1"/>
-                </a:cxn>
-                <a:cxn ang="0">
-                  <a:pos x="connsiteX2" y="connsiteY2"/>
-                </a:cxn>
-                <a:cxn ang="0">
-                  <a:pos x="connsiteX3" y="connsiteY3"/>
-                </a:cxn>
-                <a:cxn ang="0">
-                  <a:pos x="connsiteX4" y="connsiteY4"/>
-                </a:cxn>
-                <a:cxn ang="0">
-                  <a:pos x="connsiteX5" y="connsiteY5"/>
-                </a:cxn>
-                <a:cxn ang="0">
-                  <a:pos x="connsiteX6" y="connsiteY6"/>
-                </a:cxn>
-              </a:cxnLst>
-              <a:rect l="l" t="t" r="r" b="b"/>
-              <a:pathLst>
-                <a:path w="143808" h="517711">
-                  <a:moveTo>
-                    <a:pt x="143809" y="481106"/>
-                  </a:moveTo>
-                  <a:cubicBezTo>
-                    <a:pt x="87593" y="424890"/>
-                    <a:pt x="52294" y="346449"/>
-                    <a:pt x="52294" y="258856"/>
-                  </a:cubicBezTo>
-                  <a:cubicBezTo>
-                    <a:pt x="52294" y="171263"/>
-                    <a:pt x="87593" y="94129"/>
-                    <a:pt x="143809" y="36606"/>
-                  </a:cubicBezTo>
-                  <a:lnTo>
-                    <a:pt x="107203" y="0"/>
-                  </a:lnTo>
-                  <a:cubicBezTo>
-                    <a:pt x="40528" y="66675"/>
-                    <a:pt x="0" y="158190"/>
-                    <a:pt x="0" y="258856"/>
-                  </a:cubicBezTo>
-                  <a:cubicBezTo>
-                    <a:pt x="0" y="359522"/>
-                    <a:pt x="40528" y="451037"/>
-                    <a:pt x="107203" y="517712"/>
-                  </a:cubicBezTo>
-                  <a:lnTo>
-                    <a:pt x="143809" y="481106"/>
-                  </a:lnTo>
-                  <a:close/>
-                </a:path>
-              </a:pathLst>
-            </a:custGeom>
-            <a:solidFill>
-              <a:schemeClr val="tx2">
-                <a:lumMod val="75000"/>
-              </a:schemeClr>
-            </a:solidFill>
-            <a:ln w="12998" cap="flat">
-              <a:noFill/>
-              <a:prstDash val="solid"/>
-              <a:miter/>
-            </a:ln>
-          </p:spPr>
-          <p:txBody>
-            <a:bodyPr rtlCol="0" anchor="ctr"/>
-            <a:lstStyle/>
-            <a:p>
-              <a:endParaRPr lang="ja-JP" altLang="en-US"/>
-            </a:p>
-          </p:txBody>
-        </p:sp>
-        <p:sp>
-          <p:nvSpPr>
-            <p:cNvPr id="40" name="フリーフォーム: 図形 39">
-              <a:extLst>
-                <a:ext uri="{FF2B5EF4-FFF2-40B4-BE49-F238E27FC236}">
-                  <a16:creationId xmlns:a16="http://schemas.microsoft.com/office/drawing/2014/main" id="{BD0D9040-469D-CE93-5353-99E1BAA83F1D}"/>
-                </a:ext>
-              </a:extLst>
-            </p:cNvPr>
-            <p:cNvSpPr/>
-            <p:nvPr/>
-          </p:nvSpPr>
-          <p:spPr>
-            <a:xfrm>
-              <a:off x="3634528" y="3133537"/>
-              <a:ext cx="82363" cy="222250"/>
-            </a:xfrm>
-            <a:custGeom>
-              <a:avLst/>
-              <a:gdLst>
-                <a:gd name="connsiteX0" fmla="*/ 36606 w 82363"/>
-                <a:gd name="connsiteY0" fmla="*/ 222250 h 222250"/>
-                <a:gd name="connsiteX1" fmla="*/ 82363 w 82363"/>
-                <a:gd name="connsiteY1" fmla="*/ 111125 h 222250"/>
-                <a:gd name="connsiteX2" fmla="*/ 36606 w 82363"/>
-                <a:gd name="connsiteY2" fmla="*/ 0 h 222250"/>
-                <a:gd name="connsiteX3" fmla="*/ 0 w 82363"/>
-                <a:gd name="connsiteY3" fmla="*/ 36606 h 222250"/>
-                <a:gd name="connsiteX4" fmla="*/ 30069 w 82363"/>
-                <a:gd name="connsiteY4" fmla="*/ 111125 h 222250"/>
-                <a:gd name="connsiteX5" fmla="*/ 0 w 82363"/>
-                <a:gd name="connsiteY5" fmla="*/ 185644 h 222250"/>
-                <a:gd name="connsiteX6" fmla="*/ 36606 w 82363"/>
-                <a:gd name="connsiteY6" fmla="*/ 222250 h 222250"/>
-              </a:gdLst>
-              <a:ahLst/>
-              <a:cxnLst>
-                <a:cxn ang="0">
-                  <a:pos x="connsiteX0" y="connsiteY0"/>
-                </a:cxn>
-                <a:cxn ang="0">
-                  <a:pos x="connsiteX1" y="connsiteY1"/>
-                </a:cxn>
-                <a:cxn ang="0">
-                  <a:pos x="connsiteX2" y="connsiteY2"/>
-                </a:cxn>
-                <a:cxn ang="0">
-                  <a:pos x="connsiteX3" y="connsiteY3"/>
-                </a:cxn>
-                <a:cxn ang="0">
-                  <a:pos x="connsiteX4" y="connsiteY4"/>
-                </a:cxn>
-                <a:cxn ang="0">
-                  <a:pos x="connsiteX5" y="connsiteY5"/>
-                </a:cxn>
-                <a:cxn ang="0">
-                  <a:pos x="connsiteX6" y="connsiteY6"/>
-                </a:cxn>
-              </a:cxnLst>
-              <a:rect l="l" t="t" r="r" b="b"/>
-              <a:pathLst>
-                <a:path w="82363" h="222250">
-                  <a:moveTo>
-                    <a:pt x="36606" y="222250"/>
-                  </a:moveTo>
-                  <a:cubicBezTo>
-                    <a:pt x="65368" y="193488"/>
-                    <a:pt x="82363" y="154268"/>
-                    <a:pt x="82363" y="111125"/>
-                  </a:cubicBezTo>
-                  <a:cubicBezTo>
-                    <a:pt x="82363" y="67982"/>
-                    <a:pt x="65368" y="28762"/>
-                    <a:pt x="36606" y="0"/>
-                  </a:cubicBezTo>
-                  <a:lnTo>
-                    <a:pt x="0" y="36606"/>
-                  </a:lnTo>
-                  <a:cubicBezTo>
-                    <a:pt x="18303" y="54909"/>
-                    <a:pt x="30069" y="81056"/>
-                    <a:pt x="30069" y="111125"/>
-                  </a:cubicBezTo>
-                  <a:cubicBezTo>
-                    <a:pt x="30069" y="141194"/>
-                    <a:pt x="18303" y="166034"/>
-                    <a:pt x="0" y="185644"/>
-                  </a:cubicBezTo>
-                  <a:lnTo>
-                    <a:pt x="36606" y="222250"/>
-                  </a:lnTo>
-                  <a:close/>
-                </a:path>
-              </a:pathLst>
-            </a:custGeom>
-            <a:solidFill>
-              <a:schemeClr val="tx2">
-                <a:lumMod val="75000"/>
-              </a:schemeClr>
-            </a:solidFill>
-            <a:ln w="12998" cap="flat">
-              <a:noFill/>
-              <a:prstDash val="solid"/>
-              <a:miter/>
-            </a:ln>
-          </p:spPr>
-          <p:txBody>
-            <a:bodyPr rtlCol="0" anchor="ctr"/>
-            <a:lstStyle/>
-            <a:p>
-              <a:endParaRPr lang="ja-JP" altLang="en-US"/>
-            </a:p>
-          </p:txBody>
-        </p:sp>
-        <p:sp>
-          <p:nvSpPr>
-            <p:cNvPr id="41" name="フリーフォーム: 図形 40">
-              <a:extLst>
-                <a:ext uri="{FF2B5EF4-FFF2-40B4-BE49-F238E27FC236}">
-                  <a16:creationId xmlns:a16="http://schemas.microsoft.com/office/drawing/2014/main" id="{67C33BA5-6B39-3859-D70F-3F3BEBD05F43}"/>
-                </a:ext>
-              </a:extLst>
-            </p:cNvPr>
-            <p:cNvSpPr/>
-            <p:nvPr/>
-          </p:nvSpPr>
-          <p:spPr>
-            <a:xfrm>
-              <a:off x="3707740" y="3060325"/>
-              <a:ext cx="113739" cy="368673"/>
-            </a:xfrm>
-            <a:custGeom>
-              <a:avLst/>
-              <a:gdLst>
-                <a:gd name="connsiteX0" fmla="*/ 0 w 113739"/>
-                <a:gd name="connsiteY0" fmla="*/ 332068 h 368673"/>
-                <a:gd name="connsiteX1" fmla="*/ 36606 w 113739"/>
-                <a:gd name="connsiteY1" fmla="*/ 368674 h 368673"/>
-                <a:gd name="connsiteX2" fmla="*/ 113740 w 113739"/>
-                <a:gd name="connsiteY2" fmla="*/ 184337 h 368673"/>
-                <a:gd name="connsiteX3" fmla="*/ 36606 w 113739"/>
-                <a:gd name="connsiteY3" fmla="*/ 0 h 368673"/>
-                <a:gd name="connsiteX4" fmla="*/ 0 w 113739"/>
-                <a:gd name="connsiteY4" fmla="*/ 36606 h 368673"/>
-                <a:gd name="connsiteX5" fmla="*/ 61446 w 113739"/>
-                <a:gd name="connsiteY5" fmla="*/ 184337 h 368673"/>
-                <a:gd name="connsiteX6" fmla="*/ 0 w 113739"/>
-                <a:gd name="connsiteY6" fmla="*/ 332068 h 368673"/>
-              </a:gdLst>
-              <a:ahLst/>
-              <a:cxnLst>
-                <a:cxn ang="0">
-                  <a:pos x="connsiteX0" y="connsiteY0"/>
-                </a:cxn>
-                <a:cxn ang="0">
-                  <a:pos x="connsiteX1" y="connsiteY1"/>
-                </a:cxn>
-                <a:cxn ang="0">
-                  <a:pos x="connsiteX2" y="connsiteY2"/>
-                </a:cxn>
-                <a:cxn ang="0">
-                  <a:pos x="connsiteX3" y="connsiteY3"/>
-                </a:cxn>
-                <a:cxn ang="0">
-                  <a:pos x="connsiteX4" y="connsiteY4"/>
-                </a:cxn>
-                <a:cxn ang="0">
-                  <a:pos x="connsiteX5" y="connsiteY5"/>
-                </a:cxn>
-                <a:cxn ang="0">
-                  <a:pos x="connsiteX6" y="connsiteY6"/>
-                </a:cxn>
-              </a:cxnLst>
-              <a:rect l="l" t="t" r="r" b="b"/>
-              <a:pathLst>
-                <a:path w="113739" h="368673">
-                  <a:moveTo>
-                    <a:pt x="0" y="332068"/>
-                  </a:moveTo>
-                  <a:lnTo>
-                    <a:pt x="36606" y="368674"/>
-                  </a:lnTo>
-                  <a:cubicBezTo>
-                    <a:pt x="84978" y="321609"/>
-                    <a:pt x="113740" y="256241"/>
-                    <a:pt x="113740" y="184337"/>
-                  </a:cubicBezTo>
-                  <a:cubicBezTo>
-                    <a:pt x="113740" y="112432"/>
-                    <a:pt x="84978" y="47065"/>
-                    <a:pt x="36606" y="0"/>
-                  </a:cubicBezTo>
-                  <a:lnTo>
-                    <a:pt x="0" y="36606"/>
-                  </a:lnTo>
-                  <a:cubicBezTo>
-                    <a:pt x="37913" y="74519"/>
-                    <a:pt x="61446" y="126813"/>
-                    <a:pt x="61446" y="184337"/>
-                  </a:cubicBezTo>
-                  <a:cubicBezTo>
-                    <a:pt x="61446" y="241860"/>
-                    <a:pt x="37913" y="294154"/>
-                    <a:pt x="0" y="332068"/>
-                  </a:cubicBezTo>
-                  <a:close/>
-                </a:path>
-              </a:pathLst>
-            </a:custGeom>
-            <a:solidFill>
-              <a:schemeClr val="tx2">
-                <a:lumMod val="75000"/>
-              </a:schemeClr>
-            </a:solidFill>
-            <a:ln w="12998" cap="flat">
-              <a:noFill/>
-              <a:prstDash val="solid"/>
-              <a:miter/>
-            </a:ln>
-          </p:spPr>
-          <p:txBody>
-            <a:bodyPr rtlCol="0" anchor="ctr"/>
-            <a:lstStyle/>
-            <a:p>
-              <a:endParaRPr lang="ja-JP" altLang="en-US"/>
-            </a:p>
-          </p:txBody>
-        </p:sp>
-        <p:sp>
-          <p:nvSpPr>
-            <p:cNvPr id="42" name="フリーフォーム: 図形 41">
-              <a:extLst>
-                <a:ext uri="{FF2B5EF4-FFF2-40B4-BE49-F238E27FC236}">
-                  <a16:creationId xmlns:a16="http://schemas.microsoft.com/office/drawing/2014/main" id="{BFDC2C13-A317-0C41-BF17-EFFD73A233F3}"/>
-                </a:ext>
-              </a:extLst>
-            </p:cNvPr>
-            <p:cNvSpPr/>
-            <p:nvPr/>
-          </p:nvSpPr>
-          <p:spPr>
-            <a:xfrm>
-              <a:off x="3782259" y="2985806"/>
-              <a:ext cx="143808" cy="517711"/>
-            </a:xfrm>
-            <a:custGeom>
-              <a:avLst/>
-              <a:gdLst>
-                <a:gd name="connsiteX0" fmla="*/ 0 w 143808"/>
-                <a:gd name="connsiteY0" fmla="*/ 481106 h 517711"/>
-                <a:gd name="connsiteX1" fmla="*/ 36606 w 143808"/>
-                <a:gd name="connsiteY1" fmla="*/ 517712 h 517711"/>
-                <a:gd name="connsiteX2" fmla="*/ 143809 w 143808"/>
-                <a:gd name="connsiteY2" fmla="*/ 258856 h 517711"/>
-                <a:gd name="connsiteX3" fmla="*/ 36606 w 143808"/>
-                <a:gd name="connsiteY3" fmla="*/ 0 h 517711"/>
-                <a:gd name="connsiteX4" fmla="*/ 0 w 143808"/>
-                <a:gd name="connsiteY4" fmla="*/ 36606 h 517711"/>
-                <a:gd name="connsiteX5" fmla="*/ 91515 w 143808"/>
-                <a:gd name="connsiteY5" fmla="*/ 258856 h 517711"/>
-                <a:gd name="connsiteX6" fmla="*/ 0 w 143808"/>
-                <a:gd name="connsiteY6" fmla="*/ 481106 h 517711"/>
-              </a:gdLst>
-              <a:ahLst/>
-              <a:cxnLst>
-                <a:cxn ang="0">
-                  <a:pos x="connsiteX0" y="connsiteY0"/>
-                </a:cxn>
-                <a:cxn ang="0">
-                  <a:pos x="connsiteX1" y="connsiteY1"/>
-                </a:cxn>
-                <a:cxn ang="0">
-                  <a:pos x="connsiteX2" y="connsiteY2"/>
-                </a:cxn>
-                <a:cxn ang="0">
-                  <a:pos x="connsiteX3" y="connsiteY3"/>
-                </a:cxn>
-                <a:cxn ang="0">
-                  <a:pos x="connsiteX4" y="connsiteY4"/>
-                </a:cxn>
-                <a:cxn ang="0">
-                  <a:pos x="connsiteX5" y="connsiteY5"/>
-                </a:cxn>
-                <a:cxn ang="0">
-                  <a:pos x="connsiteX6" y="connsiteY6"/>
-                </a:cxn>
-              </a:cxnLst>
-              <a:rect l="l" t="t" r="r" b="b"/>
-              <a:pathLst>
-                <a:path w="143808" h="517711">
-                  <a:moveTo>
-                    <a:pt x="0" y="481106"/>
-                  </a:moveTo>
-                  <a:lnTo>
-                    <a:pt x="36606" y="517712"/>
-                  </a:lnTo>
-                  <a:cubicBezTo>
-                    <a:pt x="103281" y="451037"/>
-                    <a:pt x="143809" y="359522"/>
-                    <a:pt x="143809" y="258856"/>
-                  </a:cubicBezTo>
-                  <a:cubicBezTo>
-                    <a:pt x="143809" y="158190"/>
-                    <a:pt x="103281" y="66675"/>
-                    <a:pt x="36606" y="0"/>
-                  </a:cubicBezTo>
-                  <a:lnTo>
-                    <a:pt x="0" y="36606"/>
-                  </a:lnTo>
-                  <a:cubicBezTo>
-                    <a:pt x="56216" y="92822"/>
-                    <a:pt x="91515" y="171263"/>
-                    <a:pt x="91515" y="258856"/>
-                  </a:cubicBezTo>
-                  <a:cubicBezTo>
-                    <a:pt x="91515" y="346449"/>
-                    <a:pt x="56216" y="423582"/>
-                    <a:pt x="0" y="481106"/>
-                  </a:cubicBezTo>
-                  <a:close/>
-                </a:path>
-              </a:pathLst>
-            </a:custGeom>
-            <a:solidFill>
-              <a:schemeClr val="tx2">
-                <a:lumMod val="75000"/>
-              </a:schemeClr>
-            </a:solidFill>
-            <a:ln w="12998" cap="flat">
-              <a:noFill/>
-              <a:prstDash val="solid"/>
-              <a:miter/>
-            </a:ln>
-          </p:spPr>
-          <p:txBody>
-            <a:bodyPr rtlCol="0" anchor="ctr"/>
-            <a:lstStyle/>
-            <a:p>
-              <a:endParaRPr lang="ja-JP" altLang="en-US"/>
-            </a:p>
-          </p:txBody>
-        </p:sp>
-        <p:sp>
-          <p:nvSpPr>
-            <p:cNvPr id="43" name="フリーフォーム: 図形 42">
-              <a:extLst>
-                <a:ext uri="{FF2B5EF4-FFF2-40B4-BE49-F238E27FC236}">
-                  <a16:creationId xmlns:a16="http://schemas.microsoft.com/office/drawing/2014/main" id="{E9E2AFE9-CF25-32AC-EA1C-CCB496DE3BB2}"/>
-                </a:ext>
-              </a:extLst>
-            </p:cNvPr>
-            <p:cNvSpPr/>
-            <p:nvPr/>
-          </p:nvSpPr>
-          <p:spPr>
-            <a:xfrm>
-              <a:off x="3115509" y="3192368"/>
-              <a:ext cx="889000" cy="679823"/>
-            </a:xfrm>
-            <a:custGeom>
-              <a:avLst/>
-              <a:gdLst>
-                <a:gd name="connsiteX0" fmla="*/ 784412 w 889000"/>
-                <a:gd name="connsiteY0" fmla="*/ 575235 h 679823"/>
-                <a:gd name="connsiteX1" fmla="*/ 758265 w 889000"/>
-                <a:gd name="connsiteY1" fmla="*/ 549088 h 679823"/>
-                <a:gd name="connsiteX2" fmla="*/ 784412 w 889000"/>
-                <a:gd name="connsiteY2" fmla="*/ 522941 h 679823"/>
-                <a:gd name="connsiteX3" fmla="*/ 810559 w 889000"/>
-                <a:gd name="connsiteY3" fmla="*/ 549088 h 679823"/>
-                <a:gd name="connsiteX4" fmla="*/ 784412 w 889000"/>
-                <a:gd name="connsiteY4" fmla="*/ 575235 h 679823"/>
-                <a:gd name="connsiteX5" fmla="*/ 653677 w 889000"/>
-                <a:gd name="connsiteY5" fmla="*/ 575235 h 679823"/>
-                <a:gd name="connsiteX6" fmla="*/ 627530 w 889000"/>
-                <a:gd name="connsiteY6" fmla="*/ 549088 h 679823"/>
-                <a:gd name="connsiteX7" fmla="*/ 653677 w 889000"/>
-                <a:gd name="connsiteY7" fmla="*/ 522941 h 679823"/>
-                <a:gd name="connsiteX8" fmla="*/ 679824 w 889000"/>
-                <a:gd name="connsiteY8" fmla="*/ 549088 h 679823"/>
-                <a:gd name="connsiteX9" fmla="*/ 653677 w 889000"/>
-                <a:gd name="connsiteY9" fmla="*/ 575235 h 679823"/>
-                <a:gd name="connsiteX10" fmla="*/ 522941 w 889000"/>
-                <a:gd name="connsiteY10" fmla="*/ 575235 h 679823"/>
-                <a:gd name="connsiteX11" fmla="*/ 496794 w 889000"/>
-                <a:gd name="connsiteY11" fmla="*/ 549088 h 679823"/>
-                <a:gd name="connsiteX12" fmla="*/ 522941 w 889000"/>
-                <a:gd name="connsiteY12" fmla="*/ 522941 h 679823"/>
-                <a:gd name="connsiteX13" fmla="*/ 549088 w 889000"/>
-                <a:gd name="connsiteY13" fmla="*/ 549088 h 679823"/>
-                <a:gd name="connsiteX14" fmla="*/ 522941 w 889000"/>
-                <a:gd name="connsiteY14" fmla="*/ 575235 h 679823"/>
-                <a:gd name="connsiteX15" fmla="*/ 392206 w 889000"/>
-                <a:gd name="connsiteY15" fmla="*/ 575235 h 679823"/>
-                <a:gd name="connsiteX16" fmla="*/ 366059 w 889000"/>
-                <a:gd name="connsiteY16" fmla="*/ 549088 h 679823"/>
-                <a:gd name="connsiteX17" fmla="*/ 392206 w 889000"/>
-                <a:gd name="connsiteY17" fmla="*/ 522941 h 679823"/>
-                <a:gd name="connsiteX18" fmla="*/ 418353 w 889000"/>
-                <a:gd name="connsiteY18" fmla="*/ 549088 h 679823"/>
-                <a:gd name="connsiteX19" fmla="*/ 392206 w 889000"/>
-                <a:gd name="connsiteY19" fmla="*/ 575235 h 679823"/>
-                <a:gd name="connsiteX20" fmla="*/ 130735 w 889000"/>
-                <a:gd name="connsiteY20" fmla="*/ 601382 h 679823"/>
-                <a:gd name="connsiteX21" fmla="*/ 78441 w 889000"/>
-                <a:gd name="connsiteY21" fmla="*/ 549088 h 679823"/>
-                <a:gd name="connsiteX22" fmla="*/ 130735 w 889000"/>
-                <a:gd name="connsiteY22" fmla="*/ 496794 h 679823"/>
-                <a:gd name="connsiteX23" fmla="*/ 183029 w 889000"/>
-                <a:gd name="connsiteY23" fmla="*/ 549088 h 679823"/>
-                <a:gd name="connsiteX24" fmla="*/ 130735 w 889000"/>
-                <a:gd name="connsiteY24" fmla="*/ 601382 h 679823"/>
-                <a:gd name="connsiteX25" fmla="*/ 836706 w 889000"/>
-                <a:gd name="connsiteY25" fmla="*/ 418353 h 679823"/>
-                <a:gd name="connsiteX26" fmla="*/ 470647 w 889000"/>
-                <a:gd name="connsiteY26" fmla="*/ 418353 h 679823"/>
-                <a:gd name="connsiteX27" fmla="*/ 470647 w 889000"/>
-                <a:gd name="connsiteY27" fmla="*/ 96744 h 679823"/>
-                <a:gd name="connsiteX28" fmla="*/ 496794 w 889000"/>
-                <a:gd name="connsiteY28" fmla="*/ 52294 h 679823"/>
-                <a:gd name="connsiteX29" fmla="*/ 444500 w 889000"/>
-                <a:gd name="connsiteY29" fmla="*/ 0 h 679823"/>
-                <a:gd name="connsiteX30" fmla="*/ 392206 w 889000"/>
-                <a:gd name="connsiteY30" fmla="*/ 52294 h 679823"/>
-                <a:gd name="connsiteX31" fmla="*/ 418353 w 889000"/>
-                <a:gd name="connsiteY31" fmla="*/ 96744 h 679823"/>
-                <a:gd name="connsiteX32" fmla="*/ 418353 w 889000"/>
-                <a:gd name="connsiteY32" fmla="*/ 418353 h 679823"/>
-                <a:gd name="connsiteX33" fmla="*/ 52294 w 889000"/>
-                <a:gd name="connsiteY33" fmla="*/ 418353 h 679823"/>
-                <a:gd name="connsiteX34" fmla="*/ 0 w 889000"/>
-                <a:gd name="connsiteY34" fmla="*/ 470647 h 679823"/>
-                <a:gd name="connsiteX35" fmla="*/ 0 w 889000"/>
-                <a:gd name="connsiteY35" fmla="*/ 627530 h 679823"/>
-                <a:gd name="connsiteX36" fmla="*/ 52294 w 889000"/>
-                <a:gd name="connsiteY36" fmla="*/ 679824 h 679823"/>
-                <a:gd name="connsiteX37" fmla="*/ 836706 w 889000"/>
-                <a:gd name="connsiteY37" fmla="*/ 679824 h 679823"/>
-                <a:gd name="connsiteX38" fmla="*/ 889000 w 889000"/>
-                <a:gd name="connsiteY38" fmla="*/ 627530 h 679823"/>
-                <a:gd name="connsiteX39" fmla="*/ 889000 w 889000"/>
-                <a:gd name="connsiteY39" fmla="*/ 470647 h 679823"/>
-                <a:gd name="connsiteX40" fmla="*/ 836706 w 889000"/>
-                <a:gd name="connsiteY40" fmla="*/ 418353 h 679823"/>
-              </a:gdLst>
-              <a:ahLst/>
-              <a:cxnLst>
-                <a:cxn ang="0">
-                  <a:pos x="connsiteX0" y="connsiteY0"/>
-                </a:cxn>
-                <a:cxn ang="0">
-                  <a:pos x="connsiteX1" y="connsiteY1"/>
-                </a:cxn>
-                <a:cxn ang="0">
-                  <a:pos x="connsiteX2" y="connsiteY2"/>
-                </a:cxn>
-                <a:cxn ang="0">
-                  <a:pos x="connsiteX3" y="connsiteY3"/>
-                </a:cxn>
-                <a:cxn ang="0">
-                  <a:pos x="connsiteX4" y="connsiteY4"/>
-                </a:cxn>
-                <a:cxn ang="0">
-                  <a:pos x="connsiteX5" y="connsiteY5"/>
-                </a:cxn>
-                <a:cxn ang="0">
-                  <a:pos x="connsiteX6" y="connsiteY6"/>
-                </a:cxn>
-                <a:cxn ang="0">
-                  <a:pos x="connsiteX7" y="connsiteY7"/>
-                </a:cxn>
-                <a:cxn ang="0">
-                  <a:pos x="connsiteX8" y="connsiteY8"/>
-                </a:cxn>
-                <a:cxn ang="0">
-                  <a:pos x="connsiteX9" y="connsiteY9"/>
-                </a:cxn>
-                <a:cxn ang="0">
-                  <a:pos x="connsiteX10" y="connsiteY10"/>
-                </a:cxn>
-                <a:cxn ang="0">
-                  <a:pos x="connsiteX11" y="connsiteY11"/>
-                </a:cxn>
-                <a:cxn ang="0">
-                  <a:pos x="connsiteX12" y="connsiteY12"/>
-                </a:cxn>
-                <a:cxn ang="0">
-                  <a:pos x="connsiteX13" y="connsiteY13"/>
-                </a:cxn>
-                <a:cxn ang="0">
-                  <a:pos x="connsiteX14" y="connsiteY14"/>
-                </a:cxn>
-                <a:cxn ang="0">
-                  <a:pos x="connsiteX15" y="connsiteY15"/>
-                </a:cxn>
-                <a:cxn ang="0">
-                  <a:pos x="connsiteX16" y="connsiteY16"/>
-                </a:cxn>
-                <a:cxn ang="0">
-                  <a:pos x="connsiteX17" y="connsiteY17"/>
-                </a:cxn>
-                <a:cxn ang="0">
-                  <a:pos x="connsiteX18" y="connsiteY18"/>
-                </a:cxn>
-                <a:cxn ang="0">
-                  <a:pos x="connsiteX19" y="connsiteY19"/>
-                </a:cxn>
-                <a:cxn ang="0">
-                  <a:pos x="connsiteX20" y="connsiteY20"/>
-                </a:cxn>
-                <a:cxn ang="0">
-                  <a:pos x="connsiteX21" y="connsiteY21"/>
-                </a:cxn>
-                <a:cxn ang="0">
-                  <a:pos x="connsiteX22" y="connsiteY22"/>
-                </a:cxn>
-                <a:cxn ang="0">
-                  <a:pos x="connsiteX23" y="connsiteY23"/>
-                </a:cxn>
-                <a:cxn ang="0">
-                  <a:pos x="connsiteX24" y="connsiteY24"/>
-                </a:cxn>
-                <a:cxn ang="0">
-                  <a:pos x="connsiteX25" y="connsiteY25"/>
-                </a:cxn>
-                <a:cxn ang="0">
-                  <a:pos x="connsiteX26" y="connsiteY26"/>
-                </a:cxn>
-                <a:cxn ang="0">
-                  <a:pos x="connsiteX27" y="connsiteY27"/>
-                </a:cxn>
-                <a:cxn ang="0">
-                  <a:pos x="connsiteX28" y="connsiteY28"/>
-                </a:cxn>
-                <a:cxn ang="0">
-                  <a:pos x="connsiteX29" y="connsiteY29"/>
-                </a:cxn>
-                <a:cxn ang="0">
-                  <a:pos x="connsiteX30" y="connsiteY30"/>
-                </a:cxn>
-                <a:cxn ang="0">
-                  <a:pos x="connsiteX31" y="connsiteY31"/>
-                </a:cxn>
-                <a:cxn ang="0">
-                  <a:pos x="connsiteX32" y="connsiteY32"/>
-                </a:cxn>
-                <a:cxn ang="0">
-                  <a:pos x="connsiteX33" y="connsiteY33"/>
-                </a:cxn>
-                <a:cxn ang="0">
-                  <a:pos x="connsiteX34" y="connsiteY34"/>
-                </a:cxn>
-                <a:cxn ang="0">
-                  <a:pos x="connsiteX35" y="connsiteY35"/>
-                </a:cxn>
-                <a:cxn ang="0">
-                  <a:pos x="connsiteX36" y="connsiteY36"/>
-                </a:cxn>
-                <a:cxn ang="0">
-                  <a:pos x="connsiteX37" y="connsiteY37"/>
-                </a:cxn>
-                <a:cxn ang="0">
-                  <a:pos x="connsiteX38" y="connsiteY38"/>
-                </a:cxn>
-                <a:cxn ang="0">
-                  <a:pos x="connsiteX39" y="connsiteY39"/>
-                </a:cxn>
-                <a:cxn ang="0">
-                  <a:pos x="connsiteX40" y="connsiteY40"/>
-                </a:cxn>
-              </a:cxnLst>
-              <a:rect l="l" t="t" r="r" b="b"/>
-              <a:pathLst>
-                <a:path w="889000" h="679823">
-                  <a:moveTo>
-                    <a:pt x="784412" y="575235"/>
-                  </a:moveTo>
-                  <a:cubicBezTo>
-                    <a:pt x="770031" y="575235"/>
-                    <a:pt x="758265" y="563469"/>
-                    <a:pt x="758265" y="549088"/>
-                  </a:cubicBezTo>
-                  <a:cubicBezTo>
-                    <a:pt x="758265" y="534708"/>
-                    <a:pt x="770031" y="522941"/>
-                    <a:pt x="784412" y="522941"/>
-                  </a:cubicBezTo>
-                  <a:cubicBezTo>
-                    <a:pt x="798793" y="522941"/>
-                    <a:pt x="810559" y="534708"/>
-                    <a:pt x="810559" y="549088"/>
-                  </a:cubicBezTo>
-                  <a:cubicBezTo>
-                    <a:pt x="810559" y="563469"/>
-                    <a:pt x="798793" y="575235"/>
-                    <a:pt x="784412" y="575235"/>
-                  </a:cubicBezTo>
-                  <a:close/>
-                  <a:moveTo>
-                    <a:pt x="653677" y="575235"/>
-                  </a:moveTo>
-                  <a:cubicBezTo>
-                    <a:pt x="639296" y="575235"/>
-                    <a:pt x="627530" y="563469"/>
-                    <a:pt x="627530" y="549088"/>
-                  </a:cubicBezTo>
-                  <a:cubicBezTo>
-                    <a:pt x="627530" y="534708"/>
-                    <a:pt x="639296" y="522941"/>
-                    <a:pt x="653677" y="522941"/>
-                  </a:cubicBezTo>
-                  <a:cubicBezTo>
-                    <a:pt x="668057" y="522941"/>
-                    <a:pt x="679824" y="534708"/>
-                    <a:pt x="679824" y="549088"/>
-                  </a:cubicBezTo>
-                  <a:cubicBezTo>
-                    <a:pt x="679824" y="563469"/>
-                    <a:pt x="668057" y="575235"/>
-                    <a:pt x="653677" y="575235"/>
-                  </a:cubicBezTo>
-                  <a:close/>
-                  <a:moveTo>
-                    <a:pt x="522941" y="575235"/>
-                  </a:moveTo>
-                  <a:cubicBezTo>
-                    <a:pt x="508560" y="575235"/>
-                    <a:pt x="496794" y="563469"/>
-                    <a:pt x="496794" y="549088"/>
-                  </a:cubicBezTo>
-                  <a:cubicBezTo>
-                    <a:pt x="496794" y="534708"/>
-                    <a:pt x="508560" y="522941"/>
-                    <a:pt x="522941" y="522941"/>
-                  </a:cubicBezTo>
-                  <a:cubicBezTo>
-                    <a:pt x="537322" y="522941"/>
-                    <a:pt x="549088" y="534708"/>
-                    <a:pt x="549088" y="549088"/>
-                  </a:cubicBezTo>
-                  <a:cubicBezTo>
-                    <a:pt x="549088" y="563469"/>
-                    <a:pt x="537322" y="575235"/>
-                    <a:pt x="522941" y="575235"/>
-                  </a:cubicBezTo>
-                  <a:close/>
-                  <a:moveTo>
-                    <a:pt x="392206" y="575235"/>
-                  </a:moveTo>
-                  <a:cubicBezTo>
-                    <a:pt x="377825" y="575235"/>
-                    <a:pt x="366059" y="563469"/>
-                    <a:pt x="366059" y="549088"/>
-                  </a:cubicBezTo>
-                  <a:cubicBezTo>
-                    <a:pt x="366059" y="534708"/>
-                    <a:pt x="377825" y="522941"/>
-                    <a:pt x="392206" y="522941"/>
-                  </a:cubicBezTo>
-                  <a:cubicBezTo>
-                    <a:pt x="406587" y="522941"/>
-                    <a:pt x="418353" y="534708"/>
-                    <a:pt x="418353" y="549088"/>
-                  </a:cubicBezTo>
-                  <a:cubicBezTo>
-                    <a:pt x="418353" y="563469"/>
-                    <a:pt x="406587" y="575235"/>
-                    <a:pt x="392206" y="575235"/>
-                  </a:cubicBezTo>
-                  <a:close/>
-                  <a:moveTo>
-                    <a:pt x="130735" y="601382"/>
-                  </a:moveTo>
-                  <a:cubicBezTo>
-                    <a:pt x="101974" y="601382"/>
-                    <a:pt x="78441" y="577850"/>
-                    <a:pt x="78441" y="549088"/>
-                  </a:cubicBezTo>
-                  <a:cubicBezTo>
-                    <a:pt x="78441" y="520327"/>
-                    <a:pt x="101974" y="496794"/>
-                    <a:pt x="130735" y="496794"/>
-                  </a:cubicBezTo>
-                  <a:cubicBezTo>
-                    <a:pt x="159497" y="496794"/>
-                    <a:pt x="183029" y="520327"/>
-                    <a:pt x="183029" y="549088"/>
-                  </a:cubicBezTo>
-                  <a:cubicBezTo>
-                    <a:pt x="183029" y="577850"/>
-                    <a:pt x="159497" y="601382"/>
-                    <a:pt x="130735" y="601382"/>
-                  </a:cubicBezTo>
-                  <a:close/>
-                  <a:moveTo>
-                    <a:pt x="836706" y="418353"/>
-                  </a:moveTo>
-                  <a:lnTo>
-                    <a:pt x="470647" y="418353"/>
-                  </a:lnTo>
-                  <a:lnTo>
-                    <a:pt x="470647" y="96744"/>
-                  </a:lnTo>
-                  <a:cubicBezTo>
-                    <a:pt x="486335" y="87593"/>
-                    <a:pt x="496794" y="70597"/>
-                    <a:pt x="496794" y="52294"/>
-                  </a:cubicBezTo>
-                  <a:cubicBezTo>
-                    <a:pt x="496794" y="23532"/>
-                    <a:pt x="473262" y="0"/>
-                    <a:pt x="444500" y="0"/>
-                  </a:cubicBezTo>
-                  <a:cubicBezTo>
-                    <a:pt x="415738" y="0"/>
-                    <a:pt x="392206" y="23532"/>
-                    <a:pt x="392206" y="52294"/>
-                  </a:cubicBezTo>
-                  <a:cubicBezTo>
-                    <a:pt x="392206" y="71904"/>
-                    <a:pt x="402665" y="88900"/>
-                    <a:pt x="418353" y="96744"/>
-                  </a:cubicBezTo>
-                  <a:lnTo>
-                    <a:pt x="418353" y="418353"/>
-                  </a:lnTo>
-                  <a:lnTo>
-                    <a:pt x="52294" y="418353"/>
-                  </a:lnTo>
-                  <a:cubicBezTo>
-                    <a:pt x="23532" y="418353"/>
-                    <a:pt x="0" y="441885"/>
-                    <a:pt x="0" y="470647"/>
-                  </a:cubicBezTo>
-                  <a:lnTo>
-                    <a:pt x="0" y="627530"/>
-                  </a:lnTo>
-                  <a:cubicBezTo>
-                    <a:pt x="0" y="656291"/>
-                    <a:pt x="23532" y="679824"/>
-                    <a:pt x="52294" y="679824"/>
-                  </a:cubicBezTo>
-                  <a:lnTo>
-                    <a:pt x="836706" y="679824"/>
-                  </a:lnTo>
-                  <a:cubicBezTo>
-                    <a:pt x="865468" y="679824"/>
-                    <a:pt x="889000" y="656291"/>
-                    <a:pt x="889000" y="627530"/>
-                  </a:cubicBezTo>
-                  <a:lnTo>
-                    <a:pt x="889000" y="470647"/>
-                  </a:lnTo>
-                  <a:cubicBezTo>
-                    <a:pt x="889000" y="441885"/>
-                    <a:pt x="865468" y="418353"/>
-                    <a:pt x="836706" y="418353"/>
-                  </a:cubicBezTo>
-                  <a:close/>
-                </a:path>
-              </a:pathLst>
-            </a:custGeom>
-            <a:solidFill>
-              <a:schemeClr val="tx2">
-                <a:lumMod val="75000"/>
-              </a:schemeClr>
-            </a:solidFill>
-            <a:ln w="12998" cap="flat">
-              <a:noFill/>
-              <a:prstDash val="solid"/>
-              <a:miter/>
-            </a:ln>
-          </p:spPr>
-          <p:txBody>
-            <a:bodyPr rtlCol="0" anchor="ctr"/>
-            <a:lstStyle/>
-            <a:p>
-              <a:endParaRPr lang="ja-JP" altLang="en-US"/>
-            </a:p>
-          </p:txBody>
-        </p:sp>
-      </p:grpSp>
-      <p:grpSp>
-        <p:nvGrpSpPr>
-          <p:cNvPr id="19" name="グループ化 18">
-            <a:extLst>
-              <a:ext uri="{FF2B5EF4-FFF2-40B4-BE49-F238E27FC236}">
-                <a16:creationId xmlns:a16="http://schemas.microsoft.com/office/drawing/2014/main" id="{BFDC8F70-72A3-5460-333C-FC1A286F8F6A}"/>
-              </a:ext>
-            </a:extLst>
-          </p:cNvPr>
-          <p:cNvGrpSpPr/>
-          <p:nvPr/>
-        </p:nvGrpSpPr>
-        <p:grpSpPr>
-          <a:xfrm>
-            <a:off x="1980429" y="4384268"/>
-            <a:ext cx="1943772" cy="1255059"/>
-            <a:chOff x="1980429" y="5003393"/>
-            <a:chExt cx="1943772" cy="1255059"/>
-          </a:xfrm>
-        </p:grpSpPr>
-        <p:sp>
-          <p:nvSpPr>
-            <p:cNvPr id="46" name="グラフィックス 7" descr="タブレット">
-              <a:extLst>
-                <a:ext uri="{FF2B5EF4-FFF2-40B4-BE49-F238E27FC236}">
-                  <a16:creationId xmlns:a16="http://schemas.microsoft.com/office/drawing/2014/main" id="{C5BB742A-C09E-D342-5C9E-5F0213F6E919}"/>
-                </a:ext>
-              </a:extLst>
-            </p:cNvPr>
-            <p:cNvSpPr/>
-            <p:nvPr/>
-          </p:nvSpPr>
-          <p:spPr>
-            <a:xfrm>
-              <a:off x="3195819" y="5185486"/>
-              <a:ext cx="728382" cy="509867"/>
-            </a:xfrm>
-            <a:custGeom>
-              <a:avLst/>
-              <a:gdLst>
-                <a:gd name="connsiteX0" fmla="*/ 673754 w 728382"/>
-                <a:gd name="connsiteY0" fmla="*/ 455239 h 509867"/>
-                <a:gd name="connsiteX1" fmla="*/ 54629 w 728382"/>
-                <a:gd name="connsiteY1" fmla="*/ 455239 h 509867"/>
-                <a:gd name="connsiteX2" fmla="*/ 54629 w 728382"/>
-                <a:gd name="connsiteY2" fmla="*/ 54629 h 509867"/>
-                <a:gd name="connsiteX3" fmla="*/ 673754 w 728382"/>
-                <a:gd name="connsiteY3" fmla="*/ 54629 h 509867"/>
-                <a:gd name="connsiteX4" fmla="*/ 673754 w 728382"/>
-                <a:gd name="connsiteY4" fmla="*/ 455239 h 509867"/>
-                <a:gd name="connsiteX5" fmla="*/ 409715 w 728382"/>
-                <a:gd name="connsiteY5" fmla="*/ 491658 h 509867"/>
-                <a:gd name="connsiteX6" fmla="*/ 318667 w 728382"/>
-                <a:gd name="connsiteY6" fmla="*/ 491658 h 509867"/>
-                <a:gd name="connsiteX7" fmla="*/ 309563 w 728382"/>
-                <a:gd name="connsiteY7" fmla="*/ 482553 h 509867"/>
-                <a:gd name="connsiteX8" fmla="*/ 318667 w 728382"/>
-                <a:gd name="connsiteY8" fmla="*/ 473449 h 509867"/>
-                <a:gd name="connsiteX9" fmla="*/ 409715 w 728382"/>
-                <a:gd name="connsiteY9" fmla="*/ 473449 h 509867"/>
-                <a:gd name="connsiteX10" fmla="*/ 418820 w 728382"/>
-                <a:gd name="connsiteY10" fmla="*/ 482553 h 509867"/>
-                <a:gd name="connsiteX11" fmla="*/ 409715 w 728382"/>
-                <a:gd name="connsiteY11" fmla="*/ 491658 h 509867"/>
-                <a:gd name="connsiteX12" fmla="*/ 364191 w 728382"/>
-                <a:gd name="connsiteY12" fmla="*/ 18210 h 509867"/>
-                <a:gd name="connsiteX13" fmla="*/ 373296 w 728382"/>
-                <a:gd name="connsiteY13" fmla="*/ 27314 h 509867"/>
-                <a:gd name="connsiteX14" fmla="*/ 364191 w 728382"/>
-                <a:gd name="connsiteY14" fmla="*/ 36419 h 509867"/>
-                <a:gd name="connsiteX15" fmla="*/ 355086 w 728382"/>
-                <a:gd name="connsiteY15" fmla="*/ 27314 h 509867"/>
-                <a:gd name="connsiteX16" fmla="*/ 364191 w 728382"/>
-                <a:gd name="connsiteY16" fmla="*/ 18210 h 509867"/>
-                <a:gd name="connsiteX17" fmla="*/ 691963 w 728382"/>
-                <a:gd name="connsiteY17" fmla="*/ 0 h 509867"/>
-                <a:gd name="connsiteX18" fmla="*/ 36419 w 728382"/>
-                <a:gd name="connsiteY18" fmla="*/ 0 h 509867"/>
-                <a:gd name="connsiteX19" fmla="*/ 0 w 728382"/>
-                <a:gd name="connsiteY19" fmla="*/ 36419 h 509867"/>
-                <a:gd name="connsiteX20" fmla="*/ 0 w 728382"/>
-                <a:gd name="connsiteY20" fmla="*/ 473449 h 509867"/>
-                <a:gd name="connsiteX21" fmla="*/ 36419 w 728382"/>
-                <a:gd name="connsiteY21" fmla="*/ 509868 h 509867"/>
-                <a:gd name="connsiteX22" fmla="*/ 691963 w 728382"/>
-                <a:gd name="connsiteY22" fmla="*/ 509868 h 509867"/>
-                <a:gd name="connsiteX23" fmla="*/ 728383 w 728382"/>
-                <a:gd name="connsiteY23" fmla="*/ 473449 h 509867"/>
-                <a:gd name="connsiteX24" fmla="*/ 728383 w 728382"/>
-                <a:gd name="connsiteY24" fmla="*/ 36419 h 509867"/>
-                <a:gd name="connsiteX25" fmla="*/ 691963 w 728382"/>
-                <a:gd name="connsiteY25" fmla="*/ 0 h 509867"/>
-              </a:gdLst>
-              <a:ahLst/>
-              <a:cxnLst>
-                <a:cxn ang="0">
-                  <a:pos x="connsiteX0" y="connsiteY0"/>
-                </a:cxn>
-                <a:cxn ang="0">
-                  <a:pos x="connsiteX1" y="connsiteY1"/>
-                </a:cxn>
-                <a:cxn ang="0">
-                  <a:pos x="connsiteX2" y="connsiteY2"/>
-                </a:cxn>
-                <a:cxn ang="0">
-                  <a:pos x="connsiteX3" y="connsiteY3"/>
-                </a:cxn>
-                <a:cxn ang="0">
-                  <a:pos x="connsiteX4" y="connsiteY4"/>
-                </a:cxn>
-                <a:cxn ang="0">
-                  <a:pos x="connsiteX5" y="connsiteY5"/>
-                </a:cxn>
-                <a:cxn ang="0">
-                  <a:pos x="connsiteX6" y="connsiteY6"/>
-                </a:cxn>
-                <a:cxn ang="0">
-                  <a:pos x="connsiteX7" y="connsiteY7"/>
-                </a:cxn>
-                <a:cxn ang="0">
-                  <a:pos x="connsiteX8" y="connsiteY8"/>
-                </a:cxn>
-                <a:cxn ang="0">
-                  <a:pos x="connsiteX9" y="connsiteY9"/>
-                </a:cxn>
-                <a:cxn ang="0">
-                  <a:pos x="connsiteX10" y="connsiteY10"/>
-                </a:cxn>
-                <a:cxn ang="0">
-                  <a:pos x="connsiteX11" y="connsiteY11"/>
-                </a:cxn>
-                <a:cxn ang="0">
-                  <a:pos x="connsiteX12" y="connsiteY12"/>
-                </a:cxn>
-                <a:cxn ang="0">
-                  <a:pos x="connsiteX13" y="connsiteY13"/>
-                </a:cxn>
-                <a:cxn ang="0">
-                  <a:pos x="connsiteX14" y="connsiteY14"/>
-                </a:cxn>
-                <a:cxn ang="0">
-                  <a:pos x="connsiteX15" y="connsiteY15"/>
-                </a:cxn>
-                <a:cxn ang="0">
-                  <a:pos x="connsiteX16" y="connsiteY16"/>
-                </a:cxn>
-                <a:cxn ang="0">
-                  <a:pos x="connsiteX17" y="connsiteY17"/>
-                </a:cxn>
-                <a:cxn ang="0">
-                  <a:pos x="connsiteX18" y="connsiteY18"/>
-                </a:cxn>
-                <a:cxn ang="0">
-                  <a:pos x="connsiteX19" y="connsiteY19"/>
-                </a:cxn>
-                <a:cxn ang="0">
-                  <a:pos x="connsiteX20" y="connsiteY20"/>
-                </a:cxn>
-                <a:cxn ang="0">
-                  <a:pos x="connsiteX21" y="connsiteY21"/>
-                </a:cxn>
-                <a:cxn ang="0">
-                  <a:pos x="connsiteX22" y="connsiteY22"/>
-                </a:cxn>
-                <a:cxn ang="0">
-                  <a:pos x="connsiteX23" y="connsiteY23"/>
-                </a:cxn>
-                <a:cxn ang="0">
-                  <a:pos x="connsiteX24" y="connsiteY24"/>
-                </a:cxn>
-                <a:cxn ang="0">
-                  <a:pos x="connsiteX25" y="connsiteY25"/>
-                </a:cxn>
-              </a:cxnLst>
-              <a:rect l="l" t="t" r="r" b="b"/>
-              <a:pathLst>
-                <a:path w="728382" h="509867">
-                  <a:moveTo>
-                    <a:pt x="673754" y="455239"/>
-                  </a:moveTo>
-                  <a:lnTo>
-                    <a:pt x="54629" y="455239"/>
-                  </a:lnTo>
-                  <a:lnTo>
-                    <a:pt x="54629" y="54629"/>
-                  </a:lnTo>
-                  <a:lnTo>
-                    <a:pt x="673754" y="54629"/>
-                  </a:lnTo>
-                  <a:lnTo>
-                    <a:pt x="673754" y="455239"/>
-                  </a:lnTo>
-                  <a:close/>
-                  <a:moveTo>
-                    <a:pt x="409715" y="491658"/>
-                  </a:moveTo>
-                  <a:lnTo>
-                    <a:pt x="318667" y="491658"/>
-                  </a:lnTo>
-                  <a:cubicBezTo>
-                    <a:pt x="313205" y="491658"/>
-                    <a:pt x="309563" y="488016"/>
-                    <a:pt x="309563" y="482553"/>
-                  </a:cubicBezTo>
-                  <a:cubicBezTo>
-                    <a:pt x="309563" y="477091"/>
-                    <a:pt x="313205" y="473449"/>
-                    <a:pt x="318667" y="473449"/>
-                  </a:cubicBezTo>
-                  <a:lnTo>
-                    <a:pt x="409715" y="473449"/>
-                  </a:lnTo>
-                  <a:cubicBezTo>
-                    <a:pt x="415178" y="473449"/>
-                    <a:pt x="418820" y="477091"/>
-                    <a:pt x="418820" y="482553"/>
-                  </a:cubicBezTo>
-                  <a:cubicBezTo>
-                    <a:pt x="418820" y="488016"/>
-                    <a:pt x="415178" y="491658"/>
-                    <a:pt x="409715" y="491658"/>
-                  </a:cubicBezTo>
-                  <a:close/>
-                  <a:moveTo>
-                    <a:pt x="364191" y="18210"/>
-                  </a:moveTo>
-                  <a:cubicBezTo>
-                    <a:pt x="369654" y="18210"/>
-                    <a:pt x="373296" y="21851"/>
-                    <a:pt x="373296" y="27314"/>
-                  </a:cubicBezTo>
-                  <a:cubicBezTo>
-                    <a:pt x="373296" y="32777"/>
-                    <a:pt x="369654" y="36419"/>
-                    <a:pt x="364191" y="36419"/>
-                  </a:cubicBezTo>
-                  <a:cubicBezTo>
-                    <a:pt x="358728" y="36419"/>
-                    <a:pt x="355086" y="32777"/>
-                    <a:pt x="355086" y="27314"/>
-                  </a:cubicBezTo>
-                  <a:cubicBezTo>
-                    <a:pt x="355086" y="21851"/>
-                    <a:pt x="358728" y="18210"/>
-                    <a:pt x="364191" y="18210"/>
-                  </a:cubicBezTo>
-                  <a:close/>
-                  <a:moveTo>
-                    <a:pt x="691963" y="0"/>
-                  </a:moveTo>
-                  <a:lnTo>
-                    <a:pt x="36419" y="0"/>
-                  </a:lnTo>
-                  <a:cubicBezTo>
-                    <a:pt x="16389" y="0"/>
-                    <a:pt x="0" y="16389"/>
-                    <a:pt x="0" y="36419"/>
-                  </a:cubicBezTo>
-                  <a:lnTo>
-                    <a:pt x="0" y="473449"/>
-                  </a:lnTo>
-                  <a:cubicBezTo>
-                    <a:pt x="0" y="493479"/>
-                    <a:pt x="16389" y="509868"/>
-                    <a:pt x="36419" y="509868"/>
-                  </a:cubicBezTo>
-                  <a:lnTo>
-                    <a:pt x="691963" y="509868"/>
-                  </a:lnTo>
-                  <a:cubicBezTo>
-                    <a:pt x="711994" y="509868"/>
-                    <a:pt x="728383" y="493479"/>
-                    <a:pt x="728383" y="473449"/>
-                  </a:cubicBezTo>
-                  <a:lnTo>
-                    <a:pt x="728383" y="36419"/>
-                  </a:lnTo>
-                  <a:cubicBezTo>
-                    <a:pt x="728383" y="16389"/>
-                    <a:pt x="711994" y="0"/>
-                    <a:pt x="691963" y="0"/>
-                  </a:cubicBezTo>
-                  <a:close/>
-                </a:path>
-              </a:pathLst>
-            </a:custGeom>
-            <a:solidFill>
-              <a:schemeClr val="tx2">
-                <a:lumMod val="75000"/>
-              </a:schemeClr>
-            </a:solidFill>
-            <a:ln w="9029" cap="flat">
-              <a:noFill/>
-              <a:prstDash val="solid"/>
-              <a:miter/>
-            </a:ln>
-          </p:spPr>
-          <p:txBody>
-            <a:bodyPr rtlCol="0" anchor="ctr"/>
-            <a:lstStyle/>
-            <a:p>
-              <a:endParaRPr lang="ja-JP" altLang="en-US" dirty="0"/>
-            </a:p>
-          </p:txBody>
-        </p:sp>
-        <p:pic>
-          <p:nvPicPr>
-            <p:cNvPr id="12" name="グラフィックス 11" descr="男の人">
-              <a:extLst>
-                <a:ext uri="{FF2B5EF4-FFF2-40B4-BE49-F238E27FC236}">
-                  <a16:creationId xmlns:a16="http://schemas.microsoft.com/office/drawing/2014/main" id="{F7DDC222-B467-E05D-763B-871494F987B1}"/>
-                </a:ext>
-              </a:extLst>
-            </p:cNvPr>
-            <p:cNvPicPr>
-              <a:picLocks noChangeAspect="1"/>
-            </p:cNvPicPr>
-            <p:nvPr/>
-          </p:nvPicPr>
-          <p:blipFill>
-            <a:blip r:embed="rId2">
-              <a:extLst>
-                <a:ext uri="{28A0092B-C50C-407E-A947-70E740481C1C}">
-                  <a14:useLocalDpi xmlns:a14="http://schemas.microsoft.com/office/drawing/2010/main" val="0"/>
-                </a:ext>
-                <a:ext uri="{96DAC541-7B7A-43D3-8B79-37D633B846F1}">
-                  <asvg:svgBlip xmlns:asvg="http://schemas.microsoft.com/office/drawing/2016/SVG/main" r:embed="rId3"/>
-                </a:ext>
-              </a:extLst>
-            </a:blip>
-            <a:stretch>
-              <a:fillRect/>
-            </a:stretch>
-          </p:blipFill>
-          <p:spPr>
-            <a:xfrm>
-              <a:off x="1980429" y="5003393"/>
-              <a:ext cx="1255059" cy="1255059"/>
-            </a:xfrm>
-            <a:prstGeom prst="rect">
-              <a:avLst/>
-            </a:prstGeom>
-          </p:spPr>
-        </p:pic>
-      </p:grpSp>
-      <p:grpSp>
-        <p:nvGrpSpPr>
-          <p:cNvPr id="15" name="グループ化 14">
-            <a:extLst>
-              <a:ext uri="{FF2B5EF4-FFF2-40B4-BE49-F238E27FC236}">
-                <a16:creationId xmlns:a16="http://schemas.microsoft.com/office/drawing/2014/main" id="{7B91E4EC-AF4A-3E68-D908-250A581774BA}"/>
-              </a:ext>
-            </a:extLst>
-          </p:cNvPr>
-          <p:cNvGrpSpPr/>
-          <p:nvPr/>
-        </p:nvGrpSpPr>
-        <p:grpSpPr>
-          <a:xfrm>
-            <a:off x="5087694" y="4384267"/>
-            <a:ext cx="1943772" cy="1255059"/>
-            <a:chOff x="4840940" y="4859958"/>
-            <a:chExt cx="1943772" cy="1255059"/>
-          </a:xfrm>
-        </p:grpSpPr>
-        <p:pic>
-          <p:nvPicPr>
-            <p:cNvPr id="11" name="グラフィックス 10" descr="男の人">
-              <a:extLst>
-                <a:ext uri="{FF2B5EF4-FFF2-40B4-BE49-F238E27FC236}">
-                  <a16:creationId xmlns:a16="http://schemas.microsoft.com/office/drawing/2014/main" id="{E5928167-7A76-B9A8-3D1A-81B1E5025BA3}"/>
-                </a:ext>
-              </a:extLst>
-            </p:cNvPr>
-            <p:cNvPicPr>
-              <a:picLocks noChangeAspect="1"/>
-            </p:cNvPicPr>
-            <p:nvPr/>
-          </p:nvPicPr>
-          <p:blipFill>
-            <a:blip r:embed="rId2">
-              <a:extLst>
-                <a:ext uri="{28A0092B-C50C-407E-A947-70E740481C1C}">
-                  <a14:useLocalDpi xmlns:a14="http://schemas.microsoft.com/office/drawing/2010/main" val="0"/>
-                </a:ext>
-                <a:ext uri="{96DAC541-7B7A-43D3-8B79-37D633B846F1}">
-                  <asvg:svgBlip xmlns:asvg="http://schemas.microsoft.com/office/drawing/2016/SVG/main" r:embed="rId3"/>
-                </a:ext>
-              </a:extLst>
-            </a:blip>
-            <a:stretch>
-              <a:fillRect/>
-            </a:stretch>
-          </p:blipFill>
-          <p:spPr>
-            <a:xfrm>
-              <a:off x="4840940" y="4859958"/>
-              <a:ext cx="1255059" cy="1255059"/>
-            </a:xfrm>
-            <a:prstGeom prst="rect">
-              <a:avLst/>
-            </a:prstGeom>
-          </p:spPr>
-        </p:pic>
-        <p:sp>
-          <p:nvSpPr>
-            <p:cNvPr id="34" name="グラフィックス 12" descr="タブレット">
-              <a:extLst>
-                <a:ext uri="{FF2B5EF4-FFF2-40B4-BE49-F238E27FC236}">
-                  <a16:creationId xmlns:a16="http://schemas.microsoft.com/office/drawing/2014/main" id="{A70B5BE3-E8C5-F6C3-E79F-C0E4DD67D691}"/>
-                </a:ext>
-              </a:extLst>
-            </p:cNvPr>
-            <p:cNvSpPr/>
-            <p:nvPr/>
-          </p:nvSpPr>
-          <p:spPr>
-            <a:xfrm>
-              <a:off x="6056330" y="5042052"/>
-              <a:ext cx="728382" cy="509867"/>
-            </a:xfrm>
-            <a:custGeom>
-              <a:avLst/>
-              <a:gdLst>
-                <a:gd name="connsiteX0" fmla="*/ 673754 w 728382"/>
-                <a:gd name="connsiteY0" fmla="*/ 455239 h 509867"/>
-                <a:gd name="connsiteX1" fmla="*/ 54629 w 728382"/>
-                <a:gd name="connsiteY1" fmla="*/ 455239 h 509867"/>
-                <a:gd name="connsiteX2" fmla="*/ 54629 w 728382"/>
-                <a:gd name="connsiteY2" fmla="*/ 54629 h 509867"/>
-                <a:gd name="connsiteX3" fmla="*/ 673754 w 728382"/>
-                <a:gd name="connsiteY3" fmla="*/ 54629 h 509867"/>
-                <a:gd name="connsiteX4" fmla="*/ 673754 w 728382"/>
-                <a:gd name="connsiteY4" fmla="*/ 455239 h 509867"/>
-                <a:gd name="connsiteX5" fmla="*/ 409715 w 728382"/>
-                <a:gd name="connsiteY5" fmla="*/ 491658 h 509867"/>
-                <a:gd name="connsiteX6" fmla="*/ 318667 w 728382"/>
-                <a:gd name="connsiteY6" fmla="*/ 491658 h 509867"/>
-                <a:gd name="connsiteX7" fmla="*/ 309563 w 728382"/>
-                <a:gd name="connsiteY7" fmla="*/ 482553 h 509867"/>
-                <a:gd name="connsiteX8" fmla="*/ 318667 w 728382"/>
-                <a:gd name="connsiteY8" fmla="*/ 473449 h 509867"/>
-                <a:gd name="connsiteX9" fmla="*/ 409715 w 728382"/>
-                <a:gd name="connsiteY9" fmla="*/ 473449 h 509867"/>
-                <a:gd name="connsiteX10" fmla="*/ 418820 w 728382"/>
-                <a:gd name="connsiteY10" fmla="*/ 482553 h 509867"/>
-                <a:gd name="connsiteX11" fmla="*/ 409715 w 728382"/>
-                <a:gd name="connsiteY11" fmla="*/ 491658 h 509867"/>
-                <a:gd name="connsiteX12" fmla="*/ 364191 w 728382"/>
-                <a:gd name="connsiteY12" fmla="*/ 18210 h 509867"/>
-                <a:gd name="connsiteX13" fmla="*/ 373296 w 728382"/>
-                <a:gd name="connsiteY13" fmla="*/ 27314 h 509867"/>
-                <a:gd name="connsiteX14" fmla="*/ 364191 w 728382"/>
-                <a:gd name="connsiteY14" fmla="*/ 36419 h 509867"/>
-                <a:gd name="connsiteX15" fmla="*/ 355086 w 728382"/>
-                <a:gd name="connsiteY15" fmla="*/ 27314 h 509867"/>
-                <a:gd name="connsiteX16" fmla="*/ 364191 w 728382"/>
-                <a:gd name="connsiteY16" fmla="*/ 18210 h 509867"/>
-                <a:gd name="connsiteX17" fmla="*/ 691963 w 728382"/>
-                <a:gd name="connsiteY17" fmla="*/ 0 h 509867"/>
-                <a:gd name="connsiteX18" fmla="*/ 36419 w 728382"/>
-                <a:gd name="connsiteY18" fmla="*/ 0 h 509867"/>
-                <a:gd name="connsiteX19" fmla="*/ 0 w 728382"/>
-                <a:gd name="connsiteY19" fmla="*/ 36419 h 509867"/>
-                <a:gd name="connsiteX20" fmla="*/ 0 w 728382"/>
-                <a:gd name="connsiteY20" fmla="*/ 473449 h 509867"/>
-                <a:gd name="connsiteX21" fmla="*/ 36419 w 728382"/>
-                <a:gd name="connsiteY21" fmla="*/ 509868 h 509867"/>
-                <a:gd name="connsiteX22" fmla="*/ 691963 w 728382"/>
-                <a:gd name="connsiteY22" fmla="*/ 509868 h 509867"/>
-                <a:gd name="connsiteX23" fmla="*/ 728383 w 728382"/>
-                <a:gd name="connsiteY23" fmla="*/ 473449 h 509867"/>
-                <a:gd name="connsiteX24" fmla="*/ 728383 w 728382"/>
-                <a:gd name="connsiteY24" fmla="*/ 36419 h 509867"/>
-                <a:gd name="connsiteX25" fmla="*/ 691963 w 728382"/>
-                <a:gd name="connsiteY25" fmla="*/ 0 h 509867"/>
-              </a:gdLst>
-              <a:ahLst/>
-              <a:cxnLst>
-                <a:cxn ang="0">
-                  <a:pos x="connsiteX0" y="connsiteY0"/>
-                </a:cxn>
-                <a:cxn ang="0">
-                  <a:pos x="connsiteX1" y="connsiteY1"/>
-                </a:cxn>
-                <a:cxn ang="0">
-                  <a:pos x="connsiteX2" y="connsiteY2"/>
-                </a:cxn>
-                <a:cxn ang="0">
-                  <a:pos x="connsiteX3" y="connsiteY3"/>
-                </a:cxn>
-                <a:cxn ang="0">
-                  <a:pos x="connsiteX4" y="connsiteY4"/>
-                </a:cxn>
-                <a:cxn ang="0">
-                  <a:pos x="connsiteX5" y="connsiteY5"/>
-                </a:cxn>
-                <a:cxn ang="0">
-                  <a:pos x="connsiteX6" y="connsiteY6"/>
-                </a:cxn>
-                <a:cxn ang="0">
-                  <a:pos x="connsiteX7" y="connsiteY7"/>
-                </a:cxn>
-                <a:cxn ang="0">
-                  <a:pos x="connsiteX8" y="connsiteY8"/>
-                </a:cxn>
-                <a:cxn ang="0">
-                  <a:pos x="connsiteX9" y="connsiteY9"/>
-                </a:cxn>
-                <a:cxn ang="0">
-                  <a:pos x="connsiteX10" y="connsiteY10"/>
-                </a:cxn>
-                <a:cxn ang="0">
-                  <a:pos x="connsiteX11" y="connsiteY11"/>
-                </a:cxn>
-                <a:cxn ang="0">
-                  <a:pos x="connsiteX12" y="connsiteY12"/>
-                </a:cxn>
-                <a:cxn ang="0">
-                  <a:pos x="connsiteX13" y="connsiteY13"/>
-                </a:cxn>
-                <a:cxn ang="0">
-                  <a:pos x="connsiteX14" y="connsiteY14"/>
-                </a:cxn>
-                <a:cxn ang="0">
-                  <a:pos x="connsiteX15" y="connsiteY15"/>
-                </a:cxn>
-                <a:cxn ang="0">
-                  <a:pos x="connsiteX16" y="connsiteY16"/>
-                </a:cxn>
-                <a:cxn ang="0">
-                  <a:pos x="connsiteX17" y="connsiteY17"/>
-                </a:cxn>
-                <a:cxn ang="0">
-                  <a:pos x="connsiteX18" y="connsiteY18"/>
-                </a:cxn>
-                <a:cxn ang="0">
-                  <a:pos x="connsiteX19" y="connsiteY19"/>
-                </a:cxn>
-                <a:cxn ang="0">
-                  <a:pos x="connsiteX20" y="connsiteY20"/>
-                </a:cxn>
-                <a:cxn ang="0">
-                  <a:pos x="connsiteX21" y="connsiteY21"/>
-                </a:cxn>
-                <a:cxn ang="0">
-                  <a:pos x="connsiteX22" y="connsiteY22"/>
-                </a:cxn>
-                <a:cxn ang="0">
-                  <a:pos x="connsiteX23" y="connsiteY23"/>
-                </a:cxn>
-                <a:cxn ang="0">
-                  <a:pos x="connsiteX24" y="connsiteY24"/>
-                </a:cxn>
-                <a:cxn ang="0">
-                  <a:pos x="connsiteX25" y="connsiteY25"/>
-                </a:cxn>
-              </a:cxnLst>
-              <a:rect l="l" t="t" r="r" b="b"/>
-              <a:pathLst>
-                <a:path w="728382" h="509867">
-                  <a:moveTo>
-                    <a:pt x="673754" y="455239"/>
-                  </a:moveTo>
-                  <a:lnTo>
-                    <a:pt x="54629" y="455239"/>
-                  </a:lnTo>
-                  <a:lnTo>
-                    <a:pt x="54629" y="54629"/>
-                  </a:lnTo>
-                  <a:lnTo>
-                    <a:pt x="673754" y="54629"/>
-                  </a:lnTo>
-                  <a:lnTo>
-                    <a:pt x="673754" y="455239"/>
-                  </a:lnTo>
-                  <a:close/>
-                  <a:moveTo>
-                    <a:pt x="409715" y="491658"/>
-                  </a:moveTo>
-                  <a:lnTo>
-                    <a:pt x="318667" y="491658"/>
-                  </a:lnTo>
-                  <a:cubicBezTo>
-                    <a:pt x="313205" y="491658"/>
-                    <a:pt x="309563" y="488016"/>
-                    <a:pt x="309563" y="482553"/>
-                  </a:cubicBezTo>
-                  <a:cubicBezTo>
-                    <a:pt x="309563" y="477091"/>
-                    <a:pt x="313205" y="473449"/>
-                    <a:pt x="318667" y="473449"/>
-                  </a:cubicBezTo>
-                  <a:lnTo>
-                    <a:pt x="409715" y="473449"/>
-                  </a:lnTo>
-                  <a:cubicBezTo>
-                    <a:pt x="415178" y="473449"/>
-                    <a:pt x="418820" y="477091"/>
-                    <a:pt x="418820" y="482553"/>
-                  </a:cubicBezTo>
-                  <a:cubicBezTo>
-                    <a:pt x="418820" y="488016"/>
-                    <a:pt x="415178" y="491658"/>
-                    <a:pt x="409715" y="491658"/>
-                  </a:cubicBezTo>
-                  <a:close/>
-                  <a:moveTo>
-                    <a:pt x="364191" y="18210"/>
-                  </a:moveTo>
-                  <a:cubicBezTo>
-                    <a:pt x="369654" y="18210"/>
-                    <a:pt x="373296" y="21851"/>
-                    <a:pt x="373296" y="27314"/>
-                  </a:cubicBezTo>
-                  <a:cubicBezTo>
-                    <a:pt x="373296" y="32777"/>
-                    <a:pt x="369654" y="36419"/>
-                    <a:pt x="364191" y="36419"/>
-                  </a:cubicBezTo>
-                  <a:cubicBezTo>
-                    <a:pt x="358728" y="36419"/>
-                    <a:pt x="355086" y="32777"/>
-                    <a:pt x="355086" y="27314"/>
-                  </a:cubicBezTo>
-                  <a:cubicBezTo>
-                    <a:pt x="355086" y="21851"/>
-                    <a:pt x="358728" y="18210"/>
-                    <a:pt x="364191" y="18210"/>
-                  </a:cubicBezTo>
-                  <a:close/>
-                  <a:moveTo>
-                    <a:pt x="691963" y="0"/>
-                  </a:moveTo>
-                  <a:lnTo>
-                    <a:pt x="36419" y="0"/>
-                  </a:lnTo>
-                  <a:cubicBezTo>
-                    <a:pt x="16389" y="0"/>
-                    <a:pt x="0" y="16389"/>
-                    <a:pt x="0" y="36419"/>
-                  </a:cubicBezTo>
-                  <a:lnTo>
-                    <a:pt x="0" y="473449"/>
-                  </a:lnTo>
-                  <a:cubicBezTo>
-                    <a:pt x="0" y="493479"/>
-                    <a:pt x="16389" y="509868"/>
-                    <a:pt x="36419" y="509868"/>
-                  </a:cubicBezTo>
-                  <a:lnTo>
-                    <a:pt x="691963" y="509868"/>
-                  </a:lnTo>
-                  <a:cubicBezTo>
-                    <a:pt x="711994" y="509868"/>
-                    <a:pt x="728383" y="493479"/>
-                    <a:pt x="728383" y="473449"/>
-                  </a:cubicBezTo>
-                  <a:lnTo>
-                    <a:pt x="728383" y="36419"/>
-                  </a:lnTo>
-                  <a:cubicBezTo>
-                    <a:pt x="728383" y="16389"/>
-                    <a:pt x="711994" y="0"/>
-                    <a:pt x="691963" y="0"/>
-                  </a:cubicBezTo>
-                  <a:close/>
-                </a:path>
-              </a:pathLst>
-            </a:custGeom>
-            <a:solidFill>
-              <a:schemeClr val="tx2">
-                <a:lumMod val="75000"/>
-              </a:schemeClr>
-            </a:solidFill>
-            <a:ln w="9029" cap="flat">
-              <a:noFill/>
-              <a:prstDash val="solid"/>
-              <a:miter/>
-            </a:ln>
-          </p:spPr>
-          <p:txBody>
-            <a:bodyPr rtlCol="0" anchor="ctr"/>
-            <a:lstStyle/>
-            <a:p>
-              <a:endParaRPr lang="ja-JP" altLang="en-US"/>
-            </a:p>
-          </p:txBody>
-        </p:sp>
-      </p:grpSp>
-      <p:grpSp>
-        <p:nvGrpSpPr>
-          <p:cNvPr id="16" name="グループ化 15">
-            <a:extLst>
-              <a:ext uri="{FF2B5EF4-FFF2-40B4-BE49-F238E27FC236}">
-                <a16:creationId xmlns:a16="http://schemas.microsoft.com/office/drawing/2014/main" id="{DDE939BA-6917-F59E-5FA1-08D5C960F2CC}"/>
-              </a:ext>
-            </a:extLst>
-          </p:cNvPr>
-          <p:cNvGrpSpPr/>
-          <p:nvPr/>
-        </p:nvGrpSpPr>
-        <p:grpSpPr>
-          <a:xfrm>
-            <a:off x="8194959" y="4384267"/>
-            <a:ext cx="1943772" cy="1255059"/>
-            <a:chOff x="7948205" y="4859958"/>
-            <a:chExt cx="1943772" cy="1255059"/>
-          </a:xfrm>
-        </p:grpSpPr>
-        <p:pic>
-          <p:nvPicPr>
-            <p:cNvPr id="6" name="グラフィックス 5" descr="男の人">
-              <a:extLst>
-                <a:ext uri="{FF2B5EF4-FFF2-40B4-BE49-F238E27FC236}">
-                  <a16:creationId xmlns:a16="http://schemas.microsoft.com/office/drawing/2014/main" id="{12A9F86C-3214-86FF-C17C-D38191120B5A}"/>
-                </a:ext>
-              </a:extLst>
-            </p:cNvPr>
-            <p:cNvPicPr>
-              <a:picLocks noChangeAspect="1"/>
-            </p:cNvPicPr>
-            <p:nvPr/>
-          </p:nvPicPr>
-          <p:blipFill>
-            <a:blip r:embed="rId2">
-              <a:extLst>
-                <a:ext uri="{28A0092B-C50C-407E-A947-70E740481C1C}">
-                  <a14:useLocalDpi xmlns:a14="http://schemas.microsoft.com/office/drawing/2010/main" val="0"/>
-                </a:ext>
-                <a:ext uri="{96DAC541-7B7A-43D3-8B79-37D633B846F1}">
-                  <asvg:svgBlip xmlns:asvg="http://schemas.microsoft.com/office/drawing/2016/SVG/main" r:embed="rId4"/>
-                </a:ext>
-              </a:extLst>
-            </a:blip>
-            <a:stretch>
-              <a:fillRect/>
-            </a:stretch>
-          </p:blipFill>
-          <p:spPr>
-            <a:xfrm>
-              <a:off x="7948205" y="4859958"/>
-              <a:ext cx="1255059" cy="1255059"/>
-            </a:xfrm>
-            <a:prstGeom prst="rect">
-              <a:avLst/>
-            </a:prstGeom>
-          </p:spPr>
-        </p:pic>
-        <p:sp>
-          <p:nvSpPr>
-            <p:cNvPr id="52" name="グラフィックス 13" descr="タブレット">
-              <a:extLst>
-                <a:ext uri="{FF2B5EF4-FFF2-40B4-BE49-F238E27FC236}">
-                  <a16:creationId xmlns:a16="http://schemas.microsoft.com/office/drawing/2014/main" id="{9B09FBD1-EEA2-EFAB-9CF1-F69CDAEF762C}"/>
-                </a:ext>
-              </a:extLst>
-            </p:cNvPr>
-            <p:cNvSpPr/>
-            <p:nvPr/>
-          </p:nvSpPr>
-          <p:spPr>
-            <a:xfrm>
-              <a:off x="9163595" y="5042052"/>
-              <a:ext cx="728382" cy="509867"/>
-            </a:xfrm>
-            <a:custGeom>
-              <a:avLst/>
-              <a:gdLst>
-                <a:gd name="connsiteX0" fmla="*/ 673754 w 728382"/>
-                <a:gd name="connsiteY0" fmla="*/ 455239 h 509867"/>
-                <a:gd name="connsiteX1" fmla="*/ 54629 w 728382"/>
-                <a:gd name="connsiteY1" fmla="*/ 455239 h 509867"/>
-                <a:gd name="connsiteX2" fmla="*/ 54629 w 728382"/>
-                <a:gd name="connsiteY2" fmla="*/ 54629 h 509867"/>
-                <a:gd name="connsiteX3" fmla="*/ 673754 w 728382"/>
-                <a:gd name="connsiteY3" fmla="*/ 54629 h 509867"/>
-                <a:gd name="connsiteX4" fmla="*/ 673754 w 728382"/>
-                <a:gd name="connsiteY4" fmla="*/ 455239 h 509867"/>
-                <a:gd name="connsiteX5" fmla="*/ 409715 w 728382"/>
-                <a:gd name="connsiteY5" fmla="*/ 491658 h 509867"/>
-                <a:gd name="connsiteX6" fmla="*/ 318667 w 728382"/>
-                <a:gd name="connsiteY6" fmla="*/ 491658 h 509867"/>
-                <a:gd name="connsiteX7" fmla="*/ 309563 w 728382"/>
-                <a:gd name="connsiteY7" fmla="*/ 482553 h 509867"/>
-                <a:gd name="connsiteX8" fmla="*/ 318667 w 728382"/>
-                <a:gd name="connsiteY8" fmla="*/ 473449 h 509867"/>
-                <a:gd name="connsiteX9" fmla="*/ 409715 w 728382"/>
-                <a:gd name="connsiteY9" fmla="*/ 473449 h 509867"/>
-                <a:gd name="connsiteX10" fmla="*/ 418820 w 728382"/>
-                <a:gd name="connsiteY10" fmla="*/ 482553 h 509867"/>
-                <a:gd name="connsiteX11" fmla="*/ 409715 w 728382"/>
-                <a:gd name="connsiteY11" fmla="*/ 491658 h 509867"/>
-                <a:gd name="connsiteX12" fmla="*/ 364191 w 728382"/>
-                <a:gd name="connsiteY12" fmla="*/ 18210 h 509867"/>
-                <a:gd name="connsiteX13" fmla="*/ 373296 w 728382"/>
-                <a:gd name="connsiteY13" fmla="*/ 27314 h 509867"/>
-                <a:gd name="connsiteX14" fmla="*/ 364191 w 728382"/>
-                <a:gd name="connsiteY14" fmla="*/ 36419 h 509867"/>
-                <a:gd name="connsiteX15" fmla="*/ 355086 w 728382"/>
-                <a:gd name="connsiteY15" fmla="*/ 27314 h 509867"/>
-                <a:gd name="connsiteX16" fmla="*/ 364191 w 728382"/>
-                <a:gd name="connsiteY16" fmla="*/ 18210 h 509867"/>
-                <a:gd name="connsiteX17" fmla="*/ 691963 w 728382"/>
-                <a:gd name="connsiteY17" fmla="*/ 0 h 509867"/>
-                <a:gd name="connsiteX18" fmla="*/ 36419 w 728382"/>
-                <a:gd name="connsiteY18" fmla="*/ 0 h 509867"/>
-                <a:gd name="connsiteX19" fmla="*/ 0 w 728382"/>
-                <a:gd name="connsiteY19" fmla="*/ 36419 h 509867"/>
-                <a:gd name="connsiteX20" fmla="*/ 0 w 728382"/>
-                <a:gd name="connsiteY20" fmla="*/ 473449 h 509867"/>
-                <a:gd name="connsiteX21" fmla="*/ 36419 w 728382"/>
-                <a:gd name="connsiteY21" fmla="*/ 509868 h 509867"/>
-                <a:gd name="connsiteX22" fmla="*/ 691963 w 728382"/>
-                <a:gd name="connsiteY22" fmla="*/ 509868 h 509867"/>
-                <a:gd name="connsiteX23" fmla="*/ 728383 w 728382"/>
-                <a:gd name="connsiteY23" fmla="*/ 473449 h 509867"/>
-                <a:gd name="connsiteX24" fmla="*/ 728383 w 728382"/>
-                <a:gd name="connsiteY24" fmla="*/ 36419 h 509867"/>
-                <a:gd name="connsiteX25" fmla="*/ 691963 w 728382"/>
-                <a:gd name="connsiteY25" fmla="*/ 0 h 509867"/>
-              </a:gdLst>
-              <a:ahLst/>
-              <a:cxnLst>
-                <a:cxn ang="0">
-                  <a:pos x="connsiteX0" y="connsiteY0"/>
-                </a:cxn>
-                <a:cxn ang="0">
-                  <a:pos x="connsiteX1" y="connsiteY1"/>
-                </a:cxn>
-                <a:cxn ang="0">
-                  <a:pos x="connsiteX2" y="connsiteY2"/>
-                </a:cxn>
-                <a:cxn ang="0">
-                  <a:pos x="connsiteX3" y="connsiteY3"/>
-                </a:cxn>
-                <a:cxn ang="0">
-                  <a:pos x="connsiteX4" y="connsiteY4"/>
-                </a:cxn>
-                <a:cxn ang="0">
-                  <a:pos x="connsiteX5" y="connsiteY5"/>
-                </a:cxn>
-                <a:cxn ang="0">
-                  <a:pos x="connsiteX6" y="connsiteY6"/>
-                </a:cxn>
-                <a:cxn ang="0">
-                  <a:pos x="connsiteX7" y="connsiteY7"/>
-                </a:cxn>
-                <a:cxn ang="0">
-                  <a:pos x="connsiteX8" y="connsiteY8"/>
-                </a:cxn>
-                <a:cxn ang="0">
-                  <a:pos x="connsiteX9" y="connsiteY9"/>
-                </a:cxn>
-                <a:cxn ang="0">
-                  <a:pos x="connsiteX10" y="connsiteY10"/>
-                </a:cxn>
-                <a:cxn ang="0">
-                  <a:pos x="connsiteX11" y="connsiteY11"/>
-                </a:cxn>
-                <a:cxn ang="0">
-                  <a:pos x="connsiteX12" y="connsiteY12"/>
-                </a:cxn>
-                <a:cxn ang="0">
-                  <a:pos x="connsiteX13" y="connsiteY13"/>
-                </a:cxn>
-                <a:cxn ang="0">
-                  <a:pos x="connsiteX14" y="connsiteY14"/>
-                </a:cxn>
-                <a:cxn ang="0">
-                  <a:pos x="connsiteX15" y="connsiteY15"/>
-                </a:cxn>
-                <a:cxn ang="0">
-                  <a:pos x="connsiteX16" y="connsiteY16"/>
-                </a:cxn>
-                <a:cxn ang="0">
-                  <a:pos x="connsiteX17" y="connsiteY17"/>
-                </a:cxn>
-                <a:cxn ang="0">
-                  <a:pos x="connsiteX18" y="connsiteY18"/>
-                </a:cxn>
-                <a:cxn ang="0">
-                  <a:pos x="connsiteX19" y="connsiteY19"/>
-                </a:cxn>
-                <a:cxn ang="0">
-                  <a:pos x="connsiteX20" y="connsiteY20"/>
-                </a:cxn>
-                <a:cxn ang="0">
-                  <a:pos x="connsiteX21" y="connsiteY21"/>
-                </a:cxn>
-                <a:cxn ang="0">
-                  <a:pos x="connsiteX22" y="connsiteY22"/>
-                </a:cxn>
-                <a:cxn ang="0">
-                  <a:pos x="connsiteX23" y="connsiteY23"/>
-                </a:cxn>
-                <a:cxn ang="0">
-                  <a:pos x="connsiteX24" y="connsiteY24"/>
-                </a:cxn>
-                <a:cxn ang="0">
-                  <a:pos x="connsiteX25" y="connsiteY25"/>
-                </a:cxn>
-              </a:cxnLst>
-              <a:rect l="l" t="t" r="r" b="b"/>
-              <a:pathLst>
-                <a:path w="728382" h="509867">
-                  <a:moveTo>
-                    <a:pt x="673754" y="455239"/>
-                  </a:moveTo>
-                  <a:lnTo>
-                    <a:pt x="54629" y="455239"/>
-                  </a:lnTo>
-                  <a:lnTo>
-                    <a:pt x="54629" y="54629"/>
-                  </a:lnTo>
-                  <a:lnTo>
-                    <a:pt x="673754" y="54629"/>
-                  </a:lnTo>
-                  <a:lnTo>
-                    <a:pt x="673754" y="455239"/>
-                  </a:lnTo>
-                  <a:close/>
-                  <a:moveTo>
-                    <a:pt x="409715" y="491658"/>
-                  </a:moveTo>
-                  <a:lnTo>
-                    <a:pt x="318667" y="491658"/>
-                  </a:lnTo>
-                  <a:cubicBezTo>
-                    <a:pt x="313205" y="491658"/>
-                    <a:pt x="309563" y="488016"/>
-                    <a:pt x="309563" y="482553"/>
-                  </a:cubicBezTo>
-                  <a:cubicBezTo>
-                    <a:pt x="309563" y="477091"/>
-                    <a:pt x="313205" y="473449"/>
-                    <a:pt x="318667" y="473449"/>
-                  </a:cubicBezTo>
-                  <a:lnTo>
-                    <a:pt x="409715" y="473449"/>
-                  </a:lnTo>
-                  <a:cubicBezTo>
-                    <a:pt x="415178" y="473449"/>
-                    <a:pt x="418820" y="477091"/>
-                    <a:pt x="418820" y="482553"/>
-                  </a:cubicBezTo>
-                  <a:cubicBezTo>
-                    <a:pt x="418820" y="488016"/>
-                    <a:pt x="415178" y="491658"/>
-                    <a:pt x="409715" y="491658"/>
-                  </a:cubicBezTo>
-                  <a:close/>
-                  <a:moveTo>
-                    <a:pt x="364191" y="18210"/>
-                  </a:moveTo>
-                  <a:cubicBezTo>
-                    <a:pt x="369654" y="18210"/>
-                    <a:pt x="373296" y="21851"/>
-                    <a:pt x="373296" y="27314"/>
-                  </a:cubicBezTo>
-                  <a:cubicBezTo>
-                    <a:pt x="373296" y="32777"/>
-                    <a:pt x="369654" y="36419"/>
-                    <a:pt x="364191" y="36419"/>
-                  </a:cubicBezTo>
-                  <a:cubicBezTo>
-                    <a:pt x="358728" y="36419"/>
-                    <a:pt x="355086" y="32777"/>
-                    <a:pt x="355086" y="27314"/>
-                  </a:cubicBezTo>
-                  <a:cubicBezTo>
-                    <a:pt x="355086" y="21851"/>
-                    <a:pt x="358728" y="18210"/>
-                    <a:pt x="364191" y="18210"/>
-                  </a:cubicBezTo>
-                  <a:close/>
-                  <a:moveTo>
-                    <a:pt x="691963" y="0"/>
-                  </a:moveTo>
-                  <a:lnTo>
-                    <a:pt x="36419" y="0"/>
-                  </a:lnTo>
-                  <a:cubicBezTo>
-                    <a:pt x="16389" y="0"/>
-                    <a:pt x="0" y="16389"/>
-                    <a:pt x="0" y="36419"/>
-                  </a:cubicBezTo>
-                  <a:lnTo>
-                    <a:pt x="0" y="473449"/>
-                  </a:lnTo>
-                  <a:cubicBezTo>
-                    <a:pt x="0" y="493479"/>
-                    <a:pt x="16389" y="509868"/>
-                    <a:pt x="36419" y="509868"/>
-                  </a:cubicBezTo>
-                  <a:lnTo>
-                    <a:pt x="691963" y="509868"/>
-                  </a:lnTo>
-                  <a:cubicBezTo>
-                    <a:pt x="711994" y="509868"/>
-                    <a:pt x="728383" y="493479"/>
-                    <a:pt x="728383" y="473449"/>
-                  </a:cubicBezTo>
-                  <a:lnTo>
-                    <a:pt x="728383" y="36419"/>
-                  </a:lnTo>
-                  <a:cubicBezTo>
-                    <a:pt x="728383" y="16389"/>
-                    <a:pt x="711994" y="0"/>
-                    <a:pt x="691963" y="0"/>
-                  </a:cubicBezTo>
-                  <a:close/>
-                </a:path>
-              </a:pathLst>
-            </a:custGeom>
-            <a:solidFill>
-              <a:schemeClr val="tx2">
-                <a:lumMod val="75000"/>
-              </a:schemeClr>
-            </a:solidFill>
-            <a:ln w="9029" cap="flat">
-              <a:noFill/>
-              <a:prstDash val="solid"/>
-              <a:miter/>
-            </a:ln>
-          </p:spPr>
-          <p:txBody>
-            <a:bodyPr rtlCol="0" anchor="ctr"/>
-            <a:lstStyle/>
-            <a:p>
-              <a:endParaRPr lang="ja-JP" altLang="en-US"/>
-            </a:p>
-          </p:txBody>
-        </p:sp>
-      </p:grpSp>
-      <p:cxnSp>
-        <p:nvCxnSpPr>
-          <p:cNvPr id="21" name="直線コネクタ 20">
-            <a:extLst>
-              <a:ext uri="{FF2B5EF4-FFF2-40B4-BE49-F238E27FC236}">
-                <a16:creationId xmlns:a16="http://schemas.microsoft.com/office/drawing/2014/main" id="{82088FB7-E56E-1562-DCC3-6BAF8276871B}"/>
-              </a:ext>
-            </a:extLst>
-          </p:cNvPr>
-          <p:cNvCxnSpPr>
-            <a:cxnSpLocks/>
-            <a:stCxn id="46" idx="12"/>
-            <a:endCxn id="43" idx="15"/>
-          </p:cNvCxnSpPr>
-          <p:nvPr/>
-        </p:nvCxnSpPr>
-        <p:spPr>
-          <a:xfrm flipV="1">
-            <a:off x="3560010" y="3263323"/>
-            <a:ext cx="568919" cy="1321248"/>
-          </a:xfrm>
-          <a:prstGeom prst="line">
-            <a:avLst/>
-          </a:prstGeom>
-          <a:ln w="15875" cap="rnd">
-            <a:solidFill>
-              <a:schemeClr val="tx2">
-                <a:lumMod val="75000"/>
-              </a:schemeClr>
-            </a:solidFill>
-            <a:prstDash val="dash"/>
-            <a:round/>
-          </a:ln>
-        </p:spPr>
-        <p:style>
-          <a:lnRef idx="1">
-            <a:schemeClr val="accent1"/>
-          </a:lnRef>
-          <a:fillRef idx="0">
-            <a:schemeClr val="accent1"/>
-          </a:fillRef>
-          <a:effectRef idx="0">
-            <a:schemeClr val="accent1"/>
-          </a:effectRef>
-          <a:fontRef idx="minor">
-            <a:schemeClr val="tx1"/>
-          </a:fontRef>
-        </p:style>
-      </p:cxnSp>
-      <p:cxnSp>
-        <p:nvCxnSpPr>
-          <p:cNvPr id="29" name="直線コネクタ 28">
-            <a:extLst>
-              <a:ext uri="{FF2B5EF4-FFF2-40B4-BE49-F238E27FC236}">
-                <a16:creationId xmlns:a16="http://schemas.microsoft.com/office/drawing/2014/main" id="{C51D818F-29A7-5E92-37DE-AFE04A76E553}"/>
-              </a:ext>
-            </a:extLst>
-          </p:cNvPr>
-          <p:cNvCxnSpPr>
-            <a:cxnSpLocks/>
-            <a:stCxn id="34" idx="12"/>
-            <a:endCxn id="43" idx="15"/>
-          </p:cNvCxnSpPr>
-          <p:nvPr/>
-        </p:nvCxnSpPr>
-        <p:spPr>
-          <a:xfrm flipH="1" flipV="1">
-            <a:off x="4128929" y="3263323"/>
-            <a:ext cx="2538346" cy="1321248"/>
-          </a:xfrm>
-          <a:prstGeom prst="line">
-            <a:avLst/>
-          </a:prstGeom>
-          <a:ln w="15875" cap="rnd">
-            <a:solidFill>
-              <a:schemeClr val="tx2">
-                <a:lumMod val="75000"/>
-              </a:schemeClr>
-            </a:solidFill>
-            <a:prstDash val="dash"/>
-            <a:round/>
-          </a:ln>
-        </p:spPr>
-        <p:style>
-          <a:lnRef idx="1">
-            <a:schemeClr val="accent1"/>
-          </a:lnRef>
-          <a:fillRef idx="0">
-            <a:schemeClr val="accent1"/>
-          </a:fillRef>
-          <a:effectRef idx="0">
-            <a:schemeClr val="accent1"/>
-          </a:effectRef>
-          <a:fontRef idx="minor">
-            <a:schemeClr val="tx1"/>
-          </a:fontRef>
-        </p:style>
-      </p:cxnSp>
-      <p:cxnSp>
-        <p:nvCxnSpPr>
-          <p:cNvPr id="48" name="直線コネクタ 47">
-            <a:extLst>
-              <a:ext uri="{FF2B5EF4-FFF2-40B4-BE49-F238E27FC236}">
-                <a16:creationId xmlns:a16="http://schemas.microsoft.com/office/drawing/2014/main" id="{257AF7C8-AC4D-976B-AAA3-8383D0F6B455}"/>
-              </a:ext>
-            </a:extLst>
-          </p:cNvPr>
-          <p:cNvCxnSpPr>
-            <a:cxnSpLocks/>
-            <a:stCxn id="52" idx="12"/>
-            <a:endCxn id="43" idx="15"/>
-          </p:cNvCxnSpPr>
-          <p:nvPr/>
-        </p:nvCxnSpPr>
-        <p:spPr>
-          <a:xfrm flipH="1" flipV="1">
-            <a:off x="4128929" y="3263323"/>
-            <a:ext cx="5645611" cy="1321248"/>
-          </a:xfrm>
-          <a:prstGeom prst="line">
-            <a:avLst/>
-          </a:prstGeom>
-          <a:ln w="15875" cap="rnd">
-            <a:solidFill>
-              <a:schemeClr val="tx2">
-                <a:lumMod val="75000"/>
-              </a:schemeClr>
-            </a:solidFill>
-            <a:prstDash val="dash"/>
-            <a:round/>
-          </a:ln>
-        </p:spPr>
-        <p:style>
-          <a:lnRef idx="1">
-            <a:schemeClr val="accent1"/>
-          </a:lnRef>
-          <a:fillRef idx="0">
-            <a:schemeClr val="accent1"/>
-          </a:fillRef>
-          <a:effectRef idx="0">
-            <a:schemeClr val="accent1"/>
-          </a:effectRef>
-          <a:fontRef idx="minor">
-            <a:schemeClr val="tx1"/>
-          </a:fontRef>
-        </p:style>
-      </p:cxnSp>
-      <p:sp>
-        <p:nvSpPr>
-          <p:cNvPr id="63" name="テキスト ボックス 62">
-            <a:extLst>
-              <a:ext uri="{FF2B5EF4-FFF2-40B4-BE49-F238E27FC236}">
-                <a16:creationId xmlns:a16="http://schemas.microsoft.com/office/drawing/2014/main" id="{1566F8E3-EFA6-A4DA-6916-97F9FD0DF746}"/>
-              </a:ext>
-            </a:extLst>
-          </p:cNvPr>
-          <p:cNvSpPr txBox="1"/>
-          <p:nvPr/>
-        </p:nvSpPr>
-        <p:spPr>
-          <a:xfrm>
-            <a:off x="3211059" y="3760386"/>
-            <a:ext cx="4196295" cy="369332"/>
-          </a:xfrm>
-          <a:prstGeom prst="rect">
-            <a:avLst/>
-          </a:prstGeom>
-          <a:solidFill>
-            <a:schemeClr val="bg1"/>
-          </a:solidFill>
-        </p:spPr>
-        <p:txBody>
-          <a:bodyPr wrap="square" rtlCol="0">
-            <a:spAutoFit/>
-          </a:bodyPr>
-          <a:lstStyle/>
-          <a:p>
-            <a:pPr algn="ctr"/>
-            <a:r>
-              <a:rPr kumimoji="1" lang="en-US" altLang="ja-JP" spc="300" dirty="0">
-                <a:solidFill>
-                  <a:schemeClr val="tx2">
-                    <a:lumMod val="75000"/>
-                  </a:schemeClr>
-                </a:solidFill>
-                <a:latin typeface="Bahnschrift" panose="020B0502040204020203" pitchFamily="34" charset="0"/>
-              </a:rPr>
-              <a:t>Wireless-Communication</a:t>
-            </a:r>
-            <a:endParaRPr kumimoji="1" lang="ja-JP" altLang="en-US" spc="300" dirty="0">
-              <a:solidFill>
-                <a:schemeClr val="tx2">
-                  <a:lumMod val="75000"/>
-                </a:schemeClr>
-              </a:solidFill>
-              <a:latin typeface="Bahnschrift" panose="020B0502040204020203" pitchFamily="34" charset="0"/>
-            </a:endParaRPr>
-          </a:p>
-        </p:txBody>
-      </p:sp>
-      <p:grpSp>
-        <p:nvGrpSpPr>
-          <p:cNvPr id="66" name="グループ化 65">
-            <a:extLst>
-              <a:ext uri="{FF2B5EF4-FFF2-40B4-BE49-F238E27FC236}">
-                <a16:creationId xmlns:a16="http://schemas.microsoft.com/office/drawing/2014/main" id="{0194A430-16BF-137B-BAB3-AF9A327F6957}"/>
-              </a:ext>
-            </a:extLst>
-          </p:cNvPr>
-          <p:cNvGrpSpPr/>
-          <p:nvPr/>
-        </p:nvGrpSpPr>
-        <p:grpSpPr>
-          <a:xfrm>
-            <a:off x="5919899" y="1636809"/>
-            <a:ext cx="1674079" cy="1420606"/>
-            <a:chOff x="5504909" y="1354827"/>
-            <a:chExt cx="1674079" cy="1420606"/>
-          </a:xfrm>
-        </p:grpSpPr>
-        <p:sp>
-          <p:nvSpPr>
-            <p:cNvPr id="64" name="テキスト ボックス 63">
-              <a:extLst>
-                <a:ext uri="{FF2B5EF4-FFF2-40B4-BE49-F238E27FC236}">
-                  <a16:creationId xmlns:a16="http://schemas.microsoft.com/office/drawing/2014/main" id="{892CC80B-0DC1-A36C-4A43-A9FF8EAEBCB6}"/>
-                </a:ext>
-              </a:extLst>
-            </p:cNvPr>
-            <p:cNvSpPr txBox="1"/>
-            <p:nvPr/>
-          </p:nvSpPr>
-          <p:spPr>
-            <a:xfrm>
-              <a:off x="5564172" y="1354827"/>
-              <a:ext cx="1557162" cy="369332"/>
-            </a:xfrm>
-            <a:prstGeom prst="rect">
-              <a:avLst/>
-            </a:prstGeom>
-            <a:noFill/>
-          </p:spPr>
-          <p:txBody>
-            <a:bodyPr wrap="square" rtlCol="0">
-              <a:spAutoFit/>
-            </a:bodyPr>
-            <a:lstStyle/>
-            <a:p>
-              <a:pPr algn="ctr"/>
-              <a:r>
-                <a:rPr kumimoji="1" lang="en-US" altLang="ja-JP" spc="300" dirty="0">
-                  <a:solidFill>
-                    <a:schemeClr val="tx2">
-                      <a:lumMod val="75000"/>
-                    </a:schemeClr>
-                  </a:solidFill>
-                  <a:latin typeface="Bahnschrift" panose="020B0502040204020203" pitchFamily="34" charset="0"/>
-                </a:rPr>
-                <a:t>Cloud</a:t>
-              </a:r>
-              <a:endParaRPr kumimoji="1" lang="ja-JP" altLang="en-US" spc="300" dirty="0">
-                <a:solidFill>
-                  <a:schemeClr val="tx2">
-                    <a:lumMod val="75000"/>
-                  </a:schemeClr>
-                </a:solidFill>
-                <a:latin typeface="Bahnschrift" panose="020B0502040204020203" pitchFamily="34" charset="0"/>
-              </a:endParaRPr>
-            </a:p>
-          </p:txBody>
-        </p:sp>
-        <p:sp>
-          <p:nvSpPr>
-            <p:cNvPr id="65" name="グラフィックス 9" descr="雲">
-              <a:extLst>
-                <a:ext uri="{FF2B5EF4-FFF2-40B4-BE49-F238E27FC236}">
-                  <a16:creationId xmlns:a16="http://schemas.microsoft.com/office/drawing/2014/main" id="{DF1511FF-52BC-F657-21AF-147BA02DB9E9}"/>
-                </a:ext>
-              </a:extLst>
-            </p:cNvPr>
-            <p:cNvSpPr/>
-            <p:nvPr/>
-          </p:nvSpPr>
-          <p:spPr>
-            <a:xfrm>
-              <a:off x="5504909" y="1822298"/>
-              <a:ext cx="1674079" cy="953135"/>
-            </a:xfrm>
-            <a:custGeom>
-              <a:avLst/>
-              <a:gdLst>
-                <a:gd name="connsiteX0" fmla="*/ 1437709 w 1674079"/>
-                <a:gd name="connsiteY0" fmla="*/ 474435 h 953135"/>
-                <a:gd name="connsiteX1" fmla="*/ 1417846 w 1674079"/>
-                <a:gd name="connsiteY1" fmla="*/ 474435 h 953135"/>
-                <a:gd name="connsiteX2" fmla="*/ 1417846 w 1674079"/>
-                <a:gd name="connsiteY2" fmla="*/ 474435 h 953135"/>
-                <a:gd name="connsiteX3" fmla="*/ 1292708 w 1674079"/>
-                <a:gd name="connsiteY3" fmla="*/ 232104 h 953135"/>
-                <a:gd name="connsiteX4" fmla="*/ 1020584 w 1674079"/>
-                <a:gd name="connsiteY4" fmla="*/ 194365 h 953135"/>
-                <a:gd name="connsiteX5" fmla="*/ 619349 w 1674079"/>
-                <a:gd name="connsiteY5" fmla="*/ 9638 h 953135"/>
-                <a:gd name="connsiteX6" fmla="*/ 345238 w 1674079"/>
-                <a:gd name="connsiteY6" fmla="*/ 355256 h 953135"/>
-                <a:gd name="connsiteX7" fmla="*/ 345238 w 1674079"/>
-                <a:gd name="connsiteY7" fmla="*/ 359228 h 953135"/>
-                <a:gd name="connsiteX8" fmla="*/ 59209 w 1674079"/>
-                <a:gd name="connsiteY8" fmla="*/ 474435 h 953135"/>
-                <a:gd name="connsiteX9" fmla="*/ 27428 w 1674079"/>
-                <a:gd name="connsiteY9" fmla="*/ 780326 h 953135"/>
-                <a:gd name="connsiteX10" fmla="*/ 283662 w 1674079"/>
-                <a:gd name="connsiteY10" fmla="*/ 951149 h 953135"/>
-                <a:gd name="connsiteX11" fmla="*/ 283662 w 1674079"/>
-                <a:gd name="connsiteY11" fmla="*/ 953136 h 953135"/>
-                <a:gd name="connsiteX12" fmla="*/ 1435723 w 1674079"/>
-                <a:gd name="connsiteY12" fmla="*/ 953136 h 953135"/>
-                <a:gd name="connsiteX13" fmla="*/ 1674080 w 1674079"/>
-                <a:gd name="connsiteY13" fmla="*/ 714778 h 953135"/>
-                <a:gd name="connsiteX14" fmla="*/ 1437709 w 1674079"/>
-                <a:gd name="connsiteY14" fmla="*/ 474435 h 953135"/>
-              </a:gdLst>
-              <a:ahLst/>
-              <a:cxnLst>
-                <a:cxn ang="0">
-                  <a:pos x="connsiteX0" y="connsiteY0"/>
-                </a:cxn>
-                <a:cxn ang="0">
-                  <a:pos x="connsiteX1" y="connsiteY1"/>
-                </a:cxn>
-                <a:cxn ang="0">
-                  <a:pos x="connsiteX2" y="connsiteY2"/>
-                </a:cxn>
-                <a:cxn ang="0">
-                  <a:pos x="connsiteX3" y="connsiteY3"/>
-                </a:cxn>
-                <a:cxn ang="0">
-                  <a:pos x="connsiteX4" y="connsiteY4"/>
-                </a:cxn>
-                <a:cxn ang="0">
-                  <a:pos x="connsiteX5" y="connsiteY5"/>
-                </a:cxn>
-                <a:cxn ang="0">
-                  <a:pos x="connsiteX6" y="connsiteY6"/>
-                </a:cxn>
-                <a:cxn ang="0">
-                  <a:pos x="connsiteX7" y="connsiteY7"/>
-                </a:cxn>
-                <a:cxn ang="0">
-                  <a:pos x="connsiteX8" y="connsiteY8"/>
-                </a:cxn>
-                <a:cxn ang="0">
-                  <a:pos x="connsiteX9" y="connsiteY9"/>
-                </a:cxn>
-                <a:cxn ang="0">
-                  <a:pos x="connsiteX10" y="connsiteY10"/>
-                </a:cxn>
-                <a:cxn ang="0">
-                  <a:pos x="connsiteX11" y="connsiteY11"/>
-                </a:cxn>
-                <a:cxn ang="0">
-                  <a:pos x="connsiteX12" y="connsiteY12"/>
-                </a:cxn>
-                <a:cxn ang="0">
-                  <a:pos x="connsiteX13" y="connsiteY13"/>
-                </a:cxn>
-                <a:cxn ang="0">
-                  <a:pos x="connsiteX14" y="connsiteY14"/>
-                </a:cxn>
-              </a:cxnLst>
-              <a:rect l="l" t="t" r="r" b="b"/>
-              <a:pathLst>
-                <a:path w="1674079" h="953135">
-                  <a:moveTo>
-                    <a:pt x="1437709" y="474435"/>
-                  </a:moveTo>
-                  <a:cubicBezTo>
-                    <a:pt x="1431750" y="474435"/>
-                    <a:pt x="1423805" y="474435"/>
-                    <a:pt x="1417846" y="474435"/>
-                  </a:cubicBezTo>
-                  <a:cubicBezTo>
-                    <a:pt x="1417846" y="474435"/>
-                    <a:pt x="1417846" y="474435"/>
-                    <a:pt x="1417846" y="474435"/>
-                  </a:cubicBezTo>
-                  <a:cubicBezTo>
-                    <a:pt x="1417846" y="377105"/>
-                    <a:pt x="1370174" y="287721"/>
-                    <a:pt x="1292708" y="232104"/>
-                  </a:cubicBezTo>
-                  <a:cubicBezTo>
-                    <a:pt x="1213256" y="176488"/>
-                    <a:pt x="1111954" y="162584"/>
-                    <a:pt x="1020584" y="194365"/>
-                  </a:cubicBezTo>
-                  <a:cubicBezTo>
-                    <a:pt x="945104" y="47377"/>
-                    <a:pt x="778254" y="-28102"/>
-                    <a:pt x="619349" y="9638"/>
-                  </a:cubicBezTo>
-                  <a:cubicBezTo>
-                    <a:pt x="460444" y="47377"/>
-                    <a:pt x="345238" y="190392"/>
-                    <a:pt x="345238" y="355256"/>
-                  </a:cubicBezTo>
-                  <a:cubicBezTo>
-                    <a:pt x="345238" y="355256"/>
-                    <a:pt x="345238" y="357242"/>
-                    <a:pt x="345238" y="359228"/>
-                  </a:cubicBezTo>
-                  <a:cubicBezTo>
-                    <a:pt x="235990" y="341352"/>
-                    <a:pt x="126743" y="387037"/>
-                    <a:pt x="59209" y="474435"/>
-                  </a:cubicBezTo>
-                  <a:cubicBezTo>
-                    <a:pt x="-6340" y="563819"/>
-                    <a:pt x="-18257" y="681011"/>
-                    <a:pt x="27428" y="780326"/>
-                  </a:cubicBezTo>
-                  <a:cubicBezTo>
-                    <a:pt x="75099" y="879642"/>
-                    <a:pt x="174415" y="945190"/>
-                    <a:pt x="283662" y="951149"/>
-                  </a:cubicBezTo>
-                  <a:lnTo>
-                    <a:pt x="283662" y="953136"/>
-                  </a:lnTo>
-                  <a:lnTo>
-                    <a:pt x="1435723" y="953136"/>
-                  </a:lnTo>
-                  <a:cubicBezTo>
-                    <a:pt x="1566819" y="953136"/>
-                    <a:pt x="1674080" y="845875"/>
-                    <a:pt x="1674080" y="714778"/>
-                  </a:cubicBezTo>
-                  <a:cubicBezTo>
-                    <a:pt x="1674080" y="583682"/>
-                    <a:pt x="1568806" y="474435"/>
-                    <a:pt x="1437709" y="474435"/>
-                  </a:cubicBezTo>
-                  <a:close/>
-                </a:path>
-              </a:pathLst>
-            </a:custGeom>
-            <a:solidFill>
-              <a:schemeClr val="tx2">
-                <a:lumMod val="20000"/>
-                <a:lumOff val="80000"/>
-              </a:schemeClr>
-            </a:solidFill>
-            <a:ln w="19844" cap="flat">
-              <a:noFill/>
-              <a:prstDash val="solid"/>
-              <a:miter/>
-            </a:ln>
-          </p:spPr>
-          <p:txBody>
-            <a:bodyPr rtlCol="0" anchor="ctr"/>
-            <a:lstStyle/>
-            <a:p>
-              <a:endParaRPr lang="ja-JP" altLang="en-US"/>
-            </a:p>
-          </p:txBody>
-        </p:sp>
-      </p:grpSp>
-      <p:grpSp>
-        <p:nvGrpSpPr>
-          <p:cNvPr id="71" name="グループ化 70">
-            <a:extLst>
-              <a:ext uri="{FF2B5EF4-FFF2-40B4-BE49-F238E27FC236}">
-                <a16:creationId xmlns:a16="http://schemas.microsoft.com/office/drawing/2014/main" id="{813519BD-2B10-F2B6-E62E-CD5657CDB038}"/>
-              </a:ext>
-            </a:extLst>
-          </p:cNvPr>
-          <p:cNvGrpSpPr/>
-          <p:nvPr/>
-        </p:nvGrpSpPr>
-        <p:grpSpPr>
-          <a:xfrm rot="4500000">
-            <a:off x="5175398" y="2593930"/>
-            <a:ext cx="160710" cy="629566"/>
-            <a:chOff x="3035510" y="2179426"/>
-            <a:chExt cx="160710" cy="629566"/>
-          </a:xfrm>
-        </p:grpSpPr>
-        <p:sp>
-          <p:nvSpPr>
-            <p:cNvPr id="67" name="二等辺三角形 66">
-              <a:extLst>
-                <a:ext uri="{FF2B5EF4-FFF2-40B4-BE49-F238E27FC236}">
-                  <a16:creationId xmlns:a16="http://schemas.microsoft.com/office/drawing/2014/main" id="{65C0F838-5594-5A4E-F6FE-48AA740546D2}"/>
-                </a:ext>
-              </a:extLst>
-            </p:cNvPr>
-            <p:cNvSpPr/>
-            <p:nvPr/>
-          </p:nvSpPr>
-          <p:spPr>
-            <a:xfrm>
-              <a:off x="3035510" y="2423256"/>
-              <a:ext cx="160309" cy="138197"/>
-            </a:xfrm>
-            <a:prstGeom prst="triangle">
-              <a:avLst/>
-            </a:prstGeom>
-            <a:solidFill>
-              <a:schemeClr val="tx2">
-                <a:lumMod val="20000"/>
-                <a:lumOff val="80000"/>
-              </a:schemeClr>
-            </a:solidFill>
-            <a:ln>
-              <a:noFill/>
-            </a:ln>
-          </p:spPr>
-          <p:style>
-            <a:lnRef idx="2">
-              <a:schemeClr val="accent1">
-                <a:shade val="15000"/>
-              </a:schemeClr>
-            </a:lnRef>
-            <a:fillRef idx="1">
-              <a:schemeClr val="accent1"/>
-            </a:fillRef>
-            <a:effectRef idx="0">
-              <a:schemeClr val="accent1"/>
-            </a:effectRef>
-            <a:fontRef idx="minor">
-              <a:schemeClr val="lt1"/>
-            </a:fontRef>
-          </p:style>
-          <p:txBody>
-            <a:bodyPr rtlCol="0" anchor="ctr"/>
-            <a:lstStyle/>
-            <a:p>
-              <a:pPr algn="ctr"/>
-              <a:endParaRPr kumimoji="1" lang="ja-JP" altLang="en-US"/>
-            </a:p>
-          </p:txBody>
-        </p:sp>
-        <p:sp>
-          <p:nvSpPr>
-            <p:cNvPr id="68" name="二等辺三角形 67">
-              <a:extLst>
-                <a:ext uri="{FF2B5EF4-FFF2-40B4-BE49-F238E27FC236}">
-                  <a16:creationId xmlns:a16="http://schemas.microsoft.com/office/drawing/2014/main" id="{2F6AD23C-2F3B-FDDC-00F5-DD0C47A597AE}"/>
-                </a:ext>
-              </a:extLst>
-            </p:cNvPr>
-            <p:cNvSpPr/>
-            <p:nvPr/>
-          </p:nvSpPr>
-          <p:spPr>
-            <a:xfrm>
-              <a:off x="3035911" y="2179426"/>
-              <a:ext cx="160309" cy="138197"/>
-            </a:xfrm>
-            <a:prstGeom prst="triangle">
-              <a:avLst/>
-            </a:prstGeom>
-            <a:solidFill>
-              <a:schemeClr val="tx2">
-                <a:lumMod val="20000"/>
-                <a:lumOff val="80000"/>
-              </a:schemeClr>
-            </a:solidFill>
-            <a:ln>
-              <a:noFill/>
-            </a:ln>
-          </p:spPr>
-          <p:style>
-            <a:lnRef idx="2">
-              <a:schemeClr val="accent1">
-                <a:shade val="15000"/>
-              </a:schemeClr>
-            </a:lnRef>
-            <a:fillRef idx="1">
-              <a:schemeClr val="accent1"/>
-            </a:fillRef>
-            <a:effectRef idx="0">
-              <a:schemeClr val="accent1"/>
-            </a:effectRef>
-            <a:fontRef idx="minor">
-              <a:schemeClr val="lt1"/>
-            </a:fontRef>
-          </p:style>
-          <p:txBody>
-            <a:bodyPr rtlCol="0" anchor="ctr"/>
-            <a:lstStyle/>
-            <a:p>
-              <a:pPr algn="ctr"/>
-              <a:endParaRPr kumimoji="1" lang="ja-JP" altLang="en-US"/>
-            </a:p>
-          </p:txBody>
-        </p:sp>
-        <p:sp>
-          <p:nvSpPr>
-            <p:cNvPr id="69" name="二等辺三角形 68">
-              <a:extLst>
-                <a:ext uri="{FF2B5EF4-FFF2-40B4-BE49-F238E27FC236}">
-                  <a16:creationId xmlns:a16="http://schemas.microsoft.com/office/drawing/2014/main" id="{7DC6FE4E-4973-7815-2E63-C012479BFDBC}"/>
-                </a:ext>
-              </a:extLst>
-            </p:cNvPr>
-            <p:cNvSpPr/>
-            <p:nvPr/>
-          </p:nvSpPr>
-          <p:spPr>
-            <a:xfrm>
-              <a:off x="3035911" y="2670795"/>
-              <a:ext cx="160309" cy="138197"/>
-            </a:xfrm>
-            <a:prstGeom prst="triangle">
-              <a:avLst/>
-            </a:prstGeom>
-            <a:solidFill>
-              <a:schemeClr val="tx2">
-                <a:lumMod val="20000"/>
-                <a:lumOff val="80000"/>
-              </a:schemeClr>
-            </a:solidFill>
-            <a:ln>
-              <a:noFill/>
-            </a:ln>
-          </p:spPr>
-          <p:style>
-            <a:lnRef idx="2">
-              <a:schemeClr val="accent1">
-                <a:shade val="15000"/>
-              </a:schemeClr>
-            </a:lnRef>
-            <a:fillRef idx="1">
-              <a:schemeClr val="accent1"/>
-            </a:fillRef>
-            <a:effectRef idx="0">
-              <a:schemeClr val="accent1"/>
-            </a:effectRef>
-            <a:fontRef idx="minor">
-              <a:schemeClr val="lt1"/>
-            </a:fontRef>
-          </p:style>
-          <p:txBody>
-            <a:bodyPr rtlCol="0" anchor="ctr"/>
-            <a:lstStyle/>
-            <a:p>
-              <a:pPr algn="ctr"/>
-              <a:endParaRPr kumimoji="1" lang="ja-JP" altLang="en-US"/>
-            </a:p>
-          </p:txBody>
-        </p:sp>
-      </p:grpSp>
-      <p:sp>
-        <p:nvSpPr>
-          <p:cNvPr id="2" name="テキスト ボックス 1">
-            <a:extLst>
-              <a:ext uri="{FF2B5EF4-FFF2-40B4-BE49-F238E27FC236}">
-                <a16:creationId xmlns:a16="http://schemas.microsoft.com/office/drawing/2014/main" id="{252E7F5C-4DDB-833E-9A45-847AAB1CDC88}"/>
-              </a:ext>
-            </a:extLst>
-          </p:cNvPr>
-          <p:cNvSpPr txBox="1"/>
-          <p:nvPr/>
-        </p:nvSpPr>
-        <p:spPr>
-          <a:xfrm>
-            <a:off x="1829377" y="5736210"/>
-            <a:ext cx="1557162" cy="369332"/>
-          </a:xfrm>
-          <a:prstGeom prst="rect">
-            <a:avLst/>
-          </a:prstGeom>
-          <a:noFill/>
-        </p:spPr>
-        <p:txBody>
-          <a:bodyPr wrap="square" rtlCol="0">
-            <a:spAutoFit/>
-          </a:bodyPr>
-          <a:lstStyle/>
-          <a:p>
-            <a:pPr algn="ctr"/>
-            <a:r>
-              <a:rPr kumimoji="1" lang="en-US" altLang="ja-JP" spc="300" dirty="0">
-                <a:solidFill>
-                  <a:schemeClr val="tx2">
-                    <a:lumMod val="75000"/>
-                  </a:schemeClr>
-                </a:solidFill>
-                <a:latin typeface="Bahnschrift" panose="020B0502040204020203" pitchFamily="34" charset="0"/>
-              </a:rPr>
-              <a:t>Victim</a:t>
-            </a:r>
-            <a:endParaRPr kumimoji="1" lang="ja-JP" altLang="en-US" spc="300" dirty="0">
-              <a:solidFill>
-                <a:schemeClr val="tx2">
-                  <a:lumMod val="75000"/>
-                </a:schemeClr>
-              </a:solidFill>
-              <a:latin typeface="Bahnschrift" panose="020B0502040204020203" pitchFamily="34" charset="0"/>
-            </a:endParaRPr>
-          </a:p>
-        </p:txBody>
-      </p:sp>
-      <p:sp>
-        <p:nvSpPr>
-          <p:cNvPr id="3" name="テキスト ボックス 2">
-            <a:extLst>
-              <a:ext uri="{FF2B5EF4-FFF2-40B4-BE49-F238E27FC236}">
-                <a16:creationId xmlns:a16="http://schemas.microsoft.com/office/drawing/2014/main" id="{7BFE9C9A-B47E-05D2-4F69-B4D93C409755}"/>
-              </a:ext>
-            </a:extLst>
-          </p:cNvPr>
-          <p:cNvSpPr txBox="1"/>
-          <p:nvPr/>
-        </p:nvSpPr>
-        <p:spPr>
-          <a:xfrm>
-            <a:off x="4936642" y="5736210"/>
-            <a:ext cx="1557162" cy="369332"/>
-          </a:xfrm>
-          <a:prstGeom prst="rect">
-            <a:avLst/>
-          </a:prstGeom>
-          <a:noFill/>
-        </p:spPr>
-        <p:txBody>
-          <a:bodyPr wrap="square" rtlCol="0">
-            <a:spAutoFit/>
-          </a:bodyPr>
-          <a:lstStyle/>
-          <a:p>
-            <a:pPr algn="ctr"/>
-            <a:r>
-              <a:rPr kumimoji="1" lang="en-US" altLang="ja-JP" spc="300" dirty="0">
-                <a:solidFill>
-                  <a:schemeClr val="tx2">
-                    <a:lumMod val="75000"/>
-                  </a:schemeClr>
-                </a:solidFill>
-                <a:latin typeface="Bahnschrift" panose="020B0502040204020203" pitchFamily="34" charset="0"/>
-              </a:rPr>
-              <a:t>Victim</a:t>
-            </a:r>
-            <a:endParaRPr kumimoji="1" lang="ja-JP" altLang="en-US" spc="300" dirty="0">
-              <a:solidFill>
-                <a:schemeClr val="tx2">
-                  <a:lumMod val="75000"/>
-                </a:schemeClr>
-              </a:solidFill>
-              <a:latin typeface="Bahnschrift" panose="020B0502040204020203" pitchFamily="34" charset="0"/>
-            </a:endParaRPr>
-          </a:p>
-        </p:txBody>
-      </p:sp>
-      <p:sp>
-        <p:nvSpPr>
-          <p:cNvPr id="4" name="テキスト ボックス 3">
-            <a:extLst>
-              <a:ext uri="{FF2B5EF4-FFF2-40B4-BE49-F238E27FC236}">
-                <a16:creationId xmlns:a16="http://schemas.microsoft.com/office/drawing/2014/main" id="{6381F757-A3CF-084E-F187-1B9000B4EF8C}"/>
-              </a:ext>
-            </a:extLst>
-          </p:cNvPr>
-          <p:cNvSpPr txBox="1"/>
-          <p:nvPr/>
-        </p:nvSpPr>
-        <p:spPr>
-          <a:xfrm>
-            <a:off x="8043907" y="5736210"/>
-            <a:ext cx="1557162" cy="369332"/>
-          </a:xfrm>
-          <a:prstGeom prst="rect">
-            <a:avLst/>
-          </a:prstGeom>
-          <a:noFill/>
-        </p:spPr>
-        <p:txBody>
-          <a:bodyPr wrap="square" rtlCol="0">
-            <a:spAutoFit/>
-          </a:bodyPr>
-          <a:lstStyle/>
-          <a:p>
-            <a:pPr algn="ctr"/>
-            <a:r>
-              <a:rPr kumimoji="1" lang="en-US" altLang="ja-JP" spc="300" dirty="0">
-                <a:solidFill>
-                  <a:schemeClr val="tx2">
-                    <a:lumMod val="75000"/>
-                  </a:schemeClr>
-                </a:solidFill>
-                <a:latin typeface="Bahnschrift" panose="020B0502040204020203" pitchFamily="34" charset="0"/>
-              </a:rPr>
-              <a:t>Victim</a:t>
-            </a:r>
-            <a:endParaRPr kumimoji="1" lang="ja-JP" altLang="en-US" spc="300" dirty="0">
-              <a:solidFill>
-                <a:schemeClr val="tx2">
-                  <a:lumMod val="75000"/>
-                </a:schemeClr>
-              </a:solidFill>
-              <a:latin typeface="Bahnschrift" panose="020B0502040204020203" pitchFamily="34" charset="0"/>
-            </a:endParaRPr>
-          </a:p>
-        </p:txBody>
-      </p:sp>
-      <p:sp>
-        <p:nvSpPr>
-          <p:cNvPr id="5" name="フリーフォーム: 図形 4">
-            <a:extLst>
-              <a:ext uri="{FF2B5EF4-FFF2-40B4-BE49-F238E27FC236}">
-                <a16:creationId xmlns:a16="http://schemas.microsoft.com/office/drawing/2014/main" id="{111D72EF-6680-7A73-C7F5-4AC385E4CCA9}"/>
-              </a:ext>
-            </a:extLst>
-          </p:cNvPr>
-          <p:cNvSpPr>
-            <a:spLocks noChangeAspect="1"/>
-          </p:cNvSpPr>
-          <p:nvPr/>
-        </p:nvSpPr>
-        <p:spPr>
-          <a:xfrm rot="2700000">
-            <a:off x="407477" y="654160"/>
-            <a:ext cx="282486" cy="282486"/>
-          </a:xfrm>
-          <a:custGeom>
-            <a:avLst/>
-            <a:gdLst>
-              <a:gd name="connsiteX0" fmla="*/ 0 w 1278000"/>
-              <a:gd name="connsiteY0" fmla="*/ 0 h 1278000"/>
-              <a:gd name="connsiteX1" fmla="*/ 1278000 w 1278000"/>
-              <a:gd name="connsiteY1" fmla="*/ 0 h 1278000"/>
-              <a:gd name="connsiteX2" fmla="*/ 1278000 w 1278000"/>
-              <a:gd name="connsiteY2" fmla="*/ 1278000 h 1278000"/>
-              <a:gd name="connsiteX3" fmla="*/ 1035184 w 1278000"/>
-              <a:gd name="connsiteY3" fmla="*/ 1278000 h 1278000"/>
-              <a:gd name="connsiteX4" fmla="*/ 1035184 w 1278000"/>
-              <a:gd name="connsiteY4" fmla="*/ 242816 h 1278000"/>
-              <a:gd name="connsiteX5" fmla="*/ 0 w 1278000"/>
-              <a:gd name="connsiteY5" fmla="*/ 242816 h 1278000"/>
-            </a:gdLst>
-            <a:ahLst/>
-            <a:cxnLst>
-              <a:cxn ang="0">
-                <a:pos x="connsiteX0" y="connsiteY0"/>
-              </a:cxn>
-              <a:cxn ang="0">
-                <a:pos x="connsiteX1" y="connsiteY1"/>
-              </a:cxn>
-              <a:cxn ang="0">
-                <a:pos x="connsiteX2" y="connsiteY2"/>
-              </a:cxn>
-              <a:cxn ang="0">
-                <a:pos x="connsiteX3" y="connsiteY3"/>
-              </a:cxn>
-              <a:cxn ang="0">
-                <a:pos x="connsiteX4" y="connsiteY4"/>
-              </a:cxn>
-              <a:cxn ang="0">
-                <a:pos x="connsiteX5" y="connsiteY5"/>
-              </a:cxn>
-            </a:cxnLst>
-            <a:rect l="l" t="t" r="r" b="b"/>
-            <a:pathLst>
-              <a:path w="1278000" h="1278000">
-                <a:moveTo>
-                  <a:pt x="0" y="0"/>
-                </a:moveTo>
-                <a:lnTo>
-                  <a:pt x="1278000" y="0"/>
-                </a:lnTo>
-                <a:lnTo>
-                  <a:pt x="1278000" y="1278000"/>
-                </a:lnTo>
-                <a:lnTo>
-                  <a:pt x="1035184" y="1278000"/>
-                </a:lnTo>
-                <a:lnTo>
-                  <a:pt x="1035184" y="242816"/>
-                </a:lnTo>
-                <a:lnTo>
-                  <a:pt x="0" y="242816"/>
-                </a:lnTo>
-                <a:close/>
-              </a:path>
-            </a:pathLst>
-          </a:custGeom>
-          <a:solidFill>
-            <a:schemeClr val="tx2">
-              <a:lumMod val="60000"/>
-              <a:lumOff val="40000"/>
-            </a:schemeClr>
-          </a:solidFill>
-          <a:ln w="25400">
-            <a:noFill/>
-          </a:ln>
-        </p:spPr>
-        <p:style>
-          <a:lnRef idx="2">
-            <a:schemeClr val="accent1">
-              <a:shade val="50000"/>
-            </a:schemeClr>
-          </a:lnRef>
-          <a:fillRef idx="1">
-            <a:schemeClr val="accent1"/>
-          </a:fillRef>
-          <a:effectRef idx="0">
-            <a:schemeClr val="accent1"/>
-          </a:effectRef>
-          <a:fontRef idx="minor">
-            <a:schemeClr val="lt1"/>
-          </a:fontRef>
-        </p:style>
-        <p:txBody>
-          <a:bodyPr wrap="square" rtlCol="0" anchor="ctr">
-            <a:noAutofit/>
-          </a:bodyPr>
-          <a:lstStyle/>
-          <a:p>
-            <a:pPr algn="ctr"/>
-            <a:endParaRPr kumimoji="1" lang="ja-JP" altLang="en-US">
-              <a:solidFill>
-                <a:schemeClr val="tx2">
-                  <a:lumMod val="75000"/>
-                </a:schemeClr>
-              </a:solidFill>
-            </a:endParaRPr>
-          </a:p>
-        </p:txBody>
-      </p:sp>
-      <p:sp>
-        <p:nvSpPr>
-          <p:cNvPr id="7" name="フリーフォーム: 図形 6">
-            <a:extLst>
-              <a:ext uri="{FF2B5EF4-FFF2-40B4-BE49-F238E27FC236}">
-                <a16:creationId xmlns:a16="http://schemas.microsoft.com/office/drawing/2014/main" id="{965F4CB6-F463-EB65-7084-A7580E86FFD0}"/>
-              </a:ext>
-            </a:extLst>
-          </p:cNvPr>
-          <p:cNvSpPr>
-            <a:spLocks noChangeAspect="1"/>
-          </p:cNvSpPr>
-          <p:nvPr/>
-        </p:nvSpPr>
-        <p:spPr>
-          <a:xfrm rot="2700000">
-            <a:off x="692723" y="654160"/>
-            <a:ext cx="282486" cy="282486"/>
-          </a:xfrm>
-          <a:custGeom>
-            <a:avLst/>
-            <a:gdLst>
-              <a:gd name="connsiteX0" fmla="*/ 0 w 1278000"/>
-              <a:gd name="connsiteY0" fmla="*/ 0 h 1278000"/>
-              <a:gd name="connsiteX1" fmla="*/ 1278000 w 1278000"/>
-              <a:gd name="connsiteY1" fmla="*/ 0 h 1278000"/>
-              <a:gd name="connsiteX2" fmla="*/ 1278000 w 1278000"/>
-              <a:gd name="connsiteY2" fmla="*/ 1278000 h 1278000"/>
-              <a:gd name="connsiteX3" fmla="*/ 1035184 w 1278000"/>
-              <a:gd name="connsiteY3" fmla="*/ 1278000 h 1278000"/>
-              <a:gd name="connsiteX4" fmla="*/ 1035184 w 1278000"/>
-              <a:gd name="connsiteY4" fmla="*/ 242816 h 1278000"/>
-              <a:gd name="connsiteX5" fmla="*/ 0 w 1278000"/>
-              <a:gd name="connsiteY5" fmla="*/ 242816 h 1278000"/>
-            </a:gdLst>
-            <a:ahLst/>
-            <a:cxnLst>
-              <a:cxn ang="0">
-                <a:pos x="connsiteX0" y="connsiteY0"/>
-              </a:cxn>
-              <a:cxn ang="0">
-                <a:pos x="connsiteX1" y="connsiteY1"/>
-              </a:cxn>
-              <a:cxn ang="0">
-                <a:pos x="connsiteX2" y="connsiteY2"/>
-              </a:cxn>
-              <a:cxn ang="0">
-                <a:pos x="connsiteX3" y="connsiteY3"/>
-              </a:cxn>
-              <a:cxn ang="0">
-                <a:pos x="connsiteX4" y="connsiteY4"/>
-              </a:cxn>
-              <a:cxn ang="0">
-                <a:pos x="connsiteX5" y="connsiteY5"/>
-              </a:cxn>
-            </a:cxnLst>
-            <a:rect l="l" t="t" r="r" b="b"/>
-            <a:pathLst>
-              <a:path w="1278000" h="1278000">
-                <a:moveTo>
-                  <a:pt x="0" y="0"/>
-                </a:moveTo>
-                <a:lnTo>
-                  <a:pt x="1278000" y="0"/>
-                </a:lnTo>
-                <a:lnTo>
-                  <a:pt x="1278000" y="1278000"/>
-                </a:lnTo>
-                <a:lnTo>
-                  <a:pt x="1035184" y="1278000"/>
-                </a:lnTo>
-                <a:lnTo>
-                  <a:pt x="1035184" y="242816"/>
-                </a:lnTo>
-                <a:lnTo>
-                  <a:pt x="0" y="242816"/>
-                </a:lnTo>
-                <a:close/>
-              </a:path>
-            </a:pathLst>
-          </a:custGeom>
-          <a:solidFill>
-            <a:schemeClr val="tx2">
-              <a:lumMod val="60000"/>
-              <a:lumOff val="40000"/>
-            </a:schemeClr>
-          </a:solidFill>
-          <a:ln w="25400">
-            <a:noFill/>
-          </a:ln>
-        </p:spPr>
-        <p:style>
-          <a:lnRef idx="2">
-            <a:schemeClr val="accent1">
-              <a:shade val="50000"/>
-            </a:schemeClr>
-          </a:lnRef>
-          <a:fillRef idx="1">
-            <a:schemeClr val="accent1"/>
-          </a:fillRef>
-          <a:effectRef idx="0">
-            <a:schemeClr val="accent1"/>
-          </a:effectRef>
-          <a:fontRef idx="minor">
-            <a:schemeClr val="lt1"/>
-          </a:fontRef>
-        </p:style>
-        <p:txBody>
-          <a:bodyPr wrap="square" rtlCol="0" anchor="ctr">
-            <a:noAutofit/>
-          </a:bodyPr>
-          <a:lstStyle/>
-          <a:p>
-            <a:pPr algn="ctr"/>
-            <a:endParaRPr kumimoji="1" lang="ja-JP" altLang="en-US">
-              <a:solidFill>
-                <a:schemeClr val="tx2">
-                  <a:lumMod val="75000"/>
-                </a:schemeClr>
-              </a:solidFill>
-            </a:endParaRPr>
-          </a:p>
-        </p:txBody>
-      </p:sp>
-      <p:sp>
-        <p:nvSpPr>
-          <p:cNvPr id="8" name="フリーフォーム: 図形 7">
-            <a:extLst>
-              <a:ext uri="{FF2B5EF4-FFF2-40B4-BE49-F238E27FC236}">
-                <a16:creationId xmlns:a16="http://schemas.microsoft.com/office/drawing/2014/main" id="{8BC5443B-53BD-97A4-8652-EDDBEBA0F5ED}"/>
-              </a:ext>
-            </a:extLst>
-          </p:cNvPr>
-          <p:cNvSpPr>
-            <a:spLocks noChangeAspect="1"/>
-          </p:cNvSpPr>
-          <p:nvPr/>
-        </p:nvSpPr>
-        <p:spPr>
-          <a:xfrm rot="2700000">
-            <a:off x="977968" y="654160"/>
-            <a:ext cx="282486" cy="282486"/>
-          </a:xfrm>
-          <a:custGeom>
-            <a:avLst/>
-            <a:gdLst>
-              <a:gd name="connsiteX0" fmla="*/ 0 w 1278000"/>
-              <a:gd name="connsiteY0" fmla="*/ 0 h 1278000"/>
-              <a:gd name="connsiteX1" fmla="*/ 1278000 w 1278000"/>
-              <a:gd name="connsiteY1" fmla="*/ 0 h 1278000"/>
-              <a:gd name="connsiteX2" fmla="*/ 1278000 w 1278000"/>
-              <a:gd name="connsiteY2" fmla="*/ 1278000 h 1278000"/>
-              <a:gd name="connsiteX3" fmla="*/ 1035184 w 1278000"/>
-              <a:gd name="connsiteY3" fmla="*/ 1278000 h 1278000"/>
-              <a:gd name="connsiteX4" fmla="*/ 1035184 w 1278000"/>
-              <a:gd name="connsiteY4" fmla="*/ 242816 h 1278000"/>
-              <a:gd name="connsiteX5" fmla="*/ 0 w 1278000"/>
-              <a:gd name="connsiteY5" fmla="*/ 242816 h 1278000"/>
-            </a:gdLst>
-            <a:ahLst/>
-            <a:cxnLst>
-              <a:cxn ang="0">
-                <a:pos x="connsiteX0" y="connsiteY0"/>
-              </a:cxn>
-              <a:cxn ang="0">
-                <a:pos x="connsiteX1" y="connsiteY1"/>
-              </a:cxn>
-              <a:cxn ang="0">
-                <a:pos x="connsiteX2" y="connsiteY2"/>
-              </a:cxn>
-              <a:cxn ang="0">
-                <a:pos x="connsiteX3" y="connsiteY3"/>
-              </a:cxn>
-              <a:cxn ang="0">
-                <a:pos x="connsiteX4" y="connsiteY4"/>
-              </a:cxn>
-              <a:cxn ang="0">
-                <a:pos x="connsiteX5" y="connsiteY5"/>
-              </a:cxn>
-            </a:cxnLst>
-            <a:rect l="l" t="t" r="r" b="b"/>
-            <a:pathLst>
-              <a:path w="1278000" h="1278000">
-                <a:moveTo>
-                  <a:pt x="0" y="0"/>
-                </a:moveTo>
-                <a:lnTo>
-                  <a:pt x="1278000" y="0"/>
-                </a:lnTo>
-                <a:lnTo>
-                  <a:pt x="1278000" y="1278000"/>
-                </a:lnTo>
-                <a:lnTo>
-                  <a:pt x="1035184" y="1278000"/>
-                </a:lnTo>
-                <a:lnTo>
-                  <a:pt x="1035184" y="242816"/>
-                </a:lnTo>
-                <a:lnTo>
-                  <a:pt x="0" y="242816"/>
-                </a:lnTo>
-                <a:close/>
-              </a:path>
-            </a:pathLst>
-          </a:custGeom>
-          <a:solidFill>
-            <a:schemeClr val="tx2">
-              <a:lumMod val="60000"/>
-              <a:lumOff val="40000"/>
-            </a:schemeClr>
-          </a:solidFill>
-          <a:ln w="25400">
-            <a:noFill/>
-          </a:ln>
-        </p:spPr>
-        <p:style>
-          <a:lnRef idx="2">
-            <a:schemeClr val="accent1">
-              <a:shade val="50000"/>
-            </a:schemeClr>
-          </a:lnRef>
-          <a:fillRef idx="1">
-            <a:schemeClr val="accent1"/>
-          </a:fillRef>
-          <a:effectRef idx="0">
-            <a:schemeClr val="accent1"/>
-          </a:effectRef>
-          <a:fontRef idx="minor">
-            <a:schemeClr val="lt1"/>
-          </a:fontRef>
-        </p:style>
-        <p:txBody>
-          <a:bodyPr wrap="square" rtlCol="0" anchor="ctr">
-            <a:noAutofit/>
-          </a:bodyPr>
-          <a:lstStyle/>
-          <a:p>
-            <a:pPr algn="ctr"/>
-            <a:endParaRPr kumimoji="1" lang="ja-JP" altLang="en-US">
-              <a:solidFill>
-                <a:schemeClr val="tx2">
-                  <a:lumMod val="75000"/>
-                </a:schemeClr>
-              </a:solidFill>
-            </a:endParaRPr>
-          </a:p>
-        </p:txBody>
-      </p:sp>
-      <p:sp>
-        <p:nvSpPr>
-          <p:cNvPr id="10" name="正方形/長方形 9">
-            <a:extLst>
-              <a:ext uri="{FF2B5EF4-FFF2-40B4-BE49-F238E27FC236}">
-                <a16:creationId xmlns:a16="http://schemas.microsoft.com/office/drawing/2014/main" id="{0758DAE7-FD9F-432B-C8C1-6A1E22F257E4}"/>
-              </a:ext>
-            </a:extLst>
-          </p:cNvPr>
-          <p:cNvSpPr/>
-          <p:nvPr/>
-        </p:nvSpPr>
-        <p:spPr>
-          <a:xfrm>
-            <a:off x="1489954" y="921367"/>
-            <a:ext cx="2829621" cy="276999"/>
-          </a:xfrm>
-          <a:prstGeom prst="rect">
-            <a:avLst/>
-          </a:prstGeom>
-        </p:spPr>
-        <p:txBody>
-          <a:bodyPr wrap="none">
-            <a:spAutoFit/>
-          </a:bodyPr>
-          <a:lstStyle/>
-          <a:p>
-            <a:r>
-              <a:rPr lang="en-US" altLang="ja-JP" sz="1200" spc="500" dirty="0">
-                <a:solidFill>
-                  <a:schemeClr val="tx2">
-                    <a:lumMod val="75000"/>
-                  </a:schemeClr>
-                </a:solidFill>
-                <a:latin typeface="Bahnschrift" panose="020B0502040204020203" pitchFamily="34" charset="0"/>
-                <a:ea typeface="Lato Black" panose="020F0502020204030203" pitchFamily="34" charset="0"/>
-                <a:cs typeface="Lato Black" panose="020F0502020204030203" pitchFamily="34" charset="0"/>
-              </a:rPr>
-              <a:t>Outline | Utilization</a:t>
-            </a:r>
-            <a:endParaRPr lang="ja-JP" altLang="en-US" sz="1200" spc="500" dirty="0">
-              <a:solidFill>
-                <a:schemeClr val="tx2">
-                  <a:lumMod val="75000"/>
-                </a:schemeClr>
-              </a:solidFill>
-              <a:latin typeface="Bahnschrift" panose="020B0502040204020203" pitchFamily="34" charset="0"/>
-              <a:ea typeface="Lato Black" panose="020F0502020204030203" pitchFamily="34" charset="0"/>
-              <a:cs typeface="Lato Black" panose="020F0502020204030203" pitchFamily="34" charset="0"/>
-            </a:endParaRPr>
-          </a:p>
-        </p:txBody>
-      </p:sp>
-      <p:sp>
-        <p:nvSpPr>
-          <p:cNvPr id="13" name="正方形/長方形 12">
-            <a:extLst>
-              <a:ext uri="{FF2B5EF4-FFF2-40B4-BE49-F238E27FC236}">
-                <a16:creationId xmlns:a16="http://schemas.microsoft.com/office/drawing/2014/main" id="{F4D316A5-1F0D-E1CE-12EE-7A35328DED21}"/>
-              </a:ext>
-            </a:extLst>
-          </p:cNvPr>
-          <p:cNvSpPr/>
-          <p:nvPr/>
-        </p:nvSpPr>
-        <p:spPr>
-          <a:xfrm>
-            <a:off x="1489954" y="459702"/>
-            <a:ext cx="4055919" cy="461665"/>
-          </a:xfrm>
-          <a:prstGeom prst="rect">
-            <a:avLst/>
-          </a:prstGeom>
-        </p:spPr>
-        <p:txBody>
-          <a:bodyPr wrap="none">
-            <a:spAutoFit/>
-          </a:bodyPr>
-          <a:lstStyle/>
-          <a:p>
-            <a:r>
-              <a:rPr lang="ja-JP" altLang="en-US" sz="2400" b="1" spc="500" dirty="0">
-                <a:solidFill>
-                  <a:schemeClr val="tx2">
-                    <a:lumMod val="75000"/>
-                  </a:schemeClr>
-                </a:solidFill>
-                <a:latin typeface="游ゴシック" panose="020B0400000000000000" pitchFamily="50" charset="-128"/>
-                <a:ea typeface="游ゴシック" panose="020B0400000000000000" pitchFamily="50" charset="-128"/>
-                <a:cs typeface="Lato Black" panose="020F0502020204030203" pitchFamily="34" charset="0"/>
-              </a:rPr>
-              <a:t>概要 「活用」について</a:t>
-            </a:r>
-          </a:p>
-        </p:txBody>
-      </p:sp>
-    </p:spTree>
-    <p:extLst>
-      <p:ext uri="{BB962C8B-B14F-4D97-AF65-F5344CB8AC3E}">
-        <p14:creationId xmlns:p14="http://schemas.microsoft.com/office/powerpoint/2010/main" val="4170515528"/>
-      </p:ext>
-    </p:extLst>
-  </p:cSld>
-  <p:clrMapOvr>
-    <a:masterClrMapping/>
-  </p:clrMapOvr>
-  <mc:AlternateContent xmlns:mc="http://schemas.openxmlformats.org/markup-compatibility/2006" xmlns:p159="http://schemas.microsoft.com/office/powerpoint/2015/09/main">
-    <mc:Choice Requires="p159">
-      <p:transition spd="slow">
-        <p159:morph option="byObject"/>
-      </p:transition>
-    </mc:Choice>
-    <mc:Fallback xmlns="">
-      <p:transition spd="slow">
-        <p:fade/>
-      </p:transition>
-    </mc:Fallback>
-  </mc:AlternateContent>
-</p:sld>
-</file>
-
 <file path=ppt/slides/slide2.xml><?xml version="1.0" encoding="utf-8"?>
 <p:sld xmlns:a="http://schemas.openxmlformats.org/drawingml/2006/main" xmlns:r="http://schemas.openxmlformats.org/officeDocument/2006/relationships" xmlns:p="http://schemas.openxmlformats.org/presentationml/2006/main">
   <p:cSld>
@@ -19316,7 +16189,7 @@
               </a:lnSpc>
             </a:pPr>
             <a:r>
-              <a:rPr kumimoji="1" lang="en-US" altLang="ja-JP" b="1" dirty="0">
+              <a:rPr kumimoji="1" lang="en-US" altLang="ja-JP" b="1" spc="100" dirty="0">
                 <a:solidFill>
                   <a:sysClr val="windowText" lastClr="000000"/>
                 </a:solidFill>
@@ -19325,7 +16198,7 @@
               <a:t>GPS</a:t>
             </a:r>
             <a:r>
-              <a:rPr kumimoji="1" lang="ja-JP" altLang="en-US" b="1" dirty="0">
+              <a:rPr kumimoji="1" lang="ja-JP" altLang="en-US" b="1" spc="100" dirty="0">
                 <a:solidFill>
                   <a:sysClr val="windowText" lastClr="000000"/>
                 </a:solidFill>
@@ -19392,7 +16265,7 @@
               </a:lnSpc>
             </a:pPr>
             <a:r>
-              <a:rPr kumimoji="1" lang="en-US" altLang="ja-JP" b="1" dirty="0">
+              <a:rPr kumimoji="1" lang="en-US" altLang="ja-JP" b="1" spc="100" dirty="0">
                 <a:solidFill>
                   <a:sysClr val="windowText" lastClr="000000"/>
                 </a:solidFill>
@@ -19401,7 +16274,7 @@
               <a:t>TWE-LITE</a:t>
             </a:r>
             <a:r>
-              <a:rPr kumimoji="1" lang="ja-JP" altLang="en-US" b="1" dirty="0">
+              <a:rPr kumimoji="1" lang="ja-JP" altLang="en-US" b="1" spc="100" dirty="0">
                 <a:solidFill>
                   <a:sysClr val="windowText" lastClr="000000"/>
                 </a:solidFill>
@@ -19417,7 +16290,7 @@
               </a:lnSpc>
             </a:pPr>
             <a:r>
-              <a:rPr kumimoji="1" lang="ja-JP" altLang="en-US" b="1" dirty="0">
+              <a:rPr kumimoji="1" lang="ja-JP" altLang="en-US" b="1" spc="100" dirty="0">
                 <a:solidFill>
                   <a:sysClr val="windowText" lastClr="000000"/>
                 </a:solidFill>
@@ -19484,32 +16357,16 @@
               </a:lnSpc>
             </a:pPr>
             <a:r>
-              <a:rPr kumimoji="1" lang="ja-JP" altLang="en-US" b="1" dirty="0">
+              <a:rPr kumimoji="1" lang="ja-JP" altLang="en-US" b="1" spc="100" dirty="0">
                 <a:solidFill>
                   <a:sysClr val="windowText" lastClr="000000"/>
                 </a:solidFill>
                 <a:latin typeface="+mn-ea"/>
               </a:rPr>
-              <a:t>アプリやサイトへの</a:t>
-            </a:r>
-          </a:p>
-          <a:p>
-            <a:pPr algn="ctr">
-              <a:lnSpc>
-                <a:spcPct val="130000"/>
-              </a:lnSpc>
-            </a:pPr>
-            <a:r>
-              <a:rPr kumimoji="1" lang="ja-JP" altLang="en-US" b="1" dirty="0">
-                <a:solidFill>
-                  <a:sysClr val="windowText" lastClr="000000"/>
-                </a:solidFill>
-                <a:latin typeface="+mn-ea"/>
-              </a:rPr>
-              <a:t>情報の表示</a:t>
-            </a:r>
-            <a:r>
-              <a:rPr kumimoji="1" lang="en-US" altLang="ja-JP" b="1" dirty="0">
+              <a:t>アプリやサイトへの情報の表示</a:t>
+            </a:r>
+            <a:r>
+              <a:rPr kumimoji="1" lang="en-US" altLang="ja-JP" b="1" spc="100" dirty="0">
                 <a:solidFill>
                   <a:sysClr val="windowText" lastClr="000000"/>
                 </a:solidFill>
@@ -19518,7 +16375,7 @@
               <a:t>/</a:t>
             </a:r>
             <a:r>
-              <a:rPr kumimoji="1" lang="ja-JP" altLang="en-US" b="1" dirty="0">
+              <a:rPr kumimoji="1" lang="ja-JP" altLang="en-US" b="1" spc="100" dirty="0">
                 <a:solidFill>
                   <a:sysClr val="windowText" lastClr="000000"/>
                 </a:solidFill>
@@ -19585,7 +16442,7 @@
               </a:lnSpc>
             </a:pPr>
             <a:r>
-              <a:rPr kumimoji="1" lang="ja-JP" altLang="en-US" b="1" dirty="0">
+              <a:rPr kumimoji="1" lang="ja-JP" altLang="en-US" b="1" spc="100" dirty="0">
                 <a:solidFill>
                   <a:sysClr val="windowText" lastClr="000000"/>
                 </a:solidFill>
@@ -19593,7 +16450,7 @@
               </a:rPr>
               <a:t>ボタンの押下と</a:t>
             </a:r>
-            <a:endParaRPr kumimoji="1" lang="en-US" altLang="ja-JP" b="1" dirty="0">
+            <a:endParaRPr kumimoji="1" lang="en-US" altLang="ja-JP" b="1" spc="100" dirty="0">
               <a:solidFill>
                 <a:sysClr val="windowText" lastClr="000000"/>
               </a:solidFill>
@@ -19607,7 +16464,7 @@
               </a:lnSpc>
             </a:pPr>
             <a:r>
-              <a:rPr lang="ja-JP" altLang="en-US" b="1" dirty="0">
+              <a:rPr lang="ja-JP" altLang="en-US" b="1" spc="100" dirty="0">
                 <a:solidFill>
                   <a:sysClr val="windowText" lastClr="000000"/>
                 </a:solidFill>
@@ -19615,7 +16472,7 @@
               </a:rPr>
               <a:t>ディスプレイのリンク</a:t>
             </a:r>
-            <a:endParaRPr kumimoji="1" lang="ja-JP" altLang="en-US" b="1" dirty="0">
+            <a:endParaRPr kumimoji="1" lang="ja-JP" altLang="en-US" b="1" spc="100" dirty="0">
               <a:solidFill>
                 <a:sysClr val="windowText" lastClr="000000"/>
               </a:solidFill>
@@ -19946,7 +16803,7 @@
           <a:p>
             <a:pPr algn="ctr"/>
             <a:r>
-              <a:rPr kumimoji="1" lang="ja-JP" altLang="en-US" b="1" dirty="0">
+              <a:rPr kumimoji="1" lang="ja-JP" altLang="en-US" b="1" spc="100" dirty="0">
                 <a:solidFill>
                   <a:sysClr val="windowText" lastClr="000000"/>
                 </a:solidFill>
@@ -20008,7 +16865,7 @@
           <a:p>
             <a:pPr algn="ctr"/>
             <a:r>
-              <a:rPr kumimoji="1" lang="en-US" altLang="ja-JP" b="1" dirty="0">
+              <a:rPr kumimoji="1" lang="en-US" altLang="ja-JP" b="1" spc="100" dirty="0">
                 <a:solidFill>
                   <a:sysClr val="windowText" lastClr="000000"/>
                 </a:solidFill>
@@ -20016,7 +16873,7 @@
               </a:rPr>
               <a:t>GPS</a:t>
             </a:r>
-            <a:endParaRPr kumimoji="1" lang="ja-JP" altLang="en-US" b="1" dirty="0">
+            <a:endParaRPr kumimoji="1" lang="ja-JP" altLang="en-US" b="1" spc="100" dirty="0">
               <a:solidFill>
                 <a:sysClr val="windowText" lastClr="000000"/>
               </a:solidFill>
@@ -20076,7 +16933,7 @@
           <a:p>
             <a:pPr algn="ctr"/>
             <a:r>
-              <a:rPr kumimoji="1" lang="ja-JP" altLang="en-US" b="1" dirty="0">
+              <a:rPr kumimoji="1" lang="ja-JP" altLang="en-US" b="1" spc="100" dirty="0">
                 <a:solidFill>
                   <a:sysClr val="windowText" lastClr="000000"/>
                 </a:solidFill>
@@ -20085,7 +16942,7 @@
               <a:t>ディスプレイ</a:t>
             </a:r>
             <a:r>
-              <a:rPr kumimoji="1" lang="en-US" altLang="ja-JP" b="1" dirty="0">
+              <a:rPr kumimoji="1" lang="en-US" altLang="ja-JP" b="1" spc="100" dirty="0">
                 <a:solidFill>
                   <a:sysClr val="windowText" lastClr="000000"/>
                 </a:solidFill>
@@ -20094,7 +16951,7 @@
               <a:t>/</a:t>
             </a:r>
             <a:r>
-              <a:rPr kumimoji="1" lang="ja-JP" altLang="en-US" b="1" dirty="0">
+              <a:rPr kumimoji="1" lang="ja-JP" altLang="en-US" b="1" spc="100" dirty="0">
                 <a:solidFill>
                   <a:sysClr val="windowText" lastClr="000000"/>
                 </a:solidFill>
@@ -20161,16 +17018,16 @@
               </a:lnSpc>
             </a:pPr>
             <a:r>
-              <a:rPr kumimoji="1" lang="en-US" altLang="ja-JP" b="1" dirty="0">
+              <a:rPr lang="en-US" altLang="ja-JP" b="1" spc="100" dirty="0">
                 <a:solidFill>
                   <a:sysClr val="windowText" lastClr="000000"/>
                 </a:solidFill>
                 <a:latin typeface="+mn-ea"/>
               </a:rPr>
-              <a:t>4</a:t>
-            </a:r>
-            <a:r>
-              <a:rPr kumimoji="1" lang="ja-JP" altLang="en-US" b="1" dirty="0">
+              <a:t>3</a:t>
+            </a:r>
+            <a:r>
+              <a:rPr kumimoji="1" lang="ja-JP" altLang="en-US" b="1" spc="100" dirty="0">
                 <a:solidFill>
                   <a:sysClr val="windowText" lastClr="000000"/>
                 </a:solidFill>
@@ -20237,7 +17094,7 @@
               </a:lnSpc>
             </a:pPr>
             <a:r>
-              <a:rPr kumimoji="1" lang="ja-JP" altLang="en-US" b="1" dirty="0">
+              <a:rPr kumimoji="1" lang="ja-JP" altLang="en-US" b="1" spc="100" dirty="0">
                 <a:solidFill>
                   <a:sysClr val="windowText" lastClr="000000"/>
                 </a:solidFill>
@@ -20245,7 +17102,7 @@
               </a:rPr>
               <a:t>欠損や故障なし</a:t>
             </a:r>
-            <a:endParaRPr kumimoji="1" lang="en-US" altLang="ja-JP" b="1" dirty="0">
+            <a:endParaRPr kumimoji="1" lang="en-US" altLang="ja-JP" b="1" spc="100" dirty="0">
               <a:solidFill>
                 <a:sysClr val="windowText" lastClr="000000"/>
               </a:solidFill>
@@ -20259,7 +17116,7 @@
               </a:lnSpc>
             </a:pPr>
             <a:r>
-              <a:rPr lang="ja-JP" altLang="en-US" b="1" dirty="0">
+              <a:rPr lang="ja-JP" altLang="en-US" b="1" spc="100" dirty="0">
                 <a:solidFill>
                   <a:sysClr val="windowText" lastClr="000000"/>
                 </a:solidFill>
@@ -20267,7 +17124,7 @@
               </a:rPr>
               <a:t>＝再利用可能な状態</a:t>
             </a:r>
-            <a:endParaRPr kumimoji="1" lang="ja-JP" altLang="en-US" b="1" dirty="0">
+            <a:endParaRPr kumimoji="1" lang="ja-JP" altLang="en-US" b="1" spc="100" dirty="0">
               <a:solidFill>
                 <a:sysClr val="windowText" lastClr="000000"/>
               </a:solidFill>
@@ -20332,7 +17189,7 @@
               </a:lnSpc>
             </a:pPr>
             <a:r>
-              <a:rPr kumimoji="1" lang="ja-JP" altLang="en-US" b="1" dirty="0">
+              <a:rPr kumimoji="1" lang="ja-JP" altLang="en-US" b="1" spc="100" dirty="0">
                 <a:solidFill>
                   <a:sysClr val="windowText" lastClr="000000"/>
                 </a:solidFill>
@@ -20340,7 +17197,7 @@
               </a:rPr>
               <a:t>落下位置がバラバラ</a:t>
             </a:r>
-            <a:endParaRPr kumimoji="1" lang="en-US" altLang="ja-JP" b="1" dirty="0">
+            <a:endParaRPr kumimoji="1" lang="en-US" altLang="ja-JP" b="1" spc="100" dirty="0">
               <a:solidFill>
                 <a:sysClr val="windowText" lastClr="000000"/>
               </a:solidFill>
@@ -20354,7 +17211,7 @@
               </a:lnSpc>
             </a:pPr>
             <a:r>
-              <a:rPr kumimoji="1" lang="ja-JP" altLang="en-US" b="1" dirty="0">
+              <a:rPr kumimoji="1" lang="ja-JP" altLang="en-US" b="1" spc="100" dirty="0">
                 <a:solidFill>
                   <a:sysClr val="windowText" lastClr="000000"/>
                 </a:solidFill>
@@ -20391,6 +17248,1667 @@
 </file>
 
 <file path=ppt/slides/slide8.xml><?xml version="1.0" encoding="utf-8"?>
+<p:sld xmlns:a="http://schemas.openxmlformats.org/drawingml/2006/main" xmlns:r="http://schemas.openxmlformats.org/officeDocument/2006/relationships" xmlns:p="http://schemas.openxmlformats.org/presentationml/2006/main">
+  <p:cSld>
+    <p:spTree>
+      <p:nvGrpSpPr>
+        <p:cNvPr id="1" name=""/>
+        <p:cNvGrpSpPr/>
+        <p:nvPr/>
+      </p:nvGrpSpPr>
+      <p:grpSpPr>
+        <a:xfrm>
+          <a:off x="0" y="0"/>
+          <a:ext cx="0" cy="0"/>
+          <a:chOff x="0" y="0"/>
+          <a:chExt cx="0" cy="0"/>
+        </a:xfrm>
+      </p:grpSpPr>
+      <p:sp>
+        <p:nvSpPr>
+          <p:cNvPr id="23" name="フリーフォーム: 図形 22">
+            <a:extLst>
+              <a:ext uri="{FF2B5EF4-FFF2-40B4-BE49-F238E27FC236}">
+                <a16:creationId xmlns:a16="http://schemas.microsoft.com/office/drawing/2014/main" id="{3B424D23-E897-24AB-D339-B0CB52B653D5}"/>
+              </a:ext>
+            </a:extLst>
+          </p:cNvPr>
+          <p:cNvSpPr>
+            <a:spLocks noChangeAspect="1"/>
+          </p:cNvSpPr>
+          <p:nvPr/>
+        </p:nvSpPr>
+        <p:spPr>
+          <a:xfrm rot="2700000">
+            <a:off x="407477" y="654160"/>
+            <a:ext cx="282486" cy="282486"/>
+          </a:xfrm>
+          <a:custGeom>
+            <a:avLst/>
+            <a:gdLst>
+              <a:gd name="connsiteX0" fmla="*/ 0 w 1278000"/>
+              <a:gd name="connsiteY0" fmla="*/ 0 h 1278000"/>
+              <a:gd name="connsiteX1" fmla="*/ 1278000 w 1278000"/>
+              <a:gd name="connsiteY1" fmla="*/ 0 h 1278000"/>
+              <a:gd name="connsiteX2" fmla="*/ 1278000 w 1278000"/>
+              <a:gd name="connsiteY2" fmla="*/ 1278000 h 1278000"/>
+              <a:gd name="connsiteX3" fmla="*/ 1035184 w 1278000"/>
+              <a:gd name="connsiteY3" fmla="*/ 1278000 h 1278000"/>
+              <a:gd name="connsiteX4" fmla="*/ 1035184 w 1278000"/>
+              <a:gd name="connsiteY4" fmla="*/ 242816 h 1278000"/>
+              <a:gd name="connsiteX5" fmla="*/ 0 w 1278000"/>
+              <a:gd name="connsiteY5" fmla="*/ 242816 h 1278000"/>
+            </a:gdLst>
+            <a:ahLst/>
+            <a:cxnLst>
+              <a:cxn ang="0">
+                <a:pos x="connsiteX0" y="connsiteY0"/>
+              </a:cxn>
+              <a:cxn ang="0">
+                <a:pos x="connsiteX1" y="connsiteY1"/>
+              </a:cxn>
+              <a:cxn ang="0">
+                <a:pos x="connsiteX2" y="connsiteY2"/>
+              </a:cxn>
+              <a:cxn ang="0">
+                <a:pos x="connsiteX3" y="connsiteY3"/>
+              </a:cxn>
+              <a:cxn ang="0">
+                <a:pos x="connsiteX4" y="connsiteY4"/>
+              </a:cxn>
+              <a:cxn ang="0">
+                <a:pos x="connsiteX5" y="connsiteY5"/>
+              </a:cxn>
+            </a:cxnLst>
+            <a:rect l="l" t="t" r="r" b="b"/>
+            <a:pathLst>
+              <a:path w="1278000" h="1278000">
+                <a:moveTo>
+                  <a:pt x="0" y="0"/>
+                </a:moveTo>
+                <a:lnTo>
+                  <a:pt x="1278000" y="0"/>
+                </a:lnTo>
+                <a:lnTo>
+                  <a:pt x="1278000" y="1278000"/>
+                </a:lnTo>
+                <a:lnTo>
+                  <a:pt x="1035184" y="1278000"/>
+                </a:lnTo>
+                <a:lnTo>
+                  <a:pt x="1035184" y="242816"/>
+                </a:lnTo>
+                <a:lnTo>
+                  <a:pt x="0" y="242816"/>
+                </a:lnTo>
+                <a:close/>
+              </a:path>
+            </a:pathLst>
+          </a:custGeom>
+          <a:solidFill>
+            <a:schemeClr val="tx2">
+              <a:lumMod val="60000"/>
+              <a:lumOff val="40000"/>
+            </a:schemeClr>
+          </a:solidFill>
+          <a:ln w="25400">
+            <a:noFill/>
+          </a:ln>
+        </p:spPr>
+        <p:style>
+          <a:lnRef idx="2">
+            <a:schemeClr val="accent1">
+              <a:shade val="50000"/>
+            </a:schemeClr>
+          </a:lnRef>
+          <a:fillRef idx="1">
+            <a:schemeClr val="accent1"/>
+          </a:fillRef>
+          <a:effectRef idx="0">
+            <a:schemeClr val="accent1"/>
+          </a:effectRef>
+          <a:fontRef idx="minor">
+            <a:schemeClr val="lt1"/>
+          </a:fontRef>
+        </p:style>
+        <p:txBody>
+          <a:bodyPr wrap="square" rtlCol="0" anchor="ctr">
+            <a:noAutofit/>
+          </a:bodyPr>
+          <a:lstStyle/>
+          <a:p>
+            <a:pPr algn="ctr"/>
+            <a:endParaRPr kumimoji="1" lang="ja-JP" altLang="en-US">
+              <a:solidFill>
+                <a:schemeClr val="tx2">
+                  <a:lumMod val="75000"/>
+                </a:schemeClr>
+              </a:solidFill>
+            </a:endParaRPr>
+          </a:p>
+        </p:txBody>
+      </p:sp>
+      <p:sp>
+        <p:nvSpPr>
+          <p:cNvPr id="25" name="フリーフォーム: 図形 24">
+            <a:extLst>
+              <a:ext uri="{FF2B5EF4-FFF2-40B4-BE49-F238E27FC236}">
+                <a16:creationId xmlns:a16="http://schemas.microsoft.com/office/drawing/2014/main" id="{7D4747C3-138C-A9A4-EDA1-80D82BA31056}"/>
+              </a:ext>
+            </a:extLst>
+          </p:cNvPr>
+          <p:cNvSpPr>
+            <a:spLocks noChangeAspect="1"/>
+          </p:cNvSpPr>
+          <p:nvPr/>
+        </p:nvSpPr>
+        <p:spPr>
+          <a:xfrm rot="2700000">
+            <a:off x="692723" y="654160"/>
+            <a:ext cx="282486" cy="282486"/>
+          </a:xfrm>
+          <a:custGeom>
+            <a:avLst/>
+            <a:gdLst>
+              <a:gd name="connsiteX0" fmla="*/ 0 w 1278000"/>
+              <a:gd name="connsiteY0" fmla="*/ 0 h 1278000"/>
+              <a:gd name="connsiteX1" fmla="*/ 1278000 w 1278000"/>
+              <a:gd name="connsiteY1" fmla="*/ 0 h 1278000"/>
+              <a:gd name="connsiteX2" fmla="*/ 1278000 w 1278000"/>
+              <a:gd name="connsiteY2" fmla="*/ 1278000 h 1278000"/>
+              <a:gd name="connsiteX3" fmla="*/ 1035184 w 1278000"/>
+              <a:gd name="connsiteY3" fmla="*/ 1278000 h 1278000"/>
+              <a:gd name="connsiteX4" fmla="*/ 1035184 w 1278000"/>
+              <a:gd name="connsiteY4" fmla="*/ 242816 h 1278000"/>
+              <a:gd name="connsiteX5" fmla="*/ 0 w 1278000"/>
+              <a:gd name="connsiteY5" fmla="*/ 242816 h 1278000"/>
+            </a:gdLst>
+            <a:ahLst/>
+            <a:cxnLst>
+              <a:cxn ang="0">
+                <a:pos x="connsiteX0" y="connsiteY0"/>
+              </a:cxn>
+              <a:cxn ang="0">
+                <a:pos x="connsiteX1" y="connsiteY1"/>
+              </a:cxn>
+              <a:cxn ang="0">
+                <a:pos x="connsiteX2" y="connsiteY2"/>
+              </a:cxn>
+              <a:cxn ang="0">
+                <a:pos x="connsiteX3" y="connsiteY3"/>
+              </a:cxn>
+              <a:cxn ang="0">
+                <a:pos x="connsiteX4" y="connsiteY4"/>
+              </a:cxn>
+              <a:cxn ang="0">
+                <a:pos x="connsiteX5" y="connsiteY5"/>
+              </a:cxn>
+            </a:cxnLst>
+            <a:rect l="l" t="t" r="r" b="b"/>
+            <a:pathLst>
+              <a:path w="1278000" h="1278000">
+                <a:moveTo>
+                  <a:pt x="0" y="0"/>
+                </a:moveTo>
+                <a:lnTo>
+                  <a:pt x="1278000" y="0"/>
+                </a:lnTo>
+                <a:lnTo>
+                  <a:pt x="1278000" y="1278000"/>
+                </a:lnTo>
+                <a:lnTo>
+                  <a:pt x="1035184" y="1278000"/>
+                </a:lnTo>
+                <a:lnTo>
+                  <a:pt x="1035184" y="242816"/>
+                </a:lnTo>
+                <a:lnTo>
+                  <a:pt x="0" y="242816"/>
+                </a:lnTo>
+                <a:close/>
+              </a:path>
+            </a:pathLst>
+          </a:custGeom>
+          <a:solidFill>
+            <a:schemeClr val="tx2">
+              <a:lumMod val="60000"/>
+              <a:lumOff val="40000"/>
+            </a:schemeClr>
+          </a:solidFill>
+          <a:ln w="25400">
+            <a:noFill/>
+          </a:ln>
+        </p:spPr>
+        <p:style>
+          <a:lnRef idx="2">
+            <a:schemeClr val="accent1">
+              <a:shade val="50000"/>
+            </a:schemeClr>
+          </a:lnRef>
+          <a:fillRef idx="1">
+            <a:schemeClr val="accent1"/>
+          </a:fillRef>
+          <a:effectRef idx="0">
+            <a:schemeClr val="accent1"/>
+          </a:effectRef>
+          <a:fontRef idx="minor">
+            <a:schemeClr val="lt1"/>
+          </a:fontRef>
+        </p:style>
+        <p:txBody>
+          <a:bodyPr wrap="square" rtlCol="0" anchor="ctr">
+            <a:noAutofit/>
+          </a:bodyPr>
+          <a:lstStyle/>
+          <a:p>
+            <a:pPr algn="ctr"/>
+            <a:endParaRPr kumimoji="1" lang="ja-JP" altLang="en-US">
+              <a:solidFill>
+                <a:schemeClr val="tx2">
+                  <a:lumMod val="75000"/>
+                </a:schemeClr>
+              </a:solidFill>
+            </a:endParaRPr>
+          </a:p>
+        </p:txBody>
+      </p:sp>
+      <p:sp>
+        <p:nvSpPr>
+          <p:cNvPr id="26" name="フリーフォーム: 図形 25">
+            <a:extLst>
+              <a:ext uri="{FF2B5EF4-FFF2-40B4-BE49-F238E27FC236}">
+                <a16:creationId xmlns:a16="http://schemas.microsoft.com/office/drawing/2014/main" id="{66E9A37F-AB2A-0F49-B875-1F5DDAA40C40}"/>
+              </a:ext>
+            </a:extLst>
+          </p:cNvPr>
+          <p:cNvSpPr>
+            <a:spLocks noChangeAspect="1"/>
+          </p:cNvSpPr>
+          <p:nvPr/>
+        </p:nvSpPr>
+        <p:spPr>
+          <a:xfrm rot="2700000">
+            <a:off x="977968" y="654160"/>
+            <a:ext cx="282486" cy="282486"/>
+          </a:xfrm>
+          <a:custGeom>
+            <a:avLst/>
+            <a:gdLst>
+              <a:gd name="connsiteX0" fmla="*/ 0 w 1278000"/>
+              <a:gd name="connsiteY0" fmla="*/ 0 h 1278000"/>
+              <a:gd name="connsiteX1" fmla="*/ 1278000 w 1278000"/>
+              <a:gd name="connsiteY1" fmla="*/ 0 h 1278000"/>
+              <a:gd name="connsiteX2" fmla="*/ 1278000 w 1278000"/>
+              <a:gd name="connsiteY2" fmla="*/ 1278000 h 1278000"/>
+              <a:gd name="connsiteX3" fmla="*/ 1035184 w 1278000"/>
+              <a:gd name="connsiteY3" fmla="*/ 1278000 h 1278000"/>
+              <a:gd name="connsiteX4" fmla="*/ 1035184 w 1278000"/>
+              <a:gd name="connsiteY4" fmla="*/ 242816 h 1278000"/>
+              <a:gd name="connsiteX5" fmla="*/ 0 w 1278000"/>
+              <a:gd name="connsiteY5" fmla="*/ 242816 h 1278000"/>
+            </a:gdLst>
+            <a:ahLst/>
+            <a:cxnLst>
+              <a:cxn ang="0">
+                <a:pos x="connsiteX0" y="connsiteY0"/>
+              </a:cxn>
+              <a:cxn ang="0">
+                <a:pos x="connsiteX1" y="connsiteY1"/>
+              </a:cxn>
+              <a:cxn ang="0">
+                <a:pos x="connsiteX2" y="connsiteY2"/>
+              </a:cxn>
+              <a:cxn ang="0">
+                <a:pos x="connsiteX3" y="connsiteY3"/>
+              </a:cxn>
+              <a:cxn ang="0">
+                <a:pos x="connsiteX4" y="connsiteY4"/>
+              </a:cxn>
+              <a:cxn ang="0">
+                <a:pos x="connsiteX5" y="connsiteY5"/>
+              </a:cxn>
+            </a:cxnLst>
+            <a:rect l="l" t="t" r="r" b="b"/>
+            <a:pathLst>
+              <a:path w="1278000" h="1278000">
+                <a:moveTo>
+                  <a:pt x="0" y="0"/>
+                </a:moveTo>
+                <a:lnTo>
+                  <a:pt x="1278000" y="0"/>
+                </a:lnTo>
+                <a:lnTo>
+                  <a:pt x="1278000" y="1278000"/>
+                </a:lnTo>
+                <a:lnTo>
+                  <a:pt x="1035184" y="1278000"/>
+                </a:lnTo>
+                <a:lnTo>
+                  <a:pt x="1035184" y="242816"/>
+                </a:lnTo>
+                <a:lnTo>
+                  <a:pt x="0" y="242816"/>
+                </a:lnTo>
+                <a:close/>
+              </a:path>
+            </a:pathLst>
+          </a:custGeom>
+          <a:solidFill>
+            <a:schemeClr val="tx2">
+              <a:lumMod val="60000"/>
+              <a:lumOff val="40000"/>
+            </a:schemeClr>
+          </a:solidFill>
+          <a:ln w="25400">
+            <a:noFill/>
+          </a:ln>
+        </p:spPr>
+        <p:style>
+          <a:lnRef idx="2">
+            <a:schemeClr val="accent1">
+              <a:shade val="50000"/>
+            </a:schemeClr>
+          </a:lnRef>
+          <a:fillRef idx="1">
+            <a:schemeClr val="accent1"/>
+          </a:fillRef>
+          <a:effectRef idx="0">
+            <a:schemeClr val="accent1"/>
+          </a:effectRef>
+          <a:fontRef idx="minor">
+            <a:schemeClr val="lt1"/>
+          </a:fontRef>
+        </p:style>
+        <p:txBody>
+          <a:bodyPr wrap="square" rtlCol="0" anchor="ctr">
+            <a:noAutofit/>
+          </a:bodyPr>
+          <a:lstStyle/>
+          <a:p>
+            <a:pPr algn="ctr"/>
+            <a:endParaRPr kumimoji="1" lang="ja-JP" altLang="en-US">
+              <a:solidFill>
+                <a:schemeClr val="tx2">
+                  <a:lumMod val="75000"/>
+                </a:schemeClr>
+              </a:solidFill>
+            </a:endParaRPr>
+          </a:p>
+        </p:txBody>
+      </p:sp>
+      <p:sp>
+        <p:nvSpPr>
+          <p:cNvPr id="97" name="正方形/長方形 96">
+            <a:extLst>
+              <a:ext uri="{FF2B5EF4-FFF2-40B4-BE49-F238E27FC236}">
+                <a16:creationId xmlns:a16="http://schemas.microsoft.com/office/drawing/2014/main" id="{25B83B8B-7ADF-B951-A9F1-3608C1EF766F}"/>
+              </a:ext>
+            </a:extLst>
+          </p:cNvPr>
+          <p:cNvSpPr/>
+          <p:nvPr/>
+        </p:nvSpPr>
+        <p:spPr>
+          <a:xfrm>
+            <a:off x="1489954" y="921367"/>
+            <a:ext cx="2343911" cy="276999"/>
+          </a:xfrm>
+          <a:prstGeom prst="rect">
+            <a:avLst/>
+          </a:prstGeom>
+        </p:spPr>
+        <p:txBody>
+          <a:bodyPr wrap="none">
+            <a:spAutoFit/>
+          </a:bodyPr>
+          <a:lstStyle/>
+          <a:p>
+            <a:r>
+              <a:rPr lang="en-US" altLang="ja-JP" sz="1200" spc="500" dirty="0">
+                <a:solidFill>
+                  <a:schemeClr val="tx2">
+                    <a:lumMod val="75000"/>
+                  </a:schemeClr>
+                </a:solidFill>
+                <a:latin typeface="Bahnschrift" panose="020B0502040204020203" pitchFamily="34" charset="0"/>
+                <a:ea typeface="Lato Black" panose="020F0502020204030203" pitchFamily="34" charset="0"/>
+                <a:cs typeface="Lato Black" panose="020F0502020204030203" pitchFamily="34" charset="0"/>
+              </a:rPr>
+              <a:t>Success Criteria</a:t>
+            </a:r>
+            <a:endParaRPr lang="ja-JP" altLang="en-US" sz="1200" spc="500" dirty="0">
+              <a:solidFill>
+                <a:schemeClr val="tx2">
+                  <a:lumMod val="75000"/>
+                </a:schemeClr>
+              </a:solidFill>
+              <a:latin typeface="Bahnschrift" panose="020B0502040204020203" pitchFamily="34" charset="0"/>
+              <a:ea typeface="Lato Black" panose="020F0502020204030203" pitchFamily="34" charset="0"/>
+              <a:cs typeface="Lato Black" panose="020F0502020204030203" pitchFamily="34" charset="0"/>
+            </a:endParaRPr>
+          </a:p>
+        </p:txBody>
+      </p:sp>
+      <p:sp>
+        <p:nvSpPr>
+          <p:cNvPr id="98" name="正方形/長方形 97">
+            <a:extLst>
+              <a:ext uri="{FF2B5EF4-FFF2-40B4-BE49-F238E27FC236}">
+                <a16:creationId xmlns:a16="http://schemas.microsoft.com/office/drawing/2014/main" id="{C47692DD-9128-3D7D-1F9F-C7CBD26784C6}"/>
+              </a:ext>
+            </a:extLst>
+          </p:cNvPr>
+          <p:cNvSpPr/>
+          <p:nvPr/>
+        </p:nvSpPr>
+        <p:spPr>
+          <a:xfrm>
+            <a:off x="1489954" y="459702"/>
+            <a:ext cx="3903633" cy="461665"/>
+          </a:xfrm>
+          <a:prstGeom prst="rect">
+            <a:avLst/>
+          </a:prstGeom>
+        </p:spPr>
+        <p:txBody>
+          <a:bodyPr wrap="none">
+            <a:spAutoFit/>
+          </a:bodyPr>
+          <a:lstStyle/>
+          <a:p>
+            <a:r>
+              <a:rPr lang="ja-JP" altLang="en-US" sz="2400" b="1" spc="500" dirty="0">
+                <a:solidFill>
+                  <a:schemeClr val="tx2">
+                    <a:lumMod val="75000"/>
+                  </a:schemeClr>
+                </a:solidFill>
+                <a:latin typeface="游ゴシック" panose="020B0400000000000000" pitchFamily="50" charset="-128"/>
+                <a:ea typeface="游ゴシック" panose="020B0400000000000000" pitchFamily="50" charset="-128"/>
+                <a:cs typeface="Lato Black" panose="020F0502020204030203" pitchFamily="34" charset="0"/>
+              </a:rPr>
+              <a:t>サクセスクライテリア</a:t>
+            </a:r>
+          </a:p>
+        </p:txBody>
+      </p:sp>
+      <p:sp>
+        <p:nvSpPr>
+          <p:cNvPr id="6" name="テキスト ボックス 5">
+            <a:extLst>
+              <a:ext uri="{FF2B5EF4-FFF2-40B4-BE49-F238E27FC236}">
+                <a16:creationId xmlns:a16="http://schemas.microsoft.com/office/drawing/2014/main" id="{569FF204-B12B-FDAD-980E-256F37B65037}"/>
+              </a:ext>
+            </a:extLst>
+          </p:cNvPr>
+          <p:cNvSpPr txBox="1"/>
+          <p:nvPr/>
+        </p:nvSpPr>
+        <p:spPr>
+          <a:xfrm>
+            <a:off x="6777039" y="598201"/>
+            <a:ext cx="3416320" cy="646331"/>
+          </a:xfrm>
+          <a:prstGeom prst="rect">
+            <a:avLst/>
+          </a:prstGeom>
+          <a:noFill/>
+        </p:spPr>
+        <p:txBody>
+          <a:bodyPr wrap="none" rtlCol="0">
+            <a:spAutoFit/>
+          </a:bodyPr>
+          <a:lstStyle/>
+          <a:p>
+            <a:r>
+              <a:rPr kumimoji="1" lang="ja-JP" altLang="en-US" sz="1200" b="1" dirty="0">
+                <a:latin typeface="+mn-ea"/>
+              </a:rPr>
+              <a:t>各セクション別にサクセスクライテリアを決定</a:t>
+            </a:r>
+            <a:endParaRPr kumimoji="1" lang="en-US" altLang="ja-JP" sz="1200" b="1" dirty="0">
+              <a:latin typeface="+mn-ea"/>
+            </a:endParaRPr>
+          </a:p>
+          <a:p>
+            <a:r>
+              <a:rPr lang="ja-JP" altLang="en-US" sz="1200" b="1" dirty="0">
+                <a:latin typeface="+mn-ea"/>
+              </a:rPr>
+              <a:t>→各々で評価していく</a:t>
+            </a:r>
+            <a:endParaRPr lang="en-US" altLang="ja-JP" sz="1200" b="1" dirty="0">
+              <a:latin typeface="+mn-ea"/>
+            </a:endParaRPr>
+          </a:p>
+          <a:p>
+            <a:r>
+              <a:rPr lang="ja-JP" altLang="en-US" sz="1200" b="1" dirty="0">
+                <a:latin typeface="+mn-ea"/>
+              </a:rPr>
+              <a:t>（最後に総合でまとめなくても大丈夫）</a:t>
+            </a:r>
+            <a:endParaRPr lang="en-US" altLang="ja-JP" sz="1200" b="1" dirty="0">
+              <a:latin typeface="+mn-ea"/>
+            </a:endParaRPr>
+          </a:p>
+        </p:txBody>
+      </p:sp>
+      <p:sp>
+        <p:nvSpPr>
+          <p:cNvPr id="24" name="正方形/長方形 23">
+            <a:extLst>
+              <a:ext uri="{FF2B5EF4-FFF2-40B4-BE49-F238E27FC236}">
+                <a16:creationId xmlns:a16="http://schemas.microsoft.com/office/drawing/2014/main" id="{7B8A8E53-6E20-F3BA-1B8E-EA5CB70463B6}"/>
+              </a:ext>
+            </a:extLst>
+          </p:cNvPr>
+          <p:cNvSpPr/>
+          <p:nvPr/>
+        </p:nvSpPr>
+        <p:spPr>
+          <a:xfrm>
+            <a:off x="5706512" y="2520604"/>
+            <a:ext cx="2778907" cy="1099817"/>
+          </a:xfrm>
+          <a:prstGeom prst="rect">
+            <a:avLst/>
+          </a:prstGeom>
+          <a:solidFill>
+            <a:schemeClr val="tx2">
+              <a:lumMod val="20000"/>
+              <a:lumOff val="80000"/>
+            </a:schemeClr>
+          </a:solidFill>
+          <a:ln>
+            <a:noFill/>
+          </a:ln>
+        </p:spPr>
+        <p:style>
+          <a:lnRef idx="2">
+            <a:schemeClr val="accent1">
+              <a:shade val="15000"/>
+            </a:schemeClr>
+          </a:lnRef>
+          <a:fillRef idx="1">
+            <a:schemeClr val="accent1"/>
+          </a:fillRef>
+          <a:effectRef idx="0">
+            <a:schemeClr val="accent1"/>
+          </a:effectRef>
+          <a:fontRef idx="minor">
+            <a:schemeClr val="lt1"/>
+          </a:fontRef>
+        </p:style>
+        <p:txBody>
+          <a:bodyPr rtlCol="0" anchor="ctr"/>
+          <a:lstStyle/>
+          <a:p>
+            <a:pPr algn="ctr">
+              <a:lnSpc>
+                <a:spcPct val="130000"/>
+              </a:lnSpc>
+            </a:pPr>
+            <a:r>
+              <a:rPr kumimoji="1" lang="en-US" altLang="ja-JP" b="1" spc="100" dirty="0">
+                <a:solidFill>
+                  <a:sysClr val="windowText" lastClr="000000"/>
+                </a:solidFill>
+                <a:latin typeface="+mn-ea"/>
+              </a:rPr>
+              <a:t>GPS</a:t>
+            </a:r>
+            <a:r>
+              <a:rPr kumimoji="1" lang="ja-JP" altLang="en-US" b="1" spc="100" dirty="0">
+                <a:solidFill>
+                  <a:sysClr val="windowText" lastClr="000000"/>
+                </a:solidFill>
+                <a:latin typeface="+mn-ea"/>
+              </a:rPr>
+              <a:t>情報の取得</a:t>
+            </a:r>
+          </a:p>
+        </p:txBody>
+      </p:sp>
+      <p:sp>
+        <p:nvSpPr>
+          <p:cNvPr id="27" name="正方形/長方形 26">
+            <a:extLst>
+              <a:ext uri="{FF2B5EF4-FFF2-40B4-BE49-F238E27FC236}">
+                <a16:creationId xmlns:a16="http://schemas.microsoft.com/office/drawing/2014/main" id="{772B2C20-E429-57D6-06A3-9856AEA7B03D}"/>
+              </a:ext>
+            </a:extLst>
+          </p:cNvPr>
+          <p:cNvSpPr/>
+          <p:nvPr/>
+        </p:nvSpPr>
+        <p:spPr>
+          <a:xfrm>
+            <a:off x="5706511" y="3679594"/>
+            <a:ext cx="5611742" cy="1099817"/>
+          </a:xfrm>
+          <a:prstGeom prst="rect">
+            <a:avLst/>
+          </a:prstGeom>
+          <a:solidFill>
+            <a:schemeClr val="tx2">
+              <a:lumMod val="40000"/>
+              <a:lumOff val="60000"/>
+            </a:schemeClr>
+          </a:solidFill>
+          <a:ln>
+            <a:noFill/>
+          </a:ln>
+        </p:spPr>
+        <p:style>
+          <a:lnRef idx="2">
+            <a:schemeClr val="accent1">
+              <a:shade val="15000"/>
+            </a:schemeClr>
+          </a:lnRef>
+          <a:fillRef idx="1">
+            <a:schemeClr val="accent1"/>
+          </a:fillRef>
+          <a:effectRef idx="0">
+            <a:schemeClr val="accent1"/>
+          </a:effectRef>
+          <a:fontRef idx="minor">
+            <a:schemeClr val="lt1"/>
+          </a:fontRef>
+        </p:style>
+        <p:txBody>
+          <a:bodyPr rtlCol="0" anchor="ctr"/>
+          <a:lstStyle/>
+          <a:p>
+            <a:pPr algn="ctr">
+              <a:lnSpc>
+                <a:spcPct val="130000"/>
+              </a:lnSpc>
+            </a:pPr>
+            <a:r>
+              <a:rPr kumimoji="1" lang="en-US" altLang="ja-JP" b="1" spc="100" dirty="0">
+                <a:solidFill>
+                  <a:sysClr val="windowText" lastClr="000000"/>
+                </a:solidFill>
+                <a:latin typeface="+mn-ea"/>
+              </a:rPr>
+              <a:t>TWE-LITE</a:t>
+            </a:r>
+            <a:r>
+              <a:rPr kumimoji="1" lang="ja-JP" altLang="en-US" b="1" spc="100" dirty="0">
+                <a:solidFill>
+                  <a:sysClr val="windowText" lastClr="000000"/>
+                </a:solidFill>
+                <a:latin typeface="+mn-ea"/>
+              </a:rPr>
+              <a:t>使用の無線通信で</a:t>
+            </a:r>
+          </a:p>
+          <a:p>
+            <a:pPr algn="ctr">
+              <a:lnSpc>
+                <a:spcPct val="130000"/>
+              </a:lnSpc>
+            </a:pPr>
+            <a:r>
+              <a:rPr kumimoji="1" lang="ja-JP" altLang="en-US" b="1" spc="100" dirty="0">
+                <a:solidFill>
+                  <a:sysClr val="windowText" lastClr="000000"/>
+                </a:solidFill>
+                <a:latin typeface="+mn-ea"/>
+              </a:rPr>
+              <a:t>遠隔での情報取得</a:t>
+            </a:r>
+          </a:p>
+        </p:txBody>
+      </p:sp>
+      <p:sp>
+        <p:nvSpPr>
+          <p:cNvPr id="65" name="正方形/長方形 64">
+            <a:extLst>
+              <a:ext uri="{FF2B5EF4-FFF2-40B4-BE49-F238E27FC236}">
+                <a16:creationId xmlns:a16="http://schemas.microsoft.com/office/drawing/2014/main" id="{0E4DD21E-1699-4476-203F-1AC867EC02F6}"/>
+              </a:ext>
+            </a:extLst>
+          </p:cNvPr>
+          <p:cNvSpPr/>
+          <p:nvPr/>
+        </p:nvSpPr>
+        <p:spPr>
+          <a:xfrm>
+            <a:off x="5706511" y="4836816"/>
+            <a:ext cx="5611742" cy="1099817"/>
+          </a:xfrm>
+          <a:prstGeom prst="rect">
+            <a:avLst/>
+          </a:prstGeom>
+          <a:solidFill>
+            <a:schemeClr val="tx2">
+              <a:lumMod val="60000"/>
+              <a:lumOff val="40000"/>
+            </a:schemeClr>
+          </a:solidFill>
+          <a:ln>
+            <a:noFill/>
+          </a:ln>
+        </p:spPr>
+        <p:style>
+          <a:lnRef idx="2">
+            <a:schemeClr val="accent1">
+              <a:shade val="15000"/>
+            </a:schemeClr>
+          </a:lnRef>
+          <a:fillRef idx="1">
+            <a:schemeClr val="accent1"/>
+          </a:fillRef>
+          <a:effectRef idx="0">
+            <a:schemeClr val="accent1"/>
+          </a:effectRef>
+          <a:fontRef idx="minor">
+            <a:schemeClr val="lt1"/>
+          </a:fontRef>
+        </p:style>
+        <p:txBody>
+          <a:bodyPr rtlCol="0" anchor="ctr"/>
+          <a:lstStyle/>
+          <a:p>
+            <a:pPr algn="ctr">
+              <a:lnSpc>
+                <a:spcPct val="130000"/>
+              </a:lnSpc>
+            </a:pPr>
+            <a:r>
+              <a:rPr kumimoji="1" lang="ja-JP" altLang="en-US" b="1" spc="100" dirty="0">
+                <a:solidFill>
+                  <a:sysClr val="windowText" lastClr="000000"/>
+                </a:solidFill>
+                <a:latin typeface="+mn-ea"/>
+              </a:rPr>
+              <a:t>アプリやサイトへの情報の表示</a:t>
+            </a:r>
+            <a:r>
+              <a:rPr kumimoji="1" lang="en-US" altLang="ja-JP" b="1" spc="100" dirty="0">
+                <a:solidFill>
+                  <a:sysClr val="windowText" lastClr="000000"/>
+                </a:solidFill>
+                <a:latin typeface="+mn-ea"/>
+              </a:rPr>
+              <a:t>/</a:t>
+            </a:r>
+            <a:r>
+              <a:rPr kumimoji="1" lang="ja-JP" altLang="en-US" b="1" spc="100" dirty="0">
+                <a:solidFill>
+                  <a:sysClr val="windowText" lastClr="000000"/>
+                </a:solidFill>
+                <a:latin typeface="+mn-ea"/>
+              </a:rPr>
+              <a:t>視覚化</a:t>
+            </a:r>
+          </a:p>
+        </p:txBody>
+      </p:sp>
+      <p:sp>
+        <p:nvSpPr>
+          <p:cNvPr id="68" name="正方形/長方形 67">
+            <a:extLst>
+              <a:ext uri="{FF2B5EF4-FFF2-40B4-BE49-F238E27FC236}">
+                <a16:creationId xmlns:a16="http://schemas.microsoft.com/office/drawing/2014/main" id="{E11A9833-60C9-4B42-E5B8-48EC67DC42D4}"/>
+              </a:ext>
+            </a:extLst>
+          </p:cNvPr>
+          <p:cNvSpPr/>
+          <p:nvPr/>
+        </p:nvSpPr>
+        <p:spPr>
+          <a:xfrm>
+            <a:off x="8539346" y="2520604"/>
+            <a:ext cx="2778907" cy="1099817"/>
+          </a:xfrm>
+          <a:prstGeom prst="rect">
+            <a:avLst/>
+          </a:prstGeom>
+          <a:solidFill>
+            <a:schemeClr val="tx2">
+              <a:lumMod val="20000"/>
+              <a:lumOff val="80000"/>
+            </a:schemeClr>
+          </a:solidFill>
+          <a:ln>
+            <a:noFill/>
+          </a:ln>
+        </p:spPr>
+        <p:style>
+          <a:lnRef idx="2">
+            <a:schemeClr val="accent1">
+              <a:shade val="15000"/>
+            </a:schemeClr>
+          </a:lnRef>
+          <a:fillRef idx="1">
+            <a:schemeClr val="accent1"/>
+          </a:fillRef>
+          <a:effectRef idx="0">
+            <a:schemeClr val="accent1"/>
+          </a:effectRef>
+          <a:fontRef idx="minor">
+            <a:schemeClr val="lt1"/>
+          </a:fontRef>
+        </p:style>
+        <p:txBody>
+          <a:bodyPr rtlCol="0" anchor="ctr"/>
+          <a:lstStyle/>
+          <a:p>
+            <a:pPr algn="ctr">
+              <a:lnSpc>
+                <a:spcPct val="130000"/>
+              </a:lnSpc>
+            </a:pPr>
+            <a:r>
+              <a:rPr kumimoji="1" lang="ja-JP" altLang="en-US" b="1" spc="100" dirty="0">
+                <a:solidFill>
+                  <a:sysClr val="windowText" lastClr="000000"/>
+                </a:solidFill>
+                <a:latin typeface="+mn-ea"/>
+              </a:rPr>
+              <a:t>ボタンの押下と</a:t>
+            </a:r>
+            <a:endParaRPr kumimoji="1" lang="en-US" altLang="ja-JP" b="1" spc="100" dirty="0">
+              <a:solidFill>
+                <a:sysClr val="windowText" lastClr="000000"/>
+              </a:solidFill>
+              <a:latin typeface="+mn-ea"/>
+            </a:endParaRPr>
+          </a:p>
+          <a:p>
+            <a:pPr algn="ctr">
+              <a:lnSpc>
+                <a:spcPct val="130000"/>
+              </a:lnSpc>
+            </a:pPr>
+            <a:r>
+              <a:rPr lang="ja-JP" altLang="en-US" b="1" spc="100" dirty="0">
+                <a:solidFill>
+                  <a:sysClr val="windowText" lastClr="000000"/>
+                </a:solidFill>
+                <a:latin typeface="+mn-ea"/>
+              </a:rPr>
+              <a:t>ディスプレイのリンク</a:t>
+            </a:r>
+            <a:endParaRPr kumimoji="1" lang="ja-JP" altLang="en-US" b="1" spc="100" dirty="0">
+              <a:solidFill>
+                <a:sysClr val="windowText" lastClr="000000"/>
+              </a:solidFill>
+              <a:latin typeface="+mn-ea"/>
+            </a:endParaRPr>
+          </a:p>
+        </p:txBody>
+      </p:sp>
+      <p:sp>
+        <p:nvSpPr>
+          <p:cNvPr id="2" name="正方形/長方形 1">
+            <a:extLst>
+              <a:ext uri="{FF2B5EF4-FFF2-40B4-BE49-F238E27FC236}">
+                <a16:creationId xmlns:a16="http://schemas.microsoft.com/office/drawing/2014/main" id="{246510E1-0125-43F9-3E47-34A00767C1F9}"/>
+              </a:ext>
+            </a:extLst>
+          </p:cNvPr>
+          <p:cNvSpPr/>
+          <p:nvPr/>
+        </p:nvSpPr>
+        <p:spPr>
+          <a:xfrm>
+            <a:off x="873747" y="2522371"/>
+            <a:ext cx="1940927" cy="1099818"/>
+          </a:xfrm>
+          <a:prstGeom prst="rect">
+            <a:avLst/>
+          </a:prstGeom>
+          <a:solidFill>
+            <a:schemeClr val="tx2">
+              <a:lumMod val="20000"/>
+              <a:lumOff val="80000"/>
+            </a:schemeClr>
+          </a:solidFill>
+          <a:ln>
+            <a:noFill/>
+          </a:ln>
+        </p:spPr>
+        <p:style>
+          <a:lnRef idx="2">
+            <a:schemeClr val="accent1">
+              <a:shade val="15000"/>
+            </a:schemeClr>
+          </a:lnRef>
+          <a:fillRef idx="1">
+            <a:schemeClr val="accent1"/>
+          </a:fillRef>
+          <a:effectRef idx="0">
+            <a:schemeClr val="accent1"/>
+          </a:effectRef>
+          <a:fontRef idx="minor">
+            <a:schemeClr val="lt1"/>
+          </a:fontRef>
+        </p:style>
+        <p:txBody>
+          <a:bodyPr rtlCol="0" anchor="ctr"/>
+          <a:lstStyle/>
+          <a:p>
+            <a:pPr algn="ctr"/>
+            <a:r>
+              <a:rPr kumimoji="1" lang="en-US" altLang="ja-JP" sz="2400" dirty="0">
+                <a:solidFill>
+                  <a:sysClr val="windowText" lastClr="000000"/>
+                </a:solidFill>
+                <a:latin typeface="Bahnschrift SemiBold" panose="020B0502040204020203" pitchFamily="34" charset="0"/>
+              </a:rPr>
+              <a:t>Minimum</a:t>
+            </a:r>
+            <a:endParaRPr kumimoji="1" lang="ja-JP" altLang="en-US" sz="2400" dirty="0">
+              <a:solidFill>
+                <a:sysClr val="windowText" lastClr="000000"/>
+              </a:solidFill>
+              <a:latin typeface="Bahnschrift SemiBold" panose="020B0502040204020203" pitchFamily="34" charset="0"/>
+            </a:endParaRPr>
+          </a:p>
+        </p:txBody>
+      </p:sp>
+      <p:sp>
+        <p:nvSpPr>
+          <p:cNvPr id="3" name="正方形/長方形 2">
+            <a:extLst>
+              <a:ext uri="{FF2B5EF4-FFF2-40B4-BE49-F238E27FC236}">
+                <a16:creationId xmlns:a16="http://schemas.microsoft.com/office/drawing/2014/main" id="{3FECAAA0-83F1-2B05-29A2-FC828BB58831}"/>
+              </a:ext>
+            </a:extLst>
+          </p:cNvPr>
+          <p:cNvSpPr/>
+          <p:nvPr/>
+        </p:nvSpPr>
+        <p:spPr>
+          <a:xfrm>
+            <a:off x="873746" y="3679593"/>
+            <a:ext cx="1940927" cy="1099818"/>
+          </a:xfrm>
+          <a:prstGeom prst="rect">
+            <a:avLst/>
+          </a:prstGeom>
+          <a:solidFill>
+            <a:schemeClr val="tx2">
+              <a:lumMod val="40000"/>
+              <a:lumOff val="60000"/>
+            </a:schemeClr>
+          </a:solidFill>
+          <a:ln>
+            <a:noFill/>
+          </a:ln>
+        </p:spPr>
+        <p:style>
+          <a:lnRef idx="2">
+            <a:schemeClr val="accent1">
+              <a:shade val="15000"/>
+            </a:schemeClr>
+          </a:lnRef>
+          <a:fillRef idx="1">
+            <a:schemeClr val="accent1"/>
+          </a:fillRef>
+          <a:effectRef idx="0">
+            <a:schemeClr val="accent1"/>
+          </a:effectRef>
+          <a:fontRef idx="minor">
+            <a:schemeClr val="lt1"/>
+          </a:fontRef>
+        </p:style>
+        <p:txBody>
+          <a:bodyPr rtlCol="0" anchor="ctr"/>
+          <a:lstStyle/>
+          <a:p>
+            <a:pPr algn="ctr"/>
+            <a:r>
+              <a:rPr kumimoji="1" lang="en-US" altLang="ja-JP" sz="2400" dirty="0">
+                <a:solidFill>
+                  <a:sysClr val="windowText" lastClr="000000"/>
+                </a:solidFill>
+                <a:latin typeface="Bahnschrift SemiBold" panose="020B0502040204020203" pitchFamily="34" charset="0"/>
+              </a:rPr>
+              <a:t>Full</a:t>
+            </a:r>
+            <a:endParaRPr kumimoji="1" lang="ja-JP" altLang="en-US" sz="2400" dirty="0">
+              <a:solidFill>
+                <a:sysClr val="windowText" lastClr="000000"/>
+              </a:solidFill>
+              <a:latin typeface="Bahnschrift SemiBold" panose="020B0502040204020203" pitchFamily="34" charset="0"/>
+            </a:endParaRPr>
+          </a:p>
+        </p:txBody>
+      </p:sp>
+      <p:sp>
+        <p:nvSpPr>
+          <p:cNvPr id="4" name="正方形/長方形 3">
+            <a:extLst>
+              <a:ext uri="{FF2B5EF4-FFF2-40B4-BE49-F238E27FC236}">
+                <a16:creationId xmlns:a16="http://schemas.microsoft.com/office/drawing/2014/main" id="{A7537D6E-214E-E36E-35FC-0069AEE2FF1B}"/>
+              </a:ext>
+            </a:extLst>
+          </p:cNvPr>
+          <p:cNvSpPr/>
+          <p:nvPr/>
+        </p:nvSpPr>
+        <p:spPr>
+          <a:xfrm>
+            <a:off x="873746" y="4836815"/>
+            <a:ext cx="1940927" cy="1099818"/>
+          </a:xfrm>
+          <a:prstGeom prst="rect">
+            <a:avLst/>
+          </a:prstGeom>
+          <a:solidFill>
+            <a:schemeClr val="tx2">
+              <a:lumMod val="60000"/>
+              <a:lumOff val="40000"/>
+            </a:schemeClr>
+          </a:solidFill>
+          <a:ln>
+            <a:noFill/>
+          </a:ln>
+        </p:spPr>
+        <p:style>
+          <a:lnRef idx="2">
+            <a:schemeClr val="accent1">
+              <a:shade val="15000"/>
+            </a:schemeClr>
+          </a:lnRef>
+          <a:fillRef idx="1">
+            <a:schemeClr val="accent1"/>
+          </a:fillRef>
+          <a:effectRef idx="0">
+            <a:schemeClr val="accent1"/>
+          </a:effectRef>
+          <a:fontRef idx="minor">
+            <a:schemeClr val="lt1"/>
+          </a:fontRef>
+        </p:style>
+        <p:txBody>
+          <a:bodyPr rtlCol="0" anchor="ctr"/>
+          <a:lstStyle/>
+          <a:p>
+            <a:pPr algn="ctr"/>
+            <a:r>
+              <a:rPr kumimoji="1" lang="en-US" altLang="ja-JP" sz="2400" dirty="0">
+                <a:solidFill>
+                  <a:sysClr val="windowText" lastClr="000000"/>
+                </a:solidFill>
+                <a:latin typeface="Bahnschrift SemiBold" panose="020B0502040204020203" pitchFamily="34" charset="0"/>
+              </a:rPr>
+              <a:t>Extra</a:t>
+            </a:r>
+            <a:endParaRPr kumimoji="1" lang="ja-JP" altLang="en-US" sz="2400" dirty="0">
+              <a:solidFill>
+                <a:sysClr val="windowText" lastClr="000000"/>
+              </a:solidFill>
+              <a:latin typeface="Bahnschrift SemiBold" panose="020B0502040204020203" pitchFamily="34" charset="0"/>
+            </a:endParaRPr>
+          </a:p>
+        </p:txBody>
+      </p:sp>
+      <p:sp>
+        <p:nvSpPr>
+          <p:cNvPr id="5" name="正方形/長方形 4">
+            <a:extLst>
+              <a:ext uri="{FF2B5EF4-FFF2-40B4-BE49-F238E27FC236}">
+                <a16:creationId xmlns:a16="http://schemas.microsoft.com/office/drawing/2014/main" id="{973200EE-7212-749D-9897-84D7C04DFBD2}"/>
+              </a:ext>
+            </a:extLst>
+          </p:cNvPr>
+          <p:cNvSpPr/>
+          <p:nvPr/>
+        </p:nvSpPr>
+        <p:spPr>
+          <a:xfrm>
+            <a:off x="873746" y="1969243"/>
+            <a:ext cx="1940927" cy="498192"/>
+          </a:xfrm>
+          <a:prstGeom prst="rect">
+            <a:avLst/>
+          </a:prstGeom>
+          <a:solidFill>
+            <a:schemeClr val="bg1">
+              <a:lumMod val="95000"/>
+            </a:schemeClr>
+          </a:solidFill>
+          <a:ln>
+            <a:noFill/>
+          </a:ln>
+        </p:spPr>
+        <p:style>
+          <a:lnRef idx="2">
+            <a:schemeClr val="accent1">
+              <a:shade val="15000"/>
+            </a:schemeClr>
+          </a:lnRef>
+          <a:fillRef idx="1">
+            <a:schemeClr val="accent1"/>
+          </a:fillRef>
+          <a:effectRef idx="0">
+            <a:schemeClr val="accent1"/>
+          </a:effectRef>
+          <a:fontRef idx="minor">
+            <a:schemeClr val="lt1"/>
+          </a:fontRef>
+        </p:style>
+        <p:txBody>
+          <a:bodyPr rtlCol="0" anchor="ctr"/>
+          <a:lstStyle/>
+          <a:p>
+            <a:pPr algn="ctr"/>
+            <a:r>
+              <a:rPr kumimoji="1" lang="ja-JP" altLang="en-US" sz="2000" b="1" dirty="0">
+                <a:solidFill>
+                  <a:schemeClr val="bg1">
+                    <a:lumMod val="95000"/>
+                  </a:schemeClr>
+                </a:solidFill>
+                <a:latin typeface="Bahnschrift" panose="020B0502040204020203" pitchFamily="34" charset="0"/>
+              </a:rPr>
+              <a:t>あ</a:t>
+            </a:r>
+          </a:p>
+        </p:txBody>
+      </p:sp>
+      <p:sp>
+        <p:nvSpPr>
+          <p:cNvPr id="7" name="正方形/長方形 6">
+            <a:extLst>
+              <a:ext uri="{FF2B5EF4-FFF2-40B4-BE49-F238E27FC236}">
+                <a16:creationId xmlns:a16="http://schemas.microsoft.com/office/drawing/2014/main" id="{DF260F49-3A2E-1297-9BEE-1F27C2FA1213}"/>
+              </a:ext>
+            </a:extLst>
+          </p:cNvPr>
+          <p:cNvSpPr/>
+          <p:nvPr/>
+        </p:nvSpPr>
+        <p:spPr>
+          <a:xfrm>
+            <a:off x="2868820" y="1967734"/>
+            <a:ext cx="2778907" cy="498192"/>
+          </a:xfrm>
+          <a:prstGeom prst="rect">
+            <a:avLst/>
+          </a:prstGeom>
+          <a:solidFill>
+            <a:schemeClr val="bg1">
+              <a:lumMod val="95000"/>
+            </a:schemeClr>
+          </a:solidFill>
+          <a:ln>
+            <a:noFill/>
+          </a:ln>
+        </p:spPr>
+        <p:style>
+          <a:lnRef idx="2">
+            <a:schemeClr val="accent1">
+              <a:shade val="15000"/>
+            </a:schemeClr>
+          </a:lnRef>
+          <a:fillRef idx="1">
+            <a:schemeClr val="accent1"/>
+          </a:fillRef>
+          <a:effectRef idx="0">
+            <a:schemeClr val="accent1"/>
+          </a:effectRef>
+          <a:fontRef idx="minor">
+            <a:schemeClr val="lt1"/>
+          </a:fontRef>
+        </p:style>
+        <p:txBody>
+          <a:bodyPr rtlCol="0" anchor="ctr"/>
+          <a:lstStyle/>
+          <a:p>
+            <a:pPr algn="ctr"/>
+            <a:r>
+              <a:rPr kumimoji="1" lang="ja-JP" altLang="en-US" b="1" spc="100" dirty="0">
+                <a:solidFill>
+                  <a:sysClr val="windowText" lastClr="000000"/>
+                </a:solidFill>
+                <a:latin typeface="Bahnschrift" panose="020B0502040204020203" pitchFamily="34" charset="0"/>
+              </a:rPr>
+              <a:t>子機の放出</a:t>
+            </a:r>
+          </a:p>
+        </p:txBody>
+      </p:sp>
+      <p:sp>
+        <p:nvSpPr>
+          <p:cNvPr id="8" name="正方形/長方形 7">
+            <a:extLst>
+              <a:ext uri="{FF2B5EF4-FFF2-40B4-BE49-F238E27FC236}">
+                <a16:creationId xmlns:a16="http://schemas.microsoft.com/office/drawing/2014/main" id="{D098F013-E451-6CF8-87D6-E30BC4F31509}"/>
+              </a:ext>
+            </a:extLst>
+          </p:cNvPr>
+          <p:cNvSpPr/>
+          <p:nvPr/>
+        </p:nvSpPr>
+        <p:spPr>
+          <a:xfrm>
+            <a:off x="5706292" y="1967733"/>
+            <a:ext cx="2778907" cy="498192"/>
+          </a:xfrm>
+          <a:prstGeom prst="rect">
+            <a:avLst/>
+          </a:prstGeom>
+          <a:solidFill>
+            <a:schemeClr val="bg1">
+              <a:lumMod val="95000"/>
+            </a:schemeClr>
+          </a:solidFill>
+          <a:ln>
+            <a:noFill/>
+          </a:ln>
+        </p:spPr>
+        <p:style>
+          <a:lnRef idx="2">
+            <a:schemeClr val="accent1">
+              <a:shade val="15000"/>
+            </a:schemeClr>
+          </a:lnRef>
+          <a:fillRef idx="1">
+            <a:schemeClr val="accent1"/>
+          </a:fillRef>
+          <a:effectRef idx="0">
+            <a:schemeClr val="accent1"/>
+          </a:effectRef>
+          <a:fontRef idx="minor">
+            <a:schemeClr val="lt1"/>
+          </a:fontRef>
+        </p:style>
+        <p:txBody>
+          <a:bodyPr rtlCol="0" anchor="ctr"/>
+          <a:lstStyle/>
+          <a:p>
+            <a:pPr algn="ctr"/>
+            <a:r>
+              <a:rPr kumimoji="1" lang="en-US" altLang="ja-JP" b="1" spc="100" dirty="0">
+                <a:solidFill>
+                  <a:sysClr val="windowText" lastClr="000000"/>
+                </a:solidFill>
+                <a:latin typeface="+mn-ea"/>
+              </a:rPr>
+              <a:t>GPS</a:t>
+            </a:r>
+            <a:endParaRPr kumimoji="1" lang="ja-JP" altLang="en-US" b="1" spc="100" dirty="0">
+              <a:solidFill>
+                <a:sysClr val="windowText" lastClr="000000"/>
+              </a:solidFill>
+              <a:latin typeface="+mn-ea"/>
+            </a:endParaRPr>
+          </a:p>
+        </p:txBody>
+      </p:sp>
+      <p:sp>
+        <p:nvSpPr>
+          <p:cNvPr id="9" name="正方形/長方形 8">
+            <a:extLst>
+              <a:ext uri="{FF2B5EF4-FFF2-40B4-BE49-F238E27FC236}">
+                <a16:creationId xmlns:a16="http://schemas.microsoft.com/office/drawing/2014/main" id="{87C4C353-254C-9FE0-D7BC-31817BEECE85}"/>
+              </a:ext>
+            </a:extLst>
+          </p:cNvPr>
+          <p:cNvSpPr/>
+          <p:nvPr/>
+        </p:nvSpPr>
+        <p:spPr>
+          <a:xfrm>
+            <a:off x="8539346" y="1967733"/>
+            <a:ext cx="2778907" cy="498192"/>
+          </a:xfrm>
+          <a:prstGeom prst="rect">
+            <a:avLst/>
+          </a:prstGeom>
+          <a:solidFill>
+            <a:schemeClr val="bg1">
+              <a:lumMod val="95000"/>
+            </a:schemeClr>
+          </a:solidFill>
+          <a:ln>
+            <a:noFill/>
+          </a:ln>
+        </p:spPr>
+        <p:style>
+          <a:lnRef idx="2">
+            <a:schemeClr val="accent1">
+              <a:shade val="15000"/>
+            </a:schemeClr>
+          </a:lnRef>
+          <a:fillRef idx="1">
+            <a:schemeClr val="accent1"/>
+          </a:fillRef>
+          <a:effectRef idx="0">
+            <a:schemeClr val="accent1"/>
+          </a:effectRef>
+          <a:fontRef idx="minor">
+            <a:schemeClr val="lt1"/>
+          </a:fontRef>
+        </p:style>
+        <p:txBody>
+          <a:bodyPr rtlCol="0" anchor="ctr"/>
+          <a:lstStyle/>
+          <a:p>
+            <a:pPr algn="ctr"/>
+            <a:r>
+              <a:rPr kumimoji="1" lang="ja-JP" altLang="en-US" b="1" spc="100" dirty="0">
+                <a:solidFill>
+                  <a:sysClr val="windowText" lastClr="000000"/>
+                </a:solidFill>
+                <a:latin typeface="Bahnschrift" panose="020B0502040204020203" pitchFamily="34" charset="0"/>
+              </a:rPr>
+              <a:t>ディスプレイ</a:t>
+            </a:r>
+            <a:r>
+              <a:rPr kumimoji="1" lang="en-US" altLang="ja-JP" b="1" spc="100" dirty="0">
+                <a:solidFill>
+                  <a:sysClr val="windowText" lastClr="000000"/>
+                </a:solidFill>
+                <a:latin typeface="Bahnschrift" panose="020B0502040204020203" pitchFamily="34" charset="0"/>
+              </a:rPr>
+              <a:t>/</a:t>
+            </a:r>
+            <a:r>
+              <a:rPr kumimoji="1" lang="ja-JP" altLang="en-US" b="1" spc="100" dirty="0">
+                <a:solidFill>
+                  <a:sysClr val="windowText" lastClr="000000"/>
+                </a:solidFill>
+                <a:latin typeface="Bahnschrift" panose="020B0502040204020203" pitchFamily="34" charset="0"/>
+              </a:rPr>
+              <a:t>ボタン</a:t>
+            </a:r>
+          </a:p>
+        </p:txBody>
+      </p:sp>
+      <p:sp>
+        <p:nvSpPr>
+          <p:cNvPr id="10" name="正方形/長方形 9">
+            <a:extLst>
+              <a:ext uri="{FF2B5EF4-FFF2-40B4-BE49-F238E27FC236}">
+                <a16:creationId xmlns:a16="http://schemas.microsoft.com/office/drawing/2014/main" id="{309A6736-E3A3-8E43-FF96-E00611701324}"/>
+              </a:ext>
+            </a:extLst>
+          </p:cNvPr>
+          <p:cNvSpPr/>
+          <p:nvPr/>
+        </p:nvSpPr>
+        <p:spPr>
+          <a:xfrm>
+            <a:off x="2868820" y="2520604"/>
+            <a:ext cx="2778907" cy="1099817"/>
+          </a:xfrm>
+          <a:prstGeom prst="rect">
+            <a:avLst/>
+          </a:prstGeom>
+          <a:solidFill>
+            <a:schemeClr val="tx2">
+              <a:lumMod val="20000"/>
+              <a:lumOff val="80000"/>
+            </a:schemeClr>
+          </a:solidFill>
+          <a:ln>
+            <a:noFill/>
+          </a:ln>
+        </p:spPr>
+        <p:style>
+          <a:lnRef idx="2">
+            <a:schemeClr val="accent1">
+              <a:shade val="15000"/>
+            </a:schemeClr>
+          </a:lnRef>
+          <a:fillRef idx="1">
+            <a:schemeClr val="accent1"/>
+          </a:fillRef>
+          <a:effectRef idx="0">
+            <a:schemeClr val="accent1"/>
+          </a:effectRef>
+          <a:fontRef idx="minor">
+            <a:schemeClr val="lt1"/>
+          </a:fontRef>
+        </p:style>
+        <p:txBody>
+          <a:bodyPr rtlCol="0" anchor="ctr"/>
+          <a:lstStyle/>
+          <a:p>
+            <a:pPr algn="ctr">
+              <a:lnSpc>
+                <a:spcPct val="130000"/>
+              </a:lnSpc>
+            </a:pPr>
+            <a:r>
+              <a:rPr lang="en-US" altLang="ja-JP" b="1" spc="100" dirty="0">
+                <a:solidFill>
+                  <a:sysClr val="windowText" lastClr="000000"/>
+                </a:solidFill>
+                <a:latin typeface="+mn-ea"/>
+              </a:rPr>
+              <a:t>3</a:t>
+            </a:r>
+            <a:r>
+              <a:rPr kumimoji="1" lang="ja-JP" altLang="en-US" b="1" spc="100" dirty="0">
+                <a:solidFill>
+                  <a:sysClr val="windowText" lastClr="000000"/>
+                </a:solidFill>
+                <a:latin typeface="+mn-ea"/>
+              </a:rPr>
+              <a:t>基すべて放出完了</a:t>
+            </a:r>
+          </a:p>
+        </p:txBody>
+      </p:sp>
+      <p:sp>
+        <p:nvSpPr>
+          <p:cNvPr id="19" name="正方形/長方形 18">
+            <a:extLst>
+              <a:ext uri="{FF2B5EF4-FFF2-40B4-BE49-F238E27FC236}">
+                <a16:creationId xmlns:a16="http://schemas.microsoft.com/office/drawing/2014/main" id="{D35D0B59-BCFF-F602-47A6-425BA1DEE81A}"/>
+              </a:ext>
+            </a:extLst>
+          </p:cNvPr>
+          <p:cNvSpPr/>
+          <p:nvPr/>
+        </p:nvSpPr>
+        <p:spPr>
+          <a:xfrm>
+            <a:off x="2868819" y="3679594"/>
+            <a:ext cx="2778907" cy="1099817"/>
+          </a:xfrm>
+          <a:prstGeom prst="rect">
+            <a:avLst/>
+          </a:prstGeom>
+          <a:solidFill>
+            <a:schemeClr val="tx2">
+              <a:lumMod val="40000"/>
+              <a:lumOff val="60000"/>
+            </a:schemeClr>
+          </a:solidFill>
+          <a:ln>
+            <a:noFill/>
+          </a:ln>
+        </p:spPr>
+        <p:style>
+          <a:lnRef idx="2">
+            <a:schemeClr val="accent1">
+              <a:shade val="15000"/>
+            </a:schemeClr>
+          </a:lnRef>
+          <a:fillRef idx="1">
+            <a:schemeClr val="accent1"/>
+          </a:fillRef>
+          <a:effectRef idx="0">
+            <a:schemeClr val="accent1"/>
+          </a:effectRef>
+          <a:fontRef idx="minor">
+            <a:schemeClr val="lt1"/>
+          </a:fontRef>
+        </p:style>
+        <p:txBody>
+          <a:bodyPr rtlCol="0" anchor="ctr"/>
+          <a:lstStyle/>
+          <a:p>
+            <a:pPr algn="ctr">
+              <a:lnSpc>
+                <a:spcPct val="130000"/>
+              </a:lnSpc>
+            </a:pPr>
+            <a:r>
+              <a:rPr kumimoji="1" lang="ja-JP" altLang="en-US" b="1" spc="100" dirty="0">
+                <a:solidFill>
+                  <a:sysClr val="windowText" lastClr="000000"/>
+                </a:solidFill>
+                <a:latin typeface="+mn-ea"/>
+              </a:rPr>
+              <a:t>欠損や故障なし</a:t>
+            </a:r>
+            <a:endParaRPr kumimoji="1" lang="en-US" altLang="ja-JP" b="1" spc="100" dirty="0">
+              <a:solidFill>
+                <a:sysClr val="windowText" lastClr="000000"/>
+              </a:solidFill>
+              <a:latin typeface="+mn-ea"/>
+            </a:endParaRPr>
+          </a:p>
+          <a:p>
+            <a:pPr algn="ctr">
+              <a:lnSpc>
+                <a:spcPct val="130000"/>
+              </a:lnSpc>
+            </a:pPr>
+            <a:r>
+              <a:rPr lang="ja-JP" altLang="en-US" b="1" spc="100" dirty="0">
+                <a:solidFill>
+                  <a:sysClr val="windowText" lastClr="000000"/>
+                </a:solidFill>
+                <a:latin typeface="+mn-ea"/>
+              </a:rPr>
+              <a:t>＝再利用可能な状態</a:t>
+            </a:r>
+            <a:endParaRPr kumimoji="1" lang="ja-JP" altLang="en-US" b="1" spc="100" dirty="0">
+              <a:solidFill>
+                <a:sysClr val="windowText" lastClr="000000"/>
+              </a:solidFill>
+              <a:latin typeface="+mn-ea"/>
+            </a:endParaRPr>
+          </a:p>
+        </p:txBody>
+      </p:sp>
+      <p:sp>
+        <p:nvSpPr>
+          <p:cNvPr id="20" name="正方形/長方形 19">
+            <a:extLst>
+              <a:ext uri="{FF2B5EF4-FFF2-40B4-BE49-F238E27FC236}">
+                <a16:creationId xmlns:a16="http://schemas.microsoft.com/office/drawing/2014/main" id="{FD19C4ED-D9CF-B5D3-2193-A966134E50BF}"/>
+              </a:ext>
+            </a:extLst>
+          </p:cNvPr>
+          <p:cNvSpPr/>
+          <p:nvPr/>
+        </p:nvSpPr>
+        <p:spPr>
+          <a:xfrm>
+            <a:off x="2868819" y="4836816"/>
+            <a:ext cx="2778907" cy="1099817"/>
+          </a:xfrm>
+          <a:prstGeom prst="rect">
+            <a:avLst/>
+          </a:prstGeom>
+          <a:solidFill>
+            <a:schemeClr val="tx2">
+              <a:lumMod val="60000"/>
+              <a:lumOff val="40000"/>
+            </a:schemeClr>
+          </a:solidFill>
+          <a:ln>
+            <a:noFill/>
+          </a:ln>
+        </p:spPr>
+        <p:style>
+          <a:lnRef idx="2">
+            <a:schemeClr val="accent1">
+              <a:shade val="15000"/>
+            </a:schemeClr>
+          </a:lnRef>
+          <a:fillRef idx="1">
+            <a:schemeClr val="accent1"/>
+          </a:fillRef>
+          <a:effectRef idx="0">
+            <a:schemeClr val="accent1"/>
+          </a:effectRef>
+          <a:fontRef idx="minor">
+            <a:schemeClr val="lt1"/>
+          </a:fontRef>
+        </p:style>
+        <p:txBody>
+          <a:bodyPr rtlCol="0" anchor="ctr"/>
+          <a:lstStyle/>
+          <a:p>
+            <a:pPr algn="ctr">
+              <a:lnSpc>
+                <a:spcPct val="130000"/>
+              </a:lnSpc>
+            </a:pPr>
+            <a:r>
+              <a:rPr kumimoji="1" lang="ja-JP" altLang="en-US" b="1" spc="100" dirty="0">
+                <a:solidFill>
+                  <a:sysClr val="windowText" lastClr="000000"/>
+                </a:solidFill>
+                <a:latin typeface="+mn-ea"/>
+              </a:rPr>
+              <a:t>落下位置がバラバラ</a:t>
+            </a:r>
+            <a:endParaRPr kumimoji="1" lang="en-US" altLang="ja-JP" b="1" spc="100" dirty="0">
+              <a:solidFill>
+                <a:sysClr val="windowText" lastClr="000000"/>
+              </a:solidFill>
+              <a:latin typeface="+mn-ea"/>
+            </a:endParaRPr>
+          </a:p>
+          <a:p>
+            <a:pPr algn="ctr">
+              <a:lnSpc>
+                <a:spcPct val="130000"/>
+              </a:lnSpc>
+            </a:pPr>
+            <a:r>
+              <a:rPr kumimoji="1" lang="ja-JP" altLang="en-US" b="1" spc="100" dirty="0">
+                <a:solidFill>
+                  <a:sysClr val="windowText" lastClr="000000"/>
+                </a:solidFill>
+                <a:latin typeface="+mn-ea"/>
+              </a:rPr>
+              <a:t>＝広範囲をカバー</a:t>
+            </a:r>
+          </a:p>
+        </p:txBody>
+      </p:sp>
+    </p:spTree>
+    <p:extLst>
+      <p:ext uri="{BB962C8B-B14F-4D97-AF65-F5344CB8AC3E}">
+        <p14:creationId xmlns:p14="http://schemas.microsoft.com/office/powerpoint/2010/main" val="4238330602"/>
+      </p:ext>
+    </p:extLst>
+  </p:cSld>
+  <p:clrMapOvr>
+    <a:masterClrMapping/>
+  </p:clrMapOvr>
+  <mc:AlternateContent xmlns:mc="http://schemas.openxmlformats.org/markup-compatibility/2006" xmlns:p159="http://schemas.microsoft.com/office/powerpoint/2015/09/main">
+    <mc:Choice Requires="p159">
+      <p:transition spd="slow">
+        <p159:morph option="byObject"/>
+      </p:transition>
+    </mc:Choice>
+    <mc:Fallback xmlns="">
+      <p:transition spd="slow">
+        <p:fade/>
+      </p:transition>
+    </mc:Fallback>
+  </mc:AlternateContent>
+</p:sld>
+</file>
+
+<file path=ppt/slides/slide9.xml><?xml version="1.0" encoding="utf-8"?>
 <p:sld xmlns:a="http://schemas.openxmlformats.org/drawingml/2006/main" xmlns:r="http://schemas.openxmlformats.org/officeDocument/2006/relationships" xmlns:p="http://schemas.openxmlformats.org/presentationml/2006/main">
   <p:cSld>
     <p:spTree>
@@ -21194,1188 +19712,6 @@
       <p:bldP spid="12" grpId="0"/>
     </p:bldLst>
   </p:timing>
-</p:sld>
-</file>
-
-<file path=ppt/slides/slide9.xml><?xml version="1.0" encoding="utf-8"?>
-<p:sld xmlns:a="http://schemas.openxmlformats.org/drawingml/2006/main" xmlns:r="http://schemas.openxmlformats.org/officeDocument/2006/relationships" xmlns:p="http://schemas.openxmlformats.org/presentationml/2006/main">
-  <p:cSld>
-    <p:spTree>
-      <p:nvGrpSpPr>
-        <p:cNvPr id="1" name=""/>
-        <p:cNvGrpSpPr/>
-        <p:nvPr/>
-      </p:nvGrpSpPr>
-      <p:grpSpPr>
-        <a:xfrm>
-          <a:off x="0" y="0"/>
-          <a:ext cx="0" cy="0"/>
-          <a:chOff x="0" y="0"/>
-          <a:chExt cx="0" cy="0"/>
-        </a:xfrm>
-      </p:grpSpPr>
-      <p:pic>
-        <p:nvPicPr>
-          <p:cNvPr id="12" name="グラフィックス 11" descr="男の人">
-            <a:extLst>
-              <a:ext uri="{FF2B5EF4-FFF2-40B4-BE49-F238E27FC236}">
-                <a16:creationId xmlns:a16="http://schemas.microsoft.com/office/drawing/2014/main" id="{F7DDC222-B467-E05D-763B-871494F987B1}"/>
-              </a:ext>
-            </a:extLst>
-          </p:cNvPr>
-          <p:cNvPicPr>
-            <a:picLocks noChangeAspect="1"/>
-          </p:cNvPicPr>
-          <p:nvPr/>
-        </p:nvPicPr>
-        <p:blipFill>
-          <a:blip r:embed="rId2">
-            <a:extLst>
-              <a:ext uri="{28A0092B-C50C-407E-A947-70E740481C1C}">
-                <a14:useLocalDpi xmlns:a14="http://schemas.microsoft.com/office/drawing/2010/main" val="0"/>
-              </a:ext>
-              <a:ext uri="{96DAC541-7B7A-43D3-8B79-37D633B846F1}">
-                <asvg:svgBlip xmlns:asvg="http://schemas.microsoft.com/office/drawing/2016/SVG/main" r:embed="rId3"/>
-              </a:ext>
-            </a:extLst>
-          </a:blip>
-          <a:stretch>
-            <a:fillRect/>
-          </a:stretch>
-        </p:blipFill>
-        <p:spPr>
-          <a:xfrm>
-            <a:off x="1980429" y="4384268"/>
-            <a:ext cx="1255059" cy="1255059"/>
-          </a:xfrm>
-          <a:prstGeom prst="rect">
-            <a:avLst/>
-          </a:prstGeom>
-        </p:spPr>
-      </p:pic>
-      <p:pic>
-        <p:nvPicPr>
-          <p:cNvPr id="11" name="グラフィックス 10" descr="男の人">
-            <a:extLst>
-              <a:ext uri="{FF2B5EF4-FFF2-40B4-BE49-F238E27FC236}">
-                <a16:creationId xmlns:a16="http://schemas.microsoft.com/office/drawing/2014/main" id="{E5928167-7A76-B9A8-3D1A-81B1E5025BA3}"/>
-              </a:ext>
-            </a:extLst>
-          </p:cNvPr>
-          <p:cNvPicPr>
-            <a:picLocks noChangeAspect="1"/>
-          </p:cNvPicPr>
-          <p:nvPr/>
-        </p:nvPicPr>
-        <p:blipFill>
-          <a:blip r:embed="rId2">
-            <a:extLst>
-              <a:ext uri="{28A0092B-C50C-407E-A947-70E740481C1C}">
-                <a14:useLocalDpi xmlns:a14="http://schemas.microsoft.com/office/drawing/2010/main" val="0"/>
-              </a:ext>
-              <a:ext uri="{96DAC541-7B7A-43D3-8B79-37D633B846F1}">
-                <asvg:svgBlip xmlns:asvg="http://schemas.microsoft.com/office/drawing/2016/SVG/main" r:embed="rId3"/>
-              </a:ext>
-            </a:extLst>
-          </a:blip>
-          <a:stretch>
-            <a:fillRect/>
-          </a:stretch>
-        </p:blipFill>
-        <p:spPr>
-          <a:xfrm>
-            <a:off x="5087694" y="4384267"/>
-            <a:ext cx="1255059" cy="1255059"/>
-          </a:xfrm>
-          <a:prstGeom prst="rect">
-            <a:avLst/>
-          </a:prstGeom>
-        </p:spPr>
-      </p:pic>
-      <p:pic>
-        <p:nvPicPr>
-          <p:cNvPr id="6" name="グラフィックス 5" descr="男の人">
-            <a:extLst>
-              <a:ext uri="{FF2B5EF4-FFF2-40B4-BE49-F238E27FC236}">
-                <a16:creationId xmlns:a16="http://schemas.microsoft.com/office/drawing/2014/main" id="{12A9F86C-3214-86FF-C17C-D38191120B5A}"/>
-              </a:ext>
-            </a:extLst>
-          </p:cNvPr>
-          <p:cNvPicPr>
-            <a:picLocks noChangeAspect="1"/>
-          </p:cNvPicPr>
-          <p:nvPr/>
-        </p:nvPicPr>
-        <p:blipFill>
-          <a:blip r:embed="rId2">
-            <a:extLst>
-              <a:ext uri="{28A0092B-C50C-407E-A947-70E740481C1C}">
-                <a14:useLocalDpi xmlns:a14="http://schemas.microsoft.com/office/drawing/2010/main" val="0"/>
-              </a:ext>
-              <a:ext uri="{96DAC541-7B7A-43D3-8B79-37D633B846F1}">
-                <asvg:svgBlip xmlns:asvg="http://schemas.microsoft.com/office/drawing/2016/SVG/main" r:embed="rId4"/>
-              </a:ext>
-            </a:extLst>
-          </a:blip>
-          <a:stretch>
-            <a:fillRect/>
-          </a:stretch>
-        </p:blipFill>
-        <p:spPr>
-          <a:xfrm>
-            <a:off x="8194959" y="4384267"/>
-            <a:ext cx="1255059" cy="1255059"/>
-          </a:xfrm>
-          <a:prstGeom prst="rect">
-            <a:avLst/>
-          </a:prstGeom>
-        </p:spPr>
-      </p:pic>
-      <p:sp>
-        <p:nvSpPr>
-          <p:cNvPr id="64" name="テキスト ボックス 63">
-            <a:extLst>
-              <a:ext uri="{FF2B5EF4-FFF2-40B4-BE49-F238E27FC236}">
-                <a16:creationId xmlns:a16="http://schemas.microsoft.com/office/drawing/2014/main" id="{892CC80B-0DC1-A36C-4A43-A9FF8EAEBCB6}"/>
-              </a:ext>
-            </a:extLst>
-          </p:cNvPr>
-          <p:cNvSpPr txBox="1"/>
-          <p:nvPr/>
-        </p:nvSpPr>
-        <p:spPr>
-          <a:xfrm>
-            <a:off x="1141420" y="1821034"/>
-            <a:ext cx="1557162" cy="369332"/>
-          </a:xfrm>
-          <a:prstGeom prst="rect">
-            <a:avLst/>
-          </a:prstGeom>
-          <a:noFill/>
-        </p:spPr>
-        <p:txBody>
-          <a:bodyPr wrap="square" rtlCol="0">
-            <a:spAutoFit/>
-          </a:bodyPr>
-          <a:lstStyle/>
-          <a:p>
-            <a:pPr algn="ctr"/>
-            <a:r>
-              <a:rPr kumimoji="1" lang="en-US" altLang="ja-JP" spc="300" dirty="0">
-                <a:solidFill>
-                  <a:schemeClr val="tx2">
-                    <a:lumMod val="75000"/>
-                  </a:schemeClr>
-                </a:solidFill>
-                <a:latin typeface="Bahnschrift" panose="020B0502040204020203" pitchFamily="34" charset="0"/>
-              </a:rPr>
-              <a:t>Rocket</a:t>
-            </a:r>
-            <a:endParaRPr kumimoji="1" lang="ja-JP" altLang="en-US" spc="300" dirty="0">
-              <a:solidFill>
-                <a:schemeClr val="tx2">
-                  <a:lumMod val="75000"/>
-                </a:schemeClr>
-              </a:solidFill>
-              <a:latin typeface="Bahnschrift" panose="020B0502040204020203" pitchFamily="34" charset="0"/>
-            </a:endParaRPr>
-          </a:p>
-        </p:txBody>
-      </p:sp>
-      <p:sp>
-        <p:nvSpPr>
-          <p:cNvPr id="2" name="テキスト ボックス 1">
-            <a:extLst>
-              <a:ext uri="{FF2B5EF4-FFF2-40B4-BE49-F238E27FC236}">
-                <a16:creationId xmlns:a16="http://schemas.microsoft.com/office/drawing/2014/main" id="{252E7F5C-4DDB-833E-9A45-847AAB1CDC88}"/>
-              </a:ext>
-            </a:extLst>
-          </p:cNvPr>
-          <p:cNvSpPr txBox="1"/>
-          <p:nvPr/>
-        </p:nvSpPr>
-        <p:spPr>
-          <a:xfrm>
-            <a:off x="1829377" y="5736210"/>
-            <a:ext cx="1557162" cy="369332"/>
-          </a:xfrm>
-          <a:prstGeom prst="rect">
-            <a:avLst/>
-          </a:prstGeom>
-          <a:noFill/>
-        </p:spPr>
-        <p:txBody>
-          <a:bodyPr wrap="square" rtlCol="0">
-            <a:spAutoFit/>
-          </a:bodyPr>
-          <a:lstStyle/>
-          <a:p>
-            <a:pPr algn="ctr"/>
-            <a:r>
-              <a:rPr kumimoji="1" lang="en-US" altLang="ja-JP" spc="300" dirty="0">
-                <a:solidFill>
-                  <a:schemeClr val="tx2">
-                    <a:lumMod val="75000"/>
-                  </a:schemeClr>
-                </a:solidFill>
-                <a:latin typeface="Bahnschrift" panose="020B0502040204020203" pitchFamily="34" charset="0"/>
-              </a:rPr>
-              <a:t>Victim</a:t>
-            </a:r>
-            <a:endParaRPr kumimoji="1" lang="ja-JP" altLang="en-US" spc="300" dirty="0">
-              <a:solidFill>
-                <a:schemeClr val="tx2">
-                  <a:lumMod val="75000"/>
-                </a:schemeClr>
-              </a:solidFill>
-              <a:latin typeface="Bahnschrift" panose="020B0502040204020203" pitchFamily="34" charset="0"/>
-            </a:endParaRPr>
-          </a:p>
-        </p:txBody>
-      </p:sp>
-      <p:sp>
-        <p:nvSpPr>
-          <p:cNvPr id="3" name="テキスト ボックス 2">
-            <a:extLst>
-              <a:ext uri="{FF2B5EF4-FFF2-40B4-BE49-F238E27FC236}">
-                <a16:creationId xmlns:a16="http://schemas.microsoft.com/office/drawing/2014/main" id="{7BFE9C9A-B47E-05D2-4F69-B4D93C409755}"/>
-              </a:ext>
-            </a:extLst>
-          </p:cNvPr>
-          <p:cNvSpPr txBox="1"/>
-          <p:nvPr/>
-        </p:nvSpPr>
-        <p:spPr>
-          <a:xfrm>
-            <a:off x="4936642" y="5736210"/>
-            <a:ext cx="1557162" cy="369332"/>
-          </a:xfrm>
-          <a:prstGeom prst="rect">
-            <a:avLst/>
-          </a:prstGeom>
-          <a:noFill/>
-        </p:spPr>
-        <p:txBody>
-          <a:bodyPr wrap="square" rtlCol="0">
-            <a:spAutoFit/>
-          </a:bodyPr>
-          <a:lstStyle/>
-          <a:p>
-            <a:pPr algn="ctr"/>
-            <a:r>
-              <a:rPr kumimoji="1" lang="en-US" altLang="ja-JP" spc="300" dirty="0">
-                <a:solidFill>
-                  <a:schemeClr val="tx2">
-                    <a:lumMod val="75000"/>
-                  </a:schemeClr>
-                </a:solidFill>
-                <a:latin typeface="Bahnschrift" panose="020B0502040204020203" pitchFamily="34" charset="0"/>
-              </a:rPr>
-              <a:t>Victim</a:t>
-            </a:r>
-            <a:endParaRPr kumimoji="1" lang="ja-JP" altLang="en-US" spc="300" dirty="0">
-              <a:solidFill>
-                <a:schemeClr val="tx2">
-                  <a:lumMod val="75000"/>
-                </a:schemeClr>
-              </a:solidFill>
-              <a:latin typeface="Bahnschrift" panose="020B0502040204020203" pitchFamily="34" charset="0"/>
-            </a:endParaRPr>
-          </a:p>
-        </p:txBody>
-      </p:sp>
-      <p:sp>
-        <p:nvSpPr>
-          <p:cNvPr id="4" name="テキスト ボックス 3">
-            <a:extLst>
-              <a:ext uri="{FF2B5EF4-FFF2-40B4-BE49-F238E27FC236}">
-                <a16:creationId xmlns:a16="http://schemas.microsoft.com/office/drawing/2014/main" id="{6381F757-A3CF-084E-F187-1B9000B4EF8C}"/>
-              </a:ext>
-            </a:extLst>
-          </p:cNvPr>
-          <p:cNvSpPr txBox="1"/>
-          <p:nvPr/>
-        </p:nvSpPr>
-        <p:spPr>
-          <a:xfrm>
-            <a:off x="8043907" y="5736210"/>
-            <a:ext cx="1557162" cy="369332"/>
-          </a:xfrm>
-          <a:prstGeom prst="rect">
-            <a:avLst/>
-          </a:prstGeom>
-          <a:noFill/>
-        </p:spPr>
-        <p:txBody>
-          <a:bodyPr wrap="square" rtlCol="0">
-            <a:spAutoFit/>
-          </a:bodyPr>
-          <a:lstStyle/>
-          <a:p>
-            <a:pPr algn="ctr"/>
-            <a:r>
-              <a:rPr kumimoji="1" lang="en-US" altLang="ja-JP" spc="300" dirty="0">
-                <a:solidFill>
-                  <a:schemeClr val="tx2">
-                    <a:lumMod val="75000"/>
-                  </a:schemeClr>
-                </a:solidFill>
-                <a:latin typeface="Bahnschrift" panose="020B0502040204020203" pitchFamily="34" charset="0"/>
-              </a:rPr>
-              <a:t>Victim</a:t>
-            </a:r>
-            <a:endParaRPr kumimoji="1" lang="ja-JP" altLang="en-US" spc="300" dirty="0">
-              <a:solidFill>
-                <a:schemeClr val="tx2">
-                  <a:lumMod val="75000"/>
-                </a:schemeClr>
-              </a:solidFill>
-              <a:latin typeface="Bahnschrift" panose="020B0502040204020203" pitchFamily="34" charset="0"/>
-            </a:endParaRPr>
-          </a:p>
-        </p:txBody>
-      </p:sp>
-      <p:sp>
-        <p:nvSpPr>
-          <p:cNvPr id="5" name="フリーフォーム: 図形 4">
-            <a:extLst>
-              <a:ext uri="{FF2B5EF4-FFF2-40B4-BE49-F238E27FC236}">
-                <a16:creationId xmlns:a16="http://schemas.microsoft.com/office/drawing/2014/main" id="{A96D8D4A-2400-B668-492F-2AAED27992A3}"/>
-              </a:ext>
-            </a:extLst>
-          </p:cNvPr>
-          <p:cNvSpPr>
-            <a:spLocks noChangeAspect="1"/>
-          </p:cNvSpPr>
-          <p:nvPr/>
-        </p:nvSpPr>
-        <p:spPr>
-          <a:xfrm rot="2700000">
-            <a:off x="407477" y="654160"/>
-            <a:ext cx="282486" cy="282486"/>
-          </a:xfrm>
-          <a:custGeom>
-            <a:avLst/>
-            <a:gdLst>
-              <a:gd name="connsiteX0" fmla="*/ 0 w 1278000"/>
-              <a:gd name="connsiteY0" fmla="*/ 0 h 1278000"/>
-              <a:gd name="connsiteX1" fmla="*/ 1278000 w 1278000"/>
-              <a:gd name="connsiteY1" fmla="*/ 0 h 1278000"/>
-              <a:gd name="connsiteX2" fmla="*/ 1278000 w 1278000"/>
-              <a:gd name="connsiteY2" fmla="*/ 1278000 h 1278000"/>
-              <a:gd name="connsiteX3" fmla="*/ 1035184 w 1278000"/>
-              <a:gd name="connsiteY3" fmla="*/ 1278000 h 1278000"/>
-              <a:gd name="connsiteX4" fmla="*/ 1035184 w 1278000"/>
-              <a:gd name="connsiteY4" fmla="*/ 242816 h 1278000"/>
-              <a:gd name="connsiteX5" fmla="*/ 0 w 1278000"/>
-              <a:gd name="connsiteY5" fmla="*/ 242816 h 1278000"/>
-            </a:gdLst>
-            <a:ahLst/>
-            <a:cxnLst>
-              <a:cxn ang="0">
-                <a:pos x="connsiteX0" y="connsiteY0"/>
-              </a:cxn>
-              <a:cxn ang="0">
-                <a:pos x="connsiteX1" y="connsiteY1"/>
-              </a:cxn>
-              <a:cxn ang="0">
-                <a:pos x="connsiteX2" y="connsiteY2"/>
-              </a:cxn>
-              <a:cxn ang="0">
-                <a:pos x="connsiteX3" y="connsiteY3"/>
-              </a:cxn>
-              <a:cxn ang="0">
-                <a:pos x="connsiteX4" y="connsiteY4"/>
-              </a:cxn>
-              <a:cxn ang="0">
-                <a:pos x="connsiteX5" y="connsiteY5"/>
-              </a:cxn>
-            </a:cxnLst>
-            <a:rect l="l" t="t" r="r" b="b"/>
-            <a:pathLst>
-              <a:path w="1278000" h="1278000">
-                <a:moveTo>
-                  <a:pt x="0" y="0"/>
-                </a:moveTo>
-                <a:lnTo>
-                  <a:pt x="1278000" y="0"/>
-                </a:lnTo>
-                <a:lnTo>
-                  <a:pt x="1278000" y="1278000"/>
-                </a:lnTo>
-                <a:lnTo>
-                  <a:pt x="1035184" y="1278000"/>
-                </a:lnTo>
-                <a:lnTo>
-                  <a:pt x="1035184" y="242816"/>
-                </a:lnTo>
-                <a:lnTo>
-                  <a:pt x="0" y="242816"/>
-                </a:lnTo>
-                <a:close/>
-              </a:path>
-            </a:pathLst>
-          </a:custGeom>
-          <a:solidFill>
-            <a:schemeClr val="tx2">
-              <a:lumMod val="60000"/>
-              <a:lumOff val="40000"/>
-            </a:schemeClr>
-          </a:solidFill>
-          <a:ln w="25400">
-            <a:noFill/>
-          </a:ln>
-        </p:spPr>
-        <p:style>
-          <a:lnRef idx="2">
-            <a:schemeClr val="accent1">
-              <a:shade val="50000"/>
-            </a:schemeClr>
-          </a:lnRef>
-          <a:fillRef idx="1">
-            <a:schemeClr val="accent1"/>
-          </a:fillRef>
-          <a:effectRef idx="0">
-            <a:schemeClr val="accent1"/>
-          </a:effectRef>
-          <a:fontRef idx="minor">
-            <a:schemeClr val="lt1"/>
-          </a:fontRef>
-        </p:style>
-        <p:txBody>
-          <a:bodyPr wrap="square" rtlCol="0" anchor="ctr">
-            <a:noAutofit/>
-          </a:bodyPr>
-          <a:lstStyle/>
-          <a:p>
-            <a:pPr algn="ctr"/>
-            <a:endParaRPr kumimoji="1" lang="ja-JP" altLang="en-US">
-              <a:solidFill>
-                <a:schemeClr val="tx2">
-                  <a:lumMod val="75000"/>
-                </a:schemeClr>
-              </a:solidFill>
-            </a:endParaRPr>
-          </a:p>
-        </p:txBody>
-      </p:sp>
-      <p:sp>
-        <p:nvSpPr>
-          <p:cNvPr id="7" name="フリーフォーム: 図形 6">
-            <a:extLst>
-              <a:ext uri="{FF2B5EF4-FFF2-40B4-BE49-F238E27FC236}">
-                <a16:creationId xmlns:a16="http://schemas.microsoft.com/office/drawing/2014/main" id="{ACD6712D-793A-3C01-181C-8AB172AF6005}"/>
-              </a:ext>
-            </a:extLst>
-          </p:cNvPr>
-          <p:cNvSpPr>
-            <a:spLocks noChangeAspect="1"/>
-          </p:cNvSpPr>
-          <p:nvPr/>
-        </p:nvSpPr>
-        <p:spPr>
-          <a:xfrm rot="2700000">
-            <a:off x="692723" y="654160"/>
-            <a:ext cx="282486" cy="282486"/>
-          </a:xfrm>
-          <a:custGeom>
-            <a:avLst/>
-            <a:gdLst>
-              <a:gd name="connsiteX0" fmla="*/ 0 w 1278000"/>
-              <a:gd name="connsiteY0" fmla="*/ 0 h 1278000"/>
-              <a:gd name="connsiteX1" fmla="*/ 1278000 w 1278000"/>
-              <a:gd name="connsiteY1" fmla="*/ 0 h 1278000"/>
-              <a:gd name="connsiteX2" fmla="*/ 1278000 w 1278000"/>
-              <a:gd name="connsiteY2" fmla="*/ 1278000 h 1278000"/>
-              <a:gd name="connsiteX3" fmla="*/ 1035184 w 1278000"/>
-              <a:gd name="connsiteY3" fmla="*/ 1278000 h 1278000"/>
-              <a:gd name="connsiteX4" fmla="*/ 1035184 w 1278000"/>
-              <a:gd name="connsiteY4" fmla="*/ 242816 h 1278000"/>
-              <a:gd name="connsiteX5" fmla="*/ 0 w 1278000"/>
-              <a:gd name="connsiteY5" fmla="*/ 242816 h 1278000"/>
-            </a:gdLst>
-            <a:ahLst/>
-            <a:cxnLst>
-              <a:cxn ang="0">
-                <a:pos x="connsiteX0" y="connsiteY0"/>
-              </a:cxn>
-              <a:cxn ang="0">
-                <a:pos x="connsiteX1" y="connsiteY1"/>
-              </a:cxn>
-              <a:cxn ang="0">
-                <a:pos x="connsiteX2" y="connsiteY2"/>
-              </a:cxn>
-              <a:cxn ang="0">
-                <a:pos x="connsiteX3" y="connsiteY3"/>
-              </a:cxn>
-              <a:cxn ang="0">
-                <a:pos x="connsiteX4" y="connsiteY4"/>
-              </a:cxn>
-              <a:cxn ang="0">
-                <a:pos x="connsiteX5" y="connsiteY5"/>
-              </a:cxn>
-            </a:cxnLst>
-            <a:rect l="l" t="t" r="r" b="b"/>
-            <a:pathLst>
-              <a:path w="1278000" h="1278000">
-                <a:moveTo>
-                  <a:pt x="0" y="0"/>
-                </a:moveTo>
-                <a:lnTo>
-                  <a:pt x="1278000" y="0"/>
-                </a:lnTo>
-                <a:lnTo>
-                  <a:pt x="1278000" y="1278000"/>
-                </a:lnTo>
-                <a:lnTo>
-                  <a:pt x="1035184" y="1278000"/>
-                </a:lnTo>
-                <a:lnTo>
-                  <a:pt x="1035184" y="242816"/>
-                </a:lnTo>
-                <a:lnTo>
-                  <a:pt x="0" y="242816"/>
-                </a:lnTo>
-                <a:close/>
-              </a:path>
-            </a:pathLst>
-          </a:custGeom>
-          <a:solidFill>
-            <a:schemeClr val="tx2">
-              <a:lumMod val="60000"/>
-              <a:lumOff val="40000"/>
-            </a:schemeClr>
-          </a:solidFill>
-          <a:ln w="25400">
-            <a:noFill/>
-          </a:ln>
-        </p:spPr>
-        <p:style>
-          <a:lnRef idx="2">
-            <a:schemeClr val="accent1">
-              <a:shade val="50000"/>
-            </a:schemeClr>
-          </a:lnRef>
-          <a:fillRef idx="1">
-            <a:schemeClr val="accent1"/>
-          </a:fillRef>
-          <a:effectRef idx="0">
-            <a:schemeClr val="accent1"/>
-          </a:effectRef>
-          <a:fontRef idx="minor">
-            <a:schemeClr val="lt1"/>
-          </a:fontRef>
-        </p:style>
-        <p:txBody>
-          <a:bodyPr wrap="square" rtlCol="0" anchor="ctr">
-            <a:noAutofit/>
-          </a:bodyPr>
-          <a:lstStyle/>
-          <a:p>
-            <a:pPr algn="ctr"/>
-            <a:endParaRPr kumimoji="1" lang="ja-JP" altLang="en-US">
-              <a:solidFill>
-                <a:schemeClr val="tx2">
-                  <a:lumMod val="75000"/>
-                </a:schemeClr>
-              </a:solidFill>
-            </a:endParaRPr>
-          </a:p>
-        </p:txBody>
-      </p:sp>
-      <p:sp>
-        <p:nvSpPr>
-          <p:cNvPr id="8" name="フリーフォーム: 図形 7">
-            <a:extLst>
-              <a:ext uri="{FF2B5EF4-FFF2-40B4-BE49-F238E27FC236}">
-                <a16:creationId xmlns:a16="http://schemas.microsoft.com/office/drawing/2014/main" id="{16E5A4EA-5C2F-ABFF-06FC-97E780A01126}"/>
-              </a:ext>
-            </a:extLst>
-          </p:cNvPr>
-          <p:cNvSpPr>
-            <a:spLocks noChangeAspect="1"/>
-          </p:cNvSpPr>
-          <p:nvPr/>
-        </p:nvSpPr>
-        <p:spPr>
-          <a:xfrm rot="2700000">
-            <a:off x="977968" y="654160"/>
-            <a:ext cx="282486" cy="282486"/>
-          </a:xfrm>
-          <a:custGeom>
-            <a:avLst/>
-            <a:gdLst>
-              <a:gd name="connsiteX0" fmla="*/ 0 w 1278000"/>
-              <a:gd name="connsiteY0" fmla="*/ 0 h 1278000"/>
-              <a:gd name="connsiteX1" fmla="*/ 1278000 w 1278000"/>
-              <a:gd name="connsiteY1" fmla="*/ 0 h 1278000"/>
-              <a:gd name="connsiteX2" fmla="*/ 1278000 w 1278000"/>
-              <a:gd name="connsiteY2" fmla="*/ 1278000 h 1278000"/>
-              <a:gd name="connsiteX3" fmla="*/ 1035184 w 1278000"/>
-              <a:gd name="connsiteY3" fmla="*/ 1278000 h 1278000"/>
-              <a:gd name="connsiteX4" fmla="*/ 1035184 w 1278000"/>
-              <a:gd name="connsiteY4" fmla="*/ 242816 h 1278000"/>
-              <a:gd name="connsiteX5" fmla="*/ 0 w 1278000"/>
-              <a:gd name="connsiteY5" fmla="*/ 242816 h 1278000"/>
-            </a:gdLst>
-            <a:ahLst/>
-            <a:cxnLst>
-              <a:cxn ang="0">
-                <a:pos x="connsiteX0" y="connsiteY0"/>
-              </a:cxn>
-              <a:cxn ang="0">
-                <a:pos x="connsiteX1" y="connsiteY1"/>
-              </a:cxn>
-              <a:cxn ang="0">
-                <a:pos x="connsiteX2" y="connsiteY2"/>
-              </a:cxn>
-              <a:cxn ang="0">
-                <a:pos x="connsiteX3" y="connsiteY3"/>
-              </a:cxn>
-              <a:cxn ang="0">
-                <a:pos x="connsiteX4" y="connsiteY4"/>
-              </a:cxn>
-              <a:cxn ang="0">
-                <a:pos x="connsiteX5" y="connsiteY5"/>
-              </a:cxn>
-            </a:cxnLst>
-            <a:rect l="l" t="t" r="r" b="b"/>
-            <a:pathLst>
-              <a:path w="1278000" h="1278000">
-                <a:moveTo>
-                  <a:pt x="0" y="0"/>
-                </a:moveTo>
-                <a:lnTo>
-                  <a:pt x="1278000" y="0"/>
-                </a:lnTo>
-                <a:lnTo>
-                  <a:pt x="1278000" y="1278000"/>
-                </a:lnTo>
-                <a:lnTo>
-                  <a:pt x="1035184" y="1278000"/>
-                </a:lnTo>
-                <a:lnTo>
-                  <a:pt x="1035184" y="242816"/>
-                </a:lnTo>
-                <a:lnTo>
-                  <a:pt x="0" y="242816"/>
-                </a:lnTo>
-                <a:close/>
-              </a:path>
-            </a:pathLst>
-          </a:custGeom>
-          <a:solidFill>
-            <a:schemeClr val="tx2">
-              <a:lumMod val="60000"/>
-              <a:lumOff val="40000"/>
-            </a:schemeClr>
-          </a:solidFill>
-          <a:ln w="25400">
-            <a:noFill/>
-          </a:ln>
-        </p:spPr>
-        <p:style>
-          <a:lnRef idx="2">
-            <a:schemeClr val="accent1">
-              <a:shade val="50000"/>
-            </a:schemeClr>
-          </a:lnRef>
-          <a:fillRef idx="1">
-            <a:schemeClr val="accent1"/>
-          </a:fillRef>
-          <a:effectRef idx="0">
-            <a:schemeClr val="accent1"/>
-          </a:effectRef>
-          <a:fontRef idx="minor">
-            <a:schemeClr val="lt1"/>
-          </a:fontRef>
-        </p:style>
-        <p:txBody>
-          <a:bodyPr wrap="square" rtlCol="0" anchor="ctr">
-            <a:noAutofit/>
-          </a:bodyPr>
-          <a:lstStyle/>
-          <a:p>
-            <a:pPr algn="ctr"/>
-            <a:endParaRPr kumimoji="1" lang="ja-JP" altLang="en-US">
-              <a:solidFill>
-                <a:schemeClr val="tx2">
-                  <a:lumMod val="75000"/>
-                </a:schemeClr>
-              </a:solidFill>
-            </a:endParaRPr>
-          </a:p>
-        </p:txBody>
-      </p:sp>
-      <p:sp>
-        <p:nvSpPr>
-          <p:cNvPr id="10" name="正方形/長方形 9">
-            <a:extLst>
-              <a:ext uri="{FF2B5EF4-FFF2-40B4-BE49-F238E27FC236}">
-                <a16:creationId xmlns:a16="http://schemas.microsoft.com/office/drawing/2014/main" id="{B801156B-108A-535D-59E9-7CBCB1A0AD13}"/>
-              </a:ext>
-            </a:extLst>
-          </p:cNvPr>
-          <p:cNvSpPr/>
-          <p:nvPr/>
-        </p:nvSpPr>
-        <p:spPr>
-          <a:xfrm>
-            <a:off x="1489954" y="921367"/>
-            <a:ext cx="3005951" cy="276999"/>
-          </a:xfrm>
-          <a:prstGeom prst="rect">
-            <a:avLst/>
-          </a:prstGeom>
-        </p:spPr>
-        <p:txBody>
-          <a:bodyPr wrap="none">
-            <a:spAutoFit/>
-          </a:bodyPr>
-          <a:lstStyle/>
-          <a:p>
-            <a:r>
-              <a:rPr lang="en-US" altLang="ja-JP" sz="1200" spc="500" dirty="0">
-                <a:solidFill>
-                  <a:schemeClr val="tx2">
-                    <a:lumMod val="75000"/>
-                  </a:schemeClr>
-                </a:solidFill>
-                <a:latin typeface="Bahnschrift" panose="020B0502040204020203" pitchFamily="34" charset="0"/>
-                <a:ea typeface="Lato Black" panose="020F0502020204030203" pitchFamily="34" charset="0"/>
-                <a:cs typeface="Lato Black" panose="020F0502020204030203" pitchFamily="34" charset="0"/>
-              </a:rPr>
-              <a:t>Outline | Distribution</a:t>
-            </a:r>
-            <a:endParaRPr lang="ja-JP" altLang="en-US" sz="1200" spc="500" dirty="0">
-              <a:solidFill>
-                <a:schemeClr val="tx2">
-                  <a:lumMod val="75000"/>
-                </a:schemeClr>
-              </a:solidFill>
-              <a:latin typeface="Bahnschrift" panose="020B0502040204020203" pitchFamily="34" charset="0"/>
-              <a:ea typeface="Lato Black" panose="020F0502020204030203" pitchFamily="34" charset="0"/>
-              <a:cs typeface="Lato Black" panose="020F0502020204030203" pitchFamily="34" charset="0"/>
-            </a:endParaRPr>
-          </a:p>
-        </p:txBody>
-      </p:sp>
-      <p:sp>
-        <p:nvSpPr>
-          <p:cNvPr id="13" name="正方形/長方形 12">
-            <a:extLst>
-              <a:ext uri="{FF2B5EF4-FFF2-40B4-BE49-F238E27FC236}">
-                <a16:creationId xmlns:a16="http://schemas.microsoft.com/office/drawing/2014/main" id="{36E40967-9C6D-DD9B-8C3B-3B572E2382BF}"/>
-              </a:ext>
-            </a:extLst>
-          </p:cNvPr>
-          <p:cNvSpPr/>
-          <p:nvPr/>
-        </p:nvSpPr>
-        <p:spPr>
-          <a:xfrm>
-            <a:off x="1489954" y="459702"/>
-            <a:ext cx="4055919" cy="461665"/>
-          </a:xfrm>
-          <a:prstGeom prst="rect">
-            <a:avLst/>
-          </a:prstGeom>
-        </p:spPr>
-        <p:txBody>
-          <a:bodyPr wrap="none">
-            <a:spAutoFit/>
-          </a:bodyPr>
-          <a:lstStyle/>
-          <a:p>
-            <a:r>
-              <a:rPr lang="ja-JP" altLang="en-US" sz="2400" b="1" spc="500" dirty="0">
-                <a:solidFill>
-                  <a:schemeClr val="tx2">
-                    <a:lumMod val="75000"/>
-                  </a:schemeClr>
-                </a:solidFill>
-                <a:latin typeface="游ゴシック" panose="020B0400000000000000" pitchFamily="50" charset="-128"/>
-                <a:ea typeface="游ゴシック" panose="020B0400000000000000" pitchFamily="50" charset="-128"/>
-                <a:cs typeface="Lato Black" panose="020F0502020204030203" pitchFamily="34" charset="0"/>
-              </a:rPr>
-              <a:t>概要 「散布」について</a:t>
-            </a:r>
-          </a:p>
-        </p:txBody>
-      </p:sp>
-      <p:grpSp>
-        <p:nvGrpSpPr>
-          <p:cNvPr id="27" name="グループ化 26">
-            <a:extLst>
-              <a:ext uri="{FF2B5EF4-FFF2-40B4-BE49-F238E27FC236}">
-                <a16:creationId xmlns:a16="http://schemas.microsoft.com/office/drawing/2014/main" id="{ECB9B2E0-7D5B-4EC9-5DE8-481A67F8A54D}"/>
-              </a:ext>
-            </a:extLst>
-          </p:cNvPr>
-          <p:cNvGrpSpPr/>
-          <p:nvPr/>
-        </p:nvGrpSpPr>
-        <p:grpSpPr>
-          <a:xfrm rot="2700000">
-            <a:off x="1771743" y="1483514"/>
-            <a:ext cx="914400" cy="2951039"/>
-            <a:chOff x="834514" y="1542337"/>
-            <a:chExt cx="914400" cy="2951039"/>
-          </a:xfrm>
-        </p:grpSpPr>
-        <p:pic>
-          <p:nvPicPr>
-            <p:cNvPr id="14" name="グラフィックス 13" descr="ロケット">
-              <a:extLst>
-                <a:ext uri="{FF2B5EF4-FFF2-40B4-BE49-F238E27FC236}">
-                  <a16:creationId xmlns:a16="http://schemas.microsoft.com/office/drawing/2014/main" id="{BD1C4EF6-689C-307F-A018-DB8FB1D12BD5}"/>
-                </a:ext>
-              </a:extLst>
-            </p:cNvPr>
-            <p:cNvPicPr>
-              <a:picLocks noChangeAspect="1"/>
-            </p:cNvPicPr>
-            <p:nvPr/>
-          </p:nvPicPr>
-          <p:blipFill>
-            <a:blip r:embed="rId5">
-              <a:extLst>
-                <a:ext uri="{28A0092B-C50C-407E-A947-70E740481C1C}">
-                  <a14:useLocalDpi xmlns:a14="http://schemas.microsoft.com/office/drawing/2010/main" val="0"/>
-                </a:ext>
-                <a:ext uri="{96DAC541-7B7A-43D3-8B79-37D633B846F1}">
-                  <asvg:svgBlip xmlns:asvg="http://schemas.microsoft.com/office/drawing/2016/SVG/main" r:embed="rId6"/>
-                </a:ext>
-              </a:extLst>
-            </a:blip>
-            <a:stretch>
-              <a:fillRect/>
-            </a:stretch>
-          </p:blipFill>
-          <p:spPr>
-            <a:xfrm rot="18900000">
-              <a:off x="834514" y="1542337"/>
-              <a:ext cx="914400" cy="914400"/>
-            </a:xfrm>
-            <a:prstGeom prst="rect">
-              <a:avLst/>
-            </a:prstGeom>
-          </p:spPr>
-        </p:pic>
-        <p:grpSp>
-          <p:nvGrpSpPr>
-            <p:cNvPr id="26" name="グループ化 25">
-              <a:extLst>
-                <a:ext uri="{FF2B5EF4-FFF2-40B4-BE49-F238E27FC236}">
-                  <a16:creationId xmlns:a16="http://schemas.microsoft.com/office/drawing/2014/main" id="{741BC7AD-5CCB-BE95-9216-85B0857C4EB3}"/>
-                </a:ext>
-              </a:extLst>
-            </p:cNvPr>
-            <p:cNvGrpSpPr/>
-            <p:nvPr/>
-          </p:nvGrpSpPr>
-          <p:grpSpPr>
-            <a:xfrm>
-              <a:off x="1211561" y="2714671"/>
-              <a:ext cx="160310" cy="1778705"/>
-              <a:chOff x="1211561" y="2714671"/>
-              <a:chExt cx="160310" cy="1778705"/>
-            </a:xfrm>
-          </p:grpSpPr>
-          <p:sp>
-            <p:nvSpPr>
-              <p:cNvPr id="67" name="二等辺三角形 66">
-                <a:extLst>
-                  <a:ext uri="{FF2B5EF4-FFF2-40B4-BE49-F238E27FC236}">
-                    <a16:creationId xmlns:a16="http://schemas.microsoft.com/office/drawing/2014/main" id="{65C0F838-5594-5A4E-F6FE-48AA740546D2}"/>
-                  </a:ext>
-                </a:extLst>
-              </p:cNvPr>
-              <p:cNvSpPr/>
-              <p:nvPr/>
-            </p:nvSpPr>
-            <p:spPr>
-              <a:xfrm>
-                <a:off x="1211562" y="4355179"/>
-                <a:ext cx="160309" cy="138197"/>
-              </a:xfrm>
-              <a:prstGeom prst="triangle">
-                <a:avLst/>
-              </a:prstGeom>
-              <a:solidFill>
-                <a:schemeClr val="tx2">
-                  <a:lumMod val="75000"/>
-                </a:schemeClr>
-              </a:solidFill>
-              <a:ln>
-                <a:noFill/>
-              </a:ln>
-            </p:spPr>
-            <p:style>
-              <a:lnRef idx="2">
-                <a:schemeClr val="accent1">
-                  <a:shade val="15000"/>
-                </a:schemeClr>
-              </a:lnRef>
-              <a:fillRef idx="1">
-                <a:schemeClr val="accent1"/>
-              </a:fillRef>
-              <a:effectRef idx="0">
-                <a:schemeClr val="accent1"/>
-              </a:effectRef>
-              <a:fontRef idx="minor">
-                <a:schemeClr val="lt1"/>
-              </a:fontRef>
-            </p:style>
-            <p:txBody>
-              <a:bodyPr rtlCol="0" anchor="ctr"/>
-              <a:lstStyle/>
-              <a:p>
-                <a:pPr algn="ctr"/>
-                <a:endParaRPr kumimoji="1" lang="ja-JP" altLang="en-US"/>
-              </a:p>
-            </p:txBody>
-          </p:sp>
-          <p:sp>
-            <p:nvSpPr>
-              <p:cNvPr id="22" name="二等辺三角形 21">
-                <a:extLst>
-                  <a:ext uri="{FF2B5EF4-FFF2-40B4-BE49-F238E27FC236}">
-                    <a16:creationId xmlns:a16="http://schemas.microsoft.com/office/drawing/2014/main" id="{C286975D-0152-8711-C05C-C621FCBD3E10}"/>
-                  </a:ext>
-                </a:extLst>
-              </p:cNvPr>
-              <p:cNvSpPr/>
-              <p:nvPr/>
-            </p:nvSpPr>
-            <p:spPr>
-              <a:xfrm>
-                <a:off x="1211562" y="3945052"/>
-                <a:ext cx="160309" cy="138197"/>
-              </a:xfrm>
-              <a:prstGeom prst="triangle">
-                <a:avLst/>
-              </a:prstGeom>
-              <a:solidFill>
-                <a:schemeClr val="tx2">
-                  <a:lumMod val="75000"/>
-                </a:schemeClr>
-              </a:solidFill>
-              <a:ln>
-                <a:noFill/>
-              </a:ln>
-            </p:spPr>
-            <p:style>
-              <a:lnRef idx="2">
-                <a:schemeClr val="accent1">
-                  <a:shade val="15000"/>
-                </a:schemeClr>
-              </a:lnRef>
-              <a:fillRef idx="1">
-                <a:schemeClr val="accent1"/>
-              </a:fillRef>
-              <a:effectRef idx="0">
-                <a:schemeClr val="accent1"/>
-              </a:effectRef>
-              <a:fontRef idx="minor">
-                <a:schemeClr val="lt1"/>
-              </a:fontRef>
-            </p:style>
-            <p:txBody>
-              <a:bodyPr rtlCol="0" anchor="ctr"/>
-              <a:lstStyle/>
-              <a:p>
-                <a:pPr algn="ctr"/>
-                <a:endParaRPr kumimoji="1" lang="ja-JP" altLang="en-US"/>
-              </a:p>
-            </p:txBody>
-          </p:sp>
-          <p:sp>
-            <p:nvSpPr>
-              <p:cNvPr id="23" name="二等辺三角形 22">
-                <a:extLst>
-                  <a:ext uri="{FF2B5EF4-FFF2-40B4-BE49-F238E27FC236}">
-                    <a16:creationId xmlns:a16="http://schemas.microsoft.com/office/drawing/2014/main" id="{24E51224-2FDB-C10B-B9EA-D4FB9BA78D5B}"/>
-                  </a:ext>
-                </a:extLst>
-              </p:cNvPr>
-              <p:cNvSpPr/>
-              <p:nvPr/>
-            </p:nvSpPr>
-            <p:spPr>
-              <a:xfrm>
-                <a:off x="1211562" y="3534925"/>
-                <a:ext cx="160309" cy="138197"/>
-              </a:xfrm>
-              <a:prstGeom prst="triangle">
-                <a:avLst/>
-              </a:prstGeom>
-              <a:solidFill>
-                <a:schemeClr val="tx2">
-                  <a:lumMod val="75000"/>
-                </a:schemeClr>
-              </a:solidFill>
-              <a:ln>
-                <a:noFill/>
-              </a:ln>
-            </p:spPr>
-            <p:style>
-              <a:lnRef idx="2">
-                <a:schemeClr val="accent1">
-                  <a:shade val="15000"/>
-                </a:schemeClr>
-              </a:lnRef>
-              <a:fillRef idx="1">
-                <a:schemeClr val="accent1"/>
-              </a:fillRef>
-              <a:effectRef idx="0">
-                <a:schemeClr val="accent1"/>
-              </a:effectRef>
-              <a:fontRef idx="minor">
-                <a:schemeClr val="lt1"/>
-              </a:fontRef>
-            </p:style>
-            <p:txBody>
-              <a:bodyPr rtlCol="0" anchor="ctr"/>
-              <a:lstStyle/>
-              <a:p>
-                <a:pPr algn="ctr"/>
-                <a:endParaRPr kumimoji="1" lang="ja-JP" altLang="en-US"/>
-              </a:p>
-            </p:txBody>
-          </p:sp>
-          <p:sp>
-            <p:nvSpPr>
-              <p:cNvPr id="24" name="二等辺三角形 23">
-                <a:extLst>
-                  <a:ext uri="{FF2B5EF4-FFF2-40B4-BE49-F238E27FC236}">
-                    <a16:creationId xmlns:a16="http://schemas.microsoft.com/office/drawing/2014/main" id="{84387F73-0601-4A23-8CE2-39AB991336E1}"/>
-                  </a:ext>
-                </a:extLst>
-              </p:cNvPr>
-              <p:cNvSpPr/>
-              <p:nvPr/>
-            </p:nvSpPr>
-            <p:spPr>
-              <a:xfrm>
-                <a:off x="1211562" y="3124798"/>
-                <a:ext cx="160309" cy="138197"/>
-              </a:xfrm>
-              <a:prstGeom prst="triangle">
-                <a:avLst/>
-              </a:prstGeom>
-              <a:solidFill>
-                <a:schemeClr val="tx2">
-                  <a:lumMod val="75000"/>
-                </a:schemeClr>
-              </a:solidFill>
-              <a:ln>
-                <a:noFill/>
-              </a:ln>
-            </p:spPr>
-            <p:style>
-              <a:lnRef idx="2">
-                <a:schemeClr val="accent1">
-                  <a:shade val="15000"/>
-                </a:schemeClr>
-              </a:lnRef>
-              <a:fillRef idx="1">
-                <a:schemeClr val="accent1"/>
-              </a:fillRef>
-              <a:effectRef idx="0">
-                <a:schemeClr val="accent1"/>
-              </a:effectRef>
-              <a:fontRef idx="minor">
-                <a:schemeClr val="lt1"/>
-              </a:fontRef>
-            </p:style>
-            <p:txBody>
-              <a:bodyPr rtlCol="0" anchor="ctr"/>
-              <a:lstStyle/>
-              <a:p>
-                <a:pPr algn="ctr"/>
-                <a:endParaRPr kumimoji="1" lang="ja-JP" altLang="en-US" dirty="0"/>
-              </a:p>
-            </p:txBody>
-          </p:sp>
-          <p:sp>
-            <p:nvSpPr>
-              <p:cNvPr id="25" name="二等辺三角形 24">
-                <a:extLst>
-                  <a:ext uri="{FF2B5EF4-FFF2-40B4-BE49-F238E27FC236}">
-                    <a16:creationId xmlns:a16="http://schemas.microsoft.com/office/drawing/2014/main" id="{42676CAE-5149-F0BC-6925-FC9703DC4EAF}"/>
-                  </a:ext>
-                </a:extLst>
-              </p:cNvPr>
-              <p:cNvSpPr/>
-              <p:nvPr/>
-            </p:nvSpPr>
-            <p:spPr>
-              <a:xfrm>
-                <a:off x="1211561" y="2714671"/>
-                <a:ext cx="160309" cy="138197"/>
-              </a:xfrm>
-              <a:prstGeom prst="triangle">
-                <a:avLst/>
-              </a:prstGeom>
-              <a:solidFill>
-                <a:schemeClr val="tx2">
-                  <a:lumMod val="75000"/>
-                </a:schemeClr>
-              </a:solidFill>
-              <a:ln>
-                <a:noFill/>
-              </a:ln>
-            </p:spPr>
-            <p:style>
-              <a:lnRef idx="2">
-                <a:schemeClr val="accent1">
-                  <a:shade val="15000"/>
-                </a:schemeClr>
-              </a:lnRef>
-              <a:fillRef idx="1">
-                <a:schemeClr val="accent1"/>
-              </a:fillRef>
-              <a:effectRef idx="0">
-                <a:schemeClr val="accent1"/>
-              </a:effectRef>
-              <a:fontRef idx="minor">
-                <a:schemeClr val="lt1"/>
-              </a:fontRef>
-            </p:style>
-            <p:txBody>
-              <a:bodyPr rtlCol="0" anchor="ctr"/>
-              <a:lstStyle/>
-              <a:p>
-                <a:pPr algn="ctr"/>
-                <a:endParaRPr kumimoji="1" lang="ja-JP" altLang="en-US"/>
-              </a:p>
-            </p:txBody>
-          </p:sp>
-        </p:grpSp>
-      </p:grpSp>
-    </p:spTree>
-    <p:extLst>
-      <p:ext uri="{BB962C8B-B14F-4D97-AF65-F5344CB8AC3E}">
-        <p14:creationId xmlns:p14="http://schemas.microsoft.com/office/powerpoint/2010/main" val="176038824"/>
-      </p:ext>
-    </p:extLst>
-  </p:cSld>
-  <p:clrMapOvr>
-    <a:masterClrMapping/>
-  </p:clrMapOvr>
-  <mc:AlternateContent xmlns:mc="http://schemas.openxmlformats.org/markup-compatibility/2006" xmlns:p159="http://schemas.microsoft.com/office/powerpoint/2015/09/main">
-    <mc:Choice Requires="p159">
-      <p:transition spd="slow">
-        <p159:morph option="byObject"/>
-      </p:transition>
-    </mc:Choice>
-    <mc:Fallback xmlns="">
-      <p:transition spd="slow">
-        <p:fade/>
-      </p:transition>
-    </mc:Fallback>
-  </mc:AlternateContent>
 </p:sld>
 </file>
 

--- a/プレゼン/桐蔭-事後プレゼン.pptx
+++ b/プレゼン/桐蔭-事後プレゼン.pptx
@@ -5,7 +5,7 @@
     <p:sldMasterId id="2147483648" r:id="rId1"/>
   </p:sldMasterIdLst>
   <p:notesMasterIdLst>
-    <p:notesMasterId r:id="rId14"/>
+    <p:notesMasterId r:id="rId13"/>
   </p:notesMasterIdLst>
   <p:sldIdLst>
     <p:sldId id="256" r:id="rId2"/>
@@ -15,11 +15,10 @@
     <p:sldId id="261" r:id="rId6"/>
     <p:sldId id="272" r:id="rId7"/>
     <p:sldId id="273" r:id="rId8"/>
-    <p:sldId id="274" r:id="rId9"/>
-    <p:sldId id="267" r:id="rId10"/>
-    <p:sldId id="263" r:id="rId11"/>
-    <p:sldId id="268" r:id="rId12"/>
-    <p:sldId id="262" r:id="rId13"/>
+    <p:sldId id="267" r:id="rId9"/>
+    <p:sldId id="263" r:id="rId10"/>
+    <p:sldId id="268" r:id="rId11"/>
+    <p:sldId id="262" r:id="rId12"/>
   </p:sldIdLst>
   <p:sldSz cx="12192000" cy="6858000"/>
   <p:notesSz cx="6858000" cy="9144000"/>
@@ -134,7 +133,6 @@
             <p14:sldId id="261"/>
             <p14:sldId id="272"/>
             <p14:sldId id="273"/>
-            <p14:sldId id="274"/>
             <p14:sldId id="267"/>
             <p14:sldId id="263"/>
             <p14:sldId id="268"/>
@@ -232,7 +230,7 @@
           <a:p>
             <a:fld id="{223799DF-96B8-43D8-8A6B-52C1AB8BB99E}" type="datetimeFigureOut">
               <a:rPr kumimoji="1" lang="ja-JP" altLang="en-US" smtClean="0"/>
-              <a:t>2024/7/13</a:t>
+              <a:t>2024/7/14</a:t>
             </a:fld>
             <a:endParaRPr kumimoji="1" lang="ja-JP" altLang="en-US"/>
           </a:p>
@@ -678,7 +676,7 @@
           <a:p>
             <a:fld id="{243F4D90-253E-4FCE-A533-D855872F4E83}" type="datetimeFigureOut">
               <a:rPr kumimoji="1" lang="ja-JP" altLang="en-US" smtClean="0"/>
-              <a:t>2024/7/13</a:t>
+              <a:t>2024/7/14</a:t>
             </a:fld>
             <a:endParaRPr kumimoji="1" lang="ja-JP" altLang="en-US"/>
           </a:p>
@@ -920,7 +918,7 @@
           <a:p>
             <a:fld id="{243F4D90-253E-4FCE-A533-D855872F4E83}" type="datetimeFigureOut">
               <a:rPr kumimoji="1" lang="ja-JP" altLang="en-US" smtClean="0"/>
-              <a:t>2024/7/13</a:t>
+              <a:t>2024/7/14</a:t>
             </a:fld>
             <a:endParaRPr kumimoji="1" lang="ja-JP" altLang="en-US"/>
           </a:p>
@@ -1172,7 +1170,7 @@
           <a:p>
             <a:fld id="{243F4D90-253E-4FCE-A533-D855872F4E83}" type="datetimeFigureOut">
               <a:rPr kumimoji="1" lang="ja-JP" altLang="en-US" smtClean="0"/>
-              <a:t>2024/7/13</a:t>
+              <a:t>2024/7/14</a:t>
             </a:fld>
             <a:endParaRPr kumimoji="1" lang="ja-JP" altLang="en-US"/>
           </a:p>
@@ -1414,7 +1412,7 @@
           <a:p>
             <a:fld id="{243F4D90-253E-4FCE-A533-D855872F4E83}" type="datetimeFigureOut">
               <a:rPr kumimoji="1" lang="ja-JP" altLang="en-US" smtClean="0"/>
-              <a:t>2024/7/13</a:t>
+              <a:t>2024/7/14</a:t>
             </a:fld>
             <a:endParaRPr kumimoji="1" lang="ja-JP" altLang="en-US"/>
           </a:p>
@@ -1701,7 +1699,7 @@
           <a:p>
             <a:fld id="{243F4D90-253E-4FCE-A533-D855872F4E83}" type="datetimeFigureOut">
               <a:rPr kumimoji="1" lang="ja-JP" altLang="en-US" smtClean="0"/>
-              <a:t>2024/7/13</a:t>
+              <a:t>2024/7/14</a:t>
             </a:fld>
             <a:endParaRPr kumimoji="1" lang="ja-JP" altLang="en-US"/>
           </a:p>
@@ -2042,7 +2040,7 @@
           <a:p>
             <a:fld id="{243F4D90-253E-4FCE-A533-D855872F4E83}" type="datetimeFigureOut">
               <a:rPr kumimoji="1" lang="ja-JP" altLang="en-US" smtClean="0"/>
-              <a:t>2024/7/13</a:t>
+              <a:t>2024/7/14</a:t>
             </a:fld>
             <a:endParaRPr kumimoji="1" lang="ja-JP" altLang="en-US"/>
           </a:p>
@@ -2530,7 +2528,7 @@
           <a:p>
             <a:fld id="{243F4D90-253E-4FCE-A533-D855872F4E83}" type="datetimeFigureOut">
               <a:rPr kumimoji="1" lang="ja-JP" altLang="en-US" smtClean="0"/>
-              <a:t>2024/7/13</a:t>
+              <a:t>2024/7/14</a:t>
             </a:fld>
             <a:endParaRPr kumimoji="1" lang="ja-JP" altLang="en-US"/>
           </a:p>
@@ -2683,7 +2681,7 @@
           <a:p>
             <a:fld id="{243F4D90-253E-4FCE-A533-D855872F4E83}" type="datetimeFigureOut">
               <a:rPr kumimoji="1" lang="ja-JP" altLang="en-US" smtClean="0"/>
-              <a:t>2024/7/13</a:t>
+              <a:t>2024/7/14</a:t>
             </a:fld>
             <a:endParaRPr kumimoji="1" lang="ja-JP" altLang="en-US"/>
           </a:p>
@@ -2808,7 +2806,7 @@
           <a:p>
             <a:fld id="{243F4D90-253E-4FCE-A533-D855872F4E83}" type="datetimeFigureOut">
               <a:rPr kumimoji="1" lang="ja-JP" altLang="en-US" smtClean="0"/>
-              <a:t>2024/7/13</a:t>
+              <a:t>2024/7/14</a:t>
             </a:fld>
             <a:endParaRPr kumimoji="1" lang="ja-JP" altLang="en-US"/>
           </a:p>
@@ -3163,7 +3161,7 @@
           <a:p>
             <a:fld id="{243F4D90-253E-4FCE-A533-D855872F4E83}" type="datetimeFigureOut">
               <a:rPr kumimoji="1" lang="ja-JP" altLang="en-US" smtClean="0"/>
-              <a:t>2024/7/13</a:t>
+              <a:t>2024/7/14</a:t>
             </a:fld>
             <a:endParaRPr kumimoji="1" lang="ja-JP" altLang="en-US"/>
           </a:p>
@@ -3463,7 +3461,7 @@
           <a:p>
             <a:fld id="{243F4D90-253E-4FCE-A533-D855872F4E83}" type="datetimeFigureOut">
               <a:rPr kumimoji="1" lang="ja-JP" altLang="en-US" smtClean="0"/>
-              <a:t>2024/7/13</a:t>
+              <a:t>2024/7/14</a:t>
             </a:fld>
             <a:endParaRPr kumimoji="1" lang="ja-JP" altLang="en-US"/>
           </a:p>
@@ -3748,7 +3746,7 @@
           <a:p>
             <a:fld id="{243F4D90-253E-4FCE-A533-D855872F4E83}" type="datetimeFigureOut">
               <a:rPr kumimoji="1" lang="ja-JP" altLang="en-US" smtClean="0"/>
-              <a:t>2024/7/13</a:t>
+              <a:t>2024/7/14</a:t>
             </a:fld>
             <a:endParaRPr kumimoji="1" lang="ja-JP" altLang="en-US"/>
           </a:p>
@@ -4697,1188 +4695,6 @@
           <a:chExt cx="0" cy="0"/>
         </a:xfrm>
       </p:grpSpPr>
-      <p:pic>
-        <p:nvPicPr>
-          <p:cNvPr id="12" name="グラフィックス 11" descr="男の人">
-            <a:extLst>
-              <a:ext uri="{FF2B5EF4-FFF2-40B4-BE49-F238E27FC236}">
-                <a16:creationId xmlns:a16="http://schemas.microsoft.com/office/drawing/2014/main" id="{F7DDC222-B467-E05D-763B-871494F987B1}"/>
-              </a:ext>
-            </a:extLst>
-          </p:cNvPr>
-          <p:cNvPicPr>
-            <a:picLocks noChangeAspect="1"/>
-          </p:cNvPicPr>
-          <p:nvPr/>
-        </p:nvPicPr>
-        <p:blipFill>
-          <a:blip r:embed="rId2">
-            <a:extLst>
-              <a:ext uri="{28A0092B-C50C-407E-A947-70E740481C1C}">
-                <a14:useLocalDpi xmlns:a14="http://schemas.microsoft.com/office/drawing/2010/main" val="0"/>
-              </a:ext>
-              <a:ext uri="{96DAC541-7B7A-43D3-8B79-37D633B846F1}">
-                <asvg:svgBlip xmlns:asvg="http://schemas.microsoft.com/office/drawing/2016/SVG/main" r:embed="rId3"/>
-              </a:ext>
-            </a:extLst>
-          </a:blip>
-          <a:stretch>
-            <a:fillRect/>
-          </a:stretch>
-        </p:blipFill>
-        <p:spPr>
-          <a:xfrm>
-            <a:off x="1980429" y="4384268"/>
-            <a:ext cx="1255059" cy="1255059"/>
-          </a:xfrm>
-          <a:prstGeom prst="rect">
-            <a:avLst/>
-          </a:prstGeom>
-        </p:spPr>
-      </p:pic>
-      <p:pic>
-        <p:nvPicPr>
-          <p:cNvPr id="11" name="グラフィックス 10" descr="男の人">
-            <a:extLst>
-              <a:ext uri="{FF2B5EF4-FFF2-40B4-BE49-F238E27FC236}">
-                <a16:creationId xmlns:a16="http://schemas.microsoft.com/office/drawing/2014/main" id="{E5928167-7A76-B9A8-3D1A-81B1E5025BA3}"/>
-              </a:ext>
-            </a:extLst>
-          </p:cNvPr>
-          <p:cNvPicPr>
-            <a:picLocks noChangeAspect="1"/>
-          </p:cNvPicPr>
-          <p:nvPr/>
-        </p:nvPicPr>
-        <p:blipFill>
-          <a:blip r:embed="rId2">
-            <a:extLst>
-              <a:ext uri="{28A0092B-C50C-407E-A947-70E740481C1C}">
-                <a14:useLocalDpi xmlns:a14="http://schemas.microsoft.com/office/drawing/2010/main" val="0"/>
-              </a:ext>
-              <a:ext uri="{96DAC541-7B7A-43D3-8B79-37D633B846F1}">
-                <asvg:svgBlip xmlns:asvg="http://schemas.microsoft.com/office/drawing/2016/SVG/main" r:embed="rId3"/>
-              </a:ext>
-            </a:extLst>
-          </a:blip>
-          <a:stretch>
-            <a:fillRect/>
-          </a:stretch>
-        </p:blipFill>
-        <p:spPr>
-          <a:xfrm>
-            <a:off x="5087694" y="4384267"/>
-            <a:ext cx="1255059" cy="1255059"/>
-          </a:xfrm>
-          <a:prstGeom prst="rect">
-            <a:avLst/>
-          </a:prstGeom>
-        </p:spPr>
-      </p:pic>
-      <p:pic>
-        <p:nvPicPr>
-          <p:cNvPr id="6" name="グラフィックス 5" descr="男の人">
-            <a:extLst>
-              <a:ext uri="{FF2B5EF4-FFF2-40B4-BE49-F238E27FC236}">
-                <a16:creationId xmlns:a16="http://schemas.microsoft.com/office/drawing/2014/main" id="{12A9F86C-3214-86FF-C17C-D38191120B5A}"/>
-              </a:ext>
-            </a:extLst>
-          </p:cNvPr>
-          <p:cNvPicPr>
-            <a:picLocks noChangeAspect="1"/>
-          </p:cNvPicPr>
-          <p:nvPr/>
-        </p:nvPicPr>
-        <p:blipFill>
-          <a:blip r:embed="rId2">
-            <a:extLst>
-              <a:ext uri="{28A0092B-C50C-407E-A947-70E740481C1C}">
-                <a14:useLocalDpi xmlns:a14="http://schemas.microsoft.com/office/drawing/2010/main" val="0"/>
-              </a:ext>
-              <a:ext uri="{96DAC541-7B7A-43D3-8B79-37D633B846F1}">
-                <asvg:svgBlip xmlns:asvg="http://schemas.microsoft.com/office/drawing/2016/SVG/main" r:embed="rId4"/>
-              </a:ext>
-            </a:extLst>
-          </a:blip>
-          <a:stretch>
-            <a:fillRect/>
-          </a:stretch>
-        </p:blipFill>
-        <p:spPr>
-          <a:xfrm>
-            <a:off x="8194959" y="4384267"/>
-            <a:ext cx="1255059" cy="1255059"/>
-          </a:xfrm>
-          <a:prstGeom prst="rect">
-            <a:avLst/>
-          </a:prstGeom>
-        </p:spPr>
-      </p:pic>
-      <p:sp>
-        <p:nvSpPr>
-          <p:cNvPr id="64" name="テキスト ボックス 63">
-            <a:extLst>
-              <a:ext uri="{FF2B5EF4-FFF2-40B4-BE49-F238E27FC236}">
-                <a16:creationId xmlns:a16="http://schemas.microsoft.com/office/drawing/2014/main" id="{892CC80B-0DC1-A36C-4A43-A9FF8EAEBCB6}"/>
-              </a:ext>
-            </a:extLst>
-          </p:cNvPr>
-          <p:cNvSpPr txBox="1"/>
-          <p:nvPr/>
-        </p:nvSpPr>
-        <p:spPr>
-          <a:xfrm>
-            <a:off x="1141420" y="1821034"/>
-            <a:ext cx="1557162" cy="369332"/>
-          </a:xfrm>
-          <a:prstGeom prst="rect">
-            <a:avLst/>
-          </a:prstGeom>
-          <a:noFill/>
-        </p:spPr>
-        <p:txBody>
-          <a:bodyPr wrap="square" rtlCol="0">
-            <a:spAutoFit/>
-          </a:bodyPr>
-          <a:lstStyle/>
-          <a:p>
-            <a:pPr algn="ctr"/>
-            <a:r>
-              <a:rPr kumimoji="1" lang="en-US" altLang="ja-JP" spc="300" dirty="0">
-                <a:solidFill>
-                  <a:schemeClr val="tx2">
-                    <a:lumMod val="75000"/>
-                  </a:schemeClr>
-                </a:solidFill>
-                <a:latin typeface="Bahnschrift" panose="020B0502040204020203" pitchFamily="34" charset="0"/>
-              </a:rPr>
-              <a:t>Rocket</a:t>
-            </a:r>
-            <a:endParaRPr kumimoji="1" lang="ja-JP" altLang="en-US" spc="300" dirty="0">
-              <a:solidFill>
-                <a:schemeClr val="tx2">
-                  <a:lumMod val="75000"/>
-                </a:schemeClr>
-              </a:solidFill>
-              <a:latin typeface="Bahnschrift" panose="020B0502040204020203" pitchFamily="34" charset="0"/>
-            </a:endParaRPr>
-          </a:p>
-        </p:txBody>
-      </p:sp>
-      <p:sp>
-        <p:nvSpPr>
-          <p:cNvPr id="2" name="テキスト ボックス 1">
-            <a:extLst>
-              <a:ext uri="{FF2B5EF4-FFF2-40B4-BE49-F238E27FC236}">
-                <a16:creationId xmlns:a16="http://schemas.microsoft.com/office/drawing/2014/main" id="{252E7F5C-4DDB-833E-9A45-847AAB1CDC88}"/>
-              </a:ext>
-            </a:extLst>
-          </p:cNvPr>
-          <p:cNvSpPr txBox="1"/>
-          <p:nvPr/>
-        </p:nvSpPr>
-        <p:spPr>
-          <a:xfrm>
-            <a:off x="1829377" y="5736210"/>
-            <a:ext cx="1557162" cy="369332"/>
-          </a:xfrm>
-          <a:prstGeom prst="rect">
-            <a:avLst/>
-          </a:prstGeom>
-          <a:noFill/>
-        </p:spPr>
-        <p:txBody>
-          <a:bodyPr wrap="square" rtlCol="0">
-            <a:spAutoFit/>
-          </a:bodyPr>
-          <a:lstStyle/>
-          <a:p>
-            <a:pPr algn="ctr"/>
-            <a:r>
-              <a:rPr kumimoji="1" lang="en-US" altLang="ja-JP" spc="300" dirty="0">
-                <a:solidFill>
-                  <a:schemeClr val="tx2">
-                    <a:lumMod val="75000"/>
-                  </a:schemeClr>
-                </a:solidFill>
-                <a:latin typeface="Bahnschrift" panose="020B0502040204020203" pitchFamily="34" charset="0"/>
-              </a:rPr>
-              <a:t>Victim</a:t>
-            </a:r>
-            <a:endParaRPr kumimoji="1" lang="ja-JP" altLang="en-US" spc="300" dirty="0">
-              <a:solidFill>
-                <a:schemeClr val="tx2">
-                  <a:lumMod val="75000"/>
-                </a:schemeClr>
-              </a:solidFill>
-              <a:latin typeface="Bahnschrift" panose="020B0502040204020203" pitchFamily="34" charset="0"/>
-            </a:endParaRPr>
-          </a:p>
-        </p:txBody>
-      </p:sp>
-      <p:sp>
-        <p:nvSpPr>
-          <p:cNvPr id="3" name="テキスト ボックス 2">
-            <a:extLst>
-              <a:ext uri="{FF2B5EF4-FFF2-40B4-BE49-F238E27FC236}">
-                <a16:creationId xmlns:a16="http://schemas.microsoft.com/office/drawing/2014/main" id="{7BFE9C9A-B47E-05D2-4F69-B4D93C409755}"/>
-              </a:ext>
-            </a:extLst>
-          </p:cNvPr>
-          <p:cNvSpPr txBox="1"/>
-          <p:nvPr/>
-        </p:nvSpPr>
-        <p:spPr>
-          <a:xfrm>
-            <a:off x="4936642" y="5736210"/>
-            <a:ext cx="1557162" cy="369332"/>
-          </a:xfrm>
-          <a:prstGeom prst="rect">
-            <a:avLst/>
-          </a:prstGeom>
-          <a:noFill/>
-        </p:spPr>
-        <p:txBody>
-          <a:bodyPr wrap="square" rtlCol="0">
-            <a:spAutoFit/>
-          </a:bodyPr>
-          <a:lstStyle/>
-          <a:p>
-            <a:pPr algn="ctr"/>
-            <a:r>
-              <a:rPr kumimoji="1" lang="en-US" altLang="ja-JP" spc="300" dirty="0">
-                <a:solidFill>
-                  <a:schemeClr val="tx2">
-                    <a:lumMod val="75000"/>
-                  </a:schemeClr>
-                </a:solidFill>
-                <a:latin typeface="Bahnschrift" panose="020B0502040204020203" pitchFamily="34" charset="0"/>
-              </a:rPr>
-              <a:t>Victim</a:t>
-            </a:r>
-            <a:endParaRPr kumimoji="1" lang="ja-JP" altLang="en-US" spc="300" dirty="0">
-              <a:solidFill>
-                <a:schemeClr val="tx2">
-                  <a:lumMod val="75000"/>
-                </a:schemeClr>
-              </a:solidFill>
-              <a:latin typeface="Bahnschrift" panose="020B0502040204020203" pitchFamily="34" charset="0"/>
-            </a:endParaRPr>
-          </a:p>
-        </p:txBody>
-      </p:sp>
-      <p:sp>
-        <p:nvSpPr>
-          <p:cNvPr id="4" name="テキスト ボックス 3">
-            <a:extLst>
-              <a:ext uri="{FF2B5EF4-FFF2-40B4-BE49-F238E27FC236}">
-                <a16:creationId xmlns:a16="http://schemas.microsoft.com/office/drawing/2014/main" id="{6381F757-A3CF-084E-F187-1B9000B4EF8C}"/>
-              </a:ext>
-            </a:extLst>
-          </p:cNvPr>
-          <p:cNvSpPr txBox="1"/>
-          <p:nvPr/>
-        </p:nvSpPr>
-        <p:spPr>
-          <a:xfrm>
-            <a:off x="8043907" y="5736210"/>
-            <a:ext cx="1557162" cy="369332"/>
-          </a:xfrm>
-          <a:prstGeom prst="rect">
-            <a:avLst/>
-          </a:prstGeom>
-          <a:noFill/>
-        </p:spPr>
-        <p:txBody>
-          <a:bodyPr wrap="square" rtlCol="0">
-            <a:spAutoFit/>
-          </a:bodyPr>
-          <a:lstStyle/>
-          <a:p>
-            <a:pPr algn="ctr"/>
-            <a:r>
-              <a:rPr kumimoji="1" lang="en-US" altLang="ja-JP" spc="300" dirty="0">
-                <a:solidFill>
-                  <a:schemeClr val="tx2">
-                    <a:lumMod val="75000"/>
-                  </a:schemeClr>
-                </a:solidFill>
-                <a:latin typeface="Bahnschrift" panose="020B0502040204020203" pitchFamily="34" charset="0"/>
-              </a:rPr>
-              <a:t>Victim</a:t>
-            </a:r>
-            <a:endParaRPr kumimoji="1" lang="ja-JP" altLang="en-US" spc="300" dirty="0">
-              <a:solidFill>
-                <a:schemeClr val="tx2">
-                  <a:lumMod val="75000"/>
-                </a:schemeClr>
-              </a:solidFill>
-              <a:latin typeface="Bahnschrift" panose="020B0502040204020203" pitchFamily="34" charset="0"/>
-            </a:endParaRPr>
-          </a:p>
-        </p:txBody>
-      </p:sp>
-      <p:sp>
-        <p:nvSpPr>
-          <p:cNvPr id="5" name="フリーフォーム: 図形 4">
-            <a:extLst>
-              <a:ext uri="{FF2B5EF4-FFF2-40B4-BE49-F238E27FC236}">
-                <a16:creationId xmlns:a16="http://schemas.microsoft.com/office/drawing/2014/main" id="{A96D8D4A-2400-B668-492F-2AAED27992A3}"/>
-              </a:ext>
-            </a:extLst>
-          </p:cNvPr>
-          <p:cNvSpPr>
-            <a:spLocks noChangeAspect="1"/>
-          </p:cNvSpPr>
-          <p:nvPr/>
-        </p:nvSpPr>
-        <p:spPr>
-          <a:xfrm rot="2700000">
-            <a:off x="407477" y="654160"/>
-            <a:ext cx="282486" cy="282486"/>
-          </a:xfrm>
-          <a:custGeom>
-            <a:avLst/>
-            <a:gdLst>
-              <a:gd name="connsiteX0" fmla="*/ 0 w 1278000"/>
-              <a:gd name="connsiteY0" fmla="*/ 0 h 1278000"/>
-              <a:gd name="connsiteX1" fmla="*/ 1278000 w 1278000"/>
-              <a:gd name="connsiteY1" fmla="*/ 0 h 1278000"/>
-              <a:gd name="connsiteX2" fmla="*/ 1278000 w 1278000"/>
-              <a:gd name="connsiteY2" fmla="*/ 1278000 h 1278000"/>
-              <a:gd name="connsiteX3" fmla="*/ 1035184 w 1278000"/>
-              <a:gd name="connsiteY3" fmla="*/ 1278000 h 1278000"/>
-              <a:gd name="connsiteX4" fmla="*/ 1035184 w 1278000"/>
-              <a:gd name="connsiteY4" fmla="*/ 242816 h 1278000"/>
-              <a:gd name="connsiteX5" fmla="*/ 0 w 1278000"/>
-              <a:gd name="connsiteY5" fmla="*/ 242816 h 1278000"/>
-            </a:gdLst>
-            <a:ahLst/>
-            <a:cxnLst>
-              <a:cxn ang="0">
-                <a:pos x="connsiteX0" y="connsiteY0"/>
-              </a:cxn>
-              <a:cxn ang="0">
-                <a:pos x="connsiteX1" y="connsiteY1"/>
-              </a:cxn>
-              <a:cxn ang="0">
-                <a:pos x="connsiteX2" y="connsiteY2"/>
-              </a:cxn>
-              <a:cxn ang="0">
-                <a:pos x="connsiteX3" y="connsiteY3"/>
-              </a:cxn>
-              <a:cxn ang="0">
-                <a:pos x="connsiteX4" y="connsiteY4"/>
-              </a:cxn>
-              <a:cxn ang="0">
-                <a:pos x="connsiteX5" y="connsiteY5"/>
-              </a:cxn>
-            </a:cxnLst>
-            <a:rect l="l" t="t" r="r" b="b"/>
-            <a:pathLst>
-              <a:path w="1278000" h="1278000">
-                <a:moveTo>
-                  <a:pt x="0" y="0"/>
-                </a:moveTo>
-                <a:lnTo>
-                  <a:pt x="1278000" y="0"/>
-                </a:lnTo>
-                <a:lnTo>
-                  <a:pt x="1278000" y="1278000"/>
-                </a:lnTo>
-                <a:lnTo>
-                  <a:pt x="1035184" y="1278000"/>
-                </a:lnTo>
-                <a:lnTo>
-                  <a:pt x="1035184" y="242816"/>
-                </a:lnTo>
-                <a:lnTo>
-                  <a:pt x="0" y="242816"/>
-                </a:lnTo>
-                <a:close/>
-              </a:path>
-            </a:pathLst>
-          </a:custGeom>
-          <a:solidFill>
-            <a:schemeClr val="tx2">
-              <a:lumMod val="60000"/>
-              <a:lumOff val="40000"/>
-            </a:schemeClr>
-          </a:solidFill>
-          <a:ln w="25400">
-            <a:noFill/>
-          </a:ln>
-        </p:spPr>
-        <p:style>
-          <a:lnRef idx="2">
-            <a:schemeClr val="accent1">
-              <a:shade val="50000"/>
-            </a:schemeClr>
-          </a:lnRef>
-          <a:fillRef idx="1">
-            <a:schemeClr val="accent1"/>
-          </a:fillRef>
-          <a:effectRef idx="0">
-            <a:schemeClr val="accent1"/>
-          </a:effectRef>
-          <a:fontRef idx="minor">
-            <a:schemeClr val="lt1"/>
-          </a:fontRef>
-        </p:style>
-        <p:txBody>
-          <a:bodyPr wrap="square" rtlCol="0" anchor="ctr">
-            <a:noAutofit/>
-          </a:bodyPr>
-          <a:lstStyle/>
-          <a:p>
-            <a:pPr algn="ctr"/>
-            <a:endParaRPr kumimoji="1" lang="ja-JP" altLang="en-US">
-              <a:solidFill>
-                <a:schemeClr val="tx2">
-                  <a:lumMod val="75000"/>
-                </a:schemeClr>
-              </a:solidFill>
-            </a:endParaRPr>
-          </a:p>
-        </p:txBody>
-      </p:sp>
-      <p:sp>
-        <p:nvSpPr>
-          <p:cNvPr id="7" name="フリーフォーム: 図形 6">
-            <a:extLst>
-              <a:ext uri="{FF2B5EF4-FFF2-40B4-BE49-F238E27FC236}">
-                <a16:creationId xmlns:a16="http://schemas.microsoft.com/office/drawing/2014/main" id="{ACD6712D-793A-3C01-181C-8AB172AF6005}"/>
-              </a:ext>
-            </a:extLst>
-          </p:cNvPr>
-          <p:cNvSpPr>
-            <a:spLocks noChangeAspect="1"/>
-          </p:cNvSpPr>
-          <p:nvPr/>
-        </p:nvSpPr>
-        <p:spPr>
-          <a:xfrm rot="2700000">
-            <a:off x="692723" y="654160"/>
-            <a:ext cx="282486" cy="282486"/>
-          </a:xfrm>
-          <a:custGeom>
-            <a:avLst/>
-            <a:gdLst>
-              <a:gd name="connsiteX0" fmla="*/ 0 w 1278000"/>
-              <a:gd name="connsiteY0" fmla="*/ 0 h 1278000"/>
-              <a:gd name="connsiteX1" fmla="*/ 1278000 w 1278000"/>
-              <a:gd name="connsiteY1" fmla="*/ 0 h 1278000"/>
-              <a:gd name="connsiteX2" fmla="*/ 1278000 w 1278000"/>
-              <a:gd name="connsiteY2" fmla="*/ 1278000 h 1278000"/>
-              <a:gd name="connsiteX3" fmla="*/ 1035184 w 1278000"/>
-              <a:gd name="connsiteY3" fmla="*/ 1278000 h 1278000"/>
-              <a:gd name="connsiteX4" fmla="*/ 1035184 w 1278000"/>
-              <a:gd name="connsiteY4" fmla="*/ 242816 h 1278000"/>
-              <a:gd name="connsiteX5" fmla="*/ 0 w 1278000"/>
-              <a:gd name="connsiteY5" fmla="*/ 242816 h 1278000"/>
-            </a:gdLst>
-            <a:ahLst/>
-            <a:cxnLst>
-              <a:cxn ang="0">
-                <a:pos x="connsiteX0" y="connsiteY0"/>
-              </a:cxn>
-              <a:cxn ang="0">
-                <a:pos x="connsiteX1" y="connsiteY1"/>
-              </a:cxn>
-              <a:cxn ang="0">
-                <a:pos x="connsiteX2" y="connsiteY2"/>
-              </a:cxn>
-              <a:cxn ang="0">
-                <a:pos x="connsiteX3" y="connsiteY3"/>
-              </a:cxn>
-              <a:cxn ang="0">
-                <a:pos x="connsiteX4" y="connsiteY4"/>
-              </a:cxn>
-              <a:cxn ang="0">
-                <a:pos x="connsiteX5" y="connsiteY5"/>
-              </a:cxn>
-            </a:cxnLst>
-            <a:rect l="l" t="t" r="r" b="b"/>
-            <a:pathLst>
-              <a:path w="1278000" h="1278000">
-                <a:moveTo>
-                  <a:pt x="0" y="0"/>
-                </a:moveTo>
-                <a:lnTo>
-                  <a:pt x="1278000" y="0"/>
-                </a:lnTo>
-                <a:lnTo>
-                  <a:pt x="1278000" y="1278000"/>
-                </a:lnTo>
-                <a:lnTo>
-                  <a:pt x="1035184" y="1278000"/>
-                </a:lnTo>
-                <a:lnTo>
-                  <a:pt x="1035184" y="242816"/>
-                </a:lnTo>
-                <a:lnTo>
-                  <a:pt x="0" y="242816"/>
-                </a:lnTo>
-                <a:close/>
-              </a:path>
-            </a:pathLst>
-          </a:custGeom>
-          <a:solidFill>
-            <a:schemeClr val="tx2">
-              <a:lumMod val="60000"/>
-              <a:lumOff val="40000"/>
-            </a:schemeClr>
-          </a:solidFill>
-          <a:ln w="25400">
-            <a:noFill/>
-          </a:ln>
-        </p:spPr>
-        <p:style>
-          <a:lnRef idx="2">
-            <a:schemeClr val="accent1">
-              <a:shade val="50000"/>
-            </a:schemeClr>
-          </a:lnRef>
-          <a:fillRef idx="1">
-            <a:schemeClr val="accent1"/>
-          </a:fillRef>
-          <a:effectRef idx="0">
-            <a:schemeClr val="accent1"/>
-          </a:effectRef>
-          <a:fontRef idx="minor">
-            <a:schemeClr val="lt1"/>
-          </a:fontRef>
-        </p:style>
-        <p:txBody>
-          <a:bodyPr wrap="square" rtlCol="0" anchor="ctr">
-            <a:noAutofit/>
-          </a:bodyPr>
-          <a:lstStyle/>
-          <a:p>
-            <a:pPr algn="ctr"/>
-            <a:endParaRPr kumimoji="1" lang="ja-JP" altLang="en-US">
-              <a:solidFill>
-                <a:schemeClr val="tx2">
-                  <a:lumMod val="75000"/>
-                </a:schemeClr>
-              </a:solidFill>
-            </a:endParaRPr>
-          </a:p>
-        </p:txBody>
-      </p:sp>
-      <p:sp>
-        <p:nvSpPr>
-          <p:cNvPr id="8" name="フリーフォーム: 図形 7">
-            <a:extLst>
-              <a:ext uri="{FF2B5EF4-FFF2-40B4-BE49-F238E27FC236}">
-                <a16:creationId xmlns:a16="http://schemas.microsoft.com/office/drawing/2014/main" id="{16E5A4EA-5C2F-ABFF-06FC-97E780A01126}"/>
-              </a:ext>
-            </a:extLst>
-          </p:cNvPr>
-          <p:cNvSpPr>
-            <a:spLocks noChangeAspect="1"/>
-          </p:cNvSpPr>
-          <p:nvPr/>
-        </p:nvSpPr>
-        <p:spPr>
-          <a:xfrm rot="2700000">
-            <a:off x="977968" y="654160"/>
-            <a:ext cx="282486" cy="282486"/>
-          </a:xfrm>
-          <a:custGeom>
-            <a:avLst/>
-            <a:gdLst>
-              <a:gd name="connsiteX0" fmla="*/ 0 w 1278000"/>
-              <a:gd name="connsiteY0" fmla="*/ 0 h 1278000"/>
-              <a:gd name="connsiteX1" fmla="*/ 1278000 w 1278000"/>
-              <a:gd name="connsiteY1" fmla="*/ 0 h 1278000"/>
-              <a:gd name="connsiteX2" fmla="*/ 1278000 w 1278000"/>
-              <a:gd name="connsiteY2" fmla="*/ 1278000 h 1278000"/>
-              <a:gd name="connsiteX3" fmla="*/ 1035184 w 1278000"/>
-              <a:gd name="connsiteY3" fmla="*/ 1278000 h 1278000"/>
-              <a:gd name="connsiteX4" fmla="*/ 1035184 w 1278000"/>
-              <a:gd name="connsiteY4" fmla="*/ 242816 h 1278000"/>
-              <a:gd name="connsiteX5" fmla="*/ 0 w 1278000"/>
-              <a:gd name="connsiteY5" fmla="*/ 242816 h 1278000"/>
-            </a:gdLst>
-            <a:ahLst/>
-            <a:cxnLst>
-              <a:cxn ang="0">
-                <a:pos x="connsiteX0" y="connsiteY0"/>
-              </a:cxn>
-              <a:cxn ang="0">
-                <a:pos x="connsiteX1" y="connsiteY1"/>
-              </a:cxn>
-              <a:cxn ang="0">
-                <a:pos x="connsiteX2" y="connsiteY2"/>
-              </a:cxn>
-              <a:cxn ang="0">
-                <a:pos x="connsiteX3" y="connsiteY3"/>
-              </a:cxn>
-              <a:cxn ang="0">
-                <a:pos x="connsiteX4" y="connsiteY4"/>
-              </a:cxn>
-              <a:cxn ang="0">
-                <a:pos x="connsiteX5" y="connsiteY5"/>
-              </a:cxn>
-            </a:cxnLst>
-            <a:rect l="l" t="t" r="r" b="b"/>
-            <a:pathLst>
-              <a:path w="1278000" h="1278000">
-                <a:moveTo>
-                  <a:pt x="0" y="0"/>
-                </a:moveTo>
-                <a:lnTo>
-                  <a:pt x="1278000" y="0"/>
-                </a:lnTo>
-                <a:lnTo>
-                  <a:pt x="1278000" y="1278000"/>
-                </a:lnTo>
-                <a:lnTo>
-                  <a:pt x="1035184" y="1278000"/>
-                </a:lnTo>
-                <a:lnTo>
-                  <a:pt x="1035184" y="242816"/>
-                </a:lnTo>
-                <a:lnTo>
-                  <a:pt x="0" y="242816"/>
-                </a:lnTo>
-                <a:close/>
-              </a:path>
-            </a:pathLst>
-          </a:custGeom>
-          <a:solidFill>
-            <a:schemeClr val="tx2">
-              <a:lumMod val="60000"/>
-              <a:lumOff val="40000"/>
-            </a:schemeClr>
-          </a:solidFill>
-          <a:ln w="25400">
-            <a:noFill/>
-          </a:ln>
-        </p:spPr>
-        <p:style>
-          <a:lnRef idx="2">
-            <a:schemeClr val="accent1">
-              <a:shade val="50000"/>
-            </a:schemeClr>
-          </a:lnRef>
-          <a:fillRef idx="1">
-            <a:schemeClr val="accent1"/>
-          </a:fillRef>
-          <a:effectRef idx="0">
-            <a:schemeClr val="accent1"/>
-          </a:effectRef>
-          <a:fontRef idx="minor">
-            <a:schemeClr val="lt1"/>
-          </a:fontRef>
-        </p:style>
-        <p:txBody>
-          <a:bodyPr wrap="square" rtlCol="0" anchor="ctr">
-            <a:noAutofit/>
-          </a:bodyPr>
-          <a:lstStyle/>
-          <a:p>
-            <a:pPr algn="ctr"/>
-            <a:endParaRPr kumimoji="1" lang="ja-JP" altLang="en-US">
-              <a:solidFill>
-                <a:schemeClr val="tx2">
-                  <a:lumMod val="75000"/>
-                </a:schemeClr>
-              </a:solidFill>
-            </a:endParaRPr>
-          </a:p>
-        </p:txBody>
-      </p:sp>
-      <p:sp>
-        <p:nvSpPr>
-          <p:cNvPr id="10" name="正方形/長方形 9">
-            <a:extLst>
-              <a:ext uri="{FF2B5EF4-FFF2-40B4-BE49-F238E27FC236}">
-                <a16:creationId xmlns:a16="http://schemas.microsoft.com/office/drawing/2014/main" id="{B801156B-108A-535D-59E9-7CBCB1A0AD13}"/>
-              </a:ext>
-            </a:extLst>
-          </p:cNvPr>
-          <p:cNvSpPr/>
-          <p:nvPr/>
-        </p:nvSpPr>
-        <p:spPr>
-          <a:xfrm>
-            <a:off x="1489954" y="921367"/>
-            <a:ext cx="3005951" cy="276999"/>
-          </a:xfrm>
-          <a:prstGeom prst="rect">
-            <a:avLst/>
-          </a:prstGeom>
-        </p:spPr>
-        <p:txBody>
-          <a:bodyPr wrap="none">
-            <a:spAutoFit/>
-          </a:bodyPr>
-          <a:lstStyle/>
-          <a:p>
-            <a:r>
-              <a:rPr lang="en-US" altLang="ja-JP" sz="1200" spc="500" dirty="0">
-                <a:solidFill>
-                  <a:schemeClr val="tx2">
-                    <a:lumMod val="75000"/>
-                  </a:schemeClr>
-                </a:solidFill>
-                <a:latin typeface="Bahnschrift" panose="020B0502040204020203" pitchFamily="34" charset="0"/>
-                <a:ea typeface="Lato Black" panose="020F0502020204030203" pitchFamily="34" charset="0"/>
-                <a:cs typeface="Lato Black" panose="020F0502020204030203" pitchFamily="34" charset="0"/>
-              </a:rPr>
-              <a:t>Outline | Distribution</a:t>
-            </a:r>
-            <a:endParaRPr lang="ja-JP" altLang="en-US" sz="1200" spc="500" dirty="0">
-              <a:solidFill>
-                <a:schemeClr val="tx2">
-                  <a:lumMod val="75000"/>
-                </a:schemeClr>
-              </a:solidFill>
-              <a:latin typeface="Bahnschrift" panose="020B0502040204020203" pitchFamily="34" charset="0"/>
-              <a:ea typeface="Lato Black" panose="020F0502020204030203" pitchFamily="34" charset="0"/>
-              <a:cs typeface="Lato Black" panose="020F0502020204030203" pitchFamily="34" charset="0"/>
-            </a:endParaRPr>
-          </a:p>
-        </p:txBody>
-      </p:sp>
-      <p:sp>
-        <p:nvSpPr>
-          <p:cNvPr id="13" name="正方形/長方形 12">
-            <a:extLst>
-              <a:ext uri="{FF2B5EF4-FFF2-40B4-BE49-F238E27FC236}">
-                <a16:creationId xmlns:a16="http://schemas.microsoft.com/office/drawing/2014/main" id="{36E40967-9C6D-DD9B-8C3B-3B572E2382BF}"/>
-              </a:ext>
-            </a:extLst>
-          </p:cNvPr>
-          <p:cNvSpPr/>
-          <p:nvPr/>
-        </p:nvSpPr>
-        <p:spPr>
-          <a:xfrm>
-            <a:off x="1489954" y="459702"/>
-            <a:ext cx="4055919" cy="461665"/>
-          </a:xfrm>
-          <a:prstGeom prst="rect">
-            <a:avLst/>
-          </a:prstGeom>
-        </p:spPr>
-        <p:txBody>
-          <a:bodyPr wrap="none">
-            <a:spAutoFit/>
-          </a:bodyPr>
-          <a:lstStyle/>
-          <a:p>
-            <a:r>
-              <a:rPr lang="ja-JP" altLang="en-US" sz="2400" b="1" spc="500" dirty="0">
-                <a:solidFill>
-                  <a:schemeClr val="tx2">
-                    <a:lumMod val="75000"/>
-                  </a:schemeClr>
-                </a:solidFill>
-                <a:latin typeface="游ゴシック" panose="020B0400000000000000" pitchFamily="50" charset="-128"/>
-                <a:ea typeface="游ゴシック" panose="020B0400000000000000" pitchFamily="50" charset="-128"/>
-                <a:cs typeface="Lato Black" panose="020F0502020204030203" pitchFamily="34" charset="0"/>
-              </a:rPr>
-              <a:t>概要 「散布」について</a:t>
-            </a:r>
-          </a:p>
-        </p:txBody>
-      </p:sp>
-      <p:grpSp>
-        <p:nvGrpSpPr>
-          <p:cNvPr id="27" name="グループ化 26">
-            <a:extLst>
-              <a:ext uri="{FF2B5EF4-FFF2-40B4-BE49-F238E27FC236}">
-                <a16:creationId xmlns:a16="http://schemas.microsoft.com/office/drawing/2014/main" id="{ECB9B2E0-7D5B-4EC9-5DE8-481A67F8A54D}"/>
-              </a:ext>
-            </a:extLst>
-          </p:cNvPr>
-          <p:cNvGrpSpPr/>
-          <p:nvPr/>
-        </p:nvGrpSpPr>
-        <p:grpSpPr>
-          <a:xfrm rot="2700000">
-            <a:off x="1771743" y="1483514"/>
-            <a:ext cx="914400" cy="2951039"/>
-            <a:chOff x="834514" y="1542337"/>
-            <a:chExt cx="914400" cy="2951039"/>
-          </a:xfrm>
-        </p:grpSpPr>
-        <p:pic>
-          <p:nvPicPr>
-            <p:cNvPr id="14" name="グラフィックス 13" descr="ロケット">
-              <a:extLst>
-                <a:ext uri="{FF2B5EF4-FFF2-40B4-BE49-F238E27FC236}">
-                  <a16:creationId xmlns:a16="http://schemas.microsoft.com/office/drawing/2014/main" id="{BD1C4EF6-689C-307F-A018-DB8FB1D12BD5}"/>
-                </a:ext>
-              </a:extLst>
-            </p:cNvPr>
-            <p:cNvPicPr>
-              <a:picLocks noChangeAspect="1"/>
-            </p:cNvPicPr>
-            <p:nvPr/>
-          </p:nvPicPr>
-          <p:blipFill>
-            <a:blip r:embed="rId5">
-              <a:extLst>
-                <a:ext uri="{28A0092B-C50C-407E-A947-70E740481C1C}">
-                  <a14:useLocalDpi xmlns:a14="http://schemas.microsoft.com/office/drawing/2010/main" val="0"/>
-                </a:ext>
-                <a:ext uri="{96DAC541-7B7A-43D3-8B79-37D633B846F1}">
-                  <asvg:svgBlip xmlns:asvg="http://schemas.microsoft.com/office/drawing/2016/SVG/main" r:embed="rId6"/>
-                </a:ext>
-              </a:extLst>
-            </a:blip>
-            <a:stretch>
-              <a:fillRect/>
-            </a:stretch>
-          </p:blipFill>
-          <p:spPr>
-            <a:xfrm rot="18900000">
-              <a:off x="834514" y="1542337"/>
-              <a:ext cx="914400" cy="914400"/>
-            </a:xfrm>
-            <a:prstGeom prst="rect">
-              <a:avLst/>
-            </a:prstGeom>
-          </p:spPr>
-        </p:pic>
-        <p:grpSp>
-          <p:nvGrpSpPr>
-            <p:cNvPr id="26" name="グループ化 25">
-              <a:extLst>
-                <a:ext uri="{FF2B5EF4-FFF2-40B4-BE49-F238E27FC236}">
-                  <a16:creationId xmlns:a16="http://schemas.microsoft.com/office/drawing/2014/main" id="{741BC7AD-5CCB-BE95-9216-85B0857C4EB3}"/>
-                </a:ext>
-              </a:extLst>
-            </p:cNvPr>
-            <p:cNvGrpSpPr/>
-            <p:nvPr/>
-          </p:nvGrpSpPr>
-          <p:grpSpPr>
-            <a:xfrm>
-              <a:off x="1211561" y="2714671"/>
-              <a:ext cx="160310" cy="1778705"/>
-              <a:chOff x="1211561" y="2714671"/>
-              <a:chExt cx="160310" cy="1778705"/>
-            </a:xfrm>
-          </p:grpSpPr>
-          <p:sp>
-            <p:nvSpPr>
-              <p:cNvPr id="67" name="二等辺三角形 66">
-                <a:extLst>
-                  <a:ext uri="{FF2B5EF4-FFF2-40B4-BE49-F238E27FC236}">
-                    <a16:creationId xmlns:a16="http://schemas.microsoft.com/office/drawing/2014/main" id="{65C0F838-5594-5A4E-F6FE-48AA740546D2}"/>
-                  </a:ext>
-                </a:extLst>
-              </p:cNvPr>
-              <p:cNvSpPr/>
-              <p:nvPr/>
-            </p:nvSpPr>
-            <p:spPr>
-              <a:xfrm>
-                <a:off x="1211562" y="4355179"/>
-                <a:ext cx="160309" cy="138197"/>
-              </a:xfrm>
-              <a:prstGeom prst="triangle">
-                <a:avLst/>
-              </a:prstGeom>
-              <a:solidFill>
-                <a:schemeClr val="tx2">
-                  <a:lumMod val="75000"/>
-                </a:schemeClr>
-              </a:solidFill>
-              <a:ln>
-                <a:noFill/>
-              </a:ln>
-            </p:spPr>
-            <p:style>
-              <a:lnRef idx="2">
-                <a:schemeClr val="accent1">
-                  <a:shade val="15000"/>
-                </a:schemeClr>
-              </a:lnRef>
-              <a:fillRef idx="1">
-                <a:schemeClr val="accent1"/>
-              </a:fillRef>
-              <a:effectRef idx="0">
-                <a:schemeClr val="accent1"/>
-              </a:effectRef>
-              <a:fontRef idx="minor">
-                <a:schemeClr val="lt1"/>
-              </a:fontRef>
-            </p:style>
-            <p:txBody>
-              <a:bodyPr rtlCol="0" anchor="ctr"/>
-              <a:lstStyle/>
-              <a:p>
-                <a:pPr algn="ctr"/>
-                <a:endParaRPr kumimoji="1" lang="ja-JP" altLang="en-US"/>
-              </a:p>
-            </p:txBody>
-          </p:sp>
-          <p:sp>
-            <p:nvSpPr>
-              <p:cNvPr id="22" name="二等辺三角形 21">
-                <a:extLst>
-                  <a:ext uri="{FF2B5EF4-FFF2-40B4-BE49-F238E27FC236}">
-                    <a16:creationId xmlns:a16="http://schemas.microsoft.com/office/drawing/2014/main" id="{C286975D-0152-8711-C05C-C621FCBD3E10}"/>
-                  </a:ext>
-                </a:extLst>
-              </p:cNvPr>
-              <p:cNvSpPr/>
-              <p:nvPr/>
-            </p:nvSpPr>
-            <p:spPr>
-              <a:xfrm>
-                <a:off x="1211562" y="3945052"/>
-                <a:ext cx="160309" cy="138197"/>
-              </a:xfrm>
-              <a:prstGeom prst="triangle">
-                <a:avLst/>
-              </a:prstGeom>
-              <a:solidFill>
-                <a:schemeClr val="tx2">
-                  <a:lumMod val="75000"/>
-                </a:schemeClr>
-              </a:solidFill>
-              <a:ln>
-                <a:noFill/>
-              </a:ln>
-            </p:spPr>
-            <p:style>
-              <a:lnRef idx="2">
-                <a:schemeClr val="accent1">
-                  <a:shade val="15000"/>
-                </a:schemeClr>
-              </a:lnRef>
-              <a:fillRef idx="1">
-                <a:schemeClr val="accent1"/>
-              </a:fillRef>
-              <a:effectRef idx="0">
-                <a:schemeClr val="accent1"/>
-              </a:effectRef>
-              <a:fontRef idx="minor">
-                <a:schemeClr val="lt1"/>
-              </a:fontRef>
-            </p:style>
-            <p:txBody>
-              <a:bodyPr rtlCol="0" anchor="ctr"/>
-              <a:lstStyle/>
-              <a:p>
-                <a:pPr algn="ctr"/>
-                <a:endParaRPr kumimoji="1" lang="ja-JP" altLang="en-US"/>
-              </a:p>
-            </p:txBody>
-          </p:sp>
-          <p:sp>
-            <p:nvSpPr>
-              <p:cNvPr id="23" name="二等辺三角形 22">
-                <a:extLst>
-                  <a:ext uri="{FF2B5EF4-FFF2-40B4-BE49-F238E27FC236}">
-                    <a16:creationId xmlns:a16="http://schemas.microsoft.com/office/drawing/2014/main" id="{24E51224-2FDB-C10B-B9EA-D4FB9BA78D5B}"/>
-                  </a:ext>
-                </a:extLst>
-              </p:cNvPr>
-              <p:cNvSpPr/>
-              <p:nvPr/>
-            </p:nvSpPr>
-            <p:spPr>
-              <a:xfrm>
-                <a:off x="1211562" y="3534925"/>
-                <a:ext cx="160309" cy="138197"/>
-              </a:xfrm>
-              <a:prstGeom prst="triangle">
-                <a:avLst/>
-              </a:prstGeom>
-              <a:solidFill>
-                <a:schemeClr val="tx2">
-                  <a:lumMod val="75000"/>
-                </a:schemeClr>
-              </a:solidFill>
-              <a:ln>
-                <a:noFill/>
-              </a:ln>
-            </p:spPr>
-            <p:style>
-              <a:lnRef idx="2">
-                <a:schemeClr val="accent1">
-                  <a:shade val="15000"/>
-                </a:schemeClr>
-              </a:lnRef>
-              <a:fillRef idx="1">
-                <a:schemeClr val="accent1"/>
-              </a:fillRef>
-              <a:effectRef idx="0">
-                <a:schemeClr val="accent1"/>
-              </a:effectRef>
-              <a:fontRef idx="minor">
-                <a:schemeClr val="lt1"/>
-              </a:fontRef>
-            </p:style>
-            <p:txBody>
-              <a:bodyPr rtlCol="0" anchor="ctr"/>
-              <a:lstStyle/>
-              <a:p>
-                <a:pPr algn="ctr"/>
-                <a:endParaRPr kumimoji="1" lang="ja-JP" altLang="en-US"/>
-              </a:p>
-            </p:txBody>
-          </p:sp>
-          <p:sp>
-            <p:nvSpPr>
-              <p:cNvPr id="24" name="二等辺三角形 23">
-                <a:extLst>
-                  <a:ext uri="{FF2B5EF4-FFF2-40B4-BE49-F238E27FC236}">
-                    <a16:creationId xmlns:a16="http://schemas.microsoft.com/office/drawing/2014/main" id="{84387F73-0601-4A23-8CE2-39AB991336E1}"/>
-                  </a:ext>
-                </a:extLst>
-              </p:cNvPr>
-              <p:cNvSpPr/>
-              <p:nvPr/>
-            </p:nvSpPr>
-            <p:spPr>
-              <a:xfrm>
-                <a:off x="1211562" y="3124798"/>
-                <a:ext cx="160309" cy="138197"/>
-              </a:xfrm>
-              <a:prstGeom prst="triangle">
-                <a:avLst/>
-              </a:prstGeom>
-              <a:solidFill>
-                <a:schemeClr val="tx2">
-                  <a:lumMod val="75000"/>
-                </a:schemeClr>
-              </a:solidFill>
-              <a:ln>
-                <a:noFill/>
-              </a:ln>
-            </p:spPr>
-            <p:style>
-              <a:lnRef idx="2">
-                <a:schemeClr val="accent1">
-                  <a:shade val="15000"/>
-                </a:schemeClr>
-              </a:lnRef>
-              <a:fillRef idx="1">
-                <a:schemeClr val="accent1"/>
-              </a:fillRef>
-              <a:effectRef idx="0">
-                <a:schemeClr val="accent1"/>
-              </a:effectRef>
-              <a:fontRef idx="minor">
-                <a:schemeClr val="lt1"/>
-              </a:fontRef>
-            </p:style>
-            <p:txBody>
-              <a:bodyPr rtlCol="0" anchor="ctr"/>
-              <a:lstStyle/>
-              <a:p>
-                <a:pPr algn="ctr"/>
-                <a:endParaRPr kumimoji="1" lang="ja-JP" altLang="en-US" dirty="0"/>
-              </a:p>
-            </p:txBody>
-          </p:sp>
-          <p:sp>
-            <p:nvSpPr>
-              <p:cNvPr id="25" name="二等辺三角形 24">
-                <a:extLst>
-                  <a:ext uri="{FF2B5EF4-FFF2-40B4-BE49-F238E27FC236}">
-                    <a16:creationId xmlns:a16="http://schemas.microsoft.com/office/drawing/2014/main" id="{42676CAE-5149-F0BC-6925-FC9703DC4EAF}"/>
-                  </a:ext>
-                </a:extLst>
-              </p:cNvPr>
-              <p:cNvSpPr/>
-              <p:nvPr/>
-            </p:nvSpPr>
-            <p:spPr>
-              <a:xfrm>
-                <a:off x="1211561" y="2714671"/>
-                <a:ext cx="160309" cy="138197"/>
-              </a:xfrm>
-              <a:prstGeom prst="triangle">
-                <a:avLst/>
-              </a:prstGeom>
-              <a:solidFill>
-                <a:schemeClr val="tx2">
-                  <a:lumMod val="75000"/>
-                </a:schemeClr>
-              </a:solidFill>
-              <a:ln>
-                <a:noFill/>
-              </a:ln>
-            </p:spPr>
-            <p:style>
-              <a:lnRef idx="2">
-                <a:schemeClr val="accent1">
-                  <a:shade val="15000"/>
-                </a:schemeClr>
-              </a:lnRef>
-              <a:fillRef idx="1">
-                <a:schemeClr val="accent1"/>
-              </a:fillRef>
-              <a:effectRef idx="0">
-                <a:schemeClr val="accent1"/>
-              </a:effectRef>
-              <a:fontRef idx="minor">
-                <a:schemeClr val="lt1"/>
-              </a:fontRef>
-            </p:style>
-            <p:txBody>
-              <a:bodyPr rtlCol="0" anchor="ctr"/>
-              <a:lstStyle/>
-              <a:p>
-                <a:pPr algn="ctr"/>
-                <a:endParaRPr kumimoji="1" lang="ja-JP" altLang="en-US"/>
-              </a:p>
-            </p:txBody>
-          </p:sp>
-        </p:grpSp>
-      </p:grpSp>
-    </p:spTree>
-    <p:extLst>
-      <p:ext uri="{BB962C8B-B14F-4D97-AF65-F5344CB8AC3E}">
-        <p14:creationId xmlns:p14="http://schemas.microsoft.com/office/powerpoint/2010/main" val="176038824"/>
-      </p:ext>
-    </p:extLst>
-  </p:cSld>
-  <p:clrMapOvr>
-    <a:masterClrMapping/>
-  </p:clrMapOvr>
-  <mc:AlternateContent xmlns:mc="http://schemas.openxmlformats.org/markup-compatibility/2006" xmlns:p159="http://schemas.microsoft.com/office/powerpoint/2015/09/main">
-    <mc:Choice Requires="p159">
-      <p:transition spd="slow">
-        <p159:morph option="byObject"/>
-      </p:transition>
-    </mc:Choice>
-    <mc:Fallback xmlns="">
-      <p:transition spd="slow">
-        <p:fade/>
-      </p:transition>
-    </mc:Fallback>
-  </mc:AlternateContent>
-</p:sld>
-</file>
-
-<file path=ppt/slides/slide11.xml><?xml version="1.0" encoding="utf-8"?>
-<p:sld xmlns:a="http://schemas.openxmlformats.org/drawingml/2006/main" xmlns:r="http://schemas.openxmlformats.org/officeDocument/2006/relationships" xmlns:p="http://schemas.openxmlformats.org/presentationml/2006/main">
-  <p:cSld>
-    <p:spTree>
-      <p:nvGrpSpPr>
-        <p:cNvPr id="1" name=""/>
-        <p:cNvGrpSpPr/>
-        <p:nvPr/>
-      </p:nvGrpSpPr>
-      <p:grpSpPr>
-        <a:xfrm>
-          <a:off x="0" y="0"/>
-          <a:ext cx="0" cy="0"/>
-          <a:chOff x="0" y="0"/>
-          <a:chExt cx="0" cy="0"/>
-        </a:xfrm>
-      </p:grpSpPr>
       <p:sp>
         <p:nvSpPr>
           <p:cNvPr id="23" name="フリーフォーム: 図形 22">
@@ -6669,7 +5485,7 @@
 </p:sld>
 </file>
 
-<file path=ppt/slides/slide12.xml><?xml version="1.0" encoding="utf-8"?>
+<file path=ppt/slides/slide11.xml><?xml version="1.0" encoding="utf-8"?>
 <p:sld xmlns:a="http://schemas.openxmlformats.org/drawingml/2006/main" xmlns:r="http://schemas.openxmlformats.org/officeDocument/2006/relationships" xmlns:p="http://schemas.openxmlformats.org/presentationml/2006/main">
   <p:cSld>
     <p:spTree>
@@ -10555,9 +9371,7 @@
           <a:noFill/>
           <a:ln w="25400">
             <a:solidFill>
-              <a:schemeClr val="bg2">
-                <a:lumMod val="75000"/>
-              </a:schemeClr>
+              <a:schemeClr val="accent1"/>
             </a:solidFill>
           </a:ln>
         </p:spPr>
@@ -10693,9 +9507,7 @@
           <a:noFill/>
           <a:ln w="25400">
             <a:solidFill>
-              <a:schemeClr val="bg2">
-                <a:lumMod val="75000"/>
-              </a:schemeClr>
+              <a:schemeClr val="accent1"/>
             </a:solidFill>
           </a:ln>
         </p:spPr>
@@ -10786,6 +9598,9 @@
           <a:prstGeom prst="rect">
             <a:avLst/>
           </a:prstGeom>
+          <a:ln>
+            <a:noFill/>
+          </a:ln>
         </p:spPr>
         <p:txBody>
           <a:bodyPr vert="horz" wrap="square" lIns="0" tIns="72000" rIns="0" bIns="0" rtlCol="0">
@@ -10831,9 +9646,7 @@
           <a:noFill/>
           <a:ln w="25400">
             <a:solidFill>
-              <a:schemeClr val="bg2">
-                <a:lumMod val="75000"/>
-              </a:schemeClr>
+              <a:schemeClr val="accent1"/>
             </a:solidFill>
           </a:ln>
         </p:spPr>
@@ -10969,9 +9782,7 @@
           <a:noFill/>
           <a:ln w="25400">
             <a:solidFill>
-              <a:schemeClr val="bg2">
-                <a:lumMod val="75000"/>
-              </a:schemeClr>
+              <a:schemeClr val="accent1"/>
             </a:solidFill>
           </a:ln>
         </p:spPr>
@@ -11107,9 +9918,7 @@
           <a:noFill/>
           <a:ln w="25400">
             <a:solidFill>
-              <a:schemeClr val="bg2">
-                <a:lumMod val="75000"/>
-              </a:schemeClr>
+              <a:schemeClr val="accent1"/>
             </a:solidFill>
           </a:ln>
         </p:spPr>
@@ -17280,1667 +16089,6 @@
         </p:nvSpPr>
         <p:spPr>
           <a:xfrm rot="2700000">
-            <a:off x="407477" y="654160"/>
-            <a:ext cx="282486" cy="282486"/>
-          </a:xfrm>
-          <a:custGeom>
-            <a:avLst/>
-            <a:gdLst>
-              <a:gd name="connsiteX0" fmla="*/ 0 w 1278000"/>
-              <a:gd name="connsiteY0" fmla="*/ 0 h 1278000"/>
-              <a:gd name="connsiteX1" fmla="*/ 1278000 w 1278000"/>
-              <a:gd name="connsiteY1" fmla="*/ 0 h 1278000"/>
-              <a:gd name="connsiteX2" fmla="*/ 1278000 w 1278000"/>
-              <a:gd name="connsiteY2" fmla="*/ 1278000 h 1278000"/>
-              <a:gd name="connsiteX3" fmla="*/ 1035184 w 1278000"/>
-              <a:gd name="connsiteY3" fmla="*/ 1278000 h 1278000"/>
-              <a:gd name="connsiteX4" fmla="*/ 1035184 w 1278000"/>
-              <a:gd name="connsiteY4" fmla="*/ 242816 h 1278000"/>
-              <a:gd name="connsiteX5" fmla="*/ 0 w 1278000"/>
-              <a:gd name="connsiteY5" fmla="*/ 242816 h 1278000"/>
-            </a:gdLst>
-            <a:ahLst/>
-            <a:cxnLst>
-              <a:cxn ang="0">
-                <a:pos x="connsiteX0" y="connsiteY0"/>
-              </a:cxn>
-              <a:cxn ang="0">
-                <a:pos x="connsiteX1" y="connsiteY1"/>
-              </a:cxn>
-              <a:cxn ang="0">
-                <a:pos x="connsiteX2" y="connsiteY2"/>
-              </a:cxn>
-              <a:cxn ang="0">
-                <a:pos x="connsiteX3" y="connsiteY3"/>
-              </a:cxn>
-              <a:cxn ang="0">
-                <a:pos x="connsiteX4" y="connsiteY4"/>
-              </a:cxn>
-              <a:cxn ang="0">
-                <a:pos x="connsiteX5" y="connsiteY5"/>
-              </a:cxn>
-            </a:cxnLst>
-            <a:rect l="l" t="t" r="r" b="b"/>
-            <a:pathLst>
-              <a:path w="1278000" h="1278000">
-                <a:moveTo>
-                  <a:pt x="0" y="0"/>
-                </a:moveTo>
-                <a:lnTo>
-                  <a:pt x="1278000" y="0"/>
-                </a:lnTo>
-                <a:lnTo>
-                  <a:pt x="1278000" y="1278000"/>
-                </a:lnTo>
-                <a:lnTo>
-                  <a:pt x="1035184" y="1278000"/>
-                </a:lnTo>
-                <a:lnTo>
-                  <a:pt x="1035184" y="242816"/>
-                </a:lnTo>
-                <a:lnTo>
-                  <a:pt x="0" y="242816"/>
-                </a:lnTo>
-                <a:close/>
-              </a:path>
-            </a:pathLst>
-          </a:custGeom>
-          <a:solidFill>
-            <a:schemeClr val="tx2">
-              <a:lumMod val="60000"/>
-              <a:lumOff val="40000"/>
-            </a:schemeClr>
-          </a:solidFill>
-          <a:ln w="25400">
-            <a:noFill/>
-          </a:ln>
-        </p:spPr>
-        <p:style>
-          <a:lnRef idx="2">
-            <a:schemeClr val="accent1">
-              <a:shade val="50000"/>
-            </a:schemeClr>
-          </a:lnRef>
-          <a:fillRef idx="1">
-            <a:schemeClr val="accent1"/>
-          </a:fillRef>
-          <a:effectRef idx="0">
-            <a:schemeClr val="accent1"/>
-          </a:effectRef>
-          <a:fontRef idx="minor">
-            <a:schemeClr val="lt1"/>
-          </a:fontRef>
-        </p:style>
-        <p:txBody>
-          <a:bodyPr wrap="square" rtlCol="0" anchor="ctr">
-            <a:noAutofit/>
-          </a:bodyPr>
-          <a:lstStyle/>
-          <a:p>
-            <a:pPr algn="ctr"/>
-            <a:endParaRPr kumimoji="1" lang="ja-JP" altLang="en-US">
-              <a:solidFill>
-                <a:schemeClr val="tx2">
-                  <a:lumMod val="75000"/>
-                </a:schemeClr>
-              </a:solidFill>
-            </a:endParaRPr>
-          </a:p>
-        </p:txBody>
-      </p:sp>
-      <p:sp>
-        <p:nvSpPr>
-          <p:cNvPr id="25" name="フリーフォーム: 図形 24">
-            <a:extLst>
-              <a:ext uri="{FF2B5EF4-FFF2-40B4-BE49-F238E27FC236}">
-                <a16:creationId xmlns:a16="http://schemas.microsoft.com/office/drawing/2014/main" id="{7D4747C3-138C-A9A4-EDA1-80D82BA31056}"/>
-              </a:ext>
-            </a:extLst>
-          </p:cNvPr>
-          <p:cNvSpPr>
-            <a:spLocks noChangeAspect="1"/>
-          </p:cNvSpPr>
-          <p:nvPr/>
-        </p:nvSpPr>
-        <p:spPr>
-          <a:xfrm rot="2700000">
-            <a:off x="692723" y="654160"/>
-            <a:ext cx="282486" cy="282486"/>
-          </a:xfrm>
-          <a:custGeom>
-            <a:avLst/>
-            <a:gdLst>
-              <a:gd name="connsiteX0" fmla="*/ 0 w 1278000"/>
-              <a:gd name="connsiteY0" fmla="*/ 0 h 1278000"/>
-              <a:gd name="connsiteX1" fmla="*/ 1278000 w 1278000"/>
-              <a:gd name="connsiteY1" fmla="*/ 0 h 1278000"/>
-              <a:gd name="connsiteX2" fmla="*/ 1278000 w 1278000"/>
-              <a:gd name="connsiteY2" fmla="*/ 1278000 h 1278000"/>
-              <a:gd name="connsiteX3" fmla="*/ 1035184 w 1278000"/>
-              <a:gd name="connsiteY3" fmla="*/ 1278000 h 1278000"/>
-              <a:gd name="connsiteX4" fmla="*/ 1035184 w 1278000"/>
-              <a:gd name="connsiteY4" fmla="*/ 242816 h 1278000"/>
-              <a:gd name="connsiteX5" fmla="*/ 0 w 1278000"/>
-              <a:gd name="connsiteY5" fmla="*/ 242816 h 1278000"/>
-            </a:gdLst>
-            <a:ahLst/>
-            <a:cxnLst>
-              <a:cxn ang="0">
-                <a:pos x="connsiteX0" y="connsiteY0"/>
-              </a:cxn>
-              <a:cxn ang="0">
-                <a:pos x="connsiteX1" y="connsiteY1"/>
-              </a:cxn>
-              <a:cxn ang="0">
-                <a:pos x="connsiteX2" y="connsiteY2"/>
-              </a:cxn>
-              <a:cxn ang="0">
-                <a:pos x="connsiteX3" y="connsiteY3"/>
-              </a:cxn>
-              <a:cxn ang="0">
-                <a:pos x="connsiteX4" y="connsiteY4"/>
-              </a:cxn>
-              <a:cxn ang="0">
-                <a:pos x="connsiteX5" y="connsiteY5"/>
-              </a:cxn>
-            </a:cxnLst>
-            <a:rect l="l" t="t" r="r" b="b"/>
-            <a:pathLst>
-              <a:path w="1278000" h="1278000">
-                <a:moveTo>
-                  <a:pt x="0" y="0"/>
-                </a:moveTo>
-                <a:lnTo>
-                  <a:pt x="1278000" y="0"/>
-                </a:lnTo>
-                <a:lnTo>
-                  <a:pt x="1278000" y="1278000"/>
-                </a:lnTo>
-                <a:lnTo>
-                  <a:pt x="1035184" y="1278000"/>
-                </a:lnTo>
-                <a:lnTo>
-                  <a:pt x="1035184" y="242816"/>
-                </a:lnTo>
-                <a:lnTo>
-                  <a:pt x="0" y="242816"/>
-                </a:lnTo>
-                <a:close/>
-              </a:path>
-            </a:pathLst>
-          </a:custGeom>
-          <a:solidFill>
-            <a:schemeClr val="tx2">
-              <a:lumMod val="60000"/>
-              <a:lumOff val="40000"/>
-            </a:schemeClr>
-          </a:solidFill>
-          <a:ln w="25400">
-            <a:noFill/>
-          </a:ln>
-        </p:spPr>
-        <p:style>
-          <a:lnRef idx="2">
-            <a:schemeClr val="accent1">
-              <a:shade val="50000"/>
-            </a:schemeClr>
-          </a:lnRef>
-          <a:fillRef idx="1">
-            <a:schemeClr val="accent1"/>
-          </a:fillRef>
-          <a:effectRef idx="0">
-            <a:schemeClr val="accent1"/>
-          </a:effectRef>
-          <a:fontRef idx="minor">
-            <a:schemeClr val="lt1"/>
-          </a:fontRef>
-        </p:style>
-        <p:txBody>
-          <a:bodyPr wrap="square" rtlCol="0" anchor="ctr">
-            <a:noAutofit/>
-          </a:bodyPr>
-          <a:lstStyle/>
-          <a:p>
-            <a:pPr algn="ctr"/>
-            <a:endParaRPr kumimoji="1" lang="ja-JP" altLang="en-US">
-              <a:solidFill>
-                <a:schemeClr val="tx2">
-                  <a:lumMod val="75000"/>
-                </a:schemeClr>
-              </a:solidFill>
-            </a:endParaRPr>
-          </a:p>
-        </p:txBody>
-      </p:sp>
-      <p:sp>
-        <p:nvSpPr>
-          <p:cNvPr id="26" name="フリーフォーム: 図形 25">
-            <a:extLst>
-              <a:ext uri="{FF2B5EF4-FFF2-40B4-BE49-F238E27FC236}">
-                <a16:creationId xmlns:a16="http://schemas.microsoft.com/office/drawing/2014/main" id="{66E9A37F-AB2A-0F49-B875-1F5DDAA40C40}"/>
-              </a:ext>
-            </a:extLst>
-          </p:cNvPr>
-          <p:cNvSpPr>
-            <a:spLocks noChangeAspect="1"/>
-          </p:cNvSpPr>
-          <p:nvPr/>
-        </p:nvSpPr>
-        <p:spPr>
-          <a:xfrm rot="2700000">
-            <a:off x="977968" y="654160"/>
-            <a:ext cx="282486" cy="282486"/>
-          </a:xfrm>
-          <a:custGeom>
-            <a:avLst/>
-            <a:gdLst>
-              <a:gd name="connsiteX0" fmla="*/ 0 w 1278000"/>
-              <a:gd name="connsiteY0" fmla="*/ 0 h 1278000"/>
-              <a:gd name="connsiteX1" fmla="*/ 1278000 w 1278000"/>
-              <a:gd name="connsiteY1" fmla="*/ 0 h 1278000"/>
-              <a:gd name="connsiteX2" fmla="*/ 1278000 w 1278000"/>
-              <a:gd name="connsiteY2" fmla="*/ 1278000 h 1278000"/>
-              <a:gd name="connsiteX3" fmla="*/ 1035184 w 1278000"/>
-              <a:gd name="connsiteY3" fmla="*/ 1278000 h 1278000"/>
-              <a:gd name="connsiteX4" fmla="*/ 1035184 w 1278000"/>
-              <a:gd name="connsiteY4" fmla="*/ 242816 h 1278000"/>
-              <a:gd name="connsiteX5" fmla="*/ 0 w 1278000"/>
-              <a:gd name="connsiteY5" fmla="*/ 242816 h 1278000"/>
-            </a:gdLst>
-            <a:ahLst/>
-            <a:cxnLst>
-              <a:cxn ang="0">
-                <a:pos x="connsiteX0" y="connsiteY0"/>
-              </a:cxn>
-              <a:cxn ang="0">
-                <a:pos x="connsiteX1" y="connsiteY1"/>
-              </a:cxn>
-              <a:cxn ang="0">
-                <a:pos x="connsiteX2" y="connsiteY2"/>
-              </a:cxn>
-              <a:cxn ang="0">
-                <a:pos x="connsiteX3" y="connsiteY3"/>
-              </a:cxn>
-              <a:cxn ang="0">
-                <a:pos x="connsiteX4" y="connsiteY4"/>
-              </a:cxn>
-              <a:cxn ang="0">
-                <a:pos x="connsiteX5" y="connsiteY5"/>
-              </a:cxn>
-            </a:cxnLst>
-            <a:rect l="l" t="t" r="r" b="b"/>
-            <a:pathLst>
-              <a:path w="1278000" h="1278000">
-                <a:moveTo>
-                  <a:pt x="0" y="0"/>
-                </a:moveTo>
-                <a:lnTo>
-                  <a:pt x="1278000" y="0"/>
-                </a:lnTo>
-                <a:lnTo>
-                  <a:pt x="1278000" y="1278000"/>
-                </a:lnTo>
-                <a:lnTo>
-                  <a:pt x="1035184" y="1278000"/>
-                </a:lnTo>
-                <a:lnTo>
-                  <a:pt x="1035184" y="242816"/>
-                </a:lnTo>
-                <a:lnTo>
-                  <a:pt x="0" y="242816"/>
-                </a:lnTo>
-                <a:close/>
-              </a:path>
-            </a:pathLst>
-          </a:custGeom>
-          <a:solidFill>
-            <a:schemeClr val="tx2">
-              <a:lumMod val="60000"/>
-              <a:lumOff val="40000"/>
-            </a:schemeClr>
-          </a:solidFill>
-          <a:ln w="25400">
-            <a:noFill/>
-          </a:ln>
-        </p:spPr>
-        <p:style>
-          <a:lnRef idx="2">
-            <a:schemeClr val="accent1">
-              <a:shade val="50000"/>
-            </a:schemeClr>
-          </a:lnRef>
-          <a:fillRef idx="1">
-            <a:schemeClr val="accent1"/>
-          </a:fillRef>
-          <a:effectRef idx="0">
-            <a:schemeClr val="accent1"/>
-          </a:effectRef>
-          <a:fontRef idx="minor">
-            <a:schemeClr val="lt1"/>
-          </a:fontRef>
-        </p:style>
-        <p:txBody>
-          <a:bodyPr wrap="square" rtlCol="0" anchor="ctr">
-            <a:noAutofit/>
-          </a:bodyPr>
-          <a:lstStyle/>
-          <a:p>
-            <a:pPr algn="ctr"/>
-            <a:endParaRPr kumimoji="1" lang="ja-JP" altLang="en-US">
-              <a:solidFill>
-                <a:schemeClr val="tx2">
-                  <a:lumMod val="75000"/>
-                </a:schemeClr>
-              </a:solidFill>
-            </a:endParaRPr>
-          </a:p>
-        </p:txBody>
-      </p:sp>
-      <p:sp>
-        <p:nvSpPr>
-          <p:cNvPr id="97" name="正方形/長方形 96">
-            <a:extLst>
-              <a:ext uri="{FF2B5EF4-FFF2-40B4-BE49-F238E27FC236}">
-                <a16:creationId xmlns:a16="http://schemas.microsoft.com/office/drawing/2014/main" id="{25B83B8B-7ADF-B951-A9F1-3608C1EF766F}"/>
-              </a:ext>
-            </a:extLst>
-          </p:cNvPr>
-          <p:cNvSpPr/>
-          <p:nvPr/>
-        </p:nvSpPr>
-        <p:spPr>
-          <a:xfrm>
-            <a:off x="1489954" y="921367"/>
-            <a:ext cx="2343911" cy="276999"/>
-          </a:xfrm>
-          <a:prstGeom prst="rect">
-            <a:avLst/>
-          </a:prstGeom>
-        </p:spPr>
-        <p:txBody>
-          <a:bodyPr wrap="none">
-            <a:spAutoFit/>
-          </a:bodyPr>
-          <a:lstStyle/>
-          <a:p>
-            <a:r>
-              <a:rPr lang="en-US" altLang="ja-JP" sz="1200" spc="500" dirty="0">
-                <a:solidFill>
-                  <a:schemeClr val="tx2">
-                    <a:lumMod val="75000"/>
-                  </a:schemeClr>
-                </a:solidFill>
-                <a:latin typeface="Bahnschrift" panose="020B0502040204020203" pitchFamily="34" charset="0"/>
-                <a:ea typeface="Lato Black" panose="020F0502020204030203" pitchFamily="34" charset="0"/>
-                <a:cs typeface="Lato Black" panose="020F0502020204030203" pitchFamily="34" charset="0"/>
-              </a:rPr>
-              <a:t>Success Criteria</a:t>
-            </a:r>
-            <a:endParaRPr lang="ja-JP" altLang="en-US" sz="1200" spc="500" dirty="0">
-              <a:solidFill>
-                <a:schemeClr val="tx2">
-                  <a:lumMod val="75000"/>
-                </a:schemeClr>
-              </a:solidFill>
-              <a:latin typeface="Bahnschrift" panose="020B0502040204020203" pitchFamily="34" charset="0"/>
-              <a:ea typeface="Lato Black" panose="020F0502020204030203" pitchFamily="34" charset="0"/>
-              <a:cs typeface="Lato Black" panose="020F0502020204030203" pitchFamily="34" charset="0"/>
-            </a:endParaRPr>
-          </a:p>
-        </p:txBody>
-      </p:sp>
-      <p:sp>
-        <p:nvSpPr>
-          <p:cNvPr id="98" name="正方形/長方形 97">
-            <a:extLst>
-              <a:ext uri="{FF2B5EF4-FFF2-40B4-BE49-F238E27FC236}">
-                <a16:creationId xmlns:a16="http://schemas.microsoft.com/office/drawing/2014/main" id="{C47692DD-9128-3D7D-1F9F-C7CBD26784C6}"/>
-              </a:ext>
-            </a:extLst>
-          </p:cNvPr>
-          <p:cNvSpPr/>
-          <p:nvPr/>
-        </p:nvSpPr>
-        <p:spPr>
-          <a:xfrm>
-            <a:off x="1489954" y="459702"/>
-            <a:ext cx="3903633" cy="461665"/>
-          </a:xfrm>
-          <a:prstGeom prst="rect">
-            <a:avLst/>
-          </a:prstGeom>
-        </p:spPr>
-        <p:txBody>
-          <a:bodyPr wrap="none">
-            <a:spAutoFit/>
-          </a:bodyPr>
-          <a:lstStyle/>
-          <a:p>
-            <a:r>
-              <a:rPr lang="ja-JP" altLang="en-US" sz="2400" b="1" spc="500" dirty="0">
-                <a:solidFill>
-                  <a:schemeClr val="tx2">
-                    <a:lumMod val="75000"/>
-                  </a:schemeClr>
-                </a:solidFill>
-                <a:latin typeface="游ゴシック" panose="020B0400000000000000" pitchFamily="50" charset="-128"/>
-                <a:ea typeface="游ゴシック" panose="020B0400000000000000" pitchFamily="50" charset="-128"/>
-                <a:cs typeface="Lato Black" panose="020F0502020204030203" pitchFamily="34" charset="0"/>
-              </a:rPr>
-              <a:t>サクセスクライテリア</a:t>
-            </a:r>
-          </a:p>
-        </p:txBody>
-      </p:sp>
-      <p:sp>
-        <p:nvSpPr>
-          <p:cNvPr id="6" name="テキスト ボックス 5">
-            <a:extLst>
-              <a:ext uri="{FF2B5EF4-FFF2-40B4-BE49-F238E27FC236}">
-                <a16:creationId xmlns:a16="http://schemas.microsoft.com/office/drawing/2014/main" id="{569FF204-B12B-FDAD-980E-256F37B65037}"/>
-              </a:ext>
-            </a:extLst>
-          </p:cNvPr>
-          <p:cNvSpPr txBox="1"/>
-          <p:nvPr/>
-        </p:nvSpPr>
-        <p:spPr>
-          <a:xfrm>
-            <a:off x="6777039" y="598201"/>
-            <a:ext cx="3416320" cy="646331"/>
-          </a:xfrm>
-          <a:prstGeom prst="rect">
-            <a:avLst/>
-          </a:prstGeom>
-          <a:noFill/>
-        </p:spPr>
-        <p:txBody>
-          <a:bodyPr wrap="none" rtlCol="0">
-            <a:spAutoFit/>
-          </a:bodyPr>
-          <a:lstStyle/>
-          <a:p>
-            <a:r>
-              <a:rPr kumimoji="1" lang="ja-JP" altLang="en-US" sz="1200" b="1" dirty="0">
-                <a:latin typeface="+mn-ea"/>
-              </a:rPr>
-              <a:t>各セクション別にサクセスクライテリアを決定</a:t>
-            </a:r>
-            <a:endParaRPr kumimoji="1" lang="en-US" altLang="ja-JP" sz="1200" b="1" dirty="0">
-              <a:latin typeface="+mn-ea"/>
-            </a:endParaRPr>
-          </a:p>
-          <a:p>
-            <a:r>
-              <a:rPr lang="ja-JP" altLang="en-US" sz="1200" b="1" dirty="0">
-                <a:latin typeface="+mn-ea"/>
-              </a:rPr>
-              <a:t>→各々で評価していく</a:t>
-            </a:r>
-            <a:endParaRPr lang="en-US" altLang="ja-JP" sz="1200" b="1" dirty="0">
-              <a:latin typeface="+mn-ea"/>
-            </a:endParaRPr>
-          </a:p>
-          <a:p>
-            <a:r>
-              <a:rPr lang="ja-JP" altLang="en-US" sz="1200" b="1" dirty="0">
-                <a:latin typeface="+mn-ea"/>
-              </a:rPr>
-              <a:t>（最後に総合でまとめなくても大丈夫）</a:t>
-            </a:r>
-            <a:endParaRPr lang="en-US" altLang="ja-JP" sz="1200" b="1" dirty="0">
-              <a:latin typeface="+mn-ea"/>
-            </a:endParaRPr>
-          </a:p>
-        </p:txBody>
-      </p:sp>
-      <p:sp>
-        <p:nvSpPr>
-          <p:cNvPr id="24" name="正方形/長方形 23">
-            <a:extLst>
-              <a:ext uri="{FF2B5EF4-FFF2-40B4-BE49-F238E27FC236}">
-                <a16:creationId xmlns:a16="http://schemas.microsoft.com/office/drawing/2014/main" id="{7B8A8E53-6E20-F3BA-1B8E-EA5CB70463B6}"/>
-              </a:ext>
-            </a:extLst>
-          </p:cNvPr>
-          <p:cNvSpPr/>
-          <p:nvPr/>
-        </p:nvSpPr>
-        <p:spPr>
-          <a:xfrm>
-            <a:off x="5706512" y="2520604"/>
-            <a:ext cx="2778907" cy="1099817"/>
-          </a:xfrm>
-          <a:prstGeom prst="rect">
-            <a:avLst/>
-          </a:prstGeom>
-          <a:solidFill>
-            <a:schemeClr val="tx2">
-              <a:lumMod val="20000"/>
-              <a:lumOff val="80000"/>
-            </a:schemeClr>
-          </a:solidFill>
-          <a:ln>
-            <a:noFill/>
-          </a:ln>
-        </p:spPr>
-        <p:style>
-          <a:lnRef idx="2">
-            <a:schemeClr val="accent1">
-              <a:shade val="15000"/>
-            </a:schemeClr>
-          </a:lnRef>
-          <a:fillRef idx="1">
-            <a:schemeClr val="accent1"/>
-          </a:fillRef>
-          <a:effectRef idx="0">
-            <a:schemeClr val="accent1"/>
-          </a:effectRef>
-          <a:fontRef idx="minor">
-            <a:schemeClr val="lt1"/>
-          </a:fontRef>
-        </p:style>
-        <p:txBody>
-          <a:bodyPr rtlCol="0" anchor="ctr"/>
-          <a:lstStyle/>
-          <a:p>
-            <a:pPr algn="ctr">
-              <a:lnSpc>
-                <a:spcPct val="130000"/>
-              </a:lnSpc>
-            </a:pPr>
-            <a:r>
-              <a:rPr kumimoji="1" lang="en-US" altLang="ja-JP" b="1" spc="100" dirty="0">
-                <a:solidFill>
-                  <a:sysClr val="windowText" lastClr="000000"/>
-                </a:solidFill>
-                <a:latin typeface="+mn-ea"/>
-              </a:rPr>
-              <a:t>GPS</a:t>
-            </a:r>
-            <a:r>
-              <a:rPr kumimoji="1" lang="ja-JP" altLang="en-US" b="1" spc="100" dirty="0">
-                <a:solidFill>
-                  <a:sysClr val="windowText" lastClr="000000"/>
-                </a:solidFill>
-                <a:latin typeface="+mn-ea"/>
-              </a:rPr>
-              <a:t>情報の取得</a:t>
-            </a:r>
-          </a:p>
-        </p:txBody>
-      </p:sp>
-      <p:sp>
-        <p:nvSpPr>
-          <p:cNvPr id="27" name="正方形/長方形 26">
-            <a:extLst>
-              <a:ext uri="{FF2B5EF4-FFF2-40B4-BE49-F238E27FC236}">
-                <a16:creationId xmlns:a16="http://schemas.microsoft.com/office/drawing/2014/main" id="{772B2C20-E429-57D6-06A3-9856AEA7B03D}"/>
-              </a:ext>
-            </a:extLst>
-          </p:cNvPr>
-          <p:cNvSpPr/>
-          <p:nvPr/>
-        </p:nvSpPr>
-        <p:spPr>
-          <a:xfrm>
-            <a:off x="5706511" y="3679594"/>
-            <a:ext cx="5611742" cy="1099817"/>
-          </a:xfrm>
-          <a:prstGeom prst="rect">
-            <a:avLst/>
-          </a:prstGeom>
-          <a:solidFill>
-            <a:schemeClr val="tx2">
-              <a:lumMod val="40000"/>
-              <a:lumOff val="60000"/>
-            </a:schemeClr>
-          </a:solidFill>
-          <a:ln>
-            <a:noFill/>
-          </a:ln>
-        </p:spPr>
-        <p:style>
-          <a:lnRef idx="2">
-            <a:schemeClr val="accent1">
-              <a:shade val="15000"/>
-            </a:schemeClr>
-          </a:lnRef>
-          <a:fillRef idx="1">
-            <a:schemeClr val="accent1"/>
-          </a:fillRef>
-          <a:effectRef idx="0">
-            <a:schemeClr val="accent1"/>
-          </a:effectRef>
-          <a:fontRef idx="minor">
-            <a:schemeClr val="lt1"/>
-          </a:fontRef>
-        </p:style>
-        <p:txBody>
-          <a:bodyPr rtlCol="0" anchor="ctr"/>
-          <a:lstStyle/>
-          <a:p>
-            <a:pPr algn="ctr">
-              <a:lnSpc>
-                <a:spcPct val="130000"/>
-              </a:lnSpc>
-            </a:pPr>
-            <a:r>
-              <a:rPr kumimoji="1" lang="en-US" altLang="ja-JP" b="1" spc="100" dirty="0">
-                <a:solidFill>
-                  <a:sysClr val="windowText" lastClr="000000"/>
-                </a:solidFill>
-                <a:latin typeface="+mn-ea"/>
-              </a:rPr>
-              <a:t>TWE-LITE</a:t>
-            </a:r>
-            <a:r>
-              <a:rPr kumimoji="1" lang="ja-JP" altLang="en-US" b="1" spc="100" dirty="0">
-                <a:solidFill>
-                  <a:sysClr val="windowText" lastClr="000000"/>
-                </a:solidFill>
-                <a:latin typeface="+mn-ea"/>
-              </a:rPr>
-              <a:t>使用の無線通信で</a:t>
-            </a:r>
-          </a:p>
-          <a:p>
-            <a:pPr algn="ctr">
-              <a:lnSpc>
-                <a:spcPct val="130000"/>
-              </a:lnSpc>
-            </a:pPr>
-            <a:r>
-              <a:rPr kumimoji="1" lang="ja-JP" altLang="en-US" b="1" spc="100" dirty="0">
-                <a:solidFill>
-                  <a:sysClr val="windowText" lastClr="000000"/>
-                </a:solidFill>
-                <a:latin typeface="+mn-ea"/>
-              </a:rPr>
-              <a:t>遠隔での情報取得</a:t>
-            </a:r>
-          </a:p>
-        </p:txBody>
-      </p:sp>
-      <p:sp>
-        <p:nvSpPr>
-          <p:cNvPr id="65" name="正方形/長方形 64">
-            <a:extLst>
-              <a:ext uri="{FF2B5EF4-FFF2-40B4-BE49-F238E27FC236}">
-                <a16:creationId xmlns:a16="http://schemas.microsoft.com/office/drawing/2014/main" id="{0E4DD21E-1699-4476-203F-1AC867EC02F6}"/>
-              </a:ext>
-            </a:extLst>
-          </p:cNvPr>
-          <p:cNvSpPr/>
-          <p:nvPr/>
-        </p:nvSpPr>
-        <p:spPr>
-          <a:xfrm>
-            <a:off x="5706511" y="4836816"/>
-            <a:ext cx="5611742" cy="1099817"/>
-          </a:xfrm>
-          <a:prstGeom prst="rect">
-            <a:avLst/>
-          </a:prstGeom>
-          <a:solidFill>
-            <a:schemeClr val="tx2">
-              <a:lumMod val="60000"/>
-              <a:lumOff val="40000"/>
-            </a:schemeClr>
-          </a:solidFill>
-          <a:ln>
-            <a:noFill/>
-          </a:ln>
-        </p:spPr>
-        <p:style>
-          <a:lnRef idx="2">
-            <a:schemeClr val="accent1">
-              <a:shade val="15000"/>
-            </a:schemeClr>
-          </a:lnRef>
-          <a:fillRef idx="1">
-            <a:schemeClr val="accent1"/>
-          </a:fillRef>
-          <a:effectRef idx="0">
-            <a:schemeClr val="accent1"/>
-          </a:effectRef>
-          <a:fontRef idx="minor">
-            <a:schemeClr val="lt1"/>
-          </a:fontRef>
-        </p:style>
-        <p:txBody>
-          <a:bodyPr rtlCol="0" anchor="ctr"/>
-          <a:lstStyle/>
-          <a:p>
-            <a:pPr algn="ctr">
-              <a:lnSpc>
-                <a:spcPct val="130000"/>
-              </a:lnSpc>
-            </a:pPr>
-            <a:r>
-              <a:rPr kumimoji="1" lang="ja-JP" altLang="en-US" b="1" spc="100" dirty="0">
-                <a:solidFill>
-                  <a:sysClr val="windowText" lastClr="000000"/>
-                </a:solidFill>
-                <a:latin typeface="+mn-ea"/>
-              </a:rPr>
-              <a:t>アプリやサイトへの情報の表示</a:t>
-            </a:r>
-            <a:r>
-              <a:rPr kumimoji="1" lang="en-US" altLang="ja-JP" b="1" spc="100" dirty="0">
-                <a:solidFill>
-                  <a:sysClr val="windowText" lastClr="000000"/>
-                </a:solidFill>
-                <a:latin typeface="+mn-ea"/>
-              </a:rPr>
-              <a:t>/</a:t>
-            </a:r>
-            <a:r>
-              <a:rPr kumimoji="1" lang="ja-JP" altLang="en-US" b="1" spc="100" dirty="0">
-                <a:solidFill>
-                  <a:sysClr val="windowText" lastClr="000000"/>
-                </a:solidFill>
-                <a:latin typeface="+mn-ea"/>
-              </a:rPr>
-              <a:t>視覚化</a:t>
-            </a:r>
-          </a:p>
-        </p:txBody>
-      </p:sp>
-      <p:sp>
-        <p:nvSpPr>
-          <p:cNvPr id="68" name="正方形/長方形 67">
-            <a:extLst>
-              <a:ext uri="{FF2B5EF4-FFF2-40B4-BE49-F238E27FC236}">
-                <a16:creationId xmlns:a16="http://schemas.microsoft.com/office/drawing/2014/main" id="{E11A9833-60C9-4B42-E5B8-48EC67DC42D4}"/>
-              </a:ext>
-            </a:extLst>
-          </p:cNvPr>
-          <p:cNvSpPr/>
-          <p:nvPr/>
-        </p:nvSpPr>
-        <p:spPr>
-          <a:xfrm>
-            <a:off x="8539346" y="2520604"/>
-            <a:ext cx="2778907" cy="1099817"/>
-          </a:xfrm>
-          <a:prstGeom prst="rect">
-            <a:avLst/>
-          </a:prstGeom>
-          <a:solidFill>
-            <a:schemeClr val="tx2">
-              <a:lumMod val="20000"/>
-              <a:lumOff val="80000"/>
-            </a:schemeClr>
-          </a:solidFill>
-          <a:ln>
-            <a:noFill/>
-          </a:ln>
-        </p:spPr>
-        <p:style>
-          <a:lnRef idx="2">
-            <a:schemeClr val="accent1">
-              <a:shade val="15000"/>
-            </a:schemeClr>
-          </a:lnRef>
-          <a:fillRef idx="1">
-            <a:schemeClr val="accent1"/>
-          </a:fillRef>
-          <a:effectRef idx="0">
-            <a:schemeClr val="accent1"/>
-          </a:effectRef>
-          <a:fontRef idx="minor">
-            <a:schemeClr val="lt1"/>
-          </a:fontRef>
-        </p:style>
-        <p:txBody>
-          <a:bodyPr rtlCol="0" anchor="ctr"/>
-          <a:lstStyle/>
-          <a:p>
-            <a:pPr algn="ctr">
-              <a:lnSpc>
-                <a:spcPct val="130000"/>
-              </a:lnSpc>
-            </a:pPr>
-            <a:r>
-              <a:rPr kumimoji="1" lang="ja-JP" altLang="en-US" b="1" spc="100" dirty="0">
-                <a:solidFill>
-                  <a:sysClr val="windowText" lastClr="000000"/>
-                </a:solidFill>
-                <a:latin typeface="+mn-ea"/>
-              </a:rPr>
-              <a:t>ボタンの押下と</a:t>
-            </a:r>
-            <a:endParaRPr kumimoji="1" lang="en-US" altLang="ja-JP" b="1" spc="100" dirty="0">
-              <a:solidFill>
-                <a:sysClr val="windowText" lastClr="000000"/>
-              </a:solidFill>
-              <a:latin typeface="+mn-ea"/>
-            </a:endParaRPr>
-          </a:p>
-          <a:p>
-            <a:pPr algn="ctr">
-              <a:lnSpc>
-                <a:spcPct val="130000"/>
-              </a:lnSpc>
-            </a:pPr>
-            <a:r>
-              <a:rPr lang="ja-JP" altLang="en-US" b="1" spc="100" dirty="0">
-                <a:solidFill>
-                  <a:sysClr val="windowText" lastClr="000000"/>
-                </a:solidFill>
-                <a:latin typeface="+mn-ea"/>
-              </a:rPr>
-              <a:t>ディスプレイのリンク</a:t>
-            </a:r>
-            <a:endParaRPr kumimoji="1" lang="ja-JP" altLang="en-US" b="1" spc="100" dirty="0">
-              <a:solidFill>
-                <a:sysClr val="windowText" lastClr="000000"/>
-              </a:solidFill>
-              <a:latin typeface="+mn-ea"/>
-            </a:endParaRPr>
-          </a:p>
-        </p:txBody>
-      </p:sp>
-      <p:sp>
-        <p:nvSpPr>
-          <p:cNvPr id="2" name="正方形/長方形 1">
-            <a:extLst>
-              <a:ext uri="{FF2B5EF4-FFF2-40B4-BE49-F238E27FC236}">
-                <a16:creationId xmlns:a16="http://schemas.microsoft.com/office/drawing/2014/main" id="{246510E1-0125-43F9-3E47-34A00767C1F9}"/>
-              </a:ext>
-            </a:extLst>
-          </p:cNvPr>
-          <p:cNvSpPr/>
-          <p:nvPr/>
-        </p:nvSpPr>
-        <p:spPr>
-          <a:xfrm>
-            <a:off x="873747" y="2522371"/>
-            <a:ext cx="1940927" cy="1099818"/>
-          </a:xfrm>
-          <a:prstGeom prst="rect">
-            <a:avLst/>
-          </a:prstGeom>
-          <a:solidFill>
-            <a:schemeClr val="tx2">
-              <a:lumMod val="20000"/>
-              <a:lumOff val="80000"/>
-            </a:schemeClr>
-          </a:solidFill>
-          <a:ln>
-            <a:noFill/>
-          </a:ln>
-        </p:spPr>
-        <p:style>
-          <a:lnRef idx="2">
-            <a:schemeClr val="accent1">
-              <a:shade val="15000"/>
-            </a:schemeClr>
-          </a:lnRef>
-          <a:fillRef idx="1">
-            <a:schemeClr val="accent1"/>
-          </a:fillRef>
-          <a:effectRef idx="0">
-            <a:schemeClr val="accent1"/>
-          </a:effectRef>
-          <a:fontRef idx="minor">
-            <a:schemeClr val="lt1"/>
-          </a:fontRef>
-        </p:style>
-        <p:txBody>
-          <a:bodyPr rtlCol="0" anchor="ctr"/>
-          <a:lstStyle/>
-          <a:p>
-            <a:pPr algn="ctr"/>
-            <a:r>
-              <a:rPr kumimoji="1" lang="en-US" altLang="ja-JP" sz="2400" dirty="0">
-                <a:solidFill>
-                  <a:sysClr val="windowText" lastClr="000000"/>
-                </a:solidFill>
-                <a:latin typeface="Bahnschrift SemiBold" panose="020B0502040204020203" pitchFamily="34" charset="0"/>
-              </a:rPr>
-              <a:t>Minimum</a:t>
-            </a:r>
-            <a:endParaRPr kumimoji="1" lang="ja-JP" altLang="en-US" sz="2400" dirty="0">
-              <a:solidFill>
-                <a:sysClr val="windowText" lastClr="000000"/>
-              </a:solidFill>
-              <a:latin typeface="Bahnschrift SemiBold" panose="020B0502040204020203" pitchFamily="34" charset="0"/>
-            </a:endParaRPr>
-          </a:p>
-        </p:txBody>
-      </p:sp>
-      <p:sp>
-        <p:nvSpPr>
-          <p:cNvPr id="3" name="正方形/長方形 2">
-            <a:extLst>
-              <a:ext uri="{FF2B5EF4-FFF2-40B4-BE49-F238E27FC236}">
-                <a16:creationId xmlns:a16="http://schemas.microsoft.com/office/drawing/2014/main" id="{3FECAAA0-83F1-2B05-29A2-FC828BB58831}"/>
-              </a:ext>
-            </a:extLst>
-          </p:cNvPr>
-          <p:cNvSpPr/>
-          <p:nvPr/>
-        </p:nvSpPr>
-        <p:spPr>
-          <a:xfrm>
-            <a:off x="873746" y="3679593"/>
-            <a:ext cx="1940927" cy="1099818"/>
-          </a:xfrm>
-          <a:prstGeom prst="rect">
-            <a:avLst/>
-          </a:prstGeom>
-          <a:solidFill>
-            <a:schemeClr val="tx2">
-              <a:lumMod val="40000"/>
-              <a:lumOff val="60000"/>
-            </a:schemeClr>
-          </a:solidFill>
-          <a:ln>
-            <a:noFill/>
-          </a:ln>
-        </p:spPr>
-        <p:style>
-          <a:lnRef idx="2">
-            <a:schemeClr val="accent1">
-              <a:shade val="15000"/>
-            </a:schemeClr>
-          </a:lnRef>
-          <a:fillRef idx="1">
-            <a:schemeClr val="accent1"/>
-          </a:fillRef>
-          <a:effectRef idx="0">
-            <a:schemeClr val="accent1"/>
-          </a:effectRef>
-          <a:fontRef idx="minor">
-            <a:schemeClr val="lt1"/>
-          </a:fontRef>
-        </p:style>
-        <p:txBody>
-          <a:bodyPr rtlCol="0" anchor="ctr"/>
-          <a:lstStyle/>
-          <a:p>
-            <a:pPr algn="ctr"/>
-            <a:r>
-              <a:rPr kumimoji="1" lang="en-US" altLang="ja-JP" sz="2400" dirty="0">
-                <a:solidFill>
-                  <a:sysClr val="windowText" lastClr="000000"/>
-                </a:solidFill>
-                <a:latin typeface="Bahnschrift SemiBold" panose="020B0502040204020203" pitchFamily="34" charset="0"/>
-              </a:rPr>
-              <a:t>Full</a:t>
-            </a:r>
-            <a:endParaRPr kumimoji="1" lang="ja-JP" altLang="en-US" sz="2400" dirty="0">
-              <a:solidFill>
-                <a:sysClr val="windowText" lastClr="000000"/>
-              </a:solidFill>
-              <a:latin typeface="Bahnschrift SemiBold" panose="020B0502040204020203" pitchFamily="34" charset="0"/>
-            </a:endParaRPr>
-          </a:p>
-        </p:txBody>
-      </p:sp>
-      <p:sp>
-        <p:nvSpPr>
-          <p:cNvPr id="4" name="正方形/長方形 3">
-            <a:extLst>
-              <a:ext uri="{FF2B5EF4-FFF2-40B4-BE49-F238E27FC236}">
-                <a16:creationId xmlns:a16="http://schemas.microsoft.com/office/drawing/2014/main" id="{A7537D6E-214E-E36E-35FC-0069AEE2FF1B}"/>
-              </a:ext>
-            </a:extLst>
-          </p:cNvPr>
-          <p:cNvSpPr/>
-          <p:nvPr/>
-        </p:nvSpPr>
-        <p:spPr>
-          <a:xfrm>
-            <a:off x="873746" y="4836815"/>
-            <a:ext cx="1940927" cy="1099818"/>
-          </a:xfrm>
-          <a:prstGeom prst="rect">
-            <a:avLst/>
-          </a:prstGeom>
-          <a:solidFill>
-            <a:schemeClr val="tx2">
-              <a:lumMod val="60000"/>
-              <a:lumOff val="40000"/>
-            </a:schemeClr>
-          </a:solidFill>
-          <a:ln>
-            <a:noFill/>
-          </a:ln>
-        </p:spPr>
-        <p:style>
-          <a:lnRef idx="2">
-            <a:schemeClr val="accent1">
-              <a:shade val="15000"/>
-            </a:schemeClr>
-          </a:lnRef>
-          <a:fillRef idx="1">
-            <a:schemeClr val="accent1"/>
-          </a:fillRef>
-          <a:effectRef idx="0">
-            <a:schemeClr val="accent1"/>
-          </a:effectRef>
-          <a:fontRef idx="minor">
-            <a:schemeClr val="lt1"/>
-          </a:fontRef>
-        </p:style>
-        <p:txBody>
-          <a:bodyPr rtlCol="0" anchor="ctr"/>
-          <a:lstStyle/>
-          <a:p>
-            <a:pPr algn="ctr"/>
-            <a:r>
-              <a:rPr kumimoji="1" lang="en-US" altLang="ja-JP" sz="2400" dirty="0">
-                <a:solidFill>
-                  <a:sysClr val="windowText" lastClr="000000"/>
-                </a:solidFill>
-                <a:latin typeface="Bahnschrift SemiBold" panose="020B0502040204020203" pitchFamily="34" charset="0"/>
-              </a:rPr>
-              <a:t>Extra</a:t>
-            </a:r>
-            <a:endParaRPr kumimoji="1" lang="ja-JP" altLang="en-US" sz="2400" dirty="0">
-              <a:solidFill>
-                <a:sysClr val="windowText" lastClr="000000"/>
-              </a:solidFill>
-              <a:latin typeface="Bahnschrift SemiBold" panose="020B0502040204020203" pitchFamily="34" charset="0"/>
-            </a:endParaRPr>
-          </a:p>
-        </p:txBody>
-      </p:sp>
-      <p:sp>
-        <p:nvSpPr>
-          <p:cNvPr id="5" name="正方形/長方形 4">
-            <a:extLst>
-              <a:ext uri="{FF2B5EF4-FFF2-40B4-BE49-F238E27FC236}">
-                <a16:creationId xmlns:a16="http://schemas.microsoft.com/office/drawing/2014/main" id="{973200EE-7212-749D-9897-84D7C04DFBD2}"/>
-              </a:ext>
-            </a:extLst>
-          </p:cNvPr>
-          <p:cNvSpPr/>
-          <p:nvPr/>
-        </p:nvSpPr>
-        <p:spPr>
-          <a:xfrm>
-            <a:off x="873746" y="1969243"/>
-            <a:ext cx="1940927" cy="498192"/>
-          </a:xfrm>
-          <a:prstGeom prst="rect">
-            <a:avLst/>
-          </a:prstGeom>
-          <a:solidFill>
-            <a:schemeClr val="bg1">
-              <a:lumMod val="95000"/>
-            </a:schemeClr>
-          </a:solidFill>
-          <a:ln>
-            <a:noFill/>
-          </a:ln>
-        </p:spPr>
-        <p:style>
-          <a:lnRef idx="2">
-            <a:schemeClr val="accent1">
-              <a:shade val="15000"/>
-            </a:schemeClr>
-          </a:lnRef>
-          <a:fillRef idx="1">
-            <a:schemeClr val="accent1"/>
-          </a:fillRef>
-          <a:effectRef idx="0">
-            <a:schemeClr val="accent1"/>
-          </a:effectRef>
-          <a:fontRef idx="minor">
-            <a:schemeClr val="lt1"/>
-          </a:fontRef>
-        </p:style>
-        <p:txBody>
-          <a:bodyPr rtlCol="0" anchor="ctr"/>
-          <a:lstStyle/>
-          <a:p>
-            <a:pPr algn="ctr"/>
-            <a:r>
-              <a:rPr kumimoji="1" lang="ja-JP" altLang="en-US" sz="2000" b="1" dirty="0">
-                <a:solidFill>
-                  <a:schemeClr val="bg1">
-                    <a:lumMod val="95000"/>
-                  </a:schemeClr>
-                </a:solidFill>
-                <a:latin typeface="Bahnschrift" panose="020B0502040204020203" pitchFamily="34" charset="0"/>
-              </a:rPr>
-              <a:t>あ</a:t>
-            </a:r>
-          </a:p>
-        </p:txBody>
-      </p:sp>
-      <p:sp>
-        <p:nvSpPr>
-          <p:cNvPr id="7" name="正方形/長方形 6">
-            <a:extLst>
-              <a:ext uri="{FF2B5EF4-FFF2-40B4-BE49-F238E27FC236}">
-                <a16:creationId xmlns:a16="http://schemas.microsoft.com/office/drawing/2014/main" id="{DF260F49-3A2E-1297-9BEE-1F27C2FA1213}"/>
-              </a:ext>
-            </a:extLst>
-          </p:cNvPr>
-          <p:cNvSpPr/>
-          <p:nvPr/>
-        </p:nvSpPr>
-        <p:spPr>
-          <a:xfrm>
-            <a:off x="2868820" y="1967734"/>
-            <a:ext cx="2778907" cy="498192"/>
-          </a:xfrm>
-          <a:prstGeom prst="rect">
-            <a:avLst/>
-          </a:prstGeom>
-          <a:solidFill>
-            <a:schemeClr val="bg1">
-              <a:lumMod val="95000"/>
-            </a:schemeClr>
-          </a:solidFill>
-          <a:ln>
-            <a:noFill/>
-          </a:ln>
-        </p:spPr>
-        <p:style>
-          <a:lnRef idx="2">
-            <a:schemeClr val="accent1">
-              <a:shade val="15000"/>
-            </a:schemeClr>
-          </a:lnRef>
-          <a:fillRef idx="1">
-            <a:schemeClr val="accent1"/>
-          </a:fillRef>
-          <a:effectRef idx="0">
-            <a:schemeClr val="accent1"/>
-          </a:effectRef>
-          <a:fontRef idx="minor">
-            <a:schemeClr val="lt1"/>
-          </a:fontRef>
-        </p:style>
-        <p:txBody>
-          <a:bodyPr rtlCol="0" anchor="ctr"/>
-          <a:lstStyle/>
-          <a:p>
-            <a:pPr algn="ctr"/>
-            <a:r>
-              <a:rPr kumimoji="1" lang="ja-JP" altLang="en-US" b="1" spc="100" dirty="0">
-                <a:solidFill>
-                  <a:sysClr val="windowText" lastClr="000000"/>
-                </a:solidFill>
-                <a:latin typeface="Bahnschrift" panose="020B0502040204020203" pitchFamily="34" charset="0"/>
-              </a:rPr>
-              <a:t>子機の放出</a:t>
-            </a:r>
-          </a:p>
-        </p:txBody>
-      </p:sp>
-      <p:sp>
-        <p:nvSpPr>
-          <p:cNvPr id="8" name="正方形/長方形 7">
-            <a:extLst>
-              <a:ext uri="{FF2B5EF4-FFF2-40B4-BE49-F238E27FC236}">
-                <a16:creationId xmlns:a16="http://schemas.microsoft.com/office/drawing/2014/main" id="{D098F013-E451-6CF8-87D6-E30BC4F31509}"/>
-              </a:ext>
-            </a:extLst>
-          </p:cNvPr>
-          <p:cNvSpPr/>
-          <p:nvPr/>
-        </p:nvSpPr>
-        <p:spPr>
-          <a:xfrm>
-            <a:off x="5706292" y="1967733"/>
-            <a:ext cx="2778907" cy="498192"/>
-          </a:xfrm>
-          <a:prstGeom prst="rect">
-            <a:avLst/>
-          </a:prstGeom>
-          <a:solidFill>
-            <a:schemeClr val="bg1">
-              <a:lumMod val="95000"/>
-            </a:schemeClr>
-          </a:solidFill>
-          <a:ln>
-            <a:noFill/>
-          </a:ln>
-        </p:spPr>
-        <p:style>
-          <a:lnRef idx="2">
-            <a:schemeClr val="accent1">
-              <a:shade val="15000"/>
-            </a:schemeClr>
-          </a:lnRef>
-          <a:fillRef idx="1">
-            <a:schemeClr val="accent1"/>
-          </a:fillRef>
-          <a:effectRef idx="0">
-            <a:schemeClr val="accent1"/>
-          </a:effectRef>
-          <a:fontRef idx="minor">
-            <a:schemeClr val="lt1"/>
-          </a:fontRef>
-        </p:style>
-        <p:txBody>
-          <a:bodyPr rtlCol="0" anchor="ctr"/>
-          <a:lstStyle/>
-          <a:p>
-            <a:pPr algn="ctr"/>
-            <a:r>
-              <a:rPr kumimoji="1" lang="en-US" altLang="ja-JP" b="1" spc="100" dirty="0">
-                <a:solidFill>
-                  <a:sysClr val="windowText" lastClr="000000"/>
-                </a:solidFill>
-                <a:latin typeface="+mn-ea"/>
-              </a:rPr>
-              <a:t>GPS</a:t>
-            </a:r>
-            <a:endParaRPr kumimoji="1" lang="ja-JP" altLang="en-US" b="1" spc="100" dirty="0">
-              <a:solidFill>
-                <a:sysClr val="windowText" lastClr="000000"/>
-              </a:solidFill>
-              <a:latin typeface="+mn-ea"/>
-            </a:endParaRPr>
-          </a:p>
-        </p:txBody>
-      </p:sp>
-      <p:sp>
-        <p:nvSpPr>
-          <p:cNvPr id="9" name="正方形/長方形 8">
-            <a:extLst>
-              <a:ext uri="{FF2B5EF4-FFF2-40B4-BE49-F238E27FC236}">
-                <a16:creationId xmlns:a16="http://schemas.microsoft.com/office/drawing/2014/main" id="{87C4C353-254C-9FE0-D7BC-31817BEECE85}"/>
-              </a:ext>
-            </a:extLst>
-          </p:cNvPr>
-          <p:cNvSpPr/>
-          <p:nvPr/>
-        </p:nvSpPr>
-        <p:spPr>
-          <a:xfrm>
-            <a:off x="8539346" y="1967733"/>
-            <a:ext cx="2778907" cy="498192"/>
-          </a:xfrm>
-          <a:prstGeom prst="rect">
-            <a:avLst/>
-          </a:prstGeom>
-          <a:solidFill>
-            <a:schemeClr val="bg1">
-              <a:lumMod val="95000"/>
-            </a:schemeClr>
-          </a:solidFill>
-          <a:ln>
-            <a:noFill/>
-          </a:ln>
-        </p:spPr>
-        <p:style>
-          <a:lnRef idx="2">
-            <a:schemeClr val="accent1">
-              <a:shade val="15000"/>
-            </a:schemeClr>
-          </a:lnRef>
-          <a:fillRef idx="1">
-            <a:schemeClr val="accent1"/>
-          </a:fillRef>
-          <a:effectRef idx="0">
-            <a:schemeClr val="accent1"/>
-          </a:effectRef>
-          <a:fontRef idx="minor">
-            <a:schemeClr val="lt1"/>
-          </a:fontRef>
-        </p:style>
-        <p:txBody>
-          <a:bodyPr rtlCol="0" anchor="ctr"/>
-          <a:lstStyle/>
-          <a:p>
-            <a:pPr algn="ctr"/>
-            <a:r>
-              <a:rPr kumimoji="1" lang="ja-JP" altLang="en-US" b="1" spc="100" dirty="0">
-                <a:solidFill>
-                  <a:sysClr val="windowText" lastClr="000000"/>
-                </a:solidFill>
-                <a:latin typeface="Bahnschrift" panose="020B0502040204020203" pitchFamily="34" charset="0"/>
-              </a:rPr>
-              <a:t>ディスプレイ</a:t>
-            </a:r>
-            <a:r>
-              <a:rPr kumimoji="1" lang="en-US" altLang="ja-JP" b="1" spc="100" dirty="0">
-                <a:solidFill>
-                  <a:sysClr val="windowText" lastClr="000000"/>
-                </a:solidFill>
-                <a:latin typeface="Bahnschrift" panose="020B0502040204020203" pitchFamily="34" charset="0"/>
-              </a:rPr>
-              <a:t>/</a:t>
-            </a:r>
-            <a:r>
-              <a:rPr kumimoji="1" lang="ja-JP" altLang="en-US" b="1" spc="100" dirty="0">
-                <a:solidFill>
-                  <a:sysClr val="windowText" lastClr="000000"/>
-                </a:solidFill>
-                <a:latin typeface="Bahnschrift" panose="020B0502040204020203" pitchFamily="34" charset="0"/>
-              </a:rPr>
-              <a:t>ボタン</a:t>
-            </a:r>
-          </a:p>
-        </p:txBody>
-      </p:sp>
-      <p:sp>
-        <p:nvSpPr>
-          <p:cNvPr id="10" name="正方形/長方形 9">
-            <a:extLst>
-              <a:ext uri="{FF2B5EF4-FFF2-40B4-BE49-F238E27FC236}">
-                <a16:creationId xmlns:a16="http://schemas.microsoft.com/office/drawing/2014/main" id="{309A6736-E3A3-8E43-FF96-E00611701324}"/>
-              </a:ext>
-            </a:extLst>
-          </p:cNvPr>
-          <p:cNvSpPr/>
-          <p:nvPr/>
-        </p:nvSpPr>
-        <p:spPr>
-          <a:xfrm>
-            <a:off x="2868820" y="2520604"/>
-            <a:ext cx="2778907" cy="1099817"/>
-          </a:xfrm>
-          <a:prstGeom prst="rect">
-            <a:avLst/>
-          </a:prstGeom>
-          <a:solidFill>
-            <a:schemeClr val="tx2">
-              <a:lumMod val="20000"/>
-              <a:lumOff val="80000"/>
-            </a:schemeClr>
-          </a:solidFill>
-          <a:ln>
-            <a:noFill/>
-          </a:ln>
-        </p:spPr>
-        <p:style>
-          <a:lnRef idx="2">
-            <a:schemeClr val="accent1">
-              <a:shade val="15000"/>
-            </a:schemeClr>
-          </a:lnRef>
-          <a:fillRef idx="1">
-            <a:schemeClr val="accent1"/>
-          </a:fillRef>
-          <a:effectRef idx="0">
-            <a:schemeClr val="accent1"/>
-          </a:effectRef>
-          <a:fontRef idx="minor">
-            <a:schemeClr val="lt1"/>
-          </a:fontRef>
-        </p:style>
-        <p:txBody>
-          <a:bodyPr rtlCol="0" anchor="ctr"/>
-          <a:lstStyle/>
-          <a:p>
-            <a:pPr algn="ctr">
-              <a:lnSpc>
-                <a:spcPct val="130000"/>
-              </a:lnSpc>
-            </a:pPr>
-            <a:r>
-              <a:rPr lang="en-US" altLang="ja-JP" b="1" spc="100" dirty="0">
-                <a:solidFill>
-                  <a:sysClr val="windowText" lastClr="000000"/>
-                </a:solidFill>
-                <a:latin typeface="+mn-ea"/>
-              </a:rPr>
-              <a:t>3</a:t>
-            </a:r>
-            <a:r>
-              <a:rPr kumimoji="1" lang="ja-JP" altLang="en-US" b="1" spc="100" dirty="0">
-                <a:solidFill>
-                  <a:sysClr val="windowText" lastClr="000000"/>
-                </a:solidFill>
-                <a:latin typeface="+mn-ea"/>
-              </a:rPr>
-              <a:t>基すべて放出完了</a:t>
-            </a:r>
-          </a:p>
-        </p:txBody>
-      </p:sp>
-      <p:sp>
-        <p:nvSpPr>
-          <p:cNvPr id="19" name="正方形/長方形 18">
-            <a:extLst>
-              <a:ext uri="{FF2B5EF4-FFF2-40B4-BE49-F238E27FC236}">
-                <a16:creationId xmlns:a16="http://schemas.microsoft.com/office/drawing/2014/main" id="{D35D0B59-BCFF-F602-47A6-425BA1DEE81A}"/>
-              </a:ext>
-            </a:extLst>
-          </p:cNvPr>
-          <p:cNvSpPr/>
-          <p:nvPr/>
-        </p:nvSpPr>
-        <p:spPr>
-          <a:xfrm>
-            <a:off x="2868819" y="3679594"/>
-            <a:ext cx="2778907" cy="1099817"/>
-          </a:xfrm>
-          <a:prstGeom prst="rect">
-            <a:avLst/>
-          </a:prstGeom>
-          <a:solidFill>
-            <a:schemeClr val="tx2">
-              <a:lumMod val="40000"/>
-              <a:lumOff val="60000"/>
-            </a:schemeClr>
-          </a:solidFill>
-          <a:ln>
-            <a:noFill/>
-          </a:ln>
-        </p:spPr>
-        <p:style>
-          <a:lnRef idx="2">
-            <a:schemeClr val="accent1">
-              <a:shade val="15000"/>
-            </a:schemeClr>
-          </a:lnRef>
-          <a:fillRef idx="1">
-            <a:schemeClr val="accent1"/>
-          </a:fillRef>
-          <a:effectRef idx="0">
-            <a:schemeClr val="accent1"/>
-          </a:effectRef>
-          <a:fontRef idx="minor">
-            <a:schemeClr val="lt1"/>
-          </a:fontRef>
-        </p:style>
-        <p:txBody>
-          <a:bodyPr rtlCol="0" anchor="ctr"/>
-          <a:lstStyle/>
-          <a:p>
-            <a:pPr algn="ctr">
-              <a:lnSpc>
-                <a:spcPct val="130000"/>
-              </a:lnSpc>
-            </a:pPr>
-            <a:r>
-              <a:rPr kumimoji="1" lang="ja-JP" altLang="en-US" b="1" spc="100" dirty="0">
-                <a:solidFill>
-                  <a:sysClr val="windowText" lastClr="000000"/>
-                </a:solidFill>
-                <a:latin typeface="+mn-ea"/>
-              </a:rPr>
-              <a:t>欠損や故障なし</a:t>
-            </a:r>
-            <a:endParaRPr kumimoji="1" lang="en-US" altLang="ja-JP" b="1" spc="100" dirty="0">
-              <a:solidFill>
-                <a:sysClr val="windowText" lastClr="000000"/>
-              </a:solidFill>
-              <a:latin typeface="+mn-ea"/>
-            </a:endParaRPr>
-          </a:p>
-          <a:p>
-            <a:pPr algn="ctr">
-              <a:lnSpc>
-                <a:spcPct val="130000"/>
-              </a:lnSpc>
-            </a:pPr>
-            <a:r>
-              <a:rPr lang="ja-JP" altLang="en-US" b="1" spc="100" dirty="0">
-                <a:solidFill>
-                  <a:sysClr val="windowText" lastClr="000000"/>
-                </a:solidFill>
-                <a:latin typeface="+mn-ea"/>
-              </a:rPr>
-              <a:t>＝再利用可能な状態</a:t>
-            </a:r>
-            <a:endParaRPr kumimoji="1" lang="ja-JP" altLang="en-US" b="1" spc="100" dirty="0">
-              <a:solidFill>
-                <a:sysClr val="windowText" lastClr="000000"/>
-              </a:solidFill>
-              <a:latin typeface="+mn-ea"/>
-            </a:endParaRPr>
-          </a:p>
-        </p:txBody>
-      </p:sp>
-      <p:sp>
-        <p:nvSpPr>
-          <p:cNvPr id="20" name="正方形/長方形 19">
-            <a:extLst>
-              <a:ext uri="{FF2B5EF4-FFF2-40B4-BE49-F238E27FC236}">
-                <a16:creationId xmlns:a16="http://schemas.microsoft.com/office/drawing/2014/main" id="{FD19C4ED-D9CF-B5D3-2193-A966134E50BF}"/>
-              </a:ext>
-            </a:extLst>
-          </p:cNvPr>
-          <p:cNvSpPr/>
-          <p:nvPr/>
-        </p:nvSpPr>
-        <p:spPr>
-          <a:xfrm>
-            <a:off x="2868819" y="4836816"/>
-            <a:ext cx="2778907" cy="1099817"/>
-          </a:xfrm>
-          <a:prstGeom prst="rect">
-            <a:avLst/>
-          </a:prstGeom>
-          <a:solidFill>
-            <a:schemeClr val="tx2">
-              <a:lumMod val="60000"/>
-              <a:lumOff val="40000"/>
-            </a:schemeClr>
-          </a:solidFill>
-          <a:ln>
-            <a:noFill/>
-          </a:ln>
-        </p:spPr>
-        <p:style>
-          <a:lnRef idx="2">
-            <a:schemeClr val="accent1">
-              <a:shade val="15000"/>
-            </a:schemeClr>
-          </a:lnRef>
-          <a:fillRef idx="1">
-            <a:schemeClr val="accent1"/>
-          </a:fillRef>
-          <a:effectRef idx="0">
-            <a:schemeClr val="accent1"/>
-          </a:effectRef>
-          <a:fontRef idx="minor">
-            <a:schemeClr val="lt1"/>
-          </a:fontRef>
-        </p:style>
-        <p:txBody>
-          <a:bodyPr rtlCol="0" anchor="ctr"/>
-          <a:lstStyle/>
-          <a:p>
-            <a:pPr algn="ctr">
-              <a:lnSpc>
-                <a:spcPct val="130000"/>
-              </a:lnSpc>
-            </a:pPr>
-            <a:r>
-              <a:rPr kumimoji="1" lang="ja-JP" altLang="en-US" b="1" spc="100" dirty="0">
-                <a:solidFill>
-                  <a:sysClr val="windowText" lastClr="000000"/>
-                </a:solidFill>
-                <a:latin typeface="+mn-ea"/>
-              </a:rPr>
-              <a:t>落下位置がバラバラ</a:t>
-            </a:r>
-            <a:endParaRPr kumimoji="1" lang="en-US" altLang="ja-JP" b="1" spc="100" dirty="0">
-              <a:solidFill>
-                <a:sysClr val="windowText" lastClr="000000"/>
-              </a:solidFill>
-              <a:latin typeface="+mn-ea"/>
-            </a:endParaRPr>
-          </a:p>
-          <a:p>
-            <a:pPr algn="ctr">
-              <a:lnSpc>
-                <a:spcPct val="130000"/>
-              </a:lnSpc>
-            </a:pPr>
-            <a:r>
-              <a:rPr kumimoji="1" lang="ja-JP" altLang="en-US" b="1" spc="100" dirty="0">
-                <a:solidFill>
-                  <a:sysClr val="windowText" lastClr="000000"/>
-                </a:solidFill>
-                <a:latin typeface="+mn-ea"/>
-              </a:rPr>
-              <a:t>＝広範囲をカバー</a:t>
-            </a:r>
-          </a:p>
-        </p:txBody>
-      </p:sp>
-    </p:spTree>
-    <p:extLst>
-      <p:ext uri="{BB962C8B-B14F-4D97-AF65-F5344CB8AC3E}">
-        <p14:creationId xmlns:p14="http://schemas.microsoft.com/office/powerpoint/2010/main" val="4238330602"/>
-      </p:ext>
-    </p:extLst>
-  </p:cSld>
-  <p:clrMapOvr>
-    <a:masterClrMapping/>
-  </p:clrMapOvr>
-  <mc:AlternateContent xmlns:mc="http://schemas.openxmlformats.org/markup-compatibility/2006" xmlns:p159="http://schemas.microsoft.com/office/powerpoint/2015/09/main">
-    <mc:Choice Requires="p159">
-      <p:transition spd="slow">
-        <p159:morph option="byObject"/>
-      </p:transition>
-    </mc:Choice>
-    <mc:Fallback xmlns="">
-      <p:transition spd="slow">
-        <p:fade/>
-      </p:transition>
-    </mc:Fallback>
-  </mc:AlternateContent>
-</p:sld>
-</file>
-
-<file path=ppt/slides/slide9.xml><?xml version="1.0" encoding="utf-8"?>
-<p:sld xmlns:a="http://schemas.openxmlformats.org/drawingml/2006/main" xmlns:r="http://schemas.openxmlformats.org/officeDocument/2006/relationships" xmlns:p="http://schemas.openxmlformats.org/presentationml/2006/main">
-  <p:cSld>
-    <p:spTree>
-      <p:nvGrpSpPr>
-        <p:cNvPr id="1" name=""/>
-        <p:cNvGrpSpPr/>
-        <p:nvPr/>
-      </p:nvGrpSpPr>
-      <p:grpSpPr>
-        <a:xfrm>
-          <a:off x="0" y="0"/>
-          <a:ext cx="0" cy="0"/>
-          <a:chOff x="0" y="0"/>
-          <a:chExt cx="0" cy="0"/>
-        </a:xfrm>
-      </p:grpSpPr>
-      <p:sp>
-        <p:nvSpPr>
-          <p:cNvPr id="23" name="フリーフォーム: 図形 22">
-            <a:extLst>
-              <a:ext uri="{FF2B5EF4-FFF2-40B4-BE49-F238E27FC236}">
-                <a16:creationId xmlns:a16="http://schemas.microsoft.com/office/drawing/2014/main" id="{3B424D23-E897-24AB-D339-B0CB52B653D5}"/>
-              </a:ext>
-            </a:extLst>
-          </p:cNvPr>
-          <p:cNvSpPr>
-            <a:spLocks noChangeAspect="1"/>
-          </p:cNvSpPr>
-          <p:nvPr/>
-        </p:nvSpPr>
-        <p:spPr>
-          <a:xfrm rot="2700000">
             <a:off x="667453" y="3425570"/>
             <a:ext cx="381295" cy="381295"/>
           </a:xfrm>
@@ -19712,6 +16860,2553 @@
       <p:bldP spid="12" grpId="0"/>
     </p:bldLst>
   </p:timing>
+</p:sld>
+</file>
+
+<file path=ppt/slides/slide9.xml><?xml version="1.0" encoding="utf-8"?>
+<p:sld xmlns:a="http://schemas.openxmlformats.org/drawingml/2006/main" xmlns:r="http://schemas.openxmlformats.org/officeDocument/2006/relationships" xmlns:p="http://schemas.openxmlformats.org/presentationml/2006/main">
+  <p:cSld>
+    <p:spTree>
+      <p:nvGrpSpPr>
+        <p:cNvPr id="1" name=""/>
+        <p:cNvGrpSpPr/>
+        <p:nvPr/>
+      </p:nvGrpSpPr>
+      <p:grpSpPr>
+        <a:xfrm>
+          <a:off x="0" y="0"/>
+          <a:ext cx="0" cy="0"/>
+          <a:chOff x="0" y="0"/>
+          <a:chExt cx="0" cy="0"/>
+        </a:xfrm>
+      </p:grpSpPr>
+      <p:pic>
+        <p:nvPicPr>
+          <p:cNvPr id="12" name="グラフィックス 11" descr="男の人">
+            <a:extLst>
+              <a:ext uri="{FF2B5EF4-FFF2-40B4-BE49-F238E27FC236}">
+                <a16:creationId xmlns:a16="http://schemas.microsoft.com/office/drawing/2014/main" id="{F7DDC222-B467-E05D-763B-871494F987B1}"/>
+              </a:ext>
+            </a:extLst>
+          </p:cNvPr>
+          <p:cNvPicPr>
+            <a:picLocks noChangeAspect="1"/>
+          </p:cNvPicPr>
+          <p:nvPr/>
+        </p:nvPicPr>
+        <p:blipFill>
+          <a:blip r:embed="rId2">
+            <a:extLst>
+              <a:ext uri="{28A0092B-C50C-407E-A947-70E740481C1C}">
+                <a14:useLocalDpi xmlns:a14="http://schemas.microsoft.com/office/drawing/2010/main" val="0"/>
+              </a:ext>
+              <a:ext uri="{96DAC541-7B7A-43D3-8B79-37D633B846F1}">
+                <asvg:svgBlip xmlns:asvg="http://schemas.microsoft.com/office/drawing/2016/SVG/main" r:embed="rId3"/>
+              </a:ext>
+            </a:extLst>
+          </a:blip>
+          <a:stretch>
+            <a:fillRect/>
+          </a:stretch>
+        </p:blipFill>
+        <p:spPr>
+          <a:xfrm>
+            <a:off x="1980429" y="4384268"/>
+            <a:ext cx="1255059" cy="1255059"/>
+          </a:xfrm>
+          <a:prstGeom prst="rect">
+            <a:avLst/>
+          </a:prstGeom>
+        </p:spPr>
+      </p:pic>
+      <p:pic>
+        <p:nvPicPr>
+          <p:cNvPr id="11" name="グラフィックス 10" descr="男の人">
+            <a:extLst>
+              <a:ext uri="{FF2B5EF4-FFF2-40B4-BE49-F238E27FC236}">
+                <a16:creationId xmlns:a16="http://schemas.microsoft.com/office/drawing/2014/main" id="{E5928167-7A76-B9A8-3D1A-81B1E5025BA3}"/>
+              </a:ext>
+            </a:extLst>
+          </p:cNvPr>
+          <p:cNvPicPr>
+            <a:picLocks noChangeAspect="1"/>
+          </p:cNvPicPr>
+          <p:nvPr/>
+        </p:nvPicPr>
+        <p:blipFill>
+          <a:blip r:embed="rId2">
+            <a:extLst>
+              <a:ext uri="{28A0092B-C50C-407E-A947-70E740481C1C}">
+                <a14:useLocalDpi xmlns:a14="http://schemas.microsoft.com/office/drawing/2010/main" val="0"/>
+              </a:ext>
+              <a:ext uri="{96DAC541-7B7A-43D3-8B79-37D633B846F1}">
+                <asvg:svgBlip xmlns:asvg="http://schemas.microsoft.com/office/drawing/2016/SVG/main" r:embed="rId3"/>
+              </a:ext>
+            </a:extLst>
+          </a:blip>
+          <a:stretch>
+            <a:fillRect/>
+          </a:stretch>
+        </p:blipFill>
+        <p:spPr>
+          <a:xfrm>
+            <a:off x="5087694" y="4384267"/>
+            <a:ext cx="1255059" cy="1255059"/>
+          </a:xfrm>
+          <a:prstGeom prst="rect">
+            <a:avLst/>
+          </a:prstGeom>
+        </p:spPr>
+      </p:pic>
+      <p:pic>
+        <p:nvPicPr>
+          <p:cNvPr id="6" name="グラフィックス 5" descr="男の人">
+            <a:extLst>
+              <a:ext uri="{FF2B5EF4-FFF2-40B4-BE49-F238E27FC236}">
+                <a16:creationId xmlns:a16="http://schemas.microsoft.com/office/drawing/2014/main" id="{12A9F86C-3214-86FF-C17C-D38191120B5A}"/>
+              </a:ext>
+            </a:extLst>
+          </p:cNvPr>
+          <p:cNvPicPr>
+            <a:picLocks noChangeAspect="1"/>
+          </p:cNvPicPr>
+          <p:nvPr/>
+        </p:nvPicPr>
+        <p:blipFill>
+          <a:blip r:embed="rId2">
+            <a:extLst>
+              <a:ext uri="{28A0092B-C50C-407E-A947-70E740481C1C}">
+                <a14:useLocalDpi xmlns:a14="http://schemas.microsoft.com/office/drawing/2010/main" val="0"/>
+              </a:ext>
+              <a:ext uri="{96DAC541-7B7A-43D3-8B79-37D633B846F1}">
+                <asvg:svgBlip xmlns:asvg="http://schemas.microsoft.com/office/drawing/2016/SVG/main" r:embed="rId4"/>
+              </a:ext>
+            </a:extLst>
+          </a:blip>
+          <a:stretch>
+            <a:fillRect/>
+          </a:stretch>
+        </p:blipFill>
+        <p:spPr>
+          <a:xfrm>
+            <a:off x="8194959" y="4384267"/>
+            <a:ext cx="1255059" cy="1255059"/>
+          </a:xfrm>
+          <a:prstGeom prst="rect">
+            <a:avLst/>
+          </a:prstGeom>
+        </p:spPr>
+      </p:pic>
+      <p:sp>
+        <p:nvSpPr>
+          <p:cNvPr id="64" name="テキスト ボックス 63">
+            <a:extLst>
+              <a:ext uri="{FF2B5EF4-FFF2-40B4-BE49-F238E27FC236}">
+                <a16:creationId xmlns:a16="http://schemas.microsoft.com/office/drawing/2014/main" id="{892CC80B-0DC1-A36C-4A43-A9FF8EAEBCB6}"/>
+              </a:ext>
+            </a:extLst>
+          </p:cNvPr>
+          <p:cNvSpPr txBox="1"/>
+          <p:nvPr/>
+        </p:nvSpPr>
+        <p:spPr>
+          <a:xfrm>
+            <a:off x="1371322" y="1487856"/>
+            <a:ext cx="1557162" cy="369332"/>
+          </a:xfrm>
+          <a:prstGeom prst="rect">
+            <a:avLst/>
+          </a:prstGeom>
+          <a:noFill/>
+        </p:spPr>
+        <p:txBody>
+          <a:bodyPr wrap="square" rtlCol="0">
+            <a:spAutoFit/>
+          </a:bodyPr>
+          <a:lstStyle/>
+          <a:p>
+            <a:pPr algn="ctr"/>
+            <a:r>
+              <a:rPr kumimoji="1" lang="en-US" altLang="ja-JP" spc="300" dirty="0">
+                <a:solidFill>
+                  <a:schemeClr val="tx2">
+                    <a:lumMod val="75000"/>
+                  </a:schemeClr>
+                </a:solidFill>
+                <a:latin typeface="Bahnschrift" panose="020B0502040204020203" pitchFamily="34" charset="0"/>
+              </a:rPr>
+              <a:t>Rocket</a:t>
+            </a:r>
+            <a:endParaRPr kumimoji="1" lang="ja-JP" altLang="en-US" spc="300" dirty="0">
+              <a:solidFill>
+                <a:schemeClr val="tx2">
+                  <a:lumMod val="75000"/>
+                </a:schemeClr>
+              </a:solidFill>
+              <a:latin typeface="Bahnschrift" panose="020B0502040204020203" pitchFamily="34" charset="0"/>
+            </a:endParaRPr>
+          </a:p>
+        </p:txBody>
+      </p:sp>
+      <p:sp>
+        <p:nvSpPr>
+          <p:cNvPr id="2" name="テキスト ボックス 1">
+            <a:extLst>
+              <a:ext uri="{FF2B5EF4-FFF2-40B4-BE49-F238E27FC236}">
+                <a16:creationId xmlns:a16="http://schemas.microsoft.com/office/drawing/2014/main" id="{252E7F5C-4DDB-833E-9A45-847AAB1CDC88}"/>
+              </a:ext>
+            </a:extLst>
+          </p:cNvPr>
+          <p:cNvSpPr txBox="1"/>
+          <p:nvPr/>
+        </p:nvSpPr>
+        <p:spPr>
+          <a:xfrm>
+            <a:off x="1829377" y="5736210"/>
+            <a:ext cx="1557162" cy="369332"/>
+          </a:xfrm>
+          <a:prstGeom prst="rect">
+            <a:avLst/>
+          </a:prstGeom>
+          <a:noFill/>
+        </p:spPr>
+        <p:txBody>
+          <a:bodyPr wrap="square" rtlCol="0">
+            <a:spAutoFit/>
+          </a:bodyPr>
+          <a:lstStyle/>
+          <a:p>
+            <a:pPr algn="ctr"/>
+            <a:r>
+              <a:rPr kumimoji="1" lang="en-US" altLang="ja-JP" spc="300" dirty="0">
+                <a:solidFill>
+                  <a:schemeClr val="tx2">
+                    <a:lumMod val="75000"/>
+                  </a:schemeClr>
+                </a:solidFill>
+                <a:latin typeface="Bahnschrift" panose="020B0502040204020203" pitchFamily="34" charset="0"/>
+              </a:rPr>
+              <a:t>Victim</a:t>
+            </a:r>
+            <a:endParaRPr kumimoji="1" lang="ja-JP" altLang="en-US" spc="300" dirty="0">
+              <a:solidFill>
+                <a:schemeClr val="tx2">
+                  <a:lumMod val="75000"/>
+                </a:schemeClr>
+              </a:solidFill>
+              <a:latin typeface="Bahnschrift" panose="020B0502040204020203" pitchFamily="34" charset="0"/>
+            </a:endParaRPr>
+          </a:p>
+        </p:txBody>
+      </p:sp>
+      <p:sp>
+        <p:nvSpPr>
+          <p:cNvPr id="3" name="テキスト ボックス 2">
+            <a:extLst>
+              <a:ext uri="{FF2B5EF4-FFF2-40B4-BE49-F238E27FC236}">
+                <a16:creationId xmlns:a16="http://schemas.microsoft.com/office/drawing/2014/main" id="{7BFE9C9A-B47E-05D2-4F69-B4D93C409755}"/>
+              </a:ext>
+            </a:extLst>
+          </p:cNvPr>
+          <p:cNvSpPr txBox="1"/>
+          <p:nvPr/>
+        </p:nvSpPr>
+        <p:spPr>
+          <a:xfrm>
+            <a:off x="4936642" y="5736210"/>
+            <a:ext cx="1557162" cy="369332"/>
+          </a:xfrm>
+          <a:prstGeom prst="rect">
+            <a:avLst/>
+          </a:prstGeom>
+          <a:noFill/>
+        </p:spPr>
+        <p:txBody>
+          <a:bodyPr wrap="square" rtlCol="0">
+            <a:spAutoFit/>
+          </a:bodyPr>
+          <a:lstStyle/>
+          <a:p>
+            <a:pPr algn="ctr"/>
+            <a:r>
+              <a:rPr kumimoji="1" lang="en-US" altLang="ja-JP" spc="300" dirty="0">
+                <a:solidFill>
+                  <a:schemeClr val="tx2">
+                    <a:lumMod val="75000"/>
+                  </a:schemeClr>
+                </a:solidFill>
+                <a:latin typeface="Bahnschrift" panose="020B0502040204020203" pitchFamily="34" charset="0"/>
+              </a:rPr>
+              <a:t>Victim</a:t>
+            </a:r>
+            <a:endParaRPr kumimoji="1" lang="ja-JP" altLang="en-US" spc="300" dirty="0">
+              <a:solidFill>
+                <a:schemeClr val="tx2">
+                  <a:lumMod val="75000"/>
+                </a:schemeClr>
+              </a:solidFill>
+              <a:latin typeface="Bahnschrift" panose="020B0502040204020203" pitchFamily="34" charset="0"/>
+            </a:endParaRPr>
+          </a:p>
+        </p:txBody>
+      </p:sp>
+      <p:sp>
+        <p:nvSpPr>
+          <p:cNvPr id="4" name="テキスト ボックス 3">
+            <a:extLst>
+              <a:ext uri="{FF2B5EF4-FFF2-40B4-BE49-F238E27FC236}">
+                <a16:creationId xmlns:a16="http://schemas.microsoft.com/office/drawing/2014/main" id="{6381F757-A3CF-084E-F187-1B9000B4EF8C}"/>
+              </a:ext>
+            </a:extLst>
+          </p:cNvPr>
+          <p:cNvSpPr txBox="1"/>
+          <p:nvPr/>
+        </p:nvSpPr>
+        <p:spPr>
+          <a:xfrm>
+            <a:off x="8043907" y="5736210"/>
+            <a:ext cx="1557162" cy="369332"/>
+          </a:xfrm>
+          <a:prstGeom prst="rect">
+            <a:avLst/>
+          </a:prstGeom>
+          <a:noFill/>
+        </p:spPr>
+        <p:txBody>
+          <a:bodyPr wrap="square" rtlCol="0">
+            <a:spAutoFit/>
+          </a:bodyPr>
+          <a:lstStyle/>
+          <a:p>
+            <a:pPr algn="ctr"/>
+            <a:r>
+              <a:rPr kumimoji="1" lang="en-US" altLang="ja-JP" spc="300" dirty="0">
+                <a:solidFill>
+                  <a:schemeClr val="tx2">
+                    <a:lumMod val="75000"/>
+                  </a:schemeClr>
+                </a:solidFill>
+                <a:latin typeface="Bahnschrift" panose="020B0502040204020203" pitchFamily="34" charset="0"/>
+              </a:rPr>
+              <a:t>Victim</a:t>
+            </a:r>
+            <a:endParaRPr kumimoji="1" lang="ja-JP" altLang="en-US" spc="300" dirty="0">
+              <a:solidFill>
+                <a:schemeClr val="tx2">
+                  <a:lumMod val="75000"/>
+                </a:schemeClr>
+              </a:solidFill>
+              <a:latin typeface="Bahnschrift" panose="020B0502040204020203" pitchFamily="34" charset="0"/>
+            </a:endParaRPr>
+          </a:p>
+        </p:txBody>
+      </p:sp>
+      <p:sp>
+        <p:nvSpPr>
+          <p:cNvPr id="5" name="フリーフォーム: 図形 4">
+            <a:extLst>
+              <a:ext uri="{FF2B5EF4-FFF2-40B4-BE49-F238E27FC236}">
+                <a16:creationId xmlns:a16="http://schemas.microsoft.com/office/drawing/2014/main" id="{A96D8D4A-2400-B668-492F-2AAED27992A3}"/>
+              </a:ext>
+            </a:extLst>
+          </p:cNvPr>
+          <p:cNvSpPr>
+            <a:spLocks noChangeAspect="1"/>
+          </p:cNvSpPr>
+          <p:nvPr/>
+        </p:nvSpPr>
+        <p:spPr>
+          <a:xfrm rot="2700000">
+            <a:off x="407477" y="654160"/>
+            <a:ext cx="282486" cy="282486"/>
+          </a:xfrm>
+          <a:custGeom>
+            <a:avLst/>
+            <a:gdLst>
+              <a:gd name="connsiteX0" fmla="*/ 0 w 1278000"/>
+              <a:gd name="connsiteY0" fmla="*/ 0 h 1278000"/>
+              <a:gd name="connsiteX1" fmla="*/ 1278000 w 1278000"/>
+              <a:gd name="connsiteY1" fmla="*/ 0 h 1278000"/>
+              <a:gd name="connsiteX2" fmla="*/ 1278000 w 1278000"/>
+              <a:gd name="connsiteY2" fmla="*/ 1278000 h 1278000"/>
+              <a:gd name="connsiteX3" fmla="*/ 1035184 w 1278000"/>
+              <a:gd name="connsiteY3" fmla="*/ 1278000 h 1278000"/>
+              <a:gd name="connsiteX4" fmla="*/ 1035184 w 1278000"/>
+              <a:gd name="connsiteY4" fmla="*/ 242816 h 1278000"/>
+              <a:gd name="connsiteX5" fmla="*/ 0 w 1278000"/>
+              <a:gd name="connsiteY5" fmla="*/ 242816 h 1278000"/>
+            </a:gdLst>
+            <a:ahLst/>
+            <a:cxnLst>
+              <a:cxn ang="0">
+                <a:pos x="connsiteX0" y="connsiteY0"/>
+              </a:cxn>
+              <a:cxn ang="0">
+                <a:pos x="connsiteX1" y="connsiteY1"/>
+              </a:cxn>
+              <a:cxn ang="0">
+                <a:pos x="connsiteX2" y="connsiteY2"/>
+              </a:cxn>
+              <a:cxn ang="0">
+                <a:pos x="connsiteX3" y="connsiteY3"/>
+              </a:cxn>
+              <a:cxn ang="0">
+                <a:pos x="connsiteX4" y="connsiteY4"/>
+              </a:cxn>
+              <a:cxn ang="0">
+                <a:pos x="connsiteX5" y="connsiteY5"/>
+              </a:cxn>
+            </a:cxnLst>
+            <a:rect l="l" t="t" r="r" b="b"/>
+            <a:pathLst>
+              <a:path w="1278000" h="1278000">
+                <a:moveTo>
+                  <a:pt x="0" y="0"/>
+                </a:moveTo>
+                <a:lnTo>
+                  <a:pt x="1278000" y="0"/>
+                </a:lnTo>
+                <a:lnTo>
+                  <a:pt x="1278000" y="1278000"/>
+                </a:lnTo>
+                <a:lnTo>
+                  <a:pt x="1035184" y="1278000"/>
+                </a:lnTo>
+                <a:lnTo>
+                  <a:pt x="1035184" y="242816"/>
+                </a:lnTo>
+                <a:lnTo>
+                  <a:pt x="0" y="242816"/>
+                </a:lnTo>
+                <a:close/>
+              </a:path>
+            </a:pathLst>
+          </a:custGeom>
+          <a:solidFill>
+            <a:schemeClr val="tx2">
+              <a:lumMod val="60000"/>
+              <a:lumOff val="40000"/>
+            </a:schemeClr>
+          </a:solidFill>
+          <a:ln w="25400">
+            <a:noFill/>
+          </a:ln>
+        </p:spPr>
+        <p:style>
+          <a:lnRef idx="2">
+            <a:schemeClr val="accent1">
+              <a:shade val="50000"/>
+            </a:schemeClr>
+          </a:lnRef>
+          <a:fillRef idx="1">
+            <a:schemeClr val="accent1"/>
+          </a:fillRef>
+          <a:effectRef idx="0">
+            <a:schemeClr val="accent1"/>
+          </a:effectRef>
+          <a:fontRef idx="minor">
+            <a:schemeClr val="lt1"/>
+          </a:fontRef>
+        </p:style>
+        <p:txBody>
+          <a:bodyPr wrap="square" rtlCol="0" anchor="ctr">
+            <a:noAutofit/>
+          </a:bodyPr>
+          <a:lstStyle/>
+          <a:p>
+            <a:pPr algn="ctr"/>
+            <a:endParaRPr kumimoji="1" lang="ja-JP" altLang="en-US">
+              <a:solidFill>
+                <a:schemeClr val="tx2">
+                  <a:lumMod val="75000"/>
+                </a:schemeClr>
+              </a:solidFill>
+            </a:endParaRPr>
+          </a:p>
+        </p:txBody>
+      </p:sp>
+      <p:sp>
+        <p:nvSpPr>
+          <p:cNvPr id="7" name="フリーフォーム: 図形 6">
+            <a:extLst>
+              <a:ext uri="{FF2B5EF4-FFF2-40B4-BE49-F238E27FC236}">
+                <a16:creationId xmlns:a16="http://schemas.microsoft.com/office/drawing/2014/main" id="{ACD6712D-793A-3C01-181C-8AB172AF6005}"/>
+              </a:ext>
+            </a:extLst>
+          </p:cNvPr>
+          <p:cNvSpPr>
+            <a:spLocks noChangeAspect="1"/>
+          </p:cNvSpPr>
+          <p:nvPr/>
+        </p:nvSpPr>
+        <p:spPr>
+          <a:xfrm rot="2700000">
+            <a:off x="692723" y="654160"/>
+            <a:ext cx="282486" cy="282486"/>
+          </a:xfrm>
+          <a:custGeom>
+            <a:avLst/>
+            <a:gdLst>
+              <a:gd name="connsiteX0" fmla="*/ 0 w 1278000"/>
+              <a:gd name="connsiteY0" fmla="*/ 0 h 1278000"/>
+              <a:gd name="connsiteX1" fmla="*/ 1278000 w 1278000"/>
+              <a:gd name="connsiteY1" fmla="*/ 0 h 1278000"/>
+              <a:gd name="connsiteX2" fmla="*/ 1278000 w 1278000"/>
+              <a:gd name="connsiteY2" fmla="*/ 1278000 h 1278000"/>
+              <a:gd name="connsiteX3" fmla="*/ 1035184 w 1278000"/>
+              <a:gd name="connsiteY3" fmla="*/ 1278000 h 1278000"/>
+              <a:gd name="connsiteX4" fmla="*/ 1035184 w 1278000"/>
+              <a:gd name="connsiteY4" fmla="*/ 242816 h 1278000"/>
+              <a:gd name="connsiteX5" fmla="*/ 0 w 1278000"/>
+              <a:gd name="connsiteY5" fmla="*/ 242816 h 1278000"/>
+            </a:gdLst>
+            <a:ahLst/>
+            <a:cxnLst>
+              <a:cxn ang="0">
+                <a:pos x="connsiteX0" y="connsiteY0"/>
+              </a:cxn>
+              <a:cxn ang="0">
+                <a:pos x="connsiteX1" y="connsiteY1"/>
+              </a:cxn>
+              <a:cxn ang="0">
+                <a:pos x="connsiteX2" y="connsiteY2"/>
+              </a:cxn>
+              <a:cxn ang="0">
+                <a:pos x="connsiteX3" y="connsiteY3"/>
+              </a:cxn>
+              <a:cxn ang="0">
+                <a:pos x="connsiteX4" y="connsiteY4"/>
+              </a:cxn>
+              <a:cxn ang="0">
+                <a:pos x="connsiteX5" y="connsiteY5"/>
+              </a:cxn>
+            </a:cxnLst>
+            <a:rect l="l" t="t" r="r" b="b"/>
+            <a:pathLst>
+              <a:path w="1278000" h="1278000">
+                <a:moveTo>
+                  <a:pt x="0" y="0"/>
+                </a:moveTo>
+                <a:lnTo>
+                  <a:pt x="1278000" y="0"/>
+                </a:lnTo>
+                <a:lnTo>
+                  <a:pt x="1278000" y="1278000"/>
+                </a:lnTo>
+                <a:lnTo>
+                  <a:pt x="1035184" y="1278000"/>
+                </a:lnTo>
+                <a:lnTo>
+                  <a:pt x="1035184" y="242816"/>
+                </a:lnTo>
+                <a:lnTo>
+                  <a:pt x="0" y="242816"/>
+                </a:lnTo>
+                <a:close/>
+              </a:path>
+            </a:pathLst>
+          </a:custGeom>
+          <a:solidFill>
+            <a:schemeClr val="tx2">
+              <a:lumMod val="60000"/>
+              <a:lumOff val="40000"/>
+            </a:schemeClr>
+          </a:solidFill>
+          <a:ln w="25400">
+            <a:noFill/>
+          </a:ln>
+        </p:spPr>
+        <p:style>
+          <a:lnRef idx="2">
+            <a:schemeClr val="accent1">
+              <a:shade val="50000"/>
+            </a:schemeClr>
+          </a:lnRef>
+          <a:fillRef idx="1">
+            <a:schemeClr val="accent1"/>
+          </a:fillRef>
+          <a:effectRef idx="0">
+            <a:schemeClr val="accent1"/>
+          </a:effectRef>
+          <a:fontRef idx="minor">
+            <a:schemeClr val="lt1"/>
+          </a:fontRef>
+        </p:style>
+        <p:txBody>
+          <a:bodyPr wrap="square" rtlCol="0" anchor="ctr">
+            <a:noAutofit/>
+          </a:bodyPr>
+          <a:lstStyle/>
+          <a:p>
+            <a:pPr algn="ctr"/>
+            <a:endParaRPr kumimoji="1" lang="ja-JP" altLang="en-US">
+              <a:solidFill>
+                <a:schemeClr val="tx2">
+                  <a:lumMod val="75000"/>
+                </a:schemeClr>
+              </a:solidFill>
+            </a:endParaRPr>
+          </a:p>
+        </p:txBody>
+      </p:sp>
+      <p:sp>
+        <p:nvSpPr>
+          <p:cNvPr id="8" name="フリーフォーム: 図形 7">
+            <a:extLst>
+              <a:ext uri="{FF2B5EF4-FFF2-40B4-BE49-F238E27FC236}">
+                <a16:creationId xmlns:a16="http://schemas.microsoft.com/office/drawing/2014/main" id="{16E5A4EA-5C2F-ABFF-06FC-97E780A01126}"/>
+              </a:ext>
+            </a:extLst>
+          </p:cNvPr>
+          <p:cNvSpPr>
+            <a:spLocks noChangeAspect="1"/>
+          </p:cNvSpPr>
+          <p:nvPr/>
+        </p:nvSpPr>
+        <p:spPr>
+          <a:xfrm rot="2700000">
+            <a:off x="977968" y="654160"/>
+            <a:ext cx="282486" cy="282486"/>
+          </a:xfrm>
+          <a:custGeom>
+            <a:avLst/>
+            <a:gdLst>
+              <a:gd name="connsiteX0" fmla="*/ 0 w 1278000"/>
+              <a:gd name="connsiteY0" fmla="*/ 0 h 1278000"/>
+              <a:gd name="connsiteX1" fmla="*/ 1278000 w 1278000"/>
+              <a:gd name="connsiteY1" fmla="*/ 0 h 1278000"/>
+              <a:gd name="connsiteX2" fmla="*/ 1278000 w 1278000"/>
+              <a:gd name="connsiteY2" fmla="*/ 1278000 h 1278000"/>
+              <a:gd name="connsiteX3" fmla="*/ 1035184 w 1278000"/>
+              <a:gd name="connsiteY3" fmla="*/ 1278000 h 1278000"/>
+              <a:gd name="connsiteX4" fmla="*/ 1035184 w 1278000"/>
+              <a:gd name="connsiteY4" fmla="*/ 242816 h 1278000"/>
+              <a:gd name="connsiteX5" fmla="*/ 0 w 1278000"/>
+              <a:gd name="connsiteY5" fmla="*/ 242816 h 1278000"/>
+            </a:gdLst>
+            <a:ahLst/>
+            <a:cxnLst>
+              <a:cxn ang="0">
+                <a:pos x="connsiteX0" y="connsiteY0"/>
+              </a:cxn>
+              <a:cxn ang="0">
+                <a:pos x="connsiteX1" y="connsiteY1"/>
+              </a:cxn>
+              <a:cxn ang="0">
+                <a:pos x="connsiteX2" y="connsiteY2"/>
+              </a:cxn>
+              <a:cxn ang="0">
+                <a:pos x="connsiteX3" y="connsiteY3"/>
+              </a:cxn>
+              <a:cxn ang="0">
+                <a:pos x="connsiteX4" y="connsiteY4"/>
+              </a:cxn>
+              <a:cxn ang="0">
+                <a:pos x="connsiteX5" y="connsiteY5"/>
+              </a:cxn>
+            </a:cxnLst>
+            <a:rect l="l" t="t" r="r" b="b"/>
+            <a:pathLst>
+              <a:path w="1278000" h="1278000">
+                <a:moveTo>
+                  <a:pt x="0" y="0"/>
+                </a:moveTo>
+                <a:lnTo>
+                  <a:pt x="1278000" y="0"/>
+                </a:lnTo>
+                <a:lnTo>
+                  <a:pt x="1278000" y="1278000"/>
+                </a:lnTo>
+                <a:lnTo>
+                  <a:pt x="1035184" y="1278000"/>
+                </a:lnTo>
+                <a:lnTo>
+                  <a:pt x="1035184" y="242816"/>
+                </a:lnTo>
+                <a:lnTo>
+                  <a:pt x="0" y="242816"/>
+                </a:lnTo>
+                <a:close/>
+              </a:path>
+            </a:pathLst>
+          </a:custGeom>
+          <a:solidFill>
+            <a:schemeClr val="tx2">
+              <a:lumMod val="60000"/>
+              <a:lumOff val="40000"/>
+            </a:schemeClr>
+          </a:solidFill>
+          <a:ln w="25400">
+            <a:noFill/>
+          </a:ln>
+        </p:spPr>
+        <p:style>
+          <a:lnRef idx="2">
+            <a:schemeClr val="accent1">
+              <a:shade val="50000"/>
+            </a:schemeClr>
+          </a:lnRef>
+          <a:fillRef idx="1">
+            <a:schemeClr val="accent1"/>
+          </a:fillRef>
+          <a:effectRef idx="0">
+            <a:schemeClr val="accent1"/>
+          </a:effectRef>
+          <a:fontRef idx="minor">
+            <a:schemeClr val="lt1"/>
+          </a:fontRef>
+        </p:style>
+        <p:txBody>
+          <a:bodyPr wrap="square" rtlCol="0" anchor="ctr">
+            <a:noAutofit/>
+          </a:bodyPr>
+          <a:lstStyle/>
+          <a:p>
+            <a:pPr algn="ctr"/>
+            <a:endParaRPr kumimoji="1" lang="ja-JP" altLang="en-US">
+              <a:solidFill>
+                <a:schemeClr val="tx2">
+                  <a:lumMod val="75000"/>
+                </a:schemeClr>
+              </a:solidFill>
+            </a:endParaRPr>
+          </a:p>
+        </p:txBody>
+      </p:sp>
+      <p:sp>
+        <p:nvSpPr>
+          <p:cNvPr id="10" name="正方形/長方形 9">
+            <a:extLst>
+              <a:ext uri="{FF2B5EF4-FFF2-40B4-BE49-F238E27FC236}">
+                <a16:creationId xmlns:a16="http://schemas.microsoft.com/office/drawing/2014/main" id="{B801156B-108A-535D-59E9-7CBCB1A0AD13}"/>
+              </a:ext>
+            </a:extLst>
+          </p:cNvPr>
+          <p:cNvSpPr/>
+          <p:nvPr/>
+        </p:nvSpPr>
+        <p:spPr>
+          <a:xfrm>
+            <a:off x="1489954" y="921367"/>
+            <a:ext cx="3005951" cy="276999"/>
+          </a:xfrm>
+          <a:prstGeom prst="rect">
+            <a:avLst/>
+          </a:prstGeom>
+        </p:spPr>
+        <p:txBody>
+          <a:bodyPr wrap="none">
+            <a:spAutoFit/>
+          </a:bodyPr>
+          <a:lstStyle/>
+          <a:p>
+            <a:r>
+              <a:rPr lang="en-US" altLang="ja-JP" sz="1200" spc="500" dirty="0">
+                <a:solidFill>
+                  <a:schemeClr val="tx2">
+                    <a:lumMod val="75000"/>
+                  </a:schemeClr>
+                </a:solidFill>
+                <a:latin typeface="Bahnschrift" panose="020B0502040204020203" pitchFamily="34" charset="0"/>
+                <a:ea typeface="Lato Black" panose="020F0502020204030203" pitchFamily="34" charset="0"/>
+                <a:cs typeface="Lato Black" panose="020F0502020204030203" pitchFamily="34" charset="0"/>
+              </a:rPr>
+              <a:t>Outline | Distribution</a:t>
+            </a:r>
+            <a:endParaRPr lang="ja-JP" altLang="en-US" sz="1200" spc="500" dirty="0">
+              <a:solidFill>
+                <a:schemeClr val="tx2">
+                  <a:lumMod val="75000"/>
+                </a:schemeClr>
+              </a:solidFill>
+              <a:latin typeface="Bahnschrift" panose="020B0502040204020203" pitchFamily="34" charset="0"/>
+              <a:ea typeface="Lato Black" panose="020F0502020204030203" pitchFamily="34" charset="0"/>
+              <a:cs typeface="Lato Black" panose="020F0502020204030203" pitchFamily="34" charset="0"/>
+            </a:endParaRPr>
+          </a:p>
+        </p:txBody>
+      </p:sp>
+      <p:sp>
+        <p:nvSpPr>
+          <p:cNvPr id="13" name="正方形/長方形 12">
+            <a:extLst>
+              <a:ext uri="{FF2B5EF4-FFF2-40B4-BE49-F238E27FC236}">
+                <a16:creationId xmlns:a16="http://schemas.microsoft.com/office/drawing/2014/main" id="{36E40967-9C6D-DD9B-8C3B-3B572E2382BF}"/>
+              </a:ext>
+            </a:extLst>
+          </p:cNvPr>
+          <p:cNvSpPr/>
+          <p:nvPr/>
+        </p:nvSpPr>
+        <p:spPr>
+          <a:xfrm>
+            <a:off x="1489954" y="459702"/>
+            <a:ext cx="4055919" cy="461665"/>
+          </a:xfrm>
+          <a:prstGeom prst="rect">
+            <a:avLst/>
+          </a:prstGeom>
+        </p:spPr>
+        <p:txBody>
+          <a:bodyPr wrap="none">
+            <a:spAutoFit/>
+          </a:bodyPr>
+          <a:lstStyle/>
+          <a:p>
+            <a:r>
+              <a:rPr lang="ja-JP" altLang="en-US" sz="2400" b="1" spc="500" dirty="0">
+                <a:solidFill>
+                  <a:schemeClr val="tx2">
+                    <a:lumMod val="75000"/>
+                  </a:schemeClr>
+                </a:solidFill>
+                <a:latin typeface="游ゴシック" panose="020B0400000000000000" pitchFamily="50" charset="-128"/>
+                <a:ea typeface="游ゴシック" panose="020B0400000000000000" pitchFamily="50" charset="-128"/>
+                <a:cs typeface="Lato Black" panose="020F0502020204030203" pitchFamily="34" charset="0"/>
+              </a:rPr>
+              <a:t>概要 「散布」について</a:t>
+            </a:r>
+          </a:p>
+        </p:txBody>
+      </p:sp>
+      <p:grpSp>
+        <p:nvGrpSpPr>
+          <p:cNvPr id="27" name="グループ化 26">
+            <a:extLst>
+              <a:ext uri="{FF2B5EF4-FFF2-40B4-BE49-F238E27FC236}">
+                <a16:creationId xmlns:a16="http://schemas.microsoft.com/office/drawing/2014/main" id="{ECB9B2E0-7D5B-4EC9-5DE8-481A67F8A54D}"/>
+              </a:ext>
+            </a:extLst>
+          </p:cNvPr>
+          <p:cNvGrpSpPr/>
+          <p:nvPr/>
+        </p:nvGrpSpPr>
+        <p:grpSpPr>
+          <a:xfrm>
+            <a:off x="833966" y="1743339"/>
+            <a:ext cx="914400" cy="2951039"/>
+            <a:chOff x="834514" y="1542337"/>
+            <a:chExt cx="914400" cy="2951039"/>
+          </a:xfrm>
+        </p:grpSpPr>
+        <p:pic>
+          <p:nvPicPr>
+            <p:cNvPr id="14" name="グラフィックス 13" descr="ロケット">
+              <a:extLst>
+                <a:ext uri="{FF2B5EF4-FFF2-40B4-BE49-F238E27FC236}">
+                  <a16:creationId xmlns:a16="http://schemas.microsoft.com/office/drawing/2014/main" id="{BD1C4EF6-689C-307F-A018-DB8FB1D12BD5}"/>
+                </a:ext>
+              </a:extLst>
+            </p:cNvPr>
+            <p:cNvPicPr>
+              <a:picLocks noChangeAspect="1"/>
+            </p:cNvPicPr>
+            <p:nvPr/>
+          </p:nvPicPr>
+          <p:blipFill>
+            <a:blip r:embed="rId5">
+              <a:extLst>
+                <a:ext uri="{28A0092B-C50C-407E-A947-70E740481C1C}">
+                  <a14:useLocalDpi xmlns:a14="http://schemas.microsoft.com/office/drawing/2010/main" val="0"/>
+                </a:ext>
+                <a:ext uri="{96DAC541-7B7A-43D3-8B79-37D633B846F1}">
+                  <asvg:svgBlip xmlns:asvg="http://schemas.microsoft.com/office/drawing/2016/SVG/main" r:embed="rId6"/>
+                </a:ext>
+              </a:extLst>
+            </a:blip>
+            <a:stretch>
+              <a:fillRect/>
+            </a:stretch>
+          </p:blipFill>
+          <p:spPr>
+            <a:xfrm rot="18900000">
+              <a:off x="834514" y="1542337"/>
+              <a:ext cx="914400" cy="914400"/>
+            </a:xfrm>
+            <a:prstGeom prst="rect">
+              <a:avLst/>
+            </a:prstGeom>
+          </p:spPr>
+        </p:pic>
+        <p:grpSp>
+          <p:nvGrpSpPr>
+            <p:cNvPr id="26" name="グループ化 25">
+              <a:extLst>
+                <a:ext uri="{FF2B5EF4-FFF2-40B4-BE49-F238E27FC236}">
+                  <a16:creationId xmlns:a16="http://schemas.microsoft.com/office/drawing/2014/main" id="{741BC7AD-5CCB-BE95-9216-85B0857C4EB3}"/>
+                </a:ext>
+              </a:extLst>
+            </p:cNvPr>
+            <p:cNvGrpSpPr/>
+            <p:nvPr/>
+          </p:nvGrpSpPr>
+          <p:grpSpPr>
+            <a:xfrm>
+              <a:off x="1211561" y="2714671"/>
+              <a:ext cx="160310" cy="1778705"/>
+              <a:chOff x="1211561" y="2714671"/>
+              <a:chExt cx="160310" cy="1778705"/>
+            </a:xfrm>
+          </p:grpSpPr>
+          <p:sp>
+            <p:nvSpPr>
+              <p:cNvPr id="67" name="二等辺三角形 66">
+                <a:extLst>
+                  <a:ext uri="{FF2B5EF4-FFF2-40B4-BE49-F238E27FC236}">
+                    <a16:creationId xmlns:a16="http://schemas.microsoft.com/office/drawing/2014/main" id="{65C0F838-5594-5A4E-F6FE-48AA740546D2}"/>
+                  </a:ext>
+                </a:extLst>
+              </p:cNvPr>
+              <p:cNvSpPr/>
+              <p:nvPr/>
+            </p:nvSpPr>
+            <p:spPr>
+              <a:xfrm>
+                <a:off x="1211562" y="4355179"/>
+                <a:ext cx="160309" cy="138197"/>
+              </a:xfrm>
+              <a:prstGeom prst="triangle">
+                <a:avLst/>
+              </a:prstGeom>
+              <a:solidFill>
+                <a:schemeClr val="tx2">
+                  <a:lumMod val="75000"/>
+                </a:schemeClr>
+              </a:solidFill>
+              <a:ln>
+                <a:noFill/>
+              </a:ln>
+            </p:spPr>
+            <p:style>
+              <a:lnRef idx="2">
+                <a:schemeClr val="accent1">
+                  <a:shade val="15000"/>
+                </a:schemeClr>
+              </a:lnRef>
+              <a:fillRef idx="1">
+                <a:schemeClr val="accent1"/>
+              </a:fillRef>
+              <a:effectRef idx="0">
+                <a:schemeClr val="accent1"/>
+              </a:effectRef>
+              <a:fontRef idx="minor">
+                <a:schemeClr val="lt1"/>
+              </a:fontRef>
+            </p:style>
+            <p:txBody>
+              <a:bodyPr rtlCol="0" anchor="ctr"/>
+              <a:lstStyle/>
+              <a:p>
+                <a:pPr algn="ctr"/>
+                <a:endParaRPr kumimoji="1" lang="ja-JP" altLang="en-US"/>
+              </a:p>
+            </p:txBody>
+          </p:sp>
+          <p:sp>
+            <p:nvSpPr>
+              <p:cNvPr id="22" name="二等辺三角形 21">
+                <a:extLst>
+                  <a:ext uri="{FF2B5EF4-FFF2-40B4-BE49-F238E27FC236}">
+                    <a16:creationId xmlns:a16="http://schemas.microsoft.com/office/drawing/2014/main" id="{C286975D-0152-8711-C05C-C621FCBD3E10}"/>
+                  </a:ext>
+                </a:extLst>
+              </p:cNvPr>
+              <p:cNvSpPr/>
+              <p:nvPr/>
+            </p:nvSpPr>
+            <p:spPr>
+              <a:xfrm>
+                <a:off x="1211562" y="3945052"/>
+                <a:ext cx="160309" cy="138197"/>
+              </a:xfrm>
+              <a:prstGeom prst="triangle">
+                <a:avLst/>
+              </a:prstGeom>
+              <a:solidFill>
+                <a:schemeClr val="tx2">
+                  <a:lumMod val="75000"/>
+                </a:schemeClr>
+              </a:solidFill>
+              <a:ln>
+                <a:noFill/>
+              </a:ln>
+            </p:spPr>
+            <p:style>
+              <a:lnRef idx="2">
+                <a:schemeClr val="accent1">
+                  <a:shade val="15000"/>
+                </a:schemeClr>
+              </a:lnRef>
+              <a:fillRef idx="1">
+                <a:schemeClr val="accent1"/>
+              </a:fillRef>
+              <a:effectRef idx="0">
+                <a:schemeClr val="accent1"/>
+              </a:effectRef>
+              <a:fontRef idx="minor">
+                <a:schemeClr val="lt1"/>
+              </a:fontRef>
+            </p:style>
+            <p:txBody>
+              <a:bodyPr rtlCol="0" anchor="ctr"/>
+              <a:lstStyle/>
+              <a:p>
+                <a:pPr algn="ctr"/>
+                <a:endParaRPr kumimoji="1" lang="ja-JP" altLang="en-US"/>
+              </a:p>
+            </p:txBody>
+          </p:sp>
+          <p:sp>
+            <p:nvSpPr>
+              <p:cNvPr id="23" name="二等辺三角形 22">
+                <a:extLst>
+                  <a:ext uri="{FF2B5EF4-FFF2-40B4-BE49-F238E27FC236}">
+                    <a16:creationId xmlns:a16="http://schemas.microsoft.com/office/drawing/2014/main" id="{24E51224-2FDB-C10B-B9EA-D4FB9BA78D5B}"/>
+                  </a:ext>
+                </a:extLst>
+              </p:cNvPr>
+              <p:cNvSpPr/>
+              <p:nvPr/>
+            </p:nvSpPr>
+            <p:spPr>
+              <a:xfrm>
+                <a:off x="1211562" y="3534925"/>
+                <a:ext cx="160309" cy="138197"/>
+              </a:xfrm>
+              <a:prstGeom prst="triangle">
+                <a:avLst/>
+              </a:prstGeom>
+              <a:solidFill>
+                <a:schemeClr val="tx2">
+                  <a:lumMod val="75000"/>
+                </a:schemeClr>
+              </a:solidFill>
+              <a:ln>
+                <a:noFill/>
+              </a:ln>
+            </p:spPr>
+            <p:style>
+              <a:lnRef idx="2">
+                <a:schemeClr val="accent1">
+                  <a:shade val="15000"/>
+                </a:schemeClr>
+              </a:lnRef>
+              <a:fillRef idx="1">
+                <a:schemeClr val="accent1"/>
+              </a:fillRef>
+              <a:effectRef idx="0">
+                <a:schemeClr val="accent1"/>
+              </a:effectRef>
+              <a:fontRef idx="minor">
+                <a:schemeClr val="lt1"/>
+              </a:fontRef>
+            </p:style>
+            <p:txBody>
+              <a:bodyPr rtlCol="0" anchor="ctr"/>
+              <a:lstStyle/>
+              <a:p>
+                <a:pPr algn="ctr"/>
+                <a:endParaRPr kumimoji="1" lang="ja-JP" altLang="en-US"/>
+              </a:p>
+            </p:txBody>
+          </p:sp>
+          <p:sp>
+            <p:nvSpPr>
+              <p:cNvPr id="24" name="二等辺三角形 23">
+                <a:extLst>
+                  <a:ext uri="{FF2B5EF4-FFF2-40B4-BE49-F238E27FC236}">
+                    <a16:creationId xmlns:a16="http://schemas.microsoft.com/office/drawing/2014/main" id="{84387F73-0601-4A23-8CE2-39AB991336E1}"/>
+                  </a:ext>
+                </a:extLst>
+              </p:cNvPr>
+              <p:cNvSpPr/>
+              <p:nvPr/>
+            </p:nvSpPr>
+            <p:spPr>
+              <a:xfrm>
+                <a:off x="1211562" y="3124798"/>
+                <a:ext cx="160309" cy="138197"/>
+              </a:xfrm>
+              <a:prstGeom prst="triangle">
+                <a:avLst/>
+              </a:prstGeom>
+              <a:solidFill>
+                <a:schemeClr val="tx2">
+                  <a:lumMod val="75000"/>
+                </a:schemeClr>
+              </a:solidFill>
+              <a:ln>
+                <a:noFill/>
+              </a:ln>
+            </p:spPr>
+            <p:style>
+              <a:lnRef idx="2">
+                <a:schemeClr val="accent1">
+                  <a:shade val="15000"/>
+                </a:schemeClr>
+              </a:lnRef>
+              <a:fillRef idx="1">
+                <a:schemeClr val="accent1"/>
+              </a:fillRef>
+              <a:effectRef idx="0">
+                <a:schemeClr val="accent1"/>
+              </a:effectRef>
+              <a:fontRef idx="minor">
+                <a:schemeClr val="lt1"/>
+              </a:fontRef>
+            </p:style>
+            <p:txBody>
+              <a:bodyPr rtlCol="0" anchor="ctr"/>
+              <a:lstStyle/>
+              <a:p>
+                <a:pPr algn="ctr"/>
+                <a:endParaRPr kumimoji="1" lang="ja-JP" altLang="en-US" dirty="0"/>
+              </a:p>
+            </p:txBody>
+          </p:sp>
+          <p:sp>
+            <p:nvSpPr>
+              <p:cNvPr id="25" name="二等辺三角形 24">
+                <a:extLst>
+                  <a:ext uri="{FF2B5EF4-FFF2-40B4-BE49-F238E27FC236}">
+                    <a16:creationId xmlns:a16="http://schemas.microsoft.com/office/drawing/2014/main" id="{42676CAE-5149-F0BC-6925-FC9703DC4EAF}"/>
+                  </a:ext>
+                </a:extLst>
+              </p:cNvPr>
+              <p:cNvSpPr/>
+              <p:nvPr/>
+            </p:nvSpPr>
+            <p:spPr>
+              <a:xfrm>
+                <a:off x="1211561" y="2714671"/>
+                <a:ext cx="160309" cy="138197"/>
+              </a:xfrm>
+              <a:prstGeom prst="triangle">
+                <a:avLst/>
+              </a:prstGeom>
+              <a:solidFill>
+                <a:schemeClr val="tx2">
+                  <a:lumMod val="75000"/>
+                </a:schemeClr>
+              </a:solidFill>
+              <a:ln>
+                <a:noFill/>
+              </a:ln>
+            </p:spPr>
+            <p:style>
+              <a:lnRef idx="2">
+                <a:schemeClr val="accent1">
+                  <a:shade val="15000"/>
+                </a:schemeClr>
+              </a:lnRef>
+              <a:fillRef idx="1">
+                <a:schemeClr val="accent1"/>
+              </a:fillRef>
+              <a:effectRef idx="0">
+                <a:schemeClr val="accent1"/>
+              </a:effectRef>
+              <a:fontRef idx="minor">
+                <a:schemeClr val="lt1"/>
+              </a:fontRef>
+            </p:style>
+            <p:txBody>
+              <a:bodyPr rtlCol="0" anchor="ctr"/>
+              <a:lstStyle/>
+              <a:p>
+                <a:pPr algn="ctr"/>
+                <a:endParaRPr kumimoji="1" lang="ja-JP" altLang="en-US"/>
+              </a:p>
+            </p:txBody>
+          </p:sp>
+        </p:grpSp>
+      </p:grpSp>
+      <p:grpSp>
+        <p:nvGrpSpPr>
+          <p:cNvPr id="88" name="グループ化 87">
+            <a:extLst>
+              <a:ext uri="{FF2B5EF4-FFF2-40B4-BE49-F238E27FC236}">
+                <a16:creationId xmlns:a16="http://schemas.microsoft.com/office/drawing/2014/main" id="{E19E7E05-A7A7-3782-8287-E93418C7A88D}"/>
+              </a:ext>
+            </a:extLst>
+          </p:cNvPr>
+          <p:cNvGrpSpPr/>
+          <p:nvPr/>
+        </p:nvGrpSpPr>
+        <p:grpSpPr>
+          <a:xfrm rot="20700000">
+            <a:off x="2107536" y="2355266"/>
+            <a:ext cx="537251" cy="1571788"/>
+            <a:chOff x="2079497" y="3226733"/>
+            <a:chExt cx="537251" cy="1571788"/>
+          </a:xfrm>
+        </p:grpSpPr>
+        <p:sp>
+          <p:nvSpPr>
+            <p:cNvPr id="28" name="楕円 27">
+              <a:extLst>
+                <a:ext uri="{FF2B5EF4-FFF2-40B4-BE49-F238E27FC236}">
+                  <a16:creationId xmlns:a16="http://schemas.microsoft.com/office/drawing/2014/main" id="{E831D28A-5C5D-621B-5E4F-C1C64F6F87B0}"/>
+                </a:ext>
+              </a:extLst>
+            </p:cNvPr>
+            <p:cNvSpPr/>
+            <p:nvPr/>
+          </p:nvSpPr>
+          <p:spPr>
+            <a:xfrm>
+              <a:off x="2079497" y="4261270"/>
+              <a:ext cx="537251" cy="537251"/>
+            </a:xfrm>
+            <a:prstGeom prst="ellipse">
+              <a:avLst/>
+            </a:prstGeom>
+            <a:solidFill>
+              <a:schemeClr val="tx2">
+                <a:lumMod val="60000"/>
+                <a:lumOff val="40000"/>
+              </a:schemeClr>
+            </a:solidFill>
+            <a:ln>
+              <a:noFill/>
+            </a:ln>
+          </p:spPr>
+          <p:style>
+            <a:lnRef idx="2">
+              <a:schemeClr val="accent1">
+                <a:shade val="15000"/>
+              </a:schemeClr>
+            </a:lnRef>
+            <a:fillRef idx="1">
+              <a:schemeClr val="accent1"/>
+            </a:fillRef>
+            <a:effectRef idx="0">
+              <a:schemeClr val="accent1"/>
+            </a:effectRef>
+            <a:fontRef idx="minor">
+              <a:schemeClr val="lt1"/>
+            </a:fontRef>
+          </p:style>
+          <p:txBody>
+            <a:bodyPr rtlCol="0" anchor="ctr"/>
+            <a:lstStyle/>
+            <a:p>
+              <a:pPr algn="ctr"/>
+              <a:endParaRPr kumimoji="1" lang="ja-JP" altLang="en-US" dirty="0"/>
+            </a:p>
+          </p:txBody>
+        </p:sp>
+        <p:grpSp>
+          <p:nvGrpSpPr>
+            <p:cNvPr id="65" name="グループ化 64">
+              <a:extLst>
+                <a:ext uri="{FF2B5EF4-FFF2-40B4-BE49-F238E27FC236}">
+                  <a16:creationId xmlns:a16="http://schemas.microsoft.com/office/drawing/2014/main" id="{F1E55619-0DA9-4EF6-5EFB-CFFEB333A331}"/>
+                </a:ext>
+              </a:extLst>
+            </p:cNvPr>
+            <p:cNvGrpSpPr/>
+            <p:nvPr/>
+          </p:nvGrpSpPr>
+          <p:grpSpPr>
+            <a:xfrm>
+              <a:off x="2255650" y="3226733"/>
+              <a:ext cx="184935" cy="849560"/>
+              <a:chOff x="3121684" y="2430493"/>
+              <a:chExt cx="184935" cy="849560"/>
+            </a:xfrm>
+          </p:grpSpPr>
+          <p:sp>
+            <p:nvSpPr>
+              <p:cNvPr id="29" name="二等辺三角形 28">
+                <a:extLst>
+                  <a:ext uri="{FF2B5EF4-FFF2-40B4-BE49-F238E27FC236}">
+                    <a16:creationId xmlns:a16="http://schemas.microsoft.com/office/drawing/2014/main" id="{8D617E8C-CE1B-35A8-E416-0F28FC6E401E}"/>
+                  </a:ext>
+                </a:extLst>
+              </p:cNvPr>
+              <p:cNvSpPr/>
+              <p:nvPr/>
+            </p:nvSpPr>
+            <p:spPr>
+              <a:xfrm rot="10800000">
+                <a:off x="3121685" y="2775560"/>
+                <a:ext cx="184934" cy="159426"/>
+              </a:xfrm>
+              <a:prstGeom prst="triangle">
+                <a:avLst/>
+              </a:prstGeom>
+              <a:solidFill>
+                <a:schemeClr val="tx2">
+                  <a:lumMod val="20000"/>
+                  <a:lumOff val="80000"/>
+                </a:schemeClr>
+              </a:solidFill>
+              <a:ln>
+                <a:noFill/>
+              </a:ln>
+            </p:spPr>
+            <p:style>
+              <a:lnRef idx="2">
+                <a:schemeClr val="accent1">
+                  <a:shade val="15000"/>
+                </a:schemeClr>
+              </a:lnRef>
+              <a:fillRef idx="1">
+                <a:schemeClr val="accent1"/>
+              </a:fillRef>
+              <a:effectRef idx="0">
+                <a:schemeClr val="accent1"/>
+              </a:effectRef>
+              <a:fontRef idx="minor">
+                <a:schemeClr val="lt1"/>
+              </a:fontRef>
+            </p:style>
+            <p:txBody>
+              <a:bodyPr rtlCol="0" anchor="ctr"/>
+              <a:lstStyle/>
+              <a:p>
+                <a:pPr algn="ctr"/>
+                <a:endParaRPr kumimoji="1" lang="ja-JP" altLang="en-US"/>
+              </a:p>
+            </p:txBody>
+          </p:sp>
+          <p:sp>
+            <p:nvSpPr>
+              <p:cNvPr id="30" name="二等辺三角形 29">
+                <a:extLst>
+                  <a:ext uri="{FF2B5EF4-FFF2-40B4-BE49-F238E27FC236}">
+                    <a16:creationId xmlns:a16="http://schemas.microsoft.com/office/drawing/2014/main" id="{9B070110-3C9D-B841-8045-320F07502C95}"/>
+                  </a:ext>
+                </a:extLst>
+              </p:cNvPr>
+              <p:cNvSpPr/>
+              <p:nvPr/>
+            </p:nvSpPr>
+            <p:spPr>
+              <a:xfrm rot="10800000">
+                <a:off x="3121685" y="2430493"/>
+                <a:ext cx="184934" cy="159426"/>
+              </a:xfrm>
+              <a:prstGeom prst="triangle">
+                <a:avLst/>
+              </a:prstGeom>
+              <a:solidFill>
+                <a:schemeClr val="tx2">
+                  <a:lumMod val="20000"/>
+                  <a:lumOff val="80000"/>
+                </a:schemeClr>
+              </a:solidFill>
+              <a:ln>
+                <a:noFill/>
+              </a:ln>
+            </p:spPr>
+            <p:style>
+              <a:lnRef idx="2">
+                <a:schemeClr val="accent1">
+                  <a:shade val="15000"/>
+                </a:schemeClr>
+              </a:lnRef>
+              <a:fillRef idx="1">
+                <a:schemeClr val="accent1"/>
+              </a:fillRef>
+              <a:effectRef idx="0">
+                <a:schemeClr val="accent1"/>
+              </a:effectRef>
+              <a:fontRef idx="minor">
+                <a:schemeClr val="lt1"/>
+              </a:fontRef>
+            </p:style>
+            <p:txBody>
+              <a:bodyPr rtlCol="0" anchor="ctr"/>
+              <a:lstStyle/>
+              <a:p>
+                <a:pPr algn="ctr"/>
+                <a:endParaRPr kumimoji="1" lang="ja-JP" altLang="en-US"/>
+              </a:p>
+            </p:txBody>
+          </p:sp>
+          <p:sp>
+            <p:nvSpPr>
+              <p:cNvPr id="31" name="二等辺三角形 30">
+                <a:extLst>
+                  <a:ext uri="{FF2B5EF4-FFF2-40B4-BE49-F238E27FC236}">
+                    <a16:creationId xmlns:a16="http://schemas.microsoft.com/office/drawing/2014/main" id="{5BDDF470-4C9F-B28B-4903-84D2E53C0F86}"/>
+                  </a:ext>
+                </a:extLst>
+              </p:cNvPr>
+              <p:cNvSpPr/>
+              <p:nvPr/>
+            </p:nvSpPr>
+            <p:spPr>
+              <a:xfrm rot="10800000">
+                <a:off x="3121684" y="3120627"/>
+                <a:ext cx="184934" cy="159426"/>
+              </a:xfrm>
+              <a:prstGeom prst="triangle">
+                <a:avLst/>
+              </a:prstGeom>
+              <a:solidFill>
+                <a:schemeClr val="tx2">
+                  <a:lumMod val="20000"/>
+                  <a:lumOff val="80000"/>
+                </a:schemeClr>
+              </a:solidFill>
+              <a:ln>
+                <a:noFill/>
+              </a:ln>
+            </p:spPr>
+            <p:style>
+              <a:lnRef idx="2">
+                <a:schemeClr val="accent1">
+                  <a:shade val="15000"/>
+                </a:schemeClr>
+              </a:lnRef>
+              <a:fillRef idx="1">
+                <a:schemeClr val="accent1"/>
+              </a:fillRef>
+              <a:effectRef idx="0">
+                <a:schemeClr val="accent1"/>
+              </a:effectRef>
+              <a:fontRef idx="minor">
+                <a:schemeClr val="lt1"/>
+              </a:fontRef>
+            </p:style>
+            <p:txBody>
+              <a:bodyPr rtlCol="0" anchor="ctr"/>
+              <a:lstStyle/>
+              <a:p>
+                <a:pPr algn="ctr"/>
+                <a:endParaRPr kumimoji="1" lang="ja-JP" altLang="en-US"/>
+              </a:p>
+            </p:txBody>
+          </p:sp>
+        </p:grpSp>
+      </p:grpSp>
+      <p:grpSp>
+        <p:nvGrpSpPr>
+          <p:cNvPr id="95" name="グループ化 94">
+            <a:extLst>
+              <a:ext uri="{FF2B5EF4-FFF2-40B4-BE49-F238E27FC236}">
+                <a16:creationId xmlns:a16="http://schemas.microsoft.com/office/drawing/2014/main" id="{0D57C45F-E93F-737E-B2D3-17028225E7CE}"/>
+              </a:ext>
+            </a:extLst>
+          </p:cNvPr>
+          <p:cNvGrpSpPr/>
+          <p:nvPr/>
+        </p:nvGrpSpPr>
+        <p:grpSpPr>
+          <a:xfrm rot="18900000">
+            <a:off x="3817271" y="1931979"/>
+            <a:ext cx="537251" cy="2609536"/>
+            <a:chOff x="4263418" y="2068333"/>
+            <a:chExt cx="537251" cy="2609536"/>
+          </a:xfrm>
+        </p:grpSpPr>
+        <p:sp>
+          <p:nvSpPr>
+            <p:cNvPr id="69" name="楕円 68">
+              <a:extLst>
+                <a:ext uri="{FF2B5EF4-FFF2-40B4-BE49-F238E27FC236}">
+                  <a16:creationId xmlns:a16="http://schemas.microsoft.com/office/drawing/2014/main" id="{8321A8A5-157F-5207-9C96-F9ACD232C5DC}"/>
+                </a:ext>
+              </a:extLst>
+            </p:cNvPr>
+            <p:cNvSpPr/>
+            <p:nvPr/>
+          </p:nvSpPr>
+          <p:spPr>
+            <a:xfrm rot="16200000">
+              <a:off x="4263418" y="4140618"/>
+              <a:ext cx="537251" cy="537251"/>
+            </a:xfrm>
+            <a:prstGeom prst="ellipse">
+              <a:avLst/>
+            </a:prstGeom>
+            <a:solidFill>
+              <a:schemeClr val="tx2">
+                <a:lumMod val="60000"/>
+                <a:lumOff val="40000"/>
+              </a:schemeClr>
+            </a:solidFill>
+            <a:ln>
+              <a:noFill/>
+            </a:ln>
+          </p:spPr>
+          <p:style>
+            <a:lnRef idx="2">
+              <a:schemeClr val="accent1">
+                <a:shade val="15000"/>
+              </a:schemeClr>
+            </a:lnRef>
+            <a:fillRef idx="1">
+              <a:schemeClr val="accent1"/>
+            </a:fillRef>
+            <a:effectRef idx="0">
+              <a:schemeClr val="accent1"/>
+            </a:effectRef>
+            <a:fontRef idx="minor">
+              <a:schemeClr val="lt1"/>
+            </a:fontRef>
+          </p:style>
+          <p:txBody>
+            <a:bodyPr rtlCol="0" anchor="ctr"/>
+            <a:lstStyle/>
+            <a:p>
+              <a:pPr algn="ctr"/>
+              <a:endParaRPr kumimoji="1" lang="ja-JP" altLang="en-US" dirty="0"/>
+            </a:p>
+          </p:txBody>
+        </p:sp>
+        <p:grpSp>
+          <p:nvGrpSpPr>
+            <p:cNvPr id="94" name="グループ化 93">
+              <a:extLst>
+                <a:ext uri="{FF2B5EF4-FFF2-40B4-BE49-F238E27FC236}">
+                  <a16:creationId xmlns:a16="http://schemas.microsoft.com/office/drawing/2014/main" id="{849A0704-9870-7EDA-0045-216ABD315BAD}"/>
+                </a:ext>
+              </a:extLst>
+            </p:cNvPr>
+            <p:cNvGrpSpPr/>
+            <p:nvPr/>
+          </p:nvGrpSpPr>
+          <p:grpSpPr>
+            <a:xfrm>
+              <a:off x="4432188" y="2068333"/>
+              <a:ext cx="192323" cy="1889196"/>
+              <a:chOff x="4432188" y="2068333"/>
+              <a:chExt cx="192323" cy="1889196"/>
+            </a:xfrm>
+          </p:grpSpPr>
+          <p:sp>
+            <p:nvSpPr>
+              <p:cNvPr id="71" name="二等辺三角形 70">
+                <a:extLst>
+                  <a:ext uri="{FF2B5EF4-FFF2-40B4-BE49-F238E27FC236}">
+                    <a16:creationId xmlns:a16="http://schemas.microsoft.com/office/drawing/2014/main" id="{F8022039-3DC3-C97C-92F0-68F3C8D3BDBC}"/>
+                  </a:ext>
+                </a:extLst>
+              </p:cNvPr>
+              <p:cNvSpPr/>
+              <p:nvPr/>
+            </p:nvSpPr>
+            <p:spPr>
+              <a:xfrm rot="10800000">
+                <a:off x="4436576" y="3106491"/>
+                <a:ext cx="184934" cy="159426"/>
+              </a:xfrm>
+              <a:prstGeom prst="triangle">
+                <a:avLst/>
+              </a:prstGeom>
+              <a:solidFill>
+                <a:schemeClr val="tx2">
+                  <a:lumMod val="20000"/>
+                  <a:lumOff val="80000"/>
+                </a:schemeClr>
+              </a:solidFill>
+              <a:ln>
+                <a:noFill/>
+              </a:ln>
+            </p:spPr>
+            <p:style>
+              <a:lnRef idx="2">
+                <a:schemeClr val="accent1">
+                  <a:shade val="15000"/>
+                </a:schemeClr>
+              </a:lnRef>
+              <a:fillRef idx="1">
+                <a:schemeClr val="accent1"/>
+              </a:fillRef>
+              <a:effectRef idx="0">
+                <a:schemeClr val="accent1"/>
+              </a:effectRef>
+              <a:fontRef idx="minor">
+                <a:schemeClr val="lt1"/>
+              </a:fontRef>
+            </p:style>
+            <p:txBody>
+              <a:bodyPr rtlCol="0" anchor="ctr"/>
+              <a:lstStyle/>
+              <a:p>
+                <a:pPr algn="ctr"/>
+                <a:endParaRPr kumimoji="1" lang="ja-JP" altLang="en-US"/>
+              </a:p>
+            </p:txBody>
+          </p:sp>
+          <p:sp>
+            <p:nvSpPr>
+              <p:cNvPr id="72" name="二等辺三角形 71">
+                <a:extLst>
+                  <a:ext uri="{FF2B5EF4-FFF2-40B4-BE49-F238E27FC236}">
+                    <a16:creationId xmlns:a16="http://schemas.microsoft.com/office/drawing/2014/main" id="{E8F359A0-C30C-FC07-825D-9691CD10B5E9}"/>
+                  </a:ext>
+                </a:extLst>
+              </p:cNvPr>
+              <p:cNvSpPr/>
+              <p:nvPr/>
+            </p:nvSpPr>
+            <p:spPr>
+              <a:xfrm rot="10800000">
+                <a:off x="4436576" y="2761423"/>
+                <a:ext cx="184934" cy="159426"/>
+              </a:xfrm>
+              <a:prstGeom prst="triangle">
+                <a:avLst/>
+              </a:prstGeom>
+              <a:solidFill>
+                <a:schemeClr val="tx2">
+                  <a:lumMod val="20000"/>
+                  <a:lumOff val="80000"/>
+                </a:schemeClr>
+              </a:solidFill>
+              <a:ln>
+                <a:noFill/>
+              </a:ln>
+            </p:spPr>
+            <p:style>
+              <a:lnRef idx="2">
+                <a:schemeClr val="accent1">
+                  <a:shade val="15000"/>
+                </a:schemeClr>
+              </a:lnRef>
+              <a:fillRef idx="1">
+                <a:schemeClr val="accent1"/>
+              </a:fillRef>
+              <a:effectRef idx="0">
+                <a:schemeClr val="accent1"/>
+              </a:effectRef>
+              <a:fontRef idx="minor">
+                <a:schemeClr val="lt1"/>
+              </a:fontRef>
+            </p:style>
+            <p:txBody>
+              <a:bodyPr rtlCol="0" anchor="ctr"/>
+              <a:lstStyle/>
+              <a:p>
+                <a:pPr algn="ctr"/>
+                <a:endParaRPr kumimoji="1" lang="ja-JP" altLang="en-US"/>
+              </a:p>
+            </p:txBody>
+          </p:sp>
+          <p:sp>
+            <p:nvSpPr>
+              <p:cNvPr id="73" name="二等辺三角形 72">
+                <a:extLst>
+                  <a:ext uri="{FF2B5EF4-FFF2-40B4-BE49-F238E27FC236}">
+                    <a16:creationId xmlns:a16="http://schemas.microsoft.com/office/drawing/2014/main" id="{A2A0A450-D377-D091-F87E-5DC47639640E}"/>
+                  </a:ext>
+                </a:extLst>
+              </p:cNvPr>
+              <p:cNvSpPr/>
+              <p:nvPr/>
+            </p:nvSpPr>
+            <p:spPr>
+              <a:xfrm rot="10800000">
+                <a:off x="4436574" y="3451557"/>
+                <a:ext cx="184934" cy="159426"/>
+              </a:xfrm>
+              <a:prstGeom prst="triangle">
+                <a:avLst/>
+              </a:prstGeom>
+              <a:solidFill>
+                <a:schemeClr val="tx2">
+                  <a:lumMod val="20000"/>
+                  <a:lumOff val="80000"/>
+                </a:schemeClr>
+              </a:solidFill>
+              <a:ln>
+                <a:noFill/>
+              </a:ln>
+            </p:spPr>
+            <p:style>
+              <a:lnRef idx="2">
+                <a:schemeClr val="accent1">
+                  <a:shade val="15000"/>
+                </a:schemeClr>
+              </a:lnRef>
+              <a:fillRef idx="1">
+                <a:schemeClr val="accent1"/>
+              </a:fillRef>
+              <a:effectRef idx="0">
+                <a:schemeClr val="accent1"/>
+              </a:effectRef>
+              <a:fontRef idx="minor">
+                <a:schemeClr val="lt1"/>
+              </a:fontRef>
+            </p:style>
+            <p:txBody>
+              <a:bodyPr rtlCol="0" anchor="ctr"/>
+              <a:lstStyle/>
+              <a:p>
+                <a:pPr algn="ctr"/>
+                <a:endParaRPr kumimoji="1" lang="ja-JP" altLang="en-US"/>
+              </a:p>
+            </p:txBody>
+          </p:sp>
+          <p:sp>
+            <p:nvSpPr>
+              <p:cNvPr id="82" name="二等辺三角形 81">
+                <a:extLst>
+                  <a:ext uri="{FF2B5EF4-FFF2-40B4-BE49-F238E27FC236}">
+                    <a16:creationId xmlns:a16="http://schemas.microsoft.com/office/drawing/2014/main" id="{E054E963-77C4-600C-57DB-64360BE67C54}"/>
+                  </a:ext>
+                </a:extLst>
+              </p:cNvPr>
+              <p:cNvSpPr/>
+              <p:nvPr/>
+            </p:nvSpPr>
+            <p:spPr>
+              <a:xfrm rot="10800000">
+                <a:off x="4435096" y="3798103"/>
+                <a:ext cx="184934" cy="159426"/>
+              </a:xfrm>
+              <a:prstGeom prst="triangle">
+                <a:avLst/>
+              </a:prstGeom>
+              <a:solidFill>
+                <a:schemeClr val="tx2">
+                  <a:lumMod val="20000"/>
+                  <a:lumOff val="80000"/>
+                </a:schemeClr>
+              </a:solidFill>
+              <a:ln>
+                <a:noFill/>
+              </a:ln>
+            </p:spPr>
+            <p:style>
+              <a:lnRef idx="2">
+                <a:schemeClr val="accent1">
+                  <a:shade val="15000"/>
+                </a:schemeClr>
+              </a:lnRef>
+              <a:fillRef idx="1">
+                <a:schemeClr val="accent1"/>
+              </a:fillRef>
+              <a:effectRef idx="0">
+                <a:schemeClr val="accent1"/>
+              </a:effectRef>
+              <a:fontRef idx="minor">
+                <a:schemeClr val="lt1"/>
+              </a:fontRef>
+            </p:style>
+            <p:txBody>
+              <a:bodyPr rtlCol="0" anchor="ctr"/>
+              <a:lstStyle/>
+              <a:p>
+                <a:pPr algn="ctr"/>
+                <a:endParaRPr kumimoji="1" lang="ja-JP" altLang="en-US"/>
+              </a:p>
+            </p:txBody>
+          </p:sp>
+          <p:sp>
+            <p:nvSpPr>
+              <p:cNvPr id="92" name="二等辺三角形 91">
+                <a:extLst>
+                  <a:ext uri="{FF2B5EF4-FFF2-40B4-BE49-F238E27FC236}">
+                    <a16:creationId xmlns:a16="http://schemas.microsoft.com/office/drawing/2014/main" id="{C2432BC8-2193-1531-A350-34C92EA762D9}"/>
+                  </a:ext>
+                </a:extLst>
+              </p:cNvPr>
+              <p:cNvSpPr/>
+              <p:nvPr/>
+            </p:nvSpPr>
+            <p:spPr>
+              <a:xfrm rot="10800000">
+                <a:off x="4439577" y="2414878"/>
+                <a:ext cx="184934" cy="159426"/>
+              </a:xfrm>
+              <a:prstGeom prst="triangle">
+                <a:avLst/>
+              </a:prstGeom>
+              <a:solidFill>
+                <a:schemeClr val="tx2">
+                  <a:lumMod val="20000"/>
+                  <a:lumOff val="80000"/>
+                </a:schemeClr>
+              </a:solidFill>
+              <a:ln>
+                <a:noFill/>
+              </a:ln>
+            </p:spPr>
+            <p:style>
+              <a:lnRef idx="2">
+                <a:schemeClr val="accent1">
+                  <a:shade val="15000"/>
+                </a:schemeClr>
+              </a:lnRef>
+              <a:fillRef idx="1">
+                <a:schemeClr val="accent1"/>
+              </a:fillRef>
+              <a:effectRef idx="0">
+                <a:schemeClr val="accent1"/>
+              </a:effectRef>
+              <a:fontRef idx="minor">
+                <a:schemeClr val="lt1"/>
+              </a:fontRef>
+            </p:style>
+            <p:txBody>
+              <a:bodyPr rtlCol="0" anchor="ctr"/>
+              <a:lstStyle/>
+              <a:p>
+                <a:pPr algn="ctr"/>
+                <a:endParaRPr kumimoji="1" lang="ja-JP" altLang="en-US"/>
+              </a:p>
+            </p:txBody>
+          </p:sp>
+          <p:sp>
+            <p:nvSpPr>
+              <p:cNvPr id="93" name="二等辺三角形 92">
+                <a:extLst>
+                  <a:ext uri="{FF2B5EF4-FFF2-40B4-BE49-F238E27FC236}">
+                    <a16:creationId xmlns:a16="http://schemas.microsoft.com/office/drawing/2014/main" id="{BDEDF5D3-FBE7-EA2B-0F7F-06DDF52A1643}"/>
+                  </a:ext>
+                </a:extLst>
+              </p:cNvPr>
+              <p:cNvSpPr/>
+              <p:nvPr/>
+            </p:nvSpPr>
+            <p:spPr>
+              <a:xfrm rot="10800000">
+                <a:off x="4432188" y="2068333"/>
+                <a:ext cx="184934" cy="159426"/>
+              </a:xfrm>
+              <a:prstGeom prst="triangle">
+                <a:avLst/>
+              </a:prstGeom>
+              <a:solidFill>
+                <a:schemeClr val="tx2">
+                  <a:lumMod val="20000"/>
+                  <a:lumOff val="80000"/>
+                </a:schemeClr>
+              </a:solidFill>
+              <a:ln>
+                <a:noFill/>
+              </a:ln>
+            </p:spPr>
+            <p:style>
+              <a:lnRef idx="2">
+                <a:schemeClr val="accent1">
+                  <a:shade val="15000"/>
+                </a:schemeClr>
+              </a:lnRef>
+              <a:fillRef idx="1">
+                <a:schemeClr val="accent1"/>
+              </a:fillRef>
+              <a:effectRef idx="0">
+                <a:schemeClr val="accent1"/>
+              </a:effectRef>
+              <a:fontRef idx="minor">
+                <a:schemeClr val="lt1"/>
+              </a:fontRef>
+            </p:style>
+            <p:txBody>
+              <a:bodyPr rtlCol="0" anchor="ctr"/>
+              <a:lstStyle/>
+              <a:p>
+                <a:pPr algn="ctr"/>
+                <a:endParaRPr kumimoji="1" lang="ja-JP" altLang="en-US"/>
+              </a:p>
+            </p:txBody>
+          </p:sp>
+        </p:grpSp>
+      </p:grpSp>
+      <p:grpSp>
+        <p:nvGrpSpPr>
+          <p:cNvPr id="108" name="グループ化 107">
+            <a:extLst>
+              <a:ext uri="{FF2B5EF4-FFF2-40B4-BE49-F238E27FC236}">
+                <a16:creationId xmlns:a16="http://schemas.microsoft.com/office/drawing/2014/main" id="{2025C86C-0BA4-D6DE-067C-05CDA97E6238}"/>
+              </a:ext>
+            </a:extLst>
+          </p:cNvPr>
+          <p:cNvGrpSpPr/>
+          <p:nvPr/>
+        </p:nvGrpSpPr>
+        <p:grpSpPr>
+          <a:xfrm rot="18000000">
+            <a:off x="5988383" y="1378818"/>
+            <a:ext cx="537251" cy="3632494"/>
+            <a:chOff x="6407961" y="992785"/>
+            <a:chExt cx="537251" cy="3632494"/>
+          </a:xfrm>
+        </p:grpSpPr>
+        <p:sp>
+          <p:nvSpPr>
+            <p:cNvPr id="75" name="楕円 74">
+              <a:extLst>
+                <a:ext uri="{FF2B5EF4-FFF2-40B4-BE49-F238E27FC236}">
+                  <a16:creationId xmlns:a16="http://schemas.microsoft.com/office/drawing/2014/main" id="{B5FA6037-F4A0-EABA-77CD-9087053F8008}"/>
+                </a:ext>
+              </a:extLst>
+            </p:cNvPr>
+            <p:cNvSpPr/>
+            <p:nvPr/>
+          </p:nvSpPr>
+          <p:spPr>
+            <a:xfrm>
+              <a:off x="6407961" y="4088028"/>
+              <a:ext cx="537251" cy="537251"/>
+            </a:xfrm>
+            <a:prstGeom prst="ellipse">
+              <a:avLst/>
+            </a:prstGeom>
+            <a:solidFill>
+              <a:schemeClr val="tx2">
+                <a:lumMod val="60000"/>
+                <a:lumOff val="40000"/>
+              </a:schemeClr>
+            </a:solidFill>
+            <a:ln>
+              <a:noFill/>
+            </a:ln>
+          </p:spPr>
+          <p:style>
+            <a:lnRef idx="2">
+              <a:schemeClr val="accent1">
+                <a:shade val="15000"/>
+              </a:schemeClr>
+            </a:lnRef>
+            <a:fillRef idx="1">
+              <a:schemeClr val="accent1"/>
+            </a:fillRef>
+            <a:effectRef idx="0">
+              <a:schemeClr val="accent1"/>
+            </a:effectRef>
+            <a:fontRef idx="minor">
+              <a:schemeClr val="lt1"/>
+            </a:fontRef>
+          </p:style>
+          <p:txBody>
+            <a:bodyPr rtlCol="0" anchor="ctr"/>
+            <a:lstStyle/>
+            <a:p>
+              <a:pPr algn="ctr"/>
+              <a:endParaRPr kumimoji="1" lang="ja-JP" altLang="en-US" dirty="0"/>
+            </a:p>
+          </p:txBody>
+        </p:sp>
+        <p:grpSp>
+          <p:nvGrpSpPr>
+            <p:cNvPr id="107" name="グループ化 106">
+              <a:extLst>
+                <a:ext uri="{FF2B5EF4-FFF2-40B4-BE49-F238E27FC236}">
+                  <a16:creationId xmlns:a16="http://schemas.microsoft.com/office/drawing/2014/main" id="{FE94F500-BF6A-49E6-0344-CF5A293B479D}"/>
+                </a:ext>
+              </a:extLst>
+            </p:cNvPr>
+            <p:cNvGrpSpPr/>
+            <p:nvPr/>
+          </p:nvGrpSpPr>
+          <p:grpSpPr>
+            <a:xfrm>
+              <a:off x="6584121" y="992785"/>
+              <a:ext cx="184936" cy="2909039"/>
+              <a:chOff x="4970611" y="1675918"/>
+              <a:chExt cx="184936" cy="2909039"/>
+            </a:xfrm>
+          </p:grpSpPr>
+          <p:grpSp>
+            <p:nvGrpSpPr>
+              <p:cNvPr id="96" name="グループ化 95">
+                <a:extLst>
+                  <a:ext uri="{FF2B5EF4-FFF2-40B4-BE49-F238E27FC236}">
+                    <a16:creationId xmlns:a16="http://schemas.microsoft.com/office/drawing/2014/main" id="{4E1955A2-C958-5C2F-C9D3-9971C0FB2E0C}"/>
+                  </a:ext>
+                </a:extLst>
+              </p:cNvPr>
+              <p:cNvGrpSpPr/>
+              <p:nvPr/>
+            </p:nvGrpSpPr>
+            <p:grpSpPr>
+              <a:xfrm>
+                <a:off x="4970612" y="1675918"/>
+                <a:ext cx="184935" cy="1878739"/>
+                <a:chOff x="6858976" y="1857188"/>
+                <a:chExt cx="184935" cy="1878739"/>
+              </a:xfrm>
+            </p:grpSpPr>
+            <p:grpSp>
+              <p:nvGrpSpPr>
+                <p:cNvPr id="76" name="グループ化 75">
+                  <a:extLst>
+                    <a:ext uri="{FF2B5EF4-FFF2-40B4-BE49-F238E27FC236}">
+                      <a16:creationId xmlns:a16="http://schemas.microsoft.com/office/drawing/2014/main" id="{7B08000B-FC35-C1FC-73C2-25AEA7F42F98}"/>
+                    </a:ext>
+                  </a:extLst>
+                </p:cNvPr>
+                <p:cNvGrpSpPr/>
+                <p:nvPr/>
+              </p:nvGrpSpPr>
+              <p:grpSpPr>
+                <a:xfrm>
+                  <a:off x="6858976" y="1857188"/>
+                  <a:ext cx="184935" cy="849560"/>
+                  <a:chOff x="3121684" y="2430493"/>
+                  <a:chExt cx="184935" cy="849560"/>
+                </a:xfrm>
+              </p:grpSpPr>
+              <p:sp>
+                <p:nvSpPr>
+                  <p:cNvPr id="77" name="二等辺三角形 76">
+                    <a:extLst>
+                      <a:ext uri="{FF2B5EF4-FFF2-40B4-BE49-F238E27FC236}">
+                        <a16:creationId xmlns:a16="http://schemas.microsoft.com/office/drawing/2014/main" id="{DA8ABE4C-1E2E-4204-9295-FAB17C189B5D}"/>
+                      </a:ext>
+                    </a:extLst>
+                  </p:cNvPr>
+                  <p:cNvSpPr/>
+                  <p:nvPr/>
+                </p:nvSpPr>
+                <p:spPr>
+                  <a:xfrm rot="10800000">
+                    <a:off x="3121685" y="2775560"/>
+                    <a:ext cx="184934" cy="159426"/>
+                  </a:xfrm>
+                  <a:prstGeom prst="triangle">
+                    <a:avLst/>
+                  </a:prstGeom>
+                  <a:solidFill>
+                    <a:schemeClr val="tx2">
+                      <a:lumMod val="20000"/>
+                      <a:lumOff val="80000"/>
+                    </a:schemeClr>
+                  </a:solidFill>
+                  <a:ln>
+                    <a:noFill/>
+                  </a:ln>
+                </p:spPr>
+                <p:style>
+                  <a:lnRef idx="2">
+                    <a:schemeClr val="accent1">
+                      <a:shade val="15000"/>
+                    </a:schemeClr>
+                  </a:lnRef>
+                  <a:fillRef idx="1">
+                    <a:schemeClr val="accent1"/>
+                  </a:fillRef>
+                  <a:effectRef idx="0">
+                    <a:schemeClr val="accent1"/>
+                  </a:effectRef>
+                  <a:fontRef idx="minor">
+                    <a:schemeClr val="lt1"/>
+                  </a:fontRef>
+                </p:style>
+                <p:txBody>
+                  <a:bodyPr rtlCol="0" anchor="ctr"/>
+                  <a:lstStyle/>
+                  <a:p>
+                    <a:pPr algn="ctr"/>
+                    <a:endParaRPr kumimoji="1" lang="ja-JP" altLang="en-US"/>
+                  </a:p>
+                </p:txBody>
+              </p:sp>
+              <p:sp>
+                <p:nvSpPr>
+                  <p:cNvPr id="78" name="二等辺三角形 77">
+                    <a:extLst>
+                      <a:ext uri="{FF2B5EF4-FFF2-40B4-BE49-F238E27FC236}">
+                        <a16:creationId xmlns:a16="http://schemas.microsoft.com/office/drawing/2014/main" id="{AE0DBACF-92BE-8A90-B497-31F035B5E802}"/>
+                      </a:ext>
+                    </a:extLst>
+                  </p:cNvPr>
+                  <p:cNvSpPr/>
+                  <p:nvPr/>
+                </p:nvSpPr>
+                <p:spPr>
+                  <a:xfrm rot="10800000">
+                    <a:off x="3121685" y="2430493"/>
+                    <a:ext cx="184934" cy="159426"/>
+                  </a:xfrm>
+                  <a:prstGeom prst="triangle">
+                    <a:avLst/>
+                  </a:prstGeom>
+                  <a:solidFill>
+                    <a:schemeClr val="tx2">
+                      <a:lumMod val="20000"/>
+                      <a:lumOff val="80000"/>
+                    </a:schemeClr>
+                  </a:solidFill>
+                  <a:ln>
+                    <a:noFill/>
+                  </a:ln>
+                </p:spPr>
+                <p:style>
+                  <a:lnRef idx="2">
+                    <a:schemeClr val="accent1">
+                      <a:shade val="15000"/>
+                    </a:schemeClr>
+                  </a:lnRef>
+                  <a:fillRef idx="1">
+                    <a:schemeClr val="accent1"/>
+                  </a:fillRef>
+                  <a:effectRef idx="0">
+                    <a:schemeClr val="accent1"/>
+                  </a:effectRef>
+                  <a:fontRef idx="minor">
+                    <a:schemeClr val="lt1"/>
+                  </a:fontRef>
+                </p:style>
+                <p:txBody>
+                  <a:bodyPr rtlCol="0" anchor="ctr"/>
+                  <a:lstStyle/>
+                  <a:p>
+                    <a:pPr algn="ctr"/>
+                    <a:endParaRPr kumimoji="1" lang="ja-JP" altLang="en-US"/>
+                  </a:p>
+                </p:txBody>
+              </p:sp>
+              <p:sp>
+                <p:nvSpPr>
+                  <p:cNvPr id="79" name="二等辺三角形 78">
+                    <a:extLst>
+                      <a:ext uri="{FF2B5EF4-FFF2-40B4-BE49-F238E27FC236}">
+                        <a16:creationId xmlns:a16="http://schemas.microsoft.com/office/drawing/2014/main" id="{108E4609-B12A-5A5E-D540-67411125BD06}"/>
+                      </a:ext>
+                    </a:extLst>
+                  </p:cNvPr>
+                  <p:cNvSpPr/>
+                  <p:nvPr/>
+                </p:nvSpPr>
+                <p:spPr>
+                  <a:xfrm rot="10800000">
+                    <a:off x="3121684" y="3120627"/>
+                    <a:ext cx="184934" cy="159426"/>
+                  </a:xfrm>
+                  <a:prstGeom prst="triangle">
+                    <a:avLst/>
+                  </a:prstGeom>
+                  <a:solidFill>
+                    <a:schemeClr val="tx2">
+                      <a:lumMod val="20000"/>
+                      <a:lumOff val="80000"/>
+                    </a:schemeClr>
+                  </a:solidFill>
+                  <a:ln>
+                    <a:noFill/>
+                  </a:ln>
+                </p:spPr>
+                <p:style>
+                  <a:lnRef idx="2">
+                    <a:schemeClr val="accent1">
+                      <a:shade val="15000"/>
+                    </a:schemeClr>
+                  </a:lnRef>
+                  <a:fillRef idx="1">
+                    <a:schemeClr val="accent1"/>
+                  </a:fillRef>
+                  <a:effectRef idx="0">
+                    <a:schemeClr val="accent1"/>
+                  </a:effectRef>
+                  <a:fontRef idx="minor">
+                    <a:schemeClr val="lt1"/>
+                  </a:fontRef>
+                </p:style>
+                <p:txBody>
+                  <a:bodyPr rtlCol="0" anchor="ctr"/>
+                  <a:lstStyle/>
+                  <a:p>
+                    <a:pPr algn="ctr"/>
+                    <a:endParaRPr kumimoji="1" lang="ja-JP" altLang="en-US"/>
+                  </a:p>
+                </p:txBody>
+              </p:sp>
+            </p:grpSp>
+            <p:grpSp>
+              <p:nvGrpSpPr>
+                <p:cNvPr id="84" name="グループ化 83">
+                  <a:extLst>
+                    <a:ext uri="{FF2B5EF4-FFF2-40B4-BE49-F238E27FC236}">
+                      <a16:creationId xmlns:a16="http://schemas.microsoft.com/office/drawing/2014/main" id="{17632678-11D4-C0CA-CB22-F75091747D88}"/>
+                    </a:ext>
+                  </a:extLst>
+                </p:cNvPr>
+                <p:cNvGrpSpPr/>
+                <p:nvPr/>
+              </p:nvGrpSpPr>
+              <p:grpSpPr>
+                <a:xfrm>
+                  <a:off x="6858976" y="2886367"/>
+                  <a:ext cx="184935" cy="849560"/>
+                  <a:chOff x="3121684" y="2430493"/>
+                  <a:chExt cx="184935" cy="849560"/>
+                </a:xfrm>
+              </p:grpSpPr>
+              <p:sp>
+                <p:nvSpPr>
+                  <p:cNvPr id="85" name="二等辺三角形 84">
+                    <a:extLst>
+                      <a:ext uri="{FF2B5EF4-FFF2-40B4-BE49-F238E27FC236}">
+                        <a16:creationId xmlns:a16="http://schemas.microsoft.com/office/drawing/2014/main" id="{67D63F9C-9D92-14E9-D070-DD1A9D904399}"/>
+                      </a:ext>
+                    </a:extLst>
+                  </p:cNvPr>
+                  <p:cNvSpPr/>
+                  <p:nvPr/>
+                </p:nvSpPr>
+                <p:spPr>
+                  <a:xfrm rot="10800000">
+                    <a:off x="3121685" y="2775560"/>
+                    <a:ext cx="184934" cy="159426"/>
+                  </a:xfrm>
+                  <a:prstGeom prst="triangle">
+                    <a:avLst/>
+                  </a:prstGeom>
+                  <a:solidFill>
+                    <a:schemeClr val="tx2">
+                      <a:lumMod val="20000"/>
+                      <a:lumOff val="80000"/>
+                    </a:schemeClr>
+                  </a:solidFill>
+                  <a:ln>
+                    <a:noFill/>
+                  </a:ln>
+                </p:spPr>
+                <p:style>
+                  <a:lnRef idx="2">
+                    <a:schemeClr val="accent1">
+                      <a:shade val="15000"/>
+                    </a:schemeClr>
+                  </a:lnRef>
+                  <a:fillRef idx="1">
+                    <a:schemeClr val="accent1"/>
+                  </a:fillRef>
+                  <a:effectRef idx="0">
+                    <a:schemeClr val="accent1"/>
+                  </a:effectRef>
+                  <a:fontRef idx="minor">
+                    <a:schemeClr val="lt1"/>
+                  </a:fontRef>
+                </p:style>
+                <p:txBody>
+                  <a:bodyPr rtlCol="0" anchor="ctr"/>
+                  <a:lstStyle/>
+                  <a:p>
+                    <a:pPr algn="ctr"/>
+                    <a:endParaRPr kumimoji="1" lang="ja-JP" altLang="en-US"/>
+                  </a:p>
+                </p:txBody>
+              </p:sp>
+              <p:sp>
+                <p:nvSpPr>
+                  <p:cNvPr id="86" name="二等辺三角形 85">
+                    <a:extLst>
+                      <a:ext uri="{FF2B5EF4-FFF2-40B4-BE49-F238E27FC236}">
+                        <a16:creationId xmlns:a16="http://schemas.microsoft.com/office/drawing/2014/main" id="{01F89526-B064-BD63-639D-EF90E1582607}"/>
+                      </a:ext>
+                    </a:extLst>
+                  </p:cNvPr>
+                  <p:cNvSpPr/>
+                  <p:nvPr/>
+                </p:nvSpPr>
+                <p:spPr>
+                  <a:xfrm rot="10800000">
+                    <a:off x="3121685" y="2430493"/>
+                    <a:ext cx="184934" cy="159426"/>
+                  </a:xfrm>
+                  <a:prstGeom prst="triangle">
+                    <a:avLst/>
+                  </a:prstGeom>
+                  <a:solidFill>
+                    <a:schemeClr val="tx2">
+                      <a:lumMod val="20000"/>
+                      <a:lumOff val="80000"/>
+                    </a:schemeClr>
+                  </a:solidFill>
+                  <a:ln>
+                    <a:noFill/>
+                  </a:ln>
+                </p:spPr>
+                <p:style>
+                  <a:lnRef idx="2">
+                    <a:schemeClr val="accent1">
+                      <a:shade val="15000"/>
+                    </a:schemeClr>
+                  </a:lnRef>
+                  <a:fillRef idx="1">
+                    <a:schemeClr val="accent1"/>
+                  </a:fillRef>
+                  <a:effectRef idx="0">
+                    <a:schemeClr val="accent1"/>
+                  </a:effectRef>
+                  <a:fontRef idx="minor">
+                    <a:schemeClr val="lt1"/>
+                  </a:fontRef>
+                </p:style>
+                <p:txBody>
+                  <a:bodyPr rtlCol="0" anchor="ctr"/>
+                  <a:lstStyle/>
+                  <a:p>
+                    <a:pPr algn="ctr"/>
+                    <a:endParaRPr kumimoji="1" lang="ja-JP" altLang="en-US"/>
+                  </a:p>
+                </p:txBody>
+              </p:sp>
+              <p:sp>
+                <p:nvSpPr>
+                  <p:cNvPr id="87" name="二等辺三角形 86">
+                    <a:extLst>
+                      <a:ext uri="{FF2B5EF4-FFF2-40B4-BE49-F238E27FC236}">
+                        <a16:creationId xmlns:a16="http://schemas.microsoft.com/office/drawing/2014/main" id="{CF6B0AF2-1CCD-F5C4-E2CC-5CBCFEB77DFA}"/>
+                      </a:ext>
+                    </a:extLst>
+                  </p:cNvPr>
+                  <p:cNvSpPr/>
+                  <p:nvPr/>
+                </p:nvSpPr>
+                <p:spPr>
+                  <a:xfrm rot="10800000">
+                    <a:off x="3121684" y="3120627"/>
+                    <a:ext cx="184934" cy="159426"/>
+                  </a:xfrm>
+                  <a:prstGeom prst="triangle">
+                    <a:avLst/>
+                  </a:prstGeom>
+                  <a:solidFill>
+                    <a:schemeClr val="tx2">
+                      <a:lumMod val="20000"/>
+                      <a:lumOff val="80000"/>
+                    </a:schemeClr>
+                  </a:solidFill>
+                  <a:ln>
+                    <a:noFill/>
+                  </a:ln>
+                </p:spPr>
+                <p:style>
+                  <a:lnRef idx="2">
+                    <a:schemeClr val="accent1">
+                      <a:shade val="15000"/>
+                    </a:schemeClr>
+                  </a:lnRef>
+                  <a:fillRef idx="1">
+                    <a:schemeClr val="accent1"/>
+                  </a:fillRef>
+                  <a:effectRef idx="0">
+                    <a:schemeClr val="accent1"/>
+                  </a:effectRef>
+                  <a:fontRef idx="minor">
+                    <a:schemeClr val="lt1"/>
+                  </a:fontRef>
+                </p:style>
+                <p:txBody>
+                  <a:bodyPr rtlCol="0" anchor="ctr"/>
+                  <a:lstStyle/>
+                  <a:p>
+                    <a:pPr algn="ctr"/>
+                    <a:endParaRPr kumimoji="1" lang="ja-JP" altLang="en-US"/>
+                  </a:p>
+                </p:txBody>
+              </p:sp>
+            </p:grpSp>
+          </p:grpSp>
+          <p:grpSp>
+            <p:nvGrpSpPr>
+              <p:cNvPr id="100" name="グループ化 99">
+                <a:extLst>
+                  <a:ext uri="{FF2B5EF4-FFF2-40B4-BE49-F238E27FC236}">
+                    <a16:creationId xmlns:a16="http://schemas.microsoft.com/office/drawing/2014/main" id="{8BB6C6BC-EEA3-5BD9-8718-03F0C502BE63}"/>
+                  </a:ext>
+                </a:extLst>
+              </p:cNvPr>
+              <p:cNvGrpSpPr/>
+              <p:nvPr/>
+            </p:nvGrpSpPr>
+            <p:grpSpPr>
+              <a:xfrm>
+                <a:off x="4970611" y="3735397"/>
+                <a:ext cx="184935" cy="849560"/>
+                <a:chOff x="3121684" y="2430493"/>
+                <a:chExt cx="184935" cy="849560"/>
+              </a:xfrm>
+            </p:grpSpPr>
+            <p:sp>
+              <p:nvSpPr>
+                <p:cNvPr id="101" name="二等辺三角形 100">
+                  <a:extLst>
+                    <a:ext uri="{FF2B5EF4-FFF2-40B4-BE49-F238E27FC236}">
+                      <a16:creationId xmlns:a16="http://schemas.microsoft.com/office/drawing/2014/main" id="{811A12C7-8822-E821-4138-9AE44C98F75E}"/>
+                    </a:ext>
+                  </a:extLst>
+                </p:cNvPr>
+                <p:cNvSpPr/>
+                <p:nvPr/>
+              </p:nvSpPr>
+              <p:spPr>
+                <a:xfrm rot="10800000">
+                  <a:off x="3121685" y="2775560"/>
+                  <a:ext cx="184934" cy="159426"/>
+                </a:xfrm>
+                <a:prstGeom prst="triangle">
+                  <a:avLst/>
+                </a:prstGeom>
+                <a:solidFill>
+                  <a:schemeClr val="tx2">
+                    <a:lumMod val="20000"/>
+                    <a:lumOff val="80000"/>
+                  </a:schemeClr>
+                </a:solidFill>
+                <a:ln>
+                  <a:noFill/>
+                </a:ln>
+              </p:spPr>
+              <p:style>
+                <a:lnRef idx="2">
+                  <a:schemeClr val="accent1">
+                    <a:shade val="15000"/>
+                  </a:schemeClr>
+                </a:lnRef>
+                <a:fillRef idx="1">
+                  <a:schemeClr val="accent1"/>
+                </a:fillRef>
+                <a:effectRef idx="0">
+                  <a:schemeClr val="accent1"/>
+                </a:effectRef>
+                <a:fontRef idx="minor">
+                  <a:schemeClr val="lt1"/>
+                </a:fontRef>
+              </p:style>
+              <p:txBody>
+                <a:bodyPr rtlCol="0" anchor="ctr"/>
+                <a:lstStyle/>
+                <a:p>
+                  <a:pPr algn="ctr"/>
+                  <a:endParaRPr kumimoji="1" lang="ja-JP" altLang="en-US"/>
+                </a:p>
+              </p:txBody>
+            </p:sp>
+            <p:sp>
+              <p:nvSpPr>
+                <p:cNvPr id="102" name="二等辺三角形 101">
+                  <a:extLst>
+                    <a:ext uri="{FF2B5EF4-FFF2-40B4-BE49-F238E27FC236}">
+                      <a16:creationId xmlns:a16="http://schemas.microsoft.com/office/drawing/2014/main" id="{C78D8E24-25E9-F78F-86C4-E731EBAB70DA}"/>
+                    </a:ext>
+                  </a:extLst>
+                </p:cNvPr>
+                <p:cNvSpPr/>
+                <p:nvPr/>
+              </p:nvSpPr>
+              <p:spPr>
+                <a:xfrm rot="10800000">
+                  <a:off x="3121685" y="2430493"/>
+                  <a:ext cx="184934" cy="159426"/>
+                </a:xfrm>
+                <a:prstGeom prst="triangle">
+                  <a:avLst/>
+                </a:prstGeom>
+                <a:solidFill>
+                  <a:schemeClr val="tx2">
+                    <a:lumMod val="20000"/>
+                    <a:lumOff val="80000"/>
+                  </a:schemeClr>
+                </a:solidFill>
+                <a:ln>
+                  <a:noFill/>
+                </a:ln>
+              </p:spPr>
+              <p:style>
+                <a:lnRef idx="2">
+                  <a:schemeClr val="accent1">
+                    <a:shade val="15000"/>
+                  </a:schemeClr>
+                </a:lnRef>
+                <a:fillRef idx="1">
+                  <a:schemeClr val="accent1"/>
+                </a:fillRef>
+                <a:effectRef idx="0">
+                  <a:schemeClr val="accent1"/>
+                </a:effectRef>
+                <a:fontRef idx="minor">
+                  <a:schemeClr val="lt1"/>
+                </a:fontRef>
+              </p:style>
+              <p:txBody>
+                <a:bodyPr rtlCol="0" anchor="ctr"/>
+                <a:lstStyle/>
+                <a:p>
+                  <a:pPr algn="ctr"/>
+                  <a:endParaRPr kumimoji="1" lang="ja-JP" altLang="en-US"/>
+                </a:p>
+              </p:txBody>
+            </p:sp>
+            <p:sp>
+              <p:nvSpPr>
+                <p:cNvPr id="103" name="二等辺三角形 102">
+                  <a:extLst>
+                    <a:ext uri="{FF2B5EF4-FFF2-40B4-BE49-F238E27FC236}">
+                      <a16:creationId xmlns:a16="http://schemas.microsoft.com/office/drawing/2014/main" id="{B8FD81BB-3637-90F7-385D-3415A432E2B1}"/>
+                    </a:ext>
+                  </a:extLst>
+                </p:cNvPr>
+                <p:cNvSpPr/>
+                <p:nvPr/>
+              </p:nvSpPr>
+              <p:spPr>
+                <a:xfrm rot="10800000">
+                  <a:off x="3121684" y="3120627"/>
+                  <a:ext cx="184934" cy="159426"/>
+                </a:xfrm>
+                <a:prstGeom prst="triangle">
+                  <a:avLst/>
+                </a:prstGeom>
+                <a:solidFill>
+                  <a:schemeClr val="tx2">
+                    <a:lumMod val="20000"/>
+                    <a:lumOff val="80000"/>
+                  </a:schemeClr>
+                </a:solidFill>
+                <a:ln>
+                  <a:noFill/>
+                </a:ln>
+              </p:spPr>
+              <p:style>
+                <a:lnRef idx="2">
+                  <a:schemeClr val="accent1">
+                    <a:shade val="15000"/>
+                  </a:schemeClr>
+                </a:lnRef>
+                <a:fillRef idx="1">
+                  <a:schemeClr val="accent1"/>
+                </a:fillRef>
+                <a:effectRef idx="0">
+                  <a:schemeClr val="accent1"/>
+                </a:effectRef>
+                <a:fontRef idx="minor">
+                  <a:schemeClr val="lt1"/>
+                </a:fontRef>
+              </p:style>
+              <p:txBody>
+                <a:bodyPr rtlCol="0" anchor="ctr"/>
+                <a:lstStyle/>
+                <a:p>
+                  <a:pPr algn="ctr"/>
+                  <a:endParaRPr kumimoji="1" lang="ja-JP" altLang="en-US"/>
+                </a:p>
+              </p:txBody>
+            </p:sp>
+          </p:grpSp>
+        </p:grpSp>
+      </p:grpSp>
+    </p:spTree>
+    <p:extLst>
+      <p:ext uri="{BB962C8B-B14F-4D97-AF65-F5344CB8AC3E}">
+        <p14:creationId xmlns:p14="http://schemas.microsoft.com/office/powerpoint/2010/main" val="176038824"/>
+      </p:ext>
+    </p:extLst>
+  </p:cSld>
+  <p:clrMapOvr>
+    <a:masterClrMapping/>
+  </p:clrMapOvr>
+  <mc:AlternateContent xmlns:mc="http://schemas.openxmlformats.org/markup-compatibility/2006" xmlns:p159="http://schemas.microsoft.com/office/powerpoint/2015/09/main">
+    <mc:Choice Requires="p159">
+      <p:transition spd="slow">
+        <p159:morph option="byObject"/>
+      </p:transition>
+    </mc:Choice>
+    <mc:Fallback xmlns="">
+      <p:transition spd="slow">
+        <p:fade/>
+      </p:transition>
+    </mc:Fallback>
+  </mc:AlternateContent>
 </p:sld>
 </file>
 
